--- a/PRD-2017-G25-需求工程计划PPTV0.2.pptx
+++ b/PRD-2017-G25-需求工程计划PPTV0.2.pptx
@@ -5,16 +5,16 @@
     <p:sldMasterId id="2147483648" r:id="rId2"/>
   </p:sldMasterIdLst>
   <p:notesMasterIdLst>
-    <p:notesMasterId r:id="rId62"/>
+    <p:notesMasterId r:id="rId64"/>
   </p:notesMasterIdLst>
   <p:handoutMasterIdLst>
-    <p:handoutMasterId r:id="rId63"/>
+    <p:handoutMasterId r:id="rId65"/>
   </p:handoutMasterIdLst>
   <p:sldIdLst>
     <p:sldId id="257" r:id="rId3"/>
     <p:sldId id="263" r:id="rId4"/>
-    <p:sldId id="261" r:id="rId5"/>
-    <p:sldId id="269" r:id="rId6"/>
+    <p:sldId id="269" r:id="rId5"/>
+    <p:sldId id="261" r:id="rId6"/>
     <p:sldId id="262" r:id="rId7"/>
     <p:sldId id="259" r:id="rId8"/>
     <p:sldId id="264" r:id="rId9"/>
@@ -30,46 +30,48 @@
     <p:sldId id="297" r:id="rId19"/>
     <p:sldId id="298" r:id="rId20"/>
     <p:sldId id="299" r:id="rId21"/>
-    <p:sldId id="300" r:id="rId22"/>
+    <p:sldId id="329" r:id="rId22"/>
     <p:sldId id="319" r:id="rId23"/>
-    <p:sldId id="304" r:id="rId24"/>
-    <p:sldId id="302" r:id="rId25"/>
-    <p:sldId id="303" r:id="rId26"/>
-    <p:sldId id="279" r:id="rId27"/>
-    <p:sldId id="280" r:id="rId28"/>
-    <p:sldId id="281" r:id="rId29"/>
-    <p:sldId id="282" r:id="rId30"/>
-    <p:sldId id="284" r:id="rId31"/>
-    <p:sldId id="285" r:id="rId32"/>
-    <p:sldId id="287" r:id="rId33"/>
-    <p:sldId id="288" r:id="rId34"/>
-    <p:sldId id="289" r:id="rId35"/>
-    <p:sldId id="290" r:id="rId36"/>
-    <p:sldId id="291" r:id="rId37"/>
-    <p:sldId id="292" r:id="rId38"/>
-    <p:sldId id="293" r:id="rId39"/>
-    <p:sldId id="305" r:id="rId40"/>
-    <p:sldId id="306" r:id="rId41"/>
-    <p:sldId id="307" r:id="rId42"/>
-    <p:sldId id="294" r:id="rId43"/>
-    <p:sldId id="295" r:id="rId44"/>
-    <p:sldId id="301" r:id="rId45"/>
-    <p:sldId id="321" r:id="rId46"/>
-    <p:sldId id="322" r:id="rId47"/>
-    <p:sldId id="323" r:id="rId48"/>
-    <p:sldId id="324" r:id="rId49"/>
-    <p:sldId id="327" r:id="rId50"/>
-    <p:sldId id="325" r:id="rId51"/>
-    <p:sldId id="308" r:id="rId52"/>
-    <p:sldId id="309" r:id="rId53"/>
-    <p:sldId id="310" r:id="rId54"/>
-    <p:sldId id="311" r:id="rId55"/>
-    <p:sldId id="314" r:id="rId56"/>
-    <p:sldId id="315" r:id="rId57"/>
-    <p:sldId id="316" r:id="rId58"/>
-    <p:sldId id="317" r:id="rId59"/>
-    <p:sldId id="328" r:id="rId60"/>
-    <p:sldId id="318" r:id="rId61"/>
+    <p:sldId id="330" r:id="rId24"/>
+    <p:sldId id="304" r:id="rId25"/>
+    <p:sldId id="302" r:id="rId26"/>
+    <p:sldId id="303" r:id="rId27"/>
+    <p:sldId id="279" r:id="rId28"/>
+    <p:sldId id="280" r:id="rId29"/>
+    <p:sldId id="281" r:id="rId30"/>
+    <p:sldId id="282" r:id="rId31"/>
+    <p:sldId id="284" r:id="rId32"/>
+    <p:sldId id="285" r:id="rId33"/>
+    <p:sldId id="287" r:id="rId34"/>
+    <p:sldId id="288" r:id="rId35"/>
+    <p:sldId id="289" r:id="rId36"/>
+    <p:sldId id="290" r:id="rId37"/>
+    <p:sldId id="291" r:id="rId38"/>
+    <p:sldId id="292" r:id="rId39"/>
+    <p:sldId id="293" r:id="rId40"/>
+    <p:sldId id="305" r:id="rId41"/>
+    <p:sldId id="306" r:id="rId42"/>
+    <p:sldId id="307" r:id="rId43"/>
+    <p:sldId id="294" r:id="rId44"/>
+    <p:sldId id="295" r:id="rId45"/>
+    <p:sldId id="301" r:id="rId46"/>
+    <p:sldId id="321" r:id="rId47"/>
+    <p:sldId id="322" r:id="rId48"/>
+    <p:sldId id="323" r:id="rId49"/>
+    <p:sldId id="324" r:id="rId50"/>
+    <p:sldId id="327" r:id="rId51"/>
+    <p:sldId id="325" r:id="rId52"/>
+    <p:sldId id="308" r:id="rId53"/>
+    <p:sldId id="309" r:id="rId54"/>
+    <p:sldId id="310" r:id="rId55"/>
+    <p:sldId id="311" r:id="rId56"/>
+    <p:sldId id="314" r:id="rId57"/>
+    <p:sldId id="315" r:id="rId58"/>
+    <p:sldId id="316" r:id="rId59"/>
+    <p:sldId id="331" r:id="rId60"/>
+    <p:sldId id="317" r:id="rId61"/>
+    <p:sldId id="328" r:id="rId62"/>
+    <p:sldId id="318" r:id="rId63"/>
   </p:sldIdLst>
   <p:sldSz cx="12192000" cy="6858000"/>
   <p:notesSz cx="7023100" cy="9309100"/>
@@ -370,7 +372,7 @@
           <a:p>
             <a:fld id="{2BCAFC7A-71DD-4C2C-B63D-60FDC7DD5449}" type="datetimeFigureOut">
               <a:rPr lang="en-US" altLang="zh-CN" smtClean="0"/>
-              <a:t>10/29/2017</a:t>
+              <a:t>11/2/2017</a:t>
             </a:fld>
             <a:endParaRPr lang="zh-CN"/>
           </a:p>
@@ -534,7 +536,7 @@
           </a:lstStyle>
           <a:p>
             <a:fld id="{D85ECAFD-F005-4163-B10D-85806DC43F93}" type="datetimeFigureOut">
-              <a:t>2017/10/29</a:t>
+              <a:t>2017/11/2</a:t>
             </a:fld>
             <a:endParaRPr lang="zh-CN"/>
           </a:p>
@@ -1303,7 +1305,7 @@
             <a:fld id="{5257B995-136A-4A15-87A5-26420C3C1021}" type="slidenum">
               <a:rPr lang="en-US" altLang="zh-CN" smtClean="0"/>
               <a:pPr/>
-              <a:t>26</a:t>
+              <a:t>27</a:t>
             </a:fld>
             <a:endParaRPr lang="zh-CN"/>
           </a:p>
@@ -1390,7 +1392,7 @@
             <a:fld id="{5257B995-136A-4A15-87A5-26420C3C1021}" type="slidenum">
               <a:rPr lang="en-US" altLang="zh-CN" smtClean="0"/>
               <a:pPr/>
-              <a:t>27</a:t>
+              <a:t>28</a:t>
             </a:fld>
             <a:endParaRPr lang="zh-CN"/>
           </a:p>
@@ -1477,7 +1479,7 @@
             <a:fld id="{5257B995-136A-4A15-87A5-26420C3C1021}" type="slidenum">
               <a:rPr lang="en-US" altLang="zh-CN" smtClean="0"/>
               <a:pPr/>
-              <a:t>28</a:t>
+              <a:t>29</a:t>
             </a:fld>
             <a:endParaRPr lang="zh-CN"/>
           </a:p>
@@ -1564,7 +1566,7 @@
             <a:fld id="{5257B995-136A-4A15-87A5-26420C3C1021}" type="slidenum">
               <a:rPr lang="en-US" altLang="zh-CN" smtClean="0"/>
               <a:pPr/>
-              <a:t>29</a:t>
+              <a:t>30</a:t>
             </a:fld>
             <a:endParaRPr lang="zh-CN"/>
           </a:p>
@@ -1651,7 +1653,7 @@
             <a:fld id="{5257B995-136A-4A15-87A5-26420C3C1021}" type="slidenum">
               <a:rPr lang="en-US" altLang="zh-CN" smtClean="0"/>
               <a:pPr/>
-              <a:t>30</a:t>
+              <a:t>31</a:t>
             </a:fld>
             <a:endParaRPr lang="zh-CN"/>
           </a:p>
@@ -1738,7 +1740,7 @@
             <a:fld id="{5257B995-136A-4A15-87A5-26420C3C1021}" type="slidenum">
               <a:rPr lang="en-US" altLang="zh-CN" smtClean="0"/>
               <a:pPr/>
-              <a:t>31</a:t>
+              <a:t>32</a:t>
             </a:fld>
             <a:endParaRPr lang="zh-CN"/>
           </a:p>
@@ -1912,7 +1914,7 @@
             <a:fld id="{5257B995-136A-4A15-87A5-26420C3C1021}" type="slidenum">
               <a:rPr lang="en-US" altLang="zh-CN" smtClean="0"/>
               <a:pPr/>
-              <a:t>3</a:t>
+              <a:t>4</a:t>
             </a:fld>
             <a:endParaRPr lang="zh-CN"/>
           </a:p>
@@ -2638,7 +2640,7 @@
           <a:lstStyle/>
           <a:p>
             <a:fld id="{4AAD347D-5ACD-4C99-B74B-A9C85AD731AF}" type="datetimeFigureOut">
-              <a:t>2017/10/29</a:t>
+              <a:t>2017/11/2</a:t>
             </a:fld>
             <a:endParaRPr lang="zh-CN"/>
           </a:p>
@@ -2906,7 +2908,7 @@
           <a:lstStyle/>
           <a:p>
             <a:fld id="{4509A250-FF31-4206-8172-F9D3106AACB1}" type="datetimeFigureOut">
-              <a:t>2017/10/29</a:t>
+              <a:t>2017/11/2</a:t>
             </a:fld>
             <a:endParaRPr lang="zh-CN"/>
           </a:p>
@@ -3026,7 +3028,7 @@
           <a:lstStyle/>
           <a:p>
             <a:fld id="{4509A250-FF31-4206-8172-F9D3106AACB1}" type="datetimeFigureOut">
-              <a:t>2017/10/29</a:t>
+              <a:t>2017/11/2</a:t>
             </a:fld>
             <a:endParaRPr lang="zh-CN"/>
           </a:p>
@@ -3227,7 +3229,7 @@
             <a:fld id="{4509A250-FF31-4206-8172-F9D3106AACB1}" type="datetimeFigureOut">
               <a:rPr lang="en-US" altLang="zh-CN" smtClean="0"/>
               <a:pPr/>
-              <a:t>10/29/2017</a:t>
+              <a:t>11/2/2017</a:t>
             </a:fld>
             <a:endParaRPr lang="zh-CN" altLang="en-US"/>
           </a:p>
@@ -3699,7 +3701,7 @@
           <a:lstStyle/>
           <a:p>
             <a:fld id="{4509A250-FF31-4206-8172-F9D3106AACB1}" type="datetimeFigureOut">
-              <a:t>2017/10/29</a:t>
+              <a:t>2017/11/2</a:t>
             </a:fld>
             <a:endParaRPr lang="zh-CN"/>
           </a:p>
@@ -3833,7 +3835,7 @@
             <a:fld id="{4509A250-FF31-4206-8172-F9D3106AACB1}" type="datetimeFigureOut">
               <a:rPr lang="en-US" altLang="zh-CN" smtClean="0"/>
               <a:pPr/>
-              <a:t>10/29/2017</a:t>
+              <a:t>11/2/2017</a:t>
             </a:fld>
             <a:endParaRPr lang="zh-CN" altLang="en-US"/>
           </a:p>
@@ -4158,7 +4160,7 @@
             <a:fld id="{4509A250-FF31-4206-8172-F9D3106AACB1}" type="datetimeFigureOut">
               <a:rPr lang="en-US" altLang="zh-CN" smtClean="0"/>
               <a:pPr/>
-              <a:t>10/29/2017</a:t>
+              <a:t>11/2/2017</a:t>
             </a:fld>
             <a:endParaRPr lang="zh-CN" altLang="en-US"/>
           </a:p>
@@ -4937,7 +4939,7 @@
           <a:lstStyle/>
           <a:p>
             <a:fld id="{4509A250-FF31-4206-8172-F9D3106AACB1}" type="datetimeFigureOut">
-              <a:t>2017/10/29</a:t>
+              <a:t>2017/11/2</a:t>
             </a:fld>
             <a:endParaRPr lang="zh-CN"/>
           </a:p>
@@ -5790,7 +5792,7 @@
           <a:lstStyle/>
           <a:p>
             <a:fld id="{4509A250-FF31-4206-8172-F9D3106AACB1}" type="datetimeFigureOut">
-              <a:t>2017/10/29</a:t>
+              <a:t>2017/11/2</a:t>
             </a:fld>
             <a:endParaRPr lang="zh-CN"/>
           </a:p>
@@ -5953,7 +5955,7 @@
           <a:lstStyle/>
           <a:p>
             <a:fld id="{4509A250-FF31-4206-8172-F9D3106AACB1}" type="datetimeFigureOut">
-              <a:t>2017/10/29</a:t>
+              <a:t>2017/11/2</a:t>
             </a:fld>
             <a:endParaRPr lang="zh-CN"/>
           </a:p>
@@ -6126,7 +6128,7 @@
           <a:lstStyle/>
           <a:p>
             <a:fld id="{4509A250-FF31-4206-8172-F9D3106AACB1}" type="datetimeFigureOut">
-              <a:t>2017/10/29</a:t>
+              <a:t>2017/11/2</a:t>
             </a:fld>
             <a:endParaRPr lang="zh-CN"/>
           </a:p>
@@ -6289,7 +6291,7 @@
           <a:lstStyle/>
           <a:p>
             <a:fld id="{4509A250-FF31-4206-8172-F9D3106AACB1}" type="datetimeFigureOut">
-              <a:t>2017/10/29</a:t>
+              <a:t>2017/11/2</a:t>
             </a:fld>
             <a:endParaRPr lang="zh-CN"/>
           </a:p>
@@ -6529,7 +6531,7 @@
           <a:lstStyle/>
           <a:p>
             <a:fld id="{9796027F-7875-4030-9381-8BD8C4F21935}" type="datetimeFigureOut">
-              <a:t>2017/10/29</a:t>
+              <a:t>2017/11/2</a:t>
             </a:fld>
             <a:endParaRPr lang="zh-CN"/>
           </a:p>
@@ -6814,7 +6816,7 @@
           <a:lstStyle/>
           <a:p>
             <a:fld id="{9796027F-7875-4030-9381-8BD8C4F21935}" type="datetimeFigureOut">
-              <a:t>2017/10/29</a:t>
+              <a:t>2017/11/2</a:t>
             </a:fld>
             <a:endParaRPr lang="zh-CN"/>
           </a:p>
@@ -7251,7 +7253,7 @@
           <a:lstStyle/>
           <a:p>
             <a:fld id="{9796027F-7875-4030-9381-8BD8C4F21935}" type="datetimeFigureOut">
-              <a:t>2017/10/29</a:t>
+              <a:t>2017/11/2</a:t>
             </a:fld>
             <a:endParaRPr lang="zh-CN"/>
           </a:p>
@@ -7362,7 +7364,7 @@
           <a:lstStyle/>
           <a:p>
             <a:fld id="{4509A250-FF31-4206-8172-F9D3106AACB1}" type="datetimeFigureOut">
-              <a:t>2017/10/29</a:t>
+              <a:t>2017/11/2</a:t>
             </a:fld>
             <a:endParaRPr lang="zh-CN"/>
           </a:p>
@@ -7450,7 +7452,7 @@
           <a:lstStyle/>
           <a:p>
             <a:fld id="{4509A250-FF31-4206-8172-F9D3106AACB1}" type="datetimeFigureOut">
-              <a:t>2017/10/29</a:t>
+              <a:t>2017/11/2</a:t>
             </a:fld>
             <a:endParaRPr lang="zh-CN"/>
           </a:p>
@@ -7722,7 +7724,7 @@
           <a:lstStyle/>
           <a:p>
             <a:fld id="{4509A250-FF31-4206-8172-F9D3106AACB1}" type="datetimeFigureOut">
-              <a:t>2017/10/29</a:t>
+              <a:t>2017/11/2</a:t>
             </a:fld>
             <a:endParaRPr lang="zh-CN"/>
           </a:p>
@@ -7990,7 +7992,7 @@
           <a:lstStyle/>
           <a:p>
             <a:fld id="{4509A250-FF31-4206-8172-F9D3106AACB1}" type="datetimeFigureOut">
-              <a:t>2017/10/29</a:t>
+              <a:t>2017/11/2</a:t>
             </a:fld>
             <a:endParaRPr lang="zh-CN"/>
           </a:p>
@@ -8436,7 +8438,7 @@
             <a:fld id="{4AAD347D-5ACD-4C99-B74B-A9C85AD731AF}" type="datetimeFigureOut">
               <a:rPr lang="en-US" altLang="zh-CN" smtClean="0"/>
               <a:pPr/>
-              <a:t>10/29/2017</a:t>
+              <a:t>11/2/2017</a:t>
             </a:fld>
             <a:endParaRPr lang="zh-CN" altLang="en-US"/>
           </a:p>
@@ -8987,7 +8989,7 @@
                 <a:latin typeface="Microsoft YaHei UI" panose="020B0503020204020204" pitchFamily="34" charset="-122"/>
                 <a:ea typeface="Microsoft YaHei UI" panose="020B0503020204020204" pitchFamily="34" charset="-122"/>
               </a:rPr>
-              <a:t>需求工程计划</a:t>
+              <a:t>需求工程项目计划</a:t>
             </a:r>
             <a:endParaRPr lang="zh-CN" dirty="0">
               <a:latin typeface="Microsoft YaHei UI" panose="020B0503020204020204" pitchFamily="34" charset="-122"/>
@@ -13208,405 +13210,13 @@
       </p:sp>
       <p:pic>
         <p:nvPicPr>
-          <p:cNvPr id="7" name="内容占位符 3"/>
-          <p:cNvPicPr>
-            <a:picLocks noChangeAspect="1"/>
-          </p:cNvPicPr>
-          <p:nvPr/>
-        </p:nvPicPr>
-        <p:blipFill>
-          <a:blip r:embed="rId2"/>
-          <a:stretch>
-            <a:fillRect/>
-          </a:stretch>
-        </p:blipFill>
-        <p:spPr>
-          <a:xfrm>
-            <a:off x="2189920" y="1290174"/>
-            <a:ext cx="7472826" cy="5179163"/>
-          </a:xfrm>
-          <a:prstGeom prst="rect">
-            <a:avLst/>
-          </a:prstGeom>
-        </p:spPr>
-      </p:pic>
-    </p:spTree>
-    <p:extLst>
-      <p:ext uri="{BB962C8B-B14F-4D97-AF65-F5344CB8AC3E}">
-        <p14:creationId xmlns:p14="http://schemas.microsoft.com/office/powerpoint/2010/main" val="3267732190"/>
-      </p:ext>
-    </p:extLst>
-  </p:cSld>
-  <p:clrMapOvr>
-    <a:masterClrMapping/>
-  </p:clrMapOvr>
-</p:sld>
-</file>
-
-<file path=ppt/slides/slide2.xml><?xml version="1.0" encoding="utf-8"?>
-<p:sld xmlns:a="http://schemas.openxmlformats.org/drawingml/2006/main" xmlns:r="http://schemas.openxmlformats.org/officeDocument/2006/relationships" xmlns:p="http://schemas.openxmlformats.org/presentationml/2006/main">
-  <p:cSld>
-    <p:spTree>
-      <p:nvGrpSpPr>
-        <p:cNvPr id="1" name=""/>
-        <p:cNvGrpSpPr/>
-        <p:nvPr/>
-      </p:nvGrpSpPr>
-      <p:grpSpPr>
-        <a:xfrm>
-          <a:off x="0" y="0"/>
-          <a:ext cx="0" cy="0"/>
-          <a:chOff x="0" y="0"/>
-          <a:chExt cx="0" cy="0"/>
-        </a:xfrm>
-      </p:grpSpPr>
-      <p:sp>
-        <p:nvSpPr>
-          <p:cNvPr id="2" name="矩形 1"/>
-          <p:cNvSpPr>
-            <a:spLocks noGrp="1"/>
-          </p:cNvSpPr>
-          <p:nvPr>
-            <p:ph type="title"/>
-          </p:nvPr>
-        </p:nvSpPr>
-        <p:spPr/>
-        <p:txBody>
-          <a:bodyPr/>
-          <a:lstStyle/>
-          <a:p>
-            <a:r>
-              <a:rPr lang="zh-CN" altLang="en-US" dirty="0"/>
-              <a:t>目录</a:t>
-            </a:r>
-            <a:endParaRPr lang="zh-CN" dirty="0">
-              <a:latin typeface="Microsoft YaHei UI" panose="020B0503020204020204" pitchFamily="34" charset="-122"/>
-              <a:ea typeface="Microsoft YaHei UI" panose="020B0503020204020204" pitchFamily="34" charset="-122"/>
-            </a:endParaRPr>
-          </a:p>
-        </p:txBody>
-      </p:sp>
-      <p:sp>
-        <p:nvSpPr>
-          <p:cNvPr id="3" name="矩形 2"/>
-          <p:cNvSpPr>
-            <a:spLocks noGrp="1"/>
-          </p:cNvSpPr>
-          <p:nvPr>
-            <p:ph idx="1"/>
-          </p:nvPr>
-        </p:nvSpPr>
-        <p:spPr/>
-        <p:txBody>
-          <a:bodyPr>
-            <a:normAutofit fontScale="92500" lnSpcReduction="20000"/>
-          </a:bodyPr>
-          <a:lstStyle/>
-          <a:p>
-            <a:r>
-              <a:rPr lang="zh-CN" altLang="en-US" dirty="0">
-                <a:latin typeface="Microsoft YaHei UI" panose="020B0503020204020204" pitchFamily="34" charset="-122"/>
-                <a:ea typeface="Microsoft YaHei UI" panose="020B0503020204020204" pitchFamily="34" charset="-122"/>
-              </a:rPr>
-              <a:t>第</a:t>
-            </a:r>
-            <a:r>
-              <a:rPr lang="en-US" altLang="zh-CN" dirty="0">
-                <a:latin typeface="Microsoft YaHei UI" panose="020B0503020204020204" pitchFamily="34" charset="-122"/>
-                <a:ea typeface="Microsoft YaHei UI" panose="020B0503020204020204" pitchFamily="34" charset="-122"/>
-              </a:rPr>
-              <a:t>1</a:t>
-            </a:r>
-            <a:r>
-              <a:rPr lang="zh-CN" altLang="en-US" dirty="0">
-                <a:latin typeface="Microsoft YaHei UI" panose="020B0503020204020204" pitchFamily="34" charset="-122"/>
-                <a:ea typeface="Microsoft YaHei UI" panose="020B0503020204020204" pitchFamily="34" charset="-122"/>
-              </a:rPr>
-              <a:t>章 引言</a:t>
-            </a:r>
-            <a:endParaRPr lang="en-US" altLang="zh-CN" dirty="0">
-              <a:latin typeface="Microsoft YaHei UI" panose="020B0503020204020204" pitchFamily="34" charset="-122"/>
-              <a:ea typeface="Microsoft YaHei UI" panose="020B0503020204020204" pitchFamily="34" charset="-122"/>
-            </a:endParaRPr>
-          </a:p>
-          <a:p>
-            <a:r>
-              <a:rPr lang="zh-CN" altLang="en-US" dirty="0"/>
-              <a:t>第</a:t>
-            </a:r>
-            <a:r>
-              <a:rPr lang="en-US" altLang="zh-CN" dirty="0"/>
-              <a:t>2</a:t>
-            </a:r>
-            <a:r>
-              <a:rPr lang="zh-CN" altLang="en-US" dirty="0"/>
-              <a:t>章 项目概述</a:t>
-            </a:r>
-            <a:endParaRPr lang="en-US" altLang="zh-CN" dirty="0"/>
-          </a:p>
-          <a:p>
-            <a:r>
-              <a:rPr lang="zh-CN" altLang="en-US" dirty="0">
-                <a:latin typeface="Microsoft YaHei UI" panose="020B0503020204020204" pitchFamily="34" charset="-122"/>
-                <a:ea typeface="Microsoft YaHei UI" panose="020B0503020204020204" pitchFamily="34" charset="-122"/>
-              </a:rPr>
-              <a:t>第</a:t>
-            </a:r>
-            <a:r>
-              <a:rPr lang="en-US" altLang="zh-CN" dirty="0">
-                <a:latin typeface="Microsoft YaHei UI" panose="020B0503020204020204" pitchFamily="34" charset="-122"/>
-                <a:ea typeface="Microsoft YaHei UI" panose="020B0503020204020204" pitchFamily="34" charset="-122"/>
-              </a:rPr>
-              <a:t>3</a:t>
-            </a:r>
-            <a:r>
-              <a:rPr lang="zh-CN" altLang="en-US" dirty="0">
-                <a:latin typeface="Microsoft YaHei UI" panose="020B0503020204020204" pitchFamily="34" charset="-122"/>
-                <a:ea typeface="Microsoft YaHei UI" panose="020B0503020204020204" pitchFamily="34" charset="-122"/>
-              </a:rPr>
-              <a:t>章 时间管理计划</a:t>
-            </a:r>
-            <a:endParaRPr lang="en-US" altLang="zh-CN" dirty="0">
-              <a:latin typeface="Microsoft YaHei UI" panose="020B0503020204020204" pitchFamily="34" charset="-122"/>
-              <a:ea typeface="Microsoft YaHei UI" panose="020B0503020204020204" pitchFamily="34" charset="-122"/>
-            </a:endParaRPr>
-          </a:p>
-          <a:p>
-            <a:r>
-              <a:rPr lang="zh-CN" altLang="en-US" dirty="0"/>
-              <a:t>第</a:t>
-            </a:r>
-            <a:r>
-              <a:rPr lang="en-US" altLang="zh-CN" dirty="0"/>
-              <a:t>4</a:t>
-            </a:r>
-            <a:r>
-              <a:rPr lang="zh-CN" altLang="en-US" dirty="0"/>
-              <a:t>章 范围管理计划</a:t>
-            </a:r>
-            <a:endParaRPr lang="en-US" altLang="zh-CN" dirty="0"/>
-          </a:p>
-          <a:p>
-            <a:r>
-              <a:rPr lang="zh-CN" altLang="en-US" dirty="0">
-                <a:latin typeface="Microsoft YaHei UI" panose="020B0503020204020204" pitchFamily="34" charset="-122"/>
-                <a:ea typeface="Microsoft YaHei UI" panose="020B0503020204020204" pitchFamily="34" charset="-122"/>
-              </a:rPr>
-              <a:t>第</a:t>
-            </a:r>
-            <a:r>
-              <a:rPr lang="en-US" altLang="zh-CN" dirty="0">
-                <a:latin typeface="Microsoft YaHei UI" panose="020B0503020204020204" pitchFamily="34" charset="-122"/>
-                <a:ea typeface="Microsoft YaHei UI" panose="020B0503020204020204" pitchFamily="34" charset="-122"/>
-              </a:rPr>
-              <a:t>5</a:t>
-            </a:r>
-            <a:r>
-              <a:rPr lang="zh-CN" altLang="en-US" dirty="0">
-                <a:latin typeface="Microsoft YaHei UI" panose="020B0503020204020204" pitchFamily="34" charset="-122"/>
-                <a:ea typeface="Microsoft YaHei UI" panose="020B0503020204020204" pitchFamily="34" charset="-122"/>
-              </a:rPr>
-              <a:t>章 质量管理计划</a:t>
-            </a:r>
-            <a:endParaRPr lang="en-US" altLang="zh-CN" dirty="0">
-              <a:latin typeface="Microsoft YaHei UI" panose="020B0503020204020204" pitchFamily="34" charset="-122"/>
-              <a:ea typeface="Microsoft YaHei UI" panose="020B0503020204020204" pitchFamily="34" charset="-122"/>
-            </a:endParaRPr>
-          </a:p>
-          <a:p>
-            <a:r>
-              <a:rPr lang="zh-CN" altLang="en-US" dirty="0"/>
-              <a:t>第</a:t>
-            </a:r>
-            <a:r>
-              <a:rPr lang="en-US" altLang="zh-CN" dirty="0"/>
-              <a:t>6</a:t>
-            </a:r>
-            <a:r>
-              <a:rPr lang="zh-CN" altLang="en-US" dirty="0"/>
-              <a:t>章 沟通管理计划</a:t>
-            </a:r>
-            <a:endParaRPr lang="en-US" altLang="zh-CN" dirty="0"/>
-          </a:p>
-          <a:p>
-            <a:r>
-              <a:rPr lang="zh-CN" altLang="en-US" dirty="0">
-                <a:latin typeface="Microsoft YaHei UI" panose="020B0503020204020204" pitchFamily="34" charset="-122"/>
-                <a:ea typeface="Microsoft YaHei UI" panose="020B0503020204020204" pitchFamily="34" charset="-122"/>
-              </a:rPr>
-              <a:t>第</a:t>
-            </a:r>
-            <a:r>
-              <a:rPr lang="en-US" altLang="zh-CN" dirty="0">
-                <a:latin typeface="Microsoft YaHei UI" panose="020B0503020204020204" pitchFamily="34" charset="-122"/>
-                <a:ea typeface="Microsoft YaHei UI" panose="020B0503020204020204" pitchFamily="34" charset="-122"/>
-              </a:rPr>
-              <a:t>7</a:t>
-            </a:r>
-            <a:r>
-              <a:rPr lang="zh-CN" altLang="en-US" dirty="0">
-                <a:latin typeface="Microsoft YaHei UI" panose="020B0503020204020204" pitchFamily="34" charset="-122"/>
-                <a:ea typeface="Microsoft YaHei UI" panose="020B0503020204020204" pitchFamily="34" charset="-122"/>
-              </a:rPr>
-              <a:t>章 风险管理计划</a:t>
-            </a:r>
-            <a:endParaRPr lang="en-US" altLang="zh-CN" dirty="0">
-              <a:latin typeface="Microsoft YaHei UI" panose="020B0503020204020204" pitchFamily="34" charset="-122"/>
-              <a:ea typeface="Microsoft YaHei UI" panose="020B0503020204020204" pitchFamily="34" charset="-122"/>
-            </a:endParaRPr>
-          </a:p>
-          <a:p>
-            <a:r>
-              <a:rPr lang="zh-CN" altLang="en-US" dirty="0"/>
-              <a:t>第</a:t>
-            </a:r>
-            <a:r>
-              <a:rPr lang="en-US" altLang="zh-CN" dirty="0"/>
-              <a:t>8</a:t>
-            </a:r>
-            <a:r>
-              <a:rPr lang="zh-CN" altLang="en-US" dirty="0"/>
-              <a:t>章 配置系统管理指南</a:t>
-            </a:r>
-            <a:endParaRPr lang="en-US" altLang="zh-CN" dirty="0"/>
-          </a:p>
-          <a:p>
-            <a:r>
-              <a:rPr lang="zh-CN" altLang="en-US" dirty="0">
-                <a:latin typeface="Microsoft YaHei UI" panose="020B0503020204020204" pitchFamily="34" charset="-122"/>
-                <a:ea typeface="Microsoft YaHei UI" panose="020B0503020204020204" pitchFamily="34" charset="-122"/>
-              </a:rPr>
-              <a:t>第</a:t>
-            </a:r>
-            <a:r>
-              <a:rPr lang="en-US" altLang="zh-CN" dirty="0"/>
-              <a:t>9</a:t>
-            </a:r>
-            <a:r>
-              <a:rPr lang="zh-CN" altLang="en-US" dirty="0"/>
-              <a:t>章 过程文件</a:t>
-            </a:r>
-            <a:endParaRPr lang="en-US" altLang="zh-CN" dirty="0">
-              <a:latin typeface="Microsoft YaHei UI" panose="020B0503020204020204" pitchFamily="34" charset="-122"/>
-              <a:ea typeface="Microsoft YaHei UI" panose="020B0503020204020204" pitchFamily="34" charset="-122"/>
-            </a:endParaRPr>
-          </a:p>
-          <a:p>
-            <a:r>
-              <a:rPr lang="zh-CN" altLang="en-US" dirty="0"/>
-              <a:t>第</a:t>
-            </a:r>
-            <a:r>
-              <a:rPr lang="en-US" altLang="zh-CN" dirty="0"/>
-              <a:t>10</a:t>
-            </a:r>
-            <a:r>
-              <a:rPr lang="zh-CN" altLang="en-US" dirty="0"/>
-              <a:t>章 参考资料</a:t>
-            </a:r>
-            <a:endParaRPr lang="en-US" altLang="zh-CN" dirty="0"/>
-          </a:p>
-          <a:p>
-            <a:r>
-              <a:rPr lang="zh-CN" altLang="en-US" dirty="0">
-                <a:latin typeface="Microsoft YaHei UI" panose="020B0503020204020204" pitchFamily="34" charset="-122"/>
-                <a:ea typeface="Microsoft YaHei UI" panose="020B0503020204020204" pitchFamily="34" charset="-122"/>
-              </a:rPr>
-              <a:t>第</a:t>
-            </a:r>
-            <a:r>
-              <a:rPr lang="en-US" altLang="zh-CN" dirty="0"/>
-              <a:t>11</a:t>
-            </a:r>
-            <a:r>
-              <a:rPr lang="zh-CN" altLang="en-US" dirty="0"/>
-              <a:t>章 小组分工</a:t>
-            </a:r>
-            <a:endParaRPr lang="zh-CN" dirty="0">
-              <a:latin typeface="Microsoft YaHei UI" panose="020B0503020204020204" pitchFamily="34" charset="-122"/>
-              <a:ea typeface="Microsoft YaHei UI" panose="020B0503020204020204" pitchFamily="34" charset="-122"/>
-            </a:endParaRPr>
-          </a:p>
-        </p:txBody>
-      </p:sp>
-    </p:spTree>
-  </p:cSld>
-  <p:clrMapOvr>
-    <a:masterClrMapping/>
-  </p:clrMapOvr>
-</p:sld>
-</file>
-
-<file path=ppt/slides/slide20.xml><?xml version="1.0" encoding="utf-8"?>
-<p:sld xmlns:a="http://schemas.openxmlformats.org/drawingml/2006/main" xmlns:r="http://schemas.openxmlformats.org/officeDocument/2006/relationships" xmlns:p="http://schemas.openxmlformats.org/presentationml/2006/main">
-  <p:cSld>
-    <p:spTree>
-      <p:nvGrpSpPr>
-        <p:cNvPr id="1" name=""/>
-        <p:cNvGrpSpPr/>
-        <p:nvPr/>
-      </p:nvGrpSpPr>
-      <p:grpSpPr>
-        <a:xfrm>
-          <a:off x="0" y="0"/>
-          <a:ext cx="0" cy="0"/>
-          <a:chOff x="0" y="0"/>
-          <a:chExt cx="0" cy="0"/>
-        </a:xfrm>
-      </p:grpSpPr>
-      <p:sp>
-        <p:nvSpPr>
-          <p:cNvPr id="2" name="标题 1"/>
-          <p:cNvSpPr>
-            <a:spLocks noGrp="1"/>
-          </p:cNvSpPr>
-          <p:nvPr>
-            <p:ph type="title"/>
-          </p:nvPr>
-        </p:nvSpPr>
-        <p:spPr>
-          <a:xfrm>
-            <a:off x="646111" y="452718"/>
-            <a:ext cx="9404723" cy="851647"/>
-          </a:xfrm>
-        </p:spPr>
-        <p:txBody>
-          <a:bodyPr/>
-          <a:lstStyle/>
-          <a:p>
-            <a:r>
-              <a:rPr lang="en-US" altLang="zh-CN" dirty="0"/>
-              <a:t>3.3</a:t>
-            </a:r>
-            <a:r>
-              <a:rPr lang="zh-CN" altLang="en-US" dirty="0"/>
-              <a:t>甘特图</a:t>
-            </a:r>
-          </a:p>
-        </p:txBody>
-      </p:sp>
-      <p:sp>
-        <p:nvSpPr>
-          <p:cNvPr id="3" name="内容占位符 2"/>
-          <p:cNvSpPr>
-            <a:spLocks noGrp="1"/>
-          </p:cNvSpPr>
-          <p:nvPr>
-            <p:ph idx="1"/>
-          </p:nvPr>
-        </p:nvSpPr>
-        <p:spPr/>
-        <p:txBody>
-          <a:bodyPr/>
-          <a:lstStyle/>
-          <a:p>
-            <a:endParaRPr lang="zh-CN" altLang="en-US"/>
-          </a:p>
-        </p:txBody>
-      </p:sp>
-      <p:pic>
-        <p:nvPicPr>
-          <p:cNvPr id="7" name="Picture 2"/>
+          <p:cNvPr id="4" name="Picture 2">
+            <a:extLst>
+              <a:ext uri="{FF2B5EF4-FFF2-40B4-BE49-F238E27FC236}">
+                <a16:creationId xmlns:a16="http://schemas.microsoft.com/office/drawing/2014/main" id="{7F89153B-72CD-4B1B-82A8-EB11E0F5FC4F}"/>
+              </a:ext>
+            </a:extLst>
+          </p:cNvPr>
           <p:cNvPicPr>
             <a:picLocks noChangeAspect="1" noChangeArrowheads="1"/>
           </p:cNvPicPr>
@@ -13671,7 +13281,7 @@
     </p:spTree>
     <p:extLst>
       <p:ext uri="{BB962C8B-B14F-4D97-AF65-F5344CB8AC3E}">
-        <p14:creationId xmlns:p14="http://schemas.microsoft.com/office/powerpoint/2010/main" val="1469544104"/>
+        <p14:creationId xmlns:p14="http://schemas.microsoft.com/office/powerpoint/2010/main" val="3267732190"/>
       </p:ext>
     </p:extLst>
   </p:cSld>
@@ -13681,7 +13291,301 @@
 </p:sld>
 </file>
 
-<file path=ppt/slides/slide21.xml><?xml version="1.0" encoding="utf-8"?>
+<file path=ppt/slides/slide2.xml><?xml version="1.0" encoding="utf-8"?>
+<p:sld xmlns:a="http://schemas.openxmlformats.org/drawingml/2006/main" xmlns:r="http://schemas.openxmlformats.org/officeDocument/2006/relationships" xmlns:p="http://schemas.openxmlformats.org/presentationml/2006/main">
+  <p:cSld>
+    <p:spTree>
+      <p:nvGrpSpPr>
+        <p:cNvPr id="1" name=""/>
+        <p:cNvGrpSpPr/>
+        <p:nvPr/>
+      </p:nvGrpSpPr>
+      <p:grpSpPr>
+        <a:xfrm>
+          <a:off x="0" y="0"/>
+          <a:ext cx="0" cy="0"/>
+          <a:chOff x="0" y="0"/>
+          <a:chExt cx="0" cy="0"/>
+        </a:xfrm>
+      </p:grpSpPr>
+      <p:sp>
+        <p:nvSpPr>
+          <p:cNvPr id="2" name="矩形 1"/>
+          <p:cNvSpPr>
+            <a:spLocks noGrp="1"/>
+          </p:cNvSpPr>
+          <p:nvPr>
+            <p:ph type="title"/>
+          </p:nvPr>
+        </p:nvSpPr>
+        <p:spPr/>
+        <p:txBody>
+          <a:bodyPr/>
+          <a:lstStyle/>
+          <a:p>
+            <a:r>
+              <a:rPr lang="zh-CN" altLang="en-US" dirty="0"/>
+              <a:t>目录</a:t>
+            </a:r>
+            <a:endParaRPr lang="zh-CN" dirty="0">
+              <a:latin typeface="Microsoft YaHei UI" panose="020B0503020204020204" pitchFamily="34" charset="-122"/>
+              <a:ea typeface="Microsoft YaHei UI" panose="020B0503020204020204" pitchFamily="34" charset="-122"/>
+            </a:endParaRPr>
+          </a:p>
+        </p:txBody>
+      </p:sp>
+      <p:sp>
+        <p:nvSpPr>
+          <p:cNvPr id="3" name="矩形 2"/>
+          <p:cNvSpPr>
+            <a:spLocks noGrp="1"/>
+          </p:cNvSpPr>
+          <p:nvPr>
+            <p:ph idx="1"/>
+          </p:nvPr>
+        </p:nvSpPr>
+        <p:spPr/>
+        <p:txBody>
+          <a:bodyPr>
+            <a:normAutofit fontScale="92500" lnSpcReduction="20000"/>
+          </a:bodyPr>
+          <a:lstStyle/>
+          <a:p>
+            <a:r>
+              <a:rPr lang="zh-CN" altLang="en-US" dirty="0">
+                <a:latin typeface="Microsoft YaHei UI" panose="020B0503020204020204" pitchFamily="34" charset="-122"/>
+                <a:ea typeface="Microsoft YaHei UI" panose="020B0503020204020204" pitchFamily="34" charset="-122"/>
+              </a:rPr>
+              <a:t>第</a:t>
+            </a:r>
+            <a:r>
+              <a:rPr lang="en-US" altLang="zh-CN" dirty="0">
+                <a:latin typeface="Microsoft YaHei UI" panose="020B0503020204020204" pitchFamily="34" charset="-122"/>
+                <a:ea typeface="Microsoft YaHei UI" panose="020B0503020204020204" pitchFamily="34" charset="-122"/>
+              </a:rPr>
+              <a:t>1</a:t>
+            </a:r>
+            <a:r>
+              <a:rPr lang="zh-CN" altLang="en-US" dirty="0">
+                <a:latin typeface="Microsoft YaHei UI" panose="020B0503020204020204" pitchFamily="34" charset="-122"/>
+                <a:ea typeface="Microsoft YaHei UI" panose="020B0503020204020204" pitchFamily="34" charset="-122"/>
+              </a:rPr>
+              <a:t>章 引言</a:t>
+            </a:r>
+            <a:endParaRPr lang="en-US" altLang="zh-CN" dirty="0">
+              <a:latin typeface="Microsoft YaHei UI" panose="020B0503020204020204" pitchFamily="34" charset="-122"/>
+              <a:ea typeface="Microsoft YaHei UI" panose="020B0503020204020204" pitchFamily="34" charset="-122"/>
+            </a:endParaRPr>
+          </a:p>
+          <a:p>
+            <a:r>
+              <a:rPr lang="zh-CN" altLang="en-US" dirty="0"/>
+              <a:t>第</a:t>
+            </a:r>
+            <a:r>
+              <a:rPr lang="en-US" altLang="zh-CN" dirty="0"/>
+              <a:t>2</a:t>
+            </a:r>
+            <a:r>
+              <a:rPr lang="zh-CN" altLang="en-US" dirty="0"/>
+              <a:t>章 项目概述</a:t>
+            </a:r>
+            <a:endParaRPr lang="en-US" altLang="zh-CN" dirty="0"/>
+          </a:p>
+          <a:p>
+            <a:r>
+              <a:rPr lang="zh-CN" altLang="en-US" dirty="0">
+                <a:latin typeface="Microsoft YaHei UI" panose="020B0503020204020204" pitchFamily="34" charset="-122"/>
+                <a:ea typeface="Microsoft YaHei UI" panose="020B0503020204020204" pitchFamily="34" charset="-122"/>
+              </a:rPr>
+              <a:t>第</a:t>
+            </a:r>
+            <a:r>
+              <a:rPr lang="en-US" altLang="zh-CN" dirty="0">
+                <a:latin typeface="Microsoft YaHei UI" panose="020B0503020204020204" pitchFamily="34" charset="-122"/>
+                <a:ea typeface="Microsoft YaHei UI" panose="020B0503020204020204" pitchFamily="34" charset="-122"/>
+              </a:rPr>
+              <a:t>3</a:t>
+            </a:r>
+            <a:r>
+              <a:rPr lang="zh-CN" altLang="en-US" dirty="0">
+                <a:latin typeface="Microsoft YaHei UI" panose="020B0503020204020204" pitchFamily="34" charset="-122"/>
+                <a:ea typeface="Microsoft YaHei UI" panose="020B0503020204020204" pitchFamily="34" charset="-122"/>
+              </a:rPr>
+              <a:t>章 时间管理计划</a:t>
+            </a:r>
+            <a:endParaRPr lang="en-US" altLang="zh-CN" dirty="0">
+              <a:latin typeface="Microsoft YaHei UI" panose="020B0503020204020204" pitchFamily="34" charset="-122"/>
+              <a:ea typeface="Microsoft YaHei UI" panose="020B0503020204020204" pitchFamily="34" charset="-122"/>
+            </a:endParaRPr>
+          </a:p>
+          <a:p>
+            <a:r>
+              <a:rPr lang="zh-CN" altLang="en-US" dirty="0"/>
+              <a:t>第</a:t>
+            </a:r>
+            <a:r>
+              <a:rPr lang="en-US" altLang="zh-CN" dirty="0"/>
+              <a:t>4</a:t>
+            </a:r>
+            <a:r>
+              <a:rPr lang="zh-CN" altLang="en-US" dirty="0"/>
+              <a:t>章 范围管理计划</a:t>
+            </a:r>
+            <a:endParaRPr lang="en-US" altLang="zh-CN" dirty="0"/>
+          </a:p>
+          <a:p>
+            <a:r>
+              <a:rPr lang="zh-CN" altLang="en-US" dirty="0">
+                <a:latin typeface="Microsoft YaHei UI" panose="020B0503020204020204" pitchFamily="34" charset="-122"/>
+                <a:ea typeface="Microsoft YaHei UI" panose="020B0503020204020204" pitchFamily="34" charset="-122"/>
+              </a:rPr>
+              <a:t>第</a:t>
+            </a:r>
+            <a:r>
+              <a:rPr lang="en-US" altLang="zh-CN" dirty="0">
+                <a:latin typeface="Microsoft YaHei UI" panose="020B0503020204020204" pitchFamily="34" charset="-122"/>
+                <a:ea typeface="Microsoft YaHei UI" panose="020B0503020204020204" pitchFamily="34" charset="-122"/>
+              </a:rPr>
+              <a:t>5</a:t>
+            </a:r>
+            <a:r>
+              <a:rPr lang="zh-CN" altLang="en-US" dirty="0">
+                <a:latin typeface="Microsoft YaHei UI" panose="020B0503020204020204" pitchFamily="34" charset="-122"/>
+                <a:ea typeface="Microsoft YaHei UI" panose="020B0503020204020204" pitchFamily="34" charset="-122"/>
+              </a:rPr>
+              <a:t>章 质量管理计划</a:t>
+            </a:r>
+            <a:endParaRPr lang="en-US" altLang="zh-CN" dirty="0">
+              <a:latin typeface="Microsoft YaHei UI" panose="020B0503020204020204" pitchFamily="34" charset="-122"/>
+              <a:ea typeface="Microsoft YaHei UI" panose="020B0503020204020204" pitchFamily="34" charset="-122"/>
+            </a:endParaRPr>
+          </a:p>
+          <a:p>
+            <a:r>
+              <a:rPr lang="zh-CN" altLang="en-US" dirty="0"/>
+              <a:t>第</a:t>
+            </a:r>
+            <a:r>
+              <a:rPr lang="en-US" altLang="zh-CN" dirty="0"/>
+              <a:t>6</a:t>
+            </a:r>
+            <a:r>
+              <a:rPr lang="zh-CN" altLang="en-US" dirty="0"/>
+              <a:t>章 沟通管理计划</a:t>
+            </a:r>
+            <a:endParaRPr lang="en-US" altLang="zh-CN" dirty="0"/>
+          </a:p>
+          <a:p>
+            <a:r>
+              <a:rPr lang="zh-CN" altLang="en-US" dirty="0">
+                <a:latin typeface="Microsoft YaHei UI" panose="020B0503020204020204" pitchFamily="34" charset="-122"/>
+                <a:ea typeface="Microsoft YaHei UI" panose="020B0503020204020204" pitchFamily="34" charset="-122"/>
+              </a:rPr>
+              <a:t>第</a:t>
+            </a:r>
+            <a:r>
+              <a:rPr lang="en-US" altLang="zh-CN" dirty="0">
+                <a:latin typeface="Microsoft YaHei UI" panose="020B0503020204020204" pitchFamily="34" charset="-122"/>
+                <a:ea typeface="Microsoft YaHei UI" panose="020B0503020204020204" pitchFamily="34" charset="-122"/>
+              </a:rPr>
+              <a:t>7</a:t>
+            </a:r>
+            <a:r>
+              <a:rPr lang="zh-CN" altLang="en-US" dirty="0">
+                <a:latin typeface="Microsoft YaHei UI" panose="020B0503020204020204" pitchFamily="34" charset="-122"/>
+                <a:ea typeface="Microsoft YaHei UI" panose="020B0503020204020204" pitchFamily="34" charset="-122"/>
+              </a:rPr>
+              <a:t>章 风险管理计划</a:t>
+            </a:r>
+            <a:endParaRPr lang="en-US" altLang="zh-CN" dirty="0">
+              <a:latin typeface="Microsoft YaHei UI" panose="020B0503020204020204" pitchFamily="34" charset="-122"/>
+              <a:ea typeface="Microsoft YaHei UI" panose="020B0503020204020204" pitchFamily="34" charset="-122"/>
+            </a:endParaRPr>
+          </a:p>
+          <a:p>
+            <a:r>
+              <a:rPr lang="zh-CN" altLang="en-US" dirty="0"/>
+              <a:t>第</a:t>
+            </a:r>
+            <a:r>
+              <a:rPr lang="en-US" altLang="zh-CN" dirty="0"/>
+              <a:t>8</a:t>
+            </a:r>
+            <a:r>
+              <a:rPr lang="zh-CN" altLang="en-US" dirty="0"/>
+              <a:t>章 配置系统管理指南</a:t>
+            </a:r>
+            <a:endParaRPr lang="en-US" altLang="zh-CN" dirty="0"/>
+          </a:p>
+          <a:p>
+            <a:r>
+              <a:rPr lang="zh-CN" altLang="en-US" dirty="0">
+                <a:latin typeface="Microsoft YaHei UI" panose="020B0503020204020204" pitchFamily="34" charset="-122"/>
+                <a:ea typeface="Microsoft YaHei UI" panose="020B0503020204020204" pitchFamily="34" charset="-122"/>
+              </a:rPr>
+              <a:t>第</a:t>
+            </a:r>
+            <a:r>
+              <a:rPr lang="en-US" altLang="zh-CN" dirty="0"/>
+              <a:t>9</a:t>
+            </a:r>
+            <a:r>
+              <a:rPr lang="zh-CN" altLang="en-US" dirty="0"/>
+              <a:t>章 过程文件</a:t>
+            </a:r>
+            <a:endParaRPr lang="en-US" altLang="zh-CN" dirty="0">
+              <a:latin typeface="Microsoft YaHei UI" panose="020B0503020204020204" pitchFamily="34" charset="-122"/>
+              <a:ea typeface="Microsoft YaHei UI" panose="020B0503020204020204" pitchFamily="34" charset="-122"/>
+            </a:endParaRPr>
+          </a:p>
+          <a:p>
+            <a:r>
+              <a:rPr lang="zh-CN" altLang="en-US" dirty="0"/>
+              <a:t>第</a:t>
+            </a:r>
+            <a:r>
+              <a:rPr lang="en-US" altLang="zh-CN" dirty="0"/>
+              <a:t>10</a:t>
+            </a:r>
+            <a:r>
+              <a:rPr lang="zh-CN" altLang="en-US" dirty="0"/>
+              <a:t>章 参考资料</a:t>
+            </a:r>
+            <a:endParaRPr lang="en-US" altLang="zh-CN" dirty="0"/>
+          </a:p>
+          <a:p>
+            <a:r>
+              <a:rPr lang="zh-CN" altLang="en-US" dirty="0">
+                <a:latin typeface="Microsoft YaHei UI" panose="020B0503020204020204" pitchFamily="34" charset="-122"/>
+                <a:ea typeface="Microsoft YaHei UI" panose="020B0503020204020204" pitchFamily="34" charset="-122"/>
+              </a:rPr>
+              <a:t>第</a:t>
+            </a:r>
+            <a:r>
+              <a:rPr lang="en-US" altLang="zh-CN" dirty="0"/>
+              <a:t>11</a:t>
+            </a:r>
+            <a:r>
+              <a:rPr lang="zh-CN" altLang="en-US" dirty="0"/>
+              <a:t>章 小组分工</a:t>
+            </a:r>
+            <a:endParaRPr lang="zh-CN" dirty="0">
+              <a:latin typeface="Microsoft YaHei UI" panose="020B0503020204020204" pitchFamily="34" charset="-122"/>
+              <a:ea typeface="Microsoft YaHei UI" panose="020B0503020204020204" pitchFamily="34" charset="-122"/>
+            </a:endParaRPr>
+          </a:p>
+        </p:txBody>
+      </p:sp>
+    </p:spTree>
+  </p:cSld>
+  <p:clrMapOvr>
+    <a:masterClrMapping/>
+  </p:clrMapOvr>
+</p:sld>
+</file>
+
+<file path=ppt/slides/slide20.xml><?xml version="1.0" encoding="utf-8"?>
 <p:sld xmlns:a="http://schemas.openxmlformats.org/drawingml/2006/main" xmlns:r="http://schemas.openxmlformats.org/officeDocument/2006/relationships" xmlns:p="http://schemas.openxmlformats.org/presentationml/2006/main">
   <p:cSld>
     <p:spTree>
@@ -13708,30 +13612,31 @@
             <p:ph type="title"/>
           </p:nvPr>
         </p:nvSpPr>
-        <p:spPr>
-          <a:xfrm>
-            <a:off x="646111" y="452718"/>
-            <a:ext cx="9404723" cy="851647"/>
-          </a:xfrm>
-        </p:spPr>
+        <p:spPr/>
         <p:txBody>
           <a:bodyPr/>
           <a:lstStyle/>
           <a:p>
             <a:r>
               <a:rPr lang="en-US" altLang="zh-CN" dirty="0"/>
-              <a:t>3.3</a:t>
+              <a:t>3.2WBS</a:t>
             </a:r>
             <a:r>
               <a:rPr lang="zh-CN" altLang="en-US" dirty="0"/>
-              <a:t>甘特图</a:t>
+              <a:t>表</a:t>
             </a:r>
           </a:p>
         </p:txBody>
       </p:sp>
       <p:pic>
         <p:nvPicPr>
-          <p:cNvPr id="4099" name="Picture 3"/>
+          <p:cNvPr id="5" name="Picture 3">
+            <a:extLst>
+              <a:ext uri="{FF2B5EF4-FFF2-40B4-BE49-F238E27FC236}">
+                <a16:creationId xmlns:a16="http://schemas.microsoft.com/office/drawing/2014/main" id="{938227BA-9613-46F9-9389-8A989E082CC7}"/>
+              </a:ext>
+            </a:extLst>
+          </p:cNvPr>
           <p:cNvPicPr>
             <a:picLocks noChangeAspect="1" noChangeArrowheads="1"/>
           </p:cNvPicPr>
@@ -13796,6 +13701,96 @@
     </p:spTree>
     <p:extLst>
       <p:ext uri="{BB962C8B-B14F-4D97-AF65-F5344CB8AC3E}">
+        <p14:creationId xmlns:p14="http://schemas.microsoft.com/office/powerpoint/2010/main" val="1953501699"/>
+      </p:ext>
+    </p:extLst>
+  </p:cSld>
+  <p:clrMapOvr>
+    <a:masterClrMapping/>
+  </p:clrMapOvr>
+</p:sld>
+</file>
+
+<file path=ppt/slides/slide21.xml><?xml version="1.0" encoding="utf-8"?>
+<p:sld xmlns:a="http://schemas.openxmlformats.org/drawingml/2006/main" xmlns:r="http://schemas.openxmlformats.org/officeDocument/2006/relationships" xmlns:p="http://schemas.openxmlformats.org/presentationml/2006/main">
+  <p:cSld>
+    <p:spTree>
+      <p:nvGrpSpPr>
+        <p:cNvPr id="1" name=""/>
+        <p:cNvGrpSpPr/>
+        <p:nvPr/>
+      </p:nvGrpSpPr>
+      <p:grpSpPr>
+        <a:xfrm>
+          <a:off x="0" y="0"/>
+          <a:ext cx="0" cy="0"/>
+          <a:chOff x="0" y="0"/>
+          <a:chExt cx="0" cy="0"/>
+        </a:xfrm>
+      </p:grpSpPr>
+      <p:sp>
+        <p:nvSpPr>
+          <p:cNvPr id="2" name="标题 1"/>
+          <p:cNvSpPr>
+            <a:spLocks noGrp="1"/>
+          </p:cNvSpPr>
+          <p:nvPr>
+            <p:ph type="title"/>
+          </p:nvPr>
+        </p:nvSpPr>
+        <p:spPr>
+          <a:xfrm>
+            <a:off x="646111" y="452718"/>
+            <a:ext cx="9404723" cy="851647"/>
+          </a:xfrm>
+        </p:spPr>
+        <p:txBody>
+          <a:bodyPr/>
+          <a:lstStyle/>
+          <a:p>
+            <a:r>
+              <a:rPr lang="en-US" altLang="zh-CN" dirty="0"/>
+              <a:t>3.3</a:t>
+            </a:r>
+            <a:r>
+              <a:rPr lang="zh-CN" altLang="en-US" dirty="0"/>
+              <a:t>甘特图</a:t>
+            </a:r>
+          </a:p>
+        </p:txBody>
+      </p:sp>
+      <p:pic>
+        <p:nvPicPr>
+          <p:cNvPr id="3" name="图片 2">
+            <a:extLst>
+              <a:ext uri="{FF2B5EF4-FFF2-40B4-BE49-F238E27FC236}">
+                <a16:creationId xmlns:a16="http://schemas.microsoft.com/office/drawing/2014/main" id="{314FA783-3CB6-40CE-BF82-9AD59536F8CC}"/>
+              </a:ext>
+            </a:extLst>
+          </p:cNvPr>
+          <p:cNvPicPr>
+            <a:picLocks noChangeAspect="1"/>
+          </p:cNvPicPr>
+          <p:nvPr/>
+        </p:nvPicPr>
+        <p:blipFill rotWithShape="1">
+          <a:blip r:embed="rId2"/>
+          <a:srcRect l="9956" t="17692" r="52063" b="13805"/>
+          <a:stretch/>
+        </p:blipFill>
+        <p:spPr>
+          <a:xfrm>
+            <a:off x="587229" y="1513544"/>
+            <a:ext cx="8196045" cy="4157415"/>
+          </a:xfrm>
+          <a:prstGeom prst="rect">
+            <a:avLst/>
+          </a:prstGeom>
+        </p:spPr>
+      </p:pic>
+    </p:spTree>
+    <p:extLst>
+      <p:ext uri="{BB962C8B-B14F-4D97-AF65-F5344CB8AC3E}">
         <p14:creationId xmlns:p14="http://schemas.microsoft.com/office/powerpoint/2010/main" val="235187059"/>
       </p:ext>
     </p:extLst>
@@ -13835,6 +13830,516 @@
         </p:nvSpPr>
         <p:spPr>
           <a:xfrm>
+            <a:off x="646111" y="452718"/>
+            <a:ext cx="9404723" cy="851647"/>
+          </a:xfrm>
+        </p:spPr>
+        <p:txBody>
+          <a:bodyPr/>
+          <a:lstStyle/>
+          <a:p>
+            <a:r>
+              <a:rPr lang="en-US" altLang="zh-CN" dirty="0"/>
+              <a:t>3.4</a:t>
+            </a:r>
+            <a:r>
+              <a:rPr lang="zh-CN" altLang="en-US" dirty="0"/>
+              <a:t>里程碑</a:t>
+            </a:r>
+          </a:p>
+        </p:txBody>
+      </p:sp>
+      <p:graphicFrame>
+        <p:nvGraphicFramePr>
+          <p:cNvPr id="4" name="表格 3">
+            <a:extLst>
+              <a:ext uri="{FF2B5EF4-FFF2-40B4-BE49-F238E27FC236}">
+                <a16:creationId xmlns:a16="http://schemas.microsoft.com/office/drawing/2014/main" id="{0B7F18E3-8CB4-454A-949F-16A35DC3FA32}"/>
+              </a:ext>
+            </a:extLst>
+          </p:cNvPr>
+          <p:cNvGraphicFramePr>
+            <a:graphicFrameLocks noGrp="1"/>
+          </p:cNvGraphicFramePr>
+          <p:nvPr>
+            <p:extLst>
+              <p:ext uri="{D42A27DB-BD31-4B8C-83A1-F6EECF244321}">
+                <p14:modId xmlns:p14="http://schemas.microsoft.com/office/powerpoint/2010/main" val="1155333374"/>
+              </p:ext>
+            </p:extLst>
+          </p:nvPr>
+        </p:nvGraphicFramePr>
+        <p:xfrm>
+          <a:off x="1553828" y="1952848"/>
+          <a:ext cx="8128000" cy="2225040"/>
+        </p:xfrm>
+        <a:graphic>
+          <a:graphicData uri="http://schemas.openxmlformats.org/drawingml/2006/table">
+            <a:tbl>
+              <a:tblPr firstRow="1" bandRow="1">
+                <a:tableStyleId>{5C22544A-7EE6-4342-B048-85BDC9FD1C3A}</a:tableStyleId>
+              </a:tblPr>
+              <a:tblGrid>
+                <a:gridCol w="4064000">
+                  <a:extLst>
+                    <a:ext uri="{9D8B030D-6E8A-4147-A177-3AD203B41FA5}">
+                      <a16:colId xmlns:a16="http://schemas.microsoft.com/office/drawing/2014/main" val="2268276619"/>
+                    </a:ext>
+                  </a:extLst>
+                </a:gridCol>
+                <a:gridCol w="4064000">
+                  <a:extLst>
+                    <a:ext uri="{9D8B030D-6E8A-4147-A177-3AD203B41FA5}">
+                      <a16:colId xmlns:a16="http://schemas.microsoft.com/office/drawing/2014/main" val="11757391"/>
+                    </a:ext>
+                  </a:extLst>
+                </a:gridCol>
+              </a:tblGrid>
+              <a:tr h="370840">
+                <a:tc>
+                  <a:txBody>
+                    <a:bodyPr/>
+                    <a:lstStyle/>
+                    <a:p>
+                      <a:r>
+                        <a:rPr lang="zh-CN" altLang="en-US" dirty="0">
+                          <a:solidFill>
+                            <a:schemeClr val="bg1"/>
+                          </a:solidFill>
+                        </a:rPr>
+                        <a:t>文档</a:t>
+                      </a:r>
+                    </a:p>
+                  </a:txBody>
+                  <a:tcPr>
+                    <a:solidFill>
+                      <a:schemeClr val="tx2"/>
+                    </a:solidFill>
+                  </a:tcPr>
+                </a:tc>
+                <a:tc>
+                  <a:txBody>
+                    <a:bodyPr/>
+                    <a:lstStyle/>
+                    <a:p>
+                      <a:r>
+                        <a:rPr lang="zh-CN" altLang="en-US" dirty="0">
+                          <a:solidFill>
+                            <a:schemeClr val="bg1"/>
+                          </a:solidFill>
+                        </a:rPr>
+                        <a:t>期限</a:t>
+                      </a:r>
+                    </a:p>
+                  </a:txBody>
+                  <a:tcPr>
+                    <a:solidFill>
+                      <a:schemeClr val="tx2"/>
+                    </a:solidFill>
+                  </a:tcPr>
+                </a:tc>
+                <a:extLst>
+                  <a:ext uri="{0D108BD9-81ED-4DB2-BD59-A6C34878D82A}">
+                    <a16:rowId xmlns:a16="http://schemas.microsoft.com/office/drawing/2014/main" val="1814466287"/>
+                  </a:ext>
+                </a:extLst>
+              </a:tr>
+              <a:tr h="370840">
+                <a:tc>
+                  <a:txBody>
+                    <a:bodyPr/>
+                    <a:lstStyle/>
+                    <a:p>
+                      <a:r>
+                        <a:rPr lang="en-US" altLang="zh-CN" dirty="0">
+                          <a:solidFill>
+                            <a:schemeClr val="bg1"/>
+                          </a:solidFill>
+                        </a:rPr>
+                        <a:t>《</a:t>
+                      </a:r>
+                      <a:r>
+                        <a:rPr lang="zh-CN" altLang="en-US" dirty="0">
+                          <a:solidFill>
+                            <a:schemeClr val="bg1"/>
+                          </a:solidFill>
+                        </a:rPr>
+                        <a:t>项目章程</a:t>
+                      </a:r>
+                      <a:r>
+                        <a:rPr lang="en-US" altLang="zh-CN" dirty="0">
+                          <a:solidFill>
+                            <a:schemeClr val="bg1"/>
+                          </a:solidFill>
+                        </a:rPr>
+                        <a:t>》</a:t>
+                      </a:r>
+                      <a:endParaRPr lang="zh-CN" altLang="en-US" dirty="0">
+                        <a:solidFill>
+                          <a:schemeClr val="bg1"/>
+                        </a:solidFill>
+                      </a:endParaRPr>
+                    </a:p>
+                  </a:txBody>
+                  <a:tcPr>
+                    <a:solidFill>
+                      <a:schemeClr val="tx2"/>
+                    </a:solidFill>
+                  </a:tcPr>
+                </a:tc>
+                <a:tc>
+                  <a:txBody>
+                    <a:bodyPr/>
+                    <a:lstStyle/>
+                    <a:p>
+                      <a:r>
+                        <a:rPr lang="zh-CN" altLang="en-US" dirty="0">
+                          <a:solidFill>
+                            <a:schemeClr val="bg1"/>
+                          </a:solidFill>
+                        </a:rPr>
+                        <a:t>第二周</a:t>
+                      </a:r>
+                    </a:p>
+                  </a:txBody>
+                  <a:tcPr>
+                    <a:solidFill>
+                      <a:schemeClr val="tx2"/>
+                    </a:solidFill>
+                  </a:tcPr>
+                </a:tc>
+                <a:extLst>
+                  <a:ext uri="{0D108BD9-81ED-4DB2-BD59-A6C34878D82A}">
+                    <a16:rowId xmlns:a16="http://schemas.microsoft.com/office/drawing/2014/main" val="4012234533"/>
+                  </a:ext>
+                </a:extLst>
+              </a:tr>
+              <a:tr h="370840">
+                <a:tc>
+                  <a:txBody>
+                    <a:bodyPr/>
+                    <a:lstStyle/>
+                    <a:p>
+                      <a:r>
+                        <a:rPr lang="en-US" altLang="zh-CN" dirty="0">
+                          <a:solidFill>
+                            <a:schemeClr val="bg1"/>
+                          </a:solidFill>
+                        </a:rPr>
+                        <a:t>《</a:t>
+                      </a:r>
+                      <a:r>
+                        <a:rPr lang="zh-CN" altLang="en-US" dirty="0">
+                          <a:solidFill>
+                            <a:schemeClr val="bg1"/>
+                          </a:solidFill>
+                        </a:rPr>
+                        <a:t>需求工程项目计划</a:t>
+                      </a:r>
+                      <a:r>
+                        <a:rPr lang="en-US" altLang="zh-CN" dirty="0">
+                          <a:solidFill>
+                            <a:schemeClr val="bg1"/>
+                          </a:solidFill>
+                        </a:rPr>
+                        <a:t>》</a:t>
+                      </a:r>
+                      <a:endParaRPr lang="zh-CN" altLang="en-US" dirty="0">
+                        <a:solidFill>
+                          <a:schemeClr val="bg1"/>
+                        </a:solidFill>
+                      </a:endParaRPr>
+                    </a:p>
+                  </a:txBody>
+                  <a:tcPr>
+                    <a:solidFill>
+                      <a:schemeClr val="tx2"/>
+                    </a:solidFill>
+                  </a:tcPr>
+                </a:tc>
+                <a:tc>
+                  <a:txBody>
+                    <a:bodyPr/>
+                    <a:lstStyle/>
+                    <a:p>
+                      <a:r>
+                        <a:rPr lang="zh-CN" altLang="en-US" dirty="0">
+                          <a:solidFill>
+                            <a:schemeClr val="bg1"/>
+                          </a:solidFill>
+                        </a:rPr>
+                        <a:t>第三周，第四周</a:t>
+                      </a:r>
+                    </a:p>
+                  </a:txBody>
+                  <a:tcPr>
+                    <a:solidFill>
+                      <a:schemeClr val="tx2"/>
+                    </a:solidFill>
+                  </a:tcPr>
+                </a:tc>
+                <a:extLst>
+                  <a:ext uri="{0D108BD9-81ED-4DB2-BD59-A6C34878D82A}">
+                    <a16:rowId xmlns:a16="http://schemas.microsoft.com/office/drawing/2014/main" val="679803038"/>
+                  </a:ext>
+                </a:extLst>
+              </a:tr>
+              <a:tr h="370840">
+                <a:tc>
+                  <a:txBody>
+                    <a:bodyPr/>
+                    <a:lstStyle/>
+                    <a:p>
+                      <a:r>
+                        <a:rPr lang="en-US" altLang="zh-CN" dirty="0">
+                          <a:solidFill>
+                            <a:schemeClr val="bg1"/>
+                          </a:solidFill>
+                        </a:rPr>
+                        <a:t>《</a:t>
+                      </a:r>
+                      <a:r>
+                        <a:rPr lang="zh-CN" altLang="en-US" dirty="0">
+                          <a:solidFill>
+                            <a:schemeClr val="bg1"/>
+                          </a:solidFill>
+                        </a:rPr>
+                        <a:t>软件需求规格说明书</a:t>
+                      </a:r>
+                      <a:r>
+                        <a:rPr lang="en-US" altLang="zh-CN" dirty="0">
+                          <a:solidFill>
+                            <a:schemeClr val="bg1"/>
+                          </a:solidFill>
+                        </a:rPr>
+                        <a:t>》</a:t>
+                      </a:r>
+                      <a:endParaRPr lang="zh-CN" altLang="en-US" dirty="0">
+                        <a:solidFill>
+                          <a:schemeClr val="bg1"/>
+                        </a:solidFill>
+                      </a:endParaRPr>
+                    </a:p>
+                  </a:txBody>
+                  <a:tcPr>
+                    <a:solidFill>
+                      <a:schemeClr val="tx2"/>
+                    </a:solidFill>
+                  </a:tcPr>
+                </a:tc>
+                <a:tc>
+                  <a:txBody>
+                    <a:bodyPr/>
+                    <a:lstStyle/>
+                    <a:p>
+                      <a:r>
+                        <a:rPr lang="zh-CN" altLang="en-US" dirty="0">
+                          <a:solidFill>
+                            <a:schemeClr val="bg1"/>
+                          </a:solidFill>
+                        </a:rPr>
+                        <a:t>第十一周</a:t>
+                      </a:r>
+                    </a:p>
+                  </a:txBody>
+                  <a:tcPr>
+                    <a:solidFill>
+                      <a:schemeClr val="tx2"/>
+                    </a:solidFill>
+                  </a:tcPr>
+                </a:tc>
+                <a:extLst>
+                  <a:ext uri="{0D108BD9-81ED-4DB2-BD59-A6C34878D82A}">
+                    <a16:rowId xmlns:a16="http://schemas.microsoft.com/office/drawing/2014/main" val="1760917167"/>
+                  </a:ext>
+                </a:extLst>
+              </a:tr>
+              <a:tr h="370840">
+                <a:tc>
+                  <a:txBody>
+                    <a:bodyPr/>
+                    <a:lstStyle/>
+                    <a:p>
+                      <a:r>
+                        <a:rPr lang="en-US" altLang="zh-CN" dirty="0">
+                          <a:solidFill>
+                            <a:schemeClr val="bg1"/>
+                          </a:solidFill>
+                        </a:rPr>
+                        <a:t>《</a:t>
+                      </a:r>
+                      <a:r>
+                        <a:rPr lang="zh-CN" altLang="en-US" dirty="0">
+                          <a:solidFill>
+                            <a:schemeClr val="bg1"/>
+                          </a:solidFill>
+                        </a:rPr>
+                        <a:t>软件需求变更文档</a:t>
+                      </a:r>
+                      <a:r>
+                        <a:rPr lang="en-US" altLang="zh-CN" dirty="0">
+                          <a:solidFill>
+                            <a:schemeClr val="bg1"/>
+                          </a:solidFill>
+                        </a:rPr>
+                        <a:t>》</a:t>
+                      </a:r>
+                      <a:endParaRPr lang="zh-CN" altLang="en-US" dirty="0">
+                        <a:solidFill>
+                          <a:schemeClr val="bg1"/>
+                        </a:solidFill>
+                      </a:endParaRPr>
+                    </a:p>
+                  </a:txBody>
+                  <a:tcPr>
+                    <a:solidFill>
+                      <a:schemeClr val="tx2"/>
+                    </a:solidFill>
+                  </a:tcPr>
+                </a:tc>
+                <a:tc>
+                  <a:txBody>
+                    <a:bodyPr/>
+                    <a:lstStyle/>
+                    <a:p>
+                      <a:r>
+                        <a:rPr lang="zh-CN" altLang="en-US" dirty="0">
+                          <a:solidFill>
+                            <a:schemeClr val="bg1"/>
+                          </a:solidFill>
+                        </a:rPr>
+                        <a:t>第十四周</a:t>
+                      </a:r>
+                    </a:p>
+                  </a:txBody>
+                  <a:tcPr>
+                    <a:solidFill>
+                      <a:schemeClr val="tx2"/>
+                    </a:solidFill>
+                  </a:tcPr>
+                </a:tc>
+                <a:extLst>
+                  <a:ext uri="{0D108BD9-81ED-4DB2-BD59-A6C34878D82A}">
+                    <a16:rowId xmlns:a16="http://schemas.microsoft.com/office/drawing/2014/main" val="1708669975"/>
+                  </a:ext>
+                </a:extLst>
+              </a:tr>
+              <a:tr h="370840">
+                <a:tc>
+                  <a:txBody>
+                    <a:bodyPr/>
+                    <a:lstStyle/>
+                    <a:p>
+                      <a:r>
+                        <a:rPr lang="en-US" altLang="zh-CN" dirty="0">
+                          <a:solidFill>
+                            <a:schemeClr val="bg1"/>
+                          </a:solidFill>
+                        </a:rPr>
+                        <a:t>《</a:t>
+                      </a:r>
+                      <a:r>
+                        <a:rPr lang="zh-CN" altLang="en-US" dirty="0">
+                          <a:solidFill>
+                            <a:schemeClr val="bg1"/>
+                          </a:solidFill>
+                        </a:rPr>
+                        <a:t>软件概要设计说明</a:t>
+                      </a:r>
+                      <a:r>
+                        <a:rPr lang="en-US" altLang="zh-CN" dirty="0">
+                          <a:solidFill>
+                            <a:schemeClr val="bg1"/>
+                          </a:solidFill>
+                        </a:rPr>
+                        <a:t>》</a:t>
+                      </a:r>
+                      <a:endParaRPr lang="zh-CN" altLang="en-US" dirty="0">
+                        <a:solidFill>
+                          <a:schemeClr val="bg1"/>
+                        </a:solidFill>
+                      </a:endParaRPr>
+                    </a:p>
+                  </a:txBody>
+                  <a:tcPr>
+                    <a:solidFill>
+                      <a:schemeClr val="tx2"/>
+                    </a:solidFill>
+                  </a:tcPr>
+                </a:tc>
+                <a:tc>
+                  <a:txBody>
+                    <a:bodyPr/>
+                    <a:lstStyle/>
+                    <a:p>
+                      <a:r>
+                        <a:rPr lang="zh-CN" altLang="en-US" dirty="0">
+                          <a:solidFill>
+                            <a:schemeClr val="bg1"/>
+                          </a:solidFill>
+                        </a:rPr>
+                        <a:t>第十五周</a:t>
+                      </a:r>
+                    </a:p>
+                  </a:txBody>
+                  <a:tcPr>
+                    <a:solidFill>
+                      <a:schemeClr val="tx2"/>
+                    </a:solidFill>
+                  </a:tcPr>
+                </a:tc>
+                <a:extLst>
+                  <a:ext uri="{0D108BD9-81ED-4DB2-BD59-A6C34878D82A}">
+                    <a16:rowId xmlns:a16="http://schemas.microsoft.com/office/drawing/2014/main" val="3359521156"/>
+                  </a:ext>
+                </a:extLst>
+              </a:tr>
+            </a:tbl>
+          </a:graphicData>
+        </a:graphic>
+      </p:graphicFrame>
+    </p:spTree>
+    <p:extLst>
+      <p:ext uri="{BB962C8B-B14F-4D97-AF65-F5344CB8AC3E}">
+        <p14:creationId xmlns:p14="http://schemas.microsoft.com/office/powerpoint/2010/main" val="3577337540"/>
+      </p:ext>
+    </p:extLst>
+  </p:cSld>
+  <p:clrMapOvr>
+    <a:masterClrMapping/>
+  </p:clrMapOvr>
+</p:sld>
+</file>
+
+<file path=ppt/slides/slide23.xml><?xml version="1.0" encoding="utf-8"?>
+<p:sld xmlns:a="http://schemas.openxmlformats.org/drawingml/2006/main" xmlns:r="http://schemas.openxmlformats.org/officeDocument/2006/relationships" xmlns:p="http://schemas.openxmlformats.org/presentationml/2006/main">
+  <p:cSld>
+    <p:spTree>
+      <p:nvGrpSpPr>
+        <p:cNvPr id="1" name=""/>
+        <p:cNvGrpSpPr/>
+        <p:nvPr/>
+      </p:nvGrpSpPr>
+      <p:grpSpPr>
+        <a:xfrm>
+          <a:off x="0" y="0"/>
+          <a:ext cx="0" cy="0"/>
+          <a:chOff x="0" y="0"/>
+          <a:chExt cx="0" cy="0"/>
+        </a:xfrm>
+      </p:grpSpPr>
+      <p:sp>
+        <p:nvSpPr>
+          <p:cNvPr id="2" name="标题 1"/>
+          <p:cNvSpPr>
+            <a:spLocks noGrp="1"/>
+          </p:cNvSpPr>
+          <p:nvPr>
+            <p:ph type="title"/>
+          </p:nvPr>
+        </p:nvSpPr>
+        <p:spPr>
+          <a:xfrm>
             <a:off x="1574801" y="2033984"/>
             <a:ext cx="7999315" cy="2690416"/>
           </a:xfrm>
@@ -13920,7 +14425,7 @@
 </p:sld>
 </file>
 
-<file path=ppt/slides/slide23.xml><?xml version="1.0" encoding="utf-8"?>
+<file path=ppt/slides/slide24.xml><?xml version="1.0" encoding="utf-8"?>
 <p:sld xmlns:a="http://schemas.openxmlformats.org/drawingml/2006/main" xmlns:r="http://schemas.openxmlformats.org/officeDocument/2006/relationships" xmlns:p="http://schemas.openxmlformats.org/presentationml/2006/main">
   <p:cSld>
     <p:spTree>
@@ -14293,7 +14798,7 @@
 </p:sld>
 </file>
 
-<file path=ppt/slides/slide24.xml><?xml version="1.0" encoding="utf-8"?>
+<file path=ppt/slides/slide25.xml><?xml version="1.0" encoding="utf-8"?>
 <p:sld xmlns:a="http://schemas.openxmlformats.org/drawingml/2006/main" xmlns:r="http://schemas.openxmlformats.org/officeDocument/2006/relationships" xmlns:p="http://schemas.openxmlformats.org/presentationml/2006/main">
   <p:cSld>
     <p:spTree>
@@ -14773,7 +15278,7 @@
 </p:sld>
 </file>
 
-<file path=ppt/slides/slide25.xml><?xml version="1.0" encoding="utf-8"?>
+<file path=ppt/slides/slide26.xml><?xml version="1.0" encoding="utf-8"?>
 <p:sld xmlns:a="http://schemas.openxmlformats.org/drawingml/2006/main" xmlns:r="http://schemas.openxmlformats.org/officeDocument/2006/relationships" xmlns:p="http://schemas.openxmlformats.org/presentationml/2006/main">
   <p:cSld>
     <p:spTree>
@@ -14874,99 +15379,6 @@
     <p:extLst>
       <p:ext uri="{BB962C8B-B14F-4D97-AF65-F5344CB8AC3E}">
         <p14:creationId xmlns:p14="http://schemas.microsoft.com/office/powerpoint/2010/main" val="279635179"/>
-      </p:ext>
-    </p:extLst>
-  </p:cSld>
-  <p:clrMapOvr>
-    <a:masterClrMapping/>
-  </p:clrMapOvr>
-</p:sld>
-</file>
-
-<file path=ppt/slides/slide26.xml><?xml version="1.0" encoding="utf-8"?>
-<p:sld xmlns:a="http://schemas.openxmlformats.org/drawingml/2006/main" xmlns:r="http://schemas.openxmlformats.org/officeDocument/2006/relationships" xmlns:p="http://schemas.openxmlformats.org/presentationml/2006/main">
-  <p:cSld>
-    <p:spTree>
-      <p:nvGrpSpPr>
-        <p:cNvPr id="1" name=""/>
-        <p:cNvGrpSpPr/>
-        <p:nvPr/>
-      </p:nvGrpSpPr>
-      <p:grpSpPr>
-        <a:xfrm>
-          <a:off x="0" y="0"/>
-          <a:ext cx="0" cy="0"/>
-          <a:chOff x="0" y="0"/>
-          <a:chExt cx="0" cy="0"/>
-        </a:xfrm>
-      </p:grpSpPr>
-      <p:sp>
-        <p:nvSpPr>
-          <p:cNvPr id="2" name="矩形 1"/>
-          <p:cNvSpPr>
-            <a:spLocks noGrp="1"/>
-          </p:cNvSpPr>
-          <p:nvPr>
-            <p:ph type="title"/>
-          </p:nvPr>
-        </p:nvSpPr>
-        <p:spPr/>
-        <p:txBody>
-          <a:bodyPr/>
-          <a:lstStyle/>
-          <a:p>
-            <a:r>
-              <a:rPr lang="en-US" altLang="zh-CN" dirty="0"/>
-              <a:t>5.1 </a:t>
-            </a:r>
-            <a:r>
-              <a:rPr lang="zh-CN" altLang="en-US" dirty="0"/>
-              <a:t>教师</a:t>
-            </a:r>
-            <a:r>
-              <a:rPr lang="en-US" altLang="zh-CN" dirty="0"/>
-              <a:t>(</a:t>
-            </a:r>
-            <a:r>
-              <a:rPr lang="zh-CN" altLang="en-US" dirty="0"/>
-              <a:t>助教</a:t>
-            </a:r>
-            <a:r>
-              <a:rPr lang="en-US" altLang="zh-CN" dirty="0"/>
-              <a:t>)</a:t>
-            </a:r>
-            <a:r>
-              <a:rPr lang="zh-CN" altLang="en-US" dirty="0"/>
-              <a:t>需求</a:t>
-            </a:r>
-          </a:p>
-        </p:txBody>
-      </p:sp>
-      <p:sp>
-        <p:nvSpPr>
-          <p:cNvPr id="3" name="矩形 2"/>
-          <p:cNvSpPr>
-            <a:spLocks noGrp="1"/>
-          </p:cNvSpPr>
-          <p:nvPr>
-            <p:ph idx="1"/>
-          </p:nvPr>
-        </p:nvSpPr>
-        <p:spPr/>
-        <p:txBody>
-          <a:bodyPr>
-            <a:normAutofit/>
-          </a:bodyPr>
-          <a:lstStyle/>
-          <a:p>
-            <a:endParaRPr lang="zh-CN" sz="2400" dirty="0"/>
-          </a:p>
-        </p:txBody>
-      </p:sp>
-    </p:spTree>
-    <p:extLst>
-      <p:ext uri="{BB962C8B-B14F-4D97-AF65-F5344CB8AC3E}">
-        <p14:creationId xmlns:p14="http://schemas.microsoft.com/office/powerpoint/2010/main" val="2183160804"/>
       </p:ext>
     </p:extLst>
   </p:cSld>
@@ -15010,11 +15422,27 @@
           <a:p>
             <a:r>
               <a:rPr lang="en-US" altLang="zh-CN" dirty="0"/>
-              <a:t>5.2 </a:t>
+              <a:t>5.1 </a:t>
             </a:r>
             <a:r>
               <a:rPr lang="zh-CN" altLang="en-US" dirty="0"/>
-              <a:t>管理员需求</a:t>
+              <a:t>教师</a:t>
+            </a:r>
+            <a:r>
+              <a:rPr lang="en-US" altLang="zh-CN" dirty="0"/>
+              <a:t>(</a:t>
+            </a:r>
+            <a:r>
+              <a:rPr lang="zh-CN" altLang="en-US" dirty="0"/>
+              <a:t>助教</a:t>
+            </a:r>
+            <a:r>
+              <a:rPr lang="en-US" altLang="zh-CN" dirty="0"/>
+              <a:t>)</a:t>
+            </a:r>
+            <a:r>
+              <a:rPr lang="zh-CN" altLang="en-US" dirty="0"/>
+              <a:t>需求</a:t>
             </a:r>
           </a:p>
         </p:txBody>
@@ -15032,35 +15460,323 @@
         <p:spPr/>
         <p:txBody>
           <a:bodyPr>
-            <a:normAutofit/>
+            <a:normAutofit fontScale="77500" lnSpcReduction="20000"/>
           </a:bodyPr>
           <a:lstStyle/>
           <a:p>
             <a:r>
-              <a:rPr lang="zh-CN" altLang="en-US" sz="2400" dirty="0"/>
-              <a:t>管理员可以配置学生的相关课程信息，包括任课教师，上课地点时间，以及学生的名单。</a:t>
-            </a:r>
-            <a:endParaRPr lang="en-US" altLang="zh-CN" sz="2400" dirty="0"/>
-          </a:p>
-          <a:p>
-            <a:r>
-              <a:rPr lang="zh-CN" altLang="en-US" sz="2400" dirty="0"/>
-              <a:t>管理课程的所有内容，主要包括教师及课程简介，课程资料，资料支持上传，下载，修改，发布，撤回。</a:t>
-            </a:r>
-            <a:endParaRPr lang="en-US" altLang="zh-CN" sz="2400" dirty="0"/>
-          </a:p>
-          <a:p>
-            <a:r>
-              <a:rPr lang="zh-CN" altLang="en-US" sz="2400" dirty="0"/>
-              <a:t>修改自己的密码，有权限支持用户重置密码，并且将随机密码发到用户的手机。</a:t>
-            </a:r>
-            <a:endParaRPr lang="en-US" altLang="zh-CN" sz="2400" dirty="0"/>
-          </a:p>
-          <a:p>
-            <a:r>
-              <a:rPr lang="zh-CN" altLang="en-US" sz="2400" dirty="0"/>
-              <a:t>管理回收站，可以清空或者</a:t>
-            </a:r>
+              <a:rPr lang="en-US" altLang="zh-CN" sz="2400" b="1" dirty="0">
+                <a:solidFill>
+                  <a:schemeClr val="tx1">
+                    <a:lumMod val="50000"/>
+                    <a:lumOff val="50000"/>
+                  </a:schemeClr>
+                </a:solidFill>
+                <a:latin typeface="微软雅黑" panose="020B0503020204020204" pitchFamily="34" charset="-122"/>
+                <a:ea typeface="微软雅黑" panose="020B0503020204020204" pitchFamily="34" charset="-122"/>
+              </a:rPr>
+              <a:t>1</a:t>
+            </a:r>
+            <a:r>
+              <a:rPr lang="zh-CN" altLang="en-US" sz="2400" b="1" dirty="0">
+                <a:solidFill>
+                  <a:schemeClr val="tx1">
+                    <a:lumMod val="50000"/>
+                    <a:lumOff val="50000"/>
+                  </a:schemeClr>
+                </a:solidFill>
+                <a:latin typeface="微软雅黑" panose="020B0503020204020204" pitchFamily="34" charset="-122"/>
+                <a:ea typeface="微软雅黑" panose="020B0503020204020204" pitchFamily="34" charset="-122"/>
+              </a:rPr>
+              <a:t>、网站上要有系统的课程介绍包括项目管理</a:t>
+            </a:r>
+            <a:r>
+              <a:rPr lang="en-US" altLang="zh-CN" sz="2400" b="1" dirty="0">
+                <a:solidFill>
+                  <a:schemeClr val="tx1">
+                    <a:lumMod val="50000"/>
+                    <a:lumOff val="50000"/>
+                  </a:schemeClr>
+                </a:solidFill>
+                <a:latin typeface="微软雅黑" panose="020B0503020204020204" pitchFamily="34" charset="-122"/>
+                <a:ea typeface="微软雅黑" panose="020B0503020204020204" pitchFamily="34" charset="-122"/>
+              </a:rPr>
+              <a:t>,</a:t>
+            </a:r>
+            <a:r>
+              <a:rPr lang="zh-CN" altLang="en-US" sz="2400" b="1" dirty="0">
+                <a:solidFill>
+                  <a:schemeClr val="tx1">
+                    <a:lumMod val="50000"/>
+                    <a:lumOff val="50000"/>
+                  </a:schemeClr>
+                </a:solidFill>
+                <a:latin typeface="微软雅黑" panose="020B0503020204020204" pitchFamily="34" charset="-122"/>
+                <a:ea typeface="微软雅黑" panose="020B0503020204020204" pitchFamily="34" charset="-122"/>
+              </a:rPr>
+              <a:t>需求工程等几门课的课时安排、教学计划、使用教材、国际国内背景、考核方式、和学生选这门课所需要的知识背景，以及大作业的介绍。并可以在以后增加另外课程的时候可以定制</a:t>
+            </a:r>
+            <a:r>
+              <a:rPr lang="en-US" altLang="zh-CN" sz="2400" b="1" dirty="0">
+                <a:solidFill>
+                  <a:schemeClr val="tx1">
+                    <a:lumMod val="50000"/>
+                    <a:lumOff val="50000"/>
+                  </a:schemeClr>
+                </a:solidFill>
+                <a:latin typeface="微软雅黑" panose="020B0503020204020204" pitchFamily="34" charset="-122"/>
+                <a:ea typeface="微软雅黑" panose="020B0503020204020204" pitchFamily="34" charset="-122"/>
+              </a:rPr>
+              <a:t>.</a:t>
+            </a:r>
+          </a:p>
+          <a:p>
+            <a:r>
+              <a:rPr lang="en-US" altLang="zh-CN" sz="2400" b="1" dirty="0">
+                <a:solidFill>
+                  <a:schemeClr val="tx1">
+                    <a:lumMod val="50000"/>
+                    <a:lumOff val="50000"/>
+                  </a:schemeClr>
+                </a:solidFill>
+                <a:latin typeface="微软雅黑" panose="020B0503020204020204" pitchFamily="34" charset="-122"/>
+                <a:ea typeface="微软雅黑" panose="020B0503020204020204" pitchFamily="34" charset="-122"/>
+              </a:rPr>
+              <a:t>	2</a:t>
+            </a:r>
+            <a:r>
+              <a:rPr lang="zh-CN" altLang="en-US" sz="2400" b="1" dirty="0">
+                <a:solidFill>
+                  <a:schemeClr val="tx1">
+                    <a:lumMod val="50000"/>
+                    <a:lumOff val="50000"/>
+                  </a:schemeClr>
+                </a:solidFill>
+                <a:latin typeface="微软雅黑" panose="020B0503020204020204" pitchFamily="34" charset="-122"/>
+                <a:ea typeface="微软雅黑" panose="020B0503020204020204" pitchFamily="34" charset="-122"/>
+              </a:rPr>
+              <a:t>、网站要有教师介绍，对任课老师的以往教学、科研成果，及其教学风格，出版书 籍，所获荣誉的详细介绍课件、模板、参考资料、以往优秀作业、教学视频、音频资料下载，可以及时更新。本班老师同学可以通过账号下载，其他用户可以在线浏览简化版课件。</a:t>
+            </a:r>
+          </a:p>
+          <a:p>
+            <a:r>
+              <a:rPr lang="en-US" altLang="zh-CN" sz="2400" b="1" dirty="0">
+                <a:solidFill>
+                  <a:schemeClr val="tx1">
+                    <a:lumMod val="50000"/>
+                    <a:lumOff val="50000"/>
+                  </a:schemeClr>
+                </a:solidFill>
+                <a:latin typeface="微软雅黑" panose="020B0503020204020204" pitchFamily="34" charset="-122"/>
+                <a:ea typeface="微软雅黑" panose="020B0503020204020204" pitchFamily="34" charset="-122"/>
+              </a:rPr>
+              <a:t>	3</a:t>
+            </a:r>
+            <a:r>
+              <a:rPr lang="zh-CN" altLang="en-US" sz="2400" b="1" dirty="0">
+                <a:solidFill>
+                  <a:schemeClr val="tx1">
+                    <a:lumMod val="50000"/>
+                    <a:lumOff val="50000"/>
+                  </a:schemeClr>
+                </a:solidFill>
+                <a:latin typeface="微软雅黑" panose="020B0503020204020204" pitchFamily="34" charset="-122"/>
+                <a:ea typeface="微软雅黑" panose="020B0503020204020204" pitchFamily="34" charset="-122"/>
+              </a:rPr>
+              <a:t>、教师消息发布栏用于老师发布作业点评、临时课程变更等通知。</a:t>
+            </a:r>
+          </a:p>
+          <a:p>
+            <a:r>
+              <a:rPr lang="en-US" altLang="zh-CN" sz="2400" b="1" dirty="0">
+                <a:solidFill>
+                  <a:schemeClr val="tx1">
+                    <a:lumMod val="50000"/>
+                    <a:lumOff val="50000"/>
+                  </a:schemeClr>
+                </a:solidFill>
+                <a:latin typeface="微软雅黑" panose="020B0503020204020204" pitchFamily="34" charset="-122"/>
+                <a:ea typeface="微软雅黑" panose="020B0503020204020204" pitchFamily="34" charset="-122"/>
+              </a:rPr>
+              <a:t>	4</a:t>
+            </a:r>
+            <a:r>
+              <a:rPr lang="zh-CN" altLang="en-US" sz="2400" b="1" dirty="0">
+                <a:solidFill>
+                  <a:schemeClr val="tx1">
+                    <a:lumMod val="50000"/>
+                    <a:lumOff val="50000"/>
+                  </a:schemeClr>
+                </a:solidFill>
+                <a:latin typeface="微软雅黑" panose="020B0503020204020204" pitchFamily="34" charset="-122"/>
+                <a:ea typeface="微软雅黑" panose="020B0503020204020204" pitchFamily="34" charset="-122"/>
+              </a:rPr>
+              <a:t>、网站上要有网站向导即使用指南。</a:t>
+            </a:r>
+          </a:p>
+          <a:p>
+            <a:r>
+              <a:rPr lang="en-US" altLang="zh-CN" sz="2400" b="1" dirty="0">
+                <a:solidFill>
+                  <a:schemeClr val="tx1">
+                    <a:lumMod val="50000"/>
+                    <a:lumOff val="50000"/>
+                  </a:schemeClr>
+                </a:solidFill>
+                <a:latin typeface="微软雅黑" panose="020B0503020204020204" pitchFamily="34" charset="-122"/>
+                <a:ea typeface="微软雅黑" panose="020B0503020204020204" pitchFamily="34" charset="-122"/>
+              </a:rPr>
+              <a:t>	5</a:t>
+            </a:r>
+            <a:r>
+              <a:rPr lang="zh-CN" altLang="en-US" sz="2400" b="1" dirty="0">
+                <a:solidFill>
+                  <a:schemeClr val="tx1">
+                    <a:lumMod val="50000"/>
+                    <a:lumOff val="50000"/>
+                  </a:schemeClr>
+                </a:solidFill>
+                <a:latin typeface="微软雅黑" panose="020B0503020204020204" pitchFamily="34" charset="-122"/>
+                <a:ea typeface="微软雅黑" panose="020B0503020204020204" pitchFamily="34" charset="-122"/>
+              </a:rPr>
+              <a:t>、最新信息：公布老师最近的一些教学或外出交流的心得，以及网站一些最近更新信息的介绍。</a:t>
+            </a:r>
+          </a:p>
+          <a:p>
+            <a:r>
+              <a:rPr lang="en-US" altLang="zh-CN" sz="2400" b="1" dirty="0">
+                <a:solidFill>
+                  <a:schemeClr val="tx1">
+                    <a:lumMod val="50000"/>
+                    <a:lumOff val="50000"/>
+                  </a:schemeClr>
+                </a:solidFill>
+                <a:latin typeface="微软雅黑" panose="020B0503020204020204" pitchFamily="34" charset="-122"/>
+                <a:ea typeface="微软雅黑" panose="020B0503020204020204" pitchFamily="34" charset="-122"/>
+              </a:rPr>
+              <a:t>	6</a:t>
+            </a:r>
+            <a:r>
+              <a:rPr lang="zh-CN" altLang="en-US" sz="2400" b="1" dirty="0">
+                <a:solidFill>
+                  <a:schemeClr val="tx1">
+                    <a:lumMod val="50000"/>
+                    <a:lumOff val="50000"/>
+                  </a:schemeClr>
+                </a:solidFill>
+                <a:latin typeface="微软雅黑" panose="020B0503020204020204" pitchFamily="34" charset="-122"/>
+                <a:ea typeface="微软雅黑" panose="020B0503020204020204" pitchFamily="34" charset="-122"/>
+              </a:rPr>
+              <a:t>、友情连接（如网上选课主页）有老师要求管理员实时更新。</a:t>
+            </a:r>
+          </a:p>
+          <a:p>
+            <a:r>
+              <a:rPr lang="en-US" altLang="zh-CN" sz="2400" b="1" dirty="0">
+                <a:solidFill>
+                  <a:schemeClr val="tx1">
+                    <a:lumMod val="50000"/>
+                    <a:lumOff val="50000"/>
+                  </a:schemeClr>
+                </a:solidFill>
+                <a:latin typeface="微软雅黑" panose="020B0503020204020204" pitchFamily="34" charset="-122"/>
+                <a:ea typeface="微软雅黑" panose="020B0503020204020204" pitchFamily="34" charset="-122"/>
+              </a:rPr>
+              <a:t>	7</a:t>
+            </a:r>
+            <a:r>
+              <a:rPr lang="zh-CN" altLang="en-US" sz="2400" b="1" dirty="0">
+                <a:solidFill>
+                  <a:schemeClr val="tx1">
+                    <a:lumMod val="50000"/>
+                    <a:lumOff val="50000"/>
+                  </a:schemeClr>
+                </a:solidFill>
+                <a:latin typeface="微软雅黑" panose="020B0503020204020204" pitchFamily="34" charset="-122"/>
+                <a:ea typeface="微软雅黑" panose="020B0503020204020204" pitchFamily="34" charset="-122"/>
+              </a:rPr>
+              <a:t>、提供专门的作业点评</a:t>
+            </a:r>
+            <a:r>
+              <a:rPr lang="en-US" altLang="zh-CN" sz="2400" b="1" dirty="0">
+                <a:solidFill>
+                  <a:schemeClr val="tx1">
+                    <a:lumMod val="50000"/>
+                    <a:lumOff val="50000"/>
+                  </a:schemeClr>
+                </a:solidFill>
+                <a:latin typeface="微软雅黑" panose="020B0503020204020204" pitchFamily="34" charset="-122"/>
+                <a:ea typeface="微软雅黑" panose="020B0503020204020204" pitchFamily="34" charset="-122"/>
+              </a:rPr>
+              <a:t>,</a:t>
+            </a:r>
+            <a:r>
+              <a:rPr lang="zh-CN" altLang="en-US" sz="2400" b="1" dirty="0">
+                <a:solidFill>
+                  <a:schemeClr val="tx1">
+                    <a:lumMod val="50000"/>
+                    <a:lumOff val="50000"/>
+                  </a:schemeClr>
+                </a:solidFill>
+                <a:latin typeface="微软雅黑" panose="020B0503020204020204" pitchFamily="34" charset="-122"/>
+                <a:ea typeface="微软雅黑" panose="020B0503020204020204" pitchFamily="34" charset="-122"/>
+              </a:rPr>
+              <a:t>作业完成情况跟踪的功能</a:t>
+            </a:r>
+            <a:r>
+              <a:rPr lang="en-US" altLang="zh-CN" sz="2400" b="1" dirty="0">
+                <a:solidFill>
+                  <a:schemeClr val="tx1">
+                    <a:lumMod val="50000"/>
+                    <a:lumOff val="50000"/>
+                  </a:schemeClr>
+                </a:solidFill>
+                <a:latin typeface="微软雅黑" panose="020B0503020204020204" pitchFamily="34" charset="-122"/>
+                <a:ea typeface="微软雅黑" panose="020B0503020204020204" pitchFamily="34" charset="-122"/>
+              </a:rPr>
+              <a:t>,</a:t>
+            </a:r>
+            <a:r>
+              <a:rPr lang="zh-CN" altLang="en-US" sz="2400" b="1" dirty="0">
+                <a:solidFill>
+                  <a:schemeClr val="tx1">
+                    <a:lumMod val="50000"/>
+                    <a:lumOff val="50000"/>
+                  </a:schemeClr>
+                </a:solidFill>
+                <a:latin typeface="微软雅黑" panose="020B0503020204020204" pitchFamily="34" charset="-122"/>
+                <a:ea typeface="微软雅黑" panose="020B0503020204020204" pitchFamily="34" charset="-122"/>
+              </a:rPr>
+              <a:t>对学生的作业</a:t>
+            </a:r>
+            <a:r>
+              <a:rPr lang="en-US" altLang="zh-CN" sz="2400" b="1" dirty="0">
+                <a:solidFill>
+                  <a:schemeClr val="tx1">
+                    <a:lumMod val="50000"/>
+                    <a:lumOff val="50000"/>
+                  </a:schemeClr>
+                </a:solidFill>
+                <a:latin typeface="微软雅黑" panose="020B0503020204020204" pitchFamily="34" charset="-122"/>
+                <a:ea typeface="微软雅黑" panose="020B0503020204020204" pitchFamily="34" charset="-122"/>
+              </a:rPr>
+              <a:t>,</a:t>
+            </a:r>
+            <a:r>
+              <a:rPr lang="zh-CN" altLang="en-US" sz="2400" b="1" dirty="0">
+                <a:solidFill>
+                  <a:schemeClr val="tx1">
+                    <a:lumMod val="50000"/>
+                    <a:lumOff val="50000"/>
+                  </a:schemeClr>
+                </a:solidFill>
+                <a:latin typeface="微软雅黑" panose="020B0503020204020204" pitchFamily="34" charset="-122"/>
+                <a:ea typeface="微软雅黑" panose="020B0503020204020204" pitchFamily="34" charset="-122"/>
+              </a:rPr>
+              <a:t>和课后作业讨论进行点评。</a:t>
+            </a:r>
+          </a:p>
+          <a:p>
             <a:endParaRPr lang="zh-CN" sz="2400" dirty="0"/>
           </a:p>
         </p:txBody>
@@ -15068,7 +15784,7 @@
     </p:spTree>
     <p:extLst>
       <p:ext uri="{BB962C8B-B14F-4D97-AF65-F5344CB8AC3E}">
-        <p14:creationId xmlns:p14="http://schemas.microsoft.com/office/powerpoint/2010/main" val="7418635"/>
+        <p14:creationId xmlns:p14="http://schemas.microsoft.com/office/powerpoint/2010/main" val="2183160804"/>
       </p:ext>
     </p:extLst>
   </p:cSld>
@@ -15112,11 +15828,11 @@
           <a:p>
             <a:r>
               <a:rPr lang="en-US" altLang="zh-CN" dirty="0"/>
-              <a:t>5.3 </a:t>
+              <a:t>5.2 </a:t>
             </a:r>
             <a:r>
               <a:rPr lang="zh-CN" altLang="en-US" dirty="0"/>
-              <a:t>学生需求</a:t>
+              <a:t>管理员需求</a:t>
             </a:r>
           </a:p>
         </p:txBody>
@@ -15140,69 +15856,29 @@
           <a:p>
             <a:r>
               <a:rPr lang="zh-CN" altLang="en-US" sz="2400" dirty="0"/>
-              <a:t>下载最新以及历史的课件资料，最大支持</a:t>
-            </a:r>
-            <a:r>
-              <a:rPr lang="en-US" altLang="zh-CN" sz="2400" dirty="0"/>
-              <a:t>100</a:t>
-            </a:r>
+              <a:t>管理员可以配置学生的相关课程信息，包括任课教师，上课地点时间，以及学生的名单。</a:t>
+            </a:r>
+            <a:endParaRPr lang="en-US" altLang="zh-CN" sz="2400" dirty="0"/>
+          </a:p>
+          <a:p>
             <a:r>
               <a:rPr lang="zh-CN" altLang="en-US" sz="2400" dirty="0"/>
-              <a:t>人并行</a:t>
-            </a:r>
-            <a:r>
-              <a:rPr lang="en-US" altLang="zh-CN" sz="2400" dirty="0"/>
-              <a:t>100KB/s</a:t>
-            </a:r>
+              <a:t>管理课程的所有内容，主要包括教师及课程简介，课程资料，资料支持上传，下载，修改，发布，撤回。</a:t>
+            </a:r>
+            <a:endParaRPr lang="en-US" altLang="zh-CN" sz="2400" dirty="0"/>
+          </a:p>
+          <a:p>
             <a:r>
               <a:rPr lang="zh-CN" altLang="en-US" sz="2400" dirty="0"/>
-              <a:t>的下载速度</a:t>
+              <a:t>修改自己的密码，有权限支持用户重置密码，并且将随机密码发到用户的手机。</a:t>
             </a:r>
             <a:endParaRPr lang="en-US" altLang="zh-CN" sz="2400" dirty="0"/>
           </a:p>
           <a:p>
             <a:r>
               <a:rPr lang="zh-CN" altLang="en-US" sz="2400" dirty="0"/>
-              <a:t>及时收到老师发布的消息</a:t>
-            </a:r>
-            <a:endParaRPr lang="en-US" altLang="zh-CN" sz="2400" dirty="0"/>
-          </a:p>
-          <a:p>
-            <a:r>
-              <a:rPr lang="en-US" altLang="zh-CN" sz="2400" dirty="0"/>
-              <a:t>UI</a:t>
-            </a:r>
-            <a:r>
-              <a:rPr lang="zh-CN" altLang="en-US" sz="2400" dirty="0"/>
-              <a:t>符合现在软件工程的规范，适应时代审美</a:t>
-            </a:r>
-            <a:endParaRPr lang="en-US" altLang="zh-CN" sz="2400" dirty="0"/>
-          </a:p>
-          <a:p>
-            <a:r>
-              <a:rPr lang="zh-CN" altLang="en-US" sz="2400" dirty="0"/>
-              <a:t>可以通过密保问题或者绑定的号码或邮箱重置密码。上述手段都失效是，通过有效证件，让管理员重置密码。</a:t>
-            </a:r>
-            <a:endParaRPr lang="en-US" altLang="zh-CN" sz="2400" dirty="0"/>
-          </a:p>
-          <a:p>
-            <a:r>
-              <a:rPr lang="zh-CN" altLang="en-US" sz="2400" dirty="0"/>
-              <a:t>支持学生个人网盘，容量不低于</a:t>
-            </a:r>
-            <a:r>
-              <a:rPr lang="en-US" altLang="zh-CN" sz="2400" dirty="0"/>
-              <a:t>500MB</a:t>
-            </a:r>
-          </a:p>
-          <a:p>
-            <a:r>
-              <a:rPr lang="zh-CN" altLang="en-US" sz="2400" dirty="0"/>
-              <a:t>提交作业，并且查看提交作业审批情况</a:t>
-            </a:r>
-            <a:endParaRPr lang="en-US" altLang="zh-CN" sz="2400" dirty="0"/>
-          </a:p>
-          <a:p>
+              <a:t>管理回收站，可以清空或者</a:t>
+            </a:r>
             <a:endParaRPr lang="zh-CN" sz="2400" dirty="0"/>
           </a:p>
         </p:txBody>
@@ -15210,7 +15886,7 @@
     </p:spTree>
     <p:extLst>
       <p:ext uri="{BB962C8B-B14F-4D97-AF65-F5344CB8AC3E}">
-        <p14:creationId xmlns:p14="http://schemas.microsoft.com/office/powerpoint/2010/main" val="896944419"/>
+        <p14:creationId xmlns:p14="http://schemas.microsoft.com/office/powerpoint/2010/main" val="7418635"/>
       </p:ext>
     </p:extLst>
   </p:cSld>
@@ -15254,11 +15930,11 @@
           <a:p>
             <a:r>
               <a:rPr lang="en-US" altLang="zh-CN" dirty="0"/>
-              <a:t>5.4 </a:t>
+              <a:t>5.3 </a:t>
             </a:r>
             <a:r>
               <a:rPr lang="zh-CN" altLang="en-US" dirty="0"/>
-              <a:t>系统功能需求</a:t>
+              <a:t>学生需求</a:t>
             </a:r>
           </a:p>
         </p:txBody>
@@ -15282,30 +15958,65 @@
           <a:p>
             <a:r>
               <a:rPr lang="zh-CN" altLang="en-US" sz="2400" dirty="0"/>
-              <a:t>具备应对</a:t>
+              <a:t>下载最新以及历史的课件资料，最大支持</a:t>
             </a:r>
             <a:r>
               <a:rPr lang="en-US" altLang="zh-CN" sz="2400" dirty="0"/>
-              <a:t>2000</a:t>
+              <a:t>100</a:t>
             </a:r>
             <a:r>
               <a:rPr lang="zh-CN" altLang="en-US" sz="2400" dirty="0"/>
-              <a:t>人同时访问，提供足够质量的保证</a:t>
+              <a:t>人并行</a:t>
+            </a:r>
+            <a:r>
+              <a:rPr lang="en-US" altLang="zh-CN" sz="2400" dirty="0"/>
+              <a:t>100KB/s</a:t>
+            </a:r>
+            <a:r>
+              <a:rPr lang="zh-CN" altLang="en-US" sz="2400" dirty="0"/>
+              <a:t>的下载速度</a:t>
             </a:r>
             <a:endParaRPr lang="en-US" altLang="zh-CN" sz="2400" dirty="0"/>
           </a:p>
           <a:p>
             <a:r>
               <a:rPr lang="zh-CN" altLang="en-US" sz="2400" dirty="0"/>
-              <a:t>数据存储能力要足以支撑</a:t>
-            </a:r>
+              <a:t>及时收到老师发布的消息</a:t>
+            </a:r>
+            <a:endParaRPr lang="en-US" altLang="zh-CN" sz="2400" dirty="0"/>
+          </a:p>
+          <a:p>
             <a:r>
               <a:rPr lang="en-US" altLang="zh-CN" sz="2400" dirty="0"/>
-              <a:t>2000</a:t>
+              <a:t>UI</a:t>
             </a:r>
             <a:r>
               <a:rPr lang="zh-CN" altLang="en-US" sz="2400" dirty="0"/>
-              <a:t>人的数据</a:t>
+              <a:t>符合现在软件工程的规范，适应时代审美</a:t>
+            </a:r>
+            <a:endParaRPr lang="en-US" altLang="zh-CN" sz="2400" dirty="0"/>
+          </a:p>
+          <a:p>
+            <a:r>
+              <a:rPr lang="zh-CN" altLang="en-US" sz="2400" dirty="0"/>
+              <a:t>可以通过密保问题或者绑定的号码或邮箱重置密码。上述手段都失效是，通过有效证件，让管理员重置密码。</a:t>
+            </a:r>
+            <a:endParaRPr lang="en-US" altLang="zh-CN" sz="2400" dirty="0"/>
+          </a:p>
+          <a:p>
+            <a:r>
+              <a:rPr lang="zh-CN" altLang="en-US" sz="2400" dirty="0"/>
+              <a:t>支持学生个人网盘，容量不低于</a:t>
+            </a:r>
+            <a:r>
+              <a:rPr lang="en-US" altLang="zh-CN" sz="2400" dirty="0"/>
+              <a:t>500MB</a:t>
+            </a:r>
+          </a:p>
+          <a:p>
+            <a:r>
+              <a:rPr lang="zh-CN" altLang="en-US" sz="2400" dirty="0"/>
+              <a:t>提交作业，并且查看提交作业审批情况</a:t>
             </a:r>
             <a:endParaRPr lang="en-US" altLang="zh-CN" sz="2400" dirty="0"/>
           </a:p>
@@ -15317,7 +16028,7 @@
     </p:spTree>
     <p:extLst>
       <p:ext uri="{BB962C8B-B14F-4D97-AF65-F5344CB8AC3E}">
-        <p14:creationId xmlns:p14="http://schemas.microsoft.com/office/powerpoint/2010/main" val="3859865955"/>
+        <p14:creationId xmlns:p14="http://schemas.microsoft.com/office/powerpoint/2010/main" val="896944419"/>
       </p:ext>
     </p:extLst>
   </p:cSld>
@@ -15346,7 +16057,7 @@
       </p:grpSpPr>
       <p:sp>
         <p:nvSpPr>
-          <p:cNvPr id="2" name="矩形 1"/>
+          <p:cNvPr id="2" name="标题 1"/>
           <p:cNvSpPr>
             <a:spLocks noGrp="1"/>
           </p:cNvSpPr>
@@ -15354,26 +16065,72 @@
             <p:ph type="title"/>
           </p:nvPr>
         </p:nvSpPr>
+        <p:spPr>
+          <a:xfrm>
+            <a:off x="1574801" y="2033984"/>
+            <a:ext cx="7999315" cy="2690416"/>
+          </a:xfrm>
+        </p:spPr>
+        <p:txBody>
+          <a:bodyPr/>
+          <a:lstStyle/>
+          <a:p>
+            <a:r>
+              <a:rPr lang="zh-CN" altLang="en-US" sz="9600" dirty="0">
+                <a:latin typeface="Microsoft YaHei UI" panose="020B0503020204020204" pitchFamily="34" charset="-122"/>
+                <a:ea typeface="Microsoft YaHei UI" panose="020B0503020204020204" pitchFamily="34" charset="-122"/>
+              </a:rPr>
+              <a:t>第</a:t>
+            </a:r>
+            <a:r>
+              <a:rPr lang="en-US" altLang="zh-CN" sz="9600" dirty="0">
+                <a:latin typeface="Microsoft YaHei UI" panose="020B0503020204020204" pitchFamily="34" charset="-122"/>
+                <a:ea typeface="Microsoft YaHei UI" panose="020B0503020204020204" pitchFamily="34" charset="-122"/>
+              </a:rPr>
+              <a:t>1</a:t>
+            </a:r>
+            <a:r>
+              <a:rPr lang="zh-CN" altLang="en-US" sz="9600" dirty="0">
+                <a:latin typeface="Microsoft YaHei UI" panose="020B0503020204020204" pitchFamily="34" charset="-122"/>
+                <a:ea typeface="Microsoft YaHei UI" panose="020B0503020204020204" pitchFamily="34" charset="-122"/>
+              </a:rPr>
+              <a:t>章</a:t>
+            </a:r>
+            <a:br>
+              <a:rPr lang="en-US" altLang="zh-CN" sz="9600" dirty="0">
+                <a:latin typeface="Microsoft YaHei UI" panose="020B0503020204020204" pitchFamily="34" charset="-122"/>
+                <a:ea typeface="Microsoft YaHei UI" panose="020B0503020204020204" pitchFamily="34" charset="-122"/>
+              </a:rPr>
+            </a:br>
+            <a:r>
+              <a:rPr lang="zh-CN" altLang="en-US" sz="9600" dirty="0">
+                <a:latin typeface="Microsoft YaHei UI" panose="020B0503020204020204" pitchFamily="34" charset="-122"/>
+                <a:ea typeface="Microsoft YaHei UI" panose="020B0503020204020204" pitchFamily="34" charset="-122"/>
+              </a:rPr>
+              <a:t>引言</a:t>
+            </a:r>
+            <a:endParaRPr lang="zh-CN" sz="9600" dirty="0">
+              <a:latin typeface="Microsoft YaHei UI" panose="020B0503020204020204" pitchFamily="34" charset="-122"/>
+              <a:ea typeface="Microsoft YaHei UI" panose="020B0503020204020204" pitchFamily="34" charset="-122"/>
+            </a:endParaRPr>
+          </a:p>
+        </p:txBody>
+      </p:sp>
+      <p:sp>
+        <p:nvSpPr>
+          <p:cNvPr id="3" name="文本占位符 2"/>
+          <p:cNvSpPr>
+            <a:spLocks noGrp="1"/>
+          </p:cNvSpPr>
+          <p:nvPr>
+            <p:ph type="body" sz="half" idx="2"/>
+          </p:nvPr>
+        </p:nvSpPr>
         <p:spPr/>
         <p:txBody>
           <a:bodyPr/>
           <a:lstStyle/>
           <a:p>
-            <a:r>
-              <a:rPr lang="en-US" altLang="zh-CN" dirty="0">
-                <a:latin typeface="Microsoft YaHei UI" panose="020B0503020204020204" pitchFamily="34" charset="-122"/>
-                <a:ea typeface="Microsoft YaHei UI" panose="020B0503020204020204" pitchFamily="34" charset="-122"/>
-              </a:rPr>
-              <a:t>1</a:t>
-            </a:r>
-            <a:r>
-              <a:rPr lang="en-US" altLang="zh-CN" dirty="0"/>
-              <a:t>.1</a:t>
-            </a:r>
-            <a:r>
-              <a:rPr lang="zh-CN" altLang="en-US" dirty="0"/>
-              <a:t>编写目的</a:t>
-            </a:r>
             <a:endParaRPr lang="zh-CN" dirty="0">
               <a:latin typeface="Microsoft YaHei UI" panose="020B0503020204020204" pitchFamily="34" charset="-122"/>
               <a:ea typeface="Microsoft YaHei UI" panose="020B0503020204020204" pitchFamily="34" charset="-122"/>
@@ -15381,35 +16138,12 @@
           </a:p>
         </p:txBody>
       </p:sp>
-      <p:sp>
-        <p:nvSpPr>
-          <p:cNvPr id="3" name="矩形 2"/>
-          <p:cNvSpPr>
-            <a:spLocks noGrp="1"/>
-          </p:cNvSpPr>
-          <p:nvPr>
-            <p:ph idx="1"/>
-          </p:nvPr>
-        </p:nvSpPr>
-        <p:spPr/>
-        <p:txBody>
-          <a:bodyPr>
-            <a:normAutofit/>
-          </a:bodyPr>
-          <a:lstStyle/>
-          <a:p>
-            <a:r>
-              <a:rPr lang="zh-CN" altLang="en-US" sz="2400" dirty="0"/>
-              <a:t>项目管理与软件需求，作为软件工程当中最为重要的组成几个部分，已经引起了业内人士的高度重视。项目管理和需求工程概念的提出，就是为了把软件工程化，以更有效地开发需求，开发软件并实现有效的管理。为了让教师能把最新、最前沿的关于项目管理和需求工程的信息传播给学生，为了让学生能够利用网络得到老师帮助，为了师生之间、同学之间能够充分交流，沟通心得，这个软件工程课程网站系统将提供这样一个教学、学习、交流的平台，为教师和同学服务，也为项目管理、需求工程、统一建模等软件工程化课程的教学方法提供试验基地。</a:t>
-            </a:r>
-            <a:endParaRPr lang="zh-CN" sz="2400" dirty="0">
-              <a:latin typeface="Microsoft YaHei UI" panose="020B0503020204020204" pitchFamily="34" charset="-122"/>
-              <a:ea typeface="Microsoft YaHei UI" panose="020B0503020204020204" pitchFamily="34" charset="-122"/>
-            </a:endParaRPr>
-          </a:p>
-        </p:txBody>
-      </p:sp>
     </p:spTree>
+    <p:extLst>
+      <p:ext uri="{BB962C8B-B14F-4D97-AF65-F5344CB8AC3E}">
+        <p14:creationId xmlns:p14="http://schemas.microsoft.com/office/powerpoint/2010/main" val="3108204940"/>
+      </p:ext>
+    </p:extLst>
   </p:cSld>
   <p:clrMapOvr>
     <a:masterClrMapping/>
@@ -15451,11 +16185,11 @@
           <a:p>
             <a:r>
               <a:rPr lang="en-US" altLang="zh-CN" dirty="0"/>
-              <a:t>5.5.1</a:t>
+              <a:t>5.4 </a:t>
             </a:r>
             <a:r>
               <a:rPr lang="zh-CN" altLang="en-US" dirty="0"/>
-              <a:t>建立开发项目质量管理责任制</a:t>
+              <a:t>系统功能需求</a:t>
             </a:r>
           </a:p>
         </p:txBody>
@@ -15473,21 +16207,40 @@
         <p:spPr/>
         <p:txBody>
           <a:bodyPr>
-            <a:normAutofit lnSpcReduction="10000"/>
+            <a:normAutofit/>
           </a:bodyPr>
           <a:lstStyle/>
           <a:p>
             <a:r>
               <a:rPr lang="zh-CN" altLang="en-US" sz="2400" dirty="0"/>
-              <a:t>项目经理是全权负责人，所有工作的审核，必须经过项目经理确认。</a:t>
+              <a:t>具备应对</a:t>
+            </a:r>
+            <a:r>
+              <a:rPr lang="en-US" altLang="zh-CN" sz="2400" dirty="0"/>
+              <a:t>2000</a:t>
+            </a:r>
+            <a:r>
+              <a:rPr lang="zh-CN" altLang="en-US" sz="2400" dirty="0"/>
+              <a:t>人同时访问，提供足够质量的保证</a:t>
             </a:r>
             <a:endParaRPr lang="en-US" altLang="zh-CN" sz="2400" dirty="0"/>
           </a:p>
           <a:p>
             <a:r>
               <a:rPr lang="zh-CN" altLang="en-US" sz="2400" dirty="0"/>
-              <a:t>质量经理的职责主要包括了：根据投资人项目开发战略，市场定位目标，负责编制开发项目质量计划，并组织实施；按质量计划规定，跟踪、督促、检查项目质量计划执行情况，特别是主要质量控制点的验证、检查和评审活动；对发现重大的管理方面或技术方面的质量问题，组织研究解决，向项目团队负责人报告；编制项目质量报告，报上级质检部门和项目经理。项目质量经理对质量的监督检查，不能代替项目其它岗位的质量职责，项目各个经理、专业负责人、各部室、各专业人员各自均应完成自己应负的质量责任，项目质量才能有保证。</a:t>
-            </a:r>
+              <a:t>数据存储能力要足以支撑</a:t>
+            </a:r>
+            <a:r>
+              <a:rPr lang="en-US" altLang="zh-CN" sz="2400" dirty="0"/>
+              <a:t>2000</a:t>
+            </a:r>
+            <a:r>
+              <a:rPr lang="zh-CN" altLang="en-US" sz="2400" dirty="0"/>
+              <a:t>人的数据</a:t>
+            </a:r>
+            <a:endParaRPr lang="en-US" altLang="zh-CN" sz="2400" dirty="0"/>
+          </a:p>
+          <a:p>
             <a:endParaRPr lang="zh-CN" sz="2400" dirty="0"/>
           </a:p>
         </p:txBody>
@@ -15495,7 +16248,7 @@
     </p:spTree>
     <p:extLst>
       <p:ext uri="{BB962C8B-B14F-4D97-AF65-F5344CB8AC3E}">
-        <p14:creationId xmlns:p14="http://schemas.microsoft.com/office/powerpoint/2010/main" val="3000847125"/>
+        <p14:creationId xmlns:p14="http://schemas.microsoft.com/office/powerpoint/2010/main" val="3859865955"/>
       </p:ext>
     </p:extLst>
   </p:cSld>
@@ -15539,6 +16292,94 @@
           <a:p>
             <a:r>
               <a:rPr lang="en-US" altLang="zh-CN" dirty="0"/>
+              <a:t>5.5.1</a:t>
+            </a:r>
+            <a:r>
+              <a:rPr lang="zh-CN" altLang="en-US" dirty="0"/>
+              <a:t>建立开发项目质量管理责任制</a:t>
+            </a:r>
+          </a:p>
+        </p:txBody>
+      </p:sp>
+      <p:sp>
+        <p:nvSpPr>
+          <p:cNvPr id="3" name="矩形 2"/>
+          <p:cNvSpPr>
+            <a:spLocks noGrp="1"/>
+          </p:cNvSpPr>
+          <p:nvPr>
+            <p:ph idx="1"/>
+          </p:nvPr>
+        </p:nvSpPr>
+        <p:spPr/>
+        <p:txBody>
+          <a:bodyPr>
+            <a:normAutofit lnSpcReduction="10000"/>
+          </a:bodyPr>
+          <a:lstStyle/>
+          <a:p>
+            <a:r>
+              <a:rPr lang="zh-CN" altLang="en-US" sz="2400" dirty="0"/>
+              <a:t>项目经理是全权负责人，所有工作的审核，必须经过项目经理确认。</a:t>
+            </a:r>
+            <a:endParaRPr lang="en-US" altLang="zh-CN" sz="2400" dirty="0"/>
+          </a:p>
+          <a:p>
+            <a:r>
+              <a:rPr lang="zh-CN" altLang="en-US" sz="2400" dirty="0"/>
+              <a:t>质量经理的职责主要包括了：根据投资人项目开发战略，市场定位目标，负责编制开发项目质量计划，并组织实施；按质量计划规定，跟踪、督促、检查项目质量计划执行情况，特别是主要质量控制点的验证、检查和评审活动；对发现重大的管理方面或技术方面的质量问题，组织研究解决，向项目团队负责人报告；编制项目质量报告，报上级质检部门和项目经理。项目质量经理对质量的监督检查，不能代替项目其它岗位的质量职责，项目各个经理、专业负责人、各部室、各专业人员各自均应完成自己应负的质量责任，项目质量才能有保证。</a:t>
+            </a:r>
+            <a:endParaRPr lang="zh-CN" sz="2400" dirty="0"/>
+          </a:p>
+        </p:txBody>
+      </p:sp>
+    </p:spTree>
+    <p:extLst>
+      <p:ext uri="{BB962C8B-B14F-4D97-AF65-F5344CB8AC3E}">
+        <p14:creationId xmlns:p14="http://schemas.microsoft.com/office/powerpoint/2010/main" val="3000847125"/>
+      </p:ext>
+    </p:extLst>
+  </p:cSld>
+  <p:clrMapOvr>
+    <a:masterClrMapping/>
+  </p:clrMapOvr>
+</p:sld>
+</file>
+
+<file path=ppt/slides/slide32.xml><?xml version="1.0" encoding="utf-8"?>
+<p:sld xmlns:a="http://schemas.openxmlformats.org/drawingml/2006/main" xmlns:r="http://schemas.openxmlformats.org/officeDocument/2006/relationships" xmlns:p="http://schemas.openxmlformats.org/presentationml/2006/main">
+  <p:cSld>
+    <p:spTree>
+      <p:nvGrpSpPr>
+        <p:cNvPr id="1" name=""/>
+        <p:cNvGrpSpPr/>
+        <p:nvPr/>
+      </p:nvGrpSpPr>
+      <p:grpSpPr>
+        <a:xfrm>
+          <a:off x="0" y="0"/>
+          <a:ext cx="0" cy="0"/>
+          <a:chOff x="0" y="0"/>
+          <a:chExt cx="0" cy="0"/>
+        </a:xfrm>
+      </p:grpSpPr>
+      <p:sp>
+        <p:nvSpPr>
+          <p:cNvPr id="2" name="矩形 1"/>
+          <p:cNvSpPr>
+            <a:spLocks noGrp="1"/>
+          </p:cNvSpPr>
+          <p:nvPr>
+            <p:ph type="title"/>
+          </p:nvPr>
+        </p:nvSpPr>
+        <p:spPr/>
+        <p:txBody>
+          <a:bodyPr/>
+          <a:lstStyle/>
+          <a:p>
+            <a:r>
+              <a:rPr lang="en-US" altLang="zh-CN" dirty="0"/>
               <a:t>5.6.1</a:t>
             </a:r>
             <a:r>
@@ -15591,7 +16432,7 @@
 </p:sld>
 </file>
 
-<file path=ppt/slides/slide32.xml><?xml version="1.0" encoding="utf-8"?>
+<file path=ppt/slides/slide33.xml><?xml version="1.0" encoding="utf-8"?>
 <p:sld xmlns:a="http://schemas.openxmlformats.org/drawingml/2006/main" xmlns:r="http://schemas.openxmlformats.org/officeDocument/2006/relationships" xmlns:p="http://schemas.openxmlformats.org/presentationml/2006/main">
   <p:cSld>
     <p:spTree>
@@ -15676,7 +16517,7 @@
 </p:sld>
 </file>
 
-<file path=ppt/slides/slide33.xml><?xml version="1.0" encoding="utf-8"?>
+<file path=ppt/slides/slide34.xml><?xml version="1.0" encoding="utf-8"?>
 <p:sld xmlns:a="http://schemas.openxmlformats.org/drawingml/2006/main" xmlns:r="http://schemas.openxmlformats.org/officeDocument/2006/relationships" xmlns:p="http://schemas.openxmlformats.org/presentationml/2006/main">
   <p:cSld>
     <p:spTree>
@@ -18860,7 +19701,7 @@
 </p:sld>
 </file>
 
-<file path=ppt/slides/slide34.xml><?xml version="1.0" encoding="utf-8"?>
+<file path=ppt/slides/slide35.xml><?xml version="1.0" encoding="utf-8"?>
 <p:sld xmlns:a="http://schemas.openxmlformats.org/drawingml/2006/main" xmlns:r="http://schemas.openxmlformats.org/officeDocument/2006/relationships" xmlns:p="http://schemas.openxmlformats.org/presentationml/2006/main">
   <p:cSld>
     <p:spTree>
@@ -19058,7 +19899,7 @@
 </p:sld>
 </file>
 
-<file path=ppt/slides/slide35.xml><?xml version="1.0" encoding="utf-8"?>
+<file path=ppt/slides/slide36.xml><?xml version="1.0" encoding="utf-8"?>
 <p:sld xmlns:a="http://schemas.openxmlformats.org/drawingml/2006/main" xmlns:r="http://schemas.openxmlformats.org/officeDocument/2006/relationships" xmlns:p="http://schemas.openxmlformats.org/presentationml/2006/main">
   <p:cSld>
     <p:spTree>
@@ -19983,7 +20824,7 @@
 </p:sld>
 </file>
 
-<file path=ppt/slides/slide36.xml><?xml version="1.0" encoding="utf-8"?>
+<file path=ppt/slides/slide37.xml><?xml version="1.0" encoding="utf-8"?>
 <p:sld xmlns:a="http://schemas.openxmlformats.org/drawingml/2006/main" xmlns:r="http://schemas.openxmlformats.org/officeDocument/2006/relationships" xmlns:p="http://schemas.openxmlformats.org/presentationml/2006/main">
   <p:cSld>
     <p:spTree>
@@ -20071,7 +20912,7 @@
 </p:sld>
 </file>
 
-<file path=ppt/slides/slide37.xml><?xml version="1.0" encoding="utf-8"?>
+<file path=ppt/slides/slide38.xml><?xml version="1.0" encoding="utf-8"?>
 <p:sld xmlns:a="http://schemas.openxmlformats.org/drawingml/2006/main" xmlns:r="http://schemas.openxmlformats.org/officeDocument/2006/relationships" xmlns:p="http://schemas.openxmlformats.org/presentationml/2006/main">
   <p:cSld>
     <p:spTree>
@@ -20637,7 +21478,7 @@
 </p:sld>
 </file>
 
-<file path=ppt/slides/slide38.xml><?xml version="1.0" encoding="utf-8"?>
+<file path=ppt/slides/slide39.xml><?xml version="1.0" encoding="utf-8"?>
 <p:sld xmlns:a="http://schemas.openxmlformats.org/drawingml/2006/main" xmlns:r="http://schemas.openxmlformats.org/officeDocument/2006/relationships" xmlns:p="http://schemas.openxmlformats.org/presentationml/2006/main">
   <p:cSld>
     <p:spTree>
@@ -21242,7 +22083,97 @@
 </p:sld>
 </file>
 
-<file path=ppt/slides/slide39.xml><?xml version="1.0" encoding="utf-8"?>
+<file path=ppt/slides/slide4.xml><?xml version="1.0" encoding="utf-8"?>
+<p:sld xmlns:a="http://schemas.openxmlformats.org/drawingml/2006/main" xmlns:r="http://schemas.openxmlformats.org/officeDocument/2006/relationships" xmlns:p="http://schemas.openxmlformats.org/presentationml/2006/main">
+  <p:cSld>
+    <p:spTree>
+      <p:nvGrpSpPr>
+        <p:cNvPr id="1" name=""/>
+        <p:cNvGrpSpPr/>
+        <p:nvPr/>
+      </p:nvGrpSpPr>
+      <p:grpSpPr>
+        <a:xfrm>
+          <a:off x="0" y="0"/>
+          <a:ext cx="0" cy="0"/>
+          <a:chOff x="0" y="0"/>
+          <a:chExt cx="0" cy="0"/>
+        </a:xfrm>
+      </p:grpSpPr>
+      <p:sp>
+        <p:nvSpPr>
+          <p:cNvPr id="2" name="矩形 1"/>
+          <p:cNvSpPr>
+            <a:spLocks noGrp="1"/>
+          </p:cNvSpPr>
+          <p:nvPr>
+            <p:ph type="title"/>
+          </p:nvPr>
+        </p:nvSpPr>
+        <p:spPr/>
+        <p:txBody>
+          <a:bodyPr/>
+          <a:lstStyle/>
+          <a:p>
+            <a:r>
+              <a:rPr lang="en-US" altLang="zh-CN" dirty="0">
+                <a:latin typeface="Microsoft YaHei UI" panose="020B0503020204020204" pitchFamily="34" charset="-122"/>
+                <a:ea typeface="Microsoft YaHei UI" panose="020B0503020204020204" pitchFamily="34" charset="-122"/>
+              </a:rPr>
+              <a:t>1</a:t>
+            </a:r>
+            <a:r>
+              <a:rPr lang="en-US" altLang="zh-CN" dirty="0"/>
+              <a:t>.1</a:t>
+            </a:r>
+            <a:r>
+              <a:rPr lang="zh-CN" altLang="en-US" dirty="0"/>
+              <a:t>编写目的</a:t>
+            </a:r>
+            <a:endParaRPr lang="zh-CN" dirty="0">
+              <a:latin typeface="Microsoft YaHei UI" panose="020B0503020204020204" pitchFamily="34" charset="-122"/>
+              <a:ea typeface="Microsoft YaHei UI" panose="020B0503020204020204" pitchFamily="34" charset="-122"/>
+            </a:endParaRPr>
+          </a:p>
+        </p:txBody>
+      </p:sp>
+      <p:sp>
+        <p:nvSpPr>
+          <p:cNvPr id="3" name="矩形 2"/>
+          <p:cNvSpPr>
+            <a:spLocks noGrp="1"/>
+          </p:cNvSpPr>
+          <p:nvPr>
+            <p:ph idx="1"/>
+          </p:nvPr>
+        </p:nvSpPr>
+        <p:spPr/>
+        <p:txBody>
+          <a:bodyPr>
+            <a:normAutofit/>
+          </a:bodyPr>
+          <a:lstStyle/>
+          <a:p>
+            <a:r>
+              <a:rPr lang="zh-CN" altLang="en-US" sz="2400" dirty="0"/>
+              <a:t>项目管理与软件需求，作为软件工程当中最为重要的组成几个部分，已经引起了业内人士的高度重视。项目管理和需求工程概念的提出，就是为了把软件工程化，以更有效地开发需求，开发软件并实现有效的管理。为了让教师能把最新、最前沿的关于项目管理和需求工程的信息传播给学生，为了让学生能够利用网络得到老师帮助，为了师生之间、同学之间能够充分交流，沟通心得，这个软件工程课程网站系统将提供这样一个教学、学习、交流的平台，为教师和同学服务，也为项目管理、需求工程、统一建模等软件工程化课程的教学方法提供试验基地。</a:t>
+            </a:r>
+            <a:endParaRPr lang="zh-CN" sz="2400" dirty="0">
+              <a:latin typeface="Microsoft YaHei UI" panose="020B0503020204020204" pitchFamily="34" charset="-122"/>
+              <a:ea typeface="Microsoft YaHei UI" panose="020B0503020204020204" pitchFamily="34" charset="-122"/>
+            </a:endParaRPr>
+          </a:p>
+        </p:txBody>
+      </p:sp>
+    </p:spTree>
+  </p:cSld>
+  <p:clrMapOvr>
+    <a:masterClrMapping/>
+  </p:clrMapOvr>
+</p:sld>
+</file>
+
+<file path=ppt/slides/slide40.xml><?xml version="1.0" encoding="utf-8"?>
 <p:sld xmlns:a="http://schemas.openxmlformats.org/drawingml/2006/main" xmlns:r="http://schemas.openxmlformats.org/officeDocument/2006/relationships" xmlns:p="http://schemas.openxmlformats.org/presentationml/2006/main">
   <p:cSld>
     <p:spTree>
@@ -23059,120 +23990,7 @@
 </p:sld>
 </file>
 
-<file path=ppt/slides/slide4.xml><?xml version="1.0" encoding="utf-8"?>
-<p:sld xmlns:a="http://schemas.openxmlformats.org/drawingml/2006/main" xmlns:r="http://schemas.openxmlformats.org/officeDocument/2006/relationships" xmlns:p="http://schemas.openxmlformats.org/presentationml/2006/main">
-  <p:cSld>
-    <p:spTree>
-      <p:nvGrpSpPr>
-        <p:cNvPr id="1" name=""/>
-        <p:cNvGrpSpPr/>
-        <p:nvPr/>
-      </p:nvGrpSpPr>
-      <p:grpSpPr>
-        <a:xfrm>
-          <a:off x="0" y="0"/>
-          <a:ext cx="0" cy="0"/>
-          <a:chOff x="0" y="0"/>
-          <a:chExt cx="0" cy="0"/>
-        </a:xfrm>
-      </p:grpSpPr>
-      <p:sp>
-        <p:nvSpPr>
-          <p:cNvPr id="2" name="标题 1"/>
-          <p:cNvSpPr>
-            <a:spLocks noGrp="1"/>
-          </p:cNvSpPr>
-          <p:nvPr>
-            <p:ph type="title"/>
-          </p:nvPr>
-        </p:nvSpPr>
-        <p:spPr>
-          <a:xfrm>
-            <a:off x="1574801" y="2033984"/>
-            <a:ext cx="7999315" cy="2690416"/>
-          </a:xfrm>
-        </p:spPr>
-        <p:txBody>
-          <a:bodyPr/>
-          <a:lstStyle/>
-          <a:p>
-            <a:r>
-              <a:rPr lang="zh-CN" altLang="en-US" sz="9600" dirty="0">
-                <a:latin typeface="Microsoft YaHei UI" panose="020B0503020204020204" pitchFamily="34" charset="-122"/>
-                <a:ea typeface="Microsoft YaHei UI" panose="020B0503020204020204" pitchFamily="34" charset="-122"/>
-              </a:rPr>
-              <a:t>第</a:t>
-            </a:r>
-            <a:r>
-              <a:rPr lang="en-US" altLang="zh-CN" sz="9600" dirty="0">
-                <a:latin typeface="Microsoft YaHei UI" panose="020B0503020204020204" pitchFamily="34" charset="-122"/>
-                <a:ea typeface="Microsoft YaHei UI" panose="020B0503020204020204" pitchFamily="34" charset="-122"/>
-              </a:rPr>
-              <a:t>1</a:t>
-            </a:r>
-            <a:r>
-              <a:rPr lang="zh-CN" altLang="en-US" sz="9600" dirty="0">
-                <a:latin typeface="Microsoft YaHei UI" panose="020B0503020204020204" pitchFamily="34" charset="-122"/>
-                <a:ea typeface="Microsoft YaHei UI" panose="020B0503020204020204" pitchFamily="34" charset="-122"/>
-              </a:rPr>
-              <a:t>章</a:t>
-            </a:r>
-            <a:br>
-              <a:rPr lang="en-US" altLang="zh-CN" sz="9600" dirty="0">
-                <a:latin typeface="Microsoft YaHei UI" panose="020B0503020204020204" pitchFamily="34" charset="-122"/>
-                <a:ea typeface="Microsoft YaHei UI" panose="020B0503020204020204" pitchFamily="34" charset="-122"/>
-              </a:rPr>
-            </a:br>
-            <a:r>
-              <a:rPr lang="zh-CN" altLang="en-US" sz="9600" dirty="0">
-                <a:latin typeface="Microsoft YaHei UI" panose="020B0503020204020204" pitchFamily="34" charset="-122"/>
-                <a:ea typeface="Microsoft YaHei UI" panose="020B0503020204020204" pitchFamily="34" charset="-122"/>
-              </a:rPr>
-              <a:t>引言</a:t>
-            </a:r>
-            <a:endParaRPr lang="zh-CN" sz="9600" dirty="0">
-              <a:latin typeface="Microsoft YaHei UI" panose="020B0503020204020204" pitchFamily="34" charset="-122"/>
-              <a:ea typeface="Microsoft YaHei UI" panose="020B0503020204020204" pitchFamily="34" charset="-122"/>
-            </a:endParaRPr>
-          </a:p>
-        </p:txBody>
-      </p:sp>
-      <p:sp>
-        <p:nvSpPr>
-          <p:cNvPr id="3" name="文本占位符 2"/>
-          <p:cNvSpPr>
-            <a:spLocks noGrp="1"/>
-          </p:cNvSpPr>
-          <p:nvPr>
-            <p:ph type="body" sz="half" idx="2"/>
-          </p:nvPr>
-        </p:nvSpPr>
-        <p:spPr/>
-        <p:txBody>
-          <a:bodyPr/>
-          <a:lstStyle/>
-          <a:p>
-            <a:endParaRPr lang="zh-CN" dirty="0">
-              <a:latin typeface="Microsoft YaHei UI" panose="020B0503020204020204" pitchFamily="34" charset="-122"/>
-              <a:ea typeface="Microsoft YaHei UI" panose="020B0503020204020204" pitchFamily="34" charset="-122"/>
-            </a:endParaRPr>
-          </a:p>
-        </p:txBody>
-      </p:sp>
-    </p:spTree>
-    <p:extLst>
-      <p:ext uri="{BB962C8B-B14F-4D97-AF65-F5344CB8AC3E}">
-        <p14:creationId xmlns:p14="http://schemas.microsoft.com/office/powerpoint/2010/main" val="3108204940"/>
-      </p:ext>
-    </p:extLst>
-  </p:cSld>
-  <p:clrMapOvr>
-    <a:masterClrMapping/>
-  </p:clrMapOvr>
-</p:sld>
-</file>
-
-<file path=ppt/slides/slide40.xml><?xml version="1.0" encoding="utf-8"?>
+<file path=ppt/slides/slide41.xml><?xml version="1.0" encoding="utf-8"?>
 <p:sld xmlns:a="http://schemas.openxmlformats.org/drawingml/2006/main" xmlns:r="http://schemas.openxmlformats.org/officeDocument/2006/relationships" xmlns:p="http://schemas.openxmlformats.org/presentationml/2006/main">
   <p:cSld>
     <p:spTree>
@@ -23611,314 +24429,6 @@
 </p:sld>
 </file>
 
-<file path=ppt/slides/slide41.xml><?xml version="1.0" encoding="utf-8"?>
-<p:sld xmlns:a="http://schemas.openxmlformats.org/drawingml/2006/main" xmlns:r="http://schemas.openxmlformats.org/officeDocument/2006/relationships" xmlns:p="http://schemas.openxmlformats.org/presentationml/2006/main">
-  <p:cSld>
-    <p:spTree>
-      <p:nvGrpSpPr>
-        <p:cNvPr id="1" name=""/>
-        <p:cNvGrpSpPr/>
-        <p:nvPr/>
-      </p:nvGrpSpPr>
-      <p:grpSpPr>
-        <a:xfrm>
-          <a:off x="0" y="0"/>
-          <a:ext cx="0" cy="0"/>
-          <a:chOff x="0" y="0"/>
-          <a:chExt cx="0" cy="0"/>
-        </a:xfrm>
-      </p:grpSpPr>
-      <p:sp>
-        <p:nvSpPr>
-          <p:cNvPr id="2" name="标题 1"/>
-          <p:cNvSpPr>
-            <a:spLocks noGrp="1"/>
-          </p:cNvSpPr>
-          <p:nvPr>
-            <p:ph type="title"/>
-          </p:nvPr>
-        </p:nvSpPr>
-        <p:spPr>
-          <a:xfrm>
-            <a:off x="646111" y="452718"/>
-            <a:ext cx="9404723" cy="1400530"/>
-          </a:xfrm>
-        </p:spPr>
-        <p:txBody>
-          <a:bodyPr/>
-          <a:lstStyle/>
-          <a:p>
-            <a:r>
-              <a:rPr lang="zh-CN" altLang="en-US" dirty="0"/>
-              <a:t>需求风险管理计划</a:t>
-            </a:r>
-          </a:p>
-        </p:txBody>
-      </p:sp>
-      <p:sp>
-        <p:nvSpPr>
-          <p:cNvPr id="3" name="文本框 5"/>
-          <p:cNvSpPr txBox="1"/>
-          <p:nvPr/>
-        </p:nvSpPr>
-        <p:spPr>
-          <a:xfrm>
-            <a:off x="657367" y="1830978"/>
-            <a:ext cx="10877266" cy="3785652"/>
-          </a:xfrm>
-          <a:prstGeom prst="rect">
-            <a:avLst/>
-          </a:prstGeom>
-          <a:noFill/>
-        </p:spPr>
-        <p:txBody>
-          <a:bodyPr wrap="square" rtlCol="0">
-            <a:spAutoFit/>
-          </a:bodyPr>
-          <a:lstStyle/>
-          <a:p>
-            <a:r>
-              <a:rPr lang="en-US" altLang="zh-CN" sz="2000" b="1" dirty="0">
-                <a:solidFill>
-                  <a:schemeClr val="tx1">
-                    <a:lumMod val="50000"/>
-                    <a:lumOff val="50000"/>
-                  </a:schemeClr>
-                </a:solidFill>
-                <a:latin typeface="微软雅黑" panose="020B0503020204020204" pitchFamily="34" charset="-122"/>
-                <a:ea typeface="微软雅黑" panose="020B0503020204020204" pitchFamily="34" charset="-122"/>
-              </a:rPr>
-              <a:t>1</a:t>
-            </a:r>
-            <a:r>
-              <a:rPr lang="zh-CN" altLang="en-US" sz="2000" b="1" dirty="0">
-                <a:solidFill>
-                  <a:schemeClr val="tx1">
-                    <a:lumMod val="50000"/>
-                    <a:lumOff val="50000"/>
-                  </a:schemeClr>
-                </a:solidFill>
-                <a:latin typeface="微软雅黑" panose="020B0503020204020204" pitchFamily="34" charset="-122"/>
-                <a:ea typeface="微软雅黑" panose="020B0503020204020204" pitchFamily="34" charset="-122"/>
-              </a:rPr>
-              <a:t>、在项目早期编写一份包括业务需求在内的前景和范围文档，并将它作为添加新需求和修改现有需求的指导</a:t>
-            </a:r>
-            <a:endParaRPr lang="en-US" altLang="zh-CN" sz="2000" b="1" dirty="0">
-              <a:solidFill>
-                <a:schemeClr val="tx1">
-                  <a:lumMod val="50000"/>
-                  <a:lumOff val="50000"/>
-                </a:schemeClr>
-              </a:solidFill>
-              <a:latin typeface="微软雅黑" panose="020B0503020204020204" pitchFamily="34" charset="-122"/>
-              <a:ea typeface="微软雅黑" panose="020B0503020204020204" pitchFamily="34" charset="-122"/>
-            </a:endParaRPr>
-          </a:p>
-          <a:p>
-            <a:endParaRPr lang="en-US" altLang="zh-CN" sz="2000" b="1" dirty="0">
-              <a:solidFill>
-                <a:schemeClr val="tx1">
-                  <a:lumMod val="50000"/>
-                  <a:lumOff val="50000"/>
-                </a:schemeClr>
-              </a:solidFill>
-              <a:latin typeface="微软雅黑" panose="020B0503020204020204" pitchFamily="34" charset="-122"/>
-              <a:ea typeface="微软雅黑" panose="020B0503020204020204" pitchFamily="34" charset="-122"/>
-            </a:endParaRPr>
-          </a:p>
-          <a:p>
-            <a:r>
-              <a:rPr lang="en-US" altLang="zh-CN" sz="2000" b="1" dirty="0">
-                <a:solidFill>
-                  <a:schemeClr val="tx1">
-                    <a:lumMod val="50000"/>
-                    <a:lumOff val="50000"/>
-                  </a:schemeClr>
-                </a:solidFill>
-                <a:latin typeface="微软雅黑" panose="020B0503020204020204" pitchFamily="34" charset="-122"/>
-                <a:ea typeface="微软雅黑" panose="020B0503020204020204" pitchFamily="34" charset="-122"/>
-              </a:rPr>
-              <a:t>2</a:t>
-            </a:r>
-            <a:r>
-              <a:rPr lang="zh-CN" altLang="en-US" sz="2000" b="1" dirty="0">
-                <a:solidFill>
-                  <a:schemeClr val="tx1">
-                    <a:lumMod val="50000"/>
-                    <a:lumOff val="50000"/>
-                  </a:schemeClr>
-                </a:solidFill>
-                <a:latin typeface="微软雅黑" panose="020B0503020204020204" pitchFamily="34" charset="-122"/>
-                <a:ea typeface="微软雅黑" panose="020B0503020204020204" pitchFamily="34" charset="-122"/>
-              </a:rPr>
-              <a:t>、确定主要客户，并采用产品代言人的方法，保证有足够的客户代表的积极参与，确保由合适的人对需求做出权威性的决策。</a:t>
-            </a:r>
-            <a:endParaRPr lang="en-US" altLang="zh-CN" sz="2000" b="1" dirty="0">
-              <a:solidFill>
-                <a:schemeClr val="tx1">
-                  <a:lumMod val="50000"/>
-                  <a:lumOff val="50000"/>
-                </a:schemeClr>
-              </a:solidFill>
-              <a:latin typeface="微软雅黑" panose="020B0503020204020204" pitchFamily="34" charset="-122"/>
-              <a:ea typeface="微软雅黑" panose="020B0503020204020204" pitchFamily="34" charset="-122"/>
-            </a:endParaRPr>
-          </a:p>
-          <a:p>
-            <a:endParaRPr lang="zh-CN" altLang="en-US" sz="2000" b="1" dirty="0">
-              <a:solidFill>
-                <a:schemeClr val="tx1">
-                  <a:lumMod val="50000"/>
-                  <a:lumOff val="50000"/>
-                </a:schemeClr>
-              </a:solidFill>
-              <a:latin typeface="微软雅黑" panose="020B0503020204020204" pitchFamily="34" charset="-122"/>
-              <a:ea typeface="微软雅黑" panose="020B0503020204020204" pitchFamily="34" charset="-122"/>
-            </a:endParaRPr>
-          </a:p>
-          <a:p>
-            <a:r>
-              <a:rPr lang="en-US" altLang="zh-CN" sz="2000" b="1" dirty="0">
-                <a:solidFill>
-                  <a:schemeClr val="tx1">
-                    <a:lumMod val="50000"/>
-                    <a:lumOff val="50000"/>
-                  </a:schemeClr>
-                </a:solidFill>
-                <a:latin typeface="微软雅黑" panose="020B0503020204020204" pitchFamily="34" charset="-122"/>
-                <a:ea typeface="微软雅黑" panose="020B0503020204020204" pitchFamily="34" charset="-122"/>
-              </a:rPr>
-              <a:t>3</a:t>
-            </a:r>
-            <a:r>
-              <a:rPr lang="zh-CN" altLang="en-US" sz="2000" b="1" dirty="0">
-                <a:solidFill>
-                  <a:schemeClr val="tx1">
-                    <a:lumMod val="50000"/>
-                    <a:lumOff val="50000"/>
-                  </a:schemeClr>
-                </a:solidFill>
-                <a:latin typeface="微软雅黑" panose="020B0503020204020204" pitchFamily="34" charset="-122"/>
-                <a:ea typeface="微软雅黑" panose="020B0503020204020204" pitchFamily="34" charset="-122"/>
-              </a:rPr>
-              <a:t>、尽量识别客户可能做出的任何假设。提出自由回答的问题来鼓励客户分享更多的想法、期望、主意、信息和关注点，而不是我们以其他方式所听到的。</a:t>
-            </a:r>
-            <a:endParaRPr lang="en-US" altLang="zh-CN" sz="2000" b="1" dirty="0">
-              <a:solidFill>
-                <a:schemeClr val="tx1">
-                  <a:lumMod val="50000"/>
-                  <a:lumOff val="50000"/>
-                </a:schemeClr>
-              </a:solidFill>
-              <a:latin typeface="微软雅黑" panose="020B0503020204020204" pitchFamily="34" charset="-122"/>
-              <a:ea typeface="微软雅黑" panose="020B0503020204020204" pitchFamily="34" charset="-122"/>
-            </a:endParaRPr>
-          </a:p>
-          <a:p>
-            <a:endParaRPr lang="zh-CN" altLang="en-US" sz="2000" b="1" dirty="0">
-              <a:solidFill>
-                <a:schemeClr val="tx1">
-                  <a:lumMod val="50000"/>
-                  <a:lumOff val="50000"/>
-                </a:schemeClr>
-              </a:solidFill>
-              <a:latin typeface="微软雅黑" panose="020B0503020204020204" pitchFamily="34" charset="-122"/>
-              <a:ea typeface="微软雅黑" panose="020B0503020204020204" pitchFamily="34" charset="-122"/>
-            </a:endParaRPr>
-          </a:p>
-          <a:p>
-            <a:r>
-              <a:rPr lang="en-US" altLang="zh-CN" sz="2000" b="1" dirty="0">
-                <a:solidFill>
-                  <a:schemeClr val="tx1">
-                    <a:lumMod val="50000"/>
-                    <a:lumOff val="50000"/>
-                  </a:schemeClr>
-                </a:solidFill>
-                <a:latin typeface="微软雅黑" panose="020B0503020204020204" pitchFamily="34" charset="-122"/>
-                <a:ea typeface="微软雅黑" panose="020B0503020204020204" pitchFamily="34" charset="-122"/>
-              </a:rPr>
-              <a:t>5</a:t>
-            </a:r>
-            <a:r>
-              <a:rPr lang="zh-CN" altLang="en-US" sz="2000" b="1" dirty="0">
-                <a:solidFill>
-                  <a:schemeClr val="tx1">
-                    <a:lumMod val="50000"/>
-                    <a:lumOff val="50000"/>
-                  </a:schemeClr>
-                </a:solidFill>
-                <a:latin typeface="微软雅黑" panose="020B0503020204020204" pitchFamily="34" charset="-122"/>
-                <a:ea typeface="微软雅黑" panose="020B0503020204020204" pitchFamily="34" charset="-122"/>
-              </a:rPr>
-              <a:t>、通过逆向工程发现的需求编写成文档，让客户评审这些需求，以确保其正确定和相关性。</a:t>
-            </a:r>
-            <a:endParaRPr lang="en-US" altLang="zh-CN" sz="2000" b="1" dirty="0">
-              <a:solidFill>
-                <a:schemeClr val="tx1">
-                  <a:lumMod val="50000"/>
-                  <a:lumOff val="50000"/>
-                </a:schemeClr>
-              </a:solidFill>
-              <a:latin typeface="微软雅黑" panose="020B0503020204020204" pitchFamily="34" charset="-122"/>
-              <a:ea typeface="微软雅黑" panose="020B0503020204020204" pitchFamily="34" charset="-122"/>
-            </a:endParaRPr>
-          </a:p>
-          <a:p>
-            <a:endParaRPr lang="zh-CN" altLang="en-US" sz="2000" b="1" dirty="0">
-              <a:solidFill>
-                <a:schemeClr val="tx1">
-                  <a:lumMod val="50000"/>
-                  <a:lumOff val="50000"/>
-                </a:schemeClr>
-              </a:solidFill>
-              <a:latin typeface="微软雅黑" panose="020B0503020204020204" pitchFamily="34" charset="-122"/>
-              <a:ea typeface="微软雅黑" panose="020B0503020204020204" pitchFamily="34" charset="-122"/>
-            </a:endParaRPr>
-          </a:p>
-          <a:p>
-            <a:r>
-              <a:rPr lang="en-US" altLang="zh-CN" sz="2000" b="1" dirty="0">
-                <a:solidFill>
-                  <a:schemeClr val="tx1">
-                    <a:lumMod val="50000"/>
-                    <a:lumOff val="50000"/>
-                  </a:schemeClr>
-                </a:solidFill>
-                <a:latin typeface="微软雅黑" panose="020B0503020204020204" pitchFamily="34" charset="-122"/>
-                <a:ea typeface="微软雅黑" panose="020B0503020204020204" pitchFamily="34" charset="-122"/>
-              </a:rPr>
-              <a:t>6</a:t>
-            </a:r>
-            <a:r>
-              <a:rPr lang="zh-CN" altLang="en-US" sz="2000" b="1" dirty="0">
-                <a:solidFill>
-                  <a:schemeClr val="tx1">
-                    <a:lumMod val="50000"/>
-                    <a:lumOff val="50000"/>
-                  </a:schemeClr>
-                </a:solidFill>
-                <a:latin typeface="微软雅黑" panose="020B0503020204020204" pitchFamily="34" charset="-122"/>
-                <a:ea typeface="微软雅黑" panose="020B0503020204020204" pitchFamily="34" charset="-122"/>
-              </a:rPr>
-              <a:t>、分析人员必须提炼出隐藏在客户提出的解决方案背后的真正意图。</a:t>
-            </a:r>
-          </a:p>
-        </p:txBody>
-      </p:sp>
-    </p:spTree>
-    <p:extLst>
-      <p:ext uri="{BB962C8B-B14F-4D97-AF65-F5344CB8AC3E}">
-        <p14:creationId xmlns:p14="http://schemas.microsoft.com/office/powerpoint/2010/main" val="4232247474"/>
-      </p:ext>
-    </p:extLst>
-  </p:cSld>
-  <p:clrMapOvr>
-    <a:masterClrMapping/>
-  </p:clrMapOvr>
-</p:sld>
-</file>
-
 <file path=ppt/slides/slide42.xml><?xml version="1.0" encoding="utf-8"?>
 <p:sld xmlns:a="http://schemas.openxmlformats.org/drawingml/2006/main" xmlns:r="http://schemas.openxmlformats.org/officeDocument/2006/relationships" xmlns:p="http://schemas.openxmlformats.org/presentationml/2006/main">
   <p:cSld>
@@ -23971,8 +24481,8 @@
         </p:nvSpPr>
         <p:spPr>
           <a:xfrm>
-            <a:off x="604615" y="1505674"/>
-            <a:ext cx="10877266" cy="3170099"/>
+            <a:off x="657367" y="1830978"/>
+            <a:ext cx="10877266" cy="3785652"/>
           </a:xfrm>
           <a:prstGeom prst="rect">
             <a:avLst/>
@@ -24009,7 +24519,7 @@
                 <a:latin typeface="微软雅黑" panose="020B0503020204020204" pitchFamily="34" charset="-122"/>
                 <a:ea typeface="微软雅黑" panose="020B0503020204020204" pitchFamily="34" charset="-122"/>
               </a:rPr>
-              <a:t>、要明确你当前软件开发项目面临的一些与需求有关的风险，不要把当前的问题当作风险，一定要是那些还未发生的事情。将风险的因素编写成文档，为每项需求风险推荐至少一种可能的降低风险的方法。</a:t>
+              <a:t>、在项目早期编写一份包括业务需求在内的前景和范围文档，并将它作为添加新需求和修改现有需求的指导</a:t>
             </a:r>
             <a:endParaRPr lang="en-US" altLang="zh-CN" sz="2000" b="1" dirty="0">
               <a:solidFill>
@@ -24059,11 +24569,21 @@
                 <a:latin typeface="微软雅黑" panose="020B0503020204020204" pitchFamily="34" charset="-122"/>
                 <a:ea typeface="微软雅黑" panose="020B0503020204020204" pitchFamily="34" charset="-122"/>
               </a:rPr>
-              <a:t>、强调市场调研、构建原型并成立客户小组，小组负责今早并经常获取对新产品前景的反馈信息</a:t>
-            </a:r>
-          </a:p>
-          <a:p>
+              <a:t>、确定主要客户，并采用产品代言人的方法，保证有足够的客户代表的积极参与，确保由合适的人对需求做出权威性的决策。</a:t>
+            </a:r>
             <a:endParaRPr lang="en-US" altLang="zh-CN" sz="2000" b="1" dirty="0">
+              <a:solidFill>
+                <a:schemeClr val="tx1">
+                  <a:lumMod val="50000"/>
+                  <a:lumOff val="50000"/>
+                </a:schemeClr>
+              </a:solidFill>
+              <a:latin typeface="微软雅黑" panose="020B0503020204020204" pitchFamily="34" charset="-122"/>
+              <a:ea typeface="微软雅黑" panose="020B0503020204020204" pitchFamily="34" charset="-122"/>
+            </a:endParaRPr>
+          </a:p>
+          <a:p>
+            <a:endParaRPr lang="zh-CN" altLang="en-US" sz="2000" b="1" dirty="0">
               <a:solidFill>
                 <a:schemeClr val="tx1">
                   <a:lumMod val="50000"/>
@@ -24099,7 +24619,7 @@
                 <a:latin typeface="微软雅黑" panose="020B0503020204020204" pitchFamily="34" charset="-122"/>
                 <a:ea typeface="微软雅黑" panose="020B0503020204020204" pitchFamily="34" charset="-122"/>
               </a:rPr>
-              <a:t>、召集代表开发、市场、客户和管理各方面的涉众召开风险“集体研讨”会议。尽力找出更多与需求有关的风险因素。估计每项风险发生的可能性及其影响。为每项风险安排一个负责人负责实施降低风险的活动。</a:t>
+              <a:t>、尽量识别客户可能做出的任何假设。提出自由回答的问题来鼓励客户分享更多的想法、期望、主意、信息和关注点，而不是我们以其他方式所听到的。</a:t>
             </a:r>
             <a:endParaRPr lang="en-US" altLang="zh-CN" sz="2000" b="1" dirty="0">
               <a:solidFill>
@@ -24112,12 +24632,102 @@
               <a:ea typeface="微软雅黑" panose="020B0503020204020204" pitchFamily="34" charset="-122"/>
             </a:endParaRPr>
           </a:p>
+          <a:p>
+            <a:endParaRPr lang="zh-CN" altLang="en-US" sz="2000" b="1" dirty="0">
+              <a:solidFill>
+                <a:schemeClr val="tx1">
+                  <a:lumMod val="50000"/>
+                  <a:lumOff val="50000"/>
+                </a:schemeClr>
+              </a:solidFill>
+              <a:latin typeface="微软雅黑" panose="020B0503020204020204" pitchFamily="34" charset="-122"/>
+              <a:ea typeface="微软雅黑" panose="020B0503020204020204" pitchFamily="34" charset="-122"/>
+            </a:endParaRPr>
+          </a:p>
+          <a:p>
+            <a:r>
+              <a:rPr lang="en-US" altLang="zh-CN" sz="2000" b="1" dirty="0">
+                <a:solidFill>
+                  <a:schemeClr val="tx1">
+                    <a:lumMod val="50000"/>
+                    <a:lumOff val="50000"/>
+                  </a:schemeClr>
+                </a:solidFill>
+                <a:latin typeface="微软雅黑" panose="020B0503020204020204" pitchFamily="34" charset="-122"/>
+                <a:ea typeface="微软雅黑" panose="020B0503020204020204" pitchFamily="34" charset="-122"/>
+              </a:rPr>
+              <a:t>5</a:t>
+            </a:r>
+            <a:r>
+              <a:rPr lang="zh-CN" altLang="en-US" sz="2000" b="1" dirty="0">
+                <a:solidFill>
+                  <a:schemeClr val="tx1">
+                    <a:lumMod val="50000"/>
+                    <a:lumOff val="50000"/>
+                  </a:schemeClr>
+                </a:solidFill>
+                <a:latin typeface="微软雅黑" panose="020B0503020204020204" pitchFamily="34" charset="-122"/>
+                <a:ea typeface="微软雅黑" panose="020B0503020204020204" pitchFamily="34" charset="-122"/>
+              </a:rPr>
+              <a:t>、通过逆向工程发现的需求编写成文档，让客户评审这些需求，以确保其正确定和相关性。</a:t>
+            </a:r>
+            <a:endParaRPr lang="en-US" altLang="zh-CN" sz="2000" b="1" dirty="0">
+              <a:solidFill>
+                <a:schemeClr val="tx1">
+                  <a:lumMod val="50000"/>
+                  <a:lumOff val="50000"/>
+                </a:schemeClr>
+              </a:solidFill>
+              <a:latin typeface="微软雅黑" panose="020B0503020204020204" pitchFamily="34" charset="-122"/>
+              <a:ea typeface="微软雅黑" panose="020B0503020204020204" pitchFamily="34" charset="-122"/>
+            </a:endParaRPr>
+          </a:p>
+          <a:p>
+            <a:endParaRPr lang="zh-CN" altLang="en-US" sz="2000" b="1" dirty="0">
+              <a:solidFill>
+                <a:schemeClr val="tx1">
+                  <a:lumMod val="50000"/>
+                  <a:lumOff val="50000"/>
+                </a:schemeClr>
+              </a:solidFill>
+              <a:latin typeface="微软雅黑" panose="020B0503020204020204" pitchFamily="34" charset="-122"/>
+              <a:ea typeface="微软雅黑" panose="020B0503020204020204" pitchFamily="34" charset="-122"/>
+            </a:endParaRPr>
+          </a:p>
+          <a:p>
+            <a:r>
+              <a:rPr lang="en-US" altLang="zh-CN" sz="2000" b="1" dirty="0">
+                <a:solidFill>
+                  <a:schemeClr val="tx1">
+                    <a:lumMod val="50000"/>
+                    <a:lumOff val="50000"/>
+                  </a:schemeClr>
+                </a:solidFill>
+                <a:latin typeface="微软雅黑" panose="020B0503020204020204" pitchFamily="34" charset="-122"/>
+                <a:ea typeface="微软雅黑" panose="020B0503020204020204" pitchFamily="34" charset="-122"/>
+              </a:rPr>
+              <a:t>6</a:t>
+            </a:r>
+            <a:r>
+              <a:rPr lang="zh-CN" altLang="en-US" sz="2000" b="1" dirty="0">
+                <a:solidFill>
+                  <a:schemeClr val="tx1">
+                    <a:lumMod val="50000"/>
+                    <a:lumOff val="50000"/>
+                  </a:schemeClr>
+                </a:solidFill>
+                <a:latin typeface="微软雅黑" panose="020B0503020204020204" pitchFamily="34" charset="-122"/>
+                <a:ea typeface="微软雅黑" panose="020B0503020204020204" pitchFamily="34" charset="-122"/>
+              </a:rPr>
+              <a:t>、分析人员必须提炼出隐藏在客户提出的解决方案背后的真正意图。</a:t>
+            </a:r>
+          </a:p>
         </p:txBody>
       </p:sp>
     </p:spTree>
     <p:extLst>
       <p:ext uri="{BB962C8B-B14F-4D97-AF65-F5344CB8AC3E}">
-        <p14:creationId xmlns:p14="http://schemas.microsoft.com/office/powerpoint/2010/main" val="769223940"/>
+        <p14:creationId xmlns:p14="http://schemas.microsoft.com/office/powerpoint/2010/main" val="4232247474"/>
       </p:ext>
     </p:extLst>
   </p:cSld>
@@ -24156,8 +24766,8 @@
         </p:nvSpPr>
         <p:spPr>
           <a:xfrm>
-            <a:off x="1574801" y="2033984"/>
-            <a:ext cx="7863113" cy="2690416"/>
+            <a:off x="646111" y="452718"/>
+            <a:ext cx="9404723" cy="1400530"/>
           </a:xfrm>
         </p:spPr>
         <p:txBody>
@@ -24165,45 +24775,159 @@
           <a:lstStyle/>
           <a:p>
             <a:r>
-              <a:rPr lang="zh-CN" altLang="en-US" sz="9600" dirty="0">
-                <a:latin typeface="Microsoft YaHei UI" panose="020B0503020204020204" pitchFamily="34" charset="-122"/>
-                <a:ea typeface="Microsoft YaHei UI" panose="020B0503020204020204" pitchFamily="34" charset="-122"/>
+              <a:rPr lang="zh-CN" altLang="en-US" dirty="0"/>
+              <a:t>需求风险管理计划</a:t>
+            </a:r>
+          </a:p>
+        </p:txBody>
+      </p:sp>
+      <p:sp>
+        <p:nvSpPr>
+          <p:cNvPr id="3" name="文本框 5"/>
+          <p:cNvSpPr txBox="1"/>
+          <p:nvPr/>
+        </p:nvSpPr>
+        <p:spPr>
+          <a:xfrm>
+            <a:off x="604615" y="1505674"/>
+            <a:ext cx="10877266" cy="3170099"/>
+          </a:xfrm>
+          <a:prstGeom prst="rect">
+            <a:avLst/>
+          </a:prstGeom>
+          <a:noFill/>
+        </p:spPr>
+        <p:txBody>
+          <a:bodyPr wrap="square" rtlCol="0">
+            <a:spAutoFit/>
+          </a:bodyPr>
+          <a:lstStyle/>
+          <a:p>
+            <a:r>
+              <a:rPr lang="en-US" altLang="zh-CN" sz="2000" b="1" dirty="0">
+                <a:solidFill>
+                  <a:schemeClr val="tx1">
+                    <a:lumMod val="50000"/>
+                    <a:lumOff val="50000"/>
+                  </a:schemeClr>
+                </a:solidFill>
+                <a:latin typeface="微软雅黑" panose="020B0503020204020204" pitchFamily="34" charset="-122"/>
+                <a:ea typeface="微软雅黑" panose="020B0503020204020204" pitchFamily="34" charset="-122"/>
               </a:rPr>
-              <a:t>第</a:t>
-            </a:r>
-            <a:r>
-              <a:rPr lang="en-US" altLang="zh-CN" sz="9600" dirty="0">
-                <a:latin typeface="Microsoft YaHei UI" panose="020B0503020204020204" pitchFamily="34" charset="-122"/>
-                <a:ea typeface="Microsoft YaHei UI" panose="020B0503020204020204" pitchFamily="34" charset="-122"/>
+              <a:t>1</a:t>
+            </a:r>
+            <a:r>
+              <a:rPr lang="zh-CN" altLang="en-US" sz="2000" b="1" dirty="0">
+                <a:solidFill>
+                  <a:schemeClr val="tx1">
+                    <a:lumMod val="50000"/>
+                    <a:lumOff val="50000"/>
+                  </a:schemeClr>
+                </a:solidFill>
+                <a:latin typeface="微软雅黑" panose="020B0503020204020204" pitchFamily="34" charset="-122"/>
+                <a:ea typeface="微软雅黑" panose="020B0503020204020204" pitchFamily="34" charset="-122"/>
               </a:rPr>
-              <a:t>8</a:t>
-            </a:r>
-            <a:r>
-              <a:rPr lang="zh-CN" altLang="en-US" sz="9600" dirty="0">
-                <a:latin typeface="Microsoft YaHei UI" panose="020B0503020204020204" pitchFamily="34" charset="-122"/>
-                <a:ea typeface="Microsoft YaHei UI" panose="020B0503020204020204" pitchFamily="34" charset="-122"/>
+              <a:t>、要明确你当前软件开发项目面临的一些与需求有关的风险，不要把当前的问题当作风险，一定要是那些还未发生的事情。将风险的因素编写成文档，为每项需求风险推荐至少一种可能的降低风险的方法。</a:t>
+            </a:r>
+            <a:endParaRPr lang="en-US" altLang="zh-CN" sz="2000" b="1" dirty="0">
+              <a:solidFill>
+                <a:schemeClr val="tx1">
+                  <a:lumMod val="50000"/>
+                  <a:lumOff val="50000"/>
+                </a:schemeClr>
+              </a:solidFill>
+              <a:latin typeface="微软雅黑" panose="020B0503020204020204" pitchFamily="34" charset="-122"/>
+              <a:ea typeface="微软雅黑" panose="020B0503020204020204" pitchFamily="34" charset="-122"/>
+            </a:endParaRPr>
+          </a:p>
+          <a:p>
+            <a:endParaRPr lang="en-US" altLang="zh-CN" sz="2000" b="1" dirty="0">
+              <a:solidFill>
+                <a:schemeClr val="tx1">
+                  <a:lumMod val="50000"/>
+                  <a:lumOff val="50000"/>
+                </a:schemeClr>
+              </a:solidFill>
+              <a:latin typeface="微软雅黑" panose="020B0503020204020204" pitchFamily="34" charset="-122"/>
+              <a:ea typeface="微软雅黑" panose="020B0503020204020204" pitchFamily="34" charset="-122"/>
+            </a:endParaRPr>
+          </a:p>
+          <a:p>
+            <a:r>
+              <a:rPr lang="en-US" altLang="zh-CN" sz="2000" b="1" dirty="0">
+                <a:solidFill>
+                  <a:schemeClr val="tx1">
+                    <a:lumMod val="50000"/>
+                    <a:lumOff val="50000"/>
+                  </a:schemeClr>
+                </a:solidFill>
+                <a:latin typeface="微软雅黑" panose="020B0503020204020204" pitchFamily="34" charset="-122"/>
+                <a:ea typeface="微软雅黑" panose="020B0503020204020204" pitchFamily="34" charset="-122"/>
               </a:rPr>
-              <a:t>章 </a:t>
-            </a:r>
-            <a:br>
-              <a:rPr lang="en-US" altLang="zh-CN" sz="9600" dirty="0">
-                <a:latin typeface="Microsoft YaHei UI" panose="020B0503020204020204" pitchFamily="34" charset="-122"/>
-                <a:ea typeface="Microsoft YaHei UI" panose="020B0503020204020204" pitchFamily="34" charset="-122"/>
+              <a:t>2</a:t>
+            </a:r>
+            <a:r>
+              <a:rPr lang="zh-CN" altLang="en-US" sz="2000" b="1" dirty="0">
+                <a:solidFill>
+                  <a:schemeClr val="tx1">
+                    <a:lumMod val="50000"/>
+                    <a:lumOff val="50000"/>
+                  </a:schemeClr>
+                </a:solidFill>
+                <a:latin typeface="微软雅黑" panose="020B0503020204020204" pitchFamily="34" charset="-122"/>
+                <a:ea typeface="微软雅黑" panose="020B0503020204020204" pitchFamily="34" charset="-122"/>
               </a:rPr>
-            </a:br>
-            <a:r>
-              <a:rPr lang="zh-CN" altLang="en-US" sz="9600" dirty="0">
-                <a:latin typeface="Microsoft YaHei UI" panose="020B0503020204020204" pitchFamily="34" charset="-122"/>
-                <a:ea typeface="Microsoft YaHei UI" panose="020B0503020204020204" pitchFamily="34" charset="-122"/>
+              <a:t>、强调市场调研、构建原型并成立客户小组，小组负责今早并经常获取对新产品前景的反馈信息</a:t>
+            </a:r>
+          </a:p>
+          <a:p>
+            <a:endParaRPr lang="en-US" altLang="zh-CN" sz="2000" b="1" dirty="0">
+              <a:solidFill>
+                <a:schemeClr val="tx1">
+                  <a:lumMod val="50000"/>
+                  <a:lumOff val="50000"/>
+                </a:schemeClr>
+              </a:solidFill>
+              <a:latin typeface="微软雅黑" panose="020B0503020204020204" pitchFamily="34" charset="-122"/>
+              <a:ea typeface="微软雅黑" panose="020B0503020204020204" pitchFamily="34" charset="-122"/>
+            </a:endParaRPr>
+          </a:p>
+          <a:p>
+            <a:r>
+              <a:rPr lang="en-US" altLang="zh-CN" sz="2000" b="1" dirty="0">
+                <a:solidFill>
+                  <a:schemeClr val="tx1">
+                    <a:lumMod val="50000"/>
+                    <a:lumOff val="50000"/>
+                  </a:schemeClr>
+                </a:solidFill>
+                <a:latin typeface="微软雅黑" panose="020B0503020204020204" pitchFamily="34" charset="-122"/>
+                <a:ea typeface="微软雅黑" panose="020B0503020204020204" pitchFamily="34" charset="-122"/>
               </a:rPr>
-              <a:t>配置系统管理指南</a:t>
-            </a:r>
-            <a:br>
-              <a:rPr lang="zh-CN" altLang="en-US" sz="9600" dirty="0"/>
-            </a:br>
-            <a:endParaRPr lang="zh-CN" sz="9600" dirty="0">
-              <a:latin typeface="Microsoft YaHei UI" panose="020B0503020204020204" pitchFamily="34" charset="-122"/>
-              <a:ea typeface="Microsoft YaHei UI" panose="020B0503020204020204" pitchFamily="34" charset="-122"/>
+              <a:t>3</a:t>
+            </a:r>
+            <a:r>
+              <a:rPr lang="zh-CN" altLang="en-US" sz="2000" b="1" dirty="0">
+                <a:solidFill>
+                  <a:schemeClr val="tx1">
+                    <a:lumMod val="50000"/>
+                    <a:lumOff val="50000"/>
+                  </a:schemeClr>
+                </a:solidFill>
+                <a:latin typeface="微软雅黑" panose="020B0503020204020204" pitchFamily="34" charset="-122"/>
+                <a:ea typeface="微软雅黑" panose="020B0503020204020204" pitchFamily="34" charset="-122"/>
+              </a:rPr>
+              <a:t>、召集代表开发、市场、客户和管理各方面的涉众召开风险“集体研讨”会议。尽力找出更多与需求有关的风险因素。估计每项风险发生的可能性及其影响。为每项风险安排一个负责人负责实施降低风险的活动。</a:t>
+            </a:r>
+            <a:endParaRPr lang="en-US" altLang="zh-CN" sz="2000" b="1" dirty="0">
+              <a:solidFill>
+                <a:schemeClr val="tx1">
+                  <a:lumMod val="50000"/>
+                  <a:lumOff val="50000"/>
+                </a:schemeClr>
+              </a:solidFill>
+              <a:latin typeface="微软雅黑" panose="020B0503020204020204" pitchFamily="34" charset="-122"/>
+              <a:ea typeface="微软雅黑" panose="020B0503020204020204" pitchFamily="34" charset="-122"/>
             </a:endParaRPr>
           </a:p>
         </p:txBody>
@@ -24211,7 +24935,7 @@
     </p:spTree>
     <p:extLst>
       <p:ext uri="{BB962C8B-B14F-4D97-AF65-F5344CB8AC3E}">
-        <p14:creationId xmlns:p14="http://schemas.microsoft.com/office/powerpoint/2010/main" val="2699523067"/>
+        <p14:creationId xmlns:p14="http://schemas.microsoft.com/office/powerpoint/2010/main" val="769223940"/>
       </p:ext>
     </p:extLst>
   </p:cSld>
@@ -24250,8 +24974,8 @@
         </p:nvSpPr>
         <p:spPr>
           <a:xfrm>
-            <a:off x="646111" y="452718"/>
-            <a:ext cx="9404723" cy="1400530"/>
+            <a:off x="1574801" y="2033984"/>
+            <a:ext cx="7863113" cy="2690416"/>
           </a:xfrm>
         </p:spPr>
         <p:txBody>
@@ -24259,108 +24983,45 @@
           <a:lstStyle/>
           <a:p>
             <a:r>
-              <a:rPr lang="zh-CN" altLang="en-US" dirty="0"/>
-              <a:t>配置标志</a:t>
-            </a:r>
-          </a:p>
-        </p:txBody>
-      </p:sp>
-      <p:sp>
-        <p:nvSpPr>
-          <p:cNvPr id="3" name="文本框 5"/>
-          <p:cNvSpPr txBox="1"/>
-          <p:nvPr/>
-        </p:nvSpPr>
-        <p:spPr>
-          <a:xfrm>
-            <a:off x="604615" y="2296962"/>
-            <a:ext cx="10877266" cy="707886"/>
-          </a:xfrm>
-          <a:prstGeom prst="rect">
-            <a:avLst/>
-          </a:prstGeom>
-          <a:noFill/>
-        </p:spPr>
-        <p:txBody>
-          <a:bodyPr wrap="square" rtlCol="0">
-            <a:spAutoFit/>
-          </a:bodyPr>
-          <a:lstStyle/>
-          <a:p>
-            <a:r>
-              <a:rPr lang="zh-CN" altLang="en-US" sz="2000" b="1" dirty="0">
-                <a:solidFill>
-                  <a:schemeClr val="tx1">
-                    <a:lumMod val="50000"/>
-                    <a:lumOff val="50000"/>
-                  </a:schemeClr>
-                </a:solidFill>
-                <a:latin typeface="微软雅黑" panose="020B0503020204020204" pitchFamily="34" charset="-122"/>
-                <a:ea typeface="微软雅黑" panose="020B0503020204020204" pitchFamily="34" charset="-122"/>
+              <a:rPr lang="zh-CN" altLang="en-US" sz="9600" dirty="0">
+                <a:latin typeface="Microsoft YaHei UI" panose="020B0503020204020204" pitchFamily="34" charset="-122"/>
+                <a:ea typeface="Microsoft YaHei UI" panose="020B0503020204020204" pitchFamily="34" charset="-122"/>
               </a:rPr>
-              <a:t>软件项的标识基本按照</a:t>
-            </a:r>
-            <a:r>
-              <a:rPr lang="en-US" altLang="zh-CN" sz="2000" b="1" dirty="0">
-                <a:solidFill>
-                  <a:schemeClr val="tx1">
-                    <a:lumMod val="50000"/>
-                    <a:lumOff val="50000"/>
-                  </a:schemeClr>
-                </a:solidFill>
-                <a:latin typeface="微软雅黑" panose="020B0503020204020204" pitchFamily="34" charset="-122"/>
-                <a:ea typeface="微软雅黑" panose="020B0503020204020204" pitchFamily="34" charset="-122"/>
+              <a:t>第</a:t>
+            </a:r>
+            <a:r>
+              <a:rPr lang="en-US" altLang="zh-CN" sz="9600" dirty="0">
+                <a:latin typeface="Microsoft YaHei UI" panose="020B0503020204020204" pitchFamily="34" charset="-122"/>
+                <a:ea typeface="Microsoft YaHei UI" panose="020B0503020204020204" pitchFamily="34" charset="-122"/>
               </a:rPr>
-              <a:t>《</a:t>
-            </a:r>
-            <a:r>
-              <a:rPr lang="zh-CN" altLang="en-US" sz="2000" b="1" dirty="0">
-                <a:solidFill>
-                  <a:schemeClr val="tx1">
-                    <a:lumMod val="50000"/>
-                    <a:lumOff val="50000"/>
-                  </a:schemeClr>
-                </a:solidFill>
-                <a:latin typeface="微软雅黑" panose="020B0503020204020204" pitchFamily="34" charset="-122"/>
-                <a:ea typeface="微软雅黑" panose="020B0503020204020204" pitchFamily="34" charset="-122"/>
+              <a:t>8</a:t>
+            </a:r>
+            <a:r>
+              <a:rPr lang="zh-CN" altLang="en-US" sz="9600" dirty="0">
+                <a:latin typeface="Microsoft YaHei UI" panose="020B0503020204020204" pitchFamily="34" charset="-122"/>
+                <a:ea typeface="Microsoft YaHei UI" panose="020B0503020204020204" pitchFamily="34" charset="-122"/>
               </a:rPr>
-              <a:t>软件配置标识命名规则</a:t>
-            </a:r>
-            <a:r>
-              <a:rPr lang="en-US" altLang="zh-CN" sz="2000" b="1" dirty="0">
-                <a:solidFill>
-                  <a:schemeClr val="tx1">
-                    <a:lumMod val="50000"/>
-                    <a:lumOff val="50000"/>
-                  </a:schemeClr>
-                </a:solidFill>
-                <a:latin typeface="微软雅黑" panose="020B0503020204020204" pitchFamily="34" charset="-122"/>
-                <a:ea typeface="微软雅黑" panose="020B0503020204020204" pitchFamily="34" charset="-122"/>
+              <a:t>章 </a:t>
+            </a:r>
+            <a:br>
+              <a:rPr lang="en-US" altLang="zh-CN" sz="9600" dirty="0">
+                <a:latin typeface="Microsoft YaHei UI" panose="020B0503020204020204" pitchFamily="34" charset="-122"/>
+                <a:ea typeface="Microsoft YaHei UI" panose="020B0503020204020204" pitchFamily="34" charset="-122"/>
               </a:rPr>
-              <a:t>》</a:t>
-            </a:r>
-            <a:r>
-              <a:rPr lang="zh-CN" altLang="en-US" sz="2000" b="1" dirty="0">
-                <a:solidFill>
-                  <a:schemeClr val="tx1">
-                    <a:lumMod val="50000"/>
-                    <a:lumOff val="50000"/>
-                  </a:schemeClr>
-                </a:solidFill>
-                <a:latin typeface="微软雅黑" panose="020B0503020204020204" pitchFamily="34" charset="-122"/>
-                <a:ea typeface="微软雅黑" panose="020B0503020204020204" pitchFamily="34" charset="-122"/>
+            </a:br>
+            <a:r>
+              <a:rPr lang="zh-CN" altLang="en-US" sz="9600" dirty="0">
+                <a:latin typeface="Microsoft YaHei UI" panose="020B0503020204020204" pitchFamily="34" charset="-122"/>
+                <a:ea typeface="Microsoft YaHei UI" panose="020B0503020204020204" pitchFamily="34" charset="-122"/>
               </a:rPr>
-              <a:t>进行。要通过标识能够确定软件项之间的相互联系。</a:t>
-            </a:r>
-            <a:endParaRPr lang="en-US" altLang="zh-CN" sz="2000" b="1" dirty="0">
-              <a:solidFill>
-                <a:schemeClr val="tx1">
-                  <a:lumMod val="50000"/>
-                  <a:lumOff val="50000"/>
-                </a:schemeClr>
-              </a:solidFill>
-              <a:latin typeface="微软雅黑" panose="020B0503020204020204" pitchFamily="34" charset="-122"/>
-              <a:ea typeface="微软雅黑" panose="020B0503020204020204" pitchFamily="34" charset="-122"/>
+              <a:t>配置系统管理指南</a:t>
+            </a:r>
+            <a:br>
+              <a:rPr lang="zh-CN" altLang="en-US" sz="9600" dirty="0"/>
+            </a:br>
+            <a:endParaRPr lang="zh-CN" sz="9600" dirty="0">
+              <a:latin typeface="Microsoft YaHei UI" panose="020B0503020204020204" pitchFamily="34" charset="-122"/>
+              <a:ea typeface="Microsoft YaHei UI" panose="020B0503020204020204" pitchFamily="34" charset="-122"/>
             </a:endParaRPr>
           </a:p>
         </p:txBody>
@@ -24368,7 +25029,7 @@
     </p:spTree>
     <p:extLst>
       <p:ext uri="{BB962C8B-B14F-4D97-AF65-F5344CB8AC3E}">
-        <p14:creationId xmlns:p14="http://schemas.microsoft.com/office/powerpoint/2010/main" val="404462160"/>
+        <p14:creationId xmlns:p14="http://schemas.microsoft.com/office/powerpoint/2010/main" val="2699523067"/>
       </p:ext>
     </p:extLst>
   </p:cSld>
@@ -24417,7 +25078,7 @@
           <a:p>
             <a:r>
               <a:rPr lang="zh-CN" altLang="en-US" dirty="0"/>
-              <a:t>版本管理</a:t>
+              <a:t>配置标志</a:t>
             </a:r>
           </a:p>
         </p:txBody>
@@ -24430,8 +25091,8 @@
         </p:nvSpPr>
         <p:spPr>
           <a:xfrm>
-            <a:off x="604615" y="1505674"/>
-            <a:ext cx="10877266" cy="4401205"/>
+            <a:off x="604615" y="2296962"/>
+            <a:ext cx="10877266" cy="707886"/>
           </a:xfrm>
           <a:prstGeom prst="rect">
             <a:avLst/>
@@ -24445,6 +25106,19 @@
           <a:lstStyle/>
           <a:p>
             <a:r>
+              <a:rPr lang="zh-CN" altLang="en-US" sz="2000" b="1" dirty="0">
+                <a:solidFill>
+                  <a:schemeClr val="tx1">
+                    <a:lumMod val="50000"/>
+                    <a:lumOff val="50000"/>
+                  </a:schemeClr>
+                </a:solidFill>
+                <a:latin typeface="微软雅黑" panose="020B0503020204020204" pitchFamily="34" charset="-122"/>
+                <a:ea typeface="微软雅黑" panose="020B0503020204020204" pitchFamily="34" charset="-122"/>
+              </a:rPr>
+              <a:t>软件项的标识基本按照</a:t>
+            </a:r>
+            <a:r>
               <a:rPr lang="en-US" altLang="zh-CN" sz="2000" b="1" dirty="0">
                 <a:solidFill>
                   <a:schemeClr val="tx1">
@@ -24455,7 +25129,7 @@
                 <a:latin typeface="微软雅黑" panose="020B0503020204020204" pitchFamily="34" charset="-122"/>
                 <a:ea typeface="微软雅黑" panose="020B0503020204020204" pitchFamily="34" charset="-122"/>
               </a:rPr>
-              <a:t>1.</a:t>
+              <a:t>《</a:t>
             </a:r>
             <a:r>
               <a:rPr lang="zh-CN" altLang="en-US" sz="2000" b="1" dirty="0">
@@ -24468,10 +25142,8 @@
                 <a:latin typeface="微软雅黑" panose="020B0503020204020204" pitchFamily="34" charset="-122"/>
                 <a:ea typeface="微软雅黑" panose="020B0503020204020204" pitchFamily="34" charset="-122"/>
               </a:rPr>
-              <a:t>首先在服务器上建立一个目录，作为项目配置数据库。在此目录下按照每个项目组建一个分目录，项目组代码及项目组名构成目录名，然后在此项目组目录下按照所属每个项目建一个子目录，同一项目的开发文档存放在一个目录下，项目编号紧跟项目名就是目录名。在一个项目分目录下可按非受控文档与受控文档建立一级次目录，然后在一级次目录下按文档的不同类型建立二级次目录，使得所有开发文档能分门别类的组织存放，便于查询。目录结构可见下图的示例。</a:t>
-            </a:r>
-          </a:p>
-          <a:p>
+              <a:t>软件配置标识命名规则</a:t>
+            </a:r>
             <a:r>
               <a:rPr lang="en-US" altLang="zh-CN" sz="2000" b="1" dirty="0">
                 <a:solidFill>
@@ -24483,7 +25155,7 @@
                 <a:latin typeface="微软雅黑" panose="020B0503020204020204" pitchFamily="34" charset="-122"/>
                 <a:ea typeface="微软雅黑" panose="020B0503020204020204" pitchFamily="34" charset="-122"/>
               </a:rPr>
-              <a:t>2.</a:t>
+              <a:t>》</a:t>
             </a:r>
             <a:r>
               <a:rPr lang="zh-CN" altLang="en-US" sz="2000" b="1" dirty="0">
@@ -24496,203 +25168,25 @@
                 <a:latin typeface="微软雅黑" panose="020B0503020204020204" pitchFamily="34" charset="-122"/>
                 <a:ea typeface="微软雅黑" panose="020B0503020204020204" pitchFamily="34" charset="-122"/>
               </a:rPr>
-              <a:t>项目子目录的受控文档一般只有项目经理和属于该项目的开发人员和配置管理员能够访问到。配置管理员负责分配访问权限，一般项目经理对该目录具有较大的权限</a:t>
-            </a:r>
-            <a:r>
-              <a:rPr lang="en-US" altLang="zh-CN" sz="2000" b="1" dirty="0">
-                <a:solidFill>
-                  <a:schemeClr val="tx1">
-                    <a:lumMod val="50000"/>
-                    <a:lumOff val="50000"/>
-                  </a:schemeClr>
-                </a:solidFill>
-                <a:latin typeface="微软雅黑" panose="020B0503020204020204" pitchFamily="34" charset="-122"/>
-                <a:ea typeface="微软雅黑" panose="020B0503020204020204" pitchFamily="34" charset="-122"/>
-              </a:rPr>
-              <a:t>——</a:t>
-            </a:r>
-            <a:r>
-              <a:rPr lang="zh-CN" altLang="en-US" sz="2000" b="1" dirty="0">
-                <a:solidFill>
-                  <a:schemeClr val="tx1">
-                    <a:lumMod val="50000"/>
-                    <a:lumOff val="50000"/>
-                  </a:schemeClr>
-                </a:solidFill>
-                <a:latin typeface="微软雅黑" panose="020B0503020204020204" pitchFamily="34" charset="-122"/>
-                <a:ea typeface="微软雅黑" panose="020B0503020204020204" pitchFamily="34" charset="-122"/>
-              </a:rPr>
-              <a:t>读取、添加和更改；一般开发人员只有读取的权限。</a:t>
-            </a:r>
-          </a:p>
-          <a:p>
-            <a:r>
-              <a:rPr lang="en-US" altLang="zh-CN" sz="2000" b="1" dirty="0">
-                <a:solidFill>
-                  <a:schemeClr val="tx1">
-                    <a:lumMod val="50000"/>
-                    <a:lumOff val="50000"/>
-                  </a:schemeClr>
-                </a:solidFill>
-                <a:latin typeface="微软雅黑" panose="020B0503020204020204" pitchFamily="34" charset="-122"/>
-                <a:ea typeface="微软雅黑" panose="020B0503020204020204" pitchFamily="34" charset="-122"/>
-              </a:rPr>
-              <a:t>3.</a:t>
-            </a:r>
-            <a:r>
-              <a:rPr lang="zh-CN" altLang="en-US" sz="2000" b="1" dirty="0">
-                <a:solidFill>
-                  <a:schemeClr val="tx1">
-                    <a:lumMod val="50000"/>
-                    <a:lumOff val="50000"/>
-                  </a:schemeClr>
-                </a:solidFill>
-                <a:latin typeface="微软雅黑" panose="020B0503020204020204" pitchFamily="34" charset="-122"/>
-                <a:ea typeface="微软雅黑" panose="020B0503020204020204" pitchFamily="34" charset="-122"/>
-              </a:rPr>
-              <a:t>在项目开发的某一阶段结束时，通过了该阶段评审的这些开发文档交配置管理员保存到项目数据库，做为正式版本的第一版</a:t>
-            </a:r>
-            <a:r>
-              <a:rPr lang="en-US" altLang="zh-CN" sz="2000" b="1" dirty="0">
-                <a:solidFill>
-                  <a:schemeClr val="tx1">
-                    <a:lumMod val="50000"/>
-                    <a:lumOff val="50000"/>
-                  </a:schemeClr>
-                </a:solidFill>
-                <a:latin typeface="微软雅黑" panose="020B0503020204020204" pitchFamily="34" charset="-122"/>
-                <a:ea typeface="微软雅黑" panose="020B0503020204020204" pitchFamily="34" charset="-122"/>
-              </a:rPr>
-              <a:t>——1.0</a:t>
-            </a:r>
-            <a:r>
-              <a:rPr lang="zh-CN" altLang="en-US" sz="2000" b="1" dirty="0">
-                <a:solidFill>
-                  <a:schemeClr val="tx1">
-                    <a:lumMod val="50000"/>
-                    <a:lumOff val="50000"/>
-                  </a:schemeClr>
-                </a:solidFill>
-                <a:latin typeface="微软雅黑" panose="020B0503020204020204" pitchFamily="34" charset="-122"/>
-                <a:ea typeface="微软雅黑" panose="020B0503020204020204" pitchFamily="34" charset="-122"/>
-              </a:rPr>
-              <a:t>版本。</a:t>
-            </a:r>
-          </a:p>
-          <a:p>
-            <a:r>
-              <a:rPr lang="en-US" altLang="zh-CN" sz="2000" b="1" dirty="0">
-                <a:solidFill>
-                  <a:schemeClr val="tx1">
-                    <a:lumMod val="50000"/>
-                    <a:lumOff val="50000"/>
-                  </a:schemeClr>
-                </a:solidFill>
-                <a:latin typeface="微软雅黑" panose="020B0503020204020204" pitchFamily="34" charset="-122"/>
-                <a:ea typeface="微软雅黑" panose="020B0503020204020204" pitchFamily="34" charset="-122"/>
-              </a:rPr>
-              <a:t>4.</a:t>
-            </a:r>
-            <a:r>
-              <a:rPr lang="zh-CN" altLang="en-US" sz="2000" b="1" dirty="0">
-                <a:solidFill>
-                  <a:schemeClr val="tx1">
-                    <a:lumMod val="50000"/>
-                    <a:lumOff val="50000"/>
-                  </a:schemeClr>
-                </a:solidFill>
-                <a:latin typeface="微软雅黑" panose="020B0503020204020204" pitchFamily="34" charset="-122"/>
-                <a:ea typeface="微软雅黑" panose="020B0503020204020204" pitchFamily="34" charset="-122"/>
-              </a:rPr>
-              <a:t>在以后的开发中，如果软件需要修改，那修改后的软件可用多级编号来表示新版本</a:t>
-            </a:r>
-            <a:r>
-              <a:rPr lang="en-US" altLang="zh-CN" sz="2000" b="1" dirty="0">
-                <a:solidFill>
-                  <a:schemeClr val="tx1">
-                    <a:lumMod val="50000"/>
-                    <a:lumOff val="50000"/>
-                  </a:schemeClr>
-                </a:solidFill>
-                <a:latin typeface="微软雅黑" panose="020B0503020204020204" pitchFamily="34" charset="-122"/>
-                <a:ea typeface="微软雅黑" panose="020B0503020204020204" pitchFamily="34" charset="-122"/>
-              </a:rPr>
-              <a:t>——1.1</a:t>
-            </a:r>
-            <a:r>
-              <a:rPr lang="zh-CN" altLang="en-US" sz="2000" b="1" dirty="0">
-                <a:solidFill>
-                  <a:schemeClr val="tx1">
-                    <a:lumMod val="50000"/>
-                    <a:lumOff val="50000"/>
-                  </a:schemeClr>
-                </a:solidFill>
-                <a:latin typeface="微软雅黑" panose="020B0503020204020204" pitchFamily="34" charset="-122"/>
-                <a:ea typeface="微软雅黑" panose="020B0503020204020204" pitchFamily="34" charset="-122"/>
-              </a:rPr>
-              <a:t>、</a:t>
-            </a:r>
-            <a:r>
-              <a:rPr lang="en-US" altLang="zh-CN" sz="2000" b="1" dirty="0">
-                <a:solidFill>
-                  <a:schemeClr val="tx1">
-                    <a:lumMod val="50000"/>
-                    <a:lumOff val="50000"/>
-                  </a:schemeClr>
-                </a:solidFill>
-                <a:latin typeface="微软雅黑" panose="020B0503020204020204" pitchFamily="34" charset="-122"/>
-                <a:ea typeface="微软雅黑" panose="020B0503020204020204" pitchFamily="34" charset="-122"/>
-              </a:rPr>
-              <a:t>1.2</a:t>
-            </a:r>
-            <a:r>
-              <a:rPr lang="zh-CN" altLang="en-US" sz="2000" b="1" dirty="0">
-                <a:solidFill>
-                  <a:schemeClr val="tx1">
-                    <a:lumMod val="50000"/>
-                    <a:lumOff val="50000"/>
-                  </a:schemeClr>
-                </a:solidFill>
-                <a:latin typeface="微软雅黑" panose="020B0503020204020204" pitchFamily="34" charset="-122"/>
-                <a:ea typeface="微软雅黑" panose="020B0503020204020204" pitchFamily="34" charset="-122"/>
-              </a:rPr>
-              <a:t>等加以区别标识。</a:t>
-            </a:r>
-          </a:p>
-          <a:p>
-            <a:r>
-              <a:rPr lang="en-US" altLang="zh-CN" sz="2000" b="1" dirty="0">
-                <a:solidFill>
-                  <a:schemeClr val="tx1">
-                    <a:lumMod val="50000"/>
-                    <a:lumOff val="50000"/>
-                  </a:schemeClr>
-                </a:solidFill>
-                <a:latin typeface="微软雅黑" panose="020B0503020204020204" pitchFamily="34" charset="-122"/>
-                <a:ea typeface="微软雅黑" panose="020B0503020204020204" pitchFamily="34" charset="-122"/>
-              </a:rPr>
-              <a:t>5.</a:t>
-            </a:r>
-            <a:r>
-              <a:rPr lang="zh-CN" altLang="en-US" sz="2000" b="1" dirty="0">
-                <a:solidFill>
-                  <a:schemeClr val="tx1">
-                    <a:lumMod val="50000"/>
-                    <a:lumOff val="50000"/>
-                  </a:schemeClr>
-                </a:solidFill>
-                <a:latin typeface="微软雅黑" panose="020B0503020204020204" pitchFamily="34" charset="-122"/>
-                <a:ea typeface="微软雅黑" panose="020B0503020204020204" pitchFamily="34" charset="-122"/>
-              </a:rPr>
-              <a:t>在各个评审阶段产生的所有评审报告和修改报告都要进行编号保存，编号与相应文档的编号要对应。</a:t>
-            </a:r>
+              <a:t>进行。要通过标识能够确定软件项之间的相互联系。</a:t>
+            </a:r>
+            <a:endParaRPr lang="en-US" altLang="zh-CN" sz="2000" b="1" dirty="0">
+              <a:solidFill>
+                <a:schemeClr val="tx1">
+                  <a:lumMod val="50000"/>
+                  <a:lumOff val="50000"/>
+                </a:schemeClr>
+              </a:solidFill>
+              <a:latin typeface="微软雅黑" panose="020B0503020204020204" pitchFamily="34" charset="-122"/>
+              <a:ea typeface="微软雅黑" panose="020B0503020204020204" pitchFamily="34" charset="-122"/>
+            </a:endParaRPr>
           </a:p>
         </p:txBody>
       </p:sp>
     </p:spTree>
     <p:extLst>
       <p:ext uri="{BB962C8B-B14F-4D97-AF65-F5344CB8AC3E}">
-        <p14:creationId xmlns:p14="http://schemas.microsoft.com/office/powerpoint/2010/main" val="1955698181"/>
+        <p14:creationId xmlns:p14="http://schemas.microsoft.com/office/powerpoint/2010/main" val="404462160"/>
       </p:ext>
     </p:extLst>
   </p:cSld>
@@ -24741,6 +25235,330 @@
           <a:p>
             <a:r>
               <a:rPr lang="zh-CN" altLang="en-US" dirty="0"/>
+              <a:t>版本管理</a:t>
+            </a:r>
+          </a:p>
+        </p:txBody>
+      </p:sp>
+      <p:sp>
+        <p:nvSpPr>
+          <p:cNvPr id="3" name="文本框 5"/>
+          <p:cNvSpPr txBox="1"/>
+          <p:nvPr/>
+        </p:nvSpPr>
+        <p:spPr>
+          <a:xfrm>
+            <a:off x="604615" y="1505674"/>
+            <a:ext cx="10877266" cy="4401205"/>
+          </a:xfrm>
+          <a:prstGeom prst="rect">
+            <a:avLst/>
+          </a:prstGeom>
+          <a:noFill/>
+        </p:spPr>
+        <p:txBody>
+          <a:bodyPr wrap="square" rtlCol="0">
+            <a:spAutoFit/>
+          </a:bodyPr>
+          <a:lstStyle/>
+          <a:p>
+            <a:r>
+              <a:rPr lang="en-US" altLang="zh-CN" sz="2000" b="1" dirty="0">
+                <a:solidFill>
+                  <a:schemeClr val="tx1">
+                    <a:lumMod val="50000"/>
+                    <a:lumOff val="50000"/>
+                  </a:schemeClr>
+                </a:solidFill>
+                <a:latin typeface="微软雅黑" panose="020B0503020204020204" pitchFamily="34" charset="-122"/>
+                <a:ea typeface="微软雅黑" panose="020B0503020204020204" pitchFamily="34" charset="-122"/>
+              </a:rPr>
+              <a:t>1.</a:t>
+            </a:r>
+            <a:r>
+              <a:rPr lang="zh-CN" altLang="en-US" sz="2000" b="1" dirty="0">
+                <a:solidFill>
+                  <a:schemeClr val="tx1">
+                    <a:lumMod val="50000"/>
+                    <a:lumOff val="50000"/>
+                  </a:schemeClr>
+                </a:solidFill>
+                <a:latin typeface="微软雅黑" panose="020B0503020204020204" pitchFamily="34" charset="-122"/>
+                <a:ea typeface="微软雅黑" panose="020B0503020204020204" pitchFamily="34" charset="-122"/>
+              </a:rPr>
+              <a:t>首先在服务器上建立一个目录，作为项目配置数据库。在此目录下按照每个项目组建一个分目录，项目组代码及项目组名构成目录名，然后在此项目组目录下按照所属每个项目建一个子目录，同一项目的开发文档存放在一个目录下，项目编号紧跟项目名就是目录名。在一个项目分目录下可按非受控文档与受控文档建立一级次目录，然后在一级次目录下按文档的不同类型建立二级次目录，使得所有开发文档能分门别类的组织存放，便于查询。目录结构可见下图的示例。</a:t>
+            </a:r>
+          </a:p>
+          <a:p>
+            <a:r>
+              <a:rPr lang="en-US" altLang="zh-CN" sz="2000" b="1" dirty="0">
+                <a:solidFill>
+                  <a:schemeClr val="tx1">
+                    <a:lumMod val="50000"/>
+                    <a:lumOff val="50000"/>
+                  </a:schemeClr>
+                </a:solidFill>
+                <a:latin typeface="微软雅黑" panose="020B0503020204020204" pitchFamily="34" charset="-122"/>
+                <a:ea typeface="微软雅黑" panose="020B0503020204020204" pitchFamily="34" charset="-122"/>
+              </a:rPr>
+              <a:t>2.</a:t>
+            </a:r>
+            <a:r>
+              <a:rPr lang="zh-CN" altLang="en-US" sz="2000" b="1" dirty="0">
+                <a:solidFill>
+                  <a:schemeClr val="tx1">
+                    <a:lumMod val="50000"/>
+                    <a:lumOff val="50000"/>
+                  </a:schemeClr>
+                </a:solidFill>
+                <a:latin typeface="微软雅黑" panose="020B0503020204020204" pitchFamily="34" charset="-122"/>
+                <a:ea typeface="微软雅黑" panose="020B0503020204020204" pitchFamily="34" charset="-122"/>
+              </a:rPr>
+              <a:t>项目子目录的受控文档一般只有项目经理和属于该项目的开发人员和配置管理员能够访问到。配置管理员负责分配访问权限，一般项目经理对该目录具有较大的权限</a:t>
+            </a:r>
+            <a:r>
+              <a:rPr lang="en-US" altLang="zh-CN" sz="2000" b="1" dirty="0">
+                <a:solidFill>
+                  <a:schemeClr val="tx1">
+                    <a:lumMod val="50000"/>
+                    <a:lumOff val="50000"/>
+                  </a:schemeClr>
+                </a:solidFill>
+                <a:latin typeface="微软雅黑" panose="020B0503020204020204" pitchFamily="34" charset="-122"/>
+                <a:ea typeface="微软雅黑" panose="020B0503020204020204" pitchFamily="34" charset="-122"/>
+              </a:rPr>
+              <a:t>——</a:t>
+            </a:r>
+            <a:r>
+              <a:rPr lang="zh-CN" altLang="en-US" sz="2000" b="1" dirty="0">
+                <a:solidFill>
+                  <a:schemeClr val="tx1">
+                    <a:lumMod val="50000"/>
+                    <a:lumOff val="50000"/>
+                  </a:schemeClr>
+                </a:solidFill>
+                <a:latin typeface="微软雅黑" panose="020B0503020204020204" pitchFamily="34" charset="-122"/>
+                <a:ea typeface="微软雅黑" panose="020B0503020204020204" pitchFamily="34" charset="-122"/>
+              </a:rPr>
+              <a:t>读取、添加和更改；一般开发人员只有读取的权限。</a:t>
+            </a:r>
+          </a:p>
+          <a:p>
+            <a:r>
+              <a:rPr lang="en-US" altLang="zh-CN" sz="2000" b="1" dirty="0">
+                <a:solidFill>
+                  <a:schemeClr val="tx1">
+                    <a:lumMod val="50000"/>
+                    <a:lumOff val="50000"/>
+                  </a:schemeClr>
+                </a:solidFill>
+                <a:latin typeface="微软雅黑" panose="020B0503020204020204" pitchFamily="34" charset="-122"/>
+                <a:ea typeface="微软雅黑" panose="020B0503020204020204" pitchFamily="34" charset="-122"/>
+              </a:rPr>
+              <a:t>3.</a:t>
+            </a:r>
+            <a:r>
+              <a:rPr lang="zh-CN" altLang="en-US" sz="2000" b="1" dirty="0">
+                <a:solidFill>
+                  <a:schemeClr val="tx1">
+                    <a:lumMod val="50000"/>
+                    <a:lumOff val="50000"/>
+                  </a:schemeClr>
+                </a:solidFill>
+                <a:latin typeface="微软雅黑" panose="020B0503020204020204" pitchFamily="34" charset="-122"/>
+                <a:ea typeface="微软雅黑" panose="020B0503020204020204" pitchFamily="34" charset="-122"/>
+              </a:rPr>
+              <a:t>在项目开发的某一阶段结束时，通过了该阶段评审的这些开发文档交配置管理员保存到项目数据库，做为正式版本的第一版</a:t>
+            </a:r>
+            <a:r>
+              <a:rPr lang="en-US" altLang="zh-CN" sz="2000" b="1" dirty="0">
+                <a:solidFill>
+                  <a:schemeClr val="tx1">
+                    <a:lumMod val="50000"/>
+                    <a:lumOff val="50000"/>
+                  </a:schemeClr>
+                </a:solidFill>
+                <a:latin typeface="微软雅黑" panose="020B0503020204020204" pitchFamily="34" charset="-122"/>
+                <a:ea typeface="微软雅黑" panose="020B0503020204020204" pitchFamily="34" charset="-122"/>
+              </a:rPr>
+              <a:t>——1.0</a:t>
+            </a:r>
+            <a:r>
+              <a:rPr lang="zh-CN" altLang="en-US" sz="2000" b="1" dirty="0">
+                <a:solidFill>
+                  <a:schemeClr val="tx1">
+                    <a:lumMod val="50000"/>
+                    <a:lumOff val="50000"/>
+                  </a:schemeClr>
+                </a:solidFill>
+                <a:latin typeface="微软雅黑" panose="020B0503020204020204" pitchFamily="34" charset="-122"/>
+                <a:ea typeface="微软雅黑" panose="020B0503020204020204" pitchFamily="34" charset="-122"/>
+              </a:rPr>
+              <a:t>版本。</a:t>
+            </a:r>
+          </a:p>
+          <a:p>
+            <a:r>
+              <a:rPr lang="en-US" altLang="zh-CN" sz="2000" b="1" dirty="0">
+                <a:solidFill>
+                  <a:schemeClr val="tx1">
+                    <a:lumMod val="50000"/>
+                    <a:lumOff val="50000"/>
+                  </a:schemeClr>
+                </a:solidFill>
+                <a:latin typeface="微软雅黑" panose="020B0503020204020204" pitchFamily="34" charset="-122"/>
+                <a:ea typeface="微软雅黑" panose="020B0503020204020204" pitchFamily="34" charset="-122"/>
+              </a:rPr>
+              <a:t>4.</a:t>
+            </a:r>
+            <a:r>
+              <a:rPr lang="zh-CN" altLang="en-US" sz="2000" b="1" dirty="0">
+                <a:solidFill>
+                  <a:schemeClr val="tx1">
+                    <a:lumMod val="50000"/>
+                    <a:lumOff val="50000"/>
+                  </a:schemeClr>
+                </a:solidFill>
+                <a:latin typeface="微软雅黑" panose="020B0503020204020204" pitchFamily="34" charset="-122"/>
+                <a:ea typeface="微软雅黑" panose="020B0503020204020204" pitchFamily="34" charset="-122"/>
+              </a:rPr>
+              <a:t>在以后的开发中，如果软件需要修改，那修改后的软件可用多级编号来表示新版本</a:t>
+            </a:r>
+            <a:r>
+              <a:rPr lang="en-US" altLang="zh-CN" sz="2000" b="1" dirty="0">
+                <a:solidFill>
+                  <a:schemeClr val="tx1">
+                    <a:lumMod val="50000"/>
+                    <a:lumOff val="50000"/>
+                  </a:schemeClr>
+                </a:solidFill>
+                <a:latin typeface="微软雅黑" panose="020B0503020204020204" pitchFamily="34" charset="-122"/>
+                <a:ea typeface="微软雅黑" panose="020B0503020204020204" pitchFamily="34" charset="-122"/>
+              </a:rPr>
+              <a:t>——1.1</a:t>
+            </a:r>
+            <a:r>
+              <a:rPr lang="zh-CN" altLang="en-US" sz="2000" b="1" dirty="0">
+                <a:solidFill>
+                  <a:schemeClr val="tx1">
+                    <a:lumMod val="50000"/>
+                    <a:lumOff val="50000"/>
+                  </a:schemeClr>
+                </a:solidFill>
+                <a:latin typeface="微软雅黑" panose="020B0503020204020204" pitchFamily="34" charset="-122"/>
+                <a:ea typeface="微软雅黑" panose="020B0503020204020204" pitchFamily="34" charset="-122"/>
+              </a:rPr>
+              <a:t>、</a:t>
+            </a:r>
+            <a:r>
+              <a:rPr lang="en-US" altLang="zh-CN" sz="2000" b="1" dirty="0">
+                <a:solidFill>
+                  <a:schemeClr val="tx1">
+                    <a:lumMod val="50000"/>
+                    <a:lumOff val="50000"/>
+                  </a:schemeClr>
+                </a:solidFill>
+                <a:latin typeface="微软雅黑" panose="020B0503020204020204" pitchFamily="34" charset="-122"/>
+                <a:ea typeface="微软雅黑" panose="020B0503020204020204" pitchFamily="34" charset="-122"/>
+              </a:rPr>
+              <a:t>1.2</a:t>
+            </a:r>
+            <a:r>
+              <a:rPr lang="zh-CN" altLang="en-US" sz="2000" b="1" dirty="0">
+                <a:solidFill>
+                  <a:schemeClr val="tx1">
+                    <a:lumMod val="50000"/>
+                    <a:lumOff val="50000"/>
+                  </a:schemeClr>
+                </a:solidFill>
+                <a:latin typeface="微软雅黑" panose="020B0503020204020204" pitchFamily="34" charset="-122"/>
+                <a:ea typeface="微软雅黑" panose="020B0503020204020204" pitchFamily="34" charset="-122"/>
+              </a:rPr>
+              <a:t>等加以区别标识。</a:t>
+            </a:r>
+          </a:p>
+          <a:p>
+            <a:r>
+              <a:rPr lang="en-US" altLang="zh-CN" sz="2000" b="1" dirty="0">
+                <a:solidFill>
+                  <a:schemeClr val="tx1">
+                    <a:lumMod val="50000"/>
+                    <a:lumOff val="50000"/>
+                  </a:schemeClr>
+                </a:solidFill>
+                <a:latin typeface="微软雅黑" panose="020B0503020204020204" pitchFamily="34" charset="-122"/>
+                <a:ea typeface="微软雅黑" panose="020B0503020204020204" pitchFamily="34" charset="-122"/>
+              </a:rPr>
+              <a:t>5.</a:t>
+            </a:r>
+            <a:r>
+              <a:rPr lang="zh-CN" altLang="en-US" sz="2000" b="1" dirty="0">
+                <a:solidFill>
+                  <a:schemeClr val="tx1">
+                    <a:lumMod val="50000"/>
+                    <a:lumOff val="50000"/>
+                  </a:schemeClr>
+                </a:solidFill>
+                <a:latin typeface="微软雅黑" panose="020B0503020204020204" pitchFamily="34" charset="-122"/>
+                <a:ea typeface="微软雅黑" panose="020B0503020204020204" pitchFamily="34" charset="-122"/>
+              </a:rPr>
+              <a:t>在各个评审阶段产生的所有评审报告和修改报告都要进行编号保存，编号与相应文档的编号要对应。</a:t>
+            </a:r>
+          </a:p>
+        </p:txBody>
+      </p:sp>
+    </p:spTree>
+    <p:extLst>
+      <p:ext uri="{BB962C8B-B14F-4D97-AF65-F5344CB8AC3E}">
+        <p14:creationId xmlns:p14="http://schemas.microsoft.com/office/powerpoint/2010/main" val="1955698181"/>
+      </p:ext>
+    </p:extLst>
+  </p:cSld>
+  <p:clrMapOvr>
+    <a:masterClrMapping/>
+  </p:clrMapOvr>
+</p:sld>
+</file>
+
+<file path=ppt/slides/slide47.xml><?xml version="1.0" encoding="utf-8"?>
+<p:sld xmlns:a="http://schemas.openxmlformats.org/drawingml/2006/main" xmlns:r="http://schemas.openxmlformats.org/officeDocument/2006/relationships" xmlns:p="http://schemas.openxmlformats.org/presentationml/2006/main">
+  <p:cSld>
+    <p:spTree>
+      <p:nvGrpSpPr>
+        <p:cNvPr id="1" name=""/>
+        <p:cNvGrpSpPr/>
+        <p:nvPr/>
+      </p:nvGrpSpPr>
+      <p:grpSpPr>
+        <a:xfrm>
+          <a:off x="0" y="0"/>
+          <a:ext cx="0" cy="0"/>
+          <a:chOff x="0" y="0"/>
+          <a:chExt cx="0" cy="0"/>
+        </a:xfrm>
+      </p:grpSpPr>
+      <p:sp>
+        <p:nvSpPr>
+          <p:cNvPr id="2" name="标题 1"/>
+          <p:cNvSpPr>
+            <a:spLocks noGrp="1"/>
+          </p:cNvSpPr>
+          <p:nvPr>
+            <p:ph type="title"/>
+          </p:nvPr>
+        </p:nvSpPr>
+        <p:spPr>
+          <a:xfrm>
+            <a:off x="646111" y="452718"/>
+            <a:ext cx="9404723" cy="1400530"/>
+          </a:xfrm>
+        </p:spPr>
+        <p:txBody>
+          <a:bodyPr/>
+          <a:lstStyle/>
+          <a:p>
+            <a:r>
+              <a:rPr lang="zh-CN" altLang="en-US" dirty="0"/>
               <a:t>变更控制</a:t>
             </a:r>
             <a:br>
@@ -25332,7 +26150,7 @@
 </p:sld>
 </file>
 
-<file path=ppt/slides/slide47.xml><?xml version="1.0" encoding="utf-8"?>
+<file path=ppt/slides/slide48.xml><?xml version="1.0" encoding="utf-8"?>
 <p:sld xmlns:a="http://schemas.openxmlformats.org/drawingml/2006/main" xmlns:r="http://schemas.openxmlformats.org/officeDocument/2006/relationships" xmlns:p="http://schemas.openxmlformats.org/presentationml/2006/main">
   <p:cSld>
     <p:spTree>
@@ -25850,7 +26668,7 @@
 </p:sld>
 </file>
 
-<file path=ppt/slides/slide48.xml><?xml version="1.0" encoding="utf-8"?>
+<file path=ppt/slides/slide49.xml><?xml version="1.0" encoding="utf-8"?>
 <p:sld xmlns:a="http://schemas.openxmlformats.org/drawingml/2006/main" xmlns:r="http://schemas.openxmlformats.org/officeDocument/2006/relationships" xmlns:p="http://schemas.openxmlformats.org/presentationml/2006/main">
   <p:cSld>
     <p:spTree>
@@ -25941,7 +26759,124 @@
 </p:sld>
 </file>
 
-<file path=ppt/slides/slide49.xml><?xml version="1.0" encoding="utf-8"?>
+<file path=ppt/slides/slide5.xml><?xml version="1.0" encoding="utf-8"?>
+<p:sld xmlns:a="http://schemas.openxmlformats.org/drawingml/2006/main" xmlns:r="http://schemas.openxmlformats.org/officeDocument/2006/relationships" xmlns:p="http://schemas.openxmlformats.org/presentationml/2006/main">
+  <p:cSld>
+    <p:spTree>
+      <p:nvGrpSpPr>
+        <p:cNvPr id="1" name=""/>
+        <p:cNvGrpSpPr/>
+        <p:nvPr/>
+      </p:nvGrpSpPr>
+      <p:grpSpPr>
+        <a:xfrm>
+          <a:off x="0" y="0"/>
+          <a:ext cx="0" cy="0"/>
+          <a:chOff x="0" y="0"/>
+          <a:chExt cx="0" cy="0"/>
+        </a:xfrm>
+      </p:grpSpPr>
+      <p:sp>
+        <p:nvSpPr>
+          <p:cNvPr id="2" name="矩形 1"/>
+          <p:cNvSpPr>
+            <a:spLocks noGrp="1"/>
+          </p:cNvSpPr>
+          <p:nvPr>
+            <p:ph type="title"/>
+          </p:nvPr>
+        </p:nvSpPr>
+        <p:spPr/>
+        <p:txBody>
+          <a:bodyPr/>
+          <a:lstStyle/>
+          <a:p>
+            <a:r>
+              <a:rPr lang="en-US" altLang="zh-CN" dirty="0"/>
+              <a:t>1.2 </a:t>
+            </a:r>
+            <a:r>
+              <a:rPr lang="zh-CN" altLang="en-US" dirty="0"/>
+              <a:t>业务机遇</a:t>
+            </a:r>
+          </a:p>
+        </p:txBody>
+      </p:sp>
+      <p:sp>
+        <p:nvSpPr>
+          <p:cNvPr id="3" name="矩形 2"/>
+          <p:cNvSpPr>
+            <a:spLocks noGrp="1"/>
+          </p:cNvSpPr>
+          <p:nvPr>
+            <p:ph idx="1"/>
+          </p:nvPr>
+        </p:nvSpPr>
+        <p:spPr/>
+        <p:txBody>
+          <a:bodyPr>
+            <a:normAutofit fontScale="92500"/>
+          </a:bodyPr>
+          <a:lstStyle/>
+          <a:p>
+            <a:r>
+              <a:rPr lang="en-US" altLang="zh-CN" dirty="0"/>
+              <a:t>21</a:t>
+            </a:r>
+            <a:r>
+              <a:rPr lang="zh-CN" altLang="en-US" dirty="0"/>
+              <a:t>世纪是以网络的全面深入运用为特征的世纪。网络环境下的教育不仅是教育信息化的必然产物，也是教育改革发展的必然走向。通过因特网或其他数字化内容进行学习交流与教学的活动即网络化学习</a:t>
+            </a:r>
+            <a:r>
+              <a:rPr lang="en-US" altLang="zh-CN" dirty="0"/>
+              <a:t>(e-learning)</a:t>
+            </a:r>
+            <a:r>
+              <a:rPr lang="zh-CN" altLang="en-US" dirty="0"/>
+              <a:t>，可以充分利用现代信息技术所提供的、具有全新沟通机制与丰富资源的学习环境，实现一种全新的学习交流方式。这种学习交流方式将改变传统教学中教师的作用和师生之间的关系，从而根本改变教学结构和教育本质。美国教育部</a:t>
+            </a:r>
+            <a:r>
+              <a:rPr lang="en-US" altLang="zh-CN" dirty="0"/>
+              <a:t>2000</a:t>
+            </a:r>
+            <a:r>
+              <a:rPr lang="zh-CN" altLang="en-US" dirty="0"/>
+              <a:t>年</a:t>
+            </a:r>
+            <a:r>
+              <a:rPr lang="en-US" altLang="zh-CN" dirty="0"/>
+              <a:t>12</a:t>
+            </a:r>
+            <a:r>
+              <a:rPr lang="zh-CN" altLang="en-US" dirty="0"/>
+              <a:t>月向国会递交的“国家教育技术计划”中打算以网络化学习作为提高年青一代“</a:t>
+            </a:r>
+            <a:r>
+              <a:rPr lang="en-US" altLang="zh-CN" dirty="0"/>
+              <a:t>21</a:t>
+            </a:r>
+            <a:r>
+              <a:rPr lang="zh-CN" altLang="en-US" dirty="0"/>
+              <a:t>世纪能力素质”的根本措施。技术的教育应用成为教育改革和人才培养的重要途径之一。</a:t>
+            </a:r>
+          </a:p>
+          <a:p>
+            <a:r>
+              <a:rPr lang="zh-CN" altLang="en-US" dirty="0"/>
+              <a:t>         在这一大背景下，教学、学习、交流网站应运而生。超文本特性可实现对教学信息最有效的组织与管理。网络化的学习有利于充分实现交互与共享，有利于激发学生的学习兴趣和充分体现学习主体作用，有利于培养学习者的信息素养和信息能力。另一方面教师利用教学、学习、交流网站可以充分发挥网络特性，对教学进行更为有效的管理，同时也有了更为便利的信息发布手段。</a:t>
+            </a:r>
+          </a:p>
+        </p:txBody>
+      </p:sp>
+    </p:spTree>
+  </p:cSld>
+  <p:clrMapOvr>
+    <a:masterClrMapping/>
+  </p:clrMapOvr>
+</p:sld>
+</file>
+
+<file path=ppt/slides/slide50.xml><?xml version="1.0" encoding="utf-8"?>
 <p:sld xmlns:a="http://schemas.openxmlformats.org/drawingml/2006/main" xmlns:r="http://schemas.openxmlformats.org/officeDocument/2006/relationships" xmlns:p="http://schemas.openxmlformats.org/presentationml/2006/main">
   <p:cSld>
     <p:spTree>
@@ -26262,124 +27197,7 @@
 </p:sld>
 </file>
 
-<file path=ppt/slides/slide5.xml><?xml version="1.0" encoding="utf-8"?>
-<p:sld xmlns:a="http://schemas.openxmlformats.org/drawingml/2006/main" xmlns:r="http://schemas.openxmlformats.org/officeDocument/2006/relationships" xmlns:p="http://schemas.openxmlformats.org/presentationml/2006/main">
-  <p:cSld>
-    <p:spTree>
-      <p:nvGrpSpPr>
-        <p:cNvPr id="1" name=""/>
-        <p:cNvGrpSpPr/>
-        <p:nvPr/>
-      </p:nvGrpSpPr>
-      <p:grpSpPr>
-        <a:xfrm>
-          <a:off x="0" y="0"/>
-          <a:ext cx="0" cy="0"/>
-          <a:chOff x="0" y="0"/>
-          <a:chExt cx="0" cy="0"/>
-        </a:xfrm>
-      </p:grpSpPr>
-      <p:sp>
-        <p:nvSpPr>
-          <p:cNvPr id="2" name="矩形 1"/>
-          <p:cNvSpPr>
-            <a:spLocks noGrp="1"/>
-          </p:cNvSpPr>
-          <p:nvPr>
-            <p:ph type="title"/>
-          </p:nvPr>
-        </p:nvSpPr>
-        <p:spPr/>
-        <p:txBody>
-          <a:bodyPr/>
-          <a:lstStyle/>
-          <a:p>
-            <a:r>
-              <a:rPr lang="en-US" altLang="zh-CN" dirty="0"/>
-              <a:t>1.2 </a:t>
-            </a:r>
-            <a:r>
-              <a:rPr lang="zh-CN" altLang="en-US" dirty="0"/>
-              <a:t>业务机遇</a:t>
-            </a:r>
-          </a:p>
-        </p:txBody>
-      </p:sp>
-      <p:sp>
-        <p:nvSpPr>
-          <p:cNvPr id="3" name="矩形 2"/>
-          <p:cNvSpPr>
-            <a:spLocks noGrp="1"/>
-          </p:cNvSpPr>
-          <p:nvPr>
-            <p:ph idx="1"/>
-          </p:nvPr>
-        </p:nvSpPr>
-        <p:spPr/>
-        <p:txBody>
-          <a:bodyPr>
-            <a:normAutofit fontScale="92500"/>
-          </a:bodyPr>
-          <a:lstStyle/>
-          <a:p>
-            <a:r>
-              <a:rPr lang="en-US" altLang="zh-CN" dirty="0"/>
-              <a:t>21</a:t>
-            </a:r>
-            <a:r>
-              <a:rPr lang="zh-CN" altLang="en-US" dirty="0"/>
-              <a:t>世纪是以网络的全面深入运用为特征的世纪。网络环境下的教育不仅是教育信息化的必然产物，也是教育改革发展的必然走向。通过因特网或其他数字化内容进行学习交流与教学的活动即网络化学习</a:t>
-            </a:r>
-            <a:r>
-              <a:rPr lang="en-US" altLang="zh-CN" dirty="0"/>
-              <a:t>(e-learning)</a:t>
-            </a:r>
-            <a:r>
-              <a:rPr lang="zh-CN" altLang="en-US" dirty="0"/>
-              <a:t>，可以充分利用现代信息技术所提供的、具有全新沟通机制与丰富资源的学习环境，实现一种全新的学习交流方式。这种学习交流方式将改变传统教学中教师的作用和师生之间的关系，从而根本改变教学结构和教育本质。美国教育部</a:t>
-            </a:r>
-            <a:r>
-              <a:rPr lang="en-US" altLang="zh-CN" dirty="0"/>
-              <a:t>2000</a:t>
-            </a:r>
-            <a:r>
-              <a:rPr lang="zh-CN" altLang="en-US" dirty="0"/>
-              <a:t>年</a:t>
-            </a:r>
-            <a:r>
-              <a:rPr lang="en-US" altLang="zh-CN" dirty="0"/>
-              <a:t>12</a:t>
-            </a:r>
-            <a:r>
-              <a:rPr lang="zh-CN" altLang="en-US" dirty="0"/>
-              <a:t>月向国会递交的“国家教育技术计划”中打算以网络化学习作为提高年青一代“</a:t>
-            </a:r>
-            <a:r>
-              <a:rPr lang="en-US" altLang="zh-CN" dirty="0"/>
-              <a:t>21</a:t>
-            </a:r>
-            <a:r>
-              <a:rPr lang="zh-CN" altLang="en-US" dirty="0"/>
-              <a:t>世纪能力素质”的根本措施。技术的教育应用成为教育改革和人才培养的重要途径之一。</a:t>
-            </a:r>
-          </a:p>
-          <a:p>
-            <a:r>
-              <a:rPr lang="zh-CN" altLang="en-US" dirty="0"/>
-              <a:t>         在这一大背景下，教学、学习、交流网站应运而生。超文本特性可实现对教学信息最有效的组织与管理。网络化的学习有利于充分实现交互与共享，有利于激发学生的学习兴趣和充分体现学习主体作用，有利于培养学习者的信息素养和信息能力。另一方面教师利用教学、学习、交流网站可以充分发挥网络特性，对教学进行更为有效的管理，同时也有了更为便利的信息发布手段。</a:t>
-            </a:r>
-          </a:p>
-        </p:txBody>
-      </p:sp>
-    </p:spTree>
-  </p:cSld>
-  <p:clrMapOvr>
-    <a:masterClrMapping/>
-  </p:clrMapOvr>
-</p:sld>
-</file>
-
-<file path=ppt/slides/slide50.xml><?xml version="1.0" encoding="utf-8"?>
+<file path=ppt/slides/slide51.xml><?xml version="1.0" encoding="utf-8"?>
 <p:sld xmlns:a="http://schemas.openxmlformats.org/drawingml/2006/main" xmlns:r="http://schemas.openxmlformats.org/officeDocument/2006/relationships" xmlns:p="http://schemas.openxmlformats.org/presentationml/2006/main">
   <p:cSld>
     <p:spTree>
@@ -26467,7 +27285,7 @@
 </p:sld>
 </file>
 
-<file path=ppt/slides/slide51.xml><?xml version="1.0" encoding="utf-8"?>
+<file path=ppt/slides/slide52.xml><?xml version="1.0" encoding="utf-8"?>
 <p:sld xmlns:a="http://schemas.openxmlformats.org/drawingml/2006/main" xmlns:r="http://schemas.openxmlformats.org/officeDocument/2006/relationships" xmlns:p="http://schemas.openxmlformats.org/presentationml/2006/main">
   <p:cSld>
     <p:spTree>
@@ -27726,7 +28544,7 @@
                         <a:buNone/>
                       </a:pPr>
                       <a:r>
-                        <a:rPr lang="zh-CN" altLang="en-US">
+                        <a:rPr lang="zh-CN" altLang="en-US" dirty="0">
                           <a:solidFill>
                             <a:schemeClr val="bg1"/>
                           </a:solidFill>
@@ -28121,7 +28939,7 @@
                         <a:buNone/>
                       </a:pPr>
                       <a:r>
-                        <a:rPr lang="zh-CN" altLang="en-US">
+                        <a:rPr lang="zh-CN" altLang="en-US" dirty="0">
                           <a:solidFill>
                             <a:schemeClr val="bg1"/>
                           </a:solidFill>
@@ -28470,7 +29288,7 @@
                         <a:buNone/>
                       </a:pPr>
                       <a:r>
-                        <a:rPr lang="zh-CN" altLang="en-US">
+                        <a:rPr lang="zh-CN" altLang="en-US" dirty="0">
                           <a:solidFill>
                             <a:schemeClr val="bg1"/>
                           </a:solidFill>
@@ -30836,7 +31654,7 @@
 </p:sld>
 </file>
 
-<file path=ppt/slides/slide52.xml><?xml version="1.0" encoding="utf-8"?>
+<file path=ppt/slides/slide53.xml><?xml version="1.0" encoding="utf-8"?>
 <p:sld xmlns:a="http://schemas.openxmlformats.org/drawingml/2006/main" xmlns:r="http://schemas.openxmlformats.org/officeDocument/2006/relationships" xmlns:p="http://schemas.openxmlformats.org/presentationml/2006/main">
   <p:cSld>
     <p:spTree>
@@ -30896,7 +31714,7 @@
           <a:graphicData uri="http://schemas.openxmlformats.org/presentationml/2006/ole">
             <mc:AlternateContent xmlns:mc="http://schemas.openxmlformats.org/markup-compatibility/2006">
               <mc:Choice xmlns:v="urn:schemas-microsoft-com:vml" Requires="v">
-                <p:oleObj spid="_x0000_s1050" r:id="rId3" imgW="8211820" imgH="4580890" progId="Visio.Drawing.11">
+                <p:oleObj spid="_x0000_s1061" r:id="rId3" imgW="8211820" imgH="4580890" progId="Visio.Drawing.11">
                   <p:embed/>
                 </p:oleObj>
               </mc:Choice>
@@ -30948,7 +31766,7 @@
 </p:sld>
 </file>
 
-<file path=ppt/slides/slide53.xml><?xml version="1.0" encoding="utf-8"?>
+<file path=ppt/slides/slide54.xml><?xml version="1.0" encoding="utf-8"?>
 <p:sld xmlns:a="http://schemas.openxmlformats.org/drawingml/2006/main" xmlns:r="http://schemas.openxmlformats.org/officeDocument/2006/relationships" xmlns:p="http://schemas.openxmlformats.org/presentationml/2006/main">
   <p:cSld>
     <p:spTree>
@@ -31013,7 +31831,7 @@
         </p:blipFill>
         <p:spPr>
           <a:xfrm>
-            <a:off x="1347089" y="1149292"/>
+            <a:off x="2395713" y="553674"/>
             <a:ext cx="7906138" cy="5708708"/>
           </a:xfrm>
           <a:prstGeom prst="rect">
@@ -31025,94 +31843,6 @@
     <p:extLst>
       <p:ext uri="{BB962C8B-B14F-4D97-AF65-F5344CB8AC3E}">
         <p14:creationId xmlns:p14="http://schemas.microsoft.com/office/powerpoint/2010/main" val="3163428628"/>
-      </p:ext>
-    </p:extLst>
-  </p:cSld>
-  <p:clrMapOvr>
-    <a:masterClrMapping/>
-  </p:clrMapOvr>
-</p:sld>
-</file>
-
-<file path=ppt/slides/slide54.xml><?xml version="1.0" encoding="utf-8"?>
-<p:sld xmlns:a="http://schemas.openxmlformats.org/drawingml/2006/main" xmlns:r="http://schemas.openxmlformats.org/officeDocument/2006/relationships" xmlns:p="http://schemas.openxmlformats.org/presentationml/2006/main">
-  <p:cSld>
-    <p:spTree>
-      <p:nvGrpSpPr>
-        <p:cNvPr id="1" name=""/>
-        <p:cNvGrpSpPr/>
-        <p:nvPr/>
-      </p:nvGrpSpPr>
-      <p:grpSpPr>
-        <a:xfrm>
-          <a:off x="0" y="0"/>
-          <a:ext cx="0" cy="0"/>
-          <a:chOff x="0" y="0"/>
-          <a:chExt cx="0" cy="0"/>
-        </a:xfrm>
-      </p:grpSpPr>
-      <p:sp>
-        <p:nvSpPr>
-          <p:cNvPr id="2" name="标题 1"/>
-          <p:cNvSpPr>
-            <a:spLocks noGrp="1"/>
-          </p:cNvSpPr>
-          <p:nvPr>
-            <p:ph type="title"/>
-          </p:nvPr>
-        </p:nvSpPr>
-        <p:spPr>
-          <a:xfrm>
-            <a:off x="1574801" y="1952341"/>
-            <a:ext cx="7863113" cy="2690416"/>
-          </a:xfrm>
-        </p:spPr>
-        <p:txBody>
-          <a:bodyPr/>
-          <a:lstStyle/>
-          <a:p>
-            <a:r>
-              <a:rPr lang="zh-CN" altLang="en-US" sz="9600" dirty="0">
-                <a:latin typeface="Microsoft YaHei UI" panose="020B0503020204020204" pitchFamily="34" charset="-122"/>
-                <a:ea typeface="Microsoft YaHei UI" panose="020B0503020204020204" pitchFamily="34" charset="-122"/>
-              </a:rPr>
-              <a:t>第</a:t>
-            </a:r>
-            <a:r>
-              <a:rPr lang="en-US" altLang="zh-CN" sz="9600" dirty="0">
-                <a:latin typeface="Microsoft YaHei UI" panose="020B0503020204020204" pitchFamily="34" charset="-122"/>
-                <a:ea typeface="Microsoft YaHei UI" panose="020B0503020204020204" pitchFamily="34" charset="-122"/>
-              </a:rPr>
-              <a:t>10</a:t>
-            </a:r>
-            <a:r>
-              <a:rPr lang="zh-CN" altLang="en-US" sz="9600" dirty="0">
-                <a:latin typeface="Microsoft YaHei UI" panose="020B0503020204020204" pitchFamily="34" charset="-122"/>
-                <a:ea typeface="Microsoft YaHei UI" panose="020B0503020204020204" pitchFamily="34" charset="-122"/>
-              </a:rPr>
-              <a:t>章 </a:t>
-            </a:r>
-            <a:br>
-              <a:rPr lang="en-US" altLang="zh-CN" sz="9600" dirty="0"/>
-            </a:br>
-            <a:r>
-              <a:rPr lang="zh-CN" altLang="en-US" sz="9600" dirty="0"/>
-              <a:t>参考资料</a:t>
-            </a:r>
-            <a:br>
-              <a:rPr lang="zh-CN" altLang="en-US" sz="9600" dirty="0"/>
-            </a:br>
-            <a:endParaRPr lang="zh-CN" sz="9600" dirty="0">
-              <a:latin typeface="Microsoft YaHei UI" panose="020B0503020204020204" pitchFamily="34" charset="-122"/>
-              <a:ea typeface="Microsoft YaHei UI" panose="020B0503020204020204" pitchFamily="34" charset="-122"/>
-            </a:endParaRPr>
-          </a:p>
-        </p:txBody>
-      </p:sp>
-    </p:spTree>
-    <p:extLst>
-      <p:ext uri="{BB962C8B-B14F-4D97-AF65-F5344CB8AC3E}">
-        <p14:creationId xmlns:p14="http://schemas.microsoft.com/office/powerpoint/2010/main" val="1063305242"/>
       </p:ext>
     </p:extLst>
   </p:cSld>
@@ -31151,8 +31881,8 @@
         </p:nvSpPr>
         <p:spPr>
           <a:xfrm>
-            <a:off x="646111" y="452718"/>
-            <a:ext cx="9404723" cy="1400530"/>
+            <a:off x="1574801" y="1952341"/>
+            <a:ext cx="7863113" cy="2690416"/>
           </a:xfrm>
         </p:spPr>
         <p:txBody>
@@ -31160,243 +31890,39 @@
           <a:lstStyle/>
           <a:p>
             <a:r>
-              <a:rPr lang="zh-CN" altLang="en-US" dirty="0"/>
+              <a:rPr lang="zh-CN" altLang="en-US" sz="9600" dirty="0">
+                <a:latin typeface="Microsoft YaHei UI" panose="020B0503020204020204" pitchFamily="34" charset="-122"/>
+                <a:ea typeface="Microsoft YaHei UI" panose="020B0503020204020204" pitchFamily="34" charset="-122"/>
+              </a:rPr>
+              <a:t>第</a:t>
+            </a:r>
+            <a:r>
+              <a:rPr lang="en-US" altLang="zh-CN" sz="9600" dirty="0">
+                <a:latin typeface="Microsoft YaHei UI" panose="020B0503020204020204" pitchFamily="34" charset="-122"/>
+                <a:ea typeface="Microsoft YaHei UI" panose="020B0503020204020204" pitchFamily="34" charset="-122"/>
+              </a:rPr>
+              <a:t>10</a:t>
+            </a:r>
+            <a:r>
+              <a:rPr lang="zh-CN" altLang="en-US" sz="9600" dirty="0">
+                <a:latin typeface="Microsoft YaHei UI" panose="020B0503020204020204" pitchFamily="34" charset="-122"/>
+                <a:ea typeface="Microsoft YaHei UI" panose="020B0503020204020204" pitchFamily="34" charset="-122"/>
+              </a:rPr>
+              <a:t>章 </a:t>
+            </a:r>
+            <a:br>
+              <a:rPr lang="en-US" altLang="zh-CN" sz="9600" dirty="0"/>
+            </a:br>
+            <a:r>
+              <a:rPr lang="zh-CN" altLang="en-US" sz="9600" dirty="0"/>
               <a:t>参考资料</a:t>
             </a:r>
-          </a:p>
-        </p:txBody>
-      </p:sp>
-      <p:sp>
-        <p:nvSpPr>
-          <p:cNvPr id="3" name="文本框 5"/>
-          <p:cNvSpPr txBox="1"/>
-          <p:nvPr/>
-        </p:nvSpPr>
-        <p:spPr>
-          <a:xfrm>
-            <a:off x="604615" y="1505674"/>
-            <a:ext cx="10877266" cy="2246769"/>
-          </a:xfrm>
-          <a:prstGeom prst="rect">
-            <a:avLst/>
-          </a:prstGeom>
-          <a:noFill/>
-        </p:spPr>
-        <p:txBody>
-          <a:bodyPr wrap="square" rtlCol="0">
-            <a:spAutoFit/>
-          </a:bodyPr>
-          <a:lstStyle/>
-          <a:p>
-            <a:r>
-              <a:rPr lang="zh-CN" altLang="en-US" sz="2000" b="1" dirty="0">
-                <a:solidFill>
-                  <a:schemeClr val="tx1">
-                    <a:lumMod val="50000"/>
-                    <a:lumOff val="50000"/>
-                  </a:schemeClr>
-                </a:solidFill>
-                <a:latin typeface="微软雅黑" panose="020B0503020204020204" pitchFamily="34" charset="-122"/>
-                <a:ea typeface="微软雅黑" panose="020B0503020204020204" pitchFamily="34" charset="-122"/>
-              </a:rPr>
-              <a:t>项目章程</a:t>
-            </a:r>
-          </a:p>
-          <a:p>
-            <a:r>
-              <a:rPr lang="zh-CN" altLang="en-US" sz="2000" b="1" dirty="0">
-                <a:solidFill>
-                  <a:schemeClr val="tx1">
-                    <a:lumMod val="50000"/>
-                    <a:lumOff val="50000"/>
-                  </a:schemeClr>
-                </a:solidFill>
-                <a:latin typeface="微软雅黑" panose="020B0503020204020204" pitchFamily="34" charset="-122"/>
-                <a:ea typeface="微软雅黑" panose="020B0503020204020204" pitchFamily="34" charset="-122"/>
-              </a:rPr>
-              <a:t>百度文库</a:t>
-            </a:r>
-            <a:r>
-              <a:rPr lang="en-US" altLang="zh-CN" sz="2000" b="1" dirty="0">
-                <a:solidFill>
-                  <a:schemeClr val="tx1">
-                    <a:lumMod val="50000"/>
-                    <a:lumOff val="50000"/>
-                  </a:schemeClr>
-                </a:solidFill>
-                <a:latin typeface="微软雅黑" panose="020B0503020204020204" pitchFamily="34" charset="-122"/>
-                <a:ea typeface="微软雅黑" panose="020B0503020204020204" pitchFamily="34" charset="-122"/>
-              </a:rPr>
-              <a:t>--</a:t>
-            </a:r>
-            <a:r>
-              <a:rPr lang="zh-CN" altLang="en-US" sz="2000" b="1" dirty="0">
-                <a:solidFill>
-                  <a:schemeClr val="tx1">
-                    <a:lumMod val="50000"/>
-                    <a:lumOff val="50000"/>
-                  </a:schemeClr>
-                </a:solidFill>
-                <a:latin typeface="微软雅黑" panose="020B0503020204020204" pitchFamily="34" charset="-122"/>
-                <a:ea typeface="微软雅黑" panose="020B0503020204020204" pitchFamily="34" charset="-122"/>
-              </a:rPr>
-              <a:t>需求工程计划</a:t>
-            </a:r>
-            <a:r>
-              <a:rPr lang="en-US" altLang="zh-CN" sz="2000" b="1" dirty="0">
-                <a:solidFill>
-                  <a:schemeClr val="tx1">
-                    <a:lumMod val="50000"/>
-                    <a:lumOff val="50000"/>
-                  </a:schemeClr>
-                </a:solidFill>
-                <a:latin typeface="微软雅黑" panose="020B0503020204020204" pitchFamily="34" charset="-122"/>
-                <a:ea typeface="微软雅黑" panose="020B0503020204020204" pitchFamily="34" charset="-122"/>
-              </a:rPr>
-              <a:t>-</a:t>
-            </a:r>
-            <a:r>
-              <a:rPr lang="zh-CN" altLang="en-US" sz="2000" b="1" dirty="0">
-                <a:solidFill>
-                  <a:schemeClr val="tx1">
-                    <a:lumMod val="50000"/>
-                    <a:lumOff val="50000"/>
-                  </a:schemeClr>
-                </a:solidFill>
-                <a:latin typeface="微软雅黑" panose="020B0503020204020204" pitchFamily="34" charset="-122"/>
-                <a:ea typeface="微软雅黑" panose="020B0503020204020204" pitchFamily="34" charset="-122"/>
-              </a:rPr>
-              <a:t>初步模板，</a:t>
-            </a:r>
-          </a:p>
-          <a:p>
-            <a:r>
-              <a:rPr lang="en-US" altLang="zh-CN" sz="2000" b="1" dirty="0">
-                <a:solidFill>
-                  <a:schemeClr val="tx1">
-                    <a:lumMod val="50000"/>
-                    <a:lumOff val="50000"/>
-                  </a:schemeClr>
-                </a:solidFill>
-                <a:latin typeface="微软雅黑" panose="020B0503020204020204" pitchFamily="34" charset="-122"/>
-                <a:ea typeface="微软雅黑" panose="020B0503020204020204" pitchFamily="34" charset="-122"/>
-                <a:hlinkClick r:id="rId2"/>
-              </a:rPr>
-              <a:t>http://wenku.baidu.com/link?url=2vQ4d4SoRVorLmbRLWlgyanScSDFLph_oTwHyUZJQJx_lYmBWJlpidjMQoBUDnEFyY70nIqXFBGoLw77N1IZtTMqHRXNv_Ao82EOBp9lCDi</a:t>
-            </a:r>
-            <a:r>
-              <a:rPr lang="zh-CN" altLang="en-US" sz="2000" b="1" dirty="0">
-                <a:solidFill>
-                  <a:schemeClr val="tx1">
-                    <a:lumMod val="50000"/>
-                    <a:lumOff val="50000"/>
-                  </a:schemeClr>
-                </a:solidFill>
-                <a:latin typeface="微软雅黑" panose="020B0503020204020204" pitchFamily="34" charset="-122"/>
-                <a:ea typeface="微软雅黑" panose="020B0503020204020204" pitchFamily="34" charset="-122"/>
-                <a:hlinkClick r:id="rId2"/>
-              </a:rPr>
-              <a:t>，</a:t>
-            </a:r>
-            <a:r>
-              <a:rPr lang="en-US" altLang="zh-CN" sz="2000" b="1" dirty="0">
-                <a:solidFill>
-                  <a:schemeClr val="tx1">
-                    <a:lumMod val="50000"/>
-                    <a:lumOff val="50000"/>
-                  </a:schemeClr>
-                </a:solidFill>
-                <a:latin typeface="微软雅黑" panose="020B0503020204020204" pitchFamily="34" charset="-122"/>
-                <a:ea typeface="微软雅黑" panose="020B0503020204020204" pitchFamily="34" charset="-122"/>
-                <a:hlinkClick r:id="rId2"/>
-              </a:rPr>
-              <a:t>20150929</a:t>
-            </a:r>
-            <a:endParaRPr lang="en-US" altLang="zh-CN" sz="2000" b="1" dirty="0">
-              <a:solidFill>
-                <a:schemeClr val="tx1">
-                  <a:lumMod val="50000"/>
-                  <a:lumOff val="50000"/>
-                </a:schemeClr>
-              </a:solidFill>
-              <a:latin typeface="微软雅黑" panose="020B0503020204020204" pitchFamily="34" charset="-122"/>
-              <a:ea typeface="微软雅黑" panose="020B0503020204020204" pitchFamily="34" charset="-122"/>
-            </a:endParaRPr>
-          </a:p>
-          <a:p>
-            <a:r>
-              <a:rPr lang="en-US" altLang="zh-CN" sz="2000" b="1" dirty="0">
-                <a:solidFill>
-                  <a:schemeClr val="tx1">
-                    <a:lumMod val="50000"/>
-                    <a:lumOff val="50000"/>
-                  </a:schemeClr>
-                </a:solidFill>
-                <a:latin typeface="微软雅黑" panose="020B0503020204020204" pitchFamily="34" charset="-122"/>
-                <a:ea typeface="微软雅黑" panose="020B0503020204020204" pitchFamily="34" charset="-122"/>
-              </a:rPr>
-              <a:t>《</a:t>
-            </a:r>
-            <a:r>
-              <a:rPr lang="zh-CN" altLang="en-US" sz="2000" b="1" dirty="0">
-                <a:solidFill>
-                  <a:schemeClr val="tx1">
-                    <a:lumMod val="50000"/>
-                    <a:lumOff val="50000"/>
-                  </a:schemeClr>
-                </a:solidFill>
-                <a:latin typeface="微软雅黑" panose="020B0503020204020204" pitchFamily="34" charset="-122"/>
-                <a:ea typeface="微软雅黑" panose="020B0503020204020204" pitchFamily="34" charset="-122"/>
-              </a:rPr>
-              <a:t>软件需求（第三版）</a:t>
-            </a:r>
-            <a:r>
-              <a:rPr lang="en-US" altLang="zh-CN" sz="2000" b="1" dirty="0">
-                <a:solidFill>
-                  <a:schemeClr val="tx1">
-                    <a:lumMod val="50000"/>
-                    <a:lumOff val="50000"/>
-                  </a:schemeClr>
-                </a:solidFill>
-                <a:latin typeface="微软雅黑" panose="020B0503020204020204" pitchFamily="34" charset="-122"/>
-                <a:ea typeface="微软雅黑" panose="020B0503020204020204" pitchFamily="34" charset="-122"/>
-              </a:rPr>
-              <a:t>》 </a:t>
-            </a:r>
-            <a:r>
-              <a:rPr lang="zh-CN" altLang="en-US" sz="2000" b="1" dirty="0">
-                <a:solidFill>
-                  <a:schemeClr val="tx1">
-                    <a:lumMod val="50000"/>
-                    <a:lumOff val="50000"/>
-                  </a:schemeClr>
-                </a:solidFill>
-                <a:latin typeface="微软雅黑" panose="020B0503020204020204" pitchFamily="34" charset="-122"/>
-                <a:ea typeface="微软雅黑" panose="020B0503020204020204" pitchFamily="34" charset="-122"/>
-              </a:rPr>
-              <a:t>清华大学出版社</a:t>
-            </a:r>
-            <a:endParaRPr lang="en-US" altLang="zh-CN" sz="2000" b="1" dirty="0">
-              <a:solidFill>
-                <a:schemeClr val="tx1">
-                  <a:lumMod val="50000"/>
-                  <a:lumOff val="50000"/>
-                </a:schemeClr>
-              </a:solidFill>
-              <a:latin typeface="微软雅黑" panose="020B0503020204020204" pitchFamily="34" charset="-122"/>
-              <a:ea typeface="微软雅黑" panose="020B0503020204020204" pitchFamily="34" charset="-122"/>
-            </a:endParaRPr>
-          </a:p>
-          <a:p>
-            <a:endParaRPr lang="en-US" altLang="zh-CN" sz="2000" b="1" dirty="0">
-              <a:solidFill>
-                <a:schemeClr val="tx1">
-                  <a:lumMod val="50000"/>
-                  <a:lumOff val="50000"/>
-                </a:schemeClr>
-              </a:solidFill>
-              <a:latin typeface="微软雅黑" panose="020B0503020204020204" pitchFamily="34" charset="-122"/>
-              <a:ea typeface="微软雅黑" panose="020B0503020204020204" pitchFamily="34" charset="-122"/>
+            <a:br>
+              <a:rPr lang="zh-CN" altLang="en-US" sz="9600" dirty="0"/>
+            </a:br>
+            <a:endParaRPr lang="zh-CN" sz="9600" dirty="0">
+              <a:latin typeface="Microsoft YaHei UI" panose="020B0503020204020204" pitchFamily="34" charset="-122"/>
+              <a:ea typeface="Microsoft YaHei UI" panose="020B0503020204020204" pitchFamily="34" charset="-122"/>
             </a:endParaRPr>
           </a:p>
         </p:txBody>
@@ -31404,7 +31930,7 @@
     </p:spTree>
     <p:extLst>
       <p:ext uri="{BB962C8B-B14F-4D97-AF65-F5344CB8AC3E}">
-        <p14:creationId xmlns:p14="http://schemas.microsoft.com/office/powerpoint/2010/main" val="2771957639"/>
+        <p14:creationId xmlns:p14="http://schemas.microsoft.com/office/powerpoint/2010/main" val="1063305242"/>
       </p:ext>
     </p:extLst>
   </p:cSld>
@@ -31443,8 +31969,8 @@
         </p:nvSpPr>
         <p:spPr>
           <a:xfrm>
-            <a:off x="1574801" y="1952341"/>
-            <a:ext cx="7863113" cy="2690416"/>
+            <a:off x="646111" y="452718"/>
+            <a:ext cx="9404723" cy="1400530"/>
           </a:xfrm>
         </p:spPr>
         <p:txBody>
@@ -31452,39 +31978,243 @@
           <a:lstStyle/>
           <a:p>
             <a:r>
-              <a:rPr lang="zh-CN" altLang="en-US" sz="9600" dirty="0">
-                <a:latin typeface="Microsoft YaHei UI" panose="020B0503020204020204" pitchFamily="34" charset="-122"/>
-                <a:ea typeface="Microsoft YaHei UI" panose="020B0503020204020204" pitchFamily="34" charset="-122"/>
+              <a:rPr lang="zh-CN" altLang="en-US" dirty="0"/>
+              <a:t>参考资料</a:t>
+            </a:r>
+          </a:p>
+        </p:txBody>
+      </p:sp>
+      <p:sp>
+        <p:nvSpPr>
+          <p:cNvPr id="3" name="文本框 5"/>
+          <p:cNvSpPr txBox="1"/>
+          <p:nvPr/>
+        </p:nvSpPr>
+        <p:spPr>
+          <a:xfrm>
+            <a:off x="604615" y="1505674"/>
+            <a:ext cx="10877266" cy="2246769"/>
+          </a:xfrm>
+          <a:prstGeom prst="rect">
+            <a:avLst/>
+          </a:prstGeom>
+          <a:noFill/>
+        </p:spPr>
+        <p:txBody>
+          <a:bodyPr wrap="square" rtlCol="0">
+            <a:spAutoFit/>
+          </a:bodyPr>
+          <a:lstStyle/>
+          <a:p>
+            <a:r>
+              <a:rPr lang="zh-CN" altLang="en-US" sz="2000" b="1" dirty="0">
+                <a:solidFill>
+                  <a:schemeClr val="tx1">
+                    <a:lumMod val="50000"/>
+                    <a:lumOff val="50000"/>
+                  </a:schemeClr>
+                </a:solidFill>
+                <a:latin typeface="微软雅黑" panose="020B0503020204020204" pitchFamily="34" charset="-122"/>
+                <a:ea typeface="微软雅黑" panose="020B0503020204020204" pitchFamily="34" charset="-122"/>
               </a:rPr>
-              <a:t>第</a:t>
-            </a:r>
-            <a:r>
-              <a:rPr lang="en-US" altLang="zh-CN" sz="9600" dirty="0">
-                <a:latin typeface="Microsoft YaHei UI" panose="020B0503020204020204" pitchFamily="34" charset="-122"/>
-                <a:ea typeface="Microsoft YaHei UI" panose="020B0503020204020204" pitchFamily="34" charset="-122"/>
+              <a:t>项目章程</a:t>
+            </a:r>
+          </a:p>
+          <a:p>
+            <a:r>
+              <a:rPr lang="zh-CN" altLang="en-US" sz="2000" b="1" dirty="0">
+                <a:solidFill>
+                  <a:schemeClr val="tx1">
+                    <a:lumMod val="50000"/>
+                    <a:lumOff val="50000"/>
+                  </a:schemeClr>
+                </a:solidFill>
+                <a:latin typeface="微软雅黑" panose="020B0503020204020204" pitchFamily="34" charset="-122"/>
+                <a:ea typeface="微软雅黑" panose="020B0503020204020204" pitchFamily="34" charset="-122"/>
               </a:rPr>
-              <a:t>11</a:t>
-            </a:r>
-            <a:r>
-              <a:rPr lang="zh-CN" altLang="en-US" sz="9600" dirty="0">
-                <a:latin typeface="Microsoft YaHei UI" panose="020B0503020204020204" pitchFamily="34" charset="-122"/>
-                <a:ea typeface="Microsoft YaHei UI" panose="020B0503020204020204" pitchFamily="34" charset="-122"/>
+              <a:t>百度文库</a:t>
+            </a:r>
+            <a:r>
+              <a:rPr lang="en-US" altLang="zh-CN" sz="2000" b="1" dirty="0">
+                <a:solidFill>
+                  <a:schemeClr val="tx1">
+                    <a:lumMod val="50000"/>
+                    <a:lumOff val="50000"/>
+                  </a:schemeClr>
+                </a:solidFill>
+                <a:latin typeface="微软雅黑" panose="020B0503020204020204" pitchFamily="34" charset="-122"/>
+                <a:ea typeface="微软雅黑" panose="020B0503020204020204" pitchFamily="34" charset="-122"/>
               </a:rPr>
-              <a:t>章 </a:t>
-            </a:r>
-            <a:br>
-              <a:rPr lang="en-US" altLang="zh-CN" sz="9600" dirty="0"/>
-            </a:br>
-            <a:r>
-              <a:rPr lang="zh-CN" altLang="en-US" sz="9600" dirty="0"/>
-              <a:t>小组分工</a:t>
-            </a:r>
-            <a:br>
-              <a:rPr lang="zh-CN" altLang="en-US" sz="9600" dirty="0"/>
-            </a:br>
-            <a:endParaRPr lang="zh-CN" sz="9600" dirty="0">
-              <a:latin typeface="Microsoft YaHei UI" panose="020B0503020204020204" pitchFamily="34" charset="-122"/>
-              <a:ea typeface="Microsoft YaHei UI" panose="020B0503020204020204" pitchFamily="34" charset="-122"/>
+              <a:t>--</a:t>
+            </a:r>
+            <a:r>
+              <a:rPr lang="zh-CN" altLang="en-US" sz="2000" b="1" dirty="0">
+                <a:solidFill>
+                  <a:schemeClr val="tx1">
+                    <a:lumMod val="50000"/>
+                    <a:lumOff val="50000"/>
+                  </a:schemeClr>
+                </a:solidFill>
+                <a:latin typeface="微软雅黑" panose="020B0503020204020204" pitchFamily="34" charset="-122"/>
+                <a:ea typeface="微软雅黑" panose="020B0503020204020204" pitchFamily="34" charset="-122"/>
+              </a:rPr>
+              <a:t>需求工程计划</a:t>
+            </a:r>
+            <a:r>
+              <a:rPr lang="en-US" altLang="zh-CN" sz="2000" b="1" dirty="0">
+                <a:solidFill>
+                  <a:schemeClr val="tx1">
+                    <a:lumMod val="50000"/>
+                    <a:lumOff val="50000"/>
+                  </a:schemeClr>
+                </a:solidFill>
+                <a:latin typeface="微软雅黑" panose="020B0503020204020204" pitchFamily="34" charset="-122"/>
+                <a:ea typeface="微软雅黑" panose="020B0503020204020204" pitchFamily="34" charset="-122"/>
+              </a:rPr>
+              <a:t>-</a:t>
+            </a:r>
+            <a:r>
+              <a:rPr lang="zh-CN" altLang="en-US" sz="2000" b="1" dirty="0">
+                <a:solidFill>
+                  <a:schemeClr val="tx1">
+                    <a:lumMod val="50000"/>
+                    <a:lumOff val="50000"/>
+                  </a:schemeClr>
+                </a:solidFill>
+                <a:latin typeface="微软雅黑" panose="020B0503020204020204" pitchFamily="34" charset="-122"/>
+                <a:ea typeface="微软雅黑" panose="020B0503020204020204" pitchFamily="34" charset="-122"/>
+              </a:rPr>
+              <a:t>初步模板，</a:t>
+            </a:r>
+          </a:p>
+          <a:p>
+            <a:r>
+              <a:rPr lang="en-US" altLang="zh-CN" sz="2000" b="1" dirty="0">
+                <a:solidFill>
+                  <a:schemeClr val="tx1">
+                    <a:lumMod val="50000"/>
+                    <a:lumOff val="50000"/>
+                  </a:schemeClr>
+                </a:solidFill>
+                <a:latin typeface="微软雅黑" panose="020B0503020204020204" pitchFamily="34" charset="-122"/>
+                <a:ea typeface="微软雅黑" panose="020B0503020204020204" pitchFamily="34" charset="-122"/>
+                <a:hlinkClick r:id="rId2"/>
+              </a:rPr>
+              <a:t>http://wenku.baidu.com/link?url=2vQ4d4SoRVorLmbRLWlgyanScSDFLph_oTwHyUZJQJx_lYmBWJlpidjMQoBUDnEFyY70nIqXFBGoLw77N1IZtTMqHRXNv_Ao82EOBp9lCDi</a:t>
+            </a:r>
+            <a:r>
+              <a:rPr lang="zh-CN" altLang="en-US" sz="2000" b="1" dirty="0">
+                <a:solidFill>
+                  <a:schemeClr val="tx1">
+                    <a:lumMod val="50000"/>
+                    <a:lumOff val="50000"/>
+                  </a:schemeClr>
+                </a:solidFill>
+                <a:latin typeface="微软雅黑" panose="020B0503020204020204" pitchFamily="34" charset="-122"/>
+                <a:ea typeface="微软雅黑" panose="020B0503020204020204" pitchFamily="34" charset="-122"/>
+                <a:hlinkClick r:id="rId2"/>
+              </a:rPr>
+              <a:t>，</a:t>
+            </a:r>
+            <a:r>
+              <a:rPr lang="en-US" altLang="zh-CN" sz="2000" b="1" dirty="0">
+                <a:solidFill>
+                  <a:schemeClr val="tx1">
+                    <a:lumMod val="50000"/>
+                    <a:lumOff val="50000"/>
+                  </a:schemeClr>
+                </a:solidFill>
+                <a:latin typeface="微软雅黑" panose="020B0503020204020204" pitchFamily="34" charset="-122"/>
+                <a:ea typeface="微软雅黑" panose="020B0503020204020204" pitchFamily="34" charset="-122"/>
+                <a:hlinkClick r:id="rId2"/>
+              </a:rPr>
+              <a:t>20150929</a:t>
+            </a:r>
+            <a:endParaRPr lang="en-US" altLang="zh-CN" sz="2000" b="1" dirty="0">
+              <a:solidFill>
+                <a:schemeClr val="tx1">
+                  <a:lumMod val="50000"/>
+                  <a:lumOff val="50000"/>
+                </a:schemeClr>
+              </a:solidFill>
+              <a:latin typeface="微软雅黑" panose="020B0503020204020204" pitchFamily="34" charset="-122"/>
+              <a:ea typeface="微软雅黑" panose="020B0503020204020204" pitchFamily="34" charset="-122"/>
+            </a:endParaRPr>
+          </a:p>
+          <a:p>
+            <a:r>
+              <a:rPr lang="en-US" altLang="zh-CN" sz="2000" b="1" dirty="0">
+                <a:solidFill>
+                  <a:schemeClr val="tx1">
+                    <a:lumMod val="50000"/>
+                    <a:lumOff val="50000"/>
+                  </a:schemeClr>
+                </a:solidFill>
+                <a:latin typeface="微软雅黑" panose="020B0503020204020204" pitchFamily="34" charset="-122"/>
+                <a:ea typeface="微软雅黑" panose="020B0503020204020204" pitchFamily="34" charset="-122"/>
+              </a:rPr>
+              <a:t>《</a:t>
+            </a:r>
+            <a:r>
+              <a:rPr lang="zh-CN" altLang="en-US" sz="2000" b="1" dirty="0">
+                <a:solidFill>
+                  <a:schemeClr val="tx1">
+                    <a:lumMod val="50000"/>
+                    <a:lumOff val="50000"/>
+                  </a:schemeClr>
+                </a:solidFill>
+                <a:latin typeface="微软雅黑" panose="020B0503020204020204" pitchFamily="34" charset="-122"/>
+                <a:ea typeface="微软雅黑" panose="020B0503020204020204" pitchFamily="34" charset="-122"/>
+              </a:rPr>
+              <a:t>软件需求（第三版）</a:t>
+            </a:r>
+            <a:r>
+              <a:rPr lang="en-US" altLang="zh-CN" sz="2000" b="1" dirty="0">
+                <a:solidFill>
+                  <a:schemeClr val="tx1">
+                    <a:lumMod val="50000"/>
+                    <a:lumOff val="50000"/>
+                  </a:schemeClr>
+                </a:solidFill>
+                <a:latin typeface="微软雅黑" panose="020B0503020204020204" pitchFamily="34" charset="-122"/>
+                <a:ea typeface="微软雅黑" panose="020B0503020204020204" pitchFamily="34" charset="-122"/>
+              </a:rPr>
+              <a:t>》 </a:t>
+            </a:r>
+            <a:r>
+              <a:rPr lang="zh-CN" altLang="en-US" sz="2000" b="1" dirty="0">
+                <a:solidFill>
+                  <a:schemeClr val="tx1">
+                    <a:lumMod val="50000"/>
+                    <a:lumOff val="50000"/>
+                  </a:schemeClr>
+                </a:solidFill>
+                <a:latin typeface="微软雅黑" panose="020B0503020204020204" pitchFamily="34" charset="-122"/>
+                <a:ea typeface="微软雅黑" panose="020B0503020204020204" pitchFamily="34" charset="-122"/>
+              </a:rPr>
+              <a:t>清华大学出版社</a:t>
+            </a:r>
+            <a:endParaRPr lang="en-US" altLang="zh-CN" sz="2000" b="1" dirty="0">
+              <a:solidFill>
+                <a:schemeClr val="tx1">
+                  <a:lumMod val="50000"/>
+                  <a:lumOff val="50000"/>
+                </a:schemeClr>
+              </a:solidFill>
+              <a:latin typeface="微软雅黑" panose="020B0503020204020204" pitchFamily="34" charset="-122"/>
+              <a:ea typeface="微软雅黑" panose="020B0503020204020204" pitchFamily="34" charset="-122"/>
+            </a:endParaRPr>
+          </a:p>
+          <a:p>
+            <a:endParaRPr lang="en-US" altLang="zh-CN" sz="2000" b="1" dirty="0">
+              <a:solidFill>
+                <a:schemeClr val="tx1">
+                  <a:lumMod val="50000"/>
+                  <a:lumOff val="50000"/>
+                </a:schemeClr>
+              </a:solidFill>
+              <a:latin typeface="微软雅黑" panose="020B0503020204020204" pitchFamily="34" charset="-122"/>
+              <a:ea typeface="微软雅黑" panose="020B0503020204020204" pitchFamily="34" charset="-122"/>
             </a:endParaRPr>
           </a:p>
         </p:txBody>
@@ -31492,7 +32222,7 @@
     </p:spTree>
     <p:extLst>
       <p:ext uri="{BB962C8B-B14F-4D97-AF65-F5344CB8AC3E}">
-        <p14:creationId xmlns:p14="http://schemas.microsoft.com/office/powerpoint/2010/main" val="2614912902"/>
+        <p14:creationId xmlns:p14="http://schemas.microsoft.com/office/powerpoint/2010/main" val="2771957639"/>
       </p:ext>
     </p:extLst>
   </p:cSld>
@@ -31531,8 +32261,8 @@
         </p:nvSpPr>
         <p:spPr>
           <a:xfrm>
-            <a:off x="646111" y="452718"/>
-            <a:ext cx="9404723" cy="1400530"/>
+            <a:off x="1574801" y="1952341"/>
+            <a:ext cx="7863113" cy="2690416"/>
           </a:xfrm>
         </p:spPr>
         <p:txBody>
@@ -31540,213 +32270,47 @@
           <a:lstStyle/>
           <a:p>
             <a:r>
-              <a:rPr lang="zh-CN" altLang="en-US" dirty="0"/>
-              <a:t>经费计算</a:t>
-            </a:r>
-          </a:p>
-        </p:txBody>
-      </p:sp>
-      <p:sp>
-        <p:nvSpPr>
-          <p:cNvPr id="4" name="文本框 3">
-            <a:extLst>
-              <a:ext uri="{FF2B5EF4-FFF2-40B4-BE49-F238E27FC236}">
-                <a16:creationId xmlns:a16="http://schemas.microsoft.com/office/drawing/2014/main" id="{00BC4346-2A34-4211-89A7-4BB48D5913EA}"/>
-              </a:ext>
-            </a:extLst>
-          </p:cNvPr>
-          <p:cNvSpPr txBox="1"/>
-          <p:nvPr/>
-        </p:nvSpPr>
-        <p:spPr>
-          <a:xfrm>
-            <a:off x="646111" y="1754878"/>
-            <a:ext cx="8720920" cy="3046988"/>
-          </a:xfrm>
-          <a:prstGeom prst="rect">
-            <a:avLst/>
-          </a:prstGeom>
-          <a:noFill/>
-        </p:spPr>
-        <p:txBody>
-          <a:bodyPr wrap="square" rtlCol="0">
-            <a:spAutoFit/>
-          </a:bodyPr>
-          <a:lstStyle/>
-          <a:p>
-            <a:r>
-              <a:rPr lang="zh-CN" altLang="en-US" sz="1600" b="1" dirty="0">
-                <a:solidFill>
-                  <a:schemeClr val="tx1">
-                    <a:lumMod val="50000"/>
-                    <a:lumOff val="50000"/>
-                  </a:schemeClr>
-                </a:solidFill>
-                <a:latin typeface="微软雅黑" panose="020B0503020204020204" pitchFamily="34" charset="-122"/>
-                <a:ea typeface="微软雅黑" panose="020B0503020204020204" pitchFamily="34" charset="-122"/>
+              <a:rPr lang="zh-CN" altLang="en-US" sz="9600" dirty="0">
+                <a:latin typeface="Microsoft YaHei UI" panose="020B0503020204020204" pitchFamily="34" charset="-122"/>
+                <a:ea typeface="Microsoft YaHei UI" panose="020B0503020204020204" pitchFamily="34" charset="-122"/>
               </a:rPr>
-              <a:t>姚天恒：</a:t>
-            </a:r>
-            <a:r>
-              <a:rPr lang="en-US" altLang="zh-CN" sz="1600" b="1" dirty="0">
-                <a:solidFill>
-                  <a:schemeClr val="tx1">
-                    <a:lumMod val="50000"/>
-                    <a:lumOff val="50000"/>
-                  </a:schemeClr>
-                </a:solidFill>
-                <a:latin typeface="微软雅黑" panose="020B0503020204020204" pitchFamily="34" charset="-122"/>
-                <a:ea typeface="微软雅黑" panose="020B0503020204020204" pitchFamily="34" charset="-122"/>
+              <a:t>第</a:t>
+            </a:r>
+            <a:r>
+              <a:rPr lang="en-US" altLang="zh-CN" sz="9600" dirty="0">
+                <a:latin typeface="Microsoft YaHei UI" panose="020B0503020204020204" pitchFamily="34" charset="-122"/>
+                <a:ea typeface="Microsoft YaHei UI" panose="020B0503020204020204" pitchFamily="34" charset="-122"/>
               </a:rPr>
-              <a:t>2.4+2.4+3.6+3.2+2.4+1.6+1.6+1.2+3.2+1.2+2.4+2.4+2.4+3.2+3.2=36.4*30=1092</a:t>
-            </a:r>
-          </a:p>
-          <a:p>
-            <a:r>
-              <a:rPr lang="zh-CN" altLang="en-US" sz="1600" b="1" dirty="0">
-                <a:solidFill>
-                  <a:schemeClr val="tx1">
-                    <a:lumMod val="50000"/>
-                    <a:lumOff val="50000"/>
-                  </a:schemeClr>
-                </a:solidFill>
-                <a:latin typeface="微软雅黑" panose="020B0503020204020204" pitchFamily="34" charset="-122"/>
-                <a:ea typeface="微软雅黑" panose="020B0503020204020204" pitchFamily="34" charset="-122"/>
+              <a:t>11</a:t>
+            </a:r>
+            <a:r>
+              <a:rPr lang="zh-CN" altLang="en-US" sz="9600" dirty="0">
+                <a:latin typeface="Microsoft YaHei UI" panose="020B0503020204020204" pitchFamily="34" charset="-122"/>
+                <a:ea typeface="Microsoft YaHei UI" panose="020B0503020204020204" pitchFamily="34" charset="-122"/>
               </a:rPr>
-              <a:t>吴思楠：</a:t>
-            </a:r>
-            <a:r>
-              <a:rPr lang="en-US" altLang="zh-CN" sz="1600" b="1" dirty="0">
-                <a:solidFill>
-                  <a:schemeClr val="tx1">
-                    <a:lumMod val="50000"/>
-                    <a:lumOff val="50000"/>
-                  </a:schemeClr>
-                </a:solidFill>
-                <a:latin typeface="微软雅黑" panose="020B0503020204020204" pitchFamily="34" charset="-122"/>
-                <a:ea typeface="微软雅黑" panose="020B0503020204020204" pitchFamily="34" charset="-122"/>
-              </a:rPr>
-              <a:t>3.2+3.2+4.8+2.4+3.2+1.6+1.2+1.6+3.2+1.6+3.2+2.4+3.2+3.2+2.4=40.4*30=1212</a:t>
-            </a:r>
-          </a:p>
-          <a:p>
-            <a:r>
-              <a:rPr lang="zh-CN" altLang="en-US" sz="1600" b="1" dirty="0">
-                <a:solidFill>
-                  <a:schemeClr val="tx1">
-                    <a:lumMod val="50000"/>
-                    <a:lumOff val="50000"/>
-                  </a:schemeClr>
-                </a:solidFill>
-                <a:latin typeface="微软雅黑" panose="020B0503020204020204" pitchFamily="34" charset="-122"/>
-                <a:ea typeface="微软雅黑" panose="020B0503020204020204" pitchFamily="34" charset="-122"/>
-              </a:rPr>
-              <a:t>叶家威：</a:t>
-            </a:r>
-            <a:r>
-              <a:rPr lang="en-US" altLang="zh-CN" sz="1600" b="1" dirty="0">
-                <a:solidFill>
-                  <a:schemeClr val="tx1">
-                    <a:lumMod val="50000"/>
-                    <a:lumOff val="50000"/>
-                  </a:schemeClr>
-                </a:solidFill>
-                <a:latin typeface="微软雅黑" panose="020B0503020204020204" pitchFamily="34" charset="-122"/>
-                <a:ea typeface="微软雅黑" panose="020B0503020204020204" pitchFamily="34" charset="-122"/>
-              </a:rPr>
-              <a:t>2.4+2.4+4.8+3.2+3.2+1.2+1.6+1.2+2.4+1.2+2.4+2.4+3.2+2.4+2.4=36.4*30=1092</a:t>
-            </a:r>
-          </a:p>
-          <a:p>
-            <a:r>
-              <a:rPr lang="zh-CN" altLang="en-US" sz="1600" b="1" dirty="0">
-                <a:solidFill>
-                  <a:schemeClr val="tx1">
-                    <a:lumMod val="50000"/>
-                    <a:lumOff val="50000"/>
-                  </a:schemeClr>
-                </a:solidFill>
-                <a:latin typeface="微软雅黑" panose="020B0503020204020204" pitchFamily="34" charset="-122"/>
-                <a:ea typeface="微软雅黑" panose="020B0503020204020204" pitchFamily="34" charset="-122"/>
-              </a:rPr>
-              <a:t>沈舸帆：</a:t>
-            </a:r>
-            <a:r>
-              <a:rPr lang="en-US" altLang="zh-CN" sz="1600" b="1" dirty="0">
-                <a:solidFill>
-                  <a:schemeClr val="tx1">
-                    <a:lumMod val="50000"/>
-                    <a:lumOff val="50000"/>
-                  </a:schemeClr>
-                </a:solidFill>
-                <a:latin typeface="微软雅黑" panose="020B0503020204020204" pitchFamily="34" charset="-122"/>
-                <a:ea typeface="微软雅黑" panose="020B0503020204020204" pitchFamily="34" charset="-122"/>
-              </a:rPr>
-              <a:t>3.2+2.4+3.6+3.2+2.4+1.6+1.2+1.6+3.2+1.6+3.2+2.4+2.4+3.2+3.2=38.4*30=1152</a:t>
-            </a:r>
-          </a:p>
-          <a:p>
-            <a:r>
-              <a:rPr lang="zh-CN" altLang="en-US" sz="1600" b="1" dirty="0">
-                <a:solidFill>
-                  <a:schemeClr val="tx1">
-                    <a:lumMod val="50000"/>
-                    <a:lumOff val="50000"/>
-                  </a:schemeClr>
-                </a:solidFill>
-                <a:latin typeface="微软雅黑" panose="020B0503020204020204" pitchFamily="34" charset="-122"/>
-                <a:ea typeface="微软雅黑" panose="020B0503020204020204" pitchFamily="34" charset="-122"/>
-              </a:rPr>
-              <a:t>沈家豪：</a:t>
-            </a:r>
-            <a:r>
-              <a:rPr lang="en-US" altLang="zh-CN" sz="1600" b="1" dirty="0">
-                <a:solidFill>
-                  <a:schemeClr val="tx1">
-                    <a:lumMod val="50000"/>
-                    <a:lumOff val="50000"/>
-                  </a:schemeClr>
-                </a:solidFill>
-                <a:latin typeface="微软雅黑" panose="020B0503020204020204" pitchFamily="34" charset="-122"/>
-                <a:ea typeface="微软雅黑" panose="020B0503020204020204" pitchFamily="34" charset="-122"/>
-              </a:rPr>
-              <a:t>2.4+3.2+4.8+2.4+3.2+1.2+1.6+1.6+2.4+1.6+3.2+2.4+3.2+2.4+3.2=38.8*30=1164</a:t>
-            </a:r>
-          </a:p>
-          <a:p>
-            <a:r>
-              <a:rPr lang="zh-CN" altLang="en-US" sz="1600" b="1" dirty="0">
-                <a:solidFill>
-                  <a:schemeClr val="tx1">
-                    <a:lumMod val="50000"/>
-                    <a:lumOff val="50000"/>
-                  </a:schemeClr>
-                </a:solidFill>
-                <a:latin typeface="微软雅黑" panose="020B0503020204020204" pitchFamily="34" charset="-122"/>
-                <a:ea typeface="微软雅黑" panose="020B0503020204020204" pitchFamily="34" charset="-122"/>
-              </a:rPr>
-              <a:t>汤志东：</a:t>
-            </a:r>
-            <a:r>
-              <a:rPr lang="en-US" altLang="zh-CN" sz="1600" b="1" dirty="0">
-                <a:solidFill>
-                  <a:schemeClr val="tx1">
-                    <a:lumMod val="50000"/>
-                    <a:lumOff val="50000"/>
-                  </a:schemeClr>
-                </a:solidFill>
-                <a:latin typeface="微软雅黑" panose="020B0503020204020204" pitchFamily="34" charset="-122"/>
-                <a:ea typeface="微软雅黑" panose="020B0503020204020204" pitchFamily="34" charset="-122"/>
-              </a:rPr>
-              <a:t>2.4+2.4+2.4+1.6+1.6+0.8+0.8+0.8+1.6+0.8+1.6+1.6+1.6+1.6+1.6=23.2*30=696</a:t>
-            </a:r>
+              <a:t>章 </a:t>
+            </a:r>
+            <a:br>
+              <a:rPr lang="en-US" altLang="zh-CN" sz="9600" dirty="0"/>
+            </a:br>
+            <a:r>
+              <a:rPr lang="zh-CN" altLang="en-US" sz="9600" dirty="0"/>
+              <a:t>小组分工</a:t>
+            </a:r>
+            <a:br>
+              <a:rPr lang="zh-CN" altLang="en-US" sz="9600" dirty="0"/>
+            </a:br>
+            <a:endParaRPr lang="zh-CN" sz="9600" dirty="0">
+              <a:latin typeface="Microsoft YaHei UI" panose="020B0503020204020204" pitchFamily="34" charset="-122"/>
+              <a:ea typeface="Microsoft YaHei UI" panose="020B0503020204020204" pitchFamily="34" charset="-122"/>
+            </a:endParaRPr>
           </a:p>
         </p:txBody>
       </p:sp>
     </p:spTree>
     <p:extLst>
       <p:ext uri="{BB962C8B-B14F-4D97-AF65-F5344CB8AC3E}">
-        <p14:creationId xmlns:p14="http://schemas.microsoft.com/office/powerpoint/2010/main" val="703654866"/>
+        <p14:creationId xmlns:p14="http://schemas.microsoft.com/office/powerpoint/2010/main" val="2614912902"/>
       </p:ext>
     </p:extLst>
   </p:cSld>
@@ -31795,7 +32359,7 @@
           <a:p>
             <a:r>
               <a:rPr lang="zh-CN" altLang="en-US" dirty="0"/>
-              <a:t>小组分工</a:t>
+              <a:t>组员打分</a:t>
             </a:r>
           </a:p>
         </p:txBody>
@@ -31814,8 +32378,8 @@
         </p:nvSpPr>
         <p:spPr>
           <a:xfrm>
-            <a:off x="988012" y="1738100"/>
-            <a:ext cx="8720920" cy="2677656"/>
+            <a:off x="646111" y="1754878"/>
+            <a:ext cx="8720920" cy="1569660"/>
           </a:xfrm>
           <a:prstGeom prst="rect">
             <a:avLst/>
@@ -31829,7 +32393,7 @@
           <a:lstStyle/>
           <a:p>
             <a:r>
-              <a:rPr lang="zh-CN" altLang="en-US" sz="2800" b="1" dirty="0">
+              <a:rPr lang="zh-CN" altLang="en-US" sz="1600" b="1" dirty="0">
                 <a:solidFill>
                   <a:schemeClr val="tx1">
                     <a:lumMod val="50000"/>
@@ -31839,10 +32403,10 @@
                 <a:latin typeface="微软雅黑" panose="020B0503020204020204" pitchFamily="34" charset="-122"/>
                 <a:ea typeface="微软雅黑" panose="020B0503020204020204" pitchFamily="34" charset="-122"/>
               </a:rPr>
-              <a:t>吴思楠：第</a:t>
-            </a:r>
-            <a:r>
-              <a:rPr lang="en-US" altLang="zh-CN" sz="2800" b="1" dirty="0">
+              <a:t>吴思楠：</a:t>
+            </a:r>
+            <a:r>
+              <a:rPr lang="en-US" altLang="zh-CN" sz="1600" b="1" dirty="0">
                 <a:solidFill>
                   <a:schemeClr val="tx1">
                     <a:lumMod val="50000"/>
@@ -31852,10 +32416,12 @@
                 <a:latin typeface="微软雅黑" panose="020B0503020204020204" pitchFamily="34" charset="-122"/>
                 <a:ea typeface="微软雅黑" panose="020B0503020204020204" pitchFamily="34" charset="-122"/>
               </a:rPr>
-              <a:t>1</a:t>
-            </a:r>
-            <a:r>
-              <a:rPr lang="zh-CN" altLang="en-US" sz="2800" b="1" dirty="0">
+              <a:t>8.0</a:t>
+            </a:r>
+          </a:p>
+          <a:p>
+            <a:r>
+              <a:rPr lang="zh-CN" altLang="en-US" sz="1600" b="1" dirty="0">
                 <a:solidFill>
                   <a:schemeClr val="tx1">
                     <a:lumMod val="50000"/>
@@ -31865,10 +32431,10 @@
                 <a:latin typeface="微软雅黑" panose="020B0503020204020204" pitchFamily="34" charset="-122"/>
                 <a:ea typeface="微软雅黑" panose="020B0503020204020204" pitchFamily="34" charset="-122"/>
               </a:rPr>
-              <a:t>章、第</a:t>
-            </a:r>
-            <a:r>
-              <a:rPr lang="en-US" altLang="zh-CN" sz="2800" b="1" dirty="0">
+              <a:t>姚天恒：</a:t>
+            </a:r>
+            <a:r>
+              <a:rPr lang="en-US" altLang="zh-CN" sz="1600" b="1" dirty="0">
                 <a:solidFill>
                   <a:schemeClr val="tx1">
                     <a:lumMod val="50000"/>
@@ -31878,10 +32444,12 @@
                 <a:latin typeface="微软雅黑" panose="020B0503020204020204" pitchFamily="34" charset="-122"/>
                 <a:ea typeface="微软雅黑" panose="020B0503020204020204" pitchFamily="34" charset="-122"/>
               </a:rPr>
-              <a:t>2</a:t>
-            </a:r>
-            <a:r>
-              <a:rPr lang="zh-CN" altLang="en-US" sz="2800" b="1" dirty="0">
+              <a:t>7.5</a:t>
+            </a:r>
+          </a:p>
+          <a:p>
+            <a:r>
+              <a:rPr lang="zh-CN" altLang="en-US" sz="1600" b="1" dirty="0">
                 <a:solidFill>
                   <a:schemeClr val="tx1">
                     <a:lumMod val="50000"/>
@@ -31891,10 +32459,10 @@
                 <a:latin typeface="微软雅黑" panose="020B0503020204020204" pitchFamily="34" charset="-122"/>
                 <a:ea typeface="微软雅黑" panose="020B0503020204020204" pitchFamily="34" charset="-122"/>
               </a:rPr>
-              <a:t>章、第</a:t>
-            </a:r>
-            <a:r>
-              <a:rPr lang="en-US" altLang="zh-CN" sz="2800" b="1" dirty="0">
+              <a:t>叶家威：</a:t>
+            </a:r>
+            <a:r>
+              <a:rPr lang="en-US" altLang="zh-CN" sz="1600" b="1" dirty="0">
                 <a:solidFill>
                   <a:schemeClr val="tx1">
                     <a:lumMod val="50000"/>
@@ -31904,10 +32472,12 @@
                 <a:latin typeface="微软雅黑" panose="020B0503020204020204" pitchFamily="34" charset="-122"/>
                 <a:ea typeface="微软雅黑" panose="020B0503020204020204" pitchFamily="34" charset="-122"/>
               </a:rPr>
-              <a:t>5</a:t>
-            </a:r>
-            <a:r>
-              <a:rPr lang="zh-CN" altLang="en-US" sz="2800" b="1" dirty="0">
+              <a:t>6.5</a:t>
+            </a:r>
+          </a:p>
+          <a:p>
+            <a:r>
+              <a:rPr lang="zh-CN" altLang="en-US" sz="1600" b="1" dirty="0">
                 <a:solidFill>
                   <a:schemeClr val="tx1">
                     <a:lumMod val="50000"/>
@@ -31917,12 +32487,10 @@
                 <a:latin typeface="微软雅黑" panose="020B0503020204020204" pitchFamily="34" charset="-122"/>
                 <a:ea typeface="微软雅黑" panose="020B0503020204020204" pitchFamily="34" charset="-122"/>
               </a:rPr>
-              <a:t>章、审核、寻找资料</a:t>
-            </a:r>
-          </a:p>
-          <a:p>
-            <a:r>
-              <a:rPr lang="zh-CN" altLang="en-US" sz="2800" b="1" dirty="0">
+              <a:t>沈舸帆：</a:t>
+            </a:r>
+            <a:r>
+              <a:rPr lang="en-US" altLang="zh-CN" sz="1600" b="1" dirty="0">
                 <a:solidFill>
                   <a:schemeClr val="tx1">
                     <a:lumMod val="50000"/>
@@ -31932,10 +32500,12 @@
                 <a:latin typeface="微软雅黑" panose="020B0503020204020204" pitchFamily="34" charset="-122"/>
                 <a:ea typeface="微软雅黑" panose="020B0503020204020204" pitchFamily="34" charset="-122"/>
               </a:rPr>
-              <a:t>沈舸帆：第</a:t>
-            </a:r>
-            <a:r>
-              <a:rPr lang="en-US" altLang="zh-CN" sz="2800" b="1" dirty="0">
+              <a:t>7.2</a:t>
+            </a:r>
+          </a:p>
+          <a:p>
+            <a:r>
+              <a:rPr lang="zh-CN" altLang="en-US" sz="1600" b="1" dirty="0">
                 <a:solidFill>
                   <a:schemeClr val="tx1">
                     <a:lumMod val="50000"/>
@@ -31945,10 +32515,10 @@
                 <a:latin typeface="微软雅黑" panose="020B0503020204020204" pitchFamily="34" charset="-122"/>
                 <a:ea typeface="微软雅黑" panose="020B0503020204020204" pitchFamily="34" charset="-122"/>
               </a:rPr>
-              <a:t>6</a:t>
-            </a:r>
-            <a:r>
-              <a:rPr lang="zh-CN" altLang="en-US" sz="2800" b="1" dirty="0">
+              <a:t>沈家豪：</a:t>
+            </a:r>
+            <a:r>
+              <a:rPr lang="en-US" altLang="zh-CN" sz="1600" b="1" dirty="0">
                 <a:solidFill>
                   <a:schemeClr val="tx1">
                     <a:lumMod val="50000"/>
@@ -31958,10 +32528,12 @@
                 <a:latin typeface="微软雅黑" panose="020B0503020204020204" pitchFamily="34" charset="-122"/>
                 <a:ea typeface="微软雅黑" panose="020B0503020204020204" pitchFamily="34" charset="-122"/>
               </a:rPr>
-              <a:t>章、第</a:t>
-            </a:r>
-            <a:r>
-              <a:rPr lang="en-US" altLang="zh-CN" sz="2800" b="1" dirty="0">
+              <a:t>7.5</a:t>
+            </a:r>
+          </a:p>
+          <a:p>
+            <a:r>
+              <a:rPr lang="zh-CN" altLang="en-US" sz="1600" b="1" dirty="0">
                 <a:solidFill>
                   <a:schemeClr val="tx1">
                     <a:lumMod val="50000"/>
@@ -31971,10 +32543,10 @@
                 <a:latin typeface="微软雅黑" panose="020B0503020204020204" pitchFamily="34" charset="-122"/>
                 <a:ea typeface="微软雅黑" panose="020B0503020204020204" pitchFamily="34" charset="-122"/>
               </a:rPr>
-              <a:t>7</a:t>
-            </a:r>
-            <a:r>
-              <a:rPr lang="zh-CN" altLang="en-US" sz="2800" b="1" dirty="0">
+              <a:t>汤志东：</a:t>
+            </a:r>
+            <a:r>
+              <a:rPr lang="en-US" altLang="zh-CN" sz="1600" b="1" dirty="0">
                 <a:solidFill>
                   <a:schemeClr val="tx1">
                     <a:lumMod val="50000"/>
@@ -31984,199 +32556,15 @@
                 <a:latin typeface="微软雅黑" panose="020B0503020204020204" pitchFamily="34" charset="-122"/>
                 <a:ea typeface="微软雅黑" panose="020B0503020204020204" pitchFamily="34" charset="-122"/>
               </a:rPr>
-              <a:t>章、寻找资料</a:t>
-            </a:r>
-          </a:p>
-          <a:p>
-            <a:r>
-              <a:rPr lang="zh-CN" altLang="en-US" sz="2800" b="1" dirty="0">
-                <a:solidFill>
-                  <a:schemeClr val="tx1">
-                    <a:lumMod val="50000"/>
-                    <a:lumOff val="50000"/>
-                  </a:schemeClr>
-                </a:solidFill>
-                <a:latin typeface="微软雅黑" panose="020B0503020204020204" pitchFamily="34" charset="-122"/>
-                <a:ea typeface="微软雅黑" panose="020B0503020204020204" pitchFamily="34" charset="-122"/>
-              </a:rPr>
-              <a:t>姚天恒：第</a:t>
-            </a:r>
-            <a:r>
-              <a:rPr lang="en-US" altLang="zh-CN" sz="2800" b="1" dirty="0">
-                <a:solidFill>
-                  <a:schemeClr val="tx1">
-                    <a:lumMod val="50000"/>
-                    <a:lumOff val="50000"/>
-                  </a:schemeClr>
-                </a:solidFill>
-                <a:latin typeface="微软雅黑" panose="020B0503020204020204" pitchFamily="34" charset="-122"/>
-                <a:ea typeface="微软雅黑" panose="020B0503020204020204" pitchFamily="34" charset="-122"/>
-              </a:rPr>
-              <a:t>3</a:t>
-            </a:r>
-            <a:r>
-              <a:rPr lang="zh-CN" altLang="en-US" sz="2800" b="1" dirty="0">
-                <a:solidFill>
-                  <a:schemeClr val="tx1">
-                    <a:lumMod val="50000"/>
-                    <a:lumOff val="50000"/>
-                  </a:schemeClr>
-                </a:solidFill>
-                <a:latin typeface="微软雅黑" panose="020B0503020204020204" pitchFamily="34" charset="-122"/>
-                <a:ea typeface="微软雅黑" panose="020B0503020204020204" pitchFamily="34" charset="-122"/>
-              </a:rPr>
-              <a:t>章、寻找资料</a:t>
-            </a:r>
-          </a:p>
-          <a:p>
-            <a:r>
-              <a:rPr lang="zh-CN" altLang="en-US" sz="2800" b="1" dirty="0">
-                <a:solidFill>
-                  <a:schemeClr val="tx1">
-                    <a:lumMod val="50000"/>
-                    <a:lumOff val="50000"/>
-                  </a:schemeClr>
-                </a:solidFill>
-                <a:latin typeface="微软雅黑" panose="020B0503020204020204" pitchFamily="34" charset="-122"/>
-                <a:ea typeface="微软雅黑" panose="020B0503020204020204" pitchFamily="34" charset="-122"/>
-              </a:rPr>
-              <a:t>叶家威：第</a:t>
-            </a:r>
-            <a:r>
-              <a:rPr lang="en-US" altLang="zh-CN" sz="2800" b="1" dirty="0">
-                <a:solidFill>
-                  <a:schemeClr val="tx1">
-                    <a:lumMod val="50000"/>
-                    <a:lumOff val="50000"/>
-                  </a:schemeClr>
-                </a:solidFill>
-                <a:latin typeface="微软雅黑" panose="020B0503020204020204" pitchFamily="34" charset="-122"/>
-                <a:ea typeface="微软雅黑" panose="020B0503020204020204" pitchFamily="34" charset="-122"/>
-              </a:rPr>
-              <a:t>4</a:t>
-            </a:r>
-            <a:r>
-              <a:rPr lang="zh-CN" altLang="en-US" sz="2800" b="1" dirty="0">
-                <a:solidFill>
-                  <a:schemeClr val="tx1">
-                    <a:lumMod val="50000"/>
-                    <a:lumOff val="50000"/>
-                  </a:schemeClr>
-                </a:solidFill>
-                <a:latin typeface="微软雅黑" panose="020B0503020204020204" pitchFamily="34" charset="-122"/>
-                <a:ea typeface="微软雅黑" panose="020B0503020204020204" pitchFamily="34" charset="-122"/>
-              </a:rPr>
-              <a:t>章、寻找资料、会议记录</a:t>
-            </a:r>
-          </a:p>
-          <a:p>
-            <a:r>
-              <a:rPr lang="zh-CN" altLang="en-US" sz="2800" b="1" dirty="0">
-                <a:solidFill>
-                  <a:schemeClr val="tx1">
-                    <a:lumMod val="50000"/>
-                    <a:lumOff val="50000"/>
-                  </a:schemeClr>
-                </a:solidFill>
-                <a:latin typeface="微软雅黑" panose="020B0503020204020204" pitchFamily="34" charset="-122"/>
-                <a:ea typeface="微软雅黑" panose="020B0503020204020204" pitchFamily="34" charset="-122"/>
-              </a:rPr>
-              <a:t>汤志东：第</a:t>
-            </a:r>
-            <a:r>
-              <a:rPr lang="en-US" altLang="zh-CN" sz="2800" b="1" dirty="0">
-                <a:solidFill>
-                  <a:schemeClr val="tx1">
-                    <a:lumMod val="50000"/>
-                    <a:lumOff val="50000"/>
-                  </a:schemeClr>
-                </a:solidFill>
-                <a:latin typeface="微软雅黑" panose="020B0503020204020204" pitchFamily="34" charset="-122"/>
-                <a:ea typeface="微软雅黑" panose="020B0503020204020204" pitchFamily="34" charset="-122"/>
-              </a:rPr>
-              <a:t>9</a:t>
-            </a:r>
-            <a:r>
-              <a:rPr lang="zh-CN" altLang="en-US" sz="2800" b="1" dirty="0">
-                <a:solidFill>
-                  <a:schemeClr val="tx1">
-                    <a:lumMod val="50000"/>
-                    <a:lumOff val="50000"/>
-                  </a:schemeClr>
-                </a:solidFill>
-                <a:latin typeface="微软雅黑" panose="020B0503020204020204" pitchFamily="34" charset="-122"/>
-                <a:ea typeface="微软雅黑" panose="020B0503020204020204" pitchFamily="34" charset="-122"/>
-              </a:rPr>
-              <a:t>章、寻找资料、项目前景及范围文档</a:t>
-            </a:r>
-            <a:endParaRPr lang="en-US" altLang="zh-CN" sz="2800" b="1" dirty="0">
-              <a:solidFill>
-                <a:schemeClr val="tx1">
-                  <a:lumMod val="50000"/>
-                  <a:lumOff val="50000"/>
-                </a:schemeClr>
-              </a:solidFill>
-              <a:latin typeface="微软雅黑" panose="020B0503020204020204" pitchFamily="34" charset="-122"/>
-              <a:ea typeface="微软雅黑" panose="020B0503020204020204" pitchFamily="34" charset="-122"/>
-            </a:endParaRPr>
-          </a:p>
-          <a:p>
-            <a:r>
-              <a:rPr lang="zh-CN" altLang="en-US" sz="2800" b="1" dirty="0">
-                <a:solidFill>
-                  <a:schemeClr val="tx1">
-                    <a:lumMod val="50000"/>
-                    <a:lumOff val="50000"/>
-                  </a:schemeClr>
-                </a:solidFill>
-                <a:latin typeface="微软雅黑" panose="020B0503020204020204" pitchFamily="34" charset="-122"/>
-                <a:ea typeface="微软雅黑" panose="020B0503020204020204" pitchFamily="34" charset="-122"/>
-              </a:rPr>
-              <a:t>沈家豪：第</a:t>
-            </a:r>
-            <a:r>
-              <a:rPr lang="en-US" altLang="zh-CN" sz="2800" b="1" dirty="0">
-                <a:solidFill>
-                  <a:schemeClr val="tx1">
-                    <a:lumMod val="50000"/>
-                    <a:lumOff val="50000"/>
-                  </a:schemeClr>
-                </a:solidFill>
-                <a:latin typeface="微软雅黑" panose="020B0503020204020204" pitchFamily="34" charset="-122"/>
-                <a:ea typeface="微软雅黑" panose="020B0503020204020204" pitchFamily="34" charset="-122"/>
-              </a:rPr>
-              <a:t>9</a:t>
-            </a:r>
-            <a:r>
-              <a:rPr lang="zh-CN" altLang="en-US" sz="2800" b="1" dirty="0">
-                <a:solidFill>
-                  <a:schemeClr val="tx1">
-                    <a:lumMod val="50000"/>
-                    <a:lumOff val="50000"/>
-                  </a:schemeClr>
-                </a:solidFill>
-                <a:latin typeface="微软雅黑" panose="020B0503020204020204" pitchFamily="34" charset="-122"/>
-                <a:ea typeface="微软雅黑" panose="020B0503020204020204" pitchFamily="34" charset="-122"/>
-              </a:rPr>
-              <a:t>章、寻找资料、项目前景及范围文档</a:t>
-            </a:r>
-            <a:endParaRPr lang="en-US" altLang="zh-CN" sz="2800" b="1" dirty="0">
-              <a:solidFill>
-                <a:schemeClr val="tx1">
-                  <a:lumMod val="50000"/>
-                  <a:lumOff val="50000"/>
-                </a:schemeClr>
-              </a:solidFill>
-              <a:latin typeface="微软雅黑" panose="020B0503020204020204" pitchFamily="34" charset="-122"/>
-              <a:ea typeface="微软雅黑" panose="020B0503020204020204" pitchFamily="34" charset="-122"/>
-            </a:endParaRPr>
+              <a:t>7.0</a:t>
+            </a:r>
           </a:p>
         </p:txBody>
       </p:sp>
     </p:spTree>
     <p:extLst>
       <p:ext uri="{BB962C8B-B14F-4D97-AF65-F5344CB8AC3E}">
-        <p14:creationId xmlns:p14="http://schemas.microsoft.com/office/powerpoint/2010/main" val="3993112264"/>
+        <p14:creationId xmlns:p14="http://schemas.microsoft.com/office/powerpoint/2010/main" val="2991596014"/>
       </p:ext>
     </p:extLst>
   </p:cSld>
@@ -32215,8 +32603,8 @@
         </p:nvSpPr>
         <p:spPr>
           <a:xfrm>
-            <a:off x="1574801" y="1952341"/>
-            <a:ext cx="7863113" cy="2690416"/>
+            <a:off x="646111" y="452718"/>
+            <a:ext cx="9404723" cy="1400530"/>
           </a:xfrm>
         </p:spPr>
         <p:txBody>
@@ -32224,26 +32612,213 @@
           <a:lstStyle/>
           <a:p>
             <a:r>
-              <a:rPr lang="zh-CN" altLang="en-US" sz="9600">
-                <a:latin typeface="Microsoft YaHei UI" panose="020B0503020204020204" pitchFamily="34" charset="-122"/>
-                <a:ea typeface="Microsoft YaHei UI" panose="020B0503020204020204" pitchFamily="34" charset="-122"/>
+              <a:rPr lang="zh-CN" altLang="en-US" dirty="0"/>
+              <a:t>经费计算</a:t>
+            </a:r>
+          </a:p>
+        </p:txBody>
+      </p:sp>
+      <p:sp>
+        <p:nvSpPr>
+          <p:cNvPr id="4" name="文本框 3">
+            <a:extLst>
+              <a:ext uri="{FF2B5EF4-FFF2-40B4-BE49-F238E27FC236}">
+                <a16:creationId xmlns:a16="http://schemas.microsoft.com/office/drawing/2014/main" id="{00BC4346-2A34-4211-89A7-4BB48D5913EA}"/>
+              </a:ext>
+            </a:extLst>
+          </p:cNvPr>
+          <p:cNvSpPr txBox="1"/>
+          <p:nvPr/>
+        </p:nvSpPr>
+        <p:spPr>
+          <a:xfrm>
+            <a:off x="646111" y="1754878"/>
+            <a:ext cx="8720920" cy="3046988"/>
+          </a:xfrm>
+          <a:prstGeom prst="rect">
+            <a:avLst/>
+          </a:prstGeom>
+          <a:noFill/>
+        </p:spPr>
+        <p:txBody>
+          <a:bodyPr wrap="square" rtlCol="0">
+            <a:spAutoFit/>
+          </a:bodyPr>
+          <a:lstStyle/>
+          <a:p>
+            <a:r>
+              <a:rPr lang="zh-CN" altLang="en-US" sz="1600" b="1" dirty="0">
+                <a:solidFill>
+                  <a:schemeClr val="tx1">
+                    <a:lumMod val="50000"/>
+                    <a:lumOff val="50000"/>
+                  </a:schemeClr>
+                </a:solidFill>
+                <a:latin typeface="微软雅黑" panose="020B0503020204020204" pitchFamily="34" charset="-122"/>
+                <a:ea typeface="微软雅黑" panose="020B0503020204020204" pitchFamily="34" charset="-122"/>
               </a:rPr>
-              <a:t>谢谢各位</a:t>
-            </a:r>
-            <a:br>
-              <a:rPr lang="zh-CN" altLang="en-US" sz="9600" dirty="0"/>
-            </a:br>
-            <a:endParaRPr lang="zh-CN" sz="9600" dirty="0">
-              <a:latin typeface="Microsoft YaHei UI" panose="020B0503020204020204" pitchFamily="34" charset="-122"/>
-              <a:ea typeface="Microsoft YaHei UI" panose="020B0503020204020204" pitchFamily="34" charset="-122"/>
-            </a:endParaRPr>
+              <a:t>姚天恒：</a:t>
+            </a:r>
+            <a:r>
+              <a:rPr lang="en-US" altLang="zh-CN" sz="1600" b="1" dirty="0">
+                <a:solidFill>
+                  <a:schemeClr val="tx1">
+                    <a:lumMod val="50000"/>
+                    <a:lumOff val="50000"/>
+                  </a:schemeClr>
+                </a:solidFill>
+                <a:latin typeface="微软雅黑" panose="020B0503020204020204" pitchFamily="34" charset="-122"/>
+                <a:ea typeface="微软雅黑" panose="020B0503020204020204" pitchFamily="34" charset="-122"/>
+              </a:rPr>
+              <a:t>2.4+2.4+3.6+3.2+2.4+1.6+1.6+1.2+3.2+1.2+2.4+2.4+2.4+3.2+3.2=36.4*30=1092</a:t>
+            </a:r>
+          </a:p>
+          <a:p>
+            <a:r>
+              <a:rPr lang="zh-CN" altLang="en-US" sz="1600" b="1" dirty="0">
+                <a:solidFill>
+                  <a:schemeClr val="tx1">
+                    <a:lumMod val="50000"/>
+                    <a:lumOff val="50000"/>
+                  </a:schemeClr>
+                </a:solidFill>
+                <a:latin typeface="微软雅黑" panose="020B0503020204020204" pitchFamily="34" charset="-122"/>
+                <a:ea typeface="微软雅黑" panose="020B0503020204020204" pitchFamily="34" charset="-122"/>
+              </a:rPr>
+              <a:t>吴思楠：</a:t>
+            </a:r>
+            <a:r>
+              <a:rPr lang="en-US" altLang="zh-CN" sz="1600" b="1" dirty="0">
+                <a:solidFill>
+                  <a:schemeClr val="tx1">
+                    <a:lumMod val="50000"/>
+                    <a:lumOff val="50000"/>
+                  </a:schemeClr>
+                </a:solidFill>
+                <a:latin typeface="微软雅黑" panose="020B0503020204020204" pitchFamily="34" charset="-122"/>
+                <a:ea typeface="微软雅黑" panose="020B0503020204020204" pitchFamily="34" charset="-122"/>
+              </a:rPr>
+              <a:t>3.2+3.2+4.8+2.4+3.2+1.6+1.2+1.6+3.2+1.6+3.2+2.4+3.2+3.2+2.4=40.4*30=1212</a:t>
+            </a:r>
+          </a:p>
+          <a:p>
+            <a:r>
+              <a:rPr lang="zh-CN" altLang="en-US" sz="1600" b="1" dirty="0">
+                <a:solidFill>
+                  <a:schemeClr val="tx1">
+                    <a:lumMod val="50000"/>
+                    <a:lumOff val="50000"/>
+                  </a:schemeClr>
+                </a:solidFill>
+                <a:latin typeface="微软雅黑" panose="020B0503020204020204" pitchFamily="34" charset="-122"/>
+                <a:ea typeface="微软雅黑" panose="020B0503020204020204" pitchFamily="34" charset="-122"/>
+              </a:rPr>
+              <a:t>叶家威：</a:t>
+            </a:r>
+            <a:r>
+              <a:rPr lang="en-US" altLang="zh-CN" sz="1600" b="1" dirty="0">
+                <a:solidFill>
+                  <a:schemeClr val="tx1">
+                    <a:lumMod val="50000"/>
+                    <a:lumOff val="50000"/>
+                  </a:schemeClr>
+                </a:solidFill>
+                <a:latin typeface="微软雅黑" panose="020B0503020204020204" pitchFamily="34" charset="-122"/>
+                <a:ea typeface="微软雅黑" panose="020B0503020204020204" pitchFamily="34" charset="-122"/>
+              </a:rPr>
+              <a:t>2.4+2.4+4.8+3.2+3.2+1.2+1.6+1.2+2.4+1.2+2.4+2.4+3.2+2.4+2.4=36.4*30=1092</a:t>
+            </a:r>
+          </a:p>
+          <a:p>
+            <a:r>
+              <a:rPr lang="zh-CN" altLang="en-US" sz="1600" b="1" dirty="0">
+                <a:solidFill>
+                  <a:schemeClr val="tx1">
+                    <a:lumMod val="50000"/>
+                    <a:lumOff val="50000"/>
+                  </a:schemeClr>
+                </a:solidFill>
+                <a:latin typeface="微软雅黑" panose="020B0503020204020204" pitchFamily="34" charset="-122"/>
+                <a:ea typeface="微软雅黑" panose="020B0503020204020204" pitchFamily="34" charset="-122"/>
+              </a:rPr>
+              <a:t>沈舸帆：</a:t>
+            </a:r>
+            <a:r>
+              <a:rPr lang="en-US" altLang="zh-CN" sz="1600" b="1" dirty="0">
+                <a:solidFill>
+                  <a:schemeClr val="tx1">
+                    <a:lumMod val="50000"/>
+                    <a:lumOff val="50000"/>
+                  </a:schemeClr>
+                </a:solidFill>
+                <a:latin typeface="微软雅黑" panose="020B0503020204020204" pitchFamily="34" charset="-122"/>
+                <a:ea typeface="微软雅黑" panose="020B0503020204020204" pitchFamily="34" charset="-122"/>
+              </a:rPr>
+              <a:t>3.2+2.4+3.6+3.2+2.4+1.6+1.2+1.6+3.2+1.6+3.2+2.4+2.4+3.2+3.2=38.4*30=1152</a:t>
+            </a:r>
+          </a:p>
+          <a:p>
+            <a:r>
+              <a:rPr lang="zh-CN" altLang="en-US" sz="1600" b="1" dirty="0">
+                <a:solidFill>
+                  <a:schemeClr val="tx1">
+                    <a:lumMod val="50000"/>
+                    <a:lumOff val="50000"/>
+                  </a:schemeClr>
+                </a:solidFill>
+                <a:latin typeface="微软雅黑" panose="020B0503020204020204" pitchFamily="34" charset="-122"/>
+                <a:ea typeface="微软雅黑" panose="020B0503020204020204" pitchFamily="34" charset="-122"/>
+              </a:rPr>
+              <a:t>沈家豪：</a:t>
+            </a:r>
+            <a:r>
+              <a:rPr lang="en-US" altLang="zh-CN" sz="1600" b="1" dirty="0">
+                <a:solidFill>
+                  <a:schemeClr val="tx1">
+                    <a:lumMod val="50000"/>
+                    <a:lumOff val="50000"/>
+                  </a:schemeClr>
+                </a:solidFill>
+                <a:latin typeface="微软雅黑" panose="020B0503020204020204" pitchFamily="34" charset="-122"/>
+                <a:ea typeface="微软雅黑" panose="020B0503020204020204" pitchFamily="34" charset="-122"/>
+              </a:rPr>
+              <a:t>2.4+3.2+4.8+2.4+3.2+1.2+1.6+1.6+2.4+1.6+3.2+2.4+3.2+2.4+3.2=38.8*30=1164</a:t>
+            </a:r>
+          </a:p>
+          <a:p>
+            <a:r>
+              <a:rPr lang="zh-CN" altLang="en-US" sz="1600" b="1" dirty="0">
+                <a:solidFill>
+                  <a:schemeClr val="tx1">
+                    <a:lumMod val="50000"/>
+                    <a:lumOff val="50000"/>
+                  </a:schemeClr>
+                </a:solidFill>
+                <a:latin typeface="微软雅黑" panose="020B0503020204020204" pitchFamily="34" charset="-122"/>
+                <a:ea typeface="微软雅黑" panose="020B0503020204020204" pitchFamily="34" charset="-122"/>
+              </a:rPr>
+              <a:t>汤志东：</a:t>
+            </a:r>
+            <a:r>
+              <a:rPr lang="en-US" altLang="zh-CN" sz="1600" b="1" dirty="0">
+                <a:solidFill>
+                  <a:schemeClr val="tx1">
+                    <a:lumMod val="50000"/>
+                    <a:lumOff val="50000"/>
+                  </a:schemeClr>
+                </a:solidFill>
+                <a:latin typeface="微软雅黑" panose="020B0503020204020204" pitchFamily="34" charset="-122"/>
+                <a:ea typeface="微软雅黑" panose="020B0503020204020204" pitchFamily="34" charset="-122"/>
+              </a:rPr>
+              <a:t>2.4+2.4+2.4+1.6+1.6+0.8+0.8+0.8+1.6+0.8+1.6+1.6+1.6+1.6+1.6=23.2*30=696</a:t>
+            </a:r>
           </a:p>
         </p:txBody>
       </p:sp>
     </p:spTree>
     <p:extLst>
       <p:ext uri="{BB962C8B-B14F-4D97-AF65-F5344CB8AC3E}">
-        <p14:creationId xmlns:p14="http://schemas.microsoft.com/office/powerpoint/2010/main" val="1599370301"/>
+        <p14:creationId xmlns:p14="http://schemas.microsoft.com/office/powerpoint/2010/main" val="703654866"/>
       </p:ext>
     </p:extLst>
   </p:cSld>
@@ -32333,6 +32908,503 @@
         </p:txBody>
       </p:sp>
     </p:spTree>
+  </p:cSld>
+  <p:clrMapOvr>
+    <a:masterClrMapping/>
+  </p:clrMapOvr>
+</p:sld>
+</file>
+
+<file path=ppt/slides/slide60.xml><?xml version="1.0" encoding="utf-8"?>
+<p:sld xmlns:a="http://schemas.openxmlformats.org/drawingml/2006/main" xmlns:r="http://schemas.openxmlformats.org/officeDocument/2006/relationships" xmlns:p="http://schemas.openxmlformats.org/presentationml/2006/main">
+  <p:cSld>
+    <p:spTree>
+      <p:nvGrpSpPr>
+        <p:cNvPr id="1" name=""/>
+        <p:cNvGrpSpPr/>
+        <p:nvPr/>
+      </p:nvGrpSpPr>
+      <p:grpSpPr>
+        <a:xfrm>
+          <a:off x="0" y="0"/>
+          <a:ext cx="0" cy="0"/>
+          <a:chOff x="0" y="0"/>
+          <a:chExt cx="0" cy="0"/>
+        </a:xfrm>
+      </p:grpSpPr>
+      <p:sp>
+        <p:nvSpPr>
+          <p:cNvPr id="2" name="标题 1"/>
+          <p:cNvSpPr>
+            <a:spLocks noGrp="1"/>
+          </p:cNvSpPr>
+          <p:nvPr>
+            <p:ph type="title"/>
+          </p:nvPr>
+        </p:nvSpPr>
+        <p:spPr>
+          <a:xfrm>
+            <a:off x="646111" y="452718"/>
+            <a:ext cx="9404723" cy="1400530"/>
+          </a:xfrm>
+        </p:spPr>
+        <p:txBody>
+          <a:bodyPr/>
+          <a:lstStyle/>
+          <a:p>
+            <a:r>
+              <a:rPr lang="zh-CN" altLang="en-US" dirty="0"/>
+              <a:t>小组分工</a:t>
+            </a:r>
+          </a:p>
+        </p:txBody>
+      </p:sp>
+      <p:sp>
+        <p:nvSpPr>
+          <p:cNvPr id="4" name="文本框 3">
+            <a:extLst>
+              <a:ext uri="{FF2B5EF4-FFF2-40B4-BE49-F238E27FC236}">
+                <a16:creationId xmlns:a16="http://schemas.microsoft.com/office/drawing/2014/main" id="{00BC4346-2A34-4211-89A7-4BB48D5913EA}"/>
+              </a:ext>
+            </a:extLst>
+          </p:cNvPr>
+          <p:cNvSpPr txBox="1"/>
+          <p:nvPr/>
+        </p:nvSpPr>
+        <p:spPr>
+          <a:xfrm>
+            <a:off x="988012" y="1738100"/>
+            <a:ext cx="8720920" cy="2677656"/>
+          </a:xfrm>
+          <a:prstGeom prst="rect">
+            <a:avLst/>
+          </a:prstGeom>
+          <a:noFill/>
+        </p:spPr>
+        <p:txBody>
+          <a:bodyPr wrap="square" rtlCol="0">
+            <a:spAutoFit/>
+          </a:bodyPr>
+          <a:lstStyle/>
+          <a:p>
+            <a:r>
+              <a:rPr lang="zh-CN" altLang="en-US" sz="2800" b="1" dirty="0">
+                <a:solidFill>
+                  <a:schemeClr val="tx1">
+                    <a:lumMod val="50000"/>
+                    <a:lumOff val="50000"/>
+                  </a:schemeClr>
+                </a:solidFill>
+                <a:latin typeface="微软雅黑" panose="020B0503020204020204" pitchFamily="34" charset="-122"/>
+                <a:ea typeface="微软雅黑" panose="020B0503020204020204" pitchFamily="34" charset="-122"/>
+              </a:rPr>
+              <a:t>吴思楠：第</a:t>
+            </a:r>
+            <a:r>
+              <a:rPr lang="en-US" altLang="zh-CN" sz="2800" b="1" dirty="0">
+                <a:solidFill>
+                  <a:schemeClr val="tx1">
+                    <a:lumMod val="50000"/>
+                    <a:lumOff val="50000"/>
+                  </a:schemeClr>
+                </a:solidFill>
+                <a:latin typeface="微软雅黑" panose="020B0503020204020204" pitchFamily="34" charset="-122"/>
+                <a:ea typeface="微软雅黑" panose="020B0503020204020204" pitchFamily="34" charset="-122"/>
+              </a:rPr>
+              <a:t>1</a:t>
+            </a:r>
+            <a:r>
+              <a:rPr lang="zh-CN" altLang="en-US" sz="2800" b="1" dirty="0">
+                <a:solidFill>
+                  <a:schemeClr val="tx1">
+                    <a:lumMod val="50000"/>
+                    <a:lumOff val="50000"/>
+                  </a:schemeClr>
+                </a:solidFill>
+                <a:latin typeface="微软雅黑" panose="020B0503020204020204" pitchFamily="34" charset="-122"/>
+                <a:ea typeface="微软雅黑" panose="020B0503020204020204" pitchFamily="34" charset="-122"/>
+              </a:rPr>
+              <a:t>章、第</a:t>
+            </a:r>
+            <a:r>
+              <a:rPr lang="en-US" altLang="zh-CN" sz="2800" b="1" dirty="0">
+                <a:solidFill>
+                  <a:schemeClr val="tx1">
+                    <a:lumMod val="50000"/>
+                    <a:lumOff val="50000"/>
+                  </a:schemeClr>
+                </a:solidFill>
+                <a:latin typeface="微软雅黑" panose="020B0503020204020204" pitchFamily="34" charset="-122"/>
+                <a:ea typeface="微软雅黑" panose="020B0503020204020204" pitchFamily="34" charset="-122"/>
+              </a:rPr>
+              <a:t>2</a:t>
+            </a:r>
+            <a:r>
+              <a:rPr lang="zh-CN" altLang="en-US" sz="2800" b="1" dirty="0">
+                <a:solidFill>
+                  <a:schemeClr val="tx1">
+                    <a:lumMod val="50000"/>
+                    <a:lumOff val="50000"/>
+                  </a:schemeClr>
+                </a:solidFill>
+                <a:latin typeface="微软雅黑" panose="020B0503020204020204" pitchFamily="34" charset="-122"/>
+                <a:ea typeface="微软雅黑" panose="020B0503020204020204" pitchFamily="34" charset="-122"/>
+              </a:rPr>
+              <a:t>章、第</a:t>
+            </a:r>
+            <a:r>
+              <a:rPr lang="en-US" altLang="zh-CN" sz="2800" b="1" dirty="0">
+                <a:solidFill>
+                  <a:schemeClr val="tx1">
+                    <a:lumMod val="50000"/>
+                    <a:lumOff val="50000"/>
+                  </a:schemeClr>
+                </a:solidFill>
+                <a:latin typeface="微软雅黑" panose="020B0503020204020204" pitchFamily="34" charset="-122"/>
+                <a:ea typeface="微软雅黑" panose="020B0503020204020204" pitchFamily="34" charset="-122"/>
+              </a:rPr>
+              <a:t>5</a:t>
+            </a:r>
+            <a:r>
+              <a:rPr lang="zh-CN" altLang="en-US" sz="2800" b="1" dirty="0">
+                <a:solidFill>
+                  <a:schemeClr val="tx1">
+                    <a:lumMod val="50000"/>
+                    <a:lumOff val="50000"/>
+                  </a:schemeClr>
+                </a:solidFill>
+                <a:latin typeface="微软雅黑" panose="020B0503020204020204" pitchFamily="34" charset="-122"/>
+                <a:ea typeface="微软雅黑" panose="020B0503020204020204" pitchFamily="34" charset="-122"/>
+              </a:rPr>
+              <a:t>章、审核、寻找资料</a:t>
+            </a:r>
+          </a:p>
+          <a:p>
+            <a:r>
+              <a:rPr lang="zh-CN" altLang="en-US" sz="2800" b="1" dirty="0">
+                <a:solidFill>
+                  <a:schemeClr val="tx1">
+                    <a:lumMod val="50000"/>
+                    <a:lumOff val="50000"/>
+                  </a:schemeClr>
+                </a:solidFill>
+                <a:latin typeface="微软雅黑" panose="020B0503020204020204" pitchFamily="34" charset="-122"/>
+                <a:ea typeface="微软雅黑" panose="020B0503020204020204" pitchFamily="34" charset="-122"/>
+              </a:rPr>
+              <a:t>沈舸帆：第</a:t>
+            </a:r>
+            <a:r>
+              <a:rPr lang="en-US" altLang="zh-CN" sz="2800" b="1" dirty="0">
+                <a:solidFill>
+                  <a:schemeClr val="tx1">
+                    <a:lumMod val="50000"/>
+                    <a:lumOff val="50000"/>
+                  </a:schemeClr>
+                </a:solidFill>
+                <a:latin typeface="微软雅黑" panose="020B0503020204020204" pitchFamily="34" charset="-122"/>
+                <a:ea typeface="微软雅黑" panose="020B0503020204020204" pitchFamily="34" charset="-122"/>
+              </a:rPr>
+              <a:t>6</a:t>
+            </a:r>
+            <a:r>
+              <a:rPr lang="zh-CN" altLang="en-US" sz="2800" b="1" dirty="0">
+                <a:solidFill>
+                  <a:schemeClr val="tx1">
+                    <a:lumMod val="50000"/>
+                    <a:lumOff val="50000"/>
+                  </a:schemeClr>
+                </a:solidFill>
+                <a:latin typeface="微软雅黑" panose="020B0503020204020204" pitchFamily="34" charset="-122"/>
+                <a:ea typeface="微软雅黑" panose="020B0503020204020204" pitchFamily="34" charset="-122"/>
+              </a:rPr>
+              <a:t>章、第</a:t>
+            </a:r>
+            <a:r>
+              <a:rPr lang="en-US" altLang="zh-CN" sz="2800" b="1" dirty="0">
+                <a:solidFill>
+                  <a:schemeClr val="tx1">
+                    <a:lumMod val="50000"/>
+                    <a:lumOff val="50000"/>
+                  </a:schemeClr>
+                </a:solidFill>
+                <a:latin typeface="微软雅黑" panose="020B0503020204020204" pitchFamily="34" charset="-122"/>
+                <a:ea typeface="微软雅黑" panose="020B0503020204020204" pitchFamily="34" charset="-122"/>
+              </a:rPr>
+              <a:t>7</a:t>
+            </a:r>
+            <a:r>
+              <a:rPr lang="zh-CN" altLang="en-US" sz="2800" b="1" dirty="0">
+                <a:solidFill>
+                  <a:schemeClr val="tx1">
+                    <a:lumMod val="50000"/>
+                    <a:lumOff val="50000"/>
+                  </a:schemeClr>
+                </a:solidFill>
+                <a:latin typeface="微软雅黑" panose="020B0503020204020204" pitchFamily="34" charset="-122"/>
+                <a:ea typeface="微软雅黑" panose="020B0503020204020204" pitchFamily="34" charset="-122"/>
+              </a:rPr>
+              <a:t>章、寻找资料</a:t>
+            </a:r>
+          </a:p>
+          <a:p>
+            <a:r>
+              <a:rPr lang="zh-CN" altLang="en-US" sz="2800" b="1" dirty="0">
+                <a:solidFill>
+                  <a:schemeClr val="tx1">
+                    <a:lumMod val="50000"/>
+                    <a:lumOff val="50000"/>
+                  </a:schemeClr>
+                </a:solidFill>
+                <a:latin typeface="微软雅黑" panose="020B0503020204020204" pitchFamily="34" charset="-122"/>
+                <a:ea typeface="微软雅黑" panose="020B0503020204020204" pitchFamily="34" charset="-122"/>
+              </a:rPr>
+              <a:t>姚天恒：第</a:t>
+            </a:r>
+            <a:r>
+              <a:rPr lang="en-US" altLang="zh-CN" sz="2800" b="1" dirty="0">
+                <a:solidFill>
+                  <a:schemeClr val="tx1">
+                    <a:lumMod val="50000"/>
+                    <a:lumOff val="50000"/>
+                  </a:schemeClr>
+                </a:solidFill>
+                <a:latin typeface="微软雅黑" panose="020B0503020204020204" pitchFamily="34" charset="-122"/>
+                <a:ea typeface="微软雅黑" panose="020B0503020204020204" pitchFamily="34" charset="-122"/>
+              </a:rPr>
+              <a:t>3</a:t>
+            </a:r>
+            <a:r>
+              <a:rPr lang="zh-CN" altLang="en-US" sz="2800" b="1" dirty="0">
+                <a:solidFill>
+                  <a:schemeClr val="tx1">
+                    <a:lumMod val="50000"/>
+                    <a:lumOff val="50000"/>
+                  </a:schemeClr>
+                </a:solidFill>
+                <a:latin typeface="微软雅黑" panose="020B0503020204020204" pitchFamily="34" charset="-122"/>
+                <a:ea typeface="微软雅黑" panose="020B0503020204020204" pitchFamily="34" charset="-122"/>
+              </a:rPr>
+              <a:t>章、寻找资料</a:t>
+            </a:r>
+          </a:p>
+          <a:p>
+            <a:r>
+              <a:rPr lang="zh-CN" altLang="en-US" sz="2800" b="1" dirty="0">
+                <a:solidFill>
+                  <a:schemeClr val="tx1">
+                    <a:lumMod val="50000"/>
+                    <a:lumOff val="50000"/>
+                  </a:schemeClr>
+                </a:solidFill>
+                <a:latin typeface="微软雅黑" panose="020B0503020204020204" pitchFamily="34" charset="-122"/>
+                <a:ea typeface="微软雅黑" panose="020B0503020204020204" pitchFamily="34" charset="-122"/>
+              </a:rPr>
+              <a:t>叶家威：第</a:t>
+            </a:r>
+            <a:r>
+              <a:rPr lang="en-US" altLang="zh-CN" sz="2800" b="1" dirty="0">
+                <a:solidFill>
+                  <a:schemeClr val="tx1">
+                    <a:lumMod val="50000"/>
+                    <a:lumOff val="50000"/>
+                  </a:schemeClr>
+                </a:solidFill>
+                <a:latin typeface="微软雅黑" panose="020B0503020204020204" pitchFamily="34" charset="-122"/>
+                <a:ea typeface="微软雅黑" panose="020B0503020204020204" pitchFamily="34" charset="-122"/>
+              </a:rPr>
+              <a:t>4</a:t>
+            </a:r>
+            <a:r>
+              <a:rPr lang="zh-CN" altLang="en-US" sz="2800" b="1" dirty="0">
+                <a:solidFill>
+                  <a:schemeClr val="tx1">
+                    <a:lumMod val="50000"/>
+                    <a:lumOff val="50000"/>
+                  </a:schemeClr>
+                </a:solidFill>
+                <a:latin typeface="微软雅黑" panose="020B0503020204020204" pitchFamily="34" charset="-122"/>
+                <a:ea typeface="微软雅黑" panose="020B0503020204020204" pitchFamily="34" charset="-122"/>
+              </a:rPr>
+              <a:t>章、寻找资料、会议记录</a:t>
+            </a:r>
+          </a:p>
+          <a:p>
+            <a:r>
+              <a:rPr lang="zh-CN" altLang="en-US" sz="2800" b="1" dirty="0">
+                <a:solidFill>
+                  <a:schemeClr val="tx1">
+                    <a:lumMod val="50000"/>
+                    <a:lumOff val="50000"/>
+                  </a:schemeClr>
+                </a:solidFill>
+                <a:latin typeface="微软雅黑" panose="020B0503020204020204" pitchFamily="34" charset="-122"/>
+                <a:ea typeface="微软雅黑" panose="020B0503020204020204" pitchFamily="34" charset="-122"/>
+              </a:rPr>
+              <a:t>汤志东：第</a:t>
+            </a:r>
+            <a:r>
+              <a:rPr lang="en-US" altLang="zh-CN" sz="2800" b="1" dirty="0">
+                <a:solidFill>
+                  <a:schemeClr val="tx1">
+                    <a:lumMod val="50000"/>
+                    <a:lumOff val="50000"/>
+                  </a:schemeClr>
+                </a:solidFill>
+                <a:latin typeface="微软雅黑" panose="020B0503020204020204" pitchFamily="34" charset="-122"/>
+                <a:ea typeface="微软雅黑" panose="020B0503020204020204" pitchFamily="34" charset="-122"/>
+              </a:rPr>
+              <a:t>9</a:t>
+            </a:r>
+            <a:r>
+              <a:rPr lang="zh-CN" altLang="en-US" sz="2800" b="1" dirty="0">
+                <a:solidFill>
+                  <a:schemeClr val="tx1">
+                    <a:lumMod val="50000"/>
+                    <a:lumOff val="50000"/>
+                  </a:schemeClr>
+                </a:solidFill>
+                <a:latin typeface="微软雅黑" panose="020B0503020204020204" pitchFamily="34" charset="-122"/>
+                <a:ea typeface="微软雅黑" panose="020B0503020204020204" pitchFamily="34" charset="-122"/>
+              </a:rPr>
+              <a:t>章、寻找资料、项目前景及范围文档</a:t>
+            </a:r>
+            <a:endParaRPr lang="en-US" altLang="zh-CN" sz="2800" b="1" dirty="0">
+              <a:solidFill>
+                <a:schemeClr val="tx1">
+                  <a:lumMod val="50000"/>
+                  <a:lumOff val="50000"/>
+                </a:schemeClr>
+              </a:solidFill>
+              <a:latin typeface="微软雅黑" panose="020B0503020204020204" pitchFamily="34" charset="-122"/>
+              <a:ea typeface="微软雅黑" panose="020B0503020204020204" pitchFamily="34" charset="-122"/>
+            </a:endParaRPr>
+          </a:p>
+          <a:p>
+            <a:r>
+              <a:rPr lang="zh-CN" altLang="en-US" sz="2800" b="1" dirty="0">
+                <a:solidFill>
+                  <a:schemeClr val="tx1">
+                    <a:lumMod val="50000"/>
+                    <a:lumOff val="50000"/>
+                  </a:schemeClr>
+                </a:solidFill>
+                <a:latin typeface="微软雅黑" panose="020B0503020204020204" pitchFamily="34" charset="-122"/>
+                <a:ea typeface="微软雅黑" panose="020B0503020204020204" pitchFamily="34" charset="-122"/>
+              </a:rPr>
+              <a:t>沈家豪：第</a:t>
+            </a:r>
+            <a:r>
+              <a:rPr lang="en-US" altLang="zh-CN" sz="2800" b="1" dirty="0">
+                <a:solidFill>
+                  <a:schemeClr val="tx1">
+                    <a:lumMod val="50000"/>
+                    <a:lumOff val="50000"/>
+                  </a:schemeClr>
+                </a:solidFill>
+                <a:latin typeface="微软雅黑" panose="020B0503020204020204" pitchFamily="34" charset="-122"/>
+                <a:ea typeface="微软雅黑" panose="020B0503020204020204" pitchFamily="34" charset="-122"/>
+              </a:rPr>
+              <a:t>9</a:t>
+            </a:r>
+            <a:r>
+              <a:rPr lang="zh-CN" altLang="en-US" sz="2800" b="1" dirty="0">
+                <a:solidFill>
+                  <a:schemeClr val="tx1">
+                    <a:lumMod val="50000"/>
+                    <a:lumOff val="50000"/>
+                  </a:schemeClr>
+                </a:solidFill>
+                <a:latin typeface="微软雅黑" panose="020B0503020204020204" pitchFamily="34" charset="-122"/>
+                <a:ea typeface="微软雅黑" panose="020B0503020204020204" pitchFamily="34" charset="-122"/>
+              </a:rPr>
+              <a:t>章、寻找资料、项目前景及范围文档</a:t>
+            </a:r>
+            <a:endParaRPr lang="en-US" altLang="zh-CN" sz="2800" b="1" dirty="0">
+              <a:solidFill>
+                <a:schemeClr val="tx1">
+                  <a:lumMod val="50000"/>
+                  <a:lumOff val="50000"/>
+                </a:schemeClr>
+              </a:solidFill>
+              <a:latin typeface="微软雅黑" panose="020B0503020204020204" pitchFamily="34" charset="-122"/>
+              <a:ea typeface="微软雅黑" panose="020B0503020204020204" pitchFamily="34" charset="-122"/>
+            </a:endParaRPr>
+          </a:p>
+        </p:txBody>
+      </p:sp>
+    </p:spTree>
+    <p:extLst>
+      <p:ext uri="{BB962C8B-B14F-4D97-AF65-F5344CB8AC3E}">
+        <p14:creationId xmlns:p14="http://schemas.microsoft.com/office/powerpoint/2010/main" val="3993112264"/>
+      </p:ext>
+    </p:extLst>
+  </p:cSld>
+  <p:clrMapOvr>
+    <a:masterClrMapping/>
+  </p:clrMapOvr>
+</p:sld>
+</file>
+
+<file path=ppt/slides/slide61.xml><?xml version="1.0" encoding="utf-8"?>
+<p:sld xmlns:a="http://schemas.openxmlformats.org/drawingml/2006/main" xmlns:r="http://schemas.openxmlformats.org/officeDocument/2006/relationships" xmlns:p="http://schemas.openxmlformats.org/presentationml/2006/main">
+  <p:cSld>
+    <p:spTree>
+      <p:nvGrpSpPr>
+        <p:cNvPr id="1" name=""/>
+        <p:cNvGrpSpPr/>
+        <p:nvPr/>
+      </p:nvGrpSpPr>
+      <p:grpSpPr>
+        <a:xfrm>
+          <a:off x="0" y="0"/>
+          <a:ext cx="0" cy="0"/>
+          <a:chOff x="0" y="0"/>
+          <a:chExt cx="0" cy="0"/>
+        </a:xfrm>
+      </p:grpSpPr>
+      <p:sp>
+        <p:nvSpPr>
+          <p:cNvPr id="2" name="标题 1"/>
+          <p:cNvSpPr>
+            <a:spLocks noGrp="1"/>
+          </p:cNvSpPr>
+          <p:nvPr>
+            <p:ph type="title"/>
+          </p:nvPr>
+        </p:nvSpPr>
+        <p:spPr>
+          <a:xfrm>
+            <a:off x="1574801" y="1952341"/>
+            <a:ext cx="7863113" cy="2690416"/>
+          </a:xfrm>
+        </p:spPr>
+        <p:txBody>
+          <a:bodyPr/>
+          <a:lstStyle/>
+          <a:p>
+            <a:r>
+              <a:rPr lang="zh-CN" altLang="en-US" sz="9600">
+                <a:latin typeface="Microsoft YaHei UI" panose="020B0503020204020204" pitchFamily="34" charset="-122"/>
+                <a:ea typeface="Microsoft YaHei UI" panose="020B0503020204020204" pitchFamily="34" charset="-122"/>
+              </a:rPr>
+              <a:t>谢谢各位</a:t>
+            </a:r>
+            <a:br>
+              <a:rPr lang="zh-CN" altLang="en-US" sz="9600" dirty="0"/>
+            </a:br>
+            <a:endParaRPr lang="zh-CN" sz="9600" dirty="0">
+              <a:latin typeface="Microsoft YaHei UI" panose="020B0503020204020204" pitchFamily="34" charset="-122"/>
+              <a:ea typeface="Microsoft YaHei UI" panose="020B0503020204020204" pitchFamily="34" charset="-122"/>
+            </a:endParaRPr>
+          </a:p>
+        </p:txBody>
+      </p:sp>
+    </p:spTree>
+    <p:extLst>
+      <p:ext uri="{BB962C8B-B14F-4D97-AF65-F5344CB8AC3E}">
+        <p14:creationId xmlns:p14="http://schemas.microsoft.com/office/powerpoint/2010/main" val="1599370301"/>
+      </p:ext>
+    </p:extLst>
   </p:cSld>
   <p:clrMapOvr>
     <a:masterClrMapping/>
@@ -32610,7 +33682,7 @@
             </a:r>
             <a:r>
               <a:rPr lang="zh-CN" altLang="en-US" dirty="0"/>
-              <a:t>业务目标</a:t>
+              <a:t>业务内容</a:t>
             </a:r>
             <a:endParaRPr lang="zh-CN" dirty="0">
               <a:latin typeface="Microsoft YaHei UI" panose="020B0503020204020204" pitchFamily="34" charset="-122"/>
@@ -32635,7 +33707,7 @@
             <p:ph idx="1"/>
             <p:extLst>
               <p:ext uri="{D42A27DB-BD31-4B8C-83A1-F6EECF244321}">
-                <p14:modId xmlns:p14="http://schemas.microsoft.com/office/powerpoint/2010/main" val="1280320370"/>
+                <p14:modId xmlns:p14="http://schemas.microsoft.com/office/powerpoint/2010/main" val="1437672077"/>
               </p:ext>
             </p:extLst>
           </p:nvPr>
@@ -32678,7 +33750,7 @@
                             <a:schemeClr val="tx1"/>
                           </a:solidFill>
                         </a:rPr>
-                        <a:t>软件名称</a:t>
+                        <a:t>项目名称</a:t>
                       </a:r>
                     </a:p>
                   </a:txBody>

--- a/PRD-2017-G25-需求工程计划PPTV0.2.pptx
+++ b/PRD-2017-G25-需求工程计划PPTV0.2.pptx
@@ -372,7 +372,7 @@
           <a:p>
             <a:fld id="{2BCAFC7A-71DD-4C2C-B63D-60FDC7DD5449}" type="datetimeFigureOut">
               <a:rPr lang="en-US" altLang="zh-CN" smtClean="0"/>
-              <a:t>11/2/2017</a:t>
+              <a:t>11/3/2017</a:t>
             </a:fld>
             <a:endParaRPr lang="zh-CN"/>
           </a:p>
@@ -536,7 +536,7 @@
           </a:lstStyle>
           <a:p>
             <a:fld id="{D85ECAFD-F005-4163-B10D-85806DC43F93}" type="datetimeFigureOut">
-              <a:t>2017/11/2</a:t>
+              <a:t>2017/11/3</a:t>
             </a:fld>
             <a:endParaRPr lang="zh-CN"/>
           </a:p>
@@ -2640,7 +2640,7 @@
           <a:lstStyle/>
           <a:p>
             <a:fld id="{4AAD347D-5ACD-4C99-B74B-A9C85AD731AF}" type="datetimeFigureOut">
-              <a:t>2017/11/2</a:t>
+              <a:t>2017/11/3</a:t>
             </a:fld>
             <a:endParaRPr lang="zh-CN"/>
           </a:p>
@@ -2908,7 +2908,7 @@
           <a:lstStyle/>
           <a:p>
             <a:fld id="{4509A250-FF31-4206-8172-F9D3106AACB1}" type="datetimeFigureOut">
-              <a:t>2017/11/2</a:t>
+              <a:t>2017/11/3</a:t>
             </a:fld>
             <a:endParaRPr lang="zh-CN"/>
           </a:p>
@@ -3028,7 +3028,7 @@
           <a:lstStyle/>
           <a:p>
             <a:fld id="{4509A250-FF31-4206-8172-F9D3106AACB1}" type="datetimeFigureOut">
-              <a:t>2017/11/2</a:t>
+              <a:t>2017/11/3</a:t>
             </a:fld>
             <a:endParaRPr lang="zh-CN"/>
           </a:p>
@@ -3229,7 +3229,7 @@
             <a:fld id="{4509A250-FF31-4206-8172-F9D3106AACB1}" type="datetimeFigureOut">
               <a:rPr lang="en-US" altLang="zh-CN" smtClean="0"/>
               <a:pPr/>
-              <a:t>11/2/2017</a:t>
+              <a:t>11/3/2017</a:t>
             </a:fld>
             <a:endParaRPr lang="zh-CN" altLang="en-US"/>
           </a:p>
@@ -3701,7 +3701,7 @@
           <a:lstStyle/>
           <a:p>
             <a:fld id="{4509A250-FF31-4206-8172-F9D3106AACB1}" type="datetimeFigureOut">
-              <a:t>2017/11/2</a:t>
+              <a:t>2017/11/3</a:t>
             </a:fld>
             <a:endParaRPr lang="zh-CN"/>
           </a:p>
@@ -3835,7 +3835,7 @@
             <a:fld id="{4509A250-FF31-4206-8172-F9D3106AACB1}" type="datetimeFigureOut">
               <a:rPr lang="en-US" altLang="zh-CN" smtClean="0"/>
               <a:pPr/>
-              <a:t>11/2/2017</a:t>
+              <a:t>11/3/2017</a:t>
             </a:fld>
             <a:endParaRPr lang="zh-CN" altLang="en-US"/>
           </a:p>
@@ -4160,7 +4160,7 @@
             <a:fld id="{4509A250-FF31-4206-8172-F9D3106AACB1}" type="datetimeFigureOut">
               <a:rPr lang="en-US" altLang="zh-CN" smtClean="0"/>
               <a:pPr/>
-              <a:t>11/2/2017</a:t>
+              <a:t>11/3/2017</a:t>
             </a:fld>
             <a:endParaRPr lang="zh-CN" altLang="en-US"/>
           </a:p>
@@ -4939,7 +4939,7 @@
           <a:lstStyle/>
           <a:p>
             <a:fld id="{4509A250-FF31-4206-8172-F9D3106AACB1}" type="datetimeFigureOut">
-              <a:t>2017/11/2</a:t>
+              <a:t>2017/11/3</a:t>
             </a:fld>
             <a:endParaRPr lang="zh-CN"/>
           </a:p>
@@ -5792,7 +5792,7 @@
           <a:lstStyle/>
           <a:p>
             <a:fld id="{4509A250-FF31-4206-8172-F9D3106AACB1}" type="datetimeFigureOut">
-              <a:t>2017/11/2</a:t>
+              <a:t>2017/11/3</a:t>
             </a:fld>
             <a:endParaRPr lang="zh-CN"/>
           </a:p>
@@ -5955,7 +5955,7 @@
           <a:lstStyle/>
           <a:p>
             <a:fld id="{4509A250-FF31-4206-8172-F9D3106AACB1}" type="datetimeFigureOut">
-              <a:t>2017/11/2</a:t>
+              <a:t>2017/11/3</a:t>
             </a:fld>
             <a:endParaRPr lang="zh-CN"/>
           </a:p>
@@ -6128,7 +6128,7 @@
           <a:lstStyle/>
           <a:p>
             <a:fld id="{4509A250-FF31-4206-8172-F9D3106AACB1}" type="datetimeFigureOut">
-              <a:t>2017/11/2</a:t>
+              <a:t>2017/11/3</a:t>
             </a:fld>
             <a:endParaRPr lang="zh-CN"/>
           </a:p>
@@ -6291,7 +6291,7 @@
           <a:lstStyle/>
           <a:p>
             <a:fld id="{4509A250-FF31-4206-8172-F9D3106AACB1}" type="datetimeFigureOut">
-              <a:t>2017/11/2</a:t>
+              <a:t>2017/11/3</a:t>
             </a:fld>
             <a:endParaRPr lang="zh-CN"/>
           </a:p>
@@ -6531,7 +6531,7 @@
           <a:lstStyle/>
           <a:p>
             <a:fld id="{9796027F-7875-4030-9381-8BD8C4F21935}" type="datetimeFigureOut">
-              <a:t>2017/11/2</a:t>
+              <a:t>2017/11/3</a:t>
             </a:fld>
             <a:endParaRPr lang="zh-CN"/>
           </a:p>
@@ -6816,7 +6816,7 @@
           <a:lstStyle/>
           <a:p>
             <a:fld id="{9796027F-7875-4030-9381-8BD8C4F21935}" type="datetimeFigureOut">
-              <a:t>2017/11/2</a:t>
+              <a:t>2017/11/3</a:t>
             </a:fld>
             <a:endParaRPr lang="zh-CN"/>
           </a:p>
@@ -7253,7 +7253,7 @@
           <a:lstStyle/>
           <a:p>
             <a:fld id="{9796027F-7875-4030-9381-8BD8C4F21935}" type="datetimeFigureOut">
-              <a:t>2017/11/2</a:t>
+              <a:t>2017/11/3</a:t>
             </a:fld>
             <a:endParaRPr lang="zh-CN"/>
           </a:p>
@@ -7364,7 +7364,7 @@
           <a:lstStyle/>
           <a:p>
             <a:fld id="{4509A250-FF31-4206-8172-F9D3106AACB1}" type="datetimeFigureOut">
-              <a:t>2017/11/2</a:t>
+              <a:t>2017/11/3</a:t>
             </a:fld>
             <a:endParaRPr lang="zh-CN"/>
           </a:p>
@@ -7452,7 +7452,7 @@
           <a:lstStyle/>
           <a:p>
             <a:fld id="{4509A250-FF31-4206-8172-F9D3106AACB1}" type="datetimeFigureOut">
-              <a:t>2017/11/2</a:t>
+              <a:t>2017/11/3</a:t>
             </a:fld>
             <a:endParaRPr lang="zh-CN"/>
           </a:p>
@@ -7724,7 +7724,7 @@
           <a:lstStyle/>
           <a:p>
             <a:fld id="{4509A250-FF31-4206-8172-F9D3106AACB1}" type="datetimeFigureOut">
-              <a:t>2017/11/2</a:t>
+              <a:t>2017/11/3</a:t>
             </a:fld>
             <a:endParaRPr lang="zh-CN"/>
           </a:p>
@@ -7992,7 +7992,7 @@
           <a:lstStyle/>
           <a:p>
             <a:fld id="{4509A250-FF31-4206-8172-F9D3106AACB1}" type="datetimeFigureOut">
-              <a:t>2017/11/2</a:t>
+              <a:t>2017/11/3</a:t>
             </a:fld>
             <a:endParaRPr lang="zh-CN"/>
           </a:p>
@@ -8438,7 +8438,7 @@
             <a:fld id="{4AAD347D-5ACD-4C99-B74B-A9C85AD731AF}" type="datetimeFigureOut">
               <a:rPr lang="en-US" altLang="zh-CN" smtClean="0"/>
               <a:pPr/>
-              <a:t>11/2/2017</a:t>
+              <a:t>11/3/2017</a:t>
             </a:fld>
             <a:endParaRPr lang="zh-CN" altLang="en-US"/>
           </a:p>
@@ -31714,7 +31714,7 @@
           <a:graphicData uri="http://schemas.openxmlformats.org/presentationml/2006/ole">
             <mc:AlternateContent xmlns:mc="http://schemas.openxmlformats.org/markup-compatibility/2006">
               <mc:Choice xmlns:v="urn:schemas-microsoft-com:vml" Requires="v">
-                <p:oleObj spid="_x0000_s1061" r:id="rId3" imgW="8211820" imgH="4580890" progId="Visio.Drawing.11">
+                <p:oleObj spid="_x0000_s1062" r:id="rId3" imgW="8211820" imgH="4580890" progId="Visio.Drawing.11">
                   <p:embed/>
                 </p:oleObj>
               </mc:Choice>
@@ -32613,7 +32613,7 @@
           <a:p>
             <a:r>
               <a:rPr lang="zh-CN" altLang="en-US" dirty="0"/>
-              <a:t>经费计算</a:t>
+              <a:t>预算计算</a:t>
             </a:r>
           </a:p>
         </p:txBody>

--- a/PRD-2017-G25-需求工程计划PPTV0.2.pptx
+++ b/PRD-2017-G25-需求工程计划PPTV0.2.pptx
@@ -5,10 +5,10 @@
     <p:sldMasterId id="2147483648" r:id="rId2"/>
   </p:sldMasterIdLst>
   <p:notesMasterIdLst>
-    <p:notesMasterId r:id="rId64"/>
+    <p:notesMasterId r:id="rId65"/>
   </p:notesMasterIdLst>
   <p:handoutMasterIdLst>
-    <p:handoutMasterId r:id="rId65"/>
+    <p:handoutMasterId r:id="rId66"/>
   </p:handoutMasterIdLst>
   <p:sldIdLst>
     <p:sldId id="257" r:id="rId3"/>
@@ -31,47 +31,48 @@
     <p:sldId id="298" r:id="rId20"/>
     <p:sldId id="299" r:id="rId21"/>
     <p:sldId id="329" r:id="rId22"/>
-    <p:sldId id="319" r:id="rId23"/>
-    <p:sldId id="330" r:id="rId24"/>
-    <p:sldId id="304" r:id="rId25"/>
-    <p:sldId id="302" r:id="rId26"/>
-    <p:sldId id="303" r:id="rId27"/>
-    <p:sldId id="279" r:id="rId28"/>
-    <p:sldId id="280" r:id="rId29"/>
-    <p:sldId id="281" r:id="rId30"/>
-    <p:sldId id="282" r:id="rId31"/>
-    <p:sldId id="284" r:id="rId32"/>
-    <p:sldId id="285" r:id="rId33"/>
-    <p:sldId id="287" r:id="rId34"/>
-    <p:sldId id="288" r:id="rId35"/>
-    <p:sldId id="289" r:id="rId36"/>
-    <p:sldId id="290" r:id="rId37"/>
-    <p:sldId id="291" r:id="rId38"/>
-    <p:sldId id="292" r:id="rId39"/>
-    <p:sldId id="293" r:id="rId40"/>
-    <p:sldId id="305" r:id="rId41"/>
-    <p:sldId id="306" r:id="rId42"/>
-    <p:sldId id="307" r:id="rId43"/>
-    <p:sldId id="294" r:id="rId44"/>
-    <p:sldId id="295" r:id="rId45"/>
-    <p:sldId id="301" r:id="rId46"/>
-    <p:sldId id="321" r:id="rId47"/>
-    <p:sldId id="322" r:id="rId48"/>
-    <p:sldId id="323" r:id="rId49"/>
-    <p:sldId id="324" r:id="rId50"/>
-    <p:sldId id="327" r:id="rId51"/>
-    <p:sldId id="325" r:id="rId52"/>
-    <p:sldId id="308" r:id="rId53"/>
-    <p:sldId id="309" r:id="rId54"/>
-    <p:sldId id="310" r:id="rId55"/>
-    <p:sldId id="311" r:id="rId56"/>
-    <p:sldId id="314" r:id="rId57"/>
-    <p:sldId id="315" r:id="rId58"/>
-    <p:sldId id="316" r:id="rId59"/>
-    <p:sldId id="331" r:id="rId60"/>
-    <p:sldId id="317" r:id="rId61"/>
-    <p:sldId id="328" r:id="rId62"/>
-    <p:sldId id="318" r:id="rId63"/>
+    <p:sldId id="332" r:id="rId23"/>
+    <p:sldId id="333" r:id="rId24"/>
+    <p:sldId id="319" r:id="rId25"/>
+    <p:sldId id="330" r:id="rId26"/>
+    <p:sldId id="304" r:id="rId27"/>
+    <p:sldId id="302" r:id="rId28"/>
+    <p:sldId id="303" r:id="rId29"/>
+    <p:sldId id="279" r:id="rId30"/>
+    <p:sldId id="280" r:id="rId31"/>
+    <p:sldId id="281" r:id="rId32"/>
+    <p:sldId id="282" r:id="rId33"/>
+    <p:sldId id="284" r:id="rId34"/>
+    <p:sldId id="285" r:id="rId35"/>
+    <p:sldId id="287" r:id="rId36"/>
+    <p:sldId id="288" r:id="rId37"/>
+    <p:sldId id="289" r:id="rId38"/>
+    <p:sldId id="290" r:id="rId39"/>
+    <p:sldId id="291" r:id="rId40"/>
+    <p:sldId id="292" r:id="rId41"/>
+    <p:sldId id="293" r:id="rId42"/>
+    <p:sldId id="305" r:id="rId43"/>
+    <p:sldId id="306" r:id="rId44"/>
+    <p:sldId id="307" r:id="rId45"/>
+    <p:sldId id="294" r:id="rId46"/>
+    <p:sldId id="295" r:id="rId47"/>
+    <p:sldId id="301" r:id="rId48"/>
+    <p:sldId id="321" r:id="rId49"/>
+    <p:sldId id="322" r:id="rId50"/>
+    <p:sldId id="323" r:id="rId51"/>
+    <p:sldId id="324" r:id="rId52"/>
+    <p:sldId id="327" r:id="rId53"/>
+    <p:sldId id="325" r:id="rId54"/>
+    <p:sldId id="308" r:id="rId55"/>
+    <p:sldId id="309" r:id="rId56"/>
+    <p:sldId id="310" r:id="rId57"/>
+    <p:sldId id="314" r:id="rId58"/>
+    <p:sldId id="315" r:id="rId59"/>
+    <p:sldId id="316" r:id="rId60"/>
+    <p:sldId id="331" r:id="rId61"/>
+    <p:sldId id="317" r:id="rId62"/>
+    <p:sldId id="328" r:id="rId63"/>
+    <p:sldId id="318" r:id="rId64"/>
   </p:sldIdLst>
   <p:sldSz cx="12192000" cy="6858000"/>
   <p:notesSz cx="7023100" cy="9309100"/>
@@ -1305,7 +1306,7 @@
             <a:fld id="{5257B995-136A-4A15-87A5-26420C3C1021}" type="slidenum">
               <a:rPr lang="en-US" altLang="zh-CN" smtClean="0"/>
               <a:pPr/>
-              <a:t>27</a:t>
+              <a:t>29</a:t>
             </a:fld>
             <a:endParaRPr lang="zh-CN"/>
           </a:p>
@@ -1392,7 +1393,7 @@
             <a:fld id="{5257B995-136A-4A15-87A5-26420C3C1021}" type="slidenum">
               <a:rPr lang="en-US" altLang="zh-CN" smtClean="0"/>
               <a:pPr/>
-              <a:t>28</a:t>
+              <a:t>30</a:t>
             </a:fld>
             <a:endParaRPr lang="zh-CN"/>
           </a:p>
@@ -1479,7 +1480,7 @@
             <a:fld id="{5257B995-136A-4A15-87A5-26420C3C1021}" type="slidenum">
               <a:rPr lang="en-US" altLang="zh-CN" smtClean="0"/>
               <a:pPr/>
-              <a:t>29</a:t>
+              <a:t>31</a:t>
             </a:fld>
             <a:endParaRPr lang="zh-CN"/>
           </a:p>
@@ -1566,7 +1567,7 @@
             <a:fld id="{5257B995-136A-4A15-87A5-26420C3C1021}" type="slidenum">
               <a:rPr lang="en-US" altLang="zh-CN" smtClean="0"/>
               <a:pPr/>
-              <a:t>30</a:t>
+              <a:t>32</a:t>
             </a:fld>
             <a:endParaRPr lang="zh-CN"/>
           </a:p>
@@ -1653,7 +1654,7 @@
             <a:fld id="{5257B995-136A-4A15-87A5-26420C3C1021}" type="slidenum">
               <a:rPr lang="en-US" altLang="zh-CN" smtClean="0"/>
               <a:pPr/>
-              <a:t>31</a:t>
+              <a:t>33</a:t>
             </a:fld>
             <a:endParaRPr lang="zh-CN"/>
           </a:p>
@@ -1740,7 +1741,7 @@
             <a:fld id="{5257B995-136A-4A15-87A5-26420C3C1021}" type="slidenum">
               <a:rPr lang="en-US" altLang="zh-CN" smtClean="0"/>
               <a:pPr/>
-              <a:t>32</a:t>
+              <a:t>34</a:t>
             </a:fld>
             <a:endParaRPr lang="zh-CN"/>
           </a:p>
@@ -10659,7 +10660,7 @@
           <a:p>
             <a:r>
               <a:rPr lang="en-US" altLang="zh-CN" dirty="0"/>
-              <a:t>2.3 </a:t>
+              <a:t>2.4 </a:t>
             </a:r>
             <a:r>
               <a:rPr lang="zh-CN" altLang="en-US" dirty="0"/>
@@ -10992,7 +10993,7 @@
           <a:p>
             <a:r>
               <a:rPr lang="en-US" altLang="zh-CN" dirty="0"/>
-              <a:t>2.4 </a:t>
+              <a:t>2.5 </a:t>
             </a:r>
             <a:r>
               <a:rPr lang="zh-CN" altLang="en-US" dirty="0"/>
@@ -11289,7 +11290,7 @@
           <a:p>
             <a:r>
               <a:rPr lang="en-US" altLang="zh-CN" dirty="0"/>
-              <a:t>2.5 </a:t>
+              <a:t>2.6 </a:t>
             </a:r>
             <a:r>
               <a:rPr lang="zh-CN" altLang="en-US" dirty="0"/>
@@ -13738,6 +13739,290 @@
             <p:ph type="title"/>
           </p:nvPr>
         </p:nvSpPr>
+        <p:spPr/>
+        <p:txBody>
+          <a:bodyPr/>
+          <a:lstStyle/>
+          <a:p>
+            <a:r>
+              <a:rPr lang="en-US" altLang="zh-CN" dirty="0"/>
+              <a:t>3.2WBS</a:t>
+            </a:r>
+            <a:r>
+              <a:rPr lang="zh-CN" altLang="en-US" dirty="0"/>
+              <a:t>图</a:t>
+            </a:r>
+          </a:p>
+        </p:txBody>
+      </p:sp>
+      <p:sp>
+        <p:nvSpPr>
+          <p:cNvPr id="3" name="Rectangle 2">
+            <a:extLst>
+              <a:ext uri="{FF2B5EF4-FFF2-40B4-BE49-F238E27FC236}">
+                <a16:creationId xmlns:a16="http://schemas.microsoft.com/office/drawing/2014/main" id="{CD67ED4D-6D98-4385-8208-8B6A8409B373}"/>
+              </a:ext>
+            </a:extLst>
+          </p:cNvPr>
+          <p:cNvSpPr>
+            <a:spLocks noChangeArrowheads="1"/>
+          </p:cNvSpPr>
+          <p:nvPr/>
+        </p:nvSpPr>
+        <p:spPr bwMode="auto">
+          <a:xfrm>
+            <a:off x="2488287" y="1622399"/>
+            <a:ext cx="12192000" cy="0"/>
+          </a:xfrm>
+          <a:prstGeom prst="rect">
+            <a:avLst/>
+          </a:prstGeom>
+          <a:noFill/>
+          <a:ln>
+            <a:noFill/>
+          </a:ln>
+          <a:effectLst/>
+          <a:extLst>
+            <a:ext uri="{909E8E84-426E-40DD-AFC4-6F175D3DCCD1}">
+              <a14:hiddenFill xmlns:a14="http://schemas.microsoft.com/office/drawing/2010/main">
+                <a:solidFill>
+                  <a:schemeClr val="accent1"/>
+                </a:solidFill>
+              </a14:hiddenFill>
+            </a:ext>
+            <a:ext uri="{91240B29-F687-4F45-9708-019B960494DF}">
+              <a14:hiddenLine xmlns:a14="http://schemas.microsoft.com/office/drawing/2010/main" w="9525">
+                <a:solidFill>
+                  <a:schemeClr val="tx1"/>
+                </a:solidFill>
+                <a:miter lim="800000"/>
+                <a:headEnd/>
+                <a:tailEnd/>
+              </a14:hiddenLine>
+            </a:ext>
+            <a:ext uri="{AF507438-7753-43E0-B8FC-AC1667EBCBE1}">
+              <a14:hiddenEffects xmlns:a14="http://schemas.microsoft.com/office/drawing/2010/main">
+                <a:effectLst>
+                  <a:outerShdw dist="35921" dir="2700000" algn="ctr" rotWithShape="0">
+                    <a:schemeClr val="bg2"/>
+                  </a:outerShdw>
+                </a:effectLst>
+              </a14:hiddenEffects>
+            </a:ext>
+          </a:extLst>
+        </p:spPr>
+        <p:txBody>
+          <a:bodyPr vert="horz" wrap="none" lIns="91440" tIns="45720" rIns="91440" bIns="45720" numCol="1" anchor="ctr" anchorCtr="0" compatLnSpc="1">
+            <a:prstTxWarp prst="textNoShape">
+              <a:avLst/>
+            </a:prstTxWarp>
+            <a:spAutoFit/>
+          </a:bodyPr>
+          <a:lstStyle/>
+          <a:p>
+            <a:endParaRPr lang="zh-CN" altLang="en-US"/>
+          </a:p>
+        </p:txBody>
+      </p:sp>
+      <p:graphicFrame>
+        <p:nvGraphicFramePr>
+          <p:cNvPr id="4" name="对象 3">
+            <a:extLst>
+              <a:ext uri="{FF2B5EF4-FFF2-40B4-BE49-F238E27FC236}">
+                <a16:creationId xmlns:a16="http://schemas.microsoft.com/office/drawing/2014/main" id="{2DBADE5A-02A2-400F-993B-FABA5B953CA0}"/>
+              </a:ext>
+            </a:extLst>
+          </p:cNvPr>
+          <p:cNvGraphicFramePr>
+            <a:graphicFrameLocks noChangeAspect="1"/>
+          </p:cNvGraphicFramePr>
+          <p:nvPr>
+            <p:extLst>
+              <p:ext uri="{D42A27DB-BD31-4B8C-83A1-F6EECF244321}">
+                <p14:modId xmlns:p14="http://schemas.microsoft.com/office/powerpoint/2010/main" val="3629556689"/>
+              </p:ext>
+            </p:extLst>
+          </p:nvPr>
+        </p:nvGraphicFramePr>
+        <p:xfrm>
+          <a:off x="1229939" y="452717"/>
+          <a:ext cx="10453674" cy="5906137"/>
+        </p:xfrm>
+        <a:graphic>
+          <a:graphicData uri="http://schemas.openxmlformats.org/presentationml/2006/ole">
+            <mc:AlternateContent xmlns:mc="http://schemas.openxmlformats.org/markup-compatibility/2006">
+              <mc:Choice xmlns:v="urn:schemas-microsoft-com:vml" Requires="v">
+                <p:oleObj spid="_x0000_s2060" name="Visio" r:id="rId3" imgW="30136973" imgH="17059275" progId="Visio.Drawing.15">
+                  <p:embed/>
+                </p:oleObj>
+              </mc:Choice>
+              <mc:Fallback>
+                <p:oleObj name="Visio" r:id="rId3" imgW="30136973" imgH="17059275" progId="Visio.Drawing.15">
+                  <p:embed/>
+                  <p:pic>
+                    <p:nvPicPr>
+                      <p:cNvPr id="0" name="Object 1"/>
+                      <p:cNvPicPr>
+                        <a:picLocks noChangeAspect="1" noChangeArrowheads="1"/>
+                      </p:cNvPicPr>
+                      <p:nvPr/>
+                    </p:nvPicPr>
+                    <p:blipFill>
+                      <a:blip r:embed="rId4">
+                        <a:extLst>
+                          <a:ext uri="{28A0092B-C50C-407E-A947-70E740481C1C}">
+                            <a14:useLocalDpi xmlns:a14="http://schemas.microsoft.com/office/drawing/2010/main" val="0"/>
+                          </a:ext>
+                        </a:extLst>
+                      </a:blip>
+                      <a:srcRect/>
+                      <a:stretch>
+                        <a:fillRect/>
+                      </a:stretch>
+                    </p:blipFill>
+                    <p:spPr bwMode="auto">
+                      <a:xfrm>
+                        <a:off x="1229939" y="452717"/>
+                        <a:ext cx="10453674" cy="5906137"/>
+                      </a:xfrm>
+                      <a:prstGeom prst="rect">
+                        <a:avLst/>
+                      </a:prstGeom>
+                      <a:noFill/>
+                    </p:spPr>
+                  </p:pic>
+                </p:oleObj>
+              </mc:Fallback>
+            </mc:AlternateContent>
+          </a:graphicData>
+        </a:graphic>
+      </p:graphicFrame>
+    </p:spTree>
+    <p:extLst>
+      <p:ext uri="{BB962C8B-B14F-4D97-AF65-F5344CB8AC3E}">
+        <p14:creationId xmlns:p14="http://schemas.microsoft.com/office/powerpoint/2010/main" val="3766203500"/>
+      </p:ext>
+    </p:extLst>
+  </p:cSld>
+  <p:clrMapOvr>
+    <a:masterClrMapping/>
+  </p:clrMapOvr>
+</p:sld>
+</file>
+
+<file path=ppt/slides/slide22.xml><?xml version="1.0" encoding="utf-8"?>
+<p:sld xmlns:a="http://schemas.openxmlformats.org/drawingml/2006/main" xmlns:r="http://schemas.openxmlformats.org/officeDocument/2006/relationships" xmlns:p="http://schemas.openxmlformats.org/presentationml/2006/main">
+  <p:cSld>
+    <p:spTree>
+      <p:nvGrpSpPr>
+        <p:cNvPr id="1" name=""/>
+        <p:cNvGrpSpPr/>
+        <p:nvPr/>
+      </p:nvGrpSpPr>
+      <p:grpSpPr>
+        <a:xfrm>
+          <a:off x="0" y="0"/>
+          <a:ext cx="0" cy="0"/>
+          <a:chOff x="0" y="0"/>
+          <a:chExt cx="0" cy="0"/>
+        </a:xfrm>
+      </p:grpSpPr>
+      <p:sp>
+        <p:nvSpPr>
+          <p:cNvPr id="2" name="标题 1"/>
+          <p:cNvSpPr>
+            <a:spLocks noGrp="1"/>
+          </p:cNvSpPr>
+          <p:nvPr>
+            <p:ph type="title"/>
+          </p:nvPr>
+        </p:nvSpPr>
+        <p:spPr/>
+        <p:txBody>
+          <a:bodyPr/>
+          <a:lstStyle/>
+          <a:p>
+            <a:r>
+              <a:rPr lang="en-US" altLang="zh-CN" dirty="0"/>
+              <a:t>OBS</a:t>
+            </a:r>
+            <a:r>
+              <a:rPr lang="zh-CN" altLang="en-US" dirty="0"/>
+              <a:t>图</a:t>
+            </a:r>
+          </a:p>
+        </p:txBody>
+      </p:sp>
+      <p:pic>
+        <p:nvPicPr>
+          <p:cNvPr id="3" name="图片 2">
+            <a:extLst>
+              <a:ext uri="{FF2B5EF4-FFF2-40B4-BE49-F238E27FC236}">
+                <a16:creationId xmlns:a16="http://schemas.microsoft.com/office/drawing/2014/main" id="{7850030C-A93B-4F21-A28E-76B8D2D3836E}"/>
+              </a:ext>
+            </a:extLst>
+          </p:cNvPr>
+          <p:cNvPicPr>
+            <a:picLocks noChangeAspect="1"/>
+          </p:cNvPicPr>
+          <p:nvPr/>
+        </p:nvPicPr>
+        <p:blipFill>
+          <a:blip r:embed="rId2"/>
+          <a:stretch>
+            <a:fillRect/>
+          </a:stretch>
+        </p:blipFill>
+        <p:spPr>
+          <a:xfrm>
+            <a:off x="2395713" y="553674"/>
+            <a:ext cx="7906138" cy="5708708"/>
+          </a:xfrm>
+          <a:prstGeom prst="rect">
+            <a:avLst/>
+          </a:prstGeom>
+        </p:spPr>
+      </p:pic>
+    </p:spTree>
+    <p:extLst>
+      <p:ext uri="{BB962C8B-B14F-4D97-AF65-F5344CB8AC3E}">
+        <p14:creationId xmlns:p14="http://schemas.microsoft.com/office/powerpoint/2010/main" val="3550024666"/>
+      </p:ext>
+    </p:extLst>
+  </p:cSld>
+  <p:clrMapOvr>
+    <a:masterClrMapping/>
+  </p:clrMapOvr>
+</p:sld>
+</file>
+
+<file path=ppt/slides/slide23.xml><?xml version="1.0" encoding="utf-8"?>
+<p:sld xmlns:a="http://schemas.openxmlformats.org/drawingml/2006/main" xmlns:r="http://schemas.openxmlformats.org/officeDocument/2006/relationships" xmlns:p="http://schemas.openxmlformats.org/presentationml/2006/main">
+  <p:cSld>
+    <p:spTree>
+      <p:nvGrpSpPr>
+        <p:cNvPr id="1" name=""/>
+        <p:cNvGrpSpPr/>
+        <p:nvPr/>
+      </p:nvGrpSpPr>
+      <p:grpSpPr>
+        <a:xfrm>
+          <a:off x="0" y="0"/>
+          <a:ext cx="0" cy="0"/>
+          <a:chOff x="0" y="0"/>
+          <a:chExt cx="0" cy="0"/>
+        </a:xfrm>
+      </p:grpSpPr>
+      <p:sp>
+        <p:nvSpPr>
+          <p:cNvPr id="2" name="标题 1"/>
+          <p:cNvSpPr>
+            <a:spLocks noGrp="1"/>
+          </p:cNvSpPr>
+          <p:nvPr>
+            <p:ph type="title"/>
+          </p:nvPr>
+        </p:nvSpPr>
         <p:spPr>
           <a:xfrm>
             <a:off x="646111" y="452718"/>
@@ -13750,7 +14035,7 @@
           <a:p>
             <a:r>
               <a:rPr lang="en-US" altLang="zh-CN" dirty="0"/>
-              <a:t>3.3</a:t>
+              <a:t>3.4</a:t>
             </a:r>
             <a:r>
               <a:rPr lang="zh-CN" altLang="en-US" dirty="0"/>
@@ -13801,7 +14086,7 @@
 </p:sld>
 </file>
 
-<file path=ppt/slides/slide22.xml><?xml version="1.0" encoding="utf-8"?>
+<file path=ppt/slides/slide24.xml><?xml version="1.0" encoding="utf-8"?>
 <p:sld xmlns:a="http://schemas.openxmlformats.org/drawingml/2006/main" xmlns:r="http://schemas.openxmlformats.org/officeDocument/2006/relationships" xmlns:p="http://schemas.openxmlformats.org/presentationml/2006/main">
   <p:cSld>
     <p:spTree>
@@ -13840,7 +14125,7 @@
           <a:p>
             <a:r>
               <a:rPr lang="en-US" altLang="zh-CN" dirty="0"/>
-              <a:t>3.4</a:t>
+              <a:t>3.5</a:t>
             </a:r>
             <a:r>
               <a:rPr lang="zh-CN" altLang="en-US" dirty="0"/>
@@ -14311,7 +14596,7 @@
 </p:sld>
 </file>
 
-<file path=ppt/slides/slide23.xml><?xml version="1.0" encoding="utf-8"?>
+<file path=ppt/slides/slide25.xml><?xml version="1.0" encoding="utf-8"?>
 <p:sld xmlns:a="http://schemas.openxmlformats.org/drawingml/2006/main" xmlns:r="http://schemas.openxmlformats.org/officeDocument/2006/relationships" xmlns:p="http://schemas.openxmlformats.org/presentationml/2006/main">
   <p:cSld>
     <p:spTree>
@@ -14425,7 +14710,7 @@
 </p:sld>
 </file>
 
-<file path=ppt/slides/slide24.xml><?xml version="1.0" encoding="utf-8"?>
+<file path=ppt/slides/slide26.xml><?xml version="1.0" encoding="utf-8"?>
 <p:sld xmlns:a="http://schemas.openxmlformats.org/drawingml/2006/main" xmlns:r="http://schemas.openxmlformats.org/officeDocument/2006/relationships" xmlns:p="http://schemas.openxmlformats.org/presentationml/2006/main">
   <p:cSld>
     <p:spTree>
@@ -14798,7 +15083,7 @@
 </p:sld>
 </file>
 
-<file path=ppt/slides/slide25.xml><?xml version="1.0" encoding="utf-8"?>
+<file path=ppt/slides/slide27.xml><?xml version="1.0" encoding="utf-8"?>
 <p:sld xmlns:a="http://schemas.openxmlformats.org/drawingml/2006/main" xmlns:r="http://schemas.openxmlformats.org/officeDocument/2006/relationships" xmlns:p="http://schemas.openxmlformats.org/presentationml/2006/main">
   <p:cSld>
     <p:spTree>
@@ -15278,7 +15563,7 @@
 </p:sld>
 </file>
 
-<file path=ppt/slides/slide26.xml><?xml version="1.0" encoding="utf-8"?>
+<file path=ppt/slides/slide28.xml><?xml version="1.0" encoding="utf-8"?>
 <p:sld xmlns:a="http://schemas.openxmlformats.org/drawingml/2006/main" xmlns:r="http://schemas.openxmlformats.org/officeDocument/2006/relationships" xmlns:p="http://schemas.openxmlformats.org/presentationml/2006/main">
   <p:cSld>
     <p:spTree>
@@ -15379,514 +15664,6 @@
     <p:extLst>
       <p:ext uri="{BB962C8B-B14F-4D97-AF65-F5344CB8AC3E}">
         <p14:creationId xmlns:p14="http://schemas.microsoft.com/office/powerpoint/2010/main" val="279635179"/>
-      </p:ext>
-    </p:extLst>
-  </p:cSld>
-  <p:clrMapOvr>
-    <a:masterClrMapping/>
-  </p:clrMapOvr>
-</p:sld>
-</file>
-
-<file path=ppt/slides/slide27.xml><?xml version="1.0" encoding="utf-8"?>
-<p:sld xmlns:a="http://schemas.openxmlformats.org/drawingml/2006/main" xmlns:r="http://schemas.openxmlformats.org/officeDocument/2006/relationships" xmlns:p="http://schemas.openxmlformats.org/presentationml/2006/main">
-  <p:cSld>
-    <p:spTree>
-      <p:nvGrpSpPr>
-        <p:cNvPr id="1" name=""/>
-        <p:cNvGrpSpPr/>
-        <p:nvPr/>
-      </p:nvGrpSpPr>
-      <p:grpSpPr>
-        <a:xfrm>
-          <a:off x="0" y="0"/>
-          <a:ext cx="0" cy="0"/>
-          <a:chOff x="0" y="0"/>
-          <a:chExt cx="0" cy="0"/>
-        </a:xfrm>
-      </p:grpSpPr>
-      <p:sp>
-        <p:nvSpPr>
-          <p:cNvPr id="2" name="矩形 1"/>
-          <p:cNvSpPr>
-            <a:spLocks noGrp="1"/>
-          </p:cNvSpPr>
-          <p:nvPr>
-            <p:ph type="title"/>
-          </p:nvPr>
-        </p:nvSpPr>
-        <p:spPr/>
-        <p:txBody>
-          <a:bodyPr/>
-          <a:lstStyle/>
-          <a:p>
-            <a:r>
-              <a:rPr lang="en-US" altLang="zh-CN" dirty="0"/>
-              <a:t>5.1 </a:t>
-            </a:r>
-            <a:r>
-              <a:rPr lang="zh-CN" altLang="en-US" dirty="0"/>
-              <a:t>教师</a:t>
-            </a:r>
-            <a:r>
-              <a:rPr lang="en-US" altLang="zh-CN" dirty="0"/>
-              <a:t>(</a:t>
-            </a:r>
-            <a:r>
-              <a:rPr lang="zh-CN" altLang="en-US" dirty="0"/>
-              <a:t>助教</a:t>
-            </a:r>
-            <a:r>
-              <a:rPr lang="en-US" altLang="zh-CN" dirty="0"/>
-              <a:t>)</a:t>
-            </a:r>
-            <a:r>
-              <a:rPr lang="zh-CN" altLang="en-US" dirty="0"/>
-              <a:t>需求</a:t>
-            </a:r>
-          </a:p>
-        </p:txBody>
-      </p:sp>
-      <p:sp>
-        <p:nvSpPr>
-          <p:cNvPr id="3" name="矩形 2"/>
-          <p:cNvSpPr>
-            <a:spLocks noGrp="1"/>
-          </p:cNvSpPr>
-          <p:nvPr>
-            <p:ph idx="1"/>
-          </p:nvPr>
-        </p:nvSpPr>
-        <p:spPr/>
-        <p:txBody>
-          <a:bodyPr>
-            <a:normAutofit fontScale="77500" lnSpcReduction="20000"/>
-          </a:bodyPr>
-          <a:lstStyle/>
-          <a:p>
-            <a:r>
-              <a:rPr lang="en-US" altLang="zh-CN" sz="2400" b="1" dirty="0">
-                <a:solidFill>
-                  <a:schemeClr val="tx1">
-                    <a:lumMod val="50000"/>
-                    <a:lumOff val="50000"/>
-                  </a:schemeClr>
-                </a:solidFill>
-                <a:latin typeface="微软雅黑" panose="020B0503020204020204" pitchFamily="34" charset="-122"/>
-                <a:ea typeface="微软雅黑" panose="020B0503020204020204" pitchFamily="34" charset="-122"/>
-              </a:rPr>
-              <a:t>1</a:t>
-            </a:r>
-            <a:r>
-              <a:rPr lang="zh-CN" altLang="en-US" sz="2400" b="1" dirty="0">
-                <a:solidFill>
-                  <a:schemeClr val="tx1">
-                    <a:lumMod val="50000"/>
-                    <a:lumOff val="50000"/>
-                  </a:schemeClr>
-                </a:solidFill>
-                <a:latin typeface="微软雅黑" panose="020B0503020204020204" pitchFamily="34" charset="-122"/>
-                <a:ea typeface="微软雅黑" panose="020B0503020204020204" pitchFamily="34" charset="-122"/>
-              </a:rPr>
-              <a:t>、网站上要有系统的课程介绍包括项目管理</a:t>
-            </a:r>
-            <a:r>
-              <a:rPr lang="en-US" altLang="zh-CN" sz="2400" b="1" dirty="0">
-                <a:solidFill>
-                  <a:schemeClr val="tx1">
-                    <a:lumMod val="50000"/>
-                    <a:lumOff val="50000"/>
-                  </a:schemeClr>
-                </a:solidFill>
-                <a:latin typeface="微软雅黑" panose="020B0503020204020204" pitchFamily="34" charset="-122"/>
-                <a:ea typeface="微软雅黑" panose="020B0503020204020204" pitchFamily="34" charset="-122"/>
-              </a:rPr>
-              <a:t>,</a:t>
-            </a:r>
-            <a:r>
-              <a:rPr lang="zh-CN" altLang="en-US" sz="2400" b="1" dirty="0">
-                <a:solidFill>
-                  <a:schemeClr val="tx1">
-                    <a:lumMod val="50000"/>
-                    <a:lumOff val="50000"/>
-                  </a:schemeClr>
-                </a:solidFill>
-                <a:latin typeface="微软雅黑" panose="020B0503020204020204" pitchFamily="34" charset="-122"/>
-                <a:ea typeface="微软雅黑" panose="020B0503020204020204" pitchFamily="34" charset="-122"/>
-              </a:rPr>
-              <a:t>需求工程等几门课的课时安排、教学计划、使用教材、国际国内背景、考核方式、和学生选这门课所需要的知识背景，以及大作业的介绍。并可以在以后增加另外课程的时候可以定制</a:t>
-            </a:r>
-            <a:r>
-              <a:rPr lang="en-US" altLang="zh-CN" sz="2400" b="1" dirty="0">
-                <a:solidFill>
-                  <a:schemeClr val="tx1">
-                    <a:lumMod val="50000"/>
-                    <a:lumOff val="50000"/>
-                  </a:schemeClr>
-                </a:solidFill>
-                <a:latin typeface="微软雅黑" panose="020B0503020204020204" pitchFamily="34" charset="-122"/>
-                <a:ea typeface="微软雅黑" panose="020B0503020204020204" pitchFamily="34" charset="-122"/>
-              </a:rPr>
-              <a:t>.</a:t>
-            </a:r>
-          </a:p>
-          <a:p>
-            <a:r>
-              <a:rPr lang="en-US" altLang="zh-CN" sz="2400" b="1" dirty="0">
-                <a:solidFill>
-                  <a:schemeClr val="tx1">
-                    <a:lumMod val="50000"/>
-                    <a:lumOff val="50000"/>
-                  </a:schemeClr>
-                </a:solidFill>
-                <a:latin typeface="微软雅黑" panose="020B0503020204020204" pitchFamily="34" charset="-122"/>
-                <a:ea typeface="微软雅黑" panose="020B0503020204020204" pitchFamily="34" charset="-122"/>
-              </a:rPr>
-              <a:t>	2</a:t>
-            </a:r>
-            <a:r>
-              <a:rPr lang="zh-CN" altLang="en-US" sz="2400" b="1" dirty="0">
-                <a:solidFill>
-                  <a:schemeClr val="tx1">
-                    <a:lumMod val="50000"/>
-                    <a:lumOff val="50000"/>
-                  </a:schemeClr>
-                </a:solidFill>
-                <a:latin typeface="微软雅黑" panose="020B0503020204020204" pitchFamily="34" charset="-122"/>
-                <a:ea typeface="微软雅黑" panose="020B0503020204020204" pitchFamily="34" charset="-122"/>
-              </a:rPr>
-              <a:t>、网站要有教师介绍，对任课老师的以往教学、科研成果，及其教学风格，出版书 籍，所获荣誉的详细介绍课件、模板、参考资料、以往优秀作业、教学视频、音频资料下载，可以及时更新。本班老师同学可以通过账号下载，其他用户可以在线浏览简化版课件。</a:t>
-            </a:r>
-          </a:p>
-          <a:p>
-            <a:r>
-              <a:rPr lang="en-US" altLang="zh-CN" sz="2400" b="1" dirty="0">
-                <a:solidFill>
-                  <a:schemeClr val="tx1">
-                    <a:lumMod val="50000"/>
-                    <a:lumOff val="50000"/>
-                  </a:schemeClr>
-                </a:solidFill>
-                <a:latin typeface="微软雅黑" panose="020B0503020204020204" pitchFamily="34" charset="-122"/>
-                <a:ea typeface="微软雅黑" panose="020B0503020204020204" pitchFamily="34" charset="-122"/>
-              </a:rPr>
-              <a:t>	3</a:t>
-            </a:r>
-            <a:r>
-              <a:rPr lang="zh-CN" altLang="en-US" sz="2400" b="1" dirty="0">
-                <a:solidFill>
-                  <a:schemeClr val="tx1">
-                    <a:lumMod val="50000"/>
-                    <a:lumOff val="50000"/>
-                  </a:schemeClr>
-                </a:solidFill>
-                <a:latin typeface="微软雅黑" panose="020B0503020204020204" pitchFamily="34" charset="-122"/>
-                <a:ea typeface="微软雅黑" panose="020B0503020204020204" pitchFamily="34" charset="-122"/>
-              </a:rPr>
-              <a:t>、教师消息发布栏用于老师发布作业点评、临时课程变更等通知。</a:t>
-            </a:r>
-          </a:p>
-          <a:p>
-            <a:r>
-              <a:rPr lang="en-US" altLang="zh-CN" sz="2400" b="1" dirty="0">
-                <a:solidFill>
-                  <a:schemeClr val="tx1">
-                    <a:lumMod val="50000"/>
-                    <a:lumOff val="50000"/>
-                  </a:schemeClr>
-                </a:solidFill>
-                <a:latin typeface="微软雅黑" panose="020B0503020204020204" pitchFamily="34" charset="-122"/>
-                <a:ea typeface="微软雅黑" panose="020B0503020204020204" pitchFamily="34" charset="-122"/>
-              </a:rPr>
-              <a:t>	4</a:t>
-            </a:r>
-            <a:r>
-              <a:rPr lang="zh-CN" altLang="en-US" sz="2400" b="1" dirty="0">
-                <a:solidFill>
-                  <a:schemeClr val="tx1">
-                    <a:lumMod val="50000"/>
-                    <a:lumOff val="50000"/>
-                  </a:schemeClr>
-                </a:solidFill>
-                <a:latin typeface="微软雅黑" panose="020B0503020204020204" pitchFamily="34" charset="-122"/>
-                <a:ea typeface="微软雅黑" panose="020B0503020204020204" pitchFamily="34" charset="-122"/>
-              </a:rPr>
-              <a:t>、网站上要有网站向导即使用指南。</a:t>
-            </a:r>
-          </a:p>
-          <a:p>
-            <a:r>
-              <a:rPr lang="en-US" altLang="zh-CN" sz="2400" b="1" dirty="0">
-                <a:solidFill>
-                  <a:schemeClr val="tx1">
-                    <a:lumMod val="50000"/>
-                    <a:lumOff val="50000"/>
-                  </a:schemeClr>
-                </a:solidFill>
-                <a:latin typeface="微软雅黑" panose="020B0503020204020204" pitchFamily="34" charset="-122"/>
-                <a:ea typeface="微软雅黑" panose="020B0503020204020204" pitchFamily="34" charset="-122"/>
-              </a:rPr>
-              <a:t>	5</a:t>
-            </a:r>
-            <a:r>
-              <a:rPr lang="zh-CN" altLang="en-US" sz="2400" b="1" dirty="0">
-                <a:solidFill>
-                  <a:schemeClr val="tx1">
-                    <a:lumMod val="50000"/>
-                    <a:lumOff val="50000"/>
-                  </a:schemeClr>
-                </a:solidFill>
-                <a:latin typeface="微软雅黑" panose="020B0503020204020204" pitchFamily="34" charset="-122"/>
-                <a:ea typeface="微软雅黑" panose="020B0503020204020204" pitchFamily="34" charset="-122"/>
-              </a:rPr>
-              <a:t>、最新信息：公布老师最近的一些教学或外出交流的心得，以及网站一些最近更新信息的介绍。</a:t>
-            </a:r>
-          </a:p>
-          <a:p>
-            <a:r>
-              <a:rPr lang="en-US" altLang="zh-CN" sz="2400" b="1" dirty="0">
-                <a:solidFill>
-                  <a:schemeClr val="tx1">
-                    <a:lumMod val="50000"/>
-                    <a:lumOff val="50000"/>
-                  </a:schemeClr>
-                </a:solidFill>
-                <a:latin typeface="微软雅黑" panose="020B0503020204020204" pitchFamily="34" charset="-122"/>
-                <a:ea typeface="微软雅黑" panose="020B0503020204020204" pitchFamily="34" charset="-122"/>
-              </a:rPr>
-              <a:t>	6</a:t>
-            </a:r>
-            <a:r>
-              <a:rPr lang="zh-CN" altLang="en-US" sz="2400" b="1" dirty="0">
-                <a:solidFill>
-                  <a:schemeClr val="tx1">
-                    <a:lumMod val="50000"/>
-                    <a:lumOff val="50000"/>
-                  </a:schemeClr>
-                </a:solidFill>
-                <a:latin typeface="微软雅黑" panose="020B0503020204020204" pitchFamily="34" charset="-122"/>
-                <a:ea typeface="微软雅黑" panose="020B0503020204020204" pitchFamily="34" charset="-122"/>
-              </a:rPr>
-              <a:t>、友情连接（如网上选课主页）有老师要求管理员实时更新。</a:t>
-            </a:r>
-          </a:p>
-          <a:p>
-            <a:r>
-              <a:rPr lang="en-US" altLang="zh-CN" sz="2400" b="1" dirty="0">
-                <a:solidFill>
-                  <a:schemeClr val="tx1">
-                    <a:lumMod val="50000"/>
-                    <a:lumOff val="50000"/>
-                  </a:schemeClr>
-                </a:solidFill>
-                <a:latin typeface="微软雅黑" panose="020B0503020204020204" pitchFamily="34" charset="-122"/>
-                <a:ea typeface="微软雅黑" panose="020B0503020204020204" pitchFamily="34" charset="-122"/>
-              </a:rPr>
-              <a:t>	7</a:t>
-            </a:r>
-            <a:r>
-              <a:rPr lang="zh-CN" altLang="en-US" sz="2400" b="1" dirty="0">
-                <a:solidFill>
-                  <a:schemeClr val="tx1">
-                    <a:lumMod val="50000"/>
-                    <a:lumOff val="50000"/>
-                  </a:schemeClr>
-                </a:solidFill>
-                <a:latin typeface="微软雅黑" panose="020B0503020204020204" pitchFamily="34" charset="-122"/>
-                <a:ea typeface="微软雅黑" panose="020B0503020204020204" pitchFamily="34" charset="-122"/>
-              </a:rPr>
-              <a:t>、提供专门的作业点评</a:t>
-            </a:r>
-            <a:r>
-              <a:rPr lang="en-US" altLang="zh-CN" sz="2400" b="1" dirty="0">
-                <a:solidFill>
-                  <a:schemeClr val="tx1">
-                    <a:lumMod val="50000"/>
-                    <a:lumOff val="50000"/>
-                  </a:schemeClr>
-                </a:solidFill>
-                <a:latin typeface="微软雅黑" panose="020B0503020204020204" pitchFamily="34" charset="-122"/>
-                <a:ea typeface="微软雅黑" panose="020B0503020204020204" pitchFamily="34" charset="-122"/>
-              </a:rPr>
-              <a:t>,</a:t>
-            </a:r>
-            <a:r>
-              <a:rPr lang="zh-CN" altLang="en-US" sz="2400" b="1" dirty="0">
-                <a:solidFill>
-                  <a:schemeClr val="tx1">
-                    <a:lumMod val="50000"/>
-                    <a:lumOff val="50000"/>
-                  </a:schemeClr>
-                </a:solidFill>
-                <a:latin typeface="微软雅黑" panose="020B0503020204020204" pitchFamily="34" charset="-122"/>
-                <a:ea typeface="微软雅黑" panose="020B0503020204020204" pitchFamily="34" charset="-122"/>
-              </a:rPr>
-              <a:t>作业完成情况跟踪的功能</a:t>
-            </a:r>
-            <a:r>
-              <a:rPr lang="en-US" altLang="zh-CN" sz="2400" b="1" dirty="0">
-                <a:solidFill>
-                  <a:schemeClr val="tx1">
-                    <a:lumMod val="50000"/>
-                    <a:lumOff val="50000"/>
-                  </a:schemeClr>
-                </a:solidFill>
-                <a:latin typeface="微软雅黑" panose="020B0503020204020204" pitchFamily="34" charset="-122"/>
-                <a:ea typeface="微软雅黑" panose="020B0503020204020204" pitchFamily="34" charset="-122"/>
-              </a:rPr>
-              <a:t>,</a:t>
-            </a:r>
-            <a:r>
-              <a:rPr lang="zh-CN" altLang="en-US" sz="2400" b="1" dirty="0">
-                <a:solidFill>
-                  <a:schemeClr val="tx1">
-                    <a:lumMod val="50000"/>
-                    <a:lumOff val="50000"/>
-                  </a:schemeClr>
-                </a:solidFill>
-                <a:latin typeface="微软雅黑" panose="020B0503020204020204" pitchFamily="34" charset="-122"/>
-                <a:ea typeface="微软雅黑" panose="020B0503020204020204" pitchFamily="34" charset="-122"/>
-              </a:rPr>
-              <a:t>对学生的作业</a:t>
-            </a:r>
-            <a:r>
-              <a:rPr lang="en-US" altLang="zh-CN" sz="2400" b="1" dirty="0">
-                <a:solidFill>
-                  <a:schemeClr val="tx1">
-                    <a:lumMod val="50000"/>
-                    <a:lumOff val="50000"/>
-                  </a:schemeClr>
-                </a:solidFill>
-                <a:latin typeface="微软雅黑" panose="020B0503020204020204" pitchFamily="34" charset="-122"/>
-                <a:ea typeface="微软雅黑" panose="020B0503020204020204" pitchFamily="34" charset="-122"/>
-              </a:rPr>
-              <a:t>,</a:t>
-            </a:r>
-            <a:r>
-              <a:rPr lang="zh-CN" altLang="en-US" sz="2400" b="1" dirty="0">
-                <a:solidFill>
-                  <a:schemeClr val="tx1">
-                    <a:lumMod val="50000"/>
-                    <a:lumOff val="50000"/>
-                  </a:schemeClr>
-                </a:solidFill>
-                <a:latin typeface="微软雅黑" panose="020B0503020204020204" pitchFamily="34" charset="-122"/>
-                <a:ea typeface="微软雅黑" panose="020B0503020204020204" pitchFamily="34" charset="-122"/>
-              </a:rPr>
-              <a:t>和课后作业讨论进行点评。</a:t>
-            </a:r>
-          </a:p>
-          <a:p>
-            <a:endParaRPr lang="zh-CN" sz="2400" dirty="0"/>
-          </a:p>
-        </p:txBody>
-      </p:sp>
-    </p:spTree>
-    <p:extLst>
-      <p:ext uri="{BB962C8B-B14F-4D97-AF65-F5344CB8AC3E}">
-        <p14:creationId xmlns:p14="http://schemas.microsoft.com/office/powerpoint/2010/main" val="2183160804"/>
-      </p:ext>
-    </p:extLst>
-  </p:cSld>
-  <p:clrMapOvr>
-    <a:masterClrMapping/>
-  </p:clrMapOvr>
-</p:sld>
-</file>
-
-<file path=ppt/slides/slide28.xml><?xml version="1.0" encoding="utf-8"?>
-<p:sld xmlns:a="http://schemas.openxmlformats.org/drawingml/2006/main" xmlns:r="http://schemas.openxmlformats.org/officeDocument/2006/relationships" xmlns:p="http://schemas.openxmlformats.org/presentationml/2006/main">
-  <p:cSld>
-    <p:spTree>
-      <p:nvGrpSpPr>
-        <p:cNvPr id="1" name=""/>
-        <p:cNvGrpSpPr/>
-        <p:nvPr/>
-      </p:nvGrpSpPr>
-      <p:grpSpPr>
-        <a:xfrm>
-          <a:off x="0" y="0"/>
-          <a:ext cx="0" cy="0"/>
-          <a:chOff x="0" y="0"/>
-          <a:chExt cx="0" cy="0"/>
-        </a:xfrm>
-      </p:grpSpPr>
-      <p:sp>
-        <p:nvSpPr>
-          <p:cNvPr id="2" name="矩形 1"/>
-          <p:cNvSpPr>
-            <a:spLocks noGrp="1"/>
-          </p:cNvSpPr>
-          <p:nvPr>
-            <p:ph type="title"/>
-          </p:nvPr>
-        </p:nvSpPr>
-        <p:spPr/>
-        <p:txBody>
-          <a:bodyPr/>
-          <a:lstStyle/>
-          <a:p>
-            <a:r>
-              <a:rPr lang="en-US" altLang="zh-CN" dirty="0"/>
-              <a:t>5.2 </a:t>
-            </a:r>
-            <a:r>
-              <a:rPr lang="zh-CN" altLang="en-US" dirty="0"/>
-              <a:t>管理员需求</a:t>
-            </a:r>
-          </a:p>
-        </p:txBody>
-      </p:sp>
-      <p:sp>
-        <p:nvSpPr>
-          <p:cNvPr id="3" name="矩形 2"/>
-          <p:cNvSpPr>
-            <a:spLocks noGrp="1"/>
-          </p:cNvSpPr>
-          <p:nvPr>
-            <p:ph idx="1"/>
-          </p:nvPr>
-        </p:nvSpPr>
-        <p:spPr/>
-        <p:txBody>
-          <a:bodyPr>
-            <a:normAutofit/>
-          </a:bodyPr>
-          <a:lstStyle/>
-          <a:p>
-            <a:r>
-              <a:rPr lang="zh-CN" altLang="en-US" sz="2400" dirty="0"/>
-              <a:t>管理员可以配置学生的相关课程信息，包括任课教师，上课地点时间，以及学生的名单。</a:t>
-            </a:r>
-            <a:endParaRPr lang="en-US" altLang="zh-CN" sz="2400" dirty="0"/>
-          </a:p>
-          <a:p>
-            <a:r>
-              <a:rPr lang="zh-CN" altLang="en-US" sz="2400" dirty="0"/>
-              <a:t>管理课程的所有内容，主要包括教师及课程简介，课程资料，资料支持上传，下载，修改，发布，撤回。</a:t>
-            </a:r>
-            <a:endParaRPr lang="en-US" altLang="zh-CN" sz="2400" dirty="0"/>
-          </a:p>
-          <a:p>
-            <a:r>
-              <a:rPr lang="zh-CN" altLang="en-US" sz="2400" dirty="0"/>
-              <a:t>修改自己的密码，有权限支持用户重置密码，并且将随机密码发到用户的手机。</a:t>
-            </a:r>
-            <a:endParaRPr lang="en-US" altLang="zh-CN" sz="2400" dirty="0"/>
-          </a:p>
-          <a:p>
-            <a:r>
-              <a:rPr lang="zh-CN" altLang="en-US" sz="2400" dirty="0"/>
-              <a:t>管理回收站，可以清空或者</a:t>
-            </a:r>
-            <a:endParaRPr lang="zh-CN" sz="2400" dirty="0"/>
-          </a:p>
-        </p:txBody>
-      </p:sp>
-    </p:spTree>
-    <p:extLst>
-      <p:ext uri="{BB962C8B-B14F-4D97-AF65-F5344CB8AC3E}">
-        <p14:creationId xmlns:p14="http://schemas.microsoft.com/office/powerpoint/2010/main" val="7418635"/>
       </p:ext>
     </p:extLst>
   </p:cSld>
@@ -15930,11 +15707,27 @@
           <a:p>
             <a:r>
               <a:rPr lang="en-US" altLang="zh-CN" dirty="0"/>
-              <a:t>5.3 </a:t>
+              <a:t>5.1 </a:t>
             </a:r>
             <a:r>
               <a:rPr lang="zh-CN" altLang="en-US" dirty="0"/>
-              <a:t>学生需求</a:t>
+              <a:t>教师</a:t>
+            </a:r>
+            <a:r>
+              <a:rPr lang="en-US" altLang="zh-CN" dirty="0"/>
+              <a:t>(</a:t>
+            </a:r>
+            <a:r>
+              <a:rPr lang="zh-CN" altLang="en-US" dirty="0"/>
+              <a:t>助教</a:t>
+            </a:r>
+            <a:r>
+              <a:rPr lang="en-US" altLang="zh-CN" dirty="0"/>
+              <a:t>)</a:t>
+            </a:r>
+            <a:r>
+              <a:rPr lang="zh-CN" altLang="en-US" dirty="0"/>
+              <a:t>需求</a:t>
             </a:r>
           </a:p>
         </p:txBody>
@@ -15952,73 +15745,321 @@
         <p:spPr/>
         <p:txBody>
           <a:bodyPr>
-            <a:normAutofit/>
+            <a:normAutofit fontScale="77500" lnSpcReduction="20000"/>
           </a:bodyPr>
           <a:lstStyle/>
           <a:p>
             <a:r>
-              <a:rPr lang="zh-CN" altLang="en-US" sz="2400" dirty="0"/>
-              <a:t>下载最新以及历史的课件资料，最大支持</a:t>
-            </a:r>
-            <a:r>
-              <a:rPr lang="en-US" altLang="zh-CN" sz="2400" dirty="0"/>
-              <a:t>100</a:t>
-            </a:r>
-            <a:r>
-              <a:rPr lang="zh-CN" altLang="en-US" sz="2400" dirty="0"/>
-              <a:t>人并行</a:t>
-            </a:r>
-            <a:r>
-              <a:rPr lang="en-US" altLang="zh-CN" sz="2400" dirty="0"/>
-              <a:t>100KB/s</a:t>
-            </a:r>
-            <a:r>
-              <a:rPr lang="zh-CN" altLang="en-US" sz="2400" dirty="0"/>
-              <a:t>的下载速度</a:t>
-            </a:r>
-            <a:endParaRPr lang="en-US" altLang="zh-CN" sz="2400" dirty="0"/>
-          </a:p>
-          <a:p>
-            <a:r>
-              <a:rPr lang="zh-CN" altLang="en-US" sz="2400" dirty="0"/>
-              <a:t>及时收到老师发布的消息</a:t>
-            </a:r>
-            <a:endParaRPr lang="en-US" altLang="zh-CN" sz="2400" dirty="0"/>
-          </a:p>
-          <a:p>
-            <a:r>
-              <a:rPr lang="en-US" altLang="zh-CN" sz="2400" dirty="0"/>
-              <a:t>UI</a:t>
-            </a:r>
-            <a:r>
-              <a:rPr lang="zh-CN" altLang="en-US" sz="2400" dirty="0"/>
-              <a:t>符合现在软件工程的规范，适应时代审美</a:t>
-            </a:r>
-            <a:endParaRPr lang="en-US" altLang="zh-CN" sz="2400" dirty="0"/>
-          </a:p>
-          <a:p>
-            <a:r>
-              <a:rPr lang="zh-CN" altLang="en-US" sz="2400" dirty="0"/>
-              <a:t>可以通过密保问题或者绑定的号码或邮箱重置密码。上述手段都失效是，通过有效证件，让管理员重置密码。</a:t>
-            </a:r>
-            <a:endParaRPr lang="en-US" altLang="zh-CN" sz="2400" dirty="0"/>
-          </a:p>
-          <a:p>
-            <a:r>
-              <a:rPr lang="zh-CN" altLang="en-US" sz="2400" dirty="0"/>
-              <a:t>支持学生个人网盘，容量不低于</a:t>
-            </a:r>
-            <a:r>
-              <a:rPr lang="en-US" altLang="zh-CN" sz="2400" dirty="0"/>
-              <a:t>500MB</a:t>
-            </a:r>
-          </a:p>
-          <a:p>
-            <a:r>
-              <a:rPr lang="zh-CN" altLang="en-US" sz="2400" dirty="0"/>
-              <a:t>提交作业，并且查看提交作业审批情况</a:t>
-            </a:r>
-            <a:endParaRPr lang="en-US" altLang="zh-CN" sz="2400" dirty="0"/>
+              <a:rPr lang="en-US" altLang="zh-CN" sz="2400" b="1" dirty="0">
+                <a:solidFill>
+                  <a:schemeClr val="tx1">
+                    <a:lumMod val="50000"/>
+                    <a:lumOff val="50000"/>
+                  </a:schemeClr>
+                </a:solidFill>
+                <a:latin typeface="微软雅黑" panose="020B0503020204020204" pitchFamily="34" charset="-122"/>
+                <a:ea typeface="微软雅黑" panose="020B0503020204020204" pitchFamily="34" charset="-122"/>
+              </a:rPr>
+              <a:t>1</a:t>
+            </a:r>
+            <a:r>
+              <a:rPr lang="zh-CN" altLang="en-US" sz="2400" b="1" dirty="0">
+                <a:solidFill>
+                  <a:schemeClr val="tx1">
+                    <a:lumMod val="50000"/>
+                    <a:lumOff val="50000"/>
+                  </a:schemeClr>
+                </a:solidFill>
+                <a:latin typeface="微软雅黑" panose="020B0503020204020204" pitchFamily="34" charset="-122"/>
+                <a:ea typeface="微软雅黑" panose="020B0503020204020204" pitchFamily="34" charset="-122"/>
+              </a:rPr>
+              <a:t>、网站上要有系统的课程介绍包括项目管理</a:t>
+            </a:r>
+            <a:r>
+              <a:rPr lang="en-US" altLang="zh-CN" sz="2400" b="1" dirty="0">
+                <a:solidFill>
+                  <a:schemeClr val="tx1">
+                    <a:lumMod val="50000"/>
+                    <a:lumOff val="50000"/>
+                  </a:schemeClr>
+                </a:solidFill>
+                <a:latin typeface="微软雅黑" panose="020B0503020204020204" pitchFamily="34" charset="-122"/>
+                <a:ea typeface="微软雅黑" panose="020B0503020204020204" pitchFamily="34" charset="-122"/>
+              </a:rPr>
+              <a:t>,</a:t>
+            </a:r>
+            <a:r>
+              <a:rPr lang="zh-CN" altLang="en-US" sz="2400" b="1" dirty="0">
+                <a:solidFill>
+                  <a:schemeClr val="tx1">
+                    <a:lumMod val="50000"/>
+                    <a:lumOff val="50000"/>
+                  </a:schemeClr>
+                </a:solidFill>
+                <a:latin typeface="微软雅黑" panose="020B0503020204020204" pitchFamily="34" charset="-122"/>
+                <a:ea typeface="微软雅黑" panose="020B0503020204020204" pitchFamily="34" charset="-122"/>
+              </a:rPr>
+              <a:t>需求工程等几门课的课时安排、教学计划、使用教材、国际国内背景、考核方式、和学生选这门课所需要的知识背景，以及大作业的介绍。并可以在以后增加另外课程的时候可以定制</a:t>
+            </a:r>
+            <a:r>
+              <a:rPr lang="en-US" altLang="zh-CN" sz="2400" b="1" dirty="0">
+                <a:solidFill>
+                  <a:schemeClr val="tx1">
+                    <a:lumMod val="50000"/>
+                    <a:lumOff val="50000"/>
+                  </a:schemeClr>
+                </a:solidFill>
+                <a:latin typeface="微软雅黑" panose="020B0503020204020204" pitchFamily="34" charset="-122"/>
+                <a:ea typeface="微软雅黑" panose="020B0503020204020204" pitchFamily="34" charset="-122"/>
+              </a:rPr>
+              <a:t>.</a:t>
+            </a:r>
+          </a:p>
+          <a:p>
+            <a:r>
+              <a:rPr lang="en-US" altLang="zh-CN" sz="2400" b="1" dirty="0">
+                <a:solidFill>
+                  <a:schemeClr val="tx1">
+                    <a:lumMod val="50000"/>
+                    <a:lumOff val="50000"/>
+                  </a:schemeClr>
+                </a:solidFill>
+                <a:latin typeface="微软雅黑" panose="020B0503020204020204" pitchFamily="34" charset="-122"/>
+                <a:ea typeface="微软雅黑" panose="020B0503020204020204" pitchFamily="34" charset="-122"/>
+              </a:rPr>
+              <a:t>	2</a:t>
+            </a:r>
+            <a:r>
+              <a:rPr lang="zh-CN" altLang="en-US" sz="2400" b="1" dirty="0">
+                <a:solidFill>
+                  <a:schemeClr val="tx1">
+                    <a:lumMod val="50000"/>
+                    <a:lumOff val="50000"/>
+                  </a:schemeClr>
+                </a:solidFill>
+                <a:latin typeface="微软雅黑" panose="020B0503020204020204" pitchFamily="34" charset="-122"/>
+                <a:ea typeface="微软雅黑" panose="020B0503020204020204" pitchFamily="34" charset="-122"/>
+              </a:rPr>
+              <a:t>、网站要有教师介绍，对任课老师的以往教学、科研成果，及其教学风格，出版书 籍，所获荣誉的详细介绍课件、模板、参考资料、以往优秀作业、教学视频、音频资料下载，可以及时更新。本班老师同学可以通过账号下载，其他用户可以在线浏览简化版课件。</a:t>
+            </a:r>
+          </a:p>
+          <a:p>
+            <a:r>
+              <a:rPr lang="en-US" altLang="zh-CN" sz="2400" b="1" dirty="0">
+                <a:solidFill>
+                  <a:schemeClr val="tx1">
+                    <a:lumMod val="50000"/>
+                    <a:lumOff val="50000"/>
+                  </a:schemeClr>
+                </a:solidFill>
+                <a:latin typeface="微软雅黑" panose="020B0503020204020204" pitchFamily="34" charset="-122"/>
+                <a:ea typeface="微软雅黑" panose="020B0503020204020204" pitchFamily="34" charset="-122"/>
+              </a:rPr>
+              <a:t>	3</a:t>
+            </a:r>
+            <a:r>
+              <a:rPr lang="zh-CN" altLang="en-US" sz="2400" b="1" dirty="0">
+                <a:solidFill>
+                  <a:schemeClr val="tx1">
+                    <a:lumMod val="50000"/>
+                    <a:lumOff val="50000"/>
+                  </a:schemeClr>
+                </a:solidFill>
+                <a:latin typeface="微软雅黑" panose="020B0503020204020204" pitchFamily="34" charset="-122"/>
+                <a:ea typeface="微软雅黑" panose="020B0503020204020204" pitchFamily="34" charset="-122"/>
+              </a:rPr>
+              <a:t>、教师消息发布栏用于老师发布作业点评、临时课程变更等通知。</a:t>
+            </a:r>
+          </a:p>
+          <a:p>
+            <a:r>
+              <a:rPr lang="en-US" altLang="zh-CN" sz="2400" b="1" dirty="0">
+                <a:solidFill>
+                  <a:schemeClr val="tx1">
+                    <a:lumMod val="50000"/>
+                    <a:lumOff val="50000"/>
+                  </a:schemeClr>
+                </a:solidFill>
+                <a:latin typeface="微软雅黑" panose="020B0503020204020204" pitchFamily="34" charset="-122"/>
+                <a:ea typeface="微软雅黑" panose="020B0503020204020204" pitchFamily="34" charset="-122"/>
+              </a:rPr>
+              <a:t>	4</a:t>
+            </a:r>
+            <a:r>
+              <a:rPr lang="zh-CN" altLang="en-US" sz="2400" b="1" dirty="0">
+                <a:solidFill>
+                  <a:schemeClr val="tx1">
+                    <a:lumMod val="50000"/>
+                    <a:lumOff val="50000"/>
+                  </a:schemeClr>
+                </a:solidFill>
+                <a:latin typeface="微软雅黑" panose="020B0503020204020204" pitchFamily="34" charset="-122"/>
+                <a:ea typeface="微软雅黑" panose="020B0503020204020204" pitchFamily="34" charset="-122"/>
+              </a:rPr>
+              <a:t>、网站上要有网站向导即使用指南。</a:t>
+            </a:r>
+          </a:p>
+          <a:p>
+            <a:r>
+              <a:rPr lang="en-US" altLang="zh-CN" sz="2400" b="1" dirty="0">
+                <a:solidFill>
+                  <a:schemeClr val="tx1">
+                    <a:lumMod val="50000"/>
+                    <a:lumOff val="50000"/>
+                  </a:schemeClr>
+                </a:solidFill>
+                <a:latin typeface="微软雅黑" panose="020B0503020204020204" pitchFamily="34" charset="-122"/>
+                <a:ea typeface="微软雅黑" panose="020B0503020204020204" pitchFamily="34" charset="-122"/>
+              </a:rPr>
+              <a:t>	5</a:t>
+            </a:r>
+            <a:r>
+              <a:rPr lang="zh-CN" altLang="en-US" sz="2400" b="1" dirty="0">
+                <a:solidFill>
+                  <a:schemeClr val="tx1">
+                    <a:lumMod val="50000"/>
+                    <a:lumOff val="50000"/>
+                  </a:schemeClr>
+                </a:solidFill>
+                <a:latin typeface="微软雅黑" panose="020B0503020204020204" pitchFamily="34" charset="-122"/>
+                <a:ea typeface="微软雅黑" panose="020B0503020204020204" pitchFamily="34" charset="-122"/>
+              </a:rPr>
+              <a:t>、最新信息：公布老师最近的一些教学或外出交流的心得，以及网站一些最近更新信息的介绍。</a:t>
+            </a:r>
+          </a:p>
+          <a:p>
+            <a:r>
+              <a:rPr lang="en-US" altLang="zh-CN" sz="2400" b="1" dirty="0">
+                <a:solidFill>
+                  <a:schemeClr val="tx1">
+                    <a:lumMod val="50000"/>
+                    <a:lumOff val="50000"/>
+                  </a:schemeClr>
+                </a:solidFill>
+                <a:latin typeface="微软雅黑" panose="020B0503020204020204" pitchFamily="34" charset="-122"/>
+                <a:ea typeface="微软雅黑" panose="020B0503020204020204" pitchFamily="34" charset="-122"/>
+              </a:rPr>
+              <a:t>	6</a:t>
+            </a:r>
+            <a:r>
+              <a:rPr lang="zh-CN" altLang="en-US" sz="2400" b="1" dirty="0">
+                <a:solidFill>
+                  <a:schemeClr val="tx1">
+                    <a:lumMod val="50000"/>
+                    <a:lumOff val="50000"/>
+                  </a:schemeClr>
+                </a:solidFill>
+                <a:latin typeface="微软雅黑" panose="020B0503020204020204" pitchFamily="34" charset="-122"/>
+                <a:ea typeface="微软雅黑" panose="020B0503020204020204" pitchFamily="34" charset="-122"/>
+              </a:rPr>
+              <a:t>、友情连接（如网上选课主页）有老师要求管理员实时更新。</a:t>
+            </a:r>
+          </a:p>
+          <a:p>
+            <a:r>
+              <a:rPr lang="en-US" altLang="zh-CN" sz="2400" b="1" dirty="0">
+                <a:solidFill>
+                  <a:schemeClr val="tx1">
+                    <a:lumMod val="50000"/>
+                    <a:lumOff val="50000"/>
+                  </a:schemeClr>
+                </a:solidFill>
+                <a:latin typeface="微软雅黑" panose="020B0503020204020204" pitchFamily="34" charset="-122"/>
+                <a:ea typeface="微软雅黑" panose="020B0503020204020204" pitchFamily="34" charset="-122"/>
+              </a:rPr>
+              <a:t>	7</a:t>
+            </a:r>
+            <a:r>
+              <a:rPr lang="zh-CN" altLang="en-US" sz="2400" b="1" dirty="0">
+                <a:solidFill>
+                  <a:schemeClr val="tx1">
+                    <a:lumMod val="50000"/>
+                    <a:lumOff val="50000"/>
+                  </a:schemeClr>
+                </a:solidFill>
+                <a:latin typeface="微软雅黑" panose="020B0503020204020204" pitchFamily="34" charset="-122"/>
+                <a:ea typeface="微软雅黑" panose="020B0503020204020204" pitchFamily="34" charset="-122"/>
+              </a:rPr>
+              <a:t>、提供专门的作业点评</a:t>
+            </a:r>
+            <a:r>
+              <a:rPr lang="en-US" altLang="zh-CN" sz="2400" b="1" dirty="0">
+                <a:solidFill>
+                  <a:schemeClr val="tx1">
+                    <a:lumMod val="50000"/>
+                    <a:lumOff val="50000"/>
+                  </a:schemeClr>
+                </a:solidFill>
+                <a:latin typeface="微软雅黑" panose="020B0503020204020204" pitchFamily="34" charset="-122"/>
+                <a:ea typeface="微软雅黑" panose="020B0503020204020204" pitchFamily="34" charset="-122"/>
+              </a:rPr>
+              <a:t>,</a:t>
+            </a:r>
+            <a:r>
+              <a:rPr lang="zh-CN" altLang="en-US" sz="2400" b="1" dirty="0">
+                <a:solidFill>
+                  <a:schemeClr val="tx1">
+                    <a:lumMod val="50000"/>
+                    <a:lumOff val="50000"/>
+                  </a:schemeClr>
+                </a:solidFill>
+                <a:latin typeface="微软雅黑" panose="020B0503020204020204" pitchFamily="34" charset="-122"/>
+                <a:ea typeface="微软雅黑" panose="020B0503020204020204" pitchFamily="34" charset="-122"/>
+              </a:rPr>
+              <a:t>作业完成情况跟踪的功能</a:t>
+            </a:r>
+            <a:r>
+              <a:rPr lang="en-US" altLang="zh-CN" sz="2400" b="1" dirty="0">
+                <a:solidFill>
+                  <a:schemeClr val="tx1">
+                    <a:lumMod val="50000"/>
+                    <a:lumOff val="50000"/>
+                  </a:schemeClr>
+                </a:solidFill>
+                <a:latin typeface="微软雅黑" panose="020B0503020204020204" pitchFamily="34" charset="-122"/>
+                <a:ea typeface="微软雅黑" panose="020B0503020204020204" pitchFamily="34" charset="-122"/>
+              </a:rPr>
+              <a:t>,</a:t>
+            </a:r>
+            <a:r>
+              <a:rPr lang="zh-CN" altLang="en-US" sz="2400" b="1" dirty="0">
+                <a:solidFill>
+                  <a:schemeClr val="tx1">
+                    <a:lumMod val="50000"/>
+                    <a:lumOff val="50000"/>
+                  </a:schemeClr>
+                </a:solidFill>
+                <a:latin typeface="微软雅黑" panose="020B0503020204020204" pitchFamily="34" charset="-122"/>
+                <a:ea typeface="微软雅黑" panose="020B0503020204020204" pitchFamily="34" charset="-122"/>
+              </a:rPr>
+              <a:t>对学生的作业</a:t>
+            </a:r>
+            <a:r>
+              <a:rPr lang="en-US" altLang="zh-CN" sz="2400" b="1" dirty="0">
+                <a:solidFill>
+                  <a:schemeClr val="tx1">
+                    <a:lumMod val="50000"/>
+                    <a:lumOff val="50000"/>
+                  </a:schemeClr>
+                </a:solidFill>
+                <a:latin typeface="微软雅黑" panose="020B0503020204020204" pitchFamily="34" charset="-122"/>
+                <a:ea typeface="微软雅黑" panose="020B0503020204020204" pitchFamily="34" charset="-122"/>
+              </a:rPr>
+              <a:t>,</a:t>
+            </a:r>
+            <a:r>
+              <a:rPr lang="zh-CN" altLang="en-US" sz="2400" b="1" dirty="0">
+                <a:solidFill>
+                  <a:schemeClr val="tx1">
+                    <a:lumMod val="50000"/>
+                    <a:lumOff val="50000"/>
+                  </a:schemeClr>
+                </a:solidFill>
+                <a:latin typeface="微软雅黑" panose="020B0503020204020204" pitchFamily="34" charset="-122"/>
+                <a:ea typeface="微软雅黑" panose="020B0503020204020204" pitchFamily="34" charset="-122"/>
+              </a:rPr>
+              <a:t>和课后作业讨论进行点评。</a:t>
+            </a:r>
           </a:p>
           <a:p>
             <a:endParaRPr lang="zh-CN" sz="2400" dirty="0"/>
@@ -16028,7 +16069,7 @@
     </p:spTree>
     <p:extLst>
       <p:ext uri="{BB962C8B-B14F-4D97-AF65-F5344CB8AC3E}">
-        <p14:creationId xmlns:p14="http://schemas.microsoft.com/office/powerpoint/2010/main" val="896944419"/>
+        <p14:creationId xmlns:p14="http://schemas.microsoft.com/office/powerpoint/2010/main" val="2183160804"/>
       </p:ext>
     </p:extLst>
   </p:cSld>
@@ -16185,11 +16226,11 @@
           <a:p>
             <a:r>
               <a:rPr lang="en-US" altLang="zh-CN" dirty="0"/>
-              <a:t>5.4 </a:t>
+              <a:t>5.2 </a:t>
             </a:r>
             <a:r>
               <a:rPr lang="zh-CN" altLang="en-US" dirty="0"/>
-              <a:t>系统功能需求</a:t>
+              <a:t>管理员需求</a:t>
             </a:r>
           </a:p>
         </p:txBody>
@@ -16213,34 +16254,29 @@
           <a:p>
             <a:r>
               <a:rPr lang="zh-CN" altLang="en-US" sz="2400" dirty="0"/>
-              <a:t>具备应对</a:t>
-            </a:r>
-            <a:r>
-              <a:rPr lang="en-US" altLang="zh-CN" sz="2400" dirty="0"/>
-              <a:t>2000</a:t>
-            </a:r>
+              <a:t>管理员可以配置学生的相关课程信息，包括任课教师，上课地点时间，以及学生的名单。</a:t>
+            </a:r>
+            <a:endParaRPr lang="en-US" altLang="zh-CN" sz="2400" dirty="0"/>
+          </a:p>
+          <a:p>
             <a:r>
               <a:rPr lang="zh-CN" altLang="en-US" sz="2400" dirty="0"/>
-              <a:t>人同时访问，提供足够质量的保证</a:t>
+              <a:t>管理课程的所有内容，主要包括教师及课程简介，课程资料，资料支持上传，下载，修改，发布，撤回。</a:t>
             </a:r>
             <a:endParaRPr lang="en-US" altLang="zh-CN" sz="2400" dirty="0"/>
           </a:p>
           <a:p>
             <a:r>
               <a:rPr lang="zh-CN" altLang="en-US" sz="2400" dirty="0"/>
-              <a:t>数据存储能力要足以支撑</a:t>
-            </a:r>
-            <a:r>
-              <a:rPr lang="en-US" altLang="zh-CN" sz="2400" dirty="0"/>
-              <a:t>2000</a:t>
-            </a:r>
+              <a:t>修改自己的密码，有权限支持用户重置密码，并且将随机密码发到用户的手机。</a:t>
+            </a:r>
+            <a:endParaRPr lang="en-US" altLang="zh-CN" sz="2400" dirty="0"/>
+          </a:p>
+          <a:p>
             <a:r>
               <a:rPr lang="zh-CN" altLang="en-US" sz="2400" dirty="0"/>
-              <a:t>人的数据</a:t>
-            </a:r>
-            <a:endParaRPr lang="en-US" altLang="zh-CN" sz="2400" dirty="0"/>
-          </a:p>
-          <a:p>
+              <a:t>管理回收站，可以清空或者</a:t>
+            </a:r>
             <a:endParaRPr lang="zh-CN" sz="2400" dirty="0"/>
           </a:p>
         </p:txBody>
@@ -16248,7 +16284,7 @@
     </p:spTree>
     <p:extLst>
       <p:ext uri="{BB962C8B-B14F-4D97-AF65-F5344CB8AC3E}">
-        <p14:creationId xmlns:p14="http://schemas.microsoft.com/office/powerpoint/2010/main" val="3859865955"/>
+        <p14:creationId xmlns:p14="http://schemas.microsoft.com/office/powerpoint/2010/main" val="7418635"/>
       </p:ext>
     </p:extLst>
   </p:cSld>
@@ -16292,11 +16328,11 @@
           <a:p>
             <a:r>
               <a:rPr lang="en-US" altLang="zh-CN" dirty="0"/>
-              <a:t>5.5.1</a:t>
+              <a:t>5.3 </a:t>
             </a:r>
             <a:r>
               <a:rPr lang="zh-CN" altLang="en-US" dirty="0"/>
-              <a:t>建立开发项目质量管理责任制</a:t>
+              <a:t>学生需求</a:t>
             </a:r>
           </a:p>
         </p:txBody>
@@ -16314,21 +16350,75 @@
         <p:spPr/>
         <p:txBody>
           <a:bodyPr>
-            <a:normAutofit lnSpcReduction="10000"/>
+            <a:normAutofit/>
           </a:bodyPr>
           <a:lstStyle/>
           <a:p>
             <a:r>
               <a:rPr lang="zh-CN" altLang="en-US" sz="2400" dirty="0"/>
-              <a:t>项目经理是全权负责人，所有工作的审核，必须经过项目经理确认。</a:t>
+              <a:t>下载最新以及历史的课件资料，最大支持</a:t>
+            </a:r>
+            <a:r>
+              <a:rPr lang="en-US" altLang="zh-CN" sz="2400" dirty="0"/>
+              <a:t>100</a:t>
+            </a:r>
+            <a:r>
+              <a:rPr lang="zh-CN" altLang="en-US" sz="2400" dirty="0"/>
+              <a:t>人并行</a:t>
+            </a:r>
+            <a:r>
+              <a:rPr lang="en-US" altLang="zh-CN" sz="2400" dirty="0"/>
+              <a:t>100KB/s</a:t>
+            </a:r>
+            <a:r>
+              <a:rPr lang="zh-CN" altLang="en-US" sz="2400" dirty="0"/>
+              <a:t>的下载速度</a:t>
             </a:r>
             <a:endParaRPr lang="en-US" altLang="zh-CN" sz="2400" dirty="0"/>
           </a:p>
           <a:p>
             <a:r>
               <a:rPr lang="zh-CN" altLang="en-US" sz="2400" dirty="0"/>
-              <a:t>质量经理的职责主要包括了：根据投资人项目开发战略，市场定位目标，负责编制开发项目质量计划，并组织实施；按质量计划规定，跟踪、督促、检查项目质量计划执行情况，特别是主要质量控制点的验证、检查和评审活动；对发现重大的管理方面或技术方面的质量问题，组织研究解决，向项目团队负责人报告；编制项目质量报告，报上级质检部门和项目经理。项目质量经理对质量的监督检查，不能代替项目其它岗位的质量职责，项目各个经理、专业负责人、各部室、各专业人员各自均应完成自己应负的质量责任，项目质量才能有保证。</a:t>
-            </a:r>
+              <a:t>及时收到老师发布的消息</a:t>
+            </a:r>
+            <a:endParaRPr lang="en-US" altLang="zh-CN" sz="2400" dirty="0"/>
+          </a:p>
+          <a:p>
+            <a:r>
+              <a:rPr lang="en-US" altLang="zh-CN" sz="2400" dirty="0"/>
+              <a:t>UI</a:t>
+            </a:r>
+            <a:r>
+              <a:rPr lang="zh-CN" altLang="en-US" sz="2400" dirty="0"/>
+              <a:t>符合现在软件工程的规范，适应时代审美</a:t>
+            </a:r>
+            <a:endParaRPr lang="en-US" altLang="zh-CN" sz="2400" dirty="0"/>
+          </a:p>
+          <a:p>
+            <a:r>
+              <a:rPr lang="zh-CN" altLang="en-US" sz="2400" dirty="0"/>
+              <a:t>可以通过密保问题或者绑定的号码或邮箱重置密码。上述手段都失效是，通过有效证件，让管理员重置密码。</a:t>
+            </a:r>
+            <a:endParaRPr lang="en-US" altLang="zh-CN" sz="2400" dirty="0"/>
+          </a:p>
+          <a:p>
+            <a:r>
+              <a:rPr lang="zh-CN" altLang="en-US" sz="2400" dirty="0"/>
+              <a:t>支持学生个人网盘，容量不低于</a:t>
+            </a:r>
+            <a:r>
+              <a:rPr lang="en-US" altLang="zh-CN" sz="2400" dirty="0"/>
+              <a:t>500MB</a:t>
+            </a:r>
+          </a:p>
+          <a:p>
+            <a:r>
+              <a:rPr lang="zh-CN" altLang="en-US" sz="2400" dirty="0"/>
+              <a:t>提交作业，并且查看提交作业审批情况</a:t>
+            </a:r>
+            <a:endParaRPr lang="en-US" altLang="zh-CN" sz="2400" dirty="0"/>
+          </a:p>
+          <a:p>
             <a:endParaRPr lang="zh-CN" sz="2400" dirty="0"/>
           </a:p>
         </p:txBody>
@@ -16336,7 +16426,7 @@
     </p:spTree>
     <p:extLst>
       <p:ext uri="{BB962C8B-B14F-4D97-AF65-F5344CB8AC3E}">
-        <p14:creationId xmlns:p14="http://schemas.microsoft.com/office/powerpoint/2010/main" val="3000847125"/>
+        <p14:creationId xmlns:p14="http://schemas.microsoft.com/office/powerpoint/2010/main" val="896944419"/>
       </p:ext>
     </p:extLst>
   </p:cSld>
@@ -16380,11 +16470,11 @@
           <a:p>
             <a:r>
               <a:rPr lang="en-US" altLang="zh-CN" dirty="0"/>
-              <a:t>5.6.1</a:t>
+              <a:t>5.4 </a:t>
             </a:r>
             <a:r>
               <a:rPr lang="zh-CN" altLang="en-US" dirty="0"/>
-              <a:t>质量保证</a:t>
+              <a:t>系统功能需求</a:t>
             </a:r>
           </a:p>
         </p:txBody>
@@ -16408,6 +16498,201 @@
           <a:p>
             <a:r>
               <a:rPr lang="zh-CN" altLang="en-US" sz="2400" dirty="0"/>
+              <a:t>具备应对</a:t>
+            </a:r>
+            <a:r>
+              <a:rPr lang="en-US" altLang="zh-CN" sz="2400" dirty="0"/>
+              <a:t>2000</a:t>
+            </a:r>
+            <a:r>
+              <a:rPr lang="zh-CN" altLang="en-US" sz="2400" dirty="0"/>
+              <a:t>人同时访问，提供足够质量的保证</a:t>
+            </a:r>
+            <a:endParaRPr lang="en-US" altLang="zh-CN" sz="2400" dirty="0"/>
+          </a:p>
+          <a:p>
+            <a:r>
+              <a:rPr lang="zh-CN" altLang="en-US" sz="2400" dirty="0"/>
+              <a:t>数据存储能力要足以支撑</a:t>
+            </a:r>
+            <a:r>
+              <a:rPr lang="en-US" altLang="zh-CN" sz="2400" dirty="0"/>
+              <a:t>2000</a:t>
+            </a:r>
+            <a:r>
+              <a:rPr lang="zh-CN" altLang="en-US" sz="2400" dirty="0"/>
+              <a:t>人的数据</a:t>
+            </a:r>
+            <a:endParaRPr lang="en-US" altLang="zh-CN" sz="2400" dirty="0"/>
+          </a:p>
+          <a:p>
+            <a:endParaRPr lang="zh-CN" sz="2400" dirty="0"/>
+          </a:p>
+        </p:txBody>
+      </p:sp>
+    </p:spTree>
+    <p:extLst>
+      <p:ext uri="{BB962C8B-B14F-4D97-AF65-F5344CB8AC3E}">
+        <p14:creationId xmlns:p14="http://schemas.microsoft.com/office/powerpoint/2010/main" val="3859865955"/>
+      </p:ext>
+    </p:extLst>
+  </p:cSld>
+  <p:clrMapOvr>
+    <a:masterClrMapping/>
+  </p:clrMapOvr>
+</p:sld>
+</file>
+
+<file path=ppt/slides/slide33.xml><?xml version="1.0" encoding="utf-8"?>
+<p:sld xmlns:a="http://schemas.openxmlformats.org/drawingml/2006/main" xmlns:r="http://schemas.openxmlformats.org/officeDocument/2006/relationships" xmlns:p="http://schemas.openxmlformats.org/presentationml/2006/main">
+  <p:cSld>
+    <p:spTree>
+      <p:nvGrpSpPr>
+        <p:cNvPr id="1" name=""/>
+        <p:cNvGrpSpPr/>
+        <p:nvPr/>
+      </p:nvGrpSpPr>
+      <p:grpSpPr>
+        <a:xfrm>
+          <a:off x="0" y="0"/>
+          <a:ext cx="0" cy="0"/>
+          <a:chOff x="0" y="0"/>
+          <a:chExt cx="0" cy="0"/>
+        </a:xfrm>
+      </p:grpSpPr>
+      <p:sp>
+        <p:nvSpPr>
+          <p:cNvPr id="2" name="矩形 1"/>
+          <p:cNvSpPr>
+            <a:spLocks noGrp="1"/>
+          </p:cNvSpPr>
+          <p:nvPr>
+            <p:ph type="title"/>
+          </p:nvPr>
+        </p:nvSpPr>
+        <p:spPr/>
+        <p:txBody>
+          <a:bodyPr/>
+          <a:lstStyle/>
+          <a:p>
+            <a:r>
+              <a:rPr lang="en-US" altLang="zh-CN" dirty="0"/>
+              <a:t>5.5.1</a:t>
+            </a:r>
+            <a:r>
+              <a:rPr lang="zh-CN" altLang="en-US" dirty="0"/>
+              <a:t>建立开发项目质量管理责任制</a:t>
+            </a:r>
+          </a:p>
+        </p:txBody>
+      </p:sp>
+      <p:sp>
+        <p:nvSpPr>
+          <p:cNvPr id="3" name="矩形 2"/>
+          <p:cNvSpPr>
+            <a:spLocks noGrp="1"/>
+          </p:cNvSpPr>
+          <p:nvPr>
+            <p:ph idx="1"/>
+          </p:nvPr>
+        </p:nvSpPr>
+        <p:spPr/>
+        <p:txBody>
+          <a:bodyPr>
+            <a:normAutofit lnSpcReduction="10000"/>
+          </a:bodyPr>
+          <a:lstStyle/>
+          <a:p>
+            <a:r>
+              <a:rPr lang="zh-CN" altLang="en-US" sz="2400" dirty="0"/>
+              <a:t>项目经理是全权负责人，所有工作的审核，必须经过项目经理确认。</a:t>
+            </a:r>
+            <a:endParaRPr lang="en-US" altLang="zh-CN" sz="2400" dirty="0"/>
+          </a:p>
+          <a:p>
+            <a:r>
+              <a:rPr lang="zh-CN" altLang="en-US" sz="2400" dirty="0"/>
+              <a:t>质量经理的职责主要包括了：根据投资人项目开发战略，市场定位目标，负责编制开发项目质量计划，并组织实施；按质量计划规定，跟踪、督促、检查项目质量计划执行情况，特别是主要质量控制点的验证、检查和评审活动；对发现重大的管理方面或技术方面的质量问题，组织研究解决，向项目团队负责人报告；编制项目质量报告，报上级质检部门和项目经理。项目质量经理对质量的监督检查，不能代替项目其它岗位的质量职责，项目各个经理、专业负责人、各部室、各专业人员各自均应完成自己应负的质量责任，项目质量才能有保证。</a:t>
+            </a:r>
+            <a:endParaRPr lang="zh-CN" sz="2400" dirty="0"/>
+          </a:p>
+        </p:txBody>
+      </p:sp>
+    </p:spTree>
+    <p:extLst>
+      <p:ext uri="{BB962C8B-B14F-4D97-AF65-F5344CB8AC3E}">
+        <p14:creationId xmlns:p14="http://schemas.microsoft.com/office/powerpoint/2010/main" val="3000847125"/>
+      </p:ext>
+    </p:extLst>
+  </p:cSld>
+  <p:clrMapOvr>
+    <a:masterClrMapping/>
+  </p:clrMapOvr>
+</p:sld>
+</file>
+
+<file path=ppt/slides/slide34.xml><?xml version="1.0" encoding="utf-8"?>
+<p:sld xmlns:a="http://schemas.openxmlformats.org/drawingml/2006/main" xmlns:r="http://schemas.openxmlformats.org/officeDocument/2006/relationships" xmlns:p="http://schemas.openxmlformats.org/presentationml/2006/main">
+  <p:cSld>
+    <p:spTree>
+      <p:nvGrpSpPr>
+        <p:cNvPr id="1" name=""/>
+        <p:cNvGrpSpPr/>
+        <p:nvPr/>
+      </p:nvGrpSpPr>
+      <p:grpSpPr>
+        <a:xfrm>
+          <a:off x="0" y="0"/>
+          <a:ext cx="0" cy="0"/>
+          <a:chOff x="0" y="0"/>
+          <a:chExt cx="0" cy="0"/>
+        </a:xfrm>
+      </p:grpSpPr>
+      <p:sp>
+        <p:nvSpPr>
+          <p:cNvPr id="2" name="矩形 1"/>
+          <p:cNvSpPr>
+            <a:spLocks noGrp="1"/>
+          </p:cNvSpPr>
+          <p:nvPr>
+            <p:ph type="title"/>
+          </p:nvPr>
+        </p:nvSpPr>
+        <p:spPr/>
+        <p:txBody>
+          <a:bodyPr/>
+          <a:lstStyle/>
+          <a:p>
+            <a:r>
+              <a:rPr lang="en-US" altLang="zh-CN" dirty="0"/>
+              <a:t>5.6.1</a:t>
+            </a:r>
+            <a:r>
+              <a:rPr lang="zh-CN" altLang="en-US" dirty="0"/>
+              <a:t>质量保证</a:t>
+            </a:r>
+          </a:p>
+        </p:txBody>
+      </p:sp>
+      <p:sp>
+        <p:nvSpPr>
+          <p:cNvPr id="3" name="矩形 2"/>
+          <p:cNvSpPr>
+            <a:spLocks noGrp="1"/>
+          </p:cNvSpPr>
+          <p:nvPr>
+            <p:ph idx="1"/>
+          </p:nvPr>
+        </p:nvSpPr>
+        <p:spPr/>
+        <p:txBody>
+          <a:bodyPr>
+            <a:normAutofit/>
+          </a:bodyPr>
+          <a:lstStyle/>
+          <a:p>
+            <a:r>
+              <a:rPr lang="zh-CN" altLang="en-US" sz="2400" dirty="0"/>
               <a:t>质量保证就是实施质量计划，增强项目投资人、项目最终用户项目质量的信心。</a:t>
             </a:r>
           </a:p>
@@ -16432,7 +16717,7 @@
 </p:sld>
 </file>
 
-<file path=ppt/slides/slide33.xml><?xml version="1.0" encoding="utf-8"?>
+<file path=ppt/slides/slide35.xml><?xml version="1.0" encoding="utf-8"?>
 <p:sld xmlns:a="http://schemas.openxmlformats.org/drawingml/2006/main" xmlns:r="http://schemas.openxmlformats.org/officeDocument/2006/relationships" xmlns:p="http://schemas.openxmlformats.org/presentationml/2006/main">
   <p:cSld>
     <p:spTree>
@@ -16517,7 +16802,7 @@
 </p:sld>
 </file>
 
-<file path=ppt/slides/slide34.xml><?xml version="1.0" encoding="utf-8"?>
+<file path=ppt/slides/slide36.xml><?xml version="1.0" encoding="utf-8"?>
 <p:sld xmlns:a="http://schemas.openxmlformats.org/drawingml/2006/main" xmlns:r="http://schemas.openxmlformats.org/officeDocument/2006/relationships" xmlns:p="http://schemas.openxmlformats.org/presentationml/2006/main">
   <p:cSld>
     <p:spTree>
@@ -19701,7 +19986,7 @@
 </p:sld>
 </file>
 
-<file path=ppt/slides/slide35.xml><?xml version="1.0" encoding="utf-8"?>
+<file path=ppt/slides/slide37.xml><?xml version="1.0" encoding="utf-8"?>
 <p:sld xmlns:a="http://schemas.openxmlformats.org/drawingml/2006/main" xmlns:r="http://schemas.openxmlformats.org/officeDocument/2006/relationships" xmlns:p="http://schemas.openxmlformats.org/presentationml/2006/main">
   <p:cSld>
     <p:spTree>
@@ -19899,7 +20184,7 @@
 </p:sld>
 </file>
 
-<file path=ppt/slides/slide36.xml><?xml version="1.0" encoding="utf-8"?>
+<file path=ppt/slides/slide38.xml><?xml version="1.0" encoding="utf-8"?>
 <p:sld xmlns:a="http://schemas.openxmlformats.org/drawingml/2006/main" xmlns:r="http://schemas.openxmlformats.org/officeDocument/2006/relationships" xmlns:p="http://schemas.openxmlformats.org/presentationml/2006/main">
   <p:cSld>
     <p:spTree>
@@ -20824,7 +21109,7 @@
 </p:sld>
 </file>
 
-<file path=ppt/slides/slide37.xml><?xml version="1.0" encoding="utf-8"?>
+<file path=ppt/slides/slide39.xml><?xml version="1.0" encoding="utf-8"?>
 <p:sld xmlns:a="http://schemas.openxmlformats.org/drawingml/2006/main" xmlns:r="http://schemas.openxmlformats.org/officeDocument/2006/relationships" xmlns:p="http://schemas.openxmlformats.org/presentationml/2006/main">
   <p:cSld>
     <p:spTree>
@@ -20912,7 +21197,97 @@
 </p:sld>
 </file>
 
-<file path=ppt/slides/slide38.xml><?xml version="1.0" encoding="utf-8"?>
+<file path=ppt/slides/slide4.xml><?xml version="1.0" encoding="utf-8"?>
+<p:sld xmlns:a="http://schemas.openxmlformats.org/drawingml/2006/main" xmlns:r="http://schemas.openxmlformats.org/officeDocument/2006/relationships" xmlns:p="http://schemas.openxmlformats.org/presentationml/2006/main">
+  <p:cSld>
+    <p:spTree>
+      <p:nvGrpSpPr>
+        <p:cNvPr id="1" name=""/>
+        <p:cNvGrpSpPr/>
+        <p:nvPr/>
+      </p:nvGrpSpPr>
+      <p:grpSpPr>
+        <a:xfrm>
+          <a:off x="0" y="0"/>
+          <a:ext cx="0" cy="0"/>
+          <a:chOff x="0" y="0"/>
+          <a:chExt cx="0" cy="0"/>
+        </a:xfrm>
+      </p:grpSpPr>
+      <p:sp>
+        <p:nvSpPr>
+          <p:cNvPr id="2" name="矩形 1"/>
+          <p:cNvSpPr>
+            <a:spLocks noGrp="1"/>
+          </p:cNvSpPr>
+          <p:nvPr>
+            <p:ph type="title"/>
+          </p:nvPr>
+        </p:nvSpPr>
+        <p:spPr/>
+        <p:txBody>
+          <a:bodyPr/>
+          <a:lstStyle/>
+          <a:p>
+            <a:r>
+              <a:rPr lang="en-US" altLang="zh-CN" dirty="0">
+                <a:latin typeface="Microsoft YaHei UI" panose="020B0503020204020204" pitchFamily="34" charset="-122"/>
+                <a:ea typeface="Microsoft YaHei UI" panose="020B0503020204020204" pitchFamily="34" charset="-122"/>
+              </a:rPr>
+              <a:t>1</a:t>
+            </a:r>
+            <a:r>
+              <a:rPr lang="en-US" altLang="zh-CN" dirty="0"/>
+              <a:t>.1</a:t>
+            </a:r>
+            <a:r>
+              <a:rPr lang="zh-CN" altLang="en-US" dirty="0"/>
+              <a:t>编写目的</a:t>
+            </a:r>
+            <a:endParaRPr lang="zh-CN" dirty="0">
+              <a:latin typeface="Microsoft YaHei UI" panose="020B0503020204020204" pitchFamily="34" charset="-122"/>
+              <a:ea typeface="Microsoft YaHei UI" panose="020B0503020204020204" pitchFamily="34" charset="-122"/>
+            </a:endParaRPr>
+          </a:p>
+        </p:txBody>
+      </p:sp>
+      <p:sp>
+        <p:nvSpPr>
+          <p:cNvPr id="3" name="矩形 2"/>
+          <p:cNvSpPr>
+            <a:spLocks noGrp="1"/>
+          </p:cNvSpPr>
+          <p:nvPr>
+            <p:ph idx="1"/>
+          </p:nvPr>
+        </p:nvSpPr>
+        <p:spPr/>
+        <p:txBody>
+          <a:bodyPr>
+            <a:normAutofit/>
+          </a:bodyPr>
+          <a:lstStyle/>
+          <a:p>
+            <a:r>
+              <a:rPr lang="zh-CN" altLang="en-US" sz="2400" dirty="0"/>
+              <a:t>项目管理与软件需求，作为软件工程当中最为重要的组成几个部分，已经引起了业内人士的高度重视。项目管理和需求工程概念的提出，就是为了把软件工程化，以更有效地开发需求，开发软件并实现有效的管理。为了让教师能把最新、最前沿的关于项目管理和需求工程的信息传播给学生，为了让学生能够利用网络得到老师帮助，为了师生之间、同学之间能够充分交流，沟通心得，这个软件工程课程网站系统将提供这样一个教学、学习、交流的平台，为教师和同学服务，也为项目管理、需求工程、统一建模等软件工程化课程的教学方法提供试验基地。</a:t>
+            </a:r>
+            <a:endParaRPr lang="zh-CN" sz="2400" dirty="0">
+              <a:latin typeface="Microsoft YaHei UI" panose="020B0503020204020204" pitchFamily="34" charset="-122"/>
+              <a:ea typeface="Microsoft YaHei UI" panose="020B0503020204020204" pitchFamily="34" charset="-122"/>
+            </a:endParaRPr>
+          </a:p>
+        </p:txBody>
+      </p:sp>
+    </p:spTree>
+  </p:cSld>
+  <p:clrMapOvr>
+    <a:masterClrMapping/>
+  </p:clrMapOvr>
+</p:sld>
+</file>
+
+<file path=ppt/slides/slide40.xml><?xml version="1.0" encoding="utf-8"?>
 <p:sld xmlns:a="http://schemas.openxmlformats.org/drawingml/2006/main" xmlns:r="http://schemas.openxmlformats.org/officeDocument/2006/relationships" xmlns:p="http://schemas.openxmlformats.org/presentationml/2006/main">
   <p:cSld>
     <p:spTree>
@@ -21478,7 +21853,7 @@
 </p:sld>
 </file>
 
-<file path=ppt/slides/slide39.xml><?xml version="1.0" encoding="utf-8"?>
+<file path=ppt/slides/slide41.xml><?xml version="1.0" encoding="utf-8"?>
 <p:sld xmlns:a="http://schemas.openxmlformats.org/drawingml/2006/main" xmlns:r="http://schemas.openxmlformats.org/officeDocument/2006/relationships" xmlns:p="http://schemas.openxmlformats.org/presentationml/2006/main">
   <p:cSld>
     <p:spTree>
@@ -22083,97 +22458,7 @@
 </p:sld>
 </file>
 
-<file path=ppt/slides/slide4.xml><?xml version="1.0" encoding="utf-8"?>
-<p:sld xmlns:a="http://schemas.openxmlformats.org/drawingml/2006/main" xmlns:r="http://schemas.openxmlformats.org/officeDocument/2006/relationships" xmlns:p="http://schemas.openxmlformats.org/presentationml/2006/main">
-  <p:cSld>
-    <p:spTree>
-      <p:nvGrpSpPr>
-        <p:cNvPr id="1" name=""/>
-        <p:cNvGrpSpPr/>
-        <p:nvPr/>
-      </p:nvGrpSpPr>
-      <p:grpSpPr>
-        <a:xfrm>
-          <a:off x="0" y="0"/>
-          <a:ext cx="0" cy="0"/>
-          <a:chOff x="0" y="0"/>
-          <a:chExt cx="0" cy="0"/>
-        </a:xfrm>
-      </p:grpSpPr>
-      <p:sp>
-        <p:nvSpPr>
-          <p:cNvPr id="2" name="矩形 1"/>
-          <p:cNvSpPr>
-            <a:spLocks noGrp="1"/>
-          </p:cNvSpPr>
-          <p:nvPr>
-            <p:ph type="title"/>
-          </p:nvPr>
-        </p:nvSpPr>
-        <p:spPr/>
-        <p:txBody>
-          <a:bodyPr/>
-          <a:lstStyle/>
-          <a:p>
-            <a:r>
-              <a:rPr lang="en-US" altLang="zh-CN" dirty="0">
-                <a:latin typeface="Microsoft YaHei UI" panose="020B0503020204020204" pitchFamily="34" charset="-122"/>
-                <a:ea typeface="Microsoft YaHei UI" panose="020B0503020204020204" pitchFamily="34" charset="-122"/>
-              </a:rPr>
-              <a:t>1</a:t>
-            </a:r>
-            <a:r>
-              <a:rPr lang="en-US" altLang="zh-CN" dirty="0"/>
-              <a:t>.1</a:t>
-            </a:r>
-            <a:r>
-              <a:rPr lang="zh-CN" altLang="en-US" dirty="0"/>
-              <a:t>编写目的</a:t>
-            </a:r>
-            <a:endParaRPr lang="zh-CN" dirty="0">
-              <a:latin typeface="Microsoft YaHei UI" panose="020B0503020204020204" pitchFamily="34" charset="-122"/>
-              <a:ea typeface="Microsoft YaHei UI" panose="020B0503020204020204" pitchFamily="34" charset="-122"/>
-            </a:endParaRPr>
-          </a:p>
-        </p:txBody>
-      </p:sp>
-      <p:sp>
-        <p:nvSpPr>
-          <p:cNvPr id="3" name="矩形 2"/>
-          <p:cNvSpPr>
-            <a:spLocks noGrp="1"/>
-          </p:cNvSpPr>
-          <p:nvPr>
-            <p:ph idx="1"/>
-          </p:nvPr>
-        </p:nvSpPr>
-        <p:spPr/>
-        <p:txBody>
-          <a:bodyPr>
-            <a:normAutofit/>
-          </a:bodyPr>
-          <a:lstStyle/>
-          <a:p>
-            <a:r>
-              <a:rPr lang="zh-CN" altLang="en-US" sz="2400" dirty="0"/>
-              <a:t>项目管理与软件需求，作为软件工程当中最为重要的组成几个部分，已经引起了业内人士的高度重视。项目管理和需求工程概念的提出，就是为了把软件工程化，以更有效地开发需求，开发软件并实现有效的管理。为了让教师能把最新、最前沿的关于项目管理和需求工程的信息传播给学生，为了让学生能够利用网络得到老师帮助，为了师生之间、同学之间能够充分交流，沟通心得，这个软件工程课程网站系统将提供这样一个教学、学习、交流的平台，为教师和同学服务，也为项目管理、需求工程、统一建模等软件工程化课程的教学方法提供试验基地。</a:t>
-            </a:r>
-            <a:endParaRPr lang="zh-CN" sz="2400" dirty="0">
-              <a:latin typeface="Microsoft YaHei UI" panose="020B0503020204020204" pitchFamily="34" charset="-122"/>
-              <a:ea typeface="Microsoft YaHei UI" panose="020B0503020204020204" pitchFamily="34" charset="-122"/>
-            </a:endParaRPr>
-          </a:p>
-        </p:txBody>
-      </p:sp>
-    </p:spTree>
-  </p:cSld>
-  <p:clrMapOvr>
-    <a:masterClrMapping/>
-  </p:clrMapOvr>
-</p:sld>
-</file>
-
-<file path=ppt/slides/slide40.xml><?xml version="1.0" encoding="utf-8"?>
+<file path=ppt/slides/slide42.xml><?xml version="1.0" encoding="utf-8"?>
 <p:sld xmlns:a="http://schemas.openxmlformats.org/drawingml/2006/main" xmlns:r="http://schemas.openxmlformats.org/officeDocument/2006/relationships" xmlns:p="http://schemas.openxmlformats.org/presentationml/2006/main">
   <p:cSld>
     <p:spTree>
@@ -23990,7 +24275,7 @@
 </p:sld>
 </file>
 
-<file path=ppt/slides/slide41.xml><?xml version="1.0" encoding="utf-8"?>
+<file path=ppt/slides/slide43.xml><?xml version="1.0" encoding="utf-8"?>
 <p:sld xmlns:a="http://schemas.openxmlformats.org/drawingml/2006/main" xmlns:r="http://schemas.openxmlformats.org/officeDocument/2006/relationships" xmlns:p="http://schemas.openxmlformats.org/presentationml/2006/main">
   <p:cSld>
     <p:spTree>
@@ -24429,7 +24714,7 @@
 </p:sld>
 </file>
 
-<file path=ppt/slides/slide42.xml><?xml version="1.0" encoding="utf-8"?>
+<file path=ppt/slides/slide44.xml><?xml version="1.0" encoding="utf-8"?>
 <p:sld xmlns:a="http://schemas.openxmlformats.org/drawingml/2006/main" xmlns:r="http://schemas.openxmlformats.org/officeDocument/2006/relationships" xmlns:p="http://schemas.openxmlformats.org/presentationml/2006/main">
   <p:cSld>
     <p:spTree>
@@ -24728,308 +25013,6 @@
     <p:extLst>
       <p:ext uri="{BB962C8B-B14F-4D97-AF65-F5344CB8AC3E}">
         <p14:creationId xmlns:p14="http://schemas.microsoft.com/office/powerpoint/2010/main" val="4232247474"/>
-      </p:ext>
-    </p:extLst>
-  </p:cSld>
-  <p:clrMapOvr>
-    <a:masterClrMapping/>
-  </p:clrMapOvr>
-</p:sld>
-</file>
-
-<file path=ppt/slides/slide43.xml><?xml version="1.0" encoding="utf-8"?>
-<p:sld xmlns:a="http://schemas.openxmlformats.org/drawingml/2006/main" xmlns:r="http://schemas.openxmlformats.org/officeDocument/2006/relationships" xmlns:p="http://schemas.openxmlformats.org/presentationml/2006/main">
-  <p:cSld>
-    <p:spTree>
-      <p:nvGrpSpPr>
-        <p:cNvPr id="1" name=""/>
-        <p:cNvGrpSpPr/>
-        <p:nvPr/>
-      </p:nvGrpSpPr>
-      <p:grpSpPr>
-        <a:xfrm>
-          <a:off x="0" y="0"/>
-          <a:ext cx="0" cy="0"/>
-          <a:chOff x="0" y="0"/>
-          <a:chExt cx="0" cy="0"/>
-        </a:xfrm>
-      </p:grpSpPr>
-      <p:sp>
-        <p:nvSpPr>
-          <p:cNvPr id="2" name="标题 1"/>
-          <p:cNvSpPr>
-            <a:spLocks noGrp="1"/>
-          </p:cNvSpPr>
-          <p:nvPr>
-            <p:ph type="title"/>
-          </p:nvPr>
-        </p:nvSpPr>
-        <p:spPr>
-          <a:xfrm>
-            <a:off x="646111" y="452718"/>
-            <a:ext cx="9404723" cy="1400530"/>
-          </a:xfrm>
-        </p:spPr>
-        <p:txBody>
-          <a:bodyPr/>
-          <a:lstStyle/>
-          <a:p>
-            <a:r>
-              <a:rPr lang="zh-CN" altLang="en-US" dirty="0"/>
-              <a:t>需求风险管理计划</a:t>
-            </a:r>
-          </a:p>
-        </p:txBody>
-      </p:sp>
-      <p:sp>
-        <p:nvSpPr>
-          <p:cNvPr id="3" name="文本框 5"/>
-          <p:cNvSpPr txBox="1"/>
-          <p:nvPr/>
-        </p:nvSpPr>
-        <p:spPr>
-          <a:xfrm>
-            <a:off x="604615" y="1505674"/>
-            <a:ext cx="10877266" cy="3170099"/>
-          </a:xfrm>
-          <a:prstGeom prst="rect">
-            <a:avLst/>
-          </a:prstGeom>
-          <a:noFill/>
-        </p:spPr>
-        <p:txBody>
-          <a:bodyPr wrap="square" rtlCol="0">
-            <a:spAutoFit/>
-          </a:bodyPr>
-          <a:lstStyle/>
-          <a:p>
-            <a:r>
-              <a:rPr lang="en-US" altLang="zh-CN" sz="2000" b="1" dirty="0">
-                <a:solidFill>
-                  <a:schemeClr val="tx1">
-                    <a:lumMod val="50000"/>
-                    <a:lumOff val="50000"/>
-                  </a:schemeClr>
-                </a:solidFill>
-                <a:latin typeface="微软雅黑" panose="020B0503020204020204" pitchFamily="34" charset="-122"/>
-                <a:ea typeface="微软雅黑" panose="020B0503020204020204" pitchFamily="34" charset="-122"/>
-              </a:rPr>
-              <a:t>1</a:t>
-            </a:r>
-            <a:r>
-              <a:rPr lang="zh-CN" altLang="en-US" sz="2000" b="1" dirty="0">
-                <a:solidFill>
-                  <a:schemeClr val="tx1">
-                    <a:lumMod val="50000"/>
-                    <a:lumOff val="50000"/>
-                  </a:schemeClr>
-                </a:solidFill>
-                <a:latin typeface="微软雅黑" panose="020B0503020204020204" pitchFamily="34" charset="-122"/>
-                <a:ea typeface="微软雅黑" panose="020B0503020204020204" pitchFamily="34" charset="-122"/>
-              </a:rPr>
-              <a:t>、要明确你当前软件开发项目面临的一些与需求有关的风险，不要把当前的问题当作风险，一定要是那些还未发生的事情。将风险的因素编写成文档，为每项需求风险推荐至少一种可能的降低风险的方法。</a:t>
-            </a:r>
-            <a:endParaRPr lang="en-US" altLang="zh-CN" sz="2000" b="1" dirty="0">
-              <a:solidFill>
-                <a:schemeClr val="tx1">
-                  <a:lumMod val="50000"/>
-                  <a:lumOff val="50000"/>
-                </a:schemeClr>
-              </a:solidFill>
-              <a:latin typeface="微软雅黑" panose="020B0503020204020204" pitchFamily="34" charset="-122"/>
-              <a:ea typeface="微软雅黑" panose="020B0503020204020204" pitchFamily="34" charset="-122"/>
-            </a:endParaRPr>
-          </a:p>
-          <a:p>
-            <a:endParaRPr lang="en-US" altLang="zh-CN" sz="2000" b="1" dirty="0">
-              <a:solidFill>
-                <a:schemeClr val="tx1">
-                  <a:lumMod val="50000"/>
-                  <a:lumOff val="50000"/>
-                </a:schemeClr>
-              </a:solidFill>
-              <a:latin typeface="微软雅黑" panose="020B0503020204020204" pitchFamily="34" charset="-122"/>
-              <a:ea typeface="微软雅黑" panose="020B0503020204020204" pitchFamily="34" charset="-122"/>
-            </a:endParaRPr>
-          </a:p>
-          <a:p>
-            <a:r>
-              <a:rPr lang="en-US" altLang="zh-CN" sz="2000" b="1" dirty="0">
-                <a:solidFill>
-                  <a:schemeClr val="tx1">
-                    <a:lumMod val="50000"/>
-                    <a:lumOff val="50000"/>
-                  </a:schemeClr>
-                </a:solidFill>
-                <a:latin typeface="微软雅黑" panose="020B0503020204020204" pitchFamily="34" charset="-122"/>
-                <a:ea typeface="微软雅黑" panose="020B0503020204020204" pitchFamily="34" charset="-122"/>
-              </a:rPr>
-              <a:t>2</a:t>
-            </a:r>
-            <a:r>
-              <a:rPr lang="zh-CN" altLang="en-US" sz="2000" b="1" dirty="0">
-                <a:solidFill>
-                  <a:schemeClr val="tx1">
-                    <a:lumMod val="50000"/>
-                    <a:lumOff val="50000"/>
-                  </a:schemeClr>
-                </a:solidFill>
-                <a:latin typeface="微软雅黑" panose="020B0503020204020204" pitchFamily="34" charset="-122"/>
-                <a:ea typeface="微软雅黑" panose="020B0503020204020204" pitchFamily="34" charset="-122"/>
-              </a:rPr>
-              <a:t>、强调市场调研、构建原型并成立客户小组，小组负责今早并经常获取对新产品前景的反馈信息</a:t>
-            </a:r>
-          </a:p>
-          <a:p>
-            <a:endParaRPr lang="en-US" altLang="zh-CN" sz="2000" b="1" dirty="0">
-              <a:solidFill>
-                <a:schemeClr val="tx1">
-                  <a:lumMod val="50000"/>
-                  <a:lumOff val="50000"/>
-                </a:schemeClr>
-              </a:solidFill>
-              <a:latin typeface="微软雅黑" panose="020B0503020204020204" pitchFamily="34" charset="-122"/>
-              <a:ea typeface="微软雅黑" panose="020B0503020204020204" pitchFamily="34" charset="-122"/>
-            </a:endParaRPr>
-          </a:p>
-          <a:p>
-            <a:r>
-              <a:rPr lang="en-US" altLang="zh-CN" sz="2000" b="1" dirty="0">
-                <a:solidFill>
-                  <a:schemeClr val="tx1">
-                    <a:lumMod val="50000"/>
-                    <a:lumOff val="50000"/>
-                  </a:schemeClr>
-                </a:solidFill>
-                <a:latin typeface="微软雅黑" panose="020B0503020204020204" pitchFamily="34" charset="-122"/>
-                <a:ea typeface="微软雅黑" panose="020B0503020204020204" pitchFamily="34" charset="-122"/>
-              </a:rPr>
-              <a:t>3</a:t>
-            </a:r>
-            <a:r>
-              <a:rPr lang="zh-CN" altLang="en-US" sz="2000" b="1" dirty="0">
-                <a:solidFill>
-                  <a:schemeClr val="tx1">
-                    <a:lumMod val="50000"/>
-                    <a:lumOff val="50000"/>
-                  </a:schemeClr>
-                </a:solidFill>
-                <a:latin typeface="微软雅黑" panose="020B0503020204020204" pitchFamily="34" charset="-122"/>
-                <a:ea typeface="微软雅黑" panose="020B0503020204020204" pitchFamily="34" charset="-122"/>
-              </a:rPr>
-              <a:t>、召集代表开发、市场、客户和管理各方面的涉众召开风险“集体研讨”会议。尽力找出更多与需求有关的风险因素。估计每项风险发生的可能性及其影响。为每项风险安排一个负责人负责实施降低风险的活动。</a:t>
-            </a:r>
-            <a:endParaRPr lang="en-US" altLang="zh-CN" sz="2000" b="1" dirty="0">
-              <a:solidFill>
-                <a:schemeClr val="tx1">
-                  <a:lumMod val="50000"/>
-                  <a:lumOff val="50000"/>
-                </a:schemeClr>
-              </a:solidFill>
-              <a:latin typeface="微软雅黑" panose="020B0503020204020204" pitchFamily="34" charset="-122"/>
-              <a:ea typeface="微软雅黑" panose="020B0503020204020204" pitchFamily="34" charset="-122"/>
-            </a:endParaRPr>
-          </a:p>
-        </p:txBody>
-      </p:sp>
-    </p:spTree>
-    <p:extLst>
-      <p:ext uri="{BB962C8B-B14F-4D97-AF65-F5344CB8AC3E}">
-        <p14:creationId xmlns:p14="http://schemas.microsoft.com/office/powerpoint/2010/main" val="769223940"/>
-      </p:ext>
-    </p:extLst>
-  </p:cSld>
-  <p:clrMapOvr>
-    <a:masterClrMapping/>
-  </p:clrMapOvr>
-</p:sld>
-</file>
-
-<file path=ppt/slides/slide44.xml><?xml version="1.0" encoding="utf-8"?>
-<p:sld xmlns:a="http://schemas.openxmlformats.org/drawingml/2006/main" xmlns:r="http://schemas.openxmlformats.org/officeDocument/2006/relationships" xmlns:p="http://schemas.openxmlformats.org/presentationml/2006/main">
-  <p:cSld>
-    <p:spTree>
-      <p:nvGrpSpPr>
-        <p:cNvPr id="1" name=""/>
-        <p:cNvGrpSpPr/>
-        <p:nvPr/>
-      </p:nvGrpSpPr>
-      <p:grpSpPr>
-        <a:xfrm>
-          <a:off x="0" y="0"/>
-          <a:ext cx="0" cy="0"/>
-          <a:chOff x="0" y="0"/>
-          <a:chExt cx="0" cy="0"/>
-        </a:xfrm>
-      </p:grpSpPr>
-      <p:sp>
-        <p:nvSpPr>
-          <p:cNvPr id="2" name="标题 1"/>
-          <p:cNvSpPr>
-            <a:spLocks noGrp="1"/>
-          </p:cNvSpPr>
-          <p:nvPr>
-            <p:ph type="title"/>
-          </p:nvPr>
-        </p:nvSpPr>
-        <p:spPr>
-          <a:xfrm>
-            <a:off x="1574801" y="2033984"/>
-            <a:ext cx="7863113" cy="2690416"/>
-          </a:xfrm>
-        </p:spPr>
-        <p:txBody>
-          <a:bodyPr/>
-          <a:lstStyle/>
-          <a:p>
-            <a:r>
-              <a:rPr lang="zh-CN" altLang="en-US" sz="9600" dirty="0">
-                <a:latin typeface="Microsoft YaHei UI" panose="020B0503020204020204" pitchFamily="34" charset="-122"/>
-                <a:ea typeface="Microsoft YaHei UI" panose="020B0503020204020204" pitchFamily="34" charset="-122"/>
-              </a:rPr>
-              <a:t>第</a:t>
-            </a:r>
-            <a:r>
-              <a:rPr lang="en-US" altLang="zh-CN" sz="9600" dirty="0">
-                <a:latin typeface="Microsoft YaHei UI" panose="020B0503020204020204" pitchFamily="34" charset="-122"/>
-                <a:ea typeface="Microsoft YaHei UI" panose="020B0503020204020204" pitchFamily="34" charset="-122"/>
-              </a:rPr>
-              <a:t>8</a:t>
-            </a:r>
-            <a:r>
-              <a:rPr lang="zh-CN" altLang="en-US" sz="9600" dirty="0">
-                <a:latin typeface="Microsoft YaHei UI" panose="020B0503020204020204" pitchFamily="34" charset="-122"/>
-                <a:ea typeface="Microsoft YaHei UI" panose="020B0503020204020204" pitchFamily="34" charset="-122"/>
-              </a:rPr>
-              <a:t>章 </a:t>
-            </a:r>
-            <a:br>
-              <a:rPr lang="en-US" altLang="zh-CN" sz="9600" dirty="0">
-                <a:latin typeface="Microsoft YaHei UI" panose="020B0503020204020204" pitchFamily="34" charset="-122"/>
-                <a:ea typeface="Microsoft YaHei UI" panose="020B0503020204020204" pitchFamily="34" charset="-122"/>
-              </a:rPr>
-            </a:br>
-            <a:r>
-              <a:rPr lang="zh-CN" altLang="en-US" sz="9600" dirty="0">
-                <a:latin typeface="Microsoft YaHei UI" panose="020B0503020204020204" pitchFamily="34" charset="-122"/>
-                <a:ea typeface="Microsoft YaHei UI" panose="020B0503020204020204" pitchFamily="34" charset="-122"/>
-              </a:rPr>
-              <a:t>配置系统管理指南</a:t>
-            </a:r>
-            <a:br>
-              <a:rPr lang="zh-CN" altLang="en-US" sz="9600" dirty="0"/>
-            </a:br>
-            <a:endParaRPr lang="zh-CN" sz="9600" dirty="0">
-              <a:latin typeface="Microsoft YaHei UI" panose="020B0503020204020204" pitchFamily="34" charset="-122"/>
-              <a:ea typeface="Microsoft YaHei UI" panose="020B0503020204020204" pitchFamily="34" charset="-122"/>
-            </a:endParaRPr>
-          </a:p>
-        </p:txBody>
-      </p:sp>
-    </p:spTree>
-    <p:extLst>
-      <p:ext uri="{BB962C8B-B14F-4D97-AF65-F5344CB8AC3E}">
-        <p14:creationId xmlns:p14="http://schemas.microsoft.com/office/powerpoint/2010/main" val="2699523067"/>
       </p:ext>
     </p:extLst>
   </p:cSld>
@@ -25078,7 +25061,7 @@
           <a:p>
             <a:r>
               <a:rPr lang="zh-CN" altLang="en-US" dirty="0"/>
-              <a:t>配置标志</a:t>
+              <a:t>需求风险管理计划</a:t>
             </a:r>
           </a:p>
         </p:txBody>
@@ -25091,8 +25074,8 @@
         </p:nvSpPr>
         <p:spPr>
           <a:xfrm>
-            <a:off x="604615" y="2296962"/>
-            <a:ext cx="10877266" cy="707886"/>
+            <a:off x="604615" y="1505674"/>
+            <a:ext cx="10877266" cy="3170099"/>
           </a:xfrm>
           <a:prstGeom prst="rect">
             <a:avLst/>
@@ -25106,6 +25089,19 @@
           <a:lstStyle/>
           <a:p>
             <a:r>
+              <a:rPr lang="en-US" altLang="zh-CN" sz="2000" b="1" dirty="0">
+                <a:solidFill>
+                  <a:schemeClr val="tx1">
+                    <a:lumMod val="50000"/>
+                    <a:lumOff val="50000"/>
+                  </a:schemeClr>
+                </a:solidFill>
+                <a:latin typeface="微软雅黑" panose="020B0503020204020204" pitchFamily="34" charset="-122"/>
+                <a:ea typeface="微软雅黑" panose="020B0503020204020204" pitchFamily="34" charset="-122"/>
+              </a:rPr>
+              <a:t>1</a:t>
+            </a:r>
+            <a:r>
               <a:rPr lang="zh-CN" altLang="en-US" sz="2000" b="1" dirty="0">
                 <a:solidFill>
                   <a:schemeClr val="tx1">
@@ -25116,8 +25112,32 @@
                 <a:latin typeface="微软雅黑" panose="020B0503020204020204" pitchFamily="34" charset="-122"/>
                 <a:ea typeface="微软雅黑" panose="020B0503020204020204" pitchFamily="34" charset="-122"/>
               </a:rPr>
-              <a:t>软件项的标识基本按照</a:t>
-            </a:r>
+              <a:t>、要明确你当前软件开发项目面临的一些与需求有关的风险，不要把当前的问题当作风险，一定要是那些还未发生的事情。将风险的因素编写成文档，为每项需求风险推荐至少一种可能的降低风险的方法。</a:t>
+            </a:r>
+            <a:endParaRPr lang="en-US" altLang="zh-CN" sz="2000" b="1" dirty="0">
+              <a:solidFill>
+                <a:schemeClr val="tx1">
+                  <a:lumMod val="50000"/>
+                  <a:lumOff val="50000"/>
+                </a:schemeClr>
+              </a:solidFill>
+              <a:latin typeface="微软雅黑" panose="020B0503020204020204" pitchFamily="34" charset="-122"/>
+              <a:ea typeface="微软雅黑" panose="020B0503020204020204" pitchFamily="34" charset="-122"/>
+            </a:endParaRPr>
+          </a:p>
+          <a:p>
+            <a:endParaRPr lang="en-US" altLang="zh-CN" sz="2000" b="1" dirty="0">
+              <a:solidFill>
+                <a:schemeClr val="tx1">
+                  <a:lumMod val="50000"/>
+                  <a:lumOff val="50000"/>
+                </a:schemeClr>
+              </a:solidFill>
+              <a:latin typeface="微软雅黑" panose="020B0503020204020204" pitchFamily="34" charset="-122"/>
+              <a:ea typeface="微软雅黑" panose="020B0503020204020204" pitchFamily="34" charset="-122"/>
+            </a:endParaRPr>
+          </a:p>
+          <a:p>
             <a:r>
               <a:rPr lang="en-US" altLang="zh-CN" sz="2000" b="1" dirty="0">
                 <a:solidFill>
@@ -25129,7 +25149,7 @@
                 <a:latin typeface="微软雅黑" panose="020B0503020204020204" pitchFamily="34" charset="-122"/>
                 <a:ea typeface="微软雅黑" panose="020B0503020204020204" pitchFamily="34" charset="-122"/>
               </a:rPr>
-              <a:t>《</a:t>
+              <a:t>2</a:t>
             </a:r>
             <a:r>
               <a:rPr lang="zh-CN" altLang="en-US" sz="2000" b="1" dirty="0">
@@ -25142,8 +25162,22 @@
                 <a:latin typeface="微软雅黑" panose="020B0503020204020204" pitchFamily="34" charset="-122"/>
                 <a:ea typeface="微软雅黑" panose="020B0503020204020204" pitchFamily="34" charset="-122"/>
               </a:rPr>
-              <a:t>软件配置标识命名规则</a:t>
-            </a:r>
+              <a:t>、强调市场调研、构建原型并成立客户小组，小组负责今早并经常获取对新产品前景的反馈信息</a:t>
+            </a:r>
+          </a:p>
+          <a:p>
+            <a:endParaRPr lang="en-US" altLang="zh-CN" sz="2000" b="1" dirty="0">
+              <a:solidFill>
+                <a:schemeClr val="tx1">
+                  <a:lumMod val="50000"/>
+                  <a:lumOff val="50000"/>
+                </a:schemeClr>
+              </a:solidFill>
+              <a:latin typeface="微软雅黑" panose="020B0503020204020204" pitchFamily="34" charset="-122"/>
+              <a:ea typeface="微软雅黑" panose="020B0503020204020204" pitchFamily="34" charset="-122"/>
+            </a:endParaRPr>
+          </a:p>
+          <a:p>
             <a:r>
               <a:rPr lang="en-US" altLang="zh-CN" sz="2000" b="1" dirty="0">
                 <a:solidFill>
@@ -25155,7 +25189,7 @@
                 <a:latin typeface="微软雅黑" panose="020B0503020204020204" pitchFamily="34" charset="-122"/>
                 <a:ea typeface="微软雅黑" panose="020B0503020204020204" pitchFamily="34" charset="-122"/>
               </a:rPr>
-              <a:t>》</a:t>
+              <a:t>3</a:t>
             </a:r>
             <a:r>
               <a:rPr lang="zh-CN" altLang="en-US" sz="2000" b="1" dirty="0">
@@ -25168,7 +25202,7 @@
                 <a:latin typeface="微软雅黑" panose="020B0503020204020204" pitchFamily="34" charset="-122"/>
                 <a:ea typeface="微软雅黑" panose="020B0503020204020204" pitchFamily="34" charset="-122"/>
               </a:rPr>
-              <a:t>进行。要通过标识能够确定软件项之间的相互联系。</a:t>
+              <a:t>、召集代表开发、市场、客户和管理各方面的涉众召开风险“集体研讨”会议。尽力找出更多与需求有关的风险因素。估计每项风险发生的可能性及其影响。为每项风险安排一个负责人负责实施降低风险的活动。</a:t>
             </a:r>
             <a:endParaRPr lang="en-US" altLang="zh-CN" sz="2000" b="1" dirty="0">
               <a:solidFill>
@@ -25186,7 +25220,7 @@
     </p:spTree>
     <p:extLst>
       <p:ext uri="{BB962C8B-B14F-4D97-AF65-F5344CB8AC3E}">
-        <p14:creationId xmlns:p14="http://schemas.microsoft.com/office/powerpoint/2010/main" val="404462160"/>
+        <p14:creationId xmlns:p14="http://schemas.microsoft.com/office/powerpoint/2010/main" val="769223940"/>
       </p:ext>
     </p:extLst>
   </p:cSld>
@@ -25225,8 +25259,8 @@
         </p:nvSpPr>
         <p:spPr>
           <a:xfrm>
-            <a:off x="646111" y="452718"/>
-            <a:ext cx="9404723" cy="1400530"/>
+            <a:off x="1574801" y="2033984"/>
+            <a:ext cx="7863113" cy="2690416"/>
           </a:xfrm>
         </p:spPr>
         <p:txBody>
@@ -25234,283 +25268,53 @@
           <a:lstStyle/>
           <a:p>
             <a:r>
-              <a:rPr lang="zh-CN" altLang="en-US" dirty="0"/>
-              <a:t>版本管理</a:t>
-            </a:r>
-          </a:p>
-        </p:txBody>
-      </p:sp>
-      <p:sp>
-        <p:nvSpPr>
-          <p:cNvPr id="3" name="文本框 5"/>
-          <p:cNvSpPr txBox="1"/>
-          <p:nvPr/>
-        </p:nvSpPr>
-        <p:spPr>
-          <a:xfrm>
-            <a:off x="604615" y="1505674"/>
-            <a:ext cx="10877266" cy="4401205"/>
-          </a:xfrm>
-          <a:prstGeom prst="rect">
-            <a:avLst/>
-          </a:prstGeom>
-          <a:noFill/>
-        </p:spPr>
-        <p:txBody>
-          <a:bodyPr wrap="square" rtlCol="0">
-            <a:spAutoFit/>
-          </a:bodyPr>
-          <a:lstStyle/>
-          <a:p>
-            <a:r>
-              <a:rPr lang="en-US" altLang="zh-CN" sz="2000" b="1" dirty="0">
-                <a:solidFill>
-                  <a:schemeClr val="tx1">
-                    <a:lumMod val="50000"/>
-                    <a:lumOff val="50000"/>
-                  </a:schemeClr>
-                </a:solidFill>
-                <a:latin typeface="微软雅黑" panose="020B0503020204020204" pitchFamily="34" charset="-122"/>
-                <a:ea typeface="微软雅黑" panose="020B0503020204020204" pitchFamily="34" charset="-122"/>
+              <a:rPr lang="zh-CN" altLang="en-US" sz="9600" dirty="0">
+                <a:latin typeface="Microsoft YaHei UI" panose="020B0503020204020204" pitchFamily="34" charset="-122"/>
+                <a:ea typeface="Microsoft YaHei UI" panose="020B0503020204020204" pitchFamily="34" charset="-122"/>
               </a:rPr>
-              <a:t>1.</a:t>
-            </a:r>
-            <a:r>
-              <a:rPr lang="zh-CN" altLang="en-US" sz="2000" b="1" dirty="0">
-                <a:solidFill>
-                  <a:schemeClr val="tx1">
-                    <a:lumMod val="50000"/>
-                    <a:lumOff val="50000"/>
-                  </a:schemeClr>
-                </a:solidFill>
-                <a:latin typeface="微软雅黑" panose="020B0503020204020204" pitchFamily="34" charset="-122"/>
-                <a:ea typeface="微软雅黑" panose="020B0503020204020204" pitchFamily="34" charset="-122"/>
+              <a:t>第</a:t>
+            </a:r>
+            <a:r>
+              <a:rPr lang="en-US" altLang="zh-CN" sz="9600" dirty="0">
+                <a:latin typeface="Microsoft YaHei UI" panose="020B0503020204020204" pitchFamily="34" charset="-122"/>
+                <a:ea typeface="Microsoft YaHei UI" panose="020B0503020204020204" pitchFamily="34" charset="-122"/>
               </a:rPr>
-              <a:t>首先在服务器上建立一个目录，作为项目配置数据库。在此目录下按照每个项目组建一个分目录，项目组代码及项目组名构成目录名，然后在此项目组目录下按照所属每个项目建一个子目录，同一项目的开发文档存放在一个目录下，项目编号紧跟项目名就是目录名。在一个项目分目录下可按非受控文档与受控文档建立一级次目录，然后在一级次目录下按文档的不同类型建立二级次目录，使得所有开发文档能分门别类的组织存放，便于查询。目录结构可见下图的示例。</a:t>
-            </a:r>
-          </a:p>
-          <a:p>
-            <a:r>
-              <a:rPr lang="en-US" altLang="zh-CN" sz="2000" b="1" dirty="0">
-                <a:solidFill>
-                  <a:schemeClr val="tx1">
-                    <a:lumMod val="50000"/>
-                    <a:lumOff val="50000"/>
-                  </a:schemeClr>
-                </a:solidFill>
-                <a:latin typeface="微软雅黑" panose="020B0503020204020204" pitchFamily="34" charset="-122"/>
-                <a:ea typeface="微软雅黑" panose="020B0503020204020204" pitchFamily="34" charset="-122"/>
+              <a:t>8</a:t>
+            </a:r>
+            <a:r>
+              <a:rPr lang="zh-CN" altLang="en-US" sz="9600" dirty="0">
+                <a:latin typeface="Microsoft YaHei UI" panose="020B0503020204020204" pitchFamily="34" charset="-122"/>
+                <a:ea typeface="Microsoft YaHei UI" panose="020B0503020204020204" pitchFamily="34" charset="-122"/>
               </a:rPr>
-              <a:t>2.</a:t>
-            </a:r>
-            <a:r>
-              <a:rPr lang="zh-CN" altLang="en-US" sz="2000" b="1" dirty="0">
-                <a:solidFill>
-                  <a:schemeClr val="tx1">
-                    <a:lumMod val="50000"/>
-                    <a:lumOff val="50000"/>
-                  </a:schemeClr>
-                </a:solidFill>
-                <a:latin typeface="微软雅黑" panose="020B0503020204020204" pitchFamily="34" charset="-122"/>
-                <a:ea typeface="微软雅黑" panose="020B0503020204020204" pitchFamily="34" charset="-122"/>
+              <a:t>章 </a:t>
+            </a:r>
+            <a:br>
+              <a:rPr lang="en-US" altLang="zh-CN" sz="9600" dirty="0">
+                <a:latin typeface="Microsoft YaHei UI" panose="020B0503020204020204" pitchFamily="34" charset="-122"/>
+                <a:ea typeface="Microsoft YaHei UI" panose="020B0503020204020204" pitchFamily="34" charset="-122"/>
               </a:rPr>
-              <a:t>项目子目录的受控文档一般只有项目经理和属于该项目的开发人员和配置管理员能够访问到。配置管理员负责分配访问权限，一般项目经理对该目录具有较大的权限</a:t>
-            </a:r>
-            <a:r>
-              <a:rPr lang="en-US" altLang="zh-CN" sz="2000" b="1" dirty="0">
-                <a:solidFill>
-                  <a:schemeClr val="tx1">
-                    <a:lumMod val="50000"/>
-                    <a:lumOff val="50000"/>
-                  </a:schemeClr>
-                </a:solidFill>
-                <a:latin typeface="微软雅黑" panose="020B0503020204020204" pitchFamily="34" charset="-122"/>
-                <a:ea typeface="微软雅黑" panose="020B0503020204020204" pitchFamily="34" charset="-122"/>
+            </a:br>
+            <a:r>
+              <a:rPr lang="zh-CN" altLang="en-US" sz="9600" dirty="0">
+                <a:latin typeface="Microsoft YaHei UI" panose="020B0503020204020204" pitchFamily="34" charset="-122"/>
+                <a:ea typeface="Microsoft YaHei UI" panose="020B0503020204020204" pitchFamily="34" charset="-122"/>
               </a:rPr>
-              <a:t>——</a:t>
-            </a:r>
-            <a:r>
-              <a:rPr lang="zh-CN" altLang="en-US" sz="2000" b="1" dirty="0">
-                <a:solidFill>
-                  <a:schemeClr val="tx1">
-                    <a:lumMod val="50000"/>
-                    <a:lumOff val="50000"/>
-                  </a:schemeClr>
-                </a:solidFill>
-                <a:latin typeface="微软雅黑" panose="020B0503020204020204" pitchFamily="34" charset="-122"/>
-                <a:ea typeface="微软雅黑" panose="020B0503020204020204" pitchFamily="34" charset="-122"/>
-              </a:rPr>
-              <a:t>读取、添加和更改；一般开发人员只有读取的权限。</a:t>
-            </a:r>
-          </a:p>
-          <a:p>
-            <a:r>
-              <a:rPr lang="en-US" altLang="zh-CN" sz="2000" b="1" dirty="0">
-                <a:solidFill>
-                  <a:schemeClr val="tx1">
-                    <a:lumMod val="50000"/>
-                    <a:lumOff val="50000"/>
-                  </a:schemeClr>
-                </a:solidFill>
-                <a:latin typeface="微软雅黑" panose="020B0503020204020204" pitchFamily="34" charset="-122"/>
-                <a:ea typeface="微软雅黑" panose="020B0503020204020204" pitchFamily="34" charset="-122"/>
-              </a:rPr>
-              <a:t>3.</a:t>
-            </a:r>
-            <a:r>
-              <a:rPr lang="zh-CN" altLang="en-US" sz="2000" b="1" dirty="0">
-                <a:solidFill>
-                  <a:schemeClr val="tx1">
-                    <a:lumMod val="50000"/>
-                    <a:lumOff val="50000"/>
-                  </a:schemeClr>
-                </a:solidFill>
-                <a:latin typeface="微软雅黑" panose="020B0503020204020204" pitchFamily="34" charset="-122"/>
-                <a:ea typeface="微软雅黑" panose="020B0503020204020204" pitchFamily="34" charset="-122"/>
-              </a:rPr>
-              <a:t>在项目开发的某一阶段结束时，通过了该阶段评审的这些开发文档交配置管理员保存到项目数据库，做为正式版本的第一版</a:t>
-            </a:r>
-            <a:r>
-              <a:rPr lang="en-US" altLang="zh-CN" sz="2000" b="1" dirty="0">
-                <a:solidFill>
-                  <a:schemeClr val="tx1">
-                    <a:lumMod val="50000"/>
-                    <a:lumOff val="50000"/>
-                  </a:schemeClr>
-                </a:solidFill>
-                <a:latin typeface="微软雅黑" panose="020B0503020204020204" pitchFamily="34" charset="-122"/>
-                <a:ea typeface="微软雅黑" panose="020B0503020204020204" pitchFamily="34" charset="-122"/>
-              </a:rPr>
-              <a:t>——1.0</a:t>
-            </a:r>
-            <a:r>
-              <a:rPr lang="zh-CN" altLang="en-US" sz="2000" b="1" dirty="0">
-                <a:solidFill>
-                  <a:schemeClr val="tx1">
-                    <a:lumMod val="50000"/>
-                    <a:lumOff val="50000"/>
-                  </a:schemeClr>
-                </a:solidFill>
-                <a:latin typeface="微软雅黑" panose="020B0503020204020204" pitchFamily="34" charset="-122"/>
-                <a:ea typeface="微软雅黑" panose="020B0503020204020204" pitchFamily="34" charset="-122"/>
-              </a:rPr>
-              <a:t>版本。</a:t>
-            </a:r>
-          </a:p>
-          <a:p>
-            <a:r>
-              <a:rPr lang="en-US" altLang="zh-CN" sz="2000" b="1" dirty="0">
-                <a:solidFill>
-                  <a:schemeClr val="tx1">
-                    <a:lumMod val="50000"/>
-                    <a:lumOff val="50000"/>
-                  </a:schemeClr>
-                </a:solidFill>
-                <a:latin typeface="微软雅黑" panose="020B0503020204020204" pitchFamily="34" charset="-122"/>
-                <a:ea typeface="微软雅黑" panose="020B0503020204020204" pitchFamily="34" charset="-122"/>
-              </a:rPr>
-              <a:t>4.</a:t>
-            </a:r>
-            <a:r>
-              <a:rPr lang="zh-CN" altLang="en-US" sz="2000" b="1" dirty="0">
-                <a:solidFill>
-                  <a:schemeClr val="tx1">
-                    <a:lumMod val="50000"/>
-                    <a:lumOff val="50000"/>
-                  </a:schemeClr>
-                </a:solidFill>
-                <a:latin typeface="微软雅黑" panose="020B0503020204020204" pitchFamily="34" charset="-122"/>
-                <a:ea typeface="微软雅黑" panose="020B0503020204020204" pitchFamily="34" charset="-122"/>
-              </a:rPr>
-              <a:t>在以后的开发中，如果软件需要修改，那修改后的软件可用多级编号来表示新版本</a:t>
-            </a:r>
-            <a:r>
-              <a:rPr lang="en-US" altLang="zh-CN" sz="2000" b="1" dirty="0">
-                <a:solidFill>
-                  <a:schemeClr val="tx1">
-                    <a:lumMod val="50000"/>
-                    <a:lumOff val="50000"/>
-                  </a:schemeClr>
-                </a:solidFill>
-                <a:latin typeface="微软雅黑" panose="020B0503020204020204" pitchFamily="34" charset="-122"/>
-                <a:ea typeface="微软雅黑" panose="020B0503020204020204" pitchFamily="34" charset="-122"/>
-              </a:rPr>
-              <a:t>——1.1</a:t>
-            </a:r>
-            <a:r>
-              <a:rPr lang="zh-CN" altLang="en-US" sz="2000" b="1" dirty="0">
-                <a:solidFill>
-                  <a:schemeClr val="tx1">
-                    <a:lumMod val="50000"/>
-                    <a:lumOff val="50000"/>
-                  </a:schemeClr>
-                </a:solidFill>
-                <a:latin typeface="微软雅黑" panose="020B0503020204020204" pitchFamily="34" charset="-122"/>
-                <a:ea typeface="微软雅黑" panose="020B0503020204020204" pitchFamily="34" charset="-122"/>
-              </a:rPr>
-              <a:t>、</a:t>
-            </a:r>
-            <a:r>
-              <a:rPr lang="en-US" altLang="zh-CN" sz="2000" b="1" dirty="0">
-                <a:solidFill>
-                  <a:schemeClr val="tx1">
-                    <a:lumMod val="50000"/>
-                    <a:lumOff val="50000"/>
-                  </a:schemeClr>
-                </a:solidFill>
-                <a:latin typeface="微软雅黑" panose="020B0503020204020204" pitchFamily="34" charset="-122"/>
-                <a:ea typeface="微软雅黑" panose="020B0503020204020204" pitchFamily="34" charset="-122"/>
-              </a:rPr>
-              <a:t>1.2</a:t>
-            </a:r>
-            <a:r>
-              <a:rPr lang="zh-CN" altLang="en-US" sz="2000" b="1" dirty="0">
-                <a:solidFill>
-                  <a:schemeClr val="tx1">
-                    <a:lumMod val="50000"/>
-                    <a:lumOff val="50000"/>
-                  </a:schemeClr>
-                </a:solidFill>
-                <a:latin typeface="微软雅黑" panose="020B0503020204020204" pitchFamily="34" charset="-122"/>
-                <a:ea typeface="微软雅黑" panose="020B0503020204020204" pitchFamily="34" charset="-122"/>
-              </a:rPr>
-              <a:t>等加以区别标识。</a:t>
-            </a:r>
-          </a:p>
-          <a:p>
-            <a:r>
-              <a:rPr lang="en-US" altLang="zh-CN" sz="2000" b="1" dirty="0">
-                <a:solidFill>
-                  <a:schemeClr val="tx1">
-                    <a:lumMod val="50000"/>
-                    <a:lumOff val="50000"/>
-                  </a:schemeClr>
-                </a:solidFill>
-                <a:latin typeface="微软雅黑" panose="020B0503020204020204" pitchFamily="34" charset="-122"/>
-                <a:ea typeface="微软雅黑" panose="020B0503020204020204" pitchFamily="34" charset="-122"/>
-              </a:rPr>
-              <a:t>5.</a:t>
-            </a:r>
-            <a:r>
-              <a:rPr lang="zh-CN" altLang="en-US" sz="2000" b="1" dirty="0">
-                <a:solidFill>
-                  <a:schemeClr val="tx1">
-                    <a:lumMod val="50000"/>
-                    <a:lumOff val="50000"/>
-                  </a:schemeClr>
-                </a:solidFill>
-                <a:latin typeface="微软雅黑" panose="020B0503020204020204" pitchFamily="34" charset="-122"/>
-                <a:ea typeface="微软雅黑" panose="020B0503020204020204" pitchFamily="34" charset="-122"/>
-              </a:rPr>
-              <a:t>在各个评审阶段产生的所有评审报告和修改报告都要进行编号保存，编号与相应文档的编号要对应。</a:t>
-            </a:r>
+              <a:t>配置系统管理指南</a:t>
+            </a:r>
+            <a:br>
+              <a:rPr lang="zh-CN" altLang="en-US" sz="9600" dirty="0"/>
+            </a:br>
+            <a:endParaRPr lang="zh-CN" sz="9600" dirty="0">
+              <a:latin typeface="Microsoft YaHei UI" panose="020B0503020204020204" pitchFamily="34" charset="-122"/>
+              <a:ea typeface="Microsoft YaHei UI" panose="020B0503020204020204" pitchFamily="34" charset="-122"/>
+            </a:endParaRPr>
           </a:p>
         </p:txBody>
       </p:sp>
     </p:spTree>
     <p:extLst>
       <p:ext uri="{BB962C8B-B14F-4D97-AF65-F5344CB8AC3E}">
-        <p14:creationId xmlns:p14="http://schemas.microsoft.com/office/powerpoint/2010/main" val="1955698181"/>
+        <p14:creationId xmlns:p14="http://schemas.microsoft.com/office/powerpoint/2010/main" val="2699523067"/>
       </p:ext>
     </p:extLst>
   </p:cSld>
@@ -25559,6 +25363,487 @@
           <a:p>
             <a:r>
               <a:rPr lang="zh-CN" altLang="en-US" dirty="0"/>
+              <a:t>配置标志</a:t>
+            </a:r>
+          </a:p>
+        </p:txBody>
+      </p:sp>
+      <p:sp>
+        <p:nvSpPr>
+          <p:cNvPr id="3" name="文本框 5"/>
+          <p:cNvSpPr txBox="1"/>
+          <p:nvPr/>
+        </p:nvSpPr>
+        <p:spPr>
+          <a:xfrm>
+            <a:off x="604615" y="2296962"/>
+            <a:ext cx="10877266" cy="707886"/>
+          </a:xfrm>
+          <a:prstGeom prst="rect">
+            <a:avLst/>
+          </a:prstGeom>
+          <a:noFill/>
+        </p:spPr>
+        <p:txBody>
+          <a:bodyPr wrap="square" rtlCol="0">
+            <a:spAutoFit/>
+          </a:bodyPr>
+          <a:lstStyle/>
+          <a:p>
+            <a:r>
+              <a:rPr lang="zh-CN" altLang="en-US" sz="2000" b="1" dirty="0">
+                <a:solidFill>
+                  <a:schemeClr val="tx1">
+                    <a:lumMod val="50000"/>
+                    <a:lumOff val="50000"/>
+                  </a:schemeClr>
+                </a:solidFill>
+                <a:latin typeface="微软雅黑" panose="020B0503020204020204" pitchFamily="34" charset="-122"/>
+                <a:ea typeface="微软雅黑" panose="020B0503020204020204" pitchFamily="34" charset="-122"/>
+              </a:rPr>
+              <a:t>软件项的标识基本按照</a:t>
+            </a:r>
+            <a:r>
+              <a:rPr lang="en-US" altLang="zh-CN" sz="2000" b="1" dirty="0">
+                <a:solidFill>
+                  <a:schemeClr val="tx1">
+                    <a:lumMod val="50000"/>
+                    <a:lumOff val="50000"/>
+                  </a:schemeClr>
+                </a:solidFill>
+                <a:latin typeface="微软雅黑" panose="020B0503020204020204" pitchFamily="34" charset="-122"/>
+                <a:ea typeface="微软雅黑" panose="020B0503020204020204" pitchFamily="34" charset="-122"/>
+              </a:rPr>
+              <a:t>《</a:t>
+            </a:r>
+            <a:r>
+              <a:rPr lang="zh-CN" altLang="en-US" sz="2000" b="1" dirty="0">
+                <a:solidFill>
+                  <a:schemeClr val="tx1">
+                    <a:lumMod val="50000"/>
+                    <a:lumOff val="50000"/>
+                  </a:schemeClr>
+                </a:solidFill>
+                <a:latin typeface="微软雅黑" panose="020B0503020204020204" pitchFamily="34" charset="-122"/>
+                <a:ea typeface="微软雅黑" panose="020B0503020204020204" pitchFamily="34" charset="-122"/>
+              </a:rPr>
+              <a:t>软件配置标识命名规则</a:t>
+            </a:r>
+            <a:r>
+              <a:rPr lang="en-US" altLang="zh-CN" sz="2000" b="1" dirty="0">
+                <a:solidFill>
+                  <a:schemeClr val="tx1">
+                    <a:lumMod val="50000"/>
+                    <a:lumOff val="50000"/>
+                  </a:schemeClr>
+                </a:solidFill>
+                <a:latin typeface="微软雅黑" panose="020B0503020204020204" pitchFamily="34" charset="-122"/>
+                <a:ea typeface="微软雅黑" panose="020B0503020204020204" pitchFamily="34" charset="-122"/>
+              </a:rPr>
+              <a:t>》</a:t>
+            </a:r>
+            <a:r>
+              <a:rPr lang="zh-CN" altLang="en-US" sz="2000" b="1" dirty="0">
+                <a:solidFill>
+                  <a:schemeClr val="tx1">
+                    <a:lumMod val="50000"/>
+                    <a:lumOff val="50000"/>
+                  </a:schemeClr>
+                </a:solidFill>
+                <a:latin typeface="微软雅黑" panose="020B0503020204020204" pitchFamily="34" charset="-122"/>
+                <a:ea typeface="微软雅黑" panose="020B0503020204020204" pitchFamily="34" charset="-122"/>
+              </a:rPr>
+              <a:t>进行。要通过标识能够确定软件项之间的相互联系。</a:t>
+            </a:r>
+            <a:endParaRPr lang="en-US" altLang="zh-CN" sz="2000" b="1" dirty="0">
+              <a:solidFill>
+                <a:schemeClr val="tx1">
+                  <a:lumMod val="50000"/>
+                  <a:lumOff val="50000"/>
+                </a:schemeClr>
+              </a:solidFill>
+              <a:latin typeface="微软雅黑" panose="020B0503020204020204" pitchFamily="34" charset="-122"/>
+              <a:ea typeface="微软雅黑" panose="020B0503020204020204" pitchFamily="34" charset="-122"/>
+            </a:endParaRPr>
+          </a:p>
+        </p:txBody>
+      </p:sp>
+    </p:spTree>
+    <p:extLst>
+      <p:ext uri="{BB962C8B-B14F-4D97-AF65-F5344CB8AC3E}">
+        <p14:creationId xmlns:p14="http://schemas.microsoft.com/office/powerpoint/2010/main" val="404462160"/>
+      </p:ext>
+    </p:extLst>
+  </p:cSld>
+  <p:clrMapOvr>
+    <a:masterClrMapping/>
+  </p:clrMapOvr>
+</p:sld>
+</file>
+
+<file path=ppt/slides/slide48.xml><?xml version="1.0" encoding="utf-8"?>
+<p:sld xmlns:a="http://schemas.openxmlformats.org/drawingml/2006/main" xmlns:r="http://schemas.openxmlformats.org/officeDocument/2006/relationships" xmlns:p="http://schemas.openxmlformats.org/presentationml/2006/main">
+  <p:cSld>
+    <p:spTree>
+      <p:nvGrpSpPr>
+        <p:cNvPr id="1" name=""/>
+        <p:cNvGrpSpPr/>
+        <p:nvPr/>
+      </p:nvGrpSpPr>
+      <p:grpSpPr>
+        <a:xfrm>
+          <a:off x="0" y="0"/>
+          <a:ext cx="0" cy="0"/>
+          <a:chOff x="0" y="0"/>
+          <a:chExt cx="0" cy="0"/>
+        </a:xfrm>
+      </p:grpSpPr>
+      <p:sp>
+        <p:nvSpPr>
+          <p:cNvPr id="2" name="标题 1"/>
+          <p:cNvSpPr>
+            <a:spLocks noGrp="1"/>
+          </p:cNvSpPr>
+          <p:nvPr>
+            <p:ph type="title"/>
+          </p:nvPr>
+        </p:nvSpPr>
+        <p:spPr>
+          <a:xfrm>
+            <a:off x="646111" y="452718"/>
+            <a:ext cx="9404723" cy="1400530"/>
+          </a:xfrm>
+        </p:spPr>
+        <p:txBody>
+          <a:bodyPr/>
+          <a:lstStyle/>
+          <a:p>
+            <a:r>
+              <a:rPr lang="zh-CN" altLang="en-US" dirty="0"/>
+              <a:t>版本管理</a:t>
+            </a:r>
+          </a:p>
+        </p:txBody>
+      </p:sp>
+      <p:sp>
+        <p:nvSpPr>
+          <p:cNvPr id="3" name="文本框 5"/>
+          <p:cNvSpPr txBox="1"/>
+          <p:nvPr/>
+        </p:nvSpPr>
+        <p:spPr>
+          <a:xfrm>
+            <a:off x="604615" y="1505674"/>
+            <a:ext cx="10877266" cy="4401205"/>
+          </a:xfrm>
+          <a:prstGeom prst="rect">
+            <a:avLst/>
+          </a:prstGeom>
+          <a:noFill/>
+        </p:spPr>
+        <p:txBody>
+          <a:bodyPr wrap="square" rtlCol="0">
+            <a:spAutoFit/>
+          </a:bodyPr>
+          <a:lstStyle/>
+          <a:p>
+            <a:r>
+              <a:rPr lang="en-US" altLang="zh-CN" sz="2000" b="1" dirty="0">
+                <a:solidFill>
+                  <a:schemeClr val="tx1">
+                    <a:lumMod val="50000"/>
+                    <a:lumOff val="50000"/>
+                  </a:schemeClr>
+                </a:solidFill>
+                <a:latin typeface="微软雅黑" panose="020B0503020204020204" pitchFamily="34" charset="-122"/>
+                <a:ea typeface="微软雅黑" panose="020B0503020204020204" pitchFamily="34" charset="-122"/>
+              </a:rPr>
+              <a:t>1.</a:t>
+            </a:r>
+            <a:r>
+              <a:rPr lang="zh-CN" altLang="en-US" sz="2000" b="1" dirty="0">
+                <a:solidFill>
+                  <a:schemeClr val="tx1">
+                    <a:lumMod val="50000"/>
+                    <a:lumOff val="50000"/>
+                  </a:schemeClr>
+                </a:solidFill>
+                <a:latin typeface="微软雅黑" panose="020B0503020204020204" pitchFamily="34" charset="-122"/>
+                <a:ea typeface="微软雅黑" panose="020B0503020204020204" pitchFamily="34" charset="-122"/>
+              </a:rPr>
+              <a:t>首先在服务器上建立一个目录，作为项目配置数据库。在此目录下按照每个项目组建一个分目录，项目组代码及项目组名构成目录名，然后在此项目组目录下按照所属每个项目建一个子目录，同一项目的开发文档存放在一个目录下，项目编号紧跟项目名就是目录名。在一个项目分目录下可按非受控文档与受控文档建立一级次目录，然后在一级次目录下按文档的不同类型建立二级次目录，使得所有开发文档能分门别类的组织存放，便于查询。目录结构可见下图的示例。</a:t>
+            </a:r>
+          </a:p>
+          <a:p>
+            <a:r>
+              <a:rPr lang="en-US" altLang="zh-CN" sz="2000" b="1" dirty="0">
+                <a:solidFill>
+                  <a:schemeClr val="tx1">
+                    <a:lumMod val="50000"/>
+                    <a:lumOff val="50000"/>
+                  </a:schemeClr>
+                </a:solidFill>
+                <a:latin typeface="微软雅黑" panose="020B0503020204020204" pitchFamily="34" charset="-122"/>
+                <a:ea typeface="微软雅黑" panose="020B0503020204020204" pitchFamily="34" charset="-122"/>
+              </a:rPr>
+              <a:t>2.</a:t>
+            </a:r>
+            <a:r>
+              <a:rPr lang="zh-CN" altLang="en-US" sz="2000" b="1" dirty="0">
+                <a:solidFill>
+                  <a:schemeClr val="tx1">
+                    <a:lumMod val="50000"/>
+                    <a:lumOff val="50000"/>
+                  </a:schemeClr>
+                </a:solidFill>
+                <a:latin typeface="微软雅黑" panose="020B0503020204020204" pitchFamily="34" charset="-122"/>
+                <a:ea typeface="微软雅黑" panose="020B0503020204020204" pitchFamily="34" charset="-122"/>
+              </a:rPr>
+              <a:t>项目子目录的受控文档一般只有项目经理和属于该项目的开发人员和配置管理员能够访问到。配置管理员负责分配访问权限，一般项目经理对该目录具有较大的权限</a:t>
+            </a:r>
+            <a:r>
+              <a:rPr lang="en-US" altLang="zh-CN" sz="2000" b="1" dirty="0">
+                <a:solidFill>
+                  <a:schemeClr val="tx1">
+                    <a:lumMod val="50000"/>
+                    <a:lumOff val="50000"/>
+                  </a:schemeClr>
+                </a:solidFill>
+                <a:latin typeface="微软雅黑" panose="020B0503020204020204" pitchFamily="34" charset="-122"/>
+                <a:ea typeface="微软雅黑" panose="020B0503020204020204" pitchFamily="34" charset="-122"/>
+              </a:rPr>
+              <a:t>——</a:t>
+            </a:r>
+            <a:r>
+              <a:rPr lang="zh-CN" altLang="en-US" sz="2000" b="1" dirty="0">
+                <a:solidFill>
+                  <a:schemeClr val="tx1">
+                    <a:lumMod val="50000"/>
+                    <a:lumOff val="50000"/>
+                  </a:schemeClr>
+                </a:solidFill>
+                <a:latin typeface="微软雅黑" panose="020B0503020204020204" pitchFamily="34" charset="-122"/>
+                <a:ea typeface="微软雅黑" panose="020B0503020204020204" pitchFamily="34" charset="-122"/>
+              </a:rPr>
+              <a:t>读取、添加和更改；一般开发人员只有读取的权限。</a:t>
+            </a:r>
+          </a:p>
+          <a:p>
+            <a:r>
+              <a:rPr lang="en-US" altLang="zh-CN" sz="2000" b="1" dirty="0">
+                <a:solidFill>
+                  <a:schemeClr val="tx1">
+                    <a:lumMod val="50000"/>
+                    <a:lumOff val="50000"/>
+                  </a:schemeClr>
+                </a:solidFill>
+                <a:latin typeface="微软雅黑" panose="020B0503020204020204" pitchFamily="34" charset="-122"/>
+                <a:ea typeface="微软雅黑" panose="020B0503020204020204" pitchFamily="34" charset="-122"/>
+              </a:rPr>
+              <a:t>3.</a:t>
+            </a:r>
+            <a:r>
+              <a:rPr lang="zh-CN" altLang="en-US" sz="2000" b="1" dirty="0">
+                <a:solidFill>
+                  <a:schemeClr val="tx1">
+                    <a:lumMod val="50000"/>
+                    <a:lumOff val="50000"/>
+                  </a:schemeClr>
+                </a:solidFill>
+                <a:latin typeface="微软雅黑" panose="020B0503020204020204" pitchFamily="34" charset="-122"/>
+                <a:ea typeface="微软雅黑" panose="020B0503020204020204" pitchFamily="34" charset="-122"/>
+              </a:rPr>
+              <a:t>在项目开发的某一阶段结束时，通过了该阶段评审的这些开发文档交配置管理员保存到项目数据库，做为正式版本的第一版</a:t>
+            </a:r>
+            <a:r>
+              <a:rPr lang="en-US" altLang="zh-CN" sz="2000" b="1" dirty="0">
+                <a:solidFill>
+                  <a:schemeClr val="tx1">
+                    <a:lumMod val="50000"/>
+                    <a:lumOff val="50000"/>
+                  </a:schemeClr>
+                </a:solidFill>
+                <a:latin typeface="微软雅黑" panose="020B0503020204020204" pitchFamily="34" charset="-122"/>
+                <a:ea typeface="微软雅黑" panose="020B0503020204020204" pitchFamily="34" charset="-122"/>
+              </a:rPr>
+              <a:t>——1.0</a:t>
+            </a:r>
+            <a:r>
+              <a:rPr lang="zh-CN" altLang="en-US" sz="2000" b="1" dirty="0">
+                <a:solidFill>
+                  <a:schemeClr val="tx1">
+                    <a:lumMod val="50000"/>
+                    <a:lumOff val="50000"/>
+                  </a:schemeClr>
+                </a:solidFill>
+                <a:latin typeface="微软雅黑" panose="020B0503020204020204" pitchFamily="34" charset="-122"/>
+                <a:ea typeface="微软雅黑" panose="020B0503020204020204" pitchFamily="34" charset="-122"/>
+              </a:rPr>
+              <a:t>版本。</a:t>
+            </a:r>
+          </a:p>
+          <a:p>
+            <a:r>
+              <a:rPr lang="en-US" altLang="zh-CN" sz="2000" b="1" dirty="0">
+                <a:solidFill>
+                  <a:schemeClr val="tx1">
+                    <a:lumMod val="50000"/>
+                    <a:lumOff val="50000"/>
+                  </a:schemeClr>
+                </a:solidFill>
+                <a:latin typeface="微软雅黑" panose="020B0503020204020204" pitchFamily="34" charset="-122"/>
+                <a:ea typeface="微软雅黑" panose="020B0503020204020204" pitchFamily="34" charset="-122"/>
+              </a:rPr>
+              <a:t>4.</a:t>
+            </a:r>
+            <a:r>
+              <a:rPr lang="zh-CN" altLang="en-US" sz="2000" b="1" dirty="0">
+                <a:solidFill>
+                  <a:schemeClr val="tx1">
+                    <a:lumMod val="50000"/>
+                    <a:lumOff val="50000"/>
+                  </a:schemeClr>
+                </a:solidFill>
+                <a:latin typeface="微软雅黑" panose="020B0503020204020204" pitchFamily="34" charset="-122"/>
+                <a:ea typeface="微软雅黑" panose="020B0503020204020204" pitchFamily="34" charset="-122"/>
+              </a:rPr>
+              <a:t>在以后的开发中，如果软件需要修改，那修改后的软件可用多级编号来表示新版本</a:t>
+            </a:r>
+            <a:r>
+              <a:rPr lang="en-US" altLang="zh-CN" sz="2000" b="1" dirty="0">
+                <a:solidFill>
+                  <a:schemeClr val="tx1">
+                    <a:lumMod val="50000"/>
+                    <a:lumOff val="50000"/>
+                  </a:schemeClr>
+                </a:solidFill>
+                <a:latin typeface="微软雅黑" panose="020B0503020204020204" pitchFamily="34" charset="-122"/>
+                <a:ea typeface="微软雅黑" panose="020B0503020204020204" pitchFamily="34" charset="-122"/>
+              </a:rPr>
+              <a:t>——1.1</a:t>
+            </a:r>
+            <a:r>
+              <a:rPr lang="zh-CN" altLang="en-US" sz="2000" b="1" dirty="0">
+                <a:solidFill>
+                  <a:schemeClr val="tx1">
+                    <a:lumMod val="50000"/>
+                    <a:lumOff val="50000"/>
+                  </a:schemeClr>
+                </a:solidFill>
+                <a:latin typeface="微软雅黑" panose="020B0503020204020204" pitchFamily="34" charset="-122"/>
+                <a:ea typeface="微软雅黑" panose="020B0503020204020204" pitchFamily="34" charset="-122"/>
+              </a:rPr>
+              <a:t>、</a:t>
+            </a:r>
+            <a:r>
+              <a:rPr lang="en-US" altLang="zh-CN" sz="2000" b="1" dirty="0">
+                <a:solidFill>
+                  <a:schemeClr val="tx1">
+                    <a:lumMod val="50000"/>
+                    <a:lumOff val="50000"/>
+                  </a:schemeClr>
+                </a:solidFill>
+                <a:latin typeface="微软雅黑" panose="020B0503020204020204" pitchFamily="34" charset="-122"/>
+                <a:ea typeface="微软雅黑" panose="020B0503020204020204" pitchFamily="34" charset="-122"/>
+              </a:rPr>
+              <a:t>1.2</a:t>
+            </a:r>
+            <a:r>
+              <a:rPr lang="zh-CN" altLang="en-US" sz="2000" b="1" dirty="0">
+                <a:solidFill>
+                  <a:schemeClr val="tx1">
+                    <a:lumMod val="50000"/>
+                    <a:lumOff val="50000"/>
+                  </a:schemeClr>
+                </a:solidFill>
+                <a:latin typeface="微软雅黑" panose="020B0503020204020204" pitchFamily="34" charset="-122"/>
+                <a:ea typeface="微软雅黑" panose="020B0503020204020204" pitchFamily="34" charset="-122"/>
+              </a:rPr>
+              <a:t>等加以区别标识。</a:t>
+            </a:r>
+          </a:p>
+          <a:p>
+            <a:r>
+              <a:rPr lang="en-US" altLang="zh-CN" sz="2000" b="1" dirty="0">
+                <a:solidFill>
+                  <a:schemeClr val="tx1">
+                    <a:lumMod val="50000"/>
+                    <a:lumOff val="50000"/>
+                  </a:schemeClr>
+                </a:solidFill>
+                <a:latin typeface="微软雅黑" panose="020B0503020204020204" pitchFamily="34" charset="-122"/>
+                <a:ea typeface="微软雅黑" panose="020B0503020204020204" pitchFamily="34" charset="-122"/>
+              </a:rPr>
+              <a:t>5.</a:t>
+            </a:r>
+            <a:r>
+              <a:rPr lang="zh-CN" altLang="en-US" sz="2000" b="1" dirty="0">
+                <a:solidFill>
+                  <a:schemeClr val="tx1">
+                    <a:lumMod val="50000"/>
+                    <a:lumOff val="50000"/>
+                  </a:schemeClr>
+                </a:solidFill>
+                <a:latin typeface="微软雅黑" panose="020B0503020204020204" pitchFamily="34" charset="-122"/>
+                <a:ea typeface="微软雅黑" panose="020B0503020204020204" pitchFamily="34" charset="-122"/>
+              </a:rPr>
+              <a:t>在各个评审阶段产生的所有评审报告和修改报告都要进行编号保存，编号与相应文档的编号要对应。</a:t>
+            </a:r>
+          </a:p>
+        </p:txBody>
+      </p:sp>
+    </p:spTree>
+    <p:extLst>
+      <p:ext uri="{BB962C8B-B14F-4D97-AF65-F5344CB8AC3E}">
+        <p14:creationId xmlns:p14="http://schemas.microsoft.com/office/powerpoint/2010/main" val="1955698181"/>
+      </p:ext>
+    </p:extLst>
+  </p:cSld>
+  <p:clrMapOvr>
+    <a:masterClrMapping/>
+  </p:clrMapOvr>
+</p:sld>
+</file>
+
+<file path=ppt/slides/slide49.xml><?xml version="1.0" encoding="utf-8"?>
+<p:sld xmlns:a="http://schemas.openxmlformats.org/drawingml/2006/main" xmlns:r="http://schemas.openxmlformats.org/officeDocument/2006/relationships" xmlns:p="http://schemas.openxmlformats.org/presentationml/2006/main">
+  <p:cSld>
+    <p:spTree>
+      <p:nvGrpSpPr>
+        <p:cNvPr id="1" name=""/>
+        <p:cNvGrpSpPr/>
+        <p:nvPr/>
+      </p:nvGrpSpPr>
+      <p:grpSpPr>
+        <a:xfrm>
+          <a:off x="0" y="0"/>
+          <a:ext cx="0" cy="0"/>
+          <a:chOff x="0" y="0"/>
+          <a:chExt cx="0" cy="0"/>
+        </a:xfrm>
+      </p:grpSpPr>
+      <p:sp>
+        <p:nvSpPr>
+          <p:cNvPr id="2" name="标题 1"/>
+          <p:cNvSpPr>
+            <a:spLocks noGrp="1"/>
+          </p:cNvSpPr>
+          <p:nvPr>
+            <p:ph type="title"/>
+          </p:nvPr>
+        </p:nvSpPr>
+        <p:spPr>
+          <a:xfrm>
+            <a:off x="646111" y="452718"/>
+            <a:ext cx="9404723" cy="1400530"/>
+          </a:xfrm>
+        </p:spPr>
+        <p:txBody>
+          <a:bodyPr/>
+          <a:lstStyle/>
+          <a:p>
+            <a:r>
+              <a:rPr lang="zh-CN" altLang="en-US" dirty="0"/>
               <a:t>变更控制</a:t>
             </a:r>
             <a:br>
@@ -26150,7 +26435,124 @@
 </p:sld>
 </file>
 
-<file path=ppt/slides/slide48.xml><?xml version="1.0" encoding="utf-8"?>
+<file path=ppt/slides/slide5.xml><?xml version="1.0" encoding="utf-8"?>
+<p:sld xmlns:a="http://schemas.openxmlformats.org/drawingml/2006/main" xmlns:r="http://schemas.openxmlformats.org/officeDocument/2006/relationships" xmlns:p="http://schemas.openxmlformats.org/presentationml/2006/main">
+  <p:cSld>
+    <p:spTree>
+      <p:nvGrpSpPr>
+        <p:cNvPr id="1" name=""/>
+        <p:cNvGrpSpPr/>
+        <p:nvPr/>
+      </p:nvGrpSpPr>
+      <p:grpSpPr>
+        <a:xfrm>
+          <a:off x="0" y="0"/>
+          <a:ext cx="0" cy="0"/>
+          <a:chOff x="0" y="0"/>
+          <a:chExt cx="0" cy="0"/>
+        </a:xfrm>
+      </p:grpSpPr>
+      <p:sp>
+        <p:nvSpPr>
+          <p:cNvPr id="2" name="矩形 1"/>
+          <p:cNvSpPr>
+            <a:spLocks noGrp="1"/>
+          </p:cNvSpPr>
+          <p:nvPr>
+            <p:ph type="title"/>
+          </p:nvPr>
+        </p:nvSpPr>
+        <p:spPr/>
+        <p:txBody>
+          <a:bodyPr/>
+          <a:lstStyle/>
+          <a:p>
+            <a:r>
+              <a:rPr lang="en-US" altLang="zh-CN" dirty="0"/>
+              <a:t>1.2 </a:t>
+            </a:r>
+            <a:r>
+              <a:rPr lang="zh-CN" altLang="en-US" dirty="0"/>
+              <a:t>业务机遇</a:t>
+            </a:r>
+          </a:p>
+        </p:txBody>
+      </p:sp>
+      <p:sp>
+        <p:nvSpPr>
+          <p:cNvPr id="3" name="矩形 2"/>
+          <p:cNvSpPr>
+            <a:spLocks noGrp="1"/>
+          </p:cNvSpPr>
+          <p:nvPr>
+            <p:ph idx="1"/>
+          </p:nvPr>
+        </p:nvSpPr>
+        <p:spPr/>
+        <p:txBody>
+          <a:bodyPr>
+            <a:normAutofit fontScale="92500"/>
+          </a:bodyPr>
+          <a:lstStyle/>
+          <a:p>
+            <a:r>
+              <a:rPr lang="en-US" altLang="zh-CN" dirty="0"/>
+              <a:t>21</a:t>
+            </a:r>
+            <a:r>
+              <a:rPr lang="zh-CN" altLang="en-US" dirty="0"/>
+              <a:t>世纪是以网络的全面深入运用为特征的世纪。网络环境下的教育不仅是教育信息化的必然产物，也是教育改革发展的必然走向。通过因特网或其他数字化内容进行学习交流与教学的活动即网络化学习</a:t>
+            </a:r>
+            <a:r>
+              <a:rPr lang="en-US" altLang="zh-CN" dirty="0"/>
+              <a:t>(e-learning)</a:t>
+            </a:r>
+            <a:r>
+              <a:rPr lang="zh-CN" altLang="en-US" dirty="0"/>
+              <a:t>，可以充分利用现代信息技术所提供的、具有全新沟通机制与丰富资源的学习环境，实现一种全新的学习交流方式。这种学习交流方式将改变传统教学中教师的作用和师生之间的关系，从而根本改变教学结构和教育本质。美国教育部</a:t>
+            </a:r>
+            <a:r>
+              <a:rPr lang="en-US" altLang="zh-CN" dirty="0"/>
+              <a:t>2000</a:t>
+            </a:r>
+            <a:r>
+              <a:rPr lang="zh-CN" altLang="en-US" dirty="0"/>
+              <a:t>年</a:t>
+            </a:r>
+            <a:r>
+              <a:rPr lang="en-US" altLang="zh-CN" dirty="0"/>
+              <a:t>12</a:t>
+            </a:r>
+            <a:r>
+              <a:rPr lang="zh-CN" altLang="en-US" dirty="0"/>
+              <a:t>月向国会递交的“国家教育技术计划”中打算以网络化学习作为提高年青一代“</a:t>
+            </a:r>
+            <a:r>
+              <a:rPr lang="en-US" altLang="zh-CN" dirty="0"/>
+              <a:t>21</a:t>
+            </a:r>
+            <a:r>
+              <a:rPr lang="zh-CN" altLang="en-US" dirty="0"/>
+              <a:t>世纪能力素质”的根本措施。技术的教育应用成为教育改革和人才培养的重要途径之一。</a:t>
+            </a:r>
+          </a:p>
+          <a:p>
+            <a:r>
+              <a:rPr lang="zh-CN" altLang="en-US" dirty="0"/>
+              <a:t>         在这一大背景下，教学、学习、交流网站应运而生。超文本特性可实现对教学信息最有效的组织与管理。网络化的学习有利于充分实现交互与共享，有利于激发学生的学习兴趣和充分体现学习主体作用，有利于培养学习者的信息素养和信息能力。另一方面教师利用教学、学习、交流网站可以充分发挥网络特性，对教学进行更为有效的管理，同时也有了更为便利的信息发布手段。</a:t>
+            </a:r>
+          </a:p>
+        </p:txBody>
+      </p:sp>
+    </p:spTree>
+  </p:cSld>
+  <p:clrMapOvr>
+    <a:masterClrMapping/>
+  </p:clrMapOvr>
+</p:sld>
+</file>
+
+<file path=ppt/slides/slide50.xml><?xml version="1.0" encoding="utf-8"?>
 <p:sld xmlns:a="http://schemas.openxmlformats.org/drawingml/2006/main" xmlns:r="http://schemas.openxmlformats.org/officeDocument/2006/relationships" xmlns:p="http://schemas.openxmlformats.org/presentationml/2006/main">
   <p:cSld>
     <p:spTree>
@@ -26668,7 +27070,7 @@
 </p:sld>
 </file>
 
-<file path=ppt/slides/slide49.xml><?xml version="1.0" encoding="utf-8"?>
+<file path=ppt/slides/slide51.xml><?xml version="1.0" encoding="utf-8"?>
 <p:sld xmlns:a="http://schemas.openxmlformats.org/drawingml/2006/main" xmlns:r="http://schemas.openxmlformats.org/officeDocument/2006/relationships" xmlns:p="http://schemas.openxmlformats.org/presentationml/2006/main">
   <p:cSld>
     <p:spTree>
@@ -26759,124 +27161,7 @@
 </p:sld>
 </file>
 
-<file path=ppt/slides/slide5.xml><?xml version="1.0" encoding="utf-8"?>
-<p:sld xmlns:a="http://schemas.openxmlformats.org/drawingml/2006/main" xmlns:r="http://schemas.openxmlformats.org/officeDocument/2006/relationships" xmlns:p="http://schemas.openxmlformats.org/presentationml/2006/main">
-  <p:cSld>
-    <p:spTree>
-      <p:nvGrpSpPr>
-        <p:cNvPr id="1" name=""/>
-        <p:cNvGrpSpPr/>
-        <p:nvPr/>
-      </p:nvGrpSpPr>
-      <p:grpSpPr>
-        <a:xfrm>
-          <a:off x="0" y="0"/>
-          <a:ext cx="0" cy="0"/>
-          <a:chOff x="0" y="0"/>
-          <a:chExt cx="0" cy="0"/>
-        </a:xfrm>
-      </p:grpSpPr>
-      <p:sp>
-        <p:nvSpPr>
-          <p:cNvPr id="2" name="矩形 1"/>
-          <p:cNvSpPr>
-            <a:spLocks noGrp="1"/>
-          </p:cNvSpPr>
-          <p:nvPr>
-            <p:ph type="title"/>
-          </p:nvPr>
-        </p:nvSpPr>
-        <p:spPr/>
-        <p:txBody>
-          <a:bodyPr/>
-          <a:lstStyle/>
-          <a:p>
-            <a:r>
-              <a:rPr lang="en-US" altLang="zh-CN" dirty="0"/>
-              <a:t>1.2 </a:t>
-            </a:r>
-            <a:r>
-              <a:rPr lang="zh-CN" altLang="en-US" dirty="0"/>
-              <a:t>业务机遇</a:t>
-            </a:r>
-          </a:p>
-        </p:txBody>
-      </p:sp>
-      <p:sp>
-        <p:nvSpPr>
-          <p:cNvPr id="3" name="矩形 2"/>
-          <p:cNvSpPr>
-            <a:spLocks noGrp="1"/>
-          </p:cNvSpPr>
-          <p:nvPr>
-            <p:ph idx="1"/>
-          </p:nvPr>
-        </p:nvSpPr>
-        <p:spPr/>
-        <p:txBody>
-          <a:bodyPr>
-            <a:normAutofit fontScale="92500"/>
-          </a:bodyPr>
-          <a:lstStyle/>
-          <a:p>
-            <a:r>
-              <a:rPr lang="en-US" altLang="zh-CN" dirty="0"/>
-              <a:t>21</a:t>
-            </a:r>
-            <a:r>
-              <a:rPr lang="zh-CN" altLang="en-US" dirty="0"/>
-              <a:t>世纪是以网络的全面深入运用为特征的世纪。网络环境下的教育不仅是教育信息化的必然产物，也是教育改革发展的必然走向。通过因特网或其他数字化内容进行学习交流与教学的活动即网络化学习</a:t>
-            </a:r>
-            <a:r>
-              <a:rPr lang="en-US" altLang="zh-CN" dirty="0"/>
-              <a:t>(e-learning)</a:t>
-            </a:r>
-            <a:r>
-              <a:rPr lang="zh-CN" altLang="en-US" dirty="0"/>
-              <a:t>，可以充分利用现代信息技术所提供的、具有全新沟通机制与丰富资源的学习环境，实现一种全新的学习交流方式。这种学习交流方式将改变传统教学中教师的作用和师生之间的关系，从而根本改变教学结构和教育本质。美国教育部</a:t>
-            </a:r>
-            <a:r>
-              <a:rPr lang="en-US" altLang="zh-CN" dirty="0"/>
-              <a:t>2000</a:t>
-            </a:r>
-            <a:r>
-              <a:rPr lang="zh-CN" altLang="en-US" dirty="0"/>
-              <a:t>年</a:t>
-            </a:r>
-            <a:r>
-              <a:rPr lang="en-US" altLang="zh-CN" dirty="0"/>
-              <a:t>12</a:t>
-            </a:r>
-            <a:r>
-              <a:rPr lang="zh-CN" altLang="en-US" dirty="0"/>
-              <a:t>月向国会递交的“国家教育技术计划”中打算以网络化学习作为提高年青一代“</a:t>
-            </a:r>
-            <a:r>
-              <a:rPr lang="en-US" altLang="zh-CN" dirty="0"/>
-              <a:t>21</a:t>
-            </a:r>
-            <a:r>
-              <a:rPr lang="zh-CN" altLang="en-US" dirty="0"/>
-              <a:t>世纪能力素质”的根本措施。技术的教育应用成为教育改革和人才培养的重要途径之一。</a:t>
-            </a:r>
-          </a:p>
-          <a:p>
-            <a:r>
-              <a:rPr lang="zh-CN" altLang="en-US" dirty="0"/>
-              <a:t>         在这一大背景下，教学、学习、交流网站应运而生。超文本特性可实现对教学信息最有效的组织与管理。网络化的学习有利于充分实现交互与共享，有利于激发学生的学习兴趣和充分体现学习主体作用，有利于培养学习者的信息素养和信息能力。另一方面教师利用教学、学习、交流网站可以充分发挥网络特性，对教学进行更为有效的管理，同时也有了更为便利的信息发布手段。</a:t>
-            </a:r>
-          </a:p>
-        </p:txBody>
-      </p:sp>
-    </p:spTree>
-  </p:cSld>
-  <p:clrMapOvr>
-    <a:masterClrMapping/>
-  </p:clrMapOvr>
-</p:sld>
-</file>
-
-<file path=ppt/slides/slide50.xml><?xml version="1.0" encoding="utf-8"?>
+<file path=ppt/slides/slide52.xml><?xml version="1.0" encoding="utf-8"?>
 <p:sld xmlns:a="http://schemas.openxmlformats.org/drawingml/2006/main" xmlns:r="http://schemas.openxmlformats.org/officeDocument/2006/relationships" xmlns:p="http://schemas.openxmlformats.org/presentationml/2006/main">
   <p:cSld>
     <p:spTree>
@@ -27197,7 +27482,7 @@
 </p:sld>
 </file>
 
-<file path=ppt/slides/slide51.xml><?xml version="1.0" encoding="utf-8"?>
+<file path=ppt/slides/slide53.xml><?xml version="1.0" encoding="utf-8"?>
 <p:sld xmlns:a="http://schemas.openxmlformats.org/drawingml/2006/main" xmlns:r="http://schemas.openxmlformats.org/officeDocument/2006/relationships" xmlns:p="http://schemas.openxmlformats.org/presentationml/2006/main">
   <p:cSld>
     <p:spTree>
@@ -27285,7 +27570,7 @@
 </p:sld>
 </file>
 
-<file path=ppt/slides/slide52.xml><?xml version="1.0" encoding="utf-8"?>
+<file path=ppt/slides/slide54.xml><?xml version="1.0" encoding="utf-8"?>
 <p:sld xmlns:a="http://schemas.openxmlformats.org/drawingml/2006/main" xmlns:r="http://schemas.openxmlformats.org/officeDocument/2006/relationships" xmlns:p="http://schemas.openxmlformats.org/presentationml/2006/main">
   <p:cSld>
     <p:spTree>
@@ -31654,7 +31939,7 @@
 </p:sld>
 </file>
 
-<file path=ppt/slides/slide53.xml><?xml version="1.0" encoding="utf-8"?>
+<file path=ppt/slides/slide55.xml><?xml version="1.0" encoding="utf-8"?>
 <p:sld xmlns:a="http://schemas.openxmlformats.org/drawingml/2006/main" xmlns:r="http://schemas.openxmlformats.org/officeDocument/2006/relationships" xmlns:p="http://schemas.openxmlformats.org/presentationml/2006/main">
   <p:cSld>
     <p:spTree>
@@ -31714,7 +31999,7 @@
           <a:graphicData uri="http://schemas.openxmlformats.org/presentationml/2006/ole">
             <mc:AlternateContent xmlns:mc="http://schemas.openxmlformats.org/markup-compatibility/2006">
               <mc:Choice xmlns:v="urn:schemas-microsoft-com:vml" Requires="v">
-                <p:oleObj spid="_x0000_s1062" r:id="rId3" imgW="8211820" imgH="4580890" progId="Visio.Drawing.11">
+                <p:oleObj spid="_x0000_s1072" r:id="rId3" imgW="8211820" imgH="4580890" progId="Visio.Drawing.11">
                   <p:embed/>
                 </p:oleObj>
               </mc:Choice>
@@ -31766,93 +32051,7 @@
 </p:sld>
 </file>
 
-<file path=ppt/slides/slide54.xml><?xml version="1.0" encoding="utf-8"?>
-<p:sld xmlns:a="http://schemas.openxmlformats.org/drawingml/2006/main" xmlns:r="http://schemas.openxmlformats.org/officeDocument/2006/relationships" xmlns:p="http://schemas.openxmlformats.org/presentationml/2006/main">
-  <p:cSld>
-    <p:spTree>
-      <p:nvGrpSpPr>
-        <p:cNvPr id="1" name=""/>
-        <p:cNvGrpSpPr/>
-        <p:nvPr/>
-      </p:nvGrpSpPr>
-      <p:grpSpPr>
-        <a:xfrm>
-          <a:off x="0" y="0"/>
-          <a:ext cx="0" cy="0"/>
-          <a:chOff x="0" y="0"/>
-          <a:chExt cx="0" cy="0"/>
-        </a:xfrm>
-      </p:grpSpPr>
-      <p:sp>
-        <p:nvSpPr>
-          <p:cNvPr id="2" name="标题 1"/>
-          <p:cNvSpPr>
-            <a:spLocks noGrp="1"/>
-          </p:cNvSpPr>
-          <p:nvPr>
-            <p:ph type="title"/>
-          </p:nvPr>
-        </p:nvSpPr>
-        <p:spPr/>
-        <p:txBody>
-          <a:bodyPr/>
-          <a:lstStyle/>
-          <a:p>
-            <a:r>
-              <a:rPr lang="en-US" altLang="zh-CN" dirty="0"/>
-              <a:t>OBS</a:t>
-            </a:r>
-            <a:r>
-              <a:rPr lang="zh-CN" altLang="en-US" dirty="0"/>
-              <a:t>图</a:t>
-            </a:r>
-          </a:p>
-        </p:txBody>
-      </p:sp>
-      <p:pic>
-        <p:nvPicPr>
-          <p:cNvPr id="3" name="图片 2">
-            <a:extLst>
-              <a:ext uri="{FF2B5EF4-FFF2-40B4-BE49-F238E27FC236}">
-                <a16:creationId xmlns:a16="http://schemas.microsoft.com/office/drawing/2014/main" id="{7850030C-A93B-4F21-A28E-76B8D2D3836E}"/>
-              </a:ext>
-            </a:extLst>
-          </p:cNvPr>
-          <p:cNvPicPr>
-            <a:picLocks noChangeAspect="1"/>
-          </p:cNvPicPr>
-          <p:nvPr/>
-        </p:nvPicPr>
-        <p:blipFill>
-          <a:blip r:embed="rId2"/>
-          <a:stretch>
-            <a:fillRect/>
-          </a:stretch>
-        </p:blipFill>
-        <p:spPr>
-          <a:xfrm>
-            <a:off x="2395713" y="553674"/>
-            <a:ext cx="7906138" cy="5708708"/>
-          </a:xfrm>
-          <a:prstGeom prst="rect">
-            <a:avLst/>
-          </a:prstGeom>
-        </p:spPr>
-      </p:pic>
-    </p:spTree>
-    <p:extLst>
-      <p:ext uri="{BB962C8B-B14F-4D97-AF65-F5344CB8AC3E}">
-        <p14:creationId xmlns:p14="http://schemas.microsoft.com/office/powerpoint/2010/main" val="3163428628"/>
-      </p:ext>
-    </p:extLst>
-  </p:cSld>
-  <p:clrMapOvr>
-    <a:masterClrMapping/>
-  </p:clrMapOvr>
-</p:sld>
-</file>
-
-<file path=ppt/slides/slide55.xml><?xml version="1.0" encoding="utf-8"?>
+<file path=ppt/slides/slide56.xml><?xml version="1.0" encoding="utf-8"?>
 <p:sld xmlns:a="http://schemas.openxmlformats.org/drawingml/2006/main" xmlns:r="http://schemas.openxmlformats.org/officeDocument/2006/relationships" xmlns:p="http://schemas.openxmlformats.org/presentationml/2006/main">
   <p:cSld>
     <p:spTree>
@@ -31931,298 +32130,6 @@
     <p:extLst>
       <p:ext uri="{BB962C8B-B14F-4D97-AF65-F5344CB8AC3E}">
         <p14:creationId xmlns:p14="http://schemas.microsoft.com/office/powerpoint/2010/main" val="1063305242"/>
-      </p:ext>
-    </p:extLst>
-  </p:cSld>
-  <p:clrMapOvr>
-    <a:masterClrMapping/>
-  </p:clrMapOvr>
-</p:sld>
-</file>
-
-<file path=ppt/slides/slide56.xml><?xml version="1.0" encoding="utf-8"?>
-<p:sld xmlns:a="http://schemas.openxmlformats.org/drawingml/2006/main" xmlns:r="http://schemas.openxmlformats.org/officeDocument/2006/relationships" xmlns:p="http://schemas.openxmlformats.org/presentationml/2006/main">
-  <p:cSld>
-    <p:spTree>
-      <p:nvGrpSpPr>
-        <p:cNvPr id="1" name=""/>
-        <p:cNvGrpSpPr/>
-        <p:nvPr/>
-      </p:nvGrpSpPr>
-      <p:grpSpPr>
-        <a:xfrm>
-          <a:off x="0" y="0"/>
-          <a:ext cx="0" cy="0"/>
-          <a:chOff x="0" y="0"/>
-          <a:chExt cx="0" cy="0"/>
-        </a:xfrm>
-      </p:grpSpPr>
-      <p:sp>
-        <p:nvSpPr>
-          <p:cNvPr id="2" name="标题 1"/>
-          <p:cNvSpPr>
-            <a:spLocks noGrp="1"/>
-          </p:cNvSpPr>
-          <p:nvPr>
-            <p:ph type="title"/>
-          </p:nvPr>
-        </p:nvSpPr>
-        <p:spPr>
-          <a:xfrm>
-            <a:off x="646111" y="452718"/>
-            <a:ext cx="9404723" cy="1400530"/>
-          </a:xfrm>
-        </p:spPr>
-        <p:txBody>
-          <a:bodyPr/>
-          <a:lstStyle/>
-          <a:p>
-            <a:r>
-              <a:rPr lang="zh-CN" altLang="en-US" dirty="0"/>
-              <a:t>参考资料</a:t>
-            </a:r>
-          </a:p>
-        </p:txBody>
-      </p:sp>
-      <p:sp>
-        <p:nvSpPr>
-          <p:cNvPr id="3" name="文本框 5"/>
-          <p:cNvSpPr txBox="1"/>
-          <p:nvPr/>
-        </p:nvSpPr>
-        <p:spPr>
-          <a:xfrm>
-            <a:off x="604615" y="1505674"/>
-            <a:ext cx="10877266" cy="2246769"/>
-          </a:xfrm>
-          <a:prstGeom prst="rect">
-            <a:avLst/>
-          </a:prstGeom>
-          <a:noFill/>
-        </p:spPr>
-        <p:txBody>
-          <a:bodyPr wrap="square" rtlCol="0">
-            <a:spAutoFit/>
-          </a:bodyPr>
-          <a:lstStyle/>
-          <a:p>
-            <a:r>
-              <a:rPr lang="zh-CN" altLang="en-US" sz="2000" b="1" dirty="0">
-                <a:solidFill>
-                  <a:schemeClr val="tx1">
-                    <a:lumMod val="50000"/>
-                    <a:lumOff val="50000"/>
-                  </a:schemeClr>
-                </a:solidFill>
-                <a:latin typeface="微软雅黑" panose="020B0503020204020204" pitchFamily="34" charset="-122"/>
-                <a:ea typeface="微软雅黑" panose="020B0503020204020204" pitchFamily="34" charset="-122"/>
-              </a:rPr>
-              <a:t>项目章程</a:t>
-            </a:r>
-          </a:p>
-          <a:p>
-            <a:r>
-              <a:rPr lang="zh-CN" altLang="en-US" sz="2000" b="1" dirty="0">
-                <a:solidFill>
-                  <a:schemeClr val="tx1">
-                    <a:lumMod val="50000"/>
-                    <a:lumOff val="50000"/>
-                  </a:schemeClr>
-                </a:solidFill>
-                <a:latin typeface="微软雅黑" panose="020B0503020204020204" pitchFamily="34" charset="-122"/>
-                <a:ea typeface="微软雅黑" panose="020B0503020204020204" pitchFamily="34" charset="-122"/>
-              </a:rPr>
-              <a:t>百度文库</a:t>
-            </a:r>
-            <a:r>
-              <a:rPr lang="en-US" altLang="zh-CN" sz="2000" b="1" dirty="0">
-                <a:solidFill>
-                  <a:schemeClr val="tx1">
-                    <a:lumMod val="50000"/>
-                    <a:lumOff val="50000"/>
-                  </a:schemeClr>
-                </a:solidFill>
-                <a:latin typeface="微软雅黑" panose="020B0503020204020204" pitchFamily="34" charset="-122"/>
-                <a:ea typeface="微软雅黑" panose="020B0503020204020204" pitchFamily="34" charset="-122"/>
-              </a:rPr>
-              <a:t>--</a:t>
-            </a:r>
-            <a:r>
-              <a:rPr lang="zh-CN" altLang="en-US" sz="2000" b="1" dirty="0">
-                <a:solidFill>
-                  <a:schemeClr val="tx1">
-                    <a:lumMod val="50000"/>
-                    <a:lumOff val="50000"/>
-                  </a:schemeClr>
-                </a:solidFill>
-                <a:latin typeface="微软雅黑" panose="020B0503020204020204" pitchFamily="34" charset="-122"/>
-                <a:ea typeface="微软雅黑" panose="020B0503020204020204" pitchFamily="34" charset="-122"/>
-              </a:rPr>
-              <a:t>需求工程计划</a:t>
-            </a:r>
-            <a:r>
-              <a:rPr lang="en-US" altLang="zh-CN" sz="2000" b="1" dirty="0">
-                <a:solidFill>
-                  <a:schemeClr val="tx1">
-                    <a:lumMod val="50000"/>
-                    <a:lumOff val="50000"/>
-                  </a:schemeClr>
-                </a:solidFill>
-                <a:latin typeface="微软雅黑" panose="020B0503020204020204" pitchFamily="34" charset="-122"/>
-                <a:ea typeface="微软雅黑" panose="020B0503020204020204" pitchFamily="34" charset="-122"/>
-              </a:rPr>
-              <a:t>-</a:t>
-            </a:r>
-            <a:r>
-              <a:rPr lang="zh-CN" altLang="en-US" sz="2000" b="1" dirty="0">
-                <a:solidFill>
-                  <a:schemeClr val="tx1">
-                    <a:lumMod val="50000"/>
-                    <a:lumOff val="50000"/>
-                  </a:schemeClr>
-                </a:solidFill>
-                <a:latin typeface="微软雅黑" panose="020B0503020204020204" pitchFamily="34" charset="-122"/>
-                <a:ea typeface="微软雅黑" panose="020B0503020204020204" pitchFamily="34" charset="-122"/>
-              </a:rPr>
-              <a:t>初步模板，</a:t>
-            </a:r>
-          </a:p>
-          <a:p>
-            <a:r>
-              <a:rPr lang="en-US" altLang="zh-CN" sz="2000" b="1" dirty="0">
-                <a:solidFill>
-                  <a:schemeClr val="tx1">
-                    <a:lumMod val="50000"/>
-                    <a:lumOff val="50000"/>
-                  </a:schemeClr>
-                </a:solidFill>
-                <a:latin typeface="微软雅黑" panose="020B0503020204020204" pitchFamily="34" charset="-122"/>
-                <a:ea typeface="微软雅黑" panose="020B0503020204020204" pitchFamily="34" charset="-122"/>
-                <a:hlinkClick r:id="rId2"/>
-              </a:rPr>
-              <a:t>http://wenku.baidu.com/link?url=2vQ4d4SoRVorLmbRLWlgyanScSDFLph_oTwHyUZJQJx_lYmBWJlpidjMQoBUDnEFyY70nIqXFBGoLw77N1IZtTMqHRXNv_Ao82EOBp9lCDi</a:t>
-            </a:r>
-            <a:r>
-              <a:rPr lang="zh-CN" altLang="en-US" sz="2000" b="1" dirty="0">
-                <a:solidFill>
-                  <a:schemeClr val="tx1">
-                    <a:lumMod val="50000"/>
-                    <a:lumOff val="50000"/>
-                  </a:schemeClr>
-                </a:solidFill>
-                <a:latin typeface="微软雅黑" panose="020B0503020204020204" pitchFamily="34" charset="-122"/>
-                <a:ea typeface="微软雅黑" panose="020B0503020204020204" pitchFamily="34" charset="-122"/>
-                <a:hlinkClick r:id="rId2"/>
-              </a:rPr>
-              <a:t>，</a:t>
-            </a:r>
-            <a:r>
-              <a:rPr lang="en-US" altLang="zh-CN" sz="2000" b="1" dirty="0">
-                <a:solidFill>
-                  <a:schemeClr val="tx1">
-                    <a:lumMod val="50000"/>
-                    <a:lumOff val="50000"/>
-                  </a:schemeClr>
-                </a:solidFill>
-                <a:latin typeface="微软雅黑" panose="020B0503020204020204" pitchFamily="34" charset="-122"/>
-                <a:ea typeface="微软雅黑" panose="020B0503020204020204" pitchFamily="34" charset="-122"/>
-                <a:hlinkClick r:id="rId2"/>
-              </a:rPr>
-              <a:t>20150929</a:t>
-            </a:r>
-            <a:endParaRPr lang="en-US" altLang="zh-CN" sz="2000" b="1" dirty="0">
-              <a:solidFill>
-                <a:schemeClr val="tx1">
-                  <a:lumMod val="50000"/>
-                  <a:lumOff val="50000"/>
-                </a:schemeClr>
-              </a:solidFill>
-              <a:latin typeface="微软雅黑" panose="020B0503020204020204" pitchFamily="34" charset="-122"/>
-              <a:ea typeface="微软雅黑" panose="020B0503020204020204" pitchFamily="34" charset="-122"/>
-            </a:endParaRPr>
-          </a:p>
-          <a:p>
-            <a:r>
-              <a:rPr lang="en-US" altLang="zh-CN" sz="2000" b="1" dirty="0">
-                <a:solidFill>
-                  <a:schemeClr val="tx1">
-                    <a:lumMod val="50000"/>
-                    <a:lumOff val="50000"/>
-                  </a:schemeClr>
-                </a:solidFill>
-                <a:latin typeface="微软雅黑" panose="020B0503020204020204" pitchFamily="34" charset="-122"/>
-                <a:ea typeface="微软雅黑" panose="020B0503020204020204" pitchFamily="34" charset="-122"/>
-              </a:rPr>
-              <a:t>《</a:t>
-            </a:r>
-            <a:r>
-              <a:rPr lang="zh-CN" altLang="en-US" sz="2000" b="1" dirty="0">
-                <a:solidFill>
-                  <a:schemeClr val="tx1">
-                    <a:lumMod val="50000"/>
-                    <a:lumOff val="50000"/>
-                  </a:schemeClr>
-                </a:solidFill>
-                <a:latin typeface="微软雅黑" panose="020B0503020204020204" pitchFamily="34" charset="-122"/>
-                <a:ea typeface="微软雅黑" panose="020B0503020204020204" pitchFamily="34" charset="-122"/>
-              </a:rPr>
-              <a:t>软件需求（第三版）</a:t>
-            </a:r>
-            <a:r>
-              <a:rPr lang="en-US" altLang="zh-CN" sz="2000" b="1" dirty="0">
-                <a:solidFill>
-                  <a:schemeClr val="tx1">
-                    <a:lumMod val="50000"/>
-                    <a:lumOff val="50000"/>
-                  </a:schemeClr>
-                </a:solidFill>
-                <a:latin typeface="微软雅黑" panose="020B0503020204020204" pitchFamily="34" charset="-122"/>
-                <a:ea typeface="微软雅黑" panose="020B0503020204020204" pitchFamily="34" charset="-122"/>
-              </a:rPr>
-              <a:t>》 </a:t>
-            </a:r>
-            <a:r>
-              <a:rPr lang="zh-CN" altLang="en-US" sz="2000" b="1" dirty="0">
-                <a:solidFill>
-                  <a:schemeClr val="tx1">
-                    <a:lumMod val="50000"/>
-                    <a:lumOff val="50000"/>
-                  </a:schemeClr>
-                </a:solidFill>
-                <a:latin typeface="微软雅黑" panose="020B0503020204020204" pitchFamily="34" charset="-122"/>
-                <a:ea typeface="微软雅黑" panose="020B0503020204020204" pitchFamily="34" charset="-122"/>
-              </a:rPr>
-              <a:t>清华大学出版社</a:t>
-            </a:r>
-            <a:endParaRPr lang="en-US" altLang="zh-CN" sz="2000" b="1" dirty="0">
-              <a:solidFill>
-                <a:schemeClr val="tx1">
-                  <a:lumMod val="50000"/>
-                  <a:lumOff val="50000"/>
-                </a:schemeClr>
-              </a:solidFill>
-              <a:latin typeface="微软雅黑" panose="020B0503020204020204" pitchFamily="34" charset="-122"/>
-              <a:ea typeface="微软雅黑" panose="020B0503020204020204" pitchFamily="34" charset="-122"/>
-            </a:endParaRPr>
-          </a:p>
-          <a:p>
-            <a:endParaRPr lang="en-US" altLang="zh-CN" sz="2000" b="1" dirty="0">
-              <a:solidFill>
-                <a:schemeClr val="tx1">
-                  <a:lumMod val="50000"/>
-                  <a:lumOff val="50000"/>
-                </a:schemeClr>
-              </a:solidFill>
-              <a:latin typeface="微软雅黑" panose="020B0503020204020204" pitchFamily="34" charset="-122"/>
-              <a:ea typeface="微软雅黑" panose="020B0503020204020204" pitchFamily="34" charset="-122"/>
-            </a:endParaRPr>
-          </a:p>
-        </p:txBody>
-      </p:sp>
-    </p:spTree>
-    <p:extLst>
-      <p:ext uri="{BB962C8B-B14F-4D97-AF65-F5344CB8AC3E}">
-        <p14:creationId xmlns:p14="http://schemas.microsoft.com/office/powerpoint/2010/main" val="2771957639"/>
       </p:ext>
     </p:extLst>
   </p:cSld>
@@ -32261,8 +32168,8 @@
         </p:nvSpPr>
         <p:spPr>
           <a:xfrm>
-            <a:off x="1574801" y="1952341"/>
-            <a:ext cx="7863113" cy="2690416"/>
+            <a:off x="646111" y="452718"/>
+            <a:ext cx="9404723" cy="1400530"/>
           </a:xfrm>
         </p:spPr>
         <p:txBody>
@@ -32270,39 +32177,256 @@
           <a:lstStyle/>
           <a:p>
             <a:r>
-              <a:rPr lang="zh-CN" altLang="en-US" sz="9600" dirty="0">
-                <a:latin typeface="Microsoft YaHei UI" panose="020B0503020204020204" pitchFamily="34" charset="-122"/>
-                <a:ea typeface="Microsoft YaHei UI" panose="020B0503020204020204" pitchFamily="34" charset="-122"/>
+              <a:rPr lang="zh-CN" altLang="en-US" dirty="0"/>
+              <a:t>参考资料</a:t>
+            </a:r>
+          </a:p>
+        </p:txBody>
+      </p:sp>
+      <p:sp>
+        <p:nvSpPr>
+          <p:cNvPr id="3" name="文本框 5"/>
+          <p:cNvSpPr txBox="1"/>
+          <p:nvPr/>
+        </p:nvSpPr>
+        <p:spPr>
+          <a:xfrm>
+            <a:off x="604615" y="1505674"/>
+            <a:ext cx="10877266" cy="2246769"/>
+          </a:xfrm>
+          <a:prstGeom prst="rect">
+            <a:avLst/>
+          </a:prstGeom>
+          <a:noFill/>
+        </p:spPr>
+        <p:txBody>
+          <a:bodyPr wrap="square" rtlCol="0">
+            <a:spAutoFit/>
+          </a:bodyPr>
+          <a:lstStyle/>
+          <a:p>
+            <a:r>
+              <a:rPr lang="zh-CN" altLang="en-US" sz="2000" b="1" dirty="0">
+                <a:solidFill>
+                  <a:schemeClr val="tx1">
+                    <a:lumMod val="50000"/>
+                    <a:lumOff val="50000"/>
+                  </a:schemeClr>
+                </a:solidFill>
+                <a:latin typeface="微软雅黑" panose="020B0503020204020204" pitchFamily="34" charset="-122"/>
+                <a:ea typeface="微软雅黑" panose="020B0503020204020204" pitchFamily="34" charset="-122"/>
               </a:rPr>
-              <a:t>第</a:t>
-            </a:r>
-            <a:r>
-              <a:rPr lang="en-US" altLang="zh-CN" sz="9600" dirty="0">
-                <a:latin typeface="Microsoft YaHei UI" panose="020B0503020204020204" pitchFamily="34" charset="-122"/>
-                <a:ea typeface="Microsoft YaHei UI" panose="020B0503020204020204" pitchFamily="34" charset="-122"/>
+              <a:t>项目章程</a:t>
+            </a:r>
+          </a:p>
+          <a:p>
+            <a:r>
+              <a:rPr lang="zh-CN" altLang="en-US" sz="2000" b="1" dirty="0">
+                <a:solidFill>
+                  <a:schemeClr val="tx1">
+                    <a:lumMod val="50000"/>
+                    <a:lumOff val="50000"/>
+                  </a:schemeClr>
+                </a:solidFill>
+                <a:latin typeface="微软雅黑" panose="020B0503020204020204" pitchFamily="34" charset="-122"/>
+                <a:ea typeface="微软雅黑" panose="020B0503020204020204" pitchFamily="34" charset="-122"/>
               </a:rPr>
-              <a:t>11</a:t>
-            </a:r>
-            <a:r>
-              <a:rPr lang="zh-CN" altLang="en-US" sz="9600" dirty="0">
-                <a:latin typeface="Microsoft YaHei UI" panose="020B0503020204020204" pitchFamily="34" charset="-122"/>
-                <a:ea typeface="Microsoft YaHei UI" panose="020B0503020204020204" pitchFamily="34" charset="-122"/>
+              <a:t>百度文库</a:t>
+            </a:r>
+            <a:r>
+              <a:rPr lang="en-US" altLang="zh-CN" sz="2000" b="1" dirty="0">
+                <a:solidFill>
+                  <a:schemeClr val="tx1">
+                    <a:lumMod val="50000"/>
+                    <a:lumOff val="50000"/>
+                  </a:schemeClr>
+                </a:solidFill>
+                <a:latin typeface="微软雅黑" panose="020B0503020204020204" pitchFamily="34" charset="-122"/>
+                <a:ea typeface="微软雅黑" panose="020B0503020204020204" pitchFamily="34" charset="-122"/>
               </a:rPr>
-              <a:t>章 </a:t>
-            </a:r>
-            <a:br>
-              <a:rPr lang="en-US" altLang="zh-CN" sz="9600" dirty="0"/>
-            </a:br>
-            <a:r>
-              <a:rPr lang="zh-CN" altLang="en-US" sz="9600" dirty="0"/>
-              <a:t>小组分工</a:t>
-            </a:r>
-            <a:br>
-              <a:rPr lang="zh-CN" altLang="en-US" sz="9600" dirty="0"/>
-            </a:br>
-            <a:endParaRPr lang="zh-CN" sz="9600" dirty="0">
-              <a:latin typeface="Microsoft YaHei UI" panose="020B0503020204020204" pitchFamily="34" charset="-122"/>
-              <a:ea typeface="Microsoft YaHei UI" panose="020B0503020204020204" pitchFamily="34" charset="-122"/>
+              <a:t>--</a:t>
+            </a:r>
+            <a:r>
+              <a:rPr lang="zh-CN" altLang="en-US" sz="2000" b="1" dirty="0">
+                <a:solidFill>
+                  <a:schemeClr val="tx1">
+                    <a:lumMod val="50000"/>
+                    <a:lumOff val="50000"/>
+                  </a:schemeClr>
+                </a:solidFill>
+                <a:latin typeface="微软雅黑" panose="020B0503020204020204" pitchFamily="34" charset="-122"/>
+                <a:ea typeface="微软雅黑" panose="020B0503020204020204" pitchFamily="34" charset="-122"/>
+              </a:rPr>
+              <a:t>需求工程计划</a:t>
+            </a:r>
+            <a:r>
+              <a:rPr lang="en-US" altLang="zh-CN" sz="2000" b="1" dirty="0">
+                <a:solidFill>
+                  <a:schemeClr val="tx1">
+                    <a:lumMod val="50000"/>
+                    <a:lumOff val="50000"/>
+                  </a:schemeClr>
+                </a:solidFill>
+                <a:latin typeface="微软雅黑" panose="020B0503020204020204" pitchFamily="34" charset="-122"/>
+                <a:ea typeface="微软雅黑" panose="020B0503020204020204" pitchFamily="34" charset="-122"/>
+              </a:rPr>
+              <a:t>-</a:t>
+            </a:r>
+            <a:r>
+              <a:rPr lang="zh-CN" altLang="en-US" sz="2000" b="1" dirty="0">
+                <a:solidFill>
+                  <a:schemeClr val="tx1">
+                    <a:lumMod val="50000"/>
+                    <a:lumOff val="50000"/>
+                  </a:schemeClr>
+                </a:solidFill>
+                <a:latin typeface="微软雅黑" panose="020B0503020204020204" pitchFamily="34" charset="-122"/>
+                <a:ea typeface="微软雅黑" panose="020B0503020204020204" pitchFamily="34" charset="-122"/>
+              </a:rPr>
+              <a:t>初步模板，</a:t>
+            </a:r>
+          </a:p>
+          <a:p>
+            <a:r>
+              <a:rPr lang="en-US" altLang="zh-CN" sz="2000" b="1" dirty="0">
+                <a:solidFill>
+                  <a:schemeClr val="tx1">
+                    <a:lumMod val="50000"/>
+                    <a:lumOff val="50000"/>
+                  </a:schemeClr>
+                </a:solidFill>
+                <a:latin typeface="微软雅黑" panose="020B0503020204020204" pitchFamily="34" charset="-122"/>
+                <a:ea typeface="微软雅黑" panose="020B0503020204020204" pitchFamily="34" charset="-122"/>
+                <a:hlinkClick r:id="rId2"/>
+              </a:rPr>
+              <a:t>http://wenku.baidu.com/link?url=2vQ4d4SoRVorLmbRLWlgyanScSDFLph_oTwHyUZJQJx_lYmBWJlpidjMQoBUDnEFyY70nIqXFBGoLw77N1IZtTMqHRXNv_Ao82EOBp9lCDi</a:t>
+            </a:r>
+            <a:r>
+              <a:rPr lang="zh-CN" altLang="en-US" sz="2000" b="1" dirty="0">
+                <a:solidFill>
+                  <a:schemeClr val="tx1">
+                    <a:lumMod val="50000"/>
+                    <a:lumOff val="50000"/>
+                  </a:schemeClr>
+                </a:solidFill>
+                <a:latin typeface="微软雅黑" panose="020B0503020204020204" pitchFamily="34" charset="-122"/>
+                <a:ea typeface="微软雅黑" panose="020B0503020204020204" pitchFamily="34" charset="-122"/>
+                <a:hlinkClick r:id="rId2"/>
+              </a:rPr>
+              <a:t>，</a:t>
+            </a:r>
+            <a:r>
+              <a:rPr lang="en-US" altLang="zh-CN" sz="2000" b="1" dirty="0">
+                <a:solidFill>
+                  <a:schemeClr val="tx1">
+                    <a:lumMod val="50000"/>
+                    <a:lumOff val="50000"/>
+                  </a:schemeClr>
+                </a:solidFill>
+                <a:latin typeface="微软雅黑" panose="020B0503020204020204" pitchFamily="34" charset="-122"/>
+                <a:ea typeface="微软雅黑" panose="020B0503020204020204" pitchFamily="34" charset="-122"/>
+                <a:hlinkClick r:id="rId2"/>
+              </a:rPr>
+              <a:t>20150929</a:t>
+            </a:r>
+            <a:endParaRPr lang="en-US" altLang="zh-CN" sz="2000" b="1" dirty="0">
+              <a:solidFill>
+                <a:schemeClr val="tx1">
+                  <a:lumMod val="50000"/>
+                  <a:lumOff val="50000"/>
+                </a:schemeClr>
+              </a:solidFill>
+              <a:latin typeface="微软雅黑" panose="020B0503020204020204" pitchFamily="34" charset="-122"/>
+              <a:ea typeface="微软雅黑" panose="020B0503020204020204" pitchFamily="34" charset="-122"/>
+            </a:endParaRPr>
+          </a:p>
+          <a:p>
+            <a:r>
+              <a:rPr lang="en-US" altLang="zh-CN" sz="2000" b="1" dirty="0">
+                <a:solidFill>
+                  <a:schemeClr val="tx1">
+                    <a:lumMod val="50000"/>
+                    <a:lumOff val="50000"/>
+                  </a:schemeClr>
+                </a:solidFill>
+                <a:latin typeface="微软雅黑" panose="020B0503020204020204" pitchFamily="34" charset="-122"/>
+                <a:ea typeface="微软雅黑" panose="020B0503020204020204" pitchFamily="34" charset="-122"/>
+              </a:rPr>
+              <a:t>《</a:t>
+            </a:r>
+            <a:r>
+              <a:rPr lang="zh-CN" altLang="en-US" sz="2000" b="1" dirty="0">
+                <a:solidFill>
+                  <a:schemeClr val="tx1">
+                    <a:lumMod val="50000"/>
+                    <a:lumOff val="50000"/>
+                  </a:schemeClr>
+                </a:solidFill>
+                <a:latin typeface="微软雅黑" panose="020B0503020204020204" pitchFamily="34" charset="-122"/>
+                <a:ea typeface="微软雅黑" panose="020B0503020204020204" pitchFamily="34" charset="-122"/>
+              </a:rPr>
+              <a:t>软件需求（第三版）</a:t>
+            </a:r>
+            <a:r>
+              <a:rPr lang="en-US" altLang="zh-CN" sz="2000" b="1" dirty="0">
+                <a:solidFill>
+                  <a:schemeClr val="tx1">
+                    <a:lumMod val="50000"/>
+                    <a:lumOff val="50000"/>
+                  </a:schemeClr>
+                </a:solidFill>
+                <a:latin typeface="微软雅黑" panose="020B0503020204020204" pitchFamily="34" charset="-122"/>
+                <a:ea typeface="微软雅黑" panose="020B0503020204020204" pitchFamily="34" charset="-122"/>
+              </a:rPr>
+              <a:t>》 </a:t>
+            </a:r>
+            <a:r>
+              <a:rPr lang="zh-CN" altLang="en-US" sz="2000" b="1" dirty="0">
+                <a:solidFill>
+                  <a:schemeClr val="tx1">
+                    <a:lumMod val="50000"/>
+                    <a:lumOff val="50000"/>
+                  </a:schemeClr>
+                </a:solidFill>
+                <a:latin typeface="微软雅黑" panose="020B0503020204020204" pitchFamily="34" charset="-122"/>
+                <a:ea typeface="微软雅黑" panose="020B0503020204020204" pitchFamily="34" charset="-122"/>
+              </a:rPr>
+              <a:t>清华大学出版社</a:t>
+            </a:r>
+            <a:endParaRPr lang="en-US" altLang="zh-CN" sz="2000" b="1" dirty="0">
+              <a:solidFill>
+                <a:schemeClr val="tx1">
+                  <a:lumMod val="50000"/>
+                  <a:lumOff val="50000"/>
+                </a:schemeClr>
+              </a:solidFill>
+              <a:latin typeface="微软雅黑" panose="020B0503020204020204" pitchFamily="34" charset="-122"/>
+              <a:ea typeface="微软雅黑" panose="020B0503020204020204" pitchFamily="34" charset="-122"/>
+            </a:endParaRPr>
+          </a:p>
+          <a:p>
+            <a:r>
+              <a:rPr lang="zh-CN" altLang="en-US" sz="2000" b="1" dirty="0">
+                <a:solidFill>
+                  <a:schemeClr val="tx1">
+                    <a:lumMod val="50000"/>
+                    <a:lumOff val="50000"/>
+                  </a:schemeClr>
+                </a:solidFill>
+                <a:latin typeface="微软雅黑" panose="020B0503020204020204" pitchFamily="34" charset="-122"/>
+                <a:ea typeface="微软雅黑" panose="020B0503020204020204" pitchFamily="34" charset="-122"/>
+              </a:rPr>
+              <a:t>国标文档</a:t>
+            </a:r>
+            <a:endParaRPr lang="en-US" altLang="zh-CN" sz="2000" b="1" dirty="0">
+              <a:solidFill>
+                <a:schemeClr val="tx1">
+                  <a:lumMod val="50000"/>
+                  <a:lumOff val="50000"/>
+                </a:schemeClr>
+              </a:solidFill>
+              <a:latin typeface="微软雅黑" panose="020B0503020204020204" pitchFamily="34" charset="-122"/>
+              <a:ea typeface="微软雅黑" panose="020B0503020204020204" pitchFamily="34" charset="-122"/>
             </a:endParaRPr>
           </a:p>
         </p:txBody>
@@ -32310,7 +32434,7 @@
     </p:spTree>
     <p:extLst>
       <p:ext uri="{BB962C8B-B14F-4D97-AF65-F5344CB8AC3E}">
-        <p14:creationId xmlns:p14="http://schemas.microsoft.com/office/powerpoint/2010/main" val="2614912902"/>
+        <p14:creationId xmlns:p14="http://schemas.microsoft.com/office/powerpoint/2010/main" val="2771957639"/>
       </p:ext>
     </p:extLst>
   </p:cSld>
@@ -32349,8 +32473,8 @@
         </p:nvSpPr>
         <p:spPr>
           <a:xfrm>
-            <a:off x="646111" y="452718"/>
-            <a:ext cx="9404723" cy="1400530"/>
+            <a:off x="1574801" y="1952341"/>
+            <a:ext cx="7863113" cy="2690416"/>
           </a:xfrm>
         </p:spPr>
         <p:txBody>
@@ -32358,213 +32482,47 @@
           <a:lstStyle/>
           <a:p>
             <a:r>
-              <a:rPr lang="zh-CN" altLang="en-US" dirty="0"/>
-              <a:t>组员打分</a:t>
-            </a:r>
-          </a:p>
-        </p:txBody>
-      </p:sp>
-      <p:sp>
-        <p:nvSpPr>
-          <p:cNvPr id="4" name="文本框 3">
-            <a:extLst>
-              <a:ext uri="{FF2B5EF4-FFF2-40B4-BE49-F238E27FC236}">
-                <a16:creationId xmlns:a16="http://schemas.microsoft.com/office/drawing/2014/main" id="{00BC4346-2A34-4211-89A7-4BB48D5913EA}"/>
-              </a:ext>
-            </a:extLst>
-          </p:cNvPr>
-          <p:cNvSpPr txBox="1"/>
-          <p:nvPr/>
-        </p:nvSpPr>
-        <p:spPr>
-          <a:xfrm>
-            <a:off x="646111" y="1754878"/>
-            <a:ext cx="8720920" cy="1569660"/>
-          </a:xfrm>
-          <a:prstGeom prst="rect">
-            <a:avLst/>
-          </a:prstGeom>
-          <a:noFill/>
-        </p:spPr>
-        <p:txBody>
-          <a:bodyPr wrap="square" rtlCol="0">
-            <a:spAutoFit/>
-          </a:bodyPr>
-          <a:lstStyle/>
-          <a:p>
-            <a:r>
-              <a:rPr lang="zh-CN" altLang="en-US" sz="1600" b="1" dirty="0">
-                <a:solidFill>
-                  <a:schemeClr val="tx1">
-                    <a:lumMod val="50000"/>
-                    <a:lumOff val="50000"/>
-                  </a:schemeClr>
-                </a:solidFill>
-                <a:latin typeface="微软雅黑" panose="020B0503020204020204" pitchFamily="34" charset="-122"/>
-                <a:ea typeface="微软雅黑" panose="020B0503020204020204" pitchFamily="34" charset="-122"/>
+              <a:rPr lang="zh-CN" altLang="en-US" sz="9600" dirty="0">
+                <a:latin typeface="Microsoft YaHei UI" panose="020B0503020204020204" pitchFamily="34" charset="-122"/>
+                <a:ea typeface="Microsoft YaHei UI" panose="020B0503020204020204" pitchFamily="34" charset="-122"/>
               </a:rPr>
-              <a:t>吴思楠：</a:t>
-            </a:r>
-            <a:r>
-              <a:rPr lang="en-US" altLang="zh-CN" sz="1600" b="1" dirty="0">
-                <a:solidFill>
-                  <a:schemeClr val="tx1">
-                    <a:lumMod val="50000"/>
-                    <a:lumOff val="50000"/>
-                  </a:schemeClr>
-                </a:solidFill>
-                <a:latin typeface="微软雅黑" panose="020B0503020204020204" pitchFamily="34" charset="-122"/>
-                <a:ea typeface="微软雅黑" panose="020B0503020204020204" pitchFamily="34" charset="-122"/>
+              <a:t>第</a:t>
+            </a:r>
+            <a:r>
+              <a:rPr lang="en-US" altLang="zh-CN" sz="9600" dirty="0">
+                <a:latin typeface="Microsoft YaHei UI" panose="020B0503020204020204" pitchFamily="34" charset="-122"/>
+                <a:ea typeface="Microsoft YaHei UI" panose="020B0503020204020204" pitchFamily="34" charset="-122"/>
               </a:rPr>
-              <a:t>8.0</a:t>
-            </a:r>
-          </a:p>
-          <a:p>
-            <a:r>
-              <a:rPr lang="zh-CN" altLang="en-US" sz="1600" b="1" dirty="0">
-                <a:solidFill>
-                  <a:schemeClr val="tx1">
-                    <a:lumMod val="50000"/>
-                    <a:lumOff val="50000"/>
-                  </a:schemeClr>
-                </a:solidFill>
-                <a:latin typeface="微软雅黑" panose="020B0503020204020204" pitchFamily="34" charset="-122"/>
-                <a:ea typeface="微软雅黑" panose="020B0503020204020204" pitchFamily="34" charset="-122"/>
+              <a:t>11</a:t>
+            </a:r>
+            <a:r>
+              <a:rPr lang="zh-CN" altLang="en-US" sz="9600" dirty="0">
+                <a:latin typeface="Microsoft YaHei UI" panose="020B0503020204020204" pitchFamily="34" charset="-122"/>
+                <a:ea typeface="Microsoft YaHei UI" panose="020B0503020204020204" pitchFamily="34" charset="-122"/>
               </a:rPr>
-              <a:t>姚天恒：</a:t>
-            </a:r>
-            <a:r>
-              <a:rPr lang="en-US" altLang="zh-CN" sz="1600" b="1" dirty="0">
-                <a:solidFill>
-                  <a:schemeClr val="tx1">
-                    <a:lumMod val="50000"/>
-                    <a:lumOff val="50000"/>
-                  </a:schemeClr>
-                </a:solidFill>
-                <a:latin typeface="微软雅黑" panose="020B0503020204020204" pitchFamily="34" charset="-122"/>
-                <a:ea typeface="微软雅黑" panose="020B0503020204020204" pitchFamily="34" charset="-122"/>
-              </a:rPr>
-              <a:t>7.5</a:t>
-            </a:r>
-          </a:p>
-          <a:p>
-            <a:r>
-              <a:rPr lang="zh-CN" altLang="en-US" sz="1600" b="1" dirty="0">
-                <a:solidFill>
-                  <a:schemeClr val="tx1">
-                    <a:lumMod val="50000"/>
-                    <a:lumOff val="50000"/>
-                  </a:schemeClr>
-                </a:solidFill>
-                <a:latin typeface="微软雅黑" panose="020B0503020204020204" pitchFamily="34" charset="-122"/>
-                <a:ea typeface="微软雅黑" panose="020B0503020204020204" pitchFamily="34" charset="-122"/>
-              </a:rPr>
-              <a:t>叶家威：</a:t>
-            </a:r>
-            <a:r>
-              <a:rPr lang="en-US" altLang="zh-CN" sz="1600" b="1" dirty="0">
-                <a:solidFill>
-                  <a:schemeClr val="tx1">
-                    <a:lumMod val="50000"/>
-                    <a:lumOff val="50000"/>
-                  </a:schemeClr>
-                </a:solidFill>
-                <a:latin typeface="微软雅黑" panose="020B0503020204020204" pitchFamily="34" charset="-122"/>
-                <a:ea typeface="微软雅黑" panose="020B0503020204020204" pitchFamily="34" charset="-122"/>
-              </a:rPr>
-              <a:t>6.5</a:t>
-            </a:r>
-          </a:p>
-          <a:p>
-            <a:r>
-              <a:rPr lang="zh-CN" altLang="en-US" sz="1600" b="1" dirty="0">
-                <a:solidFill>
-                  <a:schemeClr val="tx1">
-                    <a:lumMod val="50000"/>
-                    <a:lumOff val="50000"/>
-                  </a:schemeClr>
-                </a:solidFill>
-                <a:latin typeface="微软雅黑" panose="020B0503020204020204" pitchFamily="34" charset="-122"/>
-                <a:ea typeface="微软雅黑" panose="020B0503020204020204" pitchFamily="34" charset="-122"/>
-              </a:rPr>
-              <a:t>沈舸帆：</a:t>
-            </a:r>
-            <a:r>
-              <a:rPr lang="en-US" altLang="zh-CN" sz="1600" b="1" dirty="0">
-                <a:solidFill>
-                  <a:schemeClr val="tx1">
-                    <a:lumMod val="50000"/>
-                    <a:lumOff val="50000"/>
-                  </a:schemeClr>
-                </a:solidFill>
-                <a:latin typeface="微软雅黑" panose="020B0503020204020204" pitchFamily="34" charset="-122"/>
-                <a:ea typeface="微软雅黑" panose="020B0503020204020204" pitchFamily="34" charset="-122"/>
-              </a:rPr>
-              <a:t>7.2</a:t>
-            </a:r>
-          </a:p>
-          <a:p>
-            <a:r>
-              <a:rPr lang="zh-CN" altLang="en-US" sz="1600" b="1" dirty="0">
-                <a:solidFill>
-                  <a:schemeClr val="tx1">
-                    <a:lumMod val="50000"/>
-                    <a:lumOff val="50000"/>
-                  </a:schemeClr>
-                </a:solidFill>
-                <a:latin typeface="微软雅黑" panose="020B0503020204020204" pitchFamily="34" charset="-122"/>
-                <a:ea typeface="微软雅黑" panose="020B0503020204020204" pitchFamily="34" charset="-122"/>
-              </a:rPr>
-              <a:t>沈家豪：</a:t>
-            </a:r>
-            <a:r>
-              <a:rPr lang="en-US" altLang="zh-CN" sz="1600" b="1" dirty="0">
-                <a:solidFill>
-                  <a:schemeClr val="tx1">
-                    <a:lumMod val="50000"/>
-                    <a:lumOff val="50000"/>
-                  </a:schemeClr>
-                </a:solidFill>
-                <a:latin typeface="微软雅黑" panose="020B0503020204020204" pitchFamily="34" charset="-122"/>
-                <a:ea typeface="微软雅黑" panose="020B0503020204020204" pitchFamily="34" charset="-122"/>
-              </a:rPr>
-              <a:t>7.5</a:t>
-            </a:r>
-          </a:p>
-          <a:p>
-            <a:r>
-              <a:rPr lang="zh-CN" altLang="en-US" sz="1600" b="1" dirty="0">
-                <a:solidFill>
-                  <a:schemeClr val="tx1">
-                    <a:lumMod val="50000"/>
-                    <a:lumOff val="50000"/>
-                  </a:schemeClr>
-                </a:solidFill>
-                <a:latin typeface="微软雅黑" panose="020B0503020204020204" pitchFamily="34" charset="-122"/>
-                <a:ea typeface="微软雅黑" panose="020B0503020204020204" pitchFamily="34" charset="-122"/>
-              </a:rPr>
-              <a:t>汤志东：</a:t>
-            </a:r>
-            <a:r>
-              <a:rPr lang="en-US" altLang="zh-CN" sz="1600" b="1" dirty="0">
-                <a:solidFill>
-                  <a:schemeClr val="tx1">
-                    <a:lumMod val="50000"/>
-                    <a:lumOff val="50000"/>
-                  </a:schemeClr>
-                </a:solidFill>
-                <a:latin typeface="微软雅黑" panose="020B0503020204020204" pitchFamily="34" charset="-122"/>
-                <a:ea typeface="微软雅黑" panose="020B0503020204020204" pitchFamily="34" charset="-122"/>
-              </a:rPr>
-              <a:t>7.0</a:t>
-            </a:r>
+              <a:t>章 </a:t>
+            </a:r>
+            <a:br>
+              <a:rPr lang="en-US" altLang="zh-CN" sz="9600" dirty="0"/>
+            </a:br>
+            <a:r>
+              <a:rPr lang="zh-CN" altLang="en-US" sz="9600" dirty="0"/>
+              <a:t>小组分工</a:t>
+            </a:r>
+            <a:br>
+              <a:rPr lang="zh-CN" altLang="en-US" sz="9600" dirty="0"/>
+            </a:br>
+            <a:endParaRPr lang="zh-CN" sz="9600" dirty="0">
+              <a:latin typeface="Microsoft YaHei UI" panose="020B0503020204020204" pitchFamily="34" charset="-122"/>
+              <a:ea typeface="Microsoft YaHei UI" panose="020B0503020204020204" pitchFamily="34" charset="-122"/>
+            </a:endParaRPr>
           </a:p>
         </p:txBody>
       </p:sp>
     </p:spTree>
     <p:extLst>
       <p:ext uri="{BB962C8B-B14F-4D97-AF65-F5344CB8AC3E}">
-        <p14:creationId xmlns:p14="http://schemas.microsoft.com/office/powerpoint/2010/main" val="2991596014"/>
+        <p14:creationId xmlns:p14="http://schemas.microsoft.com/office/powerpoint/2010/main" val="2614912902"/>
       </p:ext>
     </p:extLst>
   </p:cSld>
@@ -32613,7 +32571,7 @@
           <a:p>
             <a:r>
               <a:rPr lang="zh-CN" altLang="en-US" dirty="0"/>
-              <a:t>预算计算</a:t>
+              <a:t>效绩评定</a:t>
             </a:r>
           </a:p>
         </p:txBody>
@@ -32633,7 +32591,7 @@
         <p:spPr>
           <a:xfrm>
             <a:off x="646111" y="1754878"/>
-            <a:ext cx="8720920" cy="3046988"/>
+            <a:ext cx="8720920" cy="1569660"/>
           </a:xfrm>
           <a:prstGeom prst="rect">
             <a:avLst/>
@@ -32657,7 +32615,7 @@
                 <a:latin typeface="微软雅黑" panose="020B0503020204020204" pitchFamily="34" charset="-122"/>
                 <a:ea typeface="微软雅黑" panose="020B0503020204020204" pitchFamily="34" charset="-122"/>
               </a:rPr>
-              <a:t>姚天恒：</a:t>
+              <a:t>吴思楠：</a:t>
             </a:r>
             <a:r>
               <a:rPr lang="en-US" altLang="zh-CN" sz="1600" b="1" dirty="0">
@@ -32670,10 +32628,8 @@
                 <a:latin typeface="微软雅黑" panose="020B0503020204020204" pitchFamily="34" charset="-122"/>
                 <a:ea typeface="微软雅黑" panose="020B0503020204020204" pitchFamily="34" charset="-122"/>
               </a:rPr>
-              <a:t>2.4+2.4+3.6+3.2+2.4+1.6+1.6+1.2+3.2+1.2+2.4+2.4+2.4+3.2+3.2=36.4*30=1092</a:t>
-            </a:r>
-          </a:p>
-          <a:p>
+              <a:t>20 </a:t>
+            </a:r>
             <a:r>
               <a:rPr lang="zh-CN" altLang="en-US" sz="1600" b="1" dirty="0">
                 <a:solidFill>
@@ -32685,7 +32641,32 @@
                 <a:latin typeface="微软雅黑" panose="020B0503020204020204" pitchFamily="34" charset="-122"/>
                 <a:ea typeface="微软雅黑" panose="020B0503020204020204" pitchFamily="34" charset="-122"/>
               </a:rPr>
-              <a:t>吴思楠：</a:t>
+              <a:t>所有文档审核，任务分配</a:t>
+            </a:r>
+            <a:endParaRPr lang="en-US" altLang="zh-CN" sz="1600" b="1" dirty="0">
+              <a:solidFill>
+                <a:schemeClr val="tx1">
+                  <a:lumMod val="50000"/>
+                  <a:lumOff val="50000"/>
+                </a:schemeClr>
+              </a:solidFill>
+              <a:latin typeface="微软雅黑" panose="020B0503020204020204" pitchFamily="34" charset="-122"/>
+              <a:ea typeface="微软雅黑" panose="020B0503020204020204" pitchFamily="34" charset="-122"/>
+            </a:endParaRPr>
+          </a:p>
+          <a:p>
+            <a:r>
+              <a:rPr lang="zh-CN" altLang="en-US" sz="1600" b="1" dirty="0">
+                <a:solidFill>
+                  <a:schemeClr val="tx1">
+                    <a:lumMod val="50000"/>
+                    <a:lumOff val="50000"/>
+                  </a:schemeClr>
+                </a:solidFill>
+                <a:latin typeface="微软雅黑" panose="020B0503020204020204" pitchFamily="34" charset="-122"/>
+                <a:ea typeface="微软雅黑" panose="020B0503020204020204" pitchFamily="34" charset="-122"/>
+              </a:rPr>
+              <a:t>姚天恒：</a:t>
             </a:r>
             <a:r>
               <a:rPr lang="en-US" altLang="zh-CN" sz="1600" b="1" dirty="0">
@@ -32698,8 +32679,31 @@
                 <a:latin typeface="微软雅黑" panose="020B0503020204020204" pitchFamily="34" charset="-122"/>
                 <a:ea typeface="微软雅黑" panose="020B0503020204020204" pitchFamily="34" charset="-122"/>
               </a:rPr>
-              <a:t>3.2+3.2+4.8+2.4+3.2+1.6+1.2+1.6+3.2+1.6+3.2+2.4+3.2+3.2+2.4=40.4*30=1212</a:t>
-            </a:r>
+              <a:t>17 </a:t>
+            </a:r>
+            <a:r>
+              <a:rPr lang="zh-CN" altLang="en-US" sz="1600" b="1" dirty="0">
+                <a:solidFill>
+                  <a:schemeClr val="tx1">
+                    <a:lumMod val="50000"/>
+                    <a:lumOff val="50000"/>
+                  </a:schemeClr>
+                </a:solidFill>
+                <a:latin typeface="微软雅黑" panose="020B0503020204020204" pitchFamily="34" charset="-122"/>
+                <a:ea typeface="微软雅黑" panose="020B0503020204020204" pitchFamily="34" charset="-122"/>
+              </a:rPr>
+              <a:t>甘特图</a:t>
+            </a:r>
+            <a:endParaRPr lang="en-US" altLang="zh-CN" sz="1600" b="1" dirty="0">
+              <a:solidFill>
+                <a:schemeClr val="tx1">
+                  <a:lumMod val="50000"/>
+                  <a:lumOff val="50000"/>
+                </a:schemeClr>
+              </a:solidFill>
+              <a:latin typeface="微软雅黑" panose="020B0503020204020204" pitchFamily="34" charset="-122"/>
+              <a:ea typeface="微软雅黑" panose="020B0503020204020204" pitchFamily="34" charset="-122"/>
+            </a:endParaRPr>
           </a:p>
           <a:p>
             <a:r>
@@ -32726,8 +32730,31 @@
                 <a:latin typeface="微软雅黑" panose="020B0503020204020204" pitchFamily="34" charset="-122"/>
                 <a:ea typeface="微软雅黑" panose="020B0503020204020204" pitchFamily="34" charset="-122"/>
               </a:rPr>
-              <a:t>2.4+2.4+4.8+3.2+3.2+1.2+1.6+1.2+2.4+1.2+2.4+2.4+3.2+2.4+2.4=36.4*30=1092</a:t>
-            </a:r>
+              <a:t>15 </a:t>
+            </a:r>
+            <a:r>
+              <a:rPr lang="zh-CN" altLang="en-US" sz="1600" b="1" dirty="0">
+                <a:solidFill>
+                  <a:schemeClr val="tx1">
+                    <a:lumMod val="50000"/>
+                    <a:lumOff val="50000"/>
+                  </a:schemeClr>
+                </a:solidFill>
+                <a:latin typeface="微软雅黑" panose="020B0503020204020204" pitchFamily="34" charset="-122"/>
+                <a:ea typeface="微软雅黑" panose="020B0503020204020204" pitchFamily="34" charset="-122"/>
+              </a:rPr>
+              <a:t>会议记录，预算估计</a:t>
+            </a:r>
+            <a:endParaRPr lang="en-US" altLang="zh-CN" sz="1600" b="1" dirty="0">
+              <a:solidFill>
+                <a:schemeClr val="tx1">
+                  <a:lumMod val="50000"/>
+                  <a:lumOff val="50000"/>
+                </a:schemeClr>
+              </a:solidFill>
+              <a:latin typeface="微软雅黑" panose="020B0503020204020204" pitchFamily="34" charset="-122"/>
+              <a:ea typeface="微软雅黑" panose="020B0503020204020204" pitchFamily="34" charset="-122"/>
+            </a:endParaRPr>
           </a:p>
           <a:p>
             <a:r>
@@ -32754,8 +32781,31 @@
                 <a:latin typeface="微软雅黑" panose="020B0503020204020204" pitchFamily="34" charset="-122"/>
                 <a:ea typeface="微软雅黑" panose="020B0503020204020204" pitchFamily="34" charset="-122"/>
               </a:rPr>
-              <a:t>3.2+2.4+3.6+3.2+2.4+1.6+1.2+1.6+3.2+1.6+3.2+2.4+2.4+3.2+3.2=38.4*30=1152</a:t>
-            </a:r>
+              <a:t>16 WBS</a:t>
+            </a:r>
+            <a:r>
+              <a:rPr lang="zh-CN" altLang="en-US" sz="1600" b="1" dirty="0">
+                <a:solidFill>
+                  <a:schemeClr val="tx1">
+                    <a:lumMod val="50000"/>
+                    <a:lumOff val="50000"/>
+                  </a:schemeClr>
+                </a:solidFill>
+                <a:latin typeface="微软雅黑" panose="020B0503020204020204" pitchFamily="34" charset="-122"/>
+                <a:ea typeface="微软雅黑" panose="020B0503020204020204" pitchFamily="34" charset="-122"/>
+              </a:rPr>
+              <a:t>表</a:t>
+            </a:r>
+            <a:endParaRPr lang="en-US" altLang="zh-CN" sz="1600" b="1" dirty="0">
+              <a:solidFill>
+                <a:schemeClr val="tx1">
+                  <a:lumMod val="50000"/>
+                  <a:lumOff val="50000"/>
+                </a:schemeClr>
+              </a:solidFill>
+              <a:latin typeface="微软雅黑" panose="020B0503020204020204" pitchFamily="34" charset="-122"/>
+              <a:ea typeface="微软雅黑" panose="020B0503020204020204" pitchFamily="34" charset="-122"/>
+            </a:endParaRPr>
           </a:p>
           <a:p>
             <a:r>
@@ -32782,8 +32832,31 @@
                 <a:latin typeface="微软雅黑" panose="020B0503020204020204" pitchFamily="34" charset="-122"/>
                 <a:ea typeface="微软雅黑" panose="020B0503020204020204" pitchFamily="34" charset="-122"/>
               </a:rPr>
-              <a:t>2.4+3.2+4.8+2.4+3.2+1.2+1.6+1.6+2.4+1.6+3.2+2.4+3.2+2.4+3.2=38.8*30=1164</a:t>
-            </a:r>
+              <a:t>16 </a:t>
+            </a:r>
+            <a:r>
+              <a:rPr lang="zh-CN" altLang="en-US" sz="1600" b="1" dirty="0">
+                <a:solidFill>
+                  <a:schemeClr val="tx1">
+                    <a:lumMod val="50000"/>
+                    <a:lumOff val="50000"/>
+                  </a:schemeClr>
+                </a:solidFill>
+                <a:latin typeface="微软雅黑" panose="020B0503020204020204" pitchFamily="34" charset="-122"/>
+                <a:ea typeface="微软雅黑" panose="020B0503020204020204" pitchFamily="34" charset="-122"/>
+              </a:rPr>
+              <a:t>文档编辑</a:t>
+            </a:r>
+            <a:endParaRPr lang="en-US" altLang="zh-CN" sz="1600" b="1" dirty="0">
+              <a:solidFill>
+                <a:schemeClr val="tx1">
+                  <a:lumMod val="50000"/>
+                  <a:lumOff val="50000"/>
+                </a:schemeClr>
+              </a:solidFill>
+              <a:latin typeface="微软雅黑" panose="020B0503020204020204" pitchFamily="34" charset="-122"/>
+              <a:ea typeface="微软雅黑" panose="020B0503020204020204" pitchFamily="34" charset="-122"/>
+            </a:endParaRPr>
           </a:p>
           <a:p>
             <a:r>
@@ -32810,15 +32883,38 @@
                 <a:latin typeface="微软雅黑" panose="020B0503020204020204" pitchFamily="34" charset="-122"/>
                 <a:ea typeface="微软雅黑" panose="020B0503020204020204" pitchFamily="34" charset="-122"/>
               </a:rPr>
-              <a:t>2.4+2.4+2.4+1.6+1.6+0.8+0.8+0.8+1.6+0.8+1.6+1.6+1.6+1.6+1.6=23.2*30=696</a:t>
-            </a:r>
+              <a:t>16 </a:t>
+            </a:r>
+            <a:r>
+              <a:rPr lang="zh-CN" altLang="en-US" sz="1600" b="1" dirty="0">
+                <a:solidFill>
+                  <a:schemeClr val="tx1">
+                    <a:lumMod val="50000"/>
+                    <a:lumOff val="50000"/>
+                  </a:schemeClr>
+                </a:solidFill>
+                <a:latin typeface="微软雅黑" panose="020B0503020204020204" pitchFamily="34" charset="-122"/>
+                <a:ea typeface="微软雅黑" panose="020B0503020204020204" pitchFamily="34" charset="-122"/>
+              </a:rPr>
+              <a:t>文档编辑</a:t>
+            </a:r>
+            <a:endParaRPr lang="en-US" altLang="zh-CN" sz="1600" b="1" dirty="0">
+              <a:solidFill>
+                <a:schemeClr val="tx1">
+                  <a:lumMod val="50000"/>
+                  <a:lumOff val="50000"/>
+                </a:schemeClr>
+              </a:solidFill>
+              <a:latin typeface="微软雅黑" panose="020B0503020204020204" pitchFamily="34" charset="-122"/>
+              <a:ea typeface="微软雅黑" panose="020B0503020204020204" pitchFamily="34" charset="-122"/>
+            </a:endParaRPr>
           </a:p>
         </p:txBody>
       </p:sp>
     </p:spTree>
     <p:extLst>
       <p:ext uri="{BB962C8B-B14F-4D97-AF65-F5344CB8AC3E}">
-        <p14:creationId xmlns:p14="http://schemas.microsoft.com/office/powerpoint/2010/main" val="703654866"/>
+        <p14:creationId xmlns:p14="http://schemas.microsoft.com/office/powerpoint/2010/main" val="2991596014"/>
       </p:ext>
     </p:extLst>
   </p:cSld>
@@ -32954,6 +33050,933 @@
           <a:p>
             <a:r>
               <a:rPr lang="zh-CN" altLang="en-US" dirty="0"/>
+              <a:t>预算计算</a:t>
+            </a:r>
+          </a:p>
+        </p:txBody>
+      </p:sp>
+      <p:graphicFrame>
+        <p:nvGraphicFramePr>
+          <p:cNvPr id="3" name="表格 2">
+            <a:extLst>
+              <a:ext uri="{FF2B5EF4-FFF2-40B4-BE49-F238E27FC236}">
+                <a16:creationId xmlns:a16="http://schemas.microsoft.com/office/drawing/2014/main" id="{2484EB0B-5F40-4AF2-AF90-963E9D5EE8F6}"/>
+              </a:ext>
+            </a:extLst>
+          </p:cNvPr>
+          <p:cNvGraphicFramePr>
+            <a:graphicFrameLocks noGrp="1"/>
+          </p:cNvGraphicFramePr>
+          <p:nvPr>
+            <p:extLst>
+              <p:ext uri="{D42A27DB-BD31-4B8C-83A1-F6EECF244321}">
+                <p14:modId xmlns:p14="http://schemas.microsoft.com/office/powerpoint/2010/main" val="3924243745"/>
+              </p:ext>
+            </p:extLst>
+          </p:nvPr>
+        </p:nvGraphicFramePr>
+        <p:xfrm>
+          <a:off x="914400" y="1317072"/>
+          <a:ext cx="8682606" cy="4962180"/>
+        </p:xfrm>
+        <a:graphic>
+          <a:graphicData uri="http://schemas.openxmlformats.org/drawingml/2006/table">
+            <a:tbl>
+              <a:tblPr firstRow="1" firstCol="1" bandRow="1">
+                <a:tableStyleId>{5C22544A-7EE6-4342-B048-85BDC9FD1C3A}</a:tableStyleId>
+              </a:tblPr>
+              <a:tblGrid>
+                <a:gridCol w="4341303">
+                  <a:extLst>
+                    <a:ext uri="{9D8B030D-6E8A-4147-A177-3AD203B41FA5}">
+                      <a16:colId xmlns:a16="http://schemas.microsoft.com/office/drawing/2014/main" val="2380930670"/>
+                    </a:ext>
+                  </a:extLst>
+                </a:gridCol>
+                <a:gridCol w="4341303">
+                  <a:extLst>
+                    <a:ext uri="{9D8B030D-6E8A-4147-A177-3AD203B41FA5}">
+                      <a16:colId xmlns:a16="http://schemas.microsoft.com/office/drawing/2014/main" val="284823303"/>
+                    </a:ext>
+                  </a:extLst>
+                </a:gridCol>
+              </a:tblGrid>
+              <a:tr h="496218">
+                <a:tc>
+                  <a:txBody>
+                    <a:bodyPr/>
+                    <a:lstStyle/>
+                    <a:p>
+                      <a:pPr algn="l">
+                        <a:spcAft>
+                          <a:spcPts val="0"/>
+                        </a:spcAft>
+                      </a:pPr>
+                      <a:r>
+                        <a:rPr lang="zh-CN" sz="1200" kern="100" dirty="0">
+                          <a:effectLst/>
+                        </a:rPr>
+                        <a:t>开发</a:t>
+                      </a:r>
+                      <a:endParaRPr lang="zh-CN" sz="1200" kern="100" dirty="0">
+                        <a:effectLst/>
+                        <a:latin typeface="Calibri" panose="020F0502020204030204" pitchFamily="34" charset="0"/>
+                        <a:ea typeface="宋体" panose="02010600030101010101" pitchFamily="2" charset="-122"/>
+                        <a:cs typeface="Times New Roman" panose="02020603050405020304" pitchFamily="18" charset="0"/>
+                      </a:endParaRPr>
+                    </a:p>
+                  </a:txBody>
+                  <a:tcPr marL="68580" marR="68580" marT="0" marB="0">
+                    <a:solidFill>
+                      <a:schemeClr val="bg1">
+                        <a:lumMod val="65000"/>
+                        <a:lumOff val="35000"/>
+                      </a:schemeClr>
+                    </a:solidFill>
+                  </a:tcPr>
+                </a:tc>
+                <a:tc>
+                  <a:txBody>
+                    <a:bodyPr/>
+                    <a:lstStyle/>
+                    <a:p>
+                      <a:pPr algn="l">
+                        <a:spcAft>
+                          <a:spcPts val="0"/>
+                        </a:spcAft>
+                      </a:pPr>
+                      <a:r>
+                        <a:rPr lang="zh-CN" sz="1200" kern="100" dirty="0">
+                          <a:effectLst/>
+                        </a:rPr>
+                        <a:t>经费（元）</a:t>
+                      </a:r>
+                      <a:endParaRPr lang="zh-CN" sz="1200" kern="100" dirty="0">
+                        <a:effectLst/>
+                        <a:latin typeface="Calibri" panose="020F0502020204030204" pitchFamily="34" charset="0"/>
+                        <a:ea typeface="宋体" panose="02010600030101010101" pitchFamily="2" charset="-122"/>
+                        <a:cs typeface="Times New Roman" panose="02020603050405020304" pitchFamily="18" charset="0"/>
+                      </a:endParaRPr>
+                    </a:p>
+                  </a:txBody>
+                  <a:tcPr marL="68580" marR="68580" marT="0" marB="0">
+                    <a:solidFill>
+                      <a:schemeClr val="bg1">
+                        <a:lumMod val="65000"/>
+                        <a:lumOff val="35000"/>
+                      </a:schemeClr>
+                    </a:solidFill>
+                  </a:tcPr>
+                </a:tc>
+                <a:extLst>
+                  <a:ext uri="{0D108BD9-81ED-4DB2-BD59-A6C34878D82A}">
+                    <a16:rowId xmlns:a16="http://schemas.microsoft.com/office/drawing/2014/main" val="3255137854"/>
+                  </a:ext>
+                </a:extLst>
+              </a:tr>
+              <a:tr h="496218">
+                <a:tc>
+                  <a:txBody>
+                    <a:bodyPr/>
+                    <a:lstStyle/>
+                    <a:p>
+                      <a:pPr algn="l">
+                        <a:spcAft>
+                          <a:spcPts val="0"/>
+                        </a:spcAft>
+                      </a:pPr>
+                      <a:r>
+                        <a:rPr lang="zh-CN" sz="1200" kern="100" dirty="0">
+                          <a:effectLst/>
+                        </a:rPr>
+                        <a:t>吴思楠</a:t>
+                      </a:r>
+                      <a:endParaRPr lang="zh-CN" sz="1200" kern="100" dirty="0">
+                        <a:effectLst/>
+                        <a:latin typeface="Calibri" panose="020F0502020204030204" pitchFamily="34" charset="0"/>
+                        <a:ea typeface="宋体" panose="02010600030101010101" pitchFamily="2" charset="-122"/>
+                        <a:cs typeface="Times New Roman" panose="02020603050405020304" pitchFamily="18" charset="0"/>
+                      </a:endParaRPr>
+                    </a:p>
+                  </a:txBody>
+                  <a:tcPr marL="68580" marR="68580" marT="0" marB="0">
+                    <a:solidFill>
+                      <a:schemeClr val="bg1">
+                        <a:lumMod val="65000"/>
+                        <a:lumOff val="35000"/>
+                      </a:schemeClr>
+                    </a:solidFill>
+                  </a:tcPr>
+                </a:tc>
+                <a:tc>
+                  <a:txBody>
+                    <a:bodyPr/>
+                    <a:lstStyle/>
+                    <a:p>
+                      <a:pPr algn="l">
+                        <a:spcAft>
+                          <a:spcPts val="0"/>
+                        </a:spcAft>
+                      </a:pPr>
+                      <a:r>
+                        <a:rPr lang="en-US" sz="1200" kern="100">
+                          <a:effectLst/>
+                        </a:rPr>
+                        <a:t>46.8</a:t>
+                      </a:r>
+                      <a:r>
+                        <a:rPr lang="zh-CN" sz="1200" kern="100">
+                          <a:effectLst/>
+                        </a:rPr>
+                        <a:t>小时</a:t>
+                      </a:r>
+                      <a:r>
+                        <a:rPr lang="en-US" sz="1200" kern="100">
+                          <a:effectLst/>
+                        </a:rPr>
+                        <a:t>*30</a:t>
+                      </a:r>
+                      <a:r>
+                        <a:rPr lang="zh-CN" sz="1200" kern="100">
+                          <a:effectLst/>
+                        </a:rPr>
+                        <a:t>元</a:t>
+                      </a:r>
+                      <a:r>
+                        <a:rPr lang="en-US" sz="1200" kern="100">
+                          <a:effectLst/>
+                        </a:rPr>
+                        <a:t>=1404</a:t>
+                      </a:r>
+                      <a:endParaRPr lang="zh-CN" sz="1200" kern="100">
+                        <a:effectLst/>
+                        <a:latin typeface="Calibri" panose="020F0502020204030204" pitchFamily="34" charset="0"/>
+                        <a:ea typeface="宋体" panose="02010600030101010101" pitchFamily="2" charset="-122"/>
+                        <a:cs typeface="Times New Roman" panose="02020603050405020304" pitchFamily="18" charset="0"/>
+                      </a:endParaRPr>
+                    </a:p>
+                  </a:txBody>
+                  <a:tcPr marL="68580" marR="68580" marT="0" marB="0"/>
+                </a:tc>
+                <a:extLst>
+                  <a:ext uri="{0D108BD9-81ED-4DB2-BD59-A6C34878D82A}">
+                    <a16:rowId xmlns:a16="http://schemas.microsoft.com/office/drawing/2014/main" val="1972420217"/>
+                  </a:ext>
+                </a:extLst>
+              </a:tr>
+              <a:tr h="496218">
+                <a:tc>
+                  <a:txBody>
+                    <a:bodyPr/>
+                    <a:lstStyle/>
+                    <a:p>
+                      <a:pPr algn="l">
+                        <a:spcAft>
+                          <a:spcPts val="0"/>
+                        </a:spcAft>
+                      </a:pPr>
+                      <a:r>
+                        <a:rPr lang="zh-CN" sz="1200" kern="100" dirty="0">
+                          <a:effectLst/>
+                        </a:rPr>
+                        <a:t>沈舸帆</a:t>
+                      </a:r>
+                      <a:endParaRPr lang="zh-CN" sz="1200" kern="100" dirty="0">
+                        <a:effectLst/>
+                        <a:latin typeface="Calibri" panose="020F0502020204030204" pitchFamily="34" charset="0"/>
+                        <a:ea typeface="宋体" panose="02010600030101010101" pitchFamily="2" charset="-122"/>
+                        <a:cs typeface="Times New Roman" panose="02020603050405020304" pitchFamily="18" charset="0"/>
+                      </a:endParaRPr>
+                    </a:p>
+                  </a:txBody>
+                  <a:tcPr marL="68580" marR="68580" marT="0" marB="0">
+                    <a:solidFill>
+                      <a:schemeClr val="bg1">
+                        <a:lumMod val="65000"/>
+                        <a:lumOff val="35000"/>
+                      </a:schemeClr>
+                    </a:solidFill>
+                  </a:tcPr>
+                </a:tc>
+                <a:tc>
+                  <a:txBody>
+                    <a:bodyPr/>
+                    <a:lstStyle/>
+                    <a:p>
+                      <a:pPr algn="l">
+                        <a:spcAft>
+                          <a:spcPts val="0"/>
+                        </a:spcAft>
+                      </a:pPr>
+                      <a:r>
+                        <a:rPr lang="en-US" sz="1200" kern="100">
+                          <a:effectLst/>
+                        </a:rPr>
+                        <a:t>46.08</a:t>
+                      </a:r>
+                      <a:r>
+                        <a:rPr lang="zh-CN" sz="1200" kern="100">
+                          <a:effectLst/>
+                        </a:rPr>
+                        <a:t>小时</a:t>
+                      </a:r>
+                      <a:r>
+                        <a:rPr lang="en-US" sz="1200" kern="100">
+                          <a:effectLst/>
+                        </a:rPr>
+                        <a:t>*30</a:t>
+                      </a:r>
+                      <a:r>
+                        <a:rPr lang="zh-CN" sz="1200" kern="100">
+                          <a:effectLst/>
+                        </a:rPr>
+                        <a:t>元</a:t>
+                      </a:r>
+                      <a:r>
+                        <a:rPr lang="en-US" sz="1200" kern="100">
+                          <a:effectLst/>
+                        </a:rPr>
+                        <a:t>=1382.4</a:t>
+                      </a:r>
+                      <a:endParaRPr lang="zh-CN" sz="1200" kern="100">
+                        <a:effectLst/>
+                        <a:latin typeface="Calibri" panose="020F0502020204030204" pitchFamily="34" charset="0"/>
+                        <a:ea typeface="宋体" panose="02010600030101010101" pitchFamily="2" charset="-122"/>
+                        <a:cs typeface="Times New Roman" panose="02020603050405020304" pitchFamily="18" charset="0"/>
+                      </a:endParaRPr>
+                    </a:p>
+                  </a:txBody>
+                  <a:tcPr marL="68580" marR="68580" marT="0" marB="0"/>
+                </a:tc>
+                <a:extLst>
+                  <a:ext uri="{0D108BD9-81ED-4DB2-BD59-A6C34878D82A}">
+                    <a16:rowId xmlns:a16="http://schemas.microsoft.com/office/drawing/2014/main" val="2764797051"/>
+                  </a:ext>
+                </a:extLst>
+              </a:tr>
+              <a:tr h="496218">
+                <a:tc>
+                  <a:txBody>
+                    <a:bodyPr/>
+                    <a:lstStyle/>
+                    <a:p>
+                      <a:pPr algn="l">
+                        <a:spcAft>
+                          <a:spcPts val="0"/>
+                        </a:spcAft>
+                      </a:pPr>
+                      <a:r>
+                        <a:rPr lang="zh-CN" sz="1200" kern="100" dirty="0">
+                          <a:effectLst/>
+                        </a:rPr>
+                        <a:t>沈家豪</a:t>
+                      </a:r>
+                      <a:endParaRPr lang="zh-CN" sz="1200" kern="100" dirty="0">
+                        <a:effectLst/>
+                        <a:latin typeface="Calibri" panose="020F0502020204030204" pitchFamily="34" charset="0"/>
+                        <a:ea typeface="宋体" panose="02010600030101010101" pitchFamily="2" charset="-122"/>
+                        <a:cs typeface="Times New Roman" panose="02020603050405020304" pitchFamily="18" charset="0"/>
+                      </a:endParaRPr>
+                    </a:p>
+                  </a:txBody>
+                  <a:tcPr marL="68580" marR="68580" marT="0" marB="0">
+                    <a:solidFill>
+                      <a:schemeClr val="bg1">
+                        <a:lumMod val="65000"/>
+                        <a:lumOff val="35000"/>
+                      </a:schemeClr>
+                    </a:solidFill>
+                  </a:tcPr>
+                </a:tc>
+                <a:tc>
+                  <a:txBody>
+                    <a:bodyPr/>
+                    <a:lstStyle/>
+                    <a:p>
+                      <a:pPr algn="l">
+                        <a:spcAft>
+                          <a:spcPts val="0"/>
+                        </a:spcAft>
+                      </a:pPr>
+                      <a:r>
+                        <a:rPr lang="en-US" sz="1200" kern="100" dirty="0">
+                          <a:effectLst/>
+                        </a:rPr>
+                        <a:t>45.03</a:t>
+                      </a:r>
+                      <a:r>
+                        <a:rPr lang="zh-CN" sz="1200" kern="100" dirty="0">
+                          <a:effectLst/>
+                        </a:rPr>
+                        <a:t>小时</a:t>
+                      </a:r>
+                      <a:r>
+                        <a:rPr lang="en-US" sz="1200" kern="100" dirty="0">
+                          <a:effectLst/>
+                        </a:rPr>
+                        <a:t>*30</a:t>
+                      </a:r>
+                      <a:r>
+                        <a:rPr lang="zh-CN" sz="1200" kern="100" dirty="0">
+                          <a:effectLst/>
+                        </a:rPr>
+                        <a:t>元</a:t>
+                      </a:r>
+                      <a:r>
+                        <a:rPr lang="en-US" sz="1200" kern="100" dirty="0">
+                          <a:effectLst/>
+                        </a:rPr>
+                        <a:t>=1350.9</a:t>
+                      </a:r>
+                      <a:endParaRPr lang="zh-CN" sz="1200" kern="100" dirty="0">
+                        <a:effectLst/>
+                        <a:latin typeface="Calibri" panose="020F0502020204030204" pitchFamily="34" charset="0"/>
+                        <a:ea typeface="宋体" panose="02010600030101010101" pitchFamily="2" charset="-122"/>
+                        <a:cs typeface="Times New Roman" panose="02020603050405020304" pitchFamily="18" charset="0"/>
+                      </a:endParaRPr>
+                    </a:p>
+                  </a:txBody>
+                  <a:tcPr marL="68580" marR="68580" marT="0" marB="0"/>
+                </a:tc>
+                <a:extLst>
+                  <a:ext uri="{0D108BD9-81ED-4DB2-BD59-A6C34878D82A}">
+                    <a16:rowId xmlns:a16="http://schemas.microsoft.com/office/drawing/2014/main" val="1765850470"/>
+                  </a:ext>
+                </a:extLst>
+              </a:tr>
+              <a:tr h="496218">
+                <a:tc>
+                  <a:txBody>
+                    <a:bodyPr/>
+                    <a:lstStyle/>
+                    <a:p>
+                      <a:pPr algn="l">
+                        <a:spcAft>
+                          <a:spcPts val="0"/>
+                        </a:spcAft>
+                      </a:pPr>
+                      <a:r>
+                        <a:rPr lang="zh-CN" sz="1200" kern="100" dirty="0">
+                          <a:effectLst/>
+                        </a:rPr>
+                        <a:t>汤志东</a:t>
+                      </a:r>
+                      <a:endParaRPr lang="zh-CN" sz="1200" kern="100" dirty="0">
+                        <a:effectLst/>
+                        <a:latin typeface="Calibri" panose="020F0502020204030204" pitchFamily="34" charset="0"/>
+                        <a:ea typeface="宋体" panose="02010600030101010101" pitchFamily="2" charset="-122"/>
+                        <a:cs typeface="Times New Roman" panose="02020603050405020304" pitchFamily="18" charset="0"/>
+                      </a:endParaRPr>
+                    </a:p>
+                  </a:txBody>
+                  <a:tcPr marL="68580" marR="68580" marT="0" marB="0">
+                    <a:solidFill>
+                      <a:schemeClr val="bg1">
+                        <a:lumMod val="65000"/>
+                        <a:lumOff val="35000"/>
+                      </a:schemeClr>
+                    </a:solidFill>
+                  </a:tcPr>
+                </a:tc>
+                <a:tc>
+                  <a:txBody>
+                    <a:bodyPr/>
+                    <a:lstStyle/>
+                    <a:p>
+                      <a:pPr algn="l">
+                        <a:spcAft>
+                          <a:spcPts val="0"/>
+                        </a:spcAft>
+                      </a:pPr>
+                      <a:r>
+                        <a:rPr lang="en-US" sz="1200" kern="100">
+                          <a:effectLst/>
+                        </a:rPr>
+                        <a:t>35.68</a:t>
+                      </a:r>
+                      <a:r>
+                        <a:rPr lang="zh-CN" sz="1200" kern="100">
+                          <a:effectLst/>
+                        </a:rPr>
+                        <a:t>小时</a:t>
+                      </a:r>
+                      <a:r>
+                        <a:rPr lang="en-US" sz="1200" kern="100">
+                          <a:effectLst/>
+                        </a:rPr>
+                        <a:t>*30</a:t>
+                      </a:r>
+                      <a:r>
+                        <a:rPr lang="zh-CN" sz="1200" kern="100">
+                          <a:effectLst/>
+                        </a:rPr>
+                        <a:t>元</a:t>
+                      </a:r>
+                      <a:r>
+                        <a:rPr lang="en-US" sz="1200" kern="100">
+                          <a:effectLst/>
+                        </a:rPr>
+                        <a:t>=1070.4</a:t>
+                      </a:r>
+                      <a:endParaRPr lang="zh-CN" sz="1200" kern="100">
+                        <a:effectLst/>
+                        <a:latin typeface="Calibri" panose="020F0502020204030204" pitchFamily="34" charset="0"/>
+                        <a:ea typeface="宋体" panose="02010600030101010101" pitchFamily="2" charset="-122"/>
+                        <a:cs typeface="Times New Roman" panose="02020603050405020304" pitchFamily="18" charset="0"/>
+                      </a:endParaRPr>
+                    </a:p>
+                  </a:txBody>
+                  <a:tcPr marL="68580" marR="68580" marT="0" marB="0"/>
+                </a:tc>
+                <a:extLst>
+                  <a:ext uri="{0D108BD9-81ED-4DB2-BD59-A6C34878D82A}">
+                    <a16:rowId xmlns:a16="http://schemas.microsoft.com/office/drawing/2014/main" val="1127797459"/>
+                  </a:ext>
+                </a:extLst>
+              </a:tr>
+              <a:tr h="496218">
+                <a:tc>
+                  <a:txBody>
+                    <a:bodyPr/>
+                    <a:lstStyle/>
+                    <a:p>
+                      <a:pPr algn="l">
+                        <a:spcAft>
+                          <a:spcPts val="0"/>
+                        </a:spcAft>
+                      </a:pPr>
+                      <a:r>
+                        <a:rPr lang="zh-CN" sz="1200" kern="100">
+                          <a:effectLst/>
+                        </a:rPr>
+                        <a:t>姚天恒</a:t>
+                      </a:r>
+                      <a:endParaRPr lang="zh-CN" sz="1200" kern="100">
+                        <a:effectLst/>
+                        <a:latin typeface="Calibri" panose="020F0502020204030204" pitchFamily="34" charset="0"/>
+                        <a:ea typeface="宋体" panose="02010600030101010101" pitchFamily="2" charset="-122"/>
+                        <a:cs typeface="Times New Roman" panose="02020603050405020304" pitchFamily="18" charset="0"/>
+                      </a:endParaRPr>
+                    </a:p>
+                  </a:txBody>
+                  <a:tcPr marL="68580" marR="68580" marT="0" marB="0">
+                    <a:solidFill>
+                      <a:schemeClr val="bg1">
+                        <a:lumMod val="65000"/>
+                        <a:lumOff val="35000"/>
+                      </a:schemeClr>
+                    </a:solidFill>
+                  </a:tcPr>
+                </a:tc>
+                <a:tc>
+                  <a:txBody>
+                    <a:bodyPr/>
+                    <a:lstStyle/>
+                    <a:p>
+                      <a:pPr algn="l">
+                        <a:spcAft>
+                          <a:spcPts val="0"/>
+                        </a:spcAft>
+                      </a:pPr>
+                      <a:r>
+                        <a:rPr lang="en-US" sz="1200" kern="100">
+                          <a:effectLst/>
+                        </a:rPr>
+                        <a:t>42.97</a:t>
+                      </a:r>
+                      <a:r>
+                        <a:rPr lang="zh-CN" sz="1200" kern="100">
+                          <a:effectLst/>
+                        </a:rPr>
+                        <a:t>小时</a:t>
+                      </a:r>
+                      <a:r>
+                        <a:rPr lang="en-US" sz="1200" kern="100">
+                          <a:effectLst/>
+                        </a:rPr>
+                        <a:t>*30</a:t>
+                      </a:r>
+                      <a:r>
+                        <a:rPr lang="zh-CN" sz="1200" kern="100">
+                          <a:effectLst/>
+                        </a:rPr>
+                        <a:t>元</a:t>
+                      </a:r>
+                      <a:r>
+                        <a:rPr lang="en-US" sz="1200" kern="100">
+                          <a:effectLst/>
+                        </a:rPr>
+                        <a:t>=1289.1</a:t>
+                      </a:r>
+                      <a:endParaRPr lang="zh-CN" sz="1200" kern="100">
+                        <a:effectLst/>
+                        <a:latin typeface="Calibri" panose="020F0502020204030204" pitchFamily="34" charset="0"/>
+                        <a:ea typeface="宋体" panose="02010600030101010101" pitchFamily="2" charset="-122"/>
+                        <a:cs typeface="Times New Roman" panose="02020603050405020304" pitchFamily="18" charset="0"/>
+                      </a:endParaRPr>
+                    </a:p>
+                  </a:txBody>
+                  <a:tcPr marL="68580" marR="68580" marT="0" marB="0"/>
+                </a:tc>
+                <a:extLst>
+                  <a:ext uri="{0D108BD9-81ED-4DB2-BD59-A6C34878D82A}">
+                    <a16:rowId xmlns:a16="http://schemas.microsoft.com/office/drawing/2014/main" val="1479485370"/>
+                  </a:ext>
+                </a:extLst>
+              </a:tr>
+              <a:tr h="496218">
+                <a:tc>
+                  <a:txBody>
+                    <a:bodyPr/>
+                    <a:lstStyle/>
+                    <a:p>
+                      <a:pPr algn="l">
+                        <a:spcAft>
+                          <a:spcPts val="0"/>
+                        </a:spcAft>
+                      </a:pPr>
+                      <a:r>
+                        <a:rPr lang="zh-CN" sz="1200" kern="100" dirty="0">
+                          <a:effectLst/>
+                        </a:rPr>
+                        <a:t>叶家威</a:t>
+                      </a:r>
+                      <a:endParaRPr lang="zh-CN" sz="1200" kern="100" dirty="0">
+                        <a:effectLst/>
+                        <a:latin typeface="Calibri" panose="020F0502020204030204" pitchFamily="34" charset="0"/>
+                        <a:ea typeface="宋体" panose="02010600030101010101" pitchFamily="2" charset="-122"/>
+                        <a:cs typeface="Times New Roman" panose="02020603050405020304" pitchFamily="18" charset="0"/>
+                      </a:endParaRPr>
+                    </a:p>
+                  </a:txBody>
+                  <a:tcPr marL="68580" marR="68580" marT="0" marB="0">
+                    <a:solidFill>
+                      <a:schemeClr val="bg1">
+                        <a:lumMod val="65000"/>
+                        <a:lumOff val="35000"/>
+                      </a:schemeClr>
+                    </a:solidFill>
+                  </a:tcPr>
+                </a:tc>
+                <a:tc>
+                  <a:txBody>
+                    <a:bodyPr/>
+                    <a:lstStyle/>
+                    <a:p>
+                      <a:pPr algn="l">
+                        <a:spcAft>
+                          <a:spcPts val="0"/>
+                        </a:spcAft>
+                      </a:pPr>
+                      <a:r>
+                        <a:rPr lang="en-US" sz="1200" kern="100" dirty="0">
+                          <a:effectLst/>
+                        </a:rPr>
+                        <a:t>43.92</a:t>
+                      </a:r>
+                      <a:r>
+                        <a:rPr lang="zh-CN" sz="1200" kern="100" dirty="0">
+                          <a:effectLst/>
+                        </a:rPr>
+                        <a:t>小时</a:t>
+                      </a:r>
+                      <a:r>
+                        <a:rPr lang="en-US" sz="1200" kern="100" dirty="0">
+                          <a:effectLst/>
+                        </a:rPr>
+                        <a:t>*30</a:t>
+                      </a:r>
+                      <a:r>
+                        <a:rPr lang="zh-CN" sz="1200" kern="100" dirty="0">
+                          <a:effectLst/>
+                        </a:rPr>
+                        <a:t>元</a:t>
+                      </a:r>
+                      <a:r>
+                        <a:rPr lang="en-US" sz="1200" kern="100" dirty="0">
+                          <a:effectLst/>
+                        </a:rPr>
+                        <a:t>=1317.6</a:t>
+                      </a:r>
+                      <a:endParaRPr lang="zh-CN" sz="1200" kern="100" dirty="0">
+                        <a:effectLst/>
+                        <a:latin typeface="Calibri" panose="020F0502020204030204" pitchFamily="34" charset="0"/>
+                        <a:ea typeface="宋体" panose="02010600030101010101" pitchFamily="2" charset="-122"/>
+                        <a:cs typeface="Times New Roman" panose="02020603050405020304" pitchFamily="18" charset="0"/>
+                      </a:endParaRPr>
+                    </a:p>
+                  </a:txBody>
+                  <a:tcPr marL="68580" marR="68580" marT="0" marB="0"/>
+                </a:tc>
+                <a:extLst>
+                  <a:ext uri="{0D108BD9-81ED-4DB2-BD59-A6C34878D82A}">
+                    <a16:rowId xmlns:a16="http://schemas.microsoft.com/office/drawing/2014/main" val="1263959187"/>
+                  </a:ext>
+                </a:extLst>
+              </a:tr>
+              <a:tr h="496218">
+                <a:tc>
+                  <a:txBody>
+                    <a:bodyPr/>
+                    <a:lstStyle/>
+                    <a:p>
+                      <a:pPr algn="l">
+                        <a:spcAft>
+                          <a:spcPts val="0"/>
+                        </a:spcAft>
+                      </a:pPr>
+                      <a:r>
+                        <a:rPr lang="zh-CN" altLang="en-US" sz="1200" kern="100" dirty="0">
+                          <a:effectLst/>
+                          <a:latin typeface="Calibri" panose="020F0502020204030204" pitchFamily="34" charset="0"/>
+                          <a:ea typeface="宋体" panose="02010600030101010101" pitchFamily="2" charset="-122"/>
+                          <a:cs typeface="Times New Roman" panose="02020603050405020304" pitchFamily="18" charset="0"/>
+                        </a:rPr>
+                        <a:t>其他成本</a:t>
+                      </a:r>
+                      <a:endParaRPr lang="zh-CN" sz="1200" kern="100" dirty="0">
+                        <a:effectLst/>
+                        <a:latin typeface="Calibri" panose="020F0502020204030204" pitchFamily="34" charset="0"/>
+                        <a:ea typeface="宋体" panose="02010600030101010101" pitchFamily="2" charset="-122"/>
+                        <a:cs typeface="Times New Roman" panose="02020603050405020304" pitchFamily="18" charset="0"/>
+                      </a:endParaRPr>
+                    </a:p>
+                  </a:txBody>
+                  <a:tcPr marL="68580" marR="68580" marT="0" marB="0">
+                    <a:solidFill>
+                      <a:schemeClr val="bg1">
+                        <a:lumMod val="65000"/>
+                        <a:lumOff val="35000"/>
+                      </a:schemeClr>
+                    </a:solidFill>
+                  </a:tcPr>
+                </a:tc>
+                <a:tc>
+                  <a:txBody>
+                    <a:bodyPr/>
+                    <a:lstStyle/>
+                    <a:p>
+                      <a:pPr algn="l">
+                        <a:spcAft>
+                          <a:spcPts val="0"/>
+                        </a:spcAft>
+                      </a:pPr>
+                      <a:endParaRPr lang="zh-CN" sz="1200" kern="100" dirty="0">
+                        <a:effectLst/>
+                        <a:latin typeface="Calibri" panose="020F0502020204030204" pitchFamily="34" charset="0"/>
+                        <a:ea typeface="宋体" panose="02010600030101010101" pitchFamily="2" charset="-122"/>
+                        <a:cs typeface="Times New Roman" panose="02020603050405020304" pitchFamily="18" charset="0"/>
+                      </a:endParaRPr>
+                    </a:p>
+                  </a:txBody>
+                  <a:tcPr marL="68580" marR="68580" marT="0" marB="0"/>
+                </a:tc>
+                <a:extLst>
+                  <a:ext uri="{0D108BD9-81ED-4DB2-BD59-A6C34878D82A}">
+                    <a16:rowId xmlns:a16="http://schemas.microsoft.com/office/drawing/2014/main" val="1323258252"/>
+                  </a:ext>
+                </a:extLst>
+              </a:tr>
+              <a:tr h="496218">
+                <a:tc>
+                  <a:txBody>
+                    <a:bodyPr/>
+                    <a:lstStyle/>
+                    <a:p>
+                      <a:pPr algn="l">
+                        <a:spcAft>
+                          <a:spcPts val="0"/>
+                        </a:spcAft>
+                      </a:pPr>
+                      <a:r>
+                        <a:rPr lang="zh-CN" altLang="en-US" sz="1200" kern="100" dirty="0">
+                          <a:effectLst/>
+                          <a:latin typeface="Calibri" panose="020F0502020204030204" pitchFamily="34" charset="0"/>
+                          <a:ea typeface="宋体" panose="02010600030101010101" pitchFamily="2" charset="-122"/>
+                          <a:cs typeface="Times New Roman" panose="02020603050405020304" pitchFamily="18" charset="0"/>
+                        </a:rPr>
+                        <a:t>服务器租赁</a:t>
+                      </a:r>
+                      <a:endParaRPr lang="zh-CN" sz="1200" kern="100" dirty="0">
+                        <a:effectLst/>
+                        <a:latin typeface="Calibri" panose="020F0502020204030204" pitchFamily="34" charset="0"/>
+                        <a:ea typeface="宋体" panose="02010600030101010101" pitchFamily="2" charset="-122"/>
+                        <a:cs typeface="Times New Roman" panose="02020603050405020304" pitchFamily="18" charset="0"/>
+                      </a:endParaRPr>
+                    </a:p>
+                  </a:txBody>
+                  <a:tcPr marL="68580" marR="68580" marT="0" marB="0">
+                    <a:solidFill>
+                      <a:schemeClr val="bg1">
+                        <a:lumMod val="65000"/>
+                        <a:lumOff val="35000"/>
+                      </a:schemeClr>
+                    </a:solidFill>
+                  </a:tcPr>
+                </a:tc>
+                <a:tc>
+                  <a:txBody>
+                    <a:bodyPr/>
+                    <a:lstStyle/>
+                    <a:p>
+                      <a:pPr algn="l">
+                        <a:spcAft>
+                          <a:spcPts val="0"/>
+                        </a:spcAft>
+                      </a:pPr>
+                      <a:r>
+                        <a:rPr lang="en-US" altLang="zh-CN" sz="1200" kern="100" dirty="0">
+                          <a:effectLst/>
+                          <a:latin typeface="Calibri" panose="020F0502020204030204" pitchFamily="34" charset="0"/>
+                          <a:ea typeface="宋体" panose="02010600030101010101" pitchFamily="2" charset="-122"/>
+                          <a:cs typeface="Times New Roman" panose="02020603050405020304" pitchFamily="18" charset="0"/>
+                        </a:rPr>
+                        <a:t>1000</a:t>
+                      </a:r>
+                      <a:endParaRPr lang="zh-CN" sz="1200" kern="100" dirty="0">
+                        <a:effectLst/>
+                        <a:latin typeface="Calibri" panose="020F0502020204030204" pitchFamily="34" charset="0"/>
+                        <a:ea typeface="宋体" panose="02010600030101010101" pitchFamily="2" charset="-122"/>
+                        <a:cs typeface="Times New Roman" panose="02020603050405020304" pitchFamily="18" charset="0"/>
+                      </a:endParaRPr>
+                    </a:p>
+                  </a:txBody>
+                  <a:tcPr marL="68580" marR="68580" marT="0" marB="0"/>
+                </a:tc>
+                <a:extLst>
+                  <a:ext uri="{0D108BD9-81ED-4DB2-BD59-A6C34878D82A}">
+                    <a16:rowId xmlns:a16="http://schemas.microsoft.com/office/drawing/2014/main" val="3084995470"/>
+                  </a:ext>
+                </a:extLst>
+              </a:tr>
+              <a:tr h="496218">
+                <a:tc>
+                  <a:txBody>
+                    <a:bodyPr/>
+                    <a:lstStyle/>
+                    <a:p>
+                      <a:pPr algn="l">
+                        <a:spcAft>
+                          <a:spcPts val="0"/>
+                        </a:spcAft>
+                      </a:pPr>
+                      <a:r>
+                        <a:rPr lang="zh-CN" altLang="en-US" sz="1200" kern="100" dirty="0">
+                          <a:effectLst/>
+                          <a:latin typeface="Calibri" panose="020F0502020204030204" pitchFamily="34" charset="0"/>
+                          <a:ea typeface="宋体" panose="02010600030101010101" pitchFamily="2" charset="-122"/>
+                          <a:cs typeface="Times New Roman" panose="02020603050405020304" pitchFamily="18" charset="0"/>
+                        </a:rPr>
+                        <a:t>数据维护</a:t>
+                      </a:r>
+                      <a:endParaRPr lang="zh-CN" sz="1200" kern="100" dirty="0">
+                        <a:effectLst/>
+                        <a:latin typeface="Calibri" panose="020F0502020204030204" pitchFamily="34" charset="0"/>
+                        <a:ea typeface="宋体" panose="02010600030101010101" pitchFamily="2" charset="-122"/>
+                        <a:cs typeface="Times New Roman" panose="02020603050405020304" pitchFamily="18" charset="0"/>
+                      </a:endParaRPr>
+                    </a:p>
+                  </a:txBody>
+                  <a:tcPr marL="68580" marR="68580" marT="0" marB="0">
+                    <a:solidFill>
+                      <a:schemeClr val="bg1">
+                        <a:lumMod val="65000"/>
+                        <a:lumOff val="35000"/>
+                      </a:schemeClr>
+                    </a:solidFill>
+                  </a:tcPr>
+                </a:tc>
+                <a:tc>
+                  <a:txBody>
+                    <a:bodyPr/>
+                    <a:lstStyle/>
+                    <a:p>
+                      <a:pPr algn="l">
+                        <a:spcAft>
+                          <a:spcPts val="0"/>
+                        </a:spcAft>
+                      </a:pPr>
+                      <a:r>
+                        <a:rPr lang="en-US" altLang="zh-CN" sz="1200" kern="100" dirty="0">
+                          <a:effectLst/>
+                          <a:latin typeface="Calibri" panose="020F0502020204030204" pitchFamily="34" charset="0"/>
+                          <a:ea typeface="宋体" panose="02010600030101010101" pitchFamily="2" charset="-122"/>
+                          <a:cs typeface="Times New Roman" panose="02020603050405020304" pitchFamily="18" charset="0"/>
+                        </a:rPr>
+                        <a:t>500</a:t>
+                      </a:r>
+                      <a:endParaRPr lang="zh-CN" sz="1200" kern="100" dirty="0">
+                        <a:effectLst/>
+                        <a:latin typeface="Calibri" panose="020F0502020204030204" pitchFamily="34" charset="0"/>
+                        <a:ea typeface="宋体" panose="02010600030101010101" pitchFamily="2" charset="-122"/>
+                        <a:cs typeface="Times New Roman" panose="02020603050405020304" pitchFamily="18" charset="0"/>
+                      </a:endParaRPr>
+                    </a:p>
+                  </a:txBody>
+                  <a:tcPr marL="68580" marR="68580" marT="0" marB="0"/>
+                </a:tc>
+                <a:extLst>
+                  <a:ext uri="{0D108BD9-81ED-4DB2-BD59-A6C34878D82A}">
+                    <a16:rowId xmlns:a16="http://schemas.microsoft.com/office/drawing/2014/main" val="2646513067"/>
+                  </a:ext>
+                </a:extLst>
+              </a:tr>
+            </a:tbl>
+          </a:graphicData>
+        </a:graphic>
+      </p:graphicFrame>
+    </p:spTree>
+    <p:extLst>
+      <p:ext uri="{BB962C8B-B14F-4D97-AF65-F5344CB8AC3E}">
+        <p14:creationId xmlns:p14="http://schemas.microsoft.com/office/powerpoint/2010/main" val="703654866"/>
+      </p:ext>
+    </p:extLst>
+  </p:cSld>
+  <p:clrMapOvr>
+    <a:masterClrMapping/>
+  </p:clrMapOvr>
+</p:sld>
+</file>
+
+<file path=ppt/slides/slide61.xml><?xml version="1.0" encoding="utf-8"?>
+<p:sld xmlns:a="http://schemas.openxmlformats.org/drawingml/2006/main" xmlns:r="http://schemas.openxmlformats.org/officeDocument/2006/relationships" xmlns:p="http://schemas.openxmlformats.org/presentationml/2006/main">
+  <p:cSld>
+    <p:spTree>
+      <p:nvGrpSpPr>
+        <p:cNvPr id="1" name=""/>
+        <p:cNvGrpSpPr/>
+        <p:nvPr/>
+      </p:nvGrpSpPr>
+      <p:grpSpPr>
+        <a:xfrm>
+          <a:off x="0" y="0"/>
+          <a:ext cx="0" cy="0"/>
+          <a:chOff x="0" y="0"/>
+          <a:chExt cx="0" cy="0"/>
+        </a:xfrm>
+      </p:grpSpPr>
+      <p:sp>
+        <p:nvSpPr>
+          <p:cNvPr id="2" name="标题 1"/>
+          <p:cNvSpPr>
+            <a:spLocks noGrp="1"/>
+          </p:cNvSpPr>
+          <p:nvPr>
+            <p:ph type="title"/>
+          </p:nvPr>
+        </p:nvSpPr>
+        <p:spPr>
+          <a:xfrm>
+            <a:off x="646111" y="452718"/>
+            <a:ext cx="9404723" cy="1400530"/>
+          </a:xfrm>
+        </p:spPr>
+        <p:txBody>
+          <a:bodyPr/>
+          <a:lstStyle/>
+          <a:p>
+            <a:r>
+              <a:rPr lang="zh-CN" altLang="en-US" dirty="0"/>
               <a:t>小组分工</a:t>
             </a:r>
           </a:p>
@@ -33345,7 +34368,7 @@
 </p:sld>
 </file>
 
-<file path=ppt/slides/slide61.xml><?xml version="1.0" encoding="utf-8"?>
+<file path=ppt/slides/slide62.xml><?xml version="1.0" encoding="utf-8"?>
 <p:sld xmlns:a="http://schemas.openxmlformats.org/drawingml/2006/main" xmlns:r="http://schemas.openxmlformats.org/officeDocument/2006/relationships" xmlns:p="http://schemas.openxmlformats.org/presentationml/2006/main">
   <p:cSld>
     <p:spTree>

--- a/PRD-2017-G25-需求工程计划PPTV0.2.pptx
+++ b/PRD-2017-G25-需求工程计划PPTV0.2.pptx
@@ -5,10 +5,10 @@
     <p:sldMasterId id="2147483648" r:id="rId2"/>
   </p:sldMasterIdLst>
   <p:notesMasterIdLst>
-    <p:notesMasterId r:id="rId65"/>
+    <p:notesMasterId r:id="rId66"/>
   </p:notesMasterIdLst>
   <p:handoutMasterIdLst>
-    <p:handoutMasterId r:id="rId66"/>
+    <p:handoutMasterId r:id="rId67"/>
   </p:handoutMasterIdLst>
   <p:sldIdLst>
     <p:sldId id="257" r:id="rId3"/>
@@ -47,32 +47,33 @@
     <p:sldId id="287" r:id="rId36"/>
     <p:sldId id="288" r:id="rId37"/>
     <p:sldId id="289" r:id="rId38"/>
-    <p:sldId id="290" r:id="rId39"/>
-    <p:sldId id="291" r:id="rId40"/>
-    <p:sldId id="292" r:id="rId41"/>
-    <p:sldId id="293" r:id="rId42"/>
-    <p:sldId id="305" r:id="rId43"/>
-    <p:sldId id="306" r:id="rId44"/>
-    <p:sldId id="307" r:id="rId45"/>
-    <p:sldId id="294" r:id="rId46"/>
-    <p:sldId id="295" r:id="rId47"/>
-    <p:sldId id="301" r:id="rId48"/>
-    <p:sldId id="321" r:id="rId49"/>
-    <p:sldId id="322" r:id="rId50"/>
-    <p:sldId id="323" r:id="rId51"/>
-    <p:sldId id="324" r:id="rId52"/>
-    <p:sldId id="327" r:id="rId53"/>
-    <p:sldId id="325" r:id="rId54"/>
-    <p:sldId id="308" r:id="rId55"/>
-    <p:sldId id="309" r:id="rId56"/>
-    <p:sldId id="310" r:id="rId57"/>
-    <p:sldId id="314" r:id="rId58"/>
-    <p:sldId id="315" r:id="rId59"/>
-    <p:sldId id="316" r:id="rId60"/>
-    <p:sldId id="331" r:id="rId61"/>
-    <p:sldId id="317" r:id="rId62"/>
-    <p:sldId id="328" r:id="rId63"/>
-    <p:sldId id="318" r:id="rId64"/>
+    <p:sldId id="334" r:id="rId39"/>
+    <p:sldId id="290" r:id="rId40"/>
+    <p:sldId id="291" r:id="rId41"/>
+    <p:sldId id="292" r:id="rId42"/>
+    <p:sldId id="293" r:id="rId43"/>
+    <p:sldId id="305" r:id="rId44"/>
+    <p:sldId id="306" r:id="rId45"/>
+    <p:sldId id="307" r:id="rId46"/>
+    <p:sldId id="294" r:id="rId47"/>
+    <p:sldId id="295" r:id="rId48"/>
+    <p:sldId id="301" r:id="rId49"/>
+    <p:sldId id="321" r:id="rId50"/>
+    <p:sldId id="322" r:id="rId51"/>
+    <p:sldId id="323" r:id="rId52"/>
+    <p:sldId id="324" r:id="rId53"/>
+    <p:sldId id="327" r:id="rId54"/>
+    <p:sldId id="325" r:id="rId55"/>
+    <p:sldId id="308" r:id="rId56"/>
+    <p:sldId id="309" r:id="rId57"/>
+    <p:sldId id="310" r:id="rId58"/>
+    <p:sldId id="314" r:id="rId59"/>
+    <p:sldId id="315" r:id="rId60"/>
+    <p:sldId id="316" r:id="rId61"/>
+    <p:sldId id="331" r:id="rId62"/>
+    <p:sldId id="317" r:id="rId63"/>
+    <p:sldId id="328" r:id="rId64"/>
+    <p:sldId id="318" r:id="rId65"/>
   </p:sldIdLst>
   <p:sldSz cx="12192000" cy="6858000"/>
   <p:notesSz cx="7023100" cy="9309100"/>
@@ -9015,11 +9016,21 @@
           <a:lstStyle/>
           <a:p>
             <a:r>
+              <a:rPr lang="zh-CN" altLang="en-US" dirty="0"/>
+              <a:t>组长：吴思楠 </a:t>
+            </a:r>
+            <a:endParaRPr lang="en-US" altLang="zh-CN" dirty="0">
+              <a:latin typeface="Microsoft YaHei UI" panose="020B0503020204020204" pitchFamily="34" charset="-122"/>
+              <a:ea typeface="Microsoft YaHei UI" panose="020B0503020204020204" pitchFamily="34" charset="-122"/>
+            </a:endParaRPr>
+          </a:p>
+          <a:p>
+            <a:r>
               <a:rPr lang="zh-CN" altLang="en-US" dirty="0">
                 <a:latin typeface="Microsoft YaHei UI" panose="020B0503020204020204" pitchFamily="34" charset="-122"/>
                 <a:ea typeface="Microsoft YaHei UI" panose="020B0503020204020204" pitchFamily="34" charset="-122"/>
               </a:rPr>
-              <a:t>沈舸帆 沈家豪 汤志东 吴思楠 姚天恒 叶家威</a:t>
+              <a:t>组员：沈舸帆 沈家豪 汤志东 姚天恒 叶家威</a:t>
             </a:r>
             <a:endParaRPr lang="zh-CN" dirty="0">
               <a:latin typeface="Microsoft YaHei UI" panose="020B0503020204020204" pitchFamily="34" charset="-122"/>
@@ -13852,7 +13863,7 @@
           <a:graphicData uri="http://schemas.openxmlformats.org/presentationml/2006/ole">
             <mc:AlternateContent xmlns:mc="http://schemas.openxmlformats.org/markup-compatibility/2006">
               <mc:Choice xmlns:v="urn:schemas-microsoft-com:vml" Requires="v">
-                <p:oleObj spid="_x0000_s2060" name="Visio" r:id="rId3" imgW="30136973" imgH="17059275" progId="Visio.Drawing.15">
+                <p:oleObj spid="_x0000_s2065" name="Visio" r:id="rId3" imgW="30136973" imgH="17059275" progId="Visio.Drawing.15">
                   <p:embed/>
                 </p:oleObj>
               </mc:Choice>
@@ -16828,7 +16839,7 @@
           <p:nvPr>
             <p:extLst>
               <p:ext uri="{D42A27DB-BD31-4B8C-83A1-F6EECF244321}">
-                <p14:modId xmlns:p14="http://schemas.microsoft.com/office/powerpoint/2010/main" val="1172926603"/>
+                <p14:modId xmlns:p14="http://schemas.microsoft.com/office/powerpoint/2010/main" val="747240910"/>
               </p:ext>
             </p:extLst>
           </p:nvPr>
@@ -19687,10 +19698,14 @@
                         <a:sysClr val="window" lastClr="FFFFFF"/>
                       </a:solidFill>
                     </a:lnT>
-                    <a:lnB w="12700" cmpd="sng">
+                    <a:lnB w="12700" cap="flat" cmpd="sng" algn="ctr">
                       <a:solidFill>
                         <a:sysClr val="window" lastClr="FFFFFF"/>
                       </a:solidFill>
+                      <a:prstDash val="solid"/>
+                      <a:round/>
+                      <a:headEnd type="none" w="med" len="med"/>
+                      <a:tailEnd type="none" w="med" len="med"/>
                     </a:lnB>
                     <a:lnTlToBr w="12700" cmpd="sng">
                       <a:noFill/>
@@ -19762,10 +19777,14 @@
                         <a:sysClr val="window" lastClr="FFFFFF"/>
                       </a:solidFill>
                     </a:lnT>
-                    <a:lnB w="12700" cmpd="sng">
+                    <a:lnB w="12700" cap="flat" cmpd="sng" algn="ctr">
                       <a:solidFill>
                         <a:sysClr val="window" lastClr="FFFFFF"/>
                       </a:solidFill>
+                      <a:prstDash val="solid"/>
+                      <a:round/>
+                      <a:headEnd type="none" w="med" len="med"/>
+                      <a:tailEnd type="none" w="med" len="med"/>
                     </a:lnB>
                     <a:lnTlToBr w="12700" cmpd="sng">
                       <a:noFill/>
@@ -19843,10 +19862,14 @@
                       <a:headEnd type="none" w="med" len="med"/>
                       <a:tailEnd type="none" w="med" len="med"/>
                     </a:lnT>
-                    <a:lnB w="12700" cmpd="sng">
+                    <a:lnB w="12700" cap="flat" cmpd="sng" algn="ctr">
                       <a:solidFill>
                         <a:sysClr val="window" lastClr="FFFFFF"/>
                       </a:solidFill>
+                      <a:prstDash val="solid"/>
+                      <a:round/>
+                      <a:headEnd type="none" w="med" len="med"/>
+                      <a:tailEnd type="none" w="med" len="med"/>
                     </a:lnB>
                     <a:lnTlToBr w="12700" cmpd="sng">
                       <a:noFill/>
@@ -19916,10 +19939,14 @@
                         <a:sysClr val="window" lastClr="FFFFFF"/>
                       </a:solidFill>
                     </a:lnT>
-                    <a:lnB w="12700" cmpd="sng">
+                    <a:lnB w="12700" cap="flat" cmpd="sng" algn="ctr">
                       <a:solidFill>
                         <a:sysClr val="window" lastClr="FFFFFF"/>
                       </a:solidFill>
+                      <a:prstDash val="solid"/>
+                      <a:round/>
+                      <a:headEnd type="none" w="med" len="med"/>
+                      <a:tailEnd type="none" w="med" len="med"/>
                     </a:lnB>
                     <a:lnTlToBr w="12700" cmpd="sng">
                       <a:noFill/>
@@ -19968,7 +19995,7 @@
           <a:p>
             <a:r>
               <a:rPr lang="zh-CN" altLang="en-US" dirty="0"/>
-              <a:t>成员联系方式</a:t>
+              <a:t>干系人联系</a:t>
             </a:r>
           </a:p>
         </p:txBody>
@@ -19987,6 +20014,814 @@
 </file>
 
 <file path=ppt/slides/slide37.xml><?xml version="1.0" encoding="utf-8"?>
+<p:sld xmlns:a="http://schemas.openxmlformats.org/drawingml/2006/main" xmlns:r="http://schemas.openxmlformats.org/officeDocument/2006/relationships" xmlns:p="http://schemas.openxmlformats.org/presentationml/2006/main">
+  <p:cSld>
+    <p:spTree>
+      <p:nvGrpSpPr>
+        <p:cNvPr id="1" name=""/>
+        <p:cNvGrpSpPr/>
+        <p:nvPr/>
+      </p:nvGrpSpPr>
+      <p:grpSpPr>
+        <a:xfrm>
+          <a:off x="0" y="0"/>
+          <a:ext cx="0" cy="0"/>
+          <a:chOff x="0" y="0"/>
+          <a:chExt cx="0" cy="0"/>
+        </a:xfrm>
+      </p:grpSpPr>
+      <p:sp>
+        <p:nvSpPr>
+          <p:cNvPr id="5" name="标题 1"/>
+          <p:cNvSpPr>
+            <a:spLocks noGrp="1"/>
+          </p:cNvSpPr>
+          <p:nvPr>
+            <p:ph type="title"/>
+          </p:nvPr>
+        </p:nvSpPr>
+        <p:spPr>
+          <a:xfrm>
+            <a:off x="646111" y="452718"/>
+            <a:ext cx="9404723" cy="1400530"/>
+          </a:xfrm>
+        </p:spPr>
+        <p:txBody>
+          <a:bodyPr/>
+          <a:lstStyle/>
+          <a:p>
+            <a:r>
+              <a:rPr lang="zh-CN" altLang="en-US" dirty="0"/>
+              <a:t>干系人联系</a:t>
+            </a:r>
+          </a:p>
+        </p:txBody>
+      </p:sp>
+      <p:graphicFrame>
+        <p:nvGraphicFramePr>
+          <p:cNvPr id="3" name="表格 2">
+            <a:extLst>
+              <a:ext uri="{FF2B5EF4-FFF2-40B4-BE49-F238E27FC236}">
+                <a16:creationId xmlns:a16="http://schemas.microsoft.com/office/drawing/2014/main" id="{ADF2E141-50B2-4D55-9E91-6002C9C5DD18}"/>
+              </a:ext>
+            </a:extLst>
+          </p:cNvPr>
+          <p:cNvGraphicFramePr>
+            <a:graphicFrameLocks noGrp="1"/>
+          </p:cNvGraphicFramePr>
+          <p:nvPr>
+            <p:extLst>
+              <p:ext uri="{D42A27DB-BD31-4B8C-83A1-F6EECF244321}">
+                <p14:modId xmlns:p14="http://schemas.microsoft.com/office/powerpoint/2010/main" val="227058487"/>
+              </p:ext>
+            </p:extLst>
+          </p:nvPr>
+        </p:nvGraphicFramePr>
+        <p:xfrm>
+          <a:off x="570611" y="2046194"/>
+          <a:ext cx="10536413" cy="1893130"/>
+        </p:xfrm>
+        <a:graphic>
+          <a:graphicData uri="http://schemas.openxmlformats.org/drawingml/2006/table">
+            <a:tbl>
+              <a:tblPr firstRow="1" firstCol="1" bandRow="1">
+                <a:tableStyleId>{00A15C55-8517-42AA-B614-E9B94910E393}</a:tableStyleId>
+              </a:tblPr>
+              <a:tblGrid>
+                <a:gridCol w="945515">
+                  <a:extLst>
+                    <a:ext uri="{9D8B030D-6E8A-4147-A177-3AD203B41FA5}">
+                      <a16:colId xmlns:a16="http://schemas.microsoft.com/office/drawing/2014/main" val="1637428417"/>
+                    </a:ext>
+                  </a:extLst>
+                </a:gridCol>
+                <a:gridCol w="1436959">
+                  <a:extLst>
+                    <a:ext uri="{9D8B030D-6E8A-4147-A177-3AD203B41FA5}">
+                      <a16:colId xmlns:a16="http://schemas.microsoft.com/office/drawing/2014/main" val="3254004349"/>
+                    </a:ext>
+                  </a:extLst>
+                </a:gridCol>
+                <a:gridCol w="1620553">
+                  <a:extLst>
+                    <a:ext uri="{9D8B030D-6E8A-4147-A177-3AD203B41FA5}">
+                      <a16:colId xmlns:a16="http://schemas.microsoft.com/office/drawing/2014/main" val="3483128932"/>
+                    </a:ext>
+                  </a:extLst>
+                </a:gridCol>
+                <a:gridCol w="1162874">
+                  <a:extLst>
+                    <a:ext uri="{9D8B030D-6E8A-4147-A177-3AD203B41FA5}">
+                      <a16:colId xmlns:a16="http://schemas.microsoft.com/office/drawing/2014/main" val="2597373270"/>
+                    </a:ext>
+                  </a:extLst>
+                </a:gridCol>
+                <a:gridCol w="1503188">
+                  <a:extLst>
+                    <a:ext uri="{9D8B030D-6E8A-4147-A177-3AD203B41FA5}">
+                      <a16:colId xmlns:a16="http://schemas.microsoft.com/office/drawing/2014/main" val="3886367726"/>
+                    </a:ext>
+                  </a:extLst>
+                </a:gridCol>
+                <a:gridCol w="2105637">
+                  <a:extLst>
+                    <a:ext uri="{9D8B030D-6E8A-4147-A177-3AD203B41FA5}">
+                      <a16:colId xmlns:a16="http://schemas.microsoft.com/office/drawing/2014/main" val="1427837327"/>
+                    </a:ext>
+                  </a:extLst>
+                </a:gridCol>
+                <a:gridCol w="1761687">
+                  <a:extLst>
+                    <a:ext uri="{9D8B030D-6E8A-4147-A177-3AD203B41FA5}">
+                      <a16:colId xmlns:a16="http://schemas.microsoft.com/office/drawing/2014/main" val="4182100121"/>
+                    </a:ext>
+                  </a:extLst>
+                </a:gridCol>
+              </a:tblGrid>
+              <a:tr h="654163">
+                <a:tc>
+                  <a:txBody>
+                    <a:bodyPr/>
+                    <a:lstStyle/>
+                    <a:p>
+                      <a:pPr indent="316230" algn="just">
+                        <a:lnSpc>
+                          <a:spcPct val="150000"/>
+                        </a:lnSpc>
+                        <a:spcAft>
+                          <a:spcPts val="0"/>
+                        </a:spcAft>
+                      </a:pPr>
+                      <a:r>
+                        <a:rPr lang="zh-CN" sz="1200">
+                          <a:effectLst/>
+                        </a:rPr>
+                        <a:t>责任人</a:t>
+                      </a:r>
+                      <a:endParaRPr lang="zh-CN" sz="1200">
+                        <a:effectLst/>
+                        <a:latin typeface="Calibri" panose="020F0502020204030204" pitchFamily="34" charset="0"/>
+                        <a:ea typeface="宋体" panose="02010600030101010101" pitchFamily="2" charset="-122"/>
+                        <a:cs typeface="Times New Roman" panose="02020603050405020304" pitchFamily="18" charset="0"/>
+                      </a:endParaRPr>
+                    </a:p>
+                  </a:txBody>
+                  <a:tcPr marL="68580" marR="68580" marT="0" marB="0"/>
+                </a:tc>
+                <a:tc>
+                  <a:txBody>
+                    <a:bodyPr/>
+                    <a:lstStyle/>
+                    <a:p>
+                      <a:pPr indent="316230" algn="just">
+                        <a:lnSpc>
+                          <a:spcPct val="150000"/>
+                        </a:lnSpc>
+                        <a:spcAft>
+                          <a:spcPts val="0"/>
+                        </a:spcAft>
+                      </a:pPr>
+                      <a:r>
+                        <a:rPr lang="zh-CN" sz="1200">
+                          <a:effectLst/>
+                        </a:rPr>
+                        <a:t>角色</a:t>
+                      </a:r>
+                      <a:endParaRPr lang="zh-CN" sz="1200">
+                        <a:effectLst/>
+                        <a:latin typeface="Calibri" panose="020F0502020204030204" pitchFamily="34" charset="0"/>
+                        <a:ea typeface="宋体" panose="02010600030101010101" pitchFamily="2" charset="-122"/>
+                        <a:cs typeface="Times New Roman" panose="02020603050405020304" pitchFamily="18" charset="0"/>
+                      </a:endParaRPr>
+                    </a:p>
+                  </a:txBody>
+                  <a:tcPr marL="68580" marR="68580" marT="0" marB="0"/>
+                </a:tc>
+                <a:tc>
+                  <a:txBody>
+                    <a:bodyPr/>
+                    <a:lstStyle/>
+                    <a:p>
+                      <a:pPr indent="304800" algn="just">
+                        <a:lnSpc>
+                          <a:spcPct val="150000"/>
+                        </a:lnSpc>
+                        <a:spcAft>
+                          <a:spcPts val="0"/>
+                        </a:spcAft>
+                      </a:pPr>
+                      <a:r>
+                        <a:rPr lang="zh-CN" sz="1200">
+                          <a:effectLst/>
+                        </a:rPr>
+                        <a:t>电话</a:t>
+                      </a:r>
+                      <a:endParaRPr lang="zh-CN" sz="1200">
+                        <a:effectLst/>
+                        <a:latin typeface="Calibri" panose="020F0502020204030204" pitchFamily="34" charset="0"/>
+                        <a:ea typeface="宋体" panose="02010600030101010101" pitchFamily="2" charset="-122"/>
+                        <a:cs typeface="Times New Roman" panose="02020603050405020304" pitchFamily="18" charset="0"/>
+                      </a:endParaRPr>
+                    </a:p>
+                  </a:txBody>
+                  <a:tcPr marL="68580" marR="68580" marT="0" marB="0"/>
+                </a:tc>
+                <a:tc>
+                  <a:txBody>
+                    <a:bodyPr/>
+                    <a:lstStyle/>
+                    <a:p>
+                      <a:pPr indent="304800" algn="just">
+                        <a:lnSpc>
+                          <a:spcPct val="150000"/>
+                        </a:lnSpc>
+                        <a:spcAft>
+                          <a:spcPts val="0"/>
+                        </a:spcAft>
+                      </a:pPr>
+                      <a:r>
+                        <a:rPr lang="en-US" sz="1200">
+                          <a:effectLst/>
+                        </a:rPr>
+                        <a:t>QQ</a:t>
+                      </a:r>
+                      <a:endParaRPr lang="zh-CN" sz="1200">
+                        <a:effectLst/>
+                        <a:latin typeface="Calibri" panose="020F0502020204030204" pitchFamily="34" charset="0"/>
+                        <a:ea typeface="宋体" panose="02010600030101010101" pitchFamily="2" charset="-122"/>
+                        <a:cs typeface="Times New Roman" panose="02020603050405020304" pitchFamily="18" charset="0"/>
+                      </a:endParaRPr>
+                    </a:p>
+                  </a:txBody>
+                  <a:tcPr marL="68580" marR="68580" marT="0" marB="0"/>
+                </a:tc>
+                <a:tc>
+                  <a:txBody>
+                    <a:bodyPr/>
+                    <a:lstStyle/>
+                    <a:p>
+                      <a:pPr indent="304800" algn="just">
+                        <a:lnSpc>
+                          <a:spcPct val="150000"/>
+                        </a:lnSpc>
+                        <a:spcAft>
+                          <a:spcPts val="0"/>
+                        </a:spcAft>
+                      </a:pPr>
+                      <a:r>
+                        <a:rPr lang="zh-CN" sz="1200">
+                          <a:effectLst/>
+                        </a:rPr>
+                        <a:t>微信</a:t>
+                      </a:r>
+                      <a:endParaRPr lang="zh-CN" sz="1200">
+                        <a:effectLst/>
+                        <a:latin typeface="Calibri" panose="020F0502020204030204" pitchFamily="34" charset="0"/>
+                        <a:ea typeface="宋体" panose="02010600030101010101" pitchFamily="2" charset="-122"/>
+                        <a:cs typeface="Times New Roman" panose="02020603050405020304" pitchFamily="18" charset="0"/>
+                      </a:endParaRPr>
+                    </a:p>
+                  </a:txBody>
+                  <a:tcPr marL="68580" marR="68580" marT="0" marB="0"/>
+                </a:tc>
+                <a:tc>
+                  <a:txBody>
+                    <a:bodyPr/>
+                    <a:lstStyle/>
+                    <a:p>
+                      <a:pPr indent="304800" algn="just">
+                        <a:lnSpc>
+                          <a:spcPct val="150000"/>
+                        </a:lnSpc>
+                        <a:spcAft>
+                          <a:spcPts val="0"/>
+                        </a:spcAft>
+                      </a:pPr>
+                      <a:r>
+                        <a:rPr lang="zh-CN" sz="1200">
+                          <a:effectLst/>
+                        </a:rPr>
+                        <a:t>邮箱</a:t>
+                      </a:r>
+                      <a:endParaRPr lang="zh-CN" sz="1200">
+                        <a:effectLst/>
+                        <a:latin typeface="Calibri" panose="020F0502020204030204" pitchFamily="34" charset="0"/>
+                        <a:ea typeface="宋体" panose="02010600030101010101" pitchFamily="2" charset="-122"/>
+                        <a:cs typeface="Times New Roman" panose="02020603050405020304" pitchFamily="18" charset="0"/>
+                      </a:endParaRPr>
+                    </a:p>
+                  </a:txBody>
+                  <a:tcPr marL="68580" marR="68580" marT="0" marB="0"/>
+                </a:tc>
+                <a:tc>
+                  <a:txBody>
+                    <a:bodyPr/>
+                    <a:lstStyle/>
+                    <a:p>
+                      <a:pPr indent="304800" algn="just">
+                        <a:lnSpc>
+                          <a:spcPct val="150000"/>
+                        </a:lnSpc>
+                        <a:spcAft>
+                          <a:spcPts val="0"/>
+                        </a:spcAft>
+                      </a:pPr>
+                      <a:r>
+                        <a:rPr lang="zh-CN" sz="1200">
+                          <a:effectLst/>
+                        </a:rPr>
+                        <a:t>办公地点</a:t>
+                      </a:r>
+                      <a:endParaRPr lang="zh-CN" sz="1200">
+                        <a:effectLst/>
+                        <a:latin typeface="Calibri" panose="020F0502020204030204" pitchFamily="34" charset="0"/>
+                        <a:ea typeface="宋体" panose="02010600030101010101" pitchFamily="2" charset="-122"/>
+                        <a:cs typeface="Times New Roman" panose="02020603050405020304" pitchFamily="18" charset="0"/>
+                      </a:endParaRPr>
+                    </a:p>
+                  </a:txBody>
+                  <a:tcPr marL="68580" marR="68580" marT="0" marB="0"/>
+                </a:tc>
+                <a:extLst>
+                  <a:ext uri="{0D108BD9-81ED-4DB2-BD59-A6C34878D82A}">
+                    <a16:rowId xmlns:a16="http://schemas.microsoft.com/office/drawing/2014/main" val="3704059317"/>
+                  </a:ext>
+                </a:extLst>
+              </a:tr>
+              <a:tr h="721632">
+                <a:tc>
+                  <a:txBody>
+                    <a:bodyPr/>
+                    <a:lstStyle/>
+                    <a:p>
+                      <a:pPr indent="316230" algn="just">
+                        <a:lnSpc>
+                          <a:spcPct val="150000"/>
+                        </a:lnSpc>
+                        <a:spcAft>
+                          <a:spcPts val="0"/>
+                        </a:spcAft>
+                      </a:pPr>
+                      <a:r>
+                        <a:rPr lang="zh-CN" sz="1200">
+                          <a:effectLst/>
+                        </a:rPr>
+                        <a:t>杨枨</a:t>
+                      </a:r>
+                      <a:endParaRPr lang="zh-CN" sz="1200">
+                        <a:effectLst/>
+                        <a:latin typeface="Calibri" panose="020F0502020204030204" pitchFamily="34" charset="0"/>
+                        <a:ea typeface="宋体" panose="02010600030101010101" pitchFamily="2" charset="-122"/>
+                        <a:cs typeface="Times New Roman" panose="02020603050405020304" pitchFamily="18" charset="0"/>
+                      </a:endParaRPr>
+                    </a:p>
+                  </a:txBody>
+                  <a:tcPr marL="68580" marR="68580" marT="0" marB="0"/>
+                </a:tc>
+                <a:tc>
+                  <a:txBody>
+                    <a:bodyPr/>
+                    <a:lstStyle/>
+                    <a:p>
+                      <a:pPr indent="316230" algn="just">
+                        <a:lnSpc>
+                          <a:spcPct val="150000"/>
+                        </a:lnSpc>
+                        <a:spcAft>
+                          <a:spcPts val="0"/>
+                        </a:spcAft>
+                      </a:pPr>
+                      <a:r>
+                        <a:rPr lang="zh-CN" sz="1200" dirty="0">
+                          <a:effectLst/>
+                        </a:rPr>
+                        <a:t>项目发布人</a:t>
+                      </a:r>
+                      <a:r>
+                        <a:rPr lang="zh-CN" altLang="en-US" sz="1200" dirty="0">
+                          <a:effectLst/>
+                        </a:rPr>
+                        <a:t>以及客户代表</a:t>
+                      </a:r>
+                      <a:endParaRPr lang="zh-CN" sz="1200" dirty="0">
+                        <a:effectLst/>
+                        <a:latin typeface="Calibri" panose="020F0502020204030204" pitchFamily="34" charset="0"/>
+                        <a:ea typeface="宋体" panose="02010600030101010101" pitchFamily="2" charset="-122"/>
+                        <a:cs typeface="Times New Roman" panose="02020603050405020304" pitchFamily="18" charset="0"/>
+                      </a:endParaRPr>
+                    </a:p>
+                  </a:txBody>
+                  <a:tcPr marL="68580" marR="68580" marT="0" marB="0"/>
+                </a:tc>
+                <a:tc>
+                  <a:txBody>
+                    <a:bodyPr/>
+                    <a:lstStyle/>
+                    <a:p>
+                      <a:pPr indent="316230" algn="just">
+                        <a:lnSpc>
+                          <a:spcPct val="150000"/>
+                        </a:lnSpc>
+                        <a:spcAft>
+                          <a:spcPts val="0"/>
+                        </a:spcAft>
+                      </a:pPr>
+                      <a:r>
+                        <a:rPr lang="en-US" sz="1200">
+                          <a:effectLst/>
+                        </a:rPr>
+                        <a:t>13357102333</a:t>
+                      </a:r>
+                      <a:endParaRPr lang="zh-CN" sz="1200">
+                        <a:effectLst/>
+                        <a:latin typeface="Calibri" panose="020F0502020204030204" pitchFamily="34" charset="0"/>
+                        <a:ea typeface="宋体" panose="02010600030101010101" pitchFamily="2" charset="-122"/>
+                        <a:cs typeface="Times New Roman" panose="02020603050405020304" pitchFamily="18" charset="0"/>
+                      </a:endParaRPr>
+                    </a:p>
+                  </a:txBody>
+                  <a:tcPr marL="68580" marR="68580" marT="0" marB="0"/>
+                </a:tc>
+                <a:tc>
+                  <a:txBody>
+                    <a:bodyPr/>
+                    <a:lstStyle/>
+                    <a:p>
+                      <a:pPr indent="316230" algn="just">
+                        <a:lnSpc>
+                          <a:spcPct val="150000"/>
+                        </a:lnSpc>
+                        <a:spcAft>
+                          <a:spcPts val="0"/>
+                        </a:spcAft>
+                      </a:pPr>
+                      <a:r>
+                        <a:rPr lang="en-US" sz="1200">
+                          <a:effectLst/>
+                        </a:rPr>
+                        <a:t>3407837159</a:t>
+                      </a:r>
+                      <a:endParaRPr lang="zh-CN" sz="1200">
+                        <a:effectLst/>
+                        <a:latin typeface="Calibri" panose="020F0502020204030204" pitchFamily="34" charset="0"/>
+                        <a:ea typeface="宋体" panose="02010600030101010101" pitchFamily="2" charset="-122"/>
+                        <a:cs typeface="Times New Roman" panose="02020603050405020304" pitchFamily="18" charset="0"/>
+                      </a:endParaRPr>
+                    </a:p>
+                  </a:txBody>
+                  <a:tcPr marL="68580" marR="68580" marT="0" marB="0"/>
+                </a:tc>
+                <a:tc>
+                  <a:txBody>
+                    <a:bodyPr/>
+                    <a:lstStyle/>
+                    <a:p>
+                      <a:pPr indent="316230" algn="just">
+                        <a:lnSpc>
+                          <a:spcPct val="150000"/>
+                        </a:lnSpc>
+                        <a:spcAft>
+                          <a:spcPts val="0"/>
+                        </a:spcAft>
+                      </a:pPr>
+                      <a:r>
+                        <a:rPr lang="en-US" sz="1200">
+                          <a:effectLst/>
+                        </a:rPr>
+                        <a:t>HolleyYang</a:t>
+                      </a:r>
+                      <a:endParaRPr lang="zh-CN" sz="1200">
+                        <a:effectLst/>
+                        <a:latin typeface="Calibri" panose="020F0502020204030204" pitchFamily="34" charset="0"/>
+                        <a:ea typeface="宋体" panose="02010600030101010101" pitchFamily="2" charset="-122"/>
+                        <a:cs typeface="Times New Roman" panose="02020603050405020304" pitchFamily="18" charset="0"/>
+                      </a:endParaRPr>
+                    </a:p>
+                  </a:txBody>
+                  <a:tcPr marL="68580" marR="68580" marT="0" marB="0"/>
+                </a:tc>
+                <a:tc>
+                  <a:txBody>
+                    <a:bodyPr/>
+                    <a:lstStyle/>
+                    <a:p>
+                      <a:pPr indent="316230" algn="just">
+                        <a:lnSpc>
+                          <a:spcPct val="150000"/>
+                        </a:lnSpc>
+                        <a:spcAft>
+                          <a:spcPts val="0"/>
+                        </a:spcAft>
+                      </a:pPr>
+                      <a:r>
+                        <a:rPr lang="en-US" sz="1200" dirty="0">
+                          <a:effectLst/>
+                        </a:rPr>
+                        <a:t>yangc@zucc.edu.cn</a:t>
+                      </a:r>
+                      <a:endParaRPr lang="zh-CN" sz="1200" dirty="0">
+                        <a:effectLst/>
+                        <a:latin typeface="Calibri" panose="020F0502020204030204" pitchFamily="34" charset="0"/>
+                        <a:ea typeface="宋体" panose="02010600030101010101" pitchFamily="2" charset="-122"/>
+                        <a:cs typeface="Times New Roman" panose="02020603050405020304" pitchFamily="18" charset="0"/>
+                      </a:endParaRPr>
+                    </a:p>
+                  </a:txBody>
+                  <a:tcPr marL="68580" marR="68580" marT="0" marB="0"/>
+                </a:tc>
+                <a:tc>
+                  <a:txBody>
+                    <a:bodyPr/>
+                    <a:lstStyle/>
+                    <a:p>
+                      <a:pPr indent="316230" algn="just">
+                        <a:lnSpc>
+                          <a:spcPct val="150000"/>
+                        </a:lnSpc>
+                        <a:spcAft>
+                          <a:spcPts val="0"/>
+                        </a:spcAft>
+                      </a:pPr>
+                      <a:r>
+                        <a:rPr lang="zh-CN" sz="1200" dirty="0">
+                          <a:effectLst/>
+                        </a:rPr>
+                        <a:t>理</a:t>
+                      </a:r>
+                      <a:r>
+                        <a:rPr lang="en-US" sz="1200" dirty="0">
+                          <a:effectLst/>
+                        </a:rPr>
+                        <a:t>4-506</a:t>
+                      </a:r>
+                      <a:endParaRPr lang="zh-CN" sz="1200" dirty="0">
+                        <a:effectLst/>
+                        <a:latin typeface="Calibri" panose="020F0502020204030204" pitchFamily="34" charset="0"/>
+                        <a:ea typeface="宋体" panose="02010600030101010101" pitchFamily="2" charset="-122"/>
+                        <a:cs typeface="Times New Roman" panose="02020603050405020304" pitchFamily="18" charset="0"/>
+                      </a:endParaRPr>
+                    </a:p>
+                  </a:txBody>
+                  <a:tcPr marL="68580" marR="68580" marT="0" marB="0"/>
+                </a:tc>
+                <a:extLst>
+                  <a:ext uri="{0D108BD9-81ED-4DB2-BD59-A6C34878D82A}">
+                    <a16:rowId xmlns:a16="http://schemas.microsoft.com/office/drawing/2014/main" val="1311532241"/>
+                  </a:ext>
+                </a:extLst>
+              </a:tr>
+              <a:tr h="504058">
+                <a:tc>
+                  <a:txBody>
+                    <a:bodyPr/>
+                    <a:lstStyle/>
+                    <a:p>
+                      <a:pPr indent="316230" algn="just">
+                        <a:lnSpc>
+                          <a:spcPct val="150000"/>
+                        </a:lnSpc>
+                        <a:spcAft>
+                          <a:spcPts val="0"/>
+                        </a:spcAft>
+                      </a:pPr>
+                      <a:r>
+                        <a:rPr lang="zh-CN" sz="1200">
+                          <a:effectLst/>
+                        </a:rPr>
+                        <a:t>侯宏仑</a:t>
+                      </a:r>
+                      <a:endParaRPr lang="zh-CN" sz="1200">
+                        <a:effectLst/>
+                        <a:latin typeface="Calibri" panose="020F0502020204030204" pitchFamily="34" charset="0"/>
+                        <a:ea typeface="宋体" panose="02010600030101010101" pitchFamily="2" charset="-122"/>
+                        <a:cs typeface="Times New Roman" panose="02020603050405020304" pitchFamily="18" charset="0"/>
+                      </a:endParaRPr>
+                    </a:p>
+                  </a:txBody>
+                  <a:tcPr marL="68580" marR="68580" marT="0" marB="0"/>
+                </a:tc>
+                <a:tc>
+                  <a:txBody>
+                    <a:bodyPr/>
+                    <a:lstStyle/>
+                    <a:p>
+                      <a:pPr indent="316230" algn="just">
+                        <a:lnSpc>
+                          <a:spcPct val="150000"/>
+                        </a:lnSpc>
+                        <a:spcAft>
+                          <a:spcPts val="0"/>
+                        </a:spcAft>
+                      </a:pPr>
+                      <a:r>
+                        <a:rPr lang="zh-CN" sz="1200" dirty="0">
+                          <a:effectLst/>
+                        </a:rPr>
+                        <a:t>项目发布人</a:t>
+                      </a:r>
+                      <a:r>
+                        <a:rPr lang="zh-CN" altLang="en-US" sz="1200" dirty="0">
+                          <a:effectLst/>
+                        </a:rPr>
+                        <a:t>以及客户代表</a:t>
+                      </a:r>
+                      <a:endParaRPr lang="zh-CN" sz="1200" dirty="0">
+                        <a:effectLst/>
+                        <a:latin typeface="Calibri" panose="020F0502020204030204" pitchFamily="34" charset="0"/>
+                        <a:ea typeface="宋体" panose="02010600030101010101" pitchFamily="2" charset="-122"/>
+                        <a:cs typeface="Times New Roman" panose="02020603050405020304" pitchFamily="18" charset="0"/>
+                      </a:endParaRPr>
+                    </a:p>
+                  </a:txBody>
+                  <a:tcPr marL="68580" marR="68580" marT="0" marB="0"/>
+                </a:tc>
+                <a:tc>
+                  <a:txBody>
+                    <a:bodyPr/>
+                    <a:lstStyle/>
+                    <a:p>
+                      <a:pPr indent="316230" algn="just">
+                        <a:lnSpc>
+                          <a:spcPct val="150000"/>
+                        </a:lnSpc>
+                        <a:spcAft>
+                          <a:spcPts val="0"/>
+                        </a:spcAft>
+                      </a:pPr>
+                      <a:r>
+                        <a:rPr lang="en-US" sz="1200">
+                          <a:effectLst/>
+                        </a:rPr>
+                        <a:t>13071858629</a:t>
+                      </a:r>
+                      <a:endParaRPr lang="zh-CN" sz="1200">
+                        <a:effectLst/>
+                        <a:latin typeface="Calibri" panose="020F0502020204030204" pitchFamily="34" charset="0"/>
+                        <a:ea typeface="宋体" panose="02010600030101010101" pitchFamily="2" charset="-122"/>
+                        <a:cs typeface="Times New Roman" panose="02020603050405020304" pitchFamily="18" charset="0"/>
+                      </a:endParaRPr>
+                    </a:p>
+                  </a:txBody>
+                  <a:tcPr marL="68580" marR="68580" marT="0" marB="0"/>
+                </a:tc>
+                <a:tc>
+                  <a:txBody>
+                    <a:bodyPr/>
+                    <a:lstStyle/>
+                    <a:p>
+                      <a:pPr indent="316230" algn="just">
+                        <a:lnSpc>
+                          <a:spcPct val="150000"/>
+                        </a:lnSpc>
+                        <a:spcAft>
+                          <a:spcPts val="0"/>
+                        </a:spcAft>
+                      </a:pPr>
+                      <a:r>
+                        <a:rPr lang="en-US" sz="1200">
+                          <a:effectLst/>
+                        </a:rPr>
+                        <a:t>56689824</a:t>
+                      </a:r>
+                      <a:endParaRPr lang="zh-CN" sz="1200">
+                        <a:effectLst/>
+                        <a:latin typeface="Calibri" panose="020F0502020204030204" pitchFamily="34" charset="0"/>
+                        <a:ea typeface="宋体" panose="02010600030101010101" pitchFamily="2" charset="-122"/>
+                        <a:cs typeface="Times New Roman" panose="02020603050405020304" pitchFamily="18" charset="0"/>
+                      </a:endParaRPr>
+                    </a:p>
+                  </a:txBody>
+                  <a:tcPr marL="68580" marR="68580" marT="0" marB="0"/>
+                </a:tc>
+                <a:tc>
+                  <a:txBody>
+                    <a:bodyPr/>
+                    <a:lstStyle/>
+                    <a:p>
+                      <a:pPr indent="316230" algn="just">
+                        <a:lnSpc>
+                          <a:spcPct val="150000"/>
+                        </a:lnSpc>
+                        <a:spcAft>
+                          <a:spcPts val="0"/>
+                        </a:spcAft>
+                      </a:pPr>
+                      <a:r>
+                        <a:rPr lang="en-US" sz="1200">
+                          <a:effectLst/>
+                        </a:rPr>
+                        <a:t>tuuuuuuudou</a:t>
+                      </a:r>
+                      <a:endParaRPr lang="zh-CN" sz="1200">
+                        <a:effectLst/>
+                        <a:latin typeface="Calibri" panose="020F0502020204030204" pitchFamily="34" charset="0"/>
+                        <a:ea typeface="宋体" panose="02010600030101010101" pitchFamily="2" charset="-122"/>
+                        <a:cs typeface="Times New Roman" panose="02020603050405020304" pitchFamily="18" charset="0"/>
+                      </a:endParaRPr>
+                    </a:p>
+                  </a:txBody>
+                  <a:tcPr marL="68580" marR="68580" marT="0" marB="0"/>
+                </a:tc>
+                <a:tc>
+                  <a:txBody>
+                    <a:bodyPr/>
+                    <a:lstStyle/>
+                    <a:p>
+                      <a:pPr indent="316230" algn="just">
+                        <a:lnSpc>
+                          <a:spcPct val="150000"/>
+                        </a:lnSpc>
+                        <a:spcAft>
+                          <a:spcPts val="0"/>
+                        </a:spcAft>
+                      </a:pPr>
+                      <a:r>
+                        <a:rPr lang="en-US" sz="1200" dirty="0">
+                          <a:effectLst/>
+                        </a:rPr>
+                        <a:t>houhl@zucc.edu.cn</a:t>
+                      </a:r>
+                      <a:endParaRPr lang="zh-CN" sz="1200" dirty="0">
+                        <a:effectLst/>
+                        <a:latin typeface="Calibri" panose="020F0502020204030204" pitchFamily="34" charset="0"/>
+                        <a:ea typeface="宋体" panose="02010600030101010101" pitchFamily="2" charset="-122"/>
+                        <a:cs typeface="Times New Roman" panose="02020603050405020304" pitchFamily="18" charset="0"/>
+                      </a:endParaRPr>
+                    </a:p>
+                  </a:txBody>
+                  <a:tcPr marL="68580" marR="68580" marT="0" marB="0"/>
+                </a:tc>
+                <a:tc>
+                  <a:txBody>
+                    <a:bodyPr/>
+                    <a:lstStyle/>
+                    <a:p>
+                      <a:pPr indent="316230" algn="just">
+                        <a:lnSpc>
+                          <a:spcPct val="150000"/>
+                        </a:lnSpc>
+                        <a:spcAft>
+                          <a:spcPts val="0"/>
+                        </a:spcAft>
+                      </a:pPr>
+                      <a:r>
+                        <a:rPr lang="zh-CN" sz="1200" dirty="0">
+                          <a:effectLst/>
+                        </a:rPr>
+                        <a:t>理</a:t>
+                      </a:r>
+                      <a:r>
+                        <a:rPr lang="en-US" sz="1200" dirty="0">
+                          <a:effectLst/>
+                        </a:rPr>
+                        <a:t>4-501</a:t>
+                      </a:r>
+                      <a:r>
+                        <a:rPr lang="zh-CN" sz="1200" dirty="0">
+                          <a:effectLst/>
+                        </a:rPr>
+                        <a:t>至</a:t>
+                      </a:r>
+                      <a:r>
+                        <a:rPr lang="en-US" sz="1200" dirty="0">
+                          <a:effectLst/>
+                        </a:rPr>
+                        <a:t>515</a:t>
+                      </a:r>
+                      <a:endParaRPr lang="zh-CN" sz="1200" dirty="0">
+                        <a:effectLst/>
+                        <a:latin typeface="Calibri" panose="020F0502020204030204" pitchFamily="34" charset="0"/>
+                        <a:ea typeface="宋体" panose="02010600030101010101" pitchFamily="2" charset="-122"/>
+                        <a:cs typeface="Times New Roman" panose="02020603050405020304" pitchFamily="18" charset="0"/>
+                      </a:endParaRPr>
+                    </a:p>
+                  </a:txBody>
+                  <a:tcPr marL="68580" marR="68580" marT="0" marB="0"/>
+                </a:tc>
+                <a:extLst>
+                  <a:ext uri="{0D108BD9-81ED-4DB2-BD59-A6C34878D82A}">
+                    <a16:rowId xmlns:a16="http://schemas.microsoft.com/office/drawing/2014/main" val="2763370803"/>
+                  </a:ext>
+                </a:extLst>
+              </a:tr>
+            </a:tbl>
+          </a:graphicData>
+        </a:graphic>
+      </p:graphicFrame>
+    </p:spTree>
+    <p:extLst>
+      <p:ext uri="{BB962C8B-B14F-4D97-AF65-F5344CB8AC3E}">
+        <p14:creationId xmlns:p14="http://schemas.microsoft.com/office/powerpoint/2010/main" val="2172809911"/>
+      </p:ext>
+    </p:extLst>
+  </p:cSld>
+  <p:clrMapOvr>
+    <a:masterClrMapping/>
+  </p:clrMapOvr>
+</p:sld>
+</file>
+
+<file path=ppt/slides/slide38.xml><?xml version="1.0" encoding="utf-8"?>
 <p:sld xmlns:a="http://schemas.openxmlformats.org/drawingml/2006/main" xmlns:r="http://schemas.openxmlformats.org/officeDocument/2006/relationships" xmlns:p="http://schemas.openxmlformats.org/presentationml/2006/main">
   <p:cSld>
     <p:spTree>
@@ -20184,7 +21019,7 @@
 </p:sld>
 </file>
 
-<file path=ppt/slides/slide38.xml><?xml version="1.0" encoding="utf-8"?>
+<file path=ppt/slides/slide39.xml><?xml version="1.0" encoding="utf-8"?>
 <p:sld xmlns:a="http://schemas.openxmlformats.org/drawingml/2006/main" xmlns:r="http://schemas.openxmlformats.org/officeDocument/2006/relationships" xmlns:p="http://schemas.openxmlformats.org/presentationml/2006/main">
   <p:cSld>
     <p:spTree>
@@ -21109,7 +21944,97 @@
 </p:sld>
 </file>
 
-<file path=ppt/slides/slide39.xml><?xml version="1.0" encoding="utf-8"?>
+<file path=ppt/slides/slide4.xml><?xml version="1.0" encoding="utf-8"?>
+<p:sld xmlns:a="http://schemas.openxmlformats.org/drawingml/2006/main" xmlns:r="http://schemas.openxmlformats.org/officeDocument/2006/relationships" xmlns:p="http://schemas.openxmlformats.org/presentationml/2006/main">
+  <p:cSld>
+    <p:spTree>
+      <p:nvGrpSpPr>
+        <p:cNvPr id="1" name=""/>
+        <p:cNvGrpSpPr/>
+        <p:nvPr/>
+      </p:nvGrpSpPr>
+      <p:grpSpPr>
+        <a:xfrm>
+          <a:off x="0" y="0"/>
+          <a:ext cx="0" cy="0"/>
+          <a:chOff x="0" y="0"/>
+          <a:chExt cx="0" cy="0"/>
+        </a:xfrm>
+      </p:grpSpPr>
+      <p:sp>
+        <p:nvSpPr>
+          <p:cNvPr id="2" name="矩形 1"/>
+          <p:cNvSpPr>
+            <a:spLocks noGrp="1"/>
+          </p:cNvSpPr>
+          <p:nvPr>
+            <p:ph type="title"/>
+          </p:nvPr>
+        </p:nvSpPr>
+        <p:spPr/>
+        <p:txBody>
+          <a:bodyPr/>
+          <a:lstStyle/>
+          <a:p>
+            <a:r>
+              <a:rPr lang="en-US" altLang="zh-CN" dirty="0">
+                <a:latin typeface="Microsoft YaHei UI" panose="020B0503020204020204" pitchFamily="34" charset="-122"/>
+                <a:ea typeface="Microsoft YaHei UI" panose="020B0503020204020204" pitchFamily="34" charset="-122"/>
+              </a:rPr>
+              <a:t>1</a:t>
+            </a:r>
+            <a:r>
+              <a:rPr lang="en-US" altLang="zh-CN" dirty="0"/>
+              <a:t>.1</a:t>
+            </a:r>
+            <a:r>
+              <a:rPr lang="zh-CN" altLang="en-US" dirty="0"/>
+              <a:t>编写目的</a:t>
+            </a:r>
+            <a:endParaRPr lang="zh-CN" dirty="0">
+              <a:latin typeface="Microsoft YaHei UI" panose="020B0503020204020204" pitchFamily="34" charset="-122"/>
+              <a:ea typeface="Microsoft YaHei UI" panose="020B0503020204020204" pitchFamily="34" charset="-122"/>
+            </a:endParaRPr>
+          </a:p>
+        </p:txBody>
+      </p:sp>
+      <p:sp>
+        <p:nvSpPr>
+          <p:cNvPr id="3" name="矩形 2"/>
+          <p:cNvSpPr>
+            <a:spLocks noGrp="1"/>
+          </p:cNvSpPr>
+          <p:nvPr>
+            <p:ph idx="1"/>
+          </p:nvPr>
+        </p:nvSpPr>
+        <p:spPr/>
+        <p:txBody>
+          <a:bodyPr>
+            <a:normAutofit/>
+          </a:bodyPr>
+          <a:lstStyle/>
+          <a:p>
+            <a:r>
+              <a:rPr lang="zh-CN" altLang="en-US" sz="2400" dirty="0"/>
+              <a:t>项目管理与软件需求，作为软件工程当中最为重要的组成几个部分，已经引起了业内人士的高度重视。项目管理和需求工程概念的提出，就是为了把软件工程化，以更有效地开发需求，开发软件并实现有效的管理。为了让教师能把最新、最前沿的关于项目管理和需求工程的信息传播给学生，为了让学生能够利用网络得到老师帮助，为了师生之间、同学之间能够充分交流，沟通心得，这个软件工程课程网站系统将提供这样一个教学、学习、交流的平台，为教师和同学服务，也为项目管理、需求工程、统一建模等软件工程化课程的教学方法提供试验基地。</a:t>
+            </a:r>
+            <a:endParaRPr lang="zh-CN" sz="2400" dirty="0">
+              <a:latin typeface="Microsoft YaHei UI" panose="020B0503020204020204" pitchFamily="34" charset="-122"/>
+              <a:ea typeface="Microsoft YaHei UI" panose="020B0503020204020204" pitchFamily="34" charset="-122"/>
+            </a:endParaRPr>
+          </a:p>
+        </p:txBody>
+      </p:sp>
+    </p:spTree>
+  </p:cSld>
+  <p:clrMapOvr>
+    <a:masterClrMapping/>
+  </p:clrMapOvr>
+</p:sld>
+</file>
+
+<file path=ppt/slides/slide40.xml><?xml version="1.0" encoding="utf-8"?>
 <p:sld xmlns:a="http://schemas.openxmlformats.org/drawingml/2006/main" xmlns:r="http://schemas.openxmlformats.org/officeDocument/2006/relationships" xmlns:p="http://schemas.openxmlformats.org/presentationml/2006/main">
   <p:cSld>
     <p:spTree>
@@ -21197,97 +22122,7 @@
 </p:sld>
 </file>
 
-<file path=ppt/slides/slide4.xml><?xml version="1.0" encoding="utf-8"?>
-<p:sld xmlns:a="http://schemas.openxmlformats.org/drawingml/2006/main" xmlns:r="http://schemas.openxmlformats.org/officeDocument/2006/relationships" xmlns:p="http://schemas.openxmlformats.org/presentationml/2006/main">
-  <p:cSld>
-    <p:spTree>
-      <p:nvGrpSpPr>
-        <p:cNvPr id="1" name=""/>
-        <p:cNvGrpSpPr/>
-        <p:nvPr/>
-      </p:nvGrpSpPr>
-      <p:grpSpPr>
-        <a:xfrm>
-          <a:off x="0" y="0"/>
-          <a:ext cx="0" cy="0"/>
-          <a:chOff x="0" y="0"/>
-          <a:chExt cx="0" cy="0"/>
-        </a:xfrm>
-      </p:grpSpPr>
-      <p:sp>
-        <p:nvSpPr>
-          <p:cNvPr id="2" name="矩形 1"/>
-          <p:cNvSpPr>
-            <a:spLocks noGrp="1"/>
-          </p:cNvSpPr>
-          <p:nvPr>
-            <p:ph type="title"/>
-          </p:nvPr>
-        </p:nvSpPr>
-        <p:spPr/>
-        <p:txBody>
-          <a:bodyPr/>
-          <a:lstStyle/>
-          <a:p>
-            <a:r>
-              <a:rPr lang="en-US" altLang="zh-CN" dirty="0">
-                <a:latin typeface="Microsoft YaHei UI" panose="020B0503020204020204" pitchFamily="34" charset="-122"/>
-                <a:ea typeface="Microsoft YaHei UI" panose="020B0503020204020204" pitchFamily="34" charset="-122"/>
-              </a:rPr>
-              <a:t>1</a:t>
-            </a:r>
-            <a:r>
-              <a:rPr lang="en-US" altLang="zh-CN" dirty="0"/>
-              <a:t>.1</a:t>
-            </a:r>
-            <a:r>
-              <a:rPr lang="zh-CN" altLang="en-US" dirty="0"/>
-              <a:t>编写目的</a:t>
-            </a:r>
-            <a:endParaRPr lang="zh-CN" dirty="0">
-              <a:latin typeface="Microsoft YaHei UI" panose="020B0503020204020204" pitchFamily="34" charset="-122"/>
-              <a:ea typeface="Microsoft YaHei UI" panose="020B0503020204020204" pitchFamily="34" charset="-122"/>
-            </a:endParaRPr>
-          </a:p>
-        </p:txBody>
-      </p:sp>
-      <p:sp>
-        <p:nvSpPr>
-          <p:cNvPr id="3" name="矩形 2"/>
-          <p:cNvSpPr>
-            <a:spLocks noGrp="1"/>
-          </p:cNvSpPr>
-          <p:nvPr>
-            <p:ph idx="1"/>
-          </p:nvPr>
-        </p:nvSpPr>
-        <p:spPr/>
-        <p:txBody>
-          <a:bodyPr>
-            <a:normAutofit/>
-          </a:bodyPr>
-          <a:lstStyle/>
-          <a:p>
-            <a:r>
-              <a:rPr lang="zh-CN" altLang="en-US" sz="2400" dirty="0"/>
-              <a:t>项目管理与软件需求，作为软件工程当中最为重要的组成几个部分，已经引起了业内人士的高度重视。项目管理和需求工程概念的提出，就是为了把软件工程化，以更有效地开发需求，开发软件并实现有效的管理。为了让教师能把最新、最前沿的关于项目管理和需求工程的信息传播给学生，为了让学生能够利用网络得到老师帮助，为了师生之间、同学之间能够充分交流，沟通心得，这个软件工程课程网站系统将提供这样一个教学、学习、交流的平台，为教师和同学服务，也为项目管理、需求工程、统一建模等软件工程化课程的教学方法提供试验基地。</a:t>
-            </a:r>
-            <a:endParaRPr lang="zh-CN" sz="2400" dirty="0">
-              <a:latin typeface="Microsoft YaHei UI" panose="020B0503020204020204" pitchFamily="34" charset="-122"/>
-              <a:ea typeface="Microsoft YaHei UI" panose="020B0503020204020204" pitchFamily="34" charset="-122"/>
-            </a:endParaRPr>
-          </a:p>
-        </p:txBody>
-      </p:sp>
-    </p:spTree>
-  </p:cSld>
-  <p:clrMapOvr>
-    <a:masterClrMapping/>
-  </p:clrMapOvr>
-</p:sld>
-</file>
-
-<file path=ppt/slides/slide40.xml><?xml version="1.0" encoding="utf-8"?>
+<file path=ppt/slides/slide41.xml><?xml version="1.0" encoding="utf-8"?>
 <p:sld xmlns:a="http://schemas.openxmlformats.org/drawingml/2006/main" xmlns:r="http://schemas.openxmlformats.org/officeDocument/2006/relationships" xmlns:p="http://schemas.openxmlformats.org/presentationml/2006/main">
   <p:cSld>
     <p:spTree>
@@ -21853,7 +22688,7 @@
 </p:sld>
 </file>
 
-<file path=ppt/slides/slide41.xml><?xml version="1.0" encoding="utf-8"?>
+<file path=ppt/slides/slide42.xml><?xml version="1.0" encoding="utf-8"?>
 <p:sld xmlns:a="http://schemas.openxmlformats.org/drawingml/2006/main" xmlns:r="http://schemas.openxmlformats.org/officeDocument/2006/relationships" xmlns:p="http://schemas.openxmlformats.org/presentationml/2006/main">
   <p:cSld>
     <p:spTree>
@@ -22458,7 +23293,7 @@
 </p:sld>
 </file>
 
-<file path=ppt/slides/slide42.xml><?xml version="1.0" encoding="utf-8"?>
+<file path=ppt/slides/slide43.xml><?xml version="1.0" encoding="utf-8"?>
 <p:sld xmlns:a="http://schemas.openxmlformats.org/drawingml/2006/main" xmlns:r="http://schemas.openxmlformats.org/officeDocument/2006/relationships" xmlns:p="http://schemas.openxmlformats.org/presentationml/2006/main">
   <p:cSld>
     <p:spTree>
@@ -24275,7 +25110,7 @@
 </p:sld>
 </file>
 
-<file path=ppt/slides/slide43.xml><?xml version="1.0" encoding="utf-8"?>
+<file path=ppt/slides/slide44.xml><?xml version="1.0" encoding="utf-8"?>
 <p:sld xmlns:a="http://schemas.openxmlformats.org/drawingml/2006/main" xmlns:r="http://schemas.openxmlformats.org/officeDocument/2006/relationships" xmlns:p="http://schemas.openxmlformats.org/presentationml/2006/main">
   <p:cSld>
     <p:spTree>
@@ -24714,314 +25549,6 @@
 </p:sld>
 </file>
 
-<file path=ppt/slides/slide44.xml><?xml version="1.0" encoding="utf-8"?>
-<p:sld xmlns:a="http://schemas.openxmlformats.org/drawingml/2006/main" xmlns:r="http://schemas.openxmlformats.org/officeDocument/2006/relationships" xmlns:p="http://schemas.openxmlformats.org/presentationml/2006/main">
-  <p:cSld>
-    <p:spTree>
-      <p:nvGrpSpPr>
-        <p:cNvPr id="1" name=""/>
-        <p:cNvGrpSpPr/>
-        <p:nvPr/>
-      </p:nvGrpSpPr>
-      <p:grpSpPr>
-        <a:xfrm>
-          <a:off x="0" y="0"/>
-          <a:ext cx="0" cy="0"/>
-          <a:chOff x="0" y="0"/>
-          <a:chExt cx="0" cy="0"/>
-        </a:xfrm>
-      </p:grpSpPr>
-      <p:sp>
-        <p:nvSpPr>
-          <p:cNvPr id="2" name="标题 1"/>
-          <p:cNvSpPr>
-            <a:spLocks noGrp="1"/>
-          </p:cNvSpPr>
-          <p:nvPr>
-            <p:ph type="title"/>
-          </p:nvPr>
-        </p:nvSpPr>
-        <p:spPr>
-          <a:xfrm>
-            <a:off x="646111" y="452718"/>
-            <a:ext cx="9404723" cy="1400530"/>
-          </a:xfrm>
-        </p:spPr>
-        <p:txBody>
-          <a:bodyPr/>
-          <a:lstStyle/>
-          <a:p>
-            <a:r>
-              <a:rPr lang="zh-CN" altLang="en-US" dirty="0"/>
-              <a:t>需求风险管理计划</a:t>
-            </a:r>
-          </a:p>
-        </p:txBody>
-      </p:sp>
-      <p:sp>
-        <p:nvSpPr>
-          <p:cNvPr id="3" name="文本框 5"/>
-          <p:cNvSpPr txBox="1"/>
-          <p:nvPr/>
-        </p:nvSpPr>
-        <p:spPr>
-          <a:xfrm>
-            <a:off x="657367" y="1830978"/>
-            <a:ext cx="10877266" cy="3785652"/>
-          </a:xfrm>
-          <a:prstGeom prst="rect">
-            <a:avLst/>
-          </a:prstGeom>
-          <a:noFill/>
-        </p:spPr>
-        <p:txBody>
-          <a:bodyPr wrap="square" rtlCol="0">
-            <a:spAutoFit/>
-          </a:bodyPr>
-          <a:lstStyle/>
-          <a:p>
-            <a:r>
-              <a:rPr lang="en-US" altLang="zh-CN" sz="2000" b="1" dirty="0">
-                <a:solidFill>
-                  <a:schemeClr val="tx1">
-                    <a:lumMod val="50000"/>
-                    <a:lumOff val="50000"/>
-                  </a:schemeClr>
-                </a:solidFill>
-                <a:latin typeface="微软雅黑" panose="020B0503020204020204" pitchFamily="34" charset="-122"/>
-                <a:ea typeface="微软雅黑" panose="020B0503020204020204" pitchFamily="34" charset="-122"/>
-              </a:rPr>
-              <a:t>1</a:t>
-            </a:r>
-            <a:r>
-              <a:rPr lang="zh-CN" altLang="en-US" sz="2000" b="1" dirty="0">
-                <a:solidFill>
-                  <a:schemeClr val="tx1">
-                    <a:lumMod val="50000"/>
-                    <a:lumOff val="50000"/>
-                  </a:schemeClr>
-                </a:solidFill>
-                <a:latin typeface="微软雅黑" panose="020B0503020204020204" pitchFamily="34" charset="-122"/>
-                <a:ea typeface="微软雅黑" panose="020B0503020204020204" pitchFamily="34" charset="-122"/>
-              </a:rPr>
-              <a:t>、在项目早期编写一份包括业务需求在内的前景和范围文档，并将它作为添加新需求和修改现有需求的指导</a:t>
-            </a:r>
-            <a:endParaRPr lang="en-US" altLang="zh-CN" sz="2000" b="1" dirty="0">
-              <a:solidFill>
-                <a:schemeClr val="tx1">
-                  <a:lumMod val="50000"/>
-                  <a:lumOff val="50000"/>
-                </a:schemeClr>
-              </a:solidFill>
-              <a:latin typeface="微软雅黑" panose="020B0503020204020204" pitchFamily="34" charset="-122"/>
-              <a:ea typeface="微软雅黑" panose="020B0503020204020204" pitchFamily="34" charset="-122"/>
-            </a:endParaRPr>
-          </a:p>
-          <a:p>
-            <a:endParaRPr lang="en-US" altLang="zh-CN" sz="2000" b="1" dirty="0">
-              <a:solidFill>
-                <a:schemeClr val="tx1">
-                  <a:lumMod val="50000"/>
-                  <a:lumOff val="50000"/>
-                </a:schemeClr>
-              </a:solidFill>
-              <a:latin typeface="微软雅黑" panose="020B0503020204020204" pitchFamily="34" charset="-122"/>
-              <a:ea typeface="微软雅黑" panose="020B0503020204020204" pitchFamily="34" charset="-122"/>
-            </a:endParaRPr>
-          </a:p>
-          <a:p>
-            <a:r>
-              <a:rPr lang="en-US" altLang="zh-CN" sz="2000" b="1" dirty="0">
-                <a:solidFill>
-                  <a:schemeClr val="tx1">
-                    <a:lumMod val="50000"/>
-                    <a:lumOff val="50000"/>
-                  </a:schemeClr>
-                </a:solidFill>
-                <a:latin typeface="微软雅黑" panose="020B0503020204020204" pitchFamily="34" charset="-122"/>
-                <a:ea typeface="微软雅黑" panose="020B0503020204020204" pitchFamily="34" charset="-122"/>
-              </a:rPr>
-              <a:t>2</a:t>
-            </a:r>
-            <a:r>
-              <a:rPr lang="zh-CN" altLang="en-US" sz="2000" b="1" dirty="0">
-                <a:solidFill>
-                  <a:schemeClr val="tx1">
-                    <a:lumMod val="50000"/>
-                    <a:lumOff val="50000"/>
-                  </a:schemeClr>
-                </a:solidFill>
-                <a:latin typeface="微软雅黑" panose="020B0503020204020204" pitchFamily="34" charset="-122"/>
-                <a:ea typeface="微软雅黑" panose="020B0503020204020204" pitchFamily="34" charset="-122"/>
-              </a:rPr>
-              <a:t>、确定主要客户，并采用产品代言人的方法，保证有足够的客户代表的积极参与，确保由合适的人对需求做出权威性的决策。</a:t>
-            </a:r>
-            <a:endParaRPr lang="en-US" altLang="zh-CN" sz="2000" b="1" dirty="0">
-              <a:solidFill>
-                <a:schemeClr val="tx1">
-                  <a:lumMod val="50000"/>
-                  <a:lumOff val="50000"/>
-                </a:schemeClr>
-              </a:solidFill>
-              <a:latin typeface="微软雅黑" panose="020B0503020204020204" pitchFamily="34" charset="-122"/>
-              <a:ea typeface="微软雅黑" panose="020B0503020204020204" pitchFamily="34" charset="-122"/>
-            </a:endParaRPr>
-          </a:p>
-          <a:p>
-            <a:endParaRPr lang="zh-CN" altLang="en-US" sz="2000" b="1" dirty="0">
-              <a:solidFill>
-                <a:schemeClr val="tx1">
-                  <a:lumMod val="50000"/>
-                  <a:lumOff val="50000"/>
-                </a:schemeClr>
-              </a:solidFill>
-              <a:latin typeface="微软雅黑" panose="020B0503020204020204" pitchFamily="34" charset="-122"/>
-              <a:ea typeface="微软雅黑" panose="020B0503020204020204" pitchFamily="34" charset="-122"/>
-            </a:endParaRPr>
-          </a:p>
-          <a:p>
-            <a:r>
-              <a:rPr lang="en-US" altLang="zh-CN" sz="2000" b="1" dirty="0">
-                <a:solidFill>
-                  <a:schemeClr val="tx1">
-                    <a:lumMod val="50000"/>
-                    <a:lumOff val="50000"/>
-                  </a:schemeClr>
-                </a:solidFill>
-                <a:latin typeface="微软雅黑" panose="020B0503020204020204" pitchFamily="34" charset="-122"/>
-                <a:ea typeface="微软雅黑" panose="020B0503020204020204" pitchFamily="34" charset="-122"/>
-              </a:rPr>
-              <a:t>3</a:t>
-            </a:r>
-            <a:r>
-              <a:rPr lang="zh-CN" altLang="en-US" sz="2000" b="1" dirty="0">
-                <a:solidFill>
-                  <a:schemeClr val="tx1">
-                    <a:lumMod val="50000"/>
-                    <a:lumOff val="50000"/>
-                  </a:schemeClr>
-                </a:solidFill>
-                <a:latin typeface="微软雅黑" panose="020B0503020204020204" pitchFamily="34" charset="-122"/>
-                <a:ea typeface="微软雅黑" panose="020B0503020204020204" pitchFamily="34" charset="-122"/>
-              </a:rPr>
-              <a:t>、尽量识别客户可能做出的任何假设。提出自由回答的问题来鼓励客户分享更多的想法、期望、主意、信息和关注点，而不是我们以其他方式所听到的。</a:t>
-            </a:r>
-            <a:endParaRPr lang="en-US" altLang="zh-CN" sz="2000" b="1" dirty="0">
-              <a:solidFill>
-                <a:schemeClr val="tx1">
-                  <a:lumMod val="50000"/>
-                  <a:lumOff val="50000"/>
-                </a:schemeClr>
-              </a:solidFill>
-              <a:latin typeface="微软雅黑" panose="020B0503020204020204" pitchFamily="34" charset="-122"/>
-              <a:ea typeface="微软雅黑" panose="020B0503020204020204" pitchFamily="34" charset="-122"/>
-            </a:endParaRPr>
-          </a:p>
-          <a:p>
-            <a:endParaRPr lang="zh-CN" altLang="en-US" sz="2000" b="1" dirty="0">
-              <a:solidFill>
-                <a:schemeClr val="tx1">
-                  <a:lumMod val="50000"/>
-                  <a:lumOff val="50000"/>
-                </a:schemeClr>
-              </a:solidFill>
-              <a:latin typeface="微软雅黑" panose="020B0503020204020204" pitchFamily="34" charset="-122"/>
-              <a:ea typeface="微软雅黑" panose="020B0503020204020204" pitchFamily="34" charset="-122"/>
-            </a:endParaRPr>
-          </a:p>
-          <a:p>
-            <a:r>
-              <a:rPr lang="en-US" altLang="zh-CN" sz="2000" b="1" dirty="0">
-                <a:solidFill>
-                  <a:schemeClr val="tx1">
-                    <a:lumMod val="50000"/>
-                    <a:lumOff val="50000"/>
-                  </a:schemeClr>
-                </a:solidFill>
-                <a:latin typeface="微软雅黑" panose="020B0503020204020204" pitchFamily="34" charset="-122"/>
-                <a:ea typeface="微软雅黑" panose="020B0503020204020204" pitchFamily="34" charset="-122"/>
-              </a:rPr>
-              <a:t>5</a:t>
-            </a:r>
-            <a:r>
-              <a:rPr lang="zh-CN" altLang="en-US" sz="2000" b="1" dirty="0">
-                <a:solidFill>
-                  <a:schemeClr val="tx1">
-                    <a:lumMod val="50000"/>
-                    <a:lumOff val="50000"/>
-                  </a:schemeClr>
-                </a:solidFill>
-                <a:latin typeface="微软雅黑" panose="020B0503020204020204" pitchFamily="34" charset="-122"/>
-                <a:ea typeface="微软雅黑" panose="020B0503020204020204" pitchFamily="34" charset="-122"/>
-              </a:rPr>
-              <a:t>、通过逆向工程发现的需求编写成文档，让客户评审这些需求，以确保其正确定和相关性。</a:t>
-            </a:r>
-            <a:endParaRPr lang="en-US" altLang="zh-CN" sz="2000" b="1" dirty="0">
-              <a:solidFill>
-                <a:schemeClr val="tx1">
-                  <a:lumMod val="50000"/>
-                  <a:lumOff val="50000"/>
-                </a:schemeClr>
-              </a:solidFill>
-              <a:latin typeface="微软雅黑" panose="020B0503020204020204" pitchFamily="34" charset="-122"/>
-              <a:ea typeface="微软雅黑" panose="020B0503020204020204" pitchFamily="34" charset="-122"/>
-            </a:endParaRPr>
-          </a:p>
-          <a:p>
-            <a:endParaRPr lang="zh-CN" altLang="en-US" sz="2000" b="1" dirty="0">
-              <a:solidFill>
-                <a:schemeClr val="tx1">
-                  <a:lumMod val="50000"/>
-                  <a:lumOff val="50000"/>
-                </a:schemeClr>
-              </a:solidFill>
-              <a:latin typeface="微软雅黑" panose="020B0503020204020204" pitchFamily="34" charset="-122"/>
-              <a:ea typeface="微软雅黑" panose="020B0503020204020204" pitchFamily="34" charset="-122"/>
-            </a:endParaRPr>
-          </a:p>
-          <a:p>
-            <a:r>
-              <a:rPr lang="en-US" altLang="zh-CN" sz="2000" b="1" dirty="0">
-                <a:solidFill>
-                  <a:schemeClr val="tx1">
-                    <a:lumMod val="50000"/>
-                    <a:lumOff val="50000"/>
-                  </a:schemeClr>
-                </a:solidFill>
-                <a:latin typeface="微软雅黑" panose="020B0503020204020204" pitchFamily="34" charset="-122"/>
-                <a:ea typeface="微软雅黑" panose="020B0503020204020204" pitchFamily="34" charset="-122"/>
-              </a:rPr>
-              <a:t>6</a:t>
-            </a:r>
-            <a:r>
-              <a:rPr lang="zh-CN" altLang="en-US" sz="2000" b="1" dirty="0">
-                <a:solidFill>
-                  <a:schemeClr val="tx1">
-                    <a:lumMod val="50000"/>
-                    <a:lumOff val="50000"/>
-                  </a:schemeClr>
-                </a:solidFill>
-                <a:latin typeface="微软雅黑" panose="020B0503020204020204" pitchFamily="34" charset="-122"/>
-                <a:ea typeface="微软雅黑" panose="020B0503020204020204" pitchFamily="34" charset="-122"/>
-              </a:rPr>
-              <a:t>、分析人员必须提炼出隐藏在客户提出的解决方案背后的真正意图。</a:t>
-            </a:r>
-          </a:p>
-        </p:txBody>
-      </p:sp>
-    </p:spTree>
-    <p:extLst>
-      <p:ext uri="{BB962C8B-B14F-4D97-AF65-F5344CB8AC3E}">
-        <p14:creationId xmlns:p14="http://schemas.microsoft.com/office/powerpoint/2010/main" val="4232247474"/>
-      </p:ext>
-    </p:extLst>
-  </p:cSld>
-  <p:clrMapOvr>
-    <a:masterClrMapping/>
-  </p:clrMapOvr>
-</p:sld>
-</file>
-
 <file path=ppt/slides/slide45.xml><?xml version="1.0" encoding="utf-8"?>
 <p:sld xmlns:a="http://schemas.openxmlformats.org/drawingml/2006/main" xmlns:r="http://schemas.openxmlformats.org/officeDocument/2006/relationships" xmlns:p="http://schemas.openxmlformats.org/presentationml/2006/main">
   <p:cSld>
@@ -25074,8 +25601,8 @@
         </p:nvSpPr>
         <p:spPr>
           <a:xfrm>
-            <a:off x="604615" y="1505674"/>
-            <a:ext cx="10877266" cy="3170099"/>
+            <a:off x="657367" y="1830978"/>
+            <a:ext cx="10877266" cy="3785652"/>
           </a:xfrm>
           <a:prstGeom prst="rect">
             <a:avLst/>
@@ -25112,7 +25639,7 @@
                 <a:latin typeface="微软雅黑" panose="020B0503020204020204" pitchFamily="34" charset="-122"/>
                 <a:ea typeface="微软雅黑" panose="020B0503020204020204" pitchFamily="34" charset="-122"/>
               </a:rPr>
-              <a:t>、要明确你当前软件开发项目面临的一些与需求有关的风险，不要把当前的问题当作风险，一定要是那些还未发生的事情。将风险的因素编写成文档，为每项需求风险推荐至少一种可能的降低风险的方法。</a:t>
+              <a:t>、在项目早期编写一份包括业务需求在内的前景和范围文档，并将它作为添加新需求和修改现有需求的指导</a:t>
             </a:r>
             <a:endParaRPr lang="en-US" altLang="zh-CN" sz="2000" b="1" dirty="0">
               <a:solidFill>
@@ -25162,11 +25689,21 @@
                 <a:latin typeface="微软雅黑" panose="020B0503020204020204" pitchFamily="34" charset="-122"/>
                 <a:ea typeface="微软雅黑" panose="020B0503020204020204" pitchFamily="34" charset="-122"/>
               </a:rPr>
-              <a:t>、强调市场调研、构建原型并成立客户小组，小组负责今早并经常获取对新产品前景的反馈信息</a:t>
-            </a:r>
-          </a:p>
-          <a:p>
+              <a:t>、确定主要客户，并采用产品代言人的方法，保证有足够的客户代表的积极参与，确保由合适的人对需求做出权威性的决策。</a:t>
+            </a:r>
             <a:endParaRPr lang="en-US" altLang="zh-CN" sz="2000" b="1" dirty="0">
+              <a:solidFill>
+                <a:schemeClr val="tx1">
+                  <a:lumMod val="50000"/>
+                  <a:lumOff val="50000"/>
+                </a:schemeClr>
+              </a:solidFill>
+              <a:latin typeface="微软雅黑" panose="020B0503020204020204" pitchFamily="34" charset="-122"/>
+              <a:ea typeface="微软雅黑" panose="020B0503020204020204" pitchFamily="34" charset="-122"/>
+            </a:endParaRPr>
+          </a:p>
+          <a:p>
+            <a:endParaRPr lang="zh-CN" altLang="en-US" sz="2000" b="1" dirty="0">
               <a:solidFill>
                 <a:schemeClr val="tx1">
                   <a:lumMod val="50000"/>
@@ -25202,7 +25739,7 @@
                 <a:latin typeface="微软雅黑" panose="020B0503020204020204" pitchFamily="34" charset="-122"/>
                 <a:ea typeface="微软雅黑" panose="020B0503020204020204" pitchFamily="34" charset="-122"/>
               </a:rPr>
-              <a:t>、召集代表开发、市场、客户和管理各方面的涉众召开风险“集体研讨”会议。尽力找出更多与需求有关的风险因素。估计每项风险发生的可能性及其影响。为每项风险安排一个负责人负责实施降低风险的活动。</a:t>
+              <a:t>、尽量识别客户可能做出的任何假设。提出自由回答的问题来鼓励客户分享更多的想法、期望、主意、信息和关注点，而不是我们以其他方式所听到的。</a:t>
             </a:r>
             <a:endParaRPr lang="en-US" altLang="zh-CN" sz="2000" b="1" dirty="0">
               <a:solidFill>
@@ -25215,12 +25752,102 @@
               <a:ea typeface="微软雅黑" panose="020B0503020204020204" pitchFamily="34" charset="-122"/>
             </a:endParaRPr>
           </a:p>
+          <a:p>
+            <a:endParaRPr lang="zh-CN" altLang="en-US" sz="2000" b="1" dirty="0">
+              <a:solidFill>
+                <a:schemeClr val="tx1">
+                  <a:lumMod val="50000"/>
+                  <a:lumOff val="50000"/>
+                </a:schemeClr>
+              </a:solidFill>
+              <a:latin typeface="微软雅黑" panose="020B0503020204020204" pitchFamily="34" charset="-122"/>
+              <a:ea typeface="微软雅黑" panose="020B0503020204020204" pitchFamily="34" charset="-122"/>
+            </a:endParaRPr>
+          </a:p>
+          <a:p>
+            <a:r>
+              <a:rPr lang="en-US" altLang="zh-CN" sz="2000" b="1" dirty="0">
+                <a:solidFill>
+                  <a:schemeClr val="tx1">
+                    <a:lumMod val="50000"/>
+                    <a:lumOff val="50000"/>
+                  </a:schemeClr>
+                </a:solidFill>
+                <a:latin typeface="微软雅黑" panose="020B0503020204020204" pitchFamily="34" charset="-122"/>
+                <a:ea typeface="微软雅黑" panose="020B0503020204020204" pitchFamily="34" charset="-122"/>
+              </a:rPr>
+              <a:t>5</a:t>
+            </a:r>
+            <a:r>
+              <a:rPr lang="zh-CN" altLang="en-US" sz="2000" b="1" dirty="0">
+                <a:solidFill>
+                  <a:schemeClr val="tx1">
+                    <a:lumMod val="50000"/>
+                    <a:lumOff val="50000"/>
+                  </a:schemeClr>
+                </a:solidFill>
+                <a:latin typeface="微软雅黑" panose="020B0503020204020204" pitchFamily="34" charset="-122"/>
+                <a:ea typeface="微软雅黑" panose="020B0503020204020204" pitchFamily="34" charset="-122"/>
+              </a:rPr>
+              <a:t>、通过逆向工程发现的需求编写成文档，让客户评审这些需求，以确保其正确定和相关性。</a:t>
+            </a:r>
+            <a:endParaRPr lang="en-US" altLang="zh-CN" sz="2000" b="1" dirty="0">
+              <a:solidFill>
+                <a:schemeClr val="tx1">
+                  <a:lumMod val="50000"/>
+                  <a:lumOff val="50000"/>
+                </a:schemeClr>
+              </a:solidFill>
+              <a:latin typeface="微软雅黑" panose="020B0503020204020204" pitchFamily="34" charset="-122"/>
+              <a:ea typeface="微软雅黑" panose="020B0503020204020204" pitchFamily="34" charset="-122"/>
+            </a:endParaRPr>
+          </a:p>
+          <a:p>
+            <a:endParaRPr lang="zh-CN" altLang="en-US" sz="2000" b="1" dirty="0">
+              <a:solidFill>
+                <a:schemeClr val="tx1">
+                  <a:lumMod val="50000"/>
+                  <a:lumOff val="50000"/>
+                </a:schemeClr>
+              </a:solidFill>
+              <a:latin typeface="微软雅黑" panose="020B0503020204020204" pitchFamily="34" charset="-122"/>
+              <a:ea typeface="微软雅黑" panose="020B0503020204020204" pitchFamily="34" charset="-122"/>
+            </a:endParaRPr>
+          </a:p>
+          <a:p>
+            <a:r>
+              <a:rPr lang="en-US" altLang="zh-CN" sz="2000" b="1" dirty="0">
+                <a:solidFill>
+                  <a:schemeClr val="tx1">
+                    <a:lumMod val="50000"/>
+                    <a:lumOff val="50000"/>
+                  </a:schemeClr>
+                </a:solidFill>
+                <a:latin typeface="微软雅黑" panose="020B0503020204020204" pitchFamily="34" charset="-122"/>
+                <a:ea typeface="微软雅黑" panose="020B0503020204020204" pitchFamily="34" charset="-122"/>
+              </a:rPr>
+              <a:t>6</a:t>
+            </a:r>
+            <a:r>
+              <a:rPr lang="zh-CN" altLang="en-US" sz="2000" b="1" dirty="0">
+                <a:solidFill>
+                  <a:schemeClr val="tx1">
+                    <a:lumMod val="50000"/>
+                    <a:lumOff val="50000"/>
+                  </a:schemeClr>
+                </a:solidFill>
+                <a:latin typeface="微软雅黑" panose="020B0503020204020204" pitchFamily="34" charset="-122"/>
+                <a:ea typeface="微软雅黑" panose="020B0503020204020204" pitchFamily="34" charset="-122"/>
+              </a:rPr>
+              <a:t>、分析人员必须提炼出隐藏在客户提出的解决方案背后的真正意图。</a:t>
+            </a:r>
+          </a:p>
         </p:txBody>
       </p:sp>
     </p:spTree>
     <p:extLst>
       <p:ext uri="{BB962C8B-B14F-4D97-AF65-F5344CB8AC3E}">
-        <p14:creationId xmlns:p14="http://schemas.microsoft.com/office/powerpoint/2010/main" val="769223940"/>
+        <p14:creationId xmlns:p14="http://schemas.microsoft.com/office/powerpoint/2010/main" val="4232247474"/>
       </p:ext>
     </p:extLst>
   </p:cSld>
@@ -25259,8 +25886,8 @@
         </p:nvSpPr>
         <p:spPr>
           <a:xfrm>
-            <a:off x="1574801" y="2033984"/>
-            <a:ext cx="7863113" cy="2690416"/>
+            <a:off x="646111" y="452718"/>
+            <a:ext cx="9404723" cy="1400530"/>
           </a:xfrm>
         </p:spPr>
         <p:txBody>
@@ -25268,45 +25895,159 @@
           <a:lstStyle/>
           <a:p>
             <a:r>
-              <a:rPr lang="zh-CN" altLang="en-US" sz="9600" dirty="0">
-                <a:latin typeface="Microsoft YaHei UI" panose="020B0503020204020204" pitchFamily="34" charset="-122"/>
-                <a:ea typeface="Microsoft YaHei UI" panose="020B0503020204020204" pitchFamily="34" charset="-122"/>
+              <a:rPr lang="zh-CN" altLang="en-US" dirty="0"/>
+              <a:t>需求风险管理计划</a:t>
+            </a:r>
+          </a:p>
+        </p:txBody>
+      </p:sp>
+      <p:sp>
+        <p:nvSpPr>
+          <p:cNvPr id="3" name="文本框 5"/>
+          <p:cNvSpPr txBox="1"/>
+          <p:nvPr/>
+        </p:nvSpPr>
+        <p:spPr>
+          <a:xfrm>
+            <a:off x="604615" y="1505674"/>
+            <a:ext cx="10877266" cy="3170099"/>
+          </a:xfrm>
+          <a:prstGeom prst="rect">
+            <a:avLst/>
+          </a:prstGeom>
+          <a:noFill/>
+        </p:spPr>
+        <p:txBody>
+          <a:bodyPr wrap="square" rtlCol="0">
+            <a:spAutoFit/>
+          </a:bodyPr>
+          <a:lstStyle/>
+          <a:p>
+            <a:r>
+              <a:rPr lang="en-US" altLang="zh-CN" sz="2000" b="1" dirty="0">
+                <a:solidFill>
+                  <a:schemeClr val="tx1">
+                    <a:lumMod val="50000"/>
+                    <a:lumOff val="50000"/>
+                  </a:schemeClr>
+                </a:solidFill>
+                <a:latin typeface="微软雅黑" panose="020B0503020204020204" pitchFamily="34" charset="-122"/>
+                <a:ea typeface="微软雅黑" panose="020B0503020204020204" pitchFamily="34" charset="-122"/>
               </a:rPr>
-              <a:t>第</a:t>
-            </a:r>
-            <a:r>
-              <a:rPr lang="en-US" altLang="zh-CN" sz="9600" dirty="0">
-                <a:latin typeface="Microsoft YaHei UI" panose="020B0503020204020204" pitchFamily="34" charset="-122"/>
-                <a:ea typeface="Microsoft YaHei UI" panose="020B0503020204020204" pitchFamily="34" charset="-122"/>
+              <a:t>1</a:t>
+            </a:r>
+            <a:r>
+              <a:rPr lang="zh-CN" altLang="en-US" sz="2000" b="1" dirty="0">
+                <a:solidFill>
+                  <a:schemeClr val="tx1">
+                    <a:lumMod val="50000"/>
+                    <a:lumOff val="50000"/>
+                  </a:schemeClr>
+                </a:solidFill>
+                <a:latin typeface="微软雅黑" panose="020B0503020204020204" pitchFamily="34" charset="-122"/>
+                <a:ea typeface="微软雅黑" panose="020B0503020204020204" pitchFamily="34" charset="-122"/>
               </a:rPr>
-              <a:t>8</a:t>
-            </a:r>
-            <a:r>
-              <a:rPr lang="zh-CN" altLang="en-US" sz="9600" dirty="0">
-                <a:latin typeface="Microsoft YaHei UI" panose="020B0503020204020204" pitchFamily="34" charset="-122"/>
-                <a:ea typeface="Microsoft YaHei UI" panose="020B0503020204020204" pitchFamily="34" charset="-122"/>
+              <a:t>、要明确你当前软件开发项目面临的一些与需求有关的风险，不要把当前的问题当作风险，一定要是那些还未发生的事情。将风险的因素编写成文档，为每项需求风险推荐至少一种可能的降低风险的方法。</a:t>
+            </a:r>
+            <a:endParaRPr lang="en-US" altLang="zh-CN" sz="2000" b="1" dirty="0">
+              <a:solidFill>
+                <a:schemeClr val="tx1">
+                  <a:lumMod val="50000"/>
+                  <a:lumOff val="50000"/>
+                </a:schemeClr>
+              </a:solidFill>
+              <a:latin typeface="微软雅黑" panose="020B0503020204020204" pitchFamily="34" charset="-122"/>
+              <a:ea typeface="微软雅黑" panose="020B0503020204020204" pitchFamily="34" charset="-122"/>
+            </a:endParaRPr>
+          </a:p>
+          <a:p>
+            <a:endParaRPr lang="en-US" altLang="zh-CN" sz="2000" b="1" dirty="0">
+              <a:solidFill>
+                <a:schemeClr val="tx1">
+                  <a:lumMod val="50000"/>
+                  <a:lumOff val="50000"/>
+                </a:schemeClr>
+              </a:solidFill>
+              <a:latin typeface="微软雅黑" panose="020B0503020204020204" pitchFamily="34" charset="-122"/>
+              <a:ea typeface="微软雅黑" panose="020B0503020204020204" pitchFamily="34" charset="-122"/>
+            </a:endParaRPr>
+          </a:p>
+          <a:p>
+            <a:r>
+              <a:rPr lang="en-US" altLang="zh-CN" sz="2000" b="1" dirty="0">
+                <a:solidFill>
+                  <a:schemeClr val="tx1">
+                    <a:lumMod val="50000"/>
+                    <a:lumOff val="50000"/>
+                  </a:schemeClr>
+                </a:solidFill>
+                <a:latin typeface="微软雅黑" panose="020B0503020204020204" pitchFamily="34" charset="-122"/>
+                <a:ea typeface="微软雅黑" panose="020B0503020204020204" pitchFamily="34" charset="-122"/>
               </a:rPr>
-              <a:t>章 </a:t>
-            </a:r>
-            <a:br>
-              <a:rPr lang="en-US" altLang="zh-CN" sz="9600" dirty="0">
-                <a:latin typeface="Microsoft YaHei UI" panose="020B0503020204020204" pitchFamily="34" charset="-122"/>
-                <a:ea typeface="Microsoft YaHei UI" panose="020B0503020204020204" pitchFamily="34" charset="-122"/>
+              <a:t>2</a:t>
+            </a:r>
+            <a:r>
+              <a:rPr lang="zh-CN" altLang="en-US" sz="2000" b="1" dirty="0">
+                <a:solidFill>
+                  <a:schemeClr val="tx1">
+                    <a:lumMod val="50000"/>
+                    <a:lumOff val="50000"/>
+                  </a:schemeClr>
+                </a:solidFill>
+                <a:latin typeface="微软雅黑" panose="020B0503020204020204" pitchFamily="34" charset="-122"/>
+                <a:ea typeface="微软雅黑" panose="020B0503020204020204" pitchFamily="34" charset="-122"/>
               </a:rPr>
-            </a:br>
-            <a:r>
-              <a:rPr lang="zh-CN" altLang="en-US" sz="9600" dirty="0">
-                <a:latin typeface="Microsoft YaHei UI" panose="020B0503020204020204" pitchFamily="34" charset="-122"/>
-                <a:ea typeface="Microsoft YaHei UI" panose="020B0503020204020204" pitchFamily="34" charset="-122"/>
+              <a:t>、强调市场调研、构建原型并成立客户小组，小组负责今早并经常获取对新产品前景的反馈信息</a:t>
+            </a:r>
+          </a:p>
+          <a:p>
+            <a:endParaRPr lang="en-US" altLang="zh-CN" sz="2000" b="1" dirty="0">
+              <a:solidFill>
+                <a:schemeClr val="tx1">
+                  <a:lumMod val="50000"/>
+                  <a:lumOff val="50000"/>
+                </a:schemeClr>
+              </a:solidFill>
+              <a:latin typeface="微软雅黑" panose="020B0503020204020204" pitchFamily="34" charset="-122"/>
+              <a:ea typeface="微软雅黑" panose="020B0503020204020204" pitchFamily="34" charset="-122"/>
+            </a:endParaRPr>
+          </a:p>
+          <a:p>
+            <a:r>
+              <a:rPr lang="en-US" altLang="zh-CN" sz="2000" b="1" dirty="0">
+                <a:solidFill>
+                  <a:schemeClr val="tx1">
+                    <a:lumMod val="50000"/>
+                    <a:lumOff val="50000"/>
+                  </a:schemeClr>
+                </a:solidFill>
+                <a:latin typeface="微软雅黑" panose="020B0503020204020204" pitchFamily="34" charset="-122"/>
+                <a:ea typeface="微软雅黑" panose="020B0503020204020204" pitchFamily="34" charset="-122"/>
               </a:rPr>
-              <a:t>配置系统管理指南</a:t>
-            </a:r>
-            <a:br>
-              <a:rPr lang="zh-CN" altLang="en-US" sz="9600" dirty="0"/>
-            </a:br>
-            <a:endParaRPr lang="zh-CN" sz="9600" dirty="0">
-              <a:latin typeface="Microsoft YaHei UI" panose="020B0503020204020204" pitchFamily="34" charset="-122"/>
-              <a:ea typeface="Microsoft YaHei UI" panose="020B0503020204020204" pitchFamily="34" charset="-122"/>
+              <a:t>3</a:t>
+            </a:r>
+            <a:r>
+              <a:rPr lang="zh-CN" altLang="en-US" sz="2000" b="1" dirty="0">
+                <a:solidFill>
+                  <a:schemeClr val="tx1">
+                    <a:lumMod val="50000"/>
+                    <a:lumOff val="50000"/>
+                  </a:schemeClr>
+                </a:solidFill>
+                <a:latin typeface="微软雅黑" panose="020B0503020204020204" pitchFamily="34" charset="-122"/>
+                <a:ea typeface="微软雅黑" panose="020B0503020204020204" pitchFamily="34" charset="-122"/>
+              </a:rPr>
+              <a:t>、召集代表开发、市场、客户和管理各方面的涉众召开风险“集体研讨”会议。尽力找出更多与需求有关的风险因素。估计每项风险发生的可能性及其影响。为每项风险安排一个负责人负责实施降低风险的活动。</a:t>
+            </a:r>
+            <a:endParaRPr lang="en-US" altLang="zh-CN" sz="2000" b="1" dirty="0">
+              <a:solidFill>
+                <a:schemeClr val="tx1">
+                  <a:lumMod val="50000"/>
+                  <a:lumOff val="50000"/>
+                </a:schemeClr>
+              </a:solidFill>
+              <a:latin typeface="微软雅黑" panose="020B0503020204020204" pitchFamily="34" charset="-122"/>
+              <a:ea typeface="微软雅黑" panose="020B0503020204020204" pitchFamily="34" charset="-122"/>
             </a:endParaRPr>
           </a:p>
         </p:txBody>
@@ -25314,7 +26055,7 @@
     </p:spTree>
     <p:extLst>
       <p:ext uri="{BB962C8B-B14F-4D97-AF65-F5344CB8AC3E}">
-        <p14:creationId xmlns:p14="http://schemas.microsoft.com/office/powerpoint/2010/main" val="2699523067"/>
+        <p14:creationId xmlns:p14="http://schemas.microsoft.com/office/powerpoint/2010/main" val="769223940"/>
       </p:ext>
     </p:extLst>
   </p:cSld>
@@ -25353,8 +26094,8 @@
         </p:nvSpPr>
         <p:spPr>
           <a:xfrm>
-            <a:off x="646111" y="452718"/>
-            <a:ext cx="9404723" cy="1400530"/>
+            <a:off x="1574801" y="2033984"/>
+            <a:ext cx="7863113" cy="2690416"/>
           </a:xfrm>
         </p:spPr>
         <p:txBody>
@@ -25362,108 +26103,45 @@
           <a:lstStyle/>
           <a:p>
             <a:r>
-              <a:rPr lang="zh-CN" altLang="en-US" dirty="0"/>
-              <a:t>配置标志</a:t>
-            </a:r>
-          </a:p>
-        </p:txBody>
-      </p:sp>
-      <p:sp>
-        <p:nvSpPr>
-          <p:cNvPr id="3" name="文本框 5"/>
-          <p:cNvSpPr txBox="1"/>
-          <p:nvPr/>
-        </p:nvSpPr>
-        <p:spPr>
-          <a:xfrm>
-            <a:off x="604615" y="2296962"/>
-            <a:ext cx="10877266" cy="707886"/>
-          </a:xfrm>
-          <a:prstGeom prst="rect">
-            <a:avLst/>
-          </a:prstGeom>
-          <a:noFill/>
-        </p:spPr>
-        <p:txBody>
-          <a:bodyPr wrap="square" rtlCol="0">
-            <a:spAutoFit/>
-          </a:bodyPr>
-          <a:lstStyle/>
-          <a:p>
-            <a:r>
-              <a:rPr lang="zh-CN" altLang="en-US" sz="2000" b="1" dirty="0">
-                <a:solidFill>
-                  <a:schemeClr val="tx1">
-                    <a:lumMod val="50000"/>
-                    <a:lumOff val="50000"/>
-                  </a:schemeClr>
-                </a:solidFill>
-                <a:latin typeface="微软雅黑" panose="020B0503020204020204" pitchFamily="34" charset="-122"/>
-                <a:ea typeface="微软雅黑" panose="020B0503020204020204" pitchFamily="34" charset="-122"/>
+              <a:rPr lang="zh-CN" altLang="en-US" sz="9600" dirty="0">
+                <a:latin typeface="Microsoft YaHei UI" panose="020B0503020204020204" pitchFamily="34" charset="-122"/>
+                <a:ea typeface="Microsoft YaHei UI" panose="020B0503020204020204" pitchFamily="34" charset="-122"/>
               </a:rPr>
-              <a:t>软件项的标识基本按照</a:t>
-            </a:r>
-            <a:r>
-              <a:rPr lang="en-US" altLang="zh-CN" sz="2000" b="1" dirty="0">
-                <a:solidFill>
-                  <a:schemeClr val="tx1">
-                    <a:lumMod val="50000"/>
-                    <a:lumOff val="50000"/>
-                  </a:schemeClr>
-                </a:solidFill>
-                <a:latin typeface="微软雅黑" panose="020B0503020204020204" pitchFamily="34" charset="-122"/>
-                <a:ea typeface="微软雅黑" panose="020B0503020204020204" pitchFamily="34" charset="-122"/>
+              <a:t>第</a:t>
+            </a:r>
+            <a:r>
+              <a:rPr lang="en-US" altLang="zh-CN" sz="9600" dirty="0">
+                <a:latin typeface="Microsoft YaHei UI" panose="020B0503020204020204" pitchFamily="34" charset="-122"/>
+                <a:ea typeface="Microsoft YaHei UI" panose="020B0503020204020204" pitchFamily="34" charset="-122"/>
               </a:rPr>
-              <a:t>《</a:t>
-            </a:r>
-            <a:r>
-              <a:rPr lang="zh-CN" altLang="en-US" sz="2000" b="1" dirty="0">
-                <a:solidFill>
-                  <a:schemeClr val="tx1">
-                    <a:lumMod val="50000"/>
-                    <a:lumOff val="50000"/>
-                  </a:schemeClr>
-                </a:solidFill>
-                <a:latin typeface="微软雅黑" panose="020B0503020204020204" pitchFamily="34" charset="-122"/>
-                <a:ea typeface="微软雅黑" panose="020B0503020204020204" pitchFamily="34" charset="-122"/>
+              <a:t>8</a:t>
+            </a:r>
+            <a:r>
+              <a:rPr lang="zh-CN" altLang="en-US" sz="9600" dirty="0">
+                <a:latin typeface="Microsoft YaHei UI" panose="020B0503020204020204" pitchFamily="34" charset="-122"/>
+                <a:ea typeface="Microsoft YaHei UI" panose="020B0503020204020204" pitchFamily="34" charset="-122"/>
               </a:rPr>
-              <a:t>软件配置标识命名规则</a:t>
-            </a:r>
-            <a:r>
-              <a:rPr lang="en-US" altLang="zh-CN" sz="2000" b="1" dirty="0">
-                <a:solidFill>
-                  <a:schemeClr val="tx1">
-                    <a:lumMod val="50000"/>
-                    <a:lumOff val="50000"/>
-                  </a:schemeClr>
-                </a:solidFill>
-                <a:latin typeface="微软雅黑" panose="020B0503020204020204" pitchFamily="34" charset="-122"/>
-                <a:ea typeface="微软雅黑" panose="020B0503020204020204" pitchFamily="34" charset="-122"/>
+              <a:t>章 </a:t>
+            </a:r>
+            <a:br>
+              <a:rPr lang="en-US" altLang="zh-CN" sz="9600" dirty="0">
+                <a:latin typeface="Microsoft YaHei UI" panose="020B0503020204020204" pitchFamily="34" charset="-122"/>
+                <a:ea typeface="Microsoft YaHei UI" panose="020B0503020204020204" pitchFamily="34" charset="-122"/>
               </a:rPr>
-              <a:t>》</a:t>
-            </a:r>
-            <a:r>
-              <a:rPr lang="zh-CN" altLang="en-US" sz="2000" b="1" dirty="0">
-                <a:solidFill>
-                  <a:schemeClr val="tx1">
-                    <a:lumMod val="50000"/>
-                    <a:lumOff val="50000"/>
-                  </a:schemeClr>
-                </a:solidFill>
-                <a:latin typeface="微软雅黑" panose="020B0503020204020204" pitchFamily="34" charset="-122"/>
-                <a:ea typeface="微软雅黑" panose="020B0503020204020204" pitchFamily="34" charset="-122"/>
+            </a:br>
+            <a:r>
+              <a:rPr lang="zh-CN" altLang="en-US" sz="9600" dirty="0">
+                <a:latin typeface="Microsoft YaHei UI" panose="020B0503020204020204" pitchFamily="34" charset="-122"/>
+                <a:ea typeface="Microsoft YaHei UI" panose="020B0503020204020204" pitchFamily="34" charset="-122"/>
               </a:rPr>
-              <a:t>进行。要通过标识能够确定软件项之间的相互联系。</a:t>
-            </a:r>
-            <a:endParaRPr lang="en-US" altLang="zh-CN" sz="2000" b="1" dirty="0">
-              <a:solidFill>
-                <a:schemeClr val="tx1">
-                  <a:lumMod val="50000"/>
-                  <a:lumOff val="50000"/>
-                </a:schemeClr>
-              </a:solidFill>
-              <a:latin typeface="微软雅黑" panose="020B0503020204020204" pitchFamily="34" charset="-122"/>
-              <a:ea typeface="微软雅黑" panose="020B0503020204020204" pitchFamily="34" charset="-122"/>
+              <a:t>配置系统管理指南</a:t>
+            </a:r>
+            <a:br>
+              <a:rPr lang="zh-CN" altLang="en-US" sz="9600" dirty="0"/>
+            </a:br>
+            <a:endParaRPr lang="zh-CN" sz="9600" dirty="0">
+              <a:latin typeface="Microsoft YaHei UI" panose="020B0503020204020204" pitchFamily="34" charset="-122"/>
+              <a:ea typeface="Microsoft YaHei UI" panose="020B0503020204020204" pitchFamily="34" charset="-122"/>
             </a:endParaRPr>
           </a:p>
         </p:txBody>
@@ -25471,7 +26149,7 @@
     </p:spTree>
     <p:extLst>
       <p:ext uri="{BB962C8B-B14F-4D97-AF65-F5344CB8AC3E}">
-        <p14:creationId xmlns:p14="http://schemas.microsoft.com/office/powerpoint/2010/main" val="404462160"/>
+        <p14:creationId xmlns:p14="http://schemas.microsoft.com/office/powerpoint/2010/main" val="2699523067"/>
       </p:ext>
     </p:extLst>
   </p:cSld>
@@ -25520,7 +26198,7 @@
           <a:p>
             <a:r>
               <a:rPr lang="zh-CN" altLang="en-US" dirty="0"/>
-              <a:t>版本管理</a:t>
+              <a:t>配置标志</a:t>
             </a:r>
           </a:p>
         </p:txBody>
@@ -25533,8 +26211,8 @@
         </p:nvSpPr>
         <p:spPr>
           <a:xfrm>
-            <a:off x="604615" y="1505674"/>
-            <a:ext cx="10877266" cy="4401205"/>
+            <a:off x="604615" y="2296962"/>
+            <a:ext cx="10877266" cy="707886"/>
           </a:xfrm>
           <a:prstGeom prst="rect">
             <a:avLst/>
@@ -25548,6 +26226,19 @@
           <a:lstStyle/>
           <a:p>
             <a:r>
+              <a:rPr lang="zh-CN" altLang="en-US" sz="2000" b="1" dirty="0">
+                <a:solidFill>
+                  <a:schemeClr val="tx1">
+                    <a:lumMod val="50000"/>
+                    <a:lumOff val="50000"/>
+                  </a:schemeClr>
+                </a:solidFill>
+                <a:latin typeface="微软雅黑" panose="020B0503020204020204" pitchFamily="34" charset="-122"/>
+                <a:ea typeface="微软雅黑" panose="020B0503020204020204" pitchFamily="34" charset="-122"/>
+              </a:rPr>
+              <a:t>软件项的标识基本按照</a:t>
+            </a:r>
+            <a:r>
               <a:rPr lang="en-US" altLang="zh-CN" sz="2000" b="1" dirty="0">
                 <a:solidFill>
                   <a:schemeClr val="tx1">
@@ -25558,7 +26249,7 @@
                 <a:latin typeface="微软雅黑" panose="020B0503020204020204" pitchFamily="34" charset="-122"/>
                 <a:ea typeface="微软雅黑" panose="020B0503020204020204" pitchFamily="34" charset="-122"/>
               </a:rPr>
-              <a:t>1.</a:t>
+              <a:t>《</a:t>
             </a:r>
             <a:r>
               <a:rPr lang="zh-CN" altLang="en-US" sz="2000" b="1" dirty="0">
@@ -25571,10 +26262,8 @@
                 <a:latin typeface="微软雅黑" panose="020B0503020204020204" pitchFamily="34" charset="-122"/>
                 <a:ea typeface="微软雅黑" panose="020B0503020204020204" pitchFamily="34" charset="-122"/>
               </a:rPr>
-              <a:t>首先在服务器上建立一个目录，作为项目配置数据库。在此目录下按照每个项目组建一个分目录，项目组代码及项目组名构成目录名，然后在此项目组目录下按照所属每个项目建一个子目录，同一项目的开发文档存放在一个目录下，项目编号紧跟项目名就是目录名。在一个项目分目录下可按非受控文档与受控文档建立一级次目录，然后在一级次目录下按文档的不同类型建立二级次目录，使得所有开发文档能分门别类的组织存放，便于查询。目录结构可见下图的示例。</a:t>
-            </a:r>
-          </a:p>
-          <a:p>
+              <a:t>软件配置标识命名规则</a:t>
+            </a:r>
             <a:r>
               <a:rPr lang="en-US" altLang="zh-CN" sz="2000" b="1" dirty="0">
                 <a:solidFill>
@@ -25586,7 +26275,7 @@
                 <a:latin typeface="微软雅黑" panose="020B0503020204020204" pitchFamily="34" charset="-122"/>
                 <a:ea typeface="微软雅黑" panose="020B0503020204020204" pitchFamily="34" charset="-122"/>
               </a:rPr>
-              <a:t>2.</a:t>
+              <a:t>》</a:t>
             </a:r>
             <a:r>
               <a:rPr lang="zh-CN" altLang="en-US" sz="2000" b="1" dirty="0">
@@ -25599,203 +26288,25 @@
                 <a:latin typeface="微软雅黑" panose="020B0503020204020204" pitchFamily="34" charset="-122"/>
                 <a:ea typeface="微软雅黑" panose="020B0503020204020204" pitchFamily="34" charset="-122"/>
               </a:rPr>
-              <a:t>项目子目录的受控文档一般只有项目经理和属于该项目的开发人员和配置管理员能够访问到。配置管理员负责分配访问权限，一般项目经理对该目录具有较大的权限</a:t>
-            </a:r>
-            <a:r>
-              <a:rPr lang="en-US" altLang="zh-CN" sz="2000" b="1" dirty="0">
-                <a:solidFill>
-                  <a:schemeClr val="tx1">
-                    <a:lumMod val="50000"/>
-                    <a:lumOff val="50000"/>
-                  </a:schemeClr>
-                </a:solidFill>
-                <a:latin typeface="微软雅黑" panose="020B0503020204020204" pitchFamily="34" charset="-122"/>
-                <a:ea typeface="微软雅黑" panose="020B0503020204020204" pitchFamily="34" charset="-122"/>
-              </a:rPr>
-              <a:t>——</a:t>
-            </a:r>
-            <a:r>
-              <a:rPr lang="zh-CN" altLang="en-US" sz="2000" b="1" dirty="0">
-                <a:solidFill>
-                  <a:schemeClr val="tx1">
-                    <a:lumMod val="50000"/>
-                    <a:lumOff val="50000"/>
-                  </a:schemeClr>
-                </a:solidFill>
-                <a:latin typeface="微软雅黑" panose="020B0503020204020204" pitchFamily="34" charset="-122"/>
-                <a:ea typeface="微软雅黑" panose="020B0503020204020204" pitchFamily="34" charset="-122"/>
-              </a:rPr>
-              <a:t>读取、添加和更改；一般开发人员只有读取的权限。</a:t>
-            </a:r>
-          </a:p>
-          <a:p>
-            <a:r>
-              <a:rPr lang="en-US" altLang="zh-CN" sz="2000" b="1" dirty="0">
-                <a:solidFill>
-                  <a:schemeClr val="tx1">
-                    <a:lumMod val="50000"/>
-                    <a:lumOff val="50000"/>
-                  </a:schemeClr>
-                </a:solidFill>
-                <a:latin typeface="微软雅黑" panose="020B0503020204020204" pitchFamily="34" charset="-122"/>
-                <a:ea typeface="微软雅黑" panose="020B0503020204020204" pitchFamily="34" charset="-122"/>
-              </a:rPr>
-              <a:t>3.</a:t>
-            </a:r>
-            <a:r>
-              <a:rPr lang="zh-CN" altLang="en-US" sz="2000" b="1" dirty="0">
-                <a:solidFill>
-                  <a:schemeClr val="tx1">
-                    <a:lumMod val="50000"/>
-                    <a:lumOff val="50000"/>
-                  </a:schemeClr>
-                </a:solidFill>
-                <a:latin typeface="微软雅黑" panose="020B0503020204020204" pitchFamily="34" charset="-122"/>
-                <a:ea typeface="微软雅黑" panose="020B0503020204020204" pitchFamily="34" charset="-122"/>
-              </a:rPr>
-              <a:t>在项目开发的某一阶段结束时，通过了该阶段评审的这些开发文档交配置管理员保存到项目数据库，做为正式版本的第一版</a:t>
-            </a:r>
-            <a:r>
-              <a:rPr lang="en-US" altLang="zh-CN" sz="2000" b="1" dirty="0">
-                <a:solidFill>
-                  <a:schemeClr val="tx1">
-                    <a:lumMod val="50000"/>
-                    <a:lumOff val="50000"/>
-                  </a:schemeClr>
-                </a:solidFill>
-                <a:latin typeface="微软雅黑" panose="020B0503020204020204" pitchFamily="34" charset="-122"/>
-                <a:ea typeface="微软雅黑" panose="020B0503020204020204" pitchFamily="34" charset="-122"/>
-              </a:rPr>
-              <a:t>——1.0</a:t>
-            </a:r>
-            <a:r>
-              <a:rPr lang="zh-CN" altLang="en-US" sz="2000" b="1" dirty="0">
-                <a:solidFill>
-                  <a:schemeClr val="tx1">
-                    <a:lumMod val="50000"/>
-                    <a:lumOff val="50000"/>
-                  </a:schemeClr>
-                </a:solidFill>
-                <a:latin typeface="微软雅黑" panose="020B0503020204020204" pitchFamily="34" charset="-122"/>
-                <a:ea typeface="微软雅黑" panose="020B0503020204020204" pitchFamily="34" charset="-122"/>
-              </a:rPr>
-              <a:t>版本。</a:t>
-            </a:r>
-          </a:p>
-          <a:p>
-            <a:r>
-              <a:rPr lang="en-US" altLang="zh-CN" sz="2000" b="1" dirty="0">
-                <a:solidFill>
-                  <a:schemeClr val="tx1">
-                    <a:lumMod val="50000"/>
-                    <a:lumOff val="50000"/>
-                  </a:schemeClr>
-                </a:solidFill>
-                <a:latin typeface="微软雅黑" panose="020B0503020204020204" pitchFamily="34" charset="-122"/>
-                <a:ea typeface="微软雅黑" panose="020B0503020204020204" pitchFamily="34" charset="-122"/>
-              </a:rPr>
-              <a:t>4.</a:t>
-            </a:r>
-            <a:r>
-              <a:rPr lang="zh-CN" altLang="en-US" sz="2000" b="1" dirty="0">
-                <a:solidFill>
-                  <a:schemeClr val="tx1">
-                    <a:lumMod val="50000"/>
-                    <a:lumOff val="50000"/>
-                  </a:schemeClr>
-                </a:solidFill>
-                <a:latin typeface="微软雅黑" panose="020B0503020204020204" pitchFamily="34" charset="-122"/>
-                <a:ea typeface="微软雅黑" panose="020B0503020204020204" pitchFamily="34" charset="-122"/>
-              </a:rPr>
-              <a:t>在以后的开发中，如果软件需要修改，那修改后的软件可用多级编号来表示新版本</a:t>
-            </a:r>
-            <a:r>
-              <a:rPr lang="en-US" altLang="zh-CN" sz="2000" b="1" dirty="0">
-                <a:solidFill>
-                  <a:schemeClr val="tx1">
-                    <a:lumMod val="50000"/>
-                    <a:lumOff val="50000"/>
-                  </a:schemeClr>
-                </a:solidFill>
-                <a:latin typeface="微软雅黑" panose="020B0503020204020204" pitchFamily="34" charset="-122"/>
-                <a:ea typeface="微软雅黑" panose="020B0503020204020204" pitchFamily="34" charset="-122"/>
-              </a:rPr>
-              <a:t>——1.1</a:t>
-            </a:r>
-            <a:r>
-              <a:rPr lang="zh-CN" altLang="en-US" sz="2000" b="1" dirty="0">
-                <a:solidFill>
-                  <a:schemeClr val="tx1">
-                    <a:lumMod val="50000"/>
-                    <a:lumOff val="50000"/>
-                  </a:schemeClr>
-                </a:solidFill>
-                <a:latin typeface="微软雅黑" panose="020B0503020204020204" pitchFamily="34" charset="-122"/>
-                <a:ea typeface="微软雅黑" panose="020B0503020204020204" pitchFamily="34" charset="-122"/>
-              </a:rPr>
-              <a:t>、</a:t>
-            </a:r>
-            <a:r>
-              <a:rPr lang="en-US" altLang="zh-CN" sz="2000" b="1" dirty="0">
-                <a:solidFill>
-                  <a:schemeClr val="tx1">
-                    <a:lumMod val="50000"/>
-                    <a:lumOff val="50000"/>
-                  </a:schemeClr>
-                </a:solidFill>
-                <a:latin typeface="微软雅黑" panose="020B0503020204020204" pitchFamily="34" charset="-122"/>
-                <a:ea typeface="微软雅黑" panose="020B0503020204020204" pitchFamily="34" charset="-122"/>
-              </a:rPr>
-              <a:t>1.2</a:t>
-            </a:r>
-            <a:r>
-              <a:rPr lang="zh-CN" altLang="en-US" sz="2000" b="1" dirty="0">
-                <a:solidFill>
-                  <a:schemeClr val="tx1">
-                    <a:lumMod val="50000"/>
-                    <a:lumOff val="50000"/>
-                  </a:schemeClr>
-                </a:solidFill>
-                <a:latin typeface="微软雅黑" panose="020B0503020204020204" pitchFamily="34" charset="-122"/>
-                <a:ea typeface="微软雅黑" panose="020B0503020204020204" pitchFamily="34" charset="-122"/>
-              </a:rPr>
-              <a:t>等加以区别标识。</a:t>
-            </a:r>
-          </a:p>
-          <a:p>
-            <a:r>
-              <a:rPr lang="en-US" altLang="zh-CN" sz="2000" b="1" dirty="0">
-                <a:solidFill>
-                  <a:schemeClr val="tx1">
-                    <a:lumMod val="50000"/>
-                    <a:lumOff val="50000"/>
-                  </a:schemeClr>
-                </a:solidFill>
-                <a:latin typeface="微软雅黑" panose="020B0503020204020204" pitchFamily="34" charset="-122"/>
-                <a:ea typeface="微软雅黑" panose="020B0503020204020204" pitchFamily="34" charset="-122"/>
-              </a:rPr>
-              <a:t>5.</a:t>
-            </a:r>
-            <a:r>
-              <a:rPr lang="zh-CN" altLang="en-US" sz="2000" b="1" dirty="0">
-                <a:solidFill>
-                  <a:schemeClr val="tx1">
-                    <a:lumMod val="50000"/>
-                    <a:lumOff val="50000"/>
-                  </a:schemeClr>
-                </a:solidFill>
-                <a:latin typeface="微软雅黑" panose="020B0503020204020204" pitchFamily="34" charset="-122"/>
-                <a:ea typeface="微软雅黑" panose="020B0503020204020204" pitchFamily="34" charset="-122"/>
-              </a:rPr>
-              <a:t>在各个评审阶段产生的所有评审报告和修改报告都要进行编号保存，编号与相应文档的编号要对应。</a:t>
-            </a:r>
+              <a:t>进行。要通过标识能够确定软件项之间的相互联系。</a:t>
+            </a:r>
+            <a:endParaRPr lang="en-US" altLang="zh-CN" sz="2000" b="1" dirty="0">
+              <a:solidFill>
+                <a:schemeClr val="tx1">
+                  <a:lumMod val="50000"/>
+                  <a:lumOff val="50000"/>
+                </a:schemeClr>
+              </a:solidFill>
+              <a:latin typeface="微软雅黑" panose="020B0503020204020204" pitchFamily="34" charset="-122"/>
+              <a:ea typeface="微软雅黑" panose="020B0503020204020204" pitchFamily="34" charset="-122"/>
+            </a:endParaRPr>
           </a:p>
         </p:txBody>
       </p:sp>
     </p:spTree>
     <p:extLst>
       <p:ext uri="{BB962C8B-B14F-4D97-AF65-F5344CB8AC3E}">
-        <p14:creationId xmlns:p14="http://schemas.microsoft.com/office/powerpoint/2010/main" val="1955698181"/>
+        <p14:creationId xmlns:p14="http://schemas.microsoft.com/office/powerpoint/2010/main" val="404462160"/>
       </p:ext>
     </p:extLst>
   </p:cSld>
@@ -25844,16 +26355,8 @@
           <a:p>
             <a:r>
               <a:rPr lang="zh-CN" altLang="en-US" dirty="0"/>
-              <a:t>变更控制</a:t>
-            </a:r>
-            <a:br>
-              <a:rPr lang="en-US" altLang="zh-CN" dirty="0"/>
-            </a:br>
-            <a:r>
-              <a:rPr lang="zh-CN" altLang="zh-CN" sz="2400" dirty="0"/>
-              <a:t>微小改正时的变更控制</a:t>
-            </a:r>
-            <a:endParaRPr lang="zh-CN" altLang="en-US" dirty="0"/>
+              <a:t>版本管理</a:t>
+            </a:r>
           </a:p>
         </p:txBody>
       </p:sp>
@@ -25865,8 +26368,8 @@
         </p:nvSpPr>
         <p:spPr>
           <a:xfrm>
-            <a:off x="604615" y="1707890"/>
-            <a:ext cx="10877266" cy="3785652"/>
+            <a:off x="604615" y="1505674"/>
+            <a:ext cx="10877266" cy="4401205"/>
           </a:xfrm>
           <a:prstGeom prst="rect">
             <a:avLst/>
@@ -25903,134 +26406,8 @@
                 <a:latin typeface="微软雅黑" panose="020B0503020204020204" pitchFamily="34" charset="-122"/>
                 <a:ea typeface="微软雅黑" panose="020B0503020204020204" pitchFamily="34" charset="-122"/>
               </a:rPr>
-              <a:t>在评审或测试后发现的问题由评审组组长或项目经理形成</a:t>
-            </a:r>
-            <a:r>
-              <a:rPr lang="en-US" altLang="zh-CN" sz="2000" b="1" dirty="0">
-                <a:solidFill>
-                  <a:schemeClr val="tx1">
-                    <a:lumMod val="50000"/>
-                    <a:lumOff val="50000"/>
-                  </a:schemeClr>
-                </a:solidFill>
-                <a:latin typeface="微软雅黑" panose="020B0503020204020204" pitchFamily="34" charset="-122"/>
-                <a:ea typeface="微软雅黑" panose="020B0503020204020204" pitchFamily="34" charset="-122"/>
-              </a:rPr>
-              <a:t>《</a:t>
-            </a:r>
-            <a:r>
-              <a:rPr lang="zh-CN" altLang="en-US" sz="2000" b="1" dirty="0">
-                <a:solidFill>
-                  <a:schemeClr val="tx1">
-                    <a:lumMod val="50000"/>
-                    <a:lumOff val="50000"/>
-                  </a:schemeClr>
-                </a:solidFill>
-                <a:latin typeface="微软雅黑" panose="020B0503020204020204" pitchFamily="34" charset="-122"/>
-                <a:ea typeface="微软雅黑" panose="020B0503020204020204" pitchFamily="34" charset="-122"/>
-              </a:rPr>
-              <a:t>软件问题报告单</a:t>
-            </a:r>
-            <a:r>
-              <a:rPr lang="en-US" altLang="zh-CN" sz="2000" b="1" dirty="0">
-                <a:solidFill>
-                  <a:schemeClr val="tx1">
-                    <a:lumMod val="50000"/>
-                    <a:lumOff val="50000"/>
-                  </a:schemeClr>
-                </a:solidFill>
-                <a:latin typeface="微软雅黑" panose="020B0503020204020204" pitchFamily="34" charset="-122"/>
-                <a:ea typeface="微软雅黑" panose="020B0503020204020204" pitchFamily="34" charset="-122"/>
-              </a:rPr>
-              <a:t>》</a:t>
-            </a:r>
-            <a:r>
-              <a:rPr lang="zh-CN" altLang="en-US" sz="2000" b="1" dirty="0">
-                <a:solidFill>
-                  <a:schemeClr val="tx1">
-                    <a:lumMod val="50000"/>
-                    <a:lumOff val="50000"/>
-                  </a:schemeClr>
-                </a:solidFill>
-                <a:latin typeface="微软雅黑" panose="020B0503020204020204" pitchFamily="34" charset="-122"/>
-                <a:ea typeface="微软雅黑" panose="020B0503020204020204" pitchFamily="34" charset="-122"/>
-              </a:rPr>
-              <a:t>或</a:t>
-            </a:r>
-            <a:r>
-              <a:rPr lang="en-US" altLang="zh-CN" sz="2000" b="1" dirty="0">
-                <a:solidFill>
-                  <a:schemeClr val="tx1">
-                    <a:lumMod val="50000"/>
-                    <a:lumOff val="50000"/>
-                  </a:schemeClr>
-                </a:solidFill>
-                <a:latin typeface="微软雅黑" panose="020B0503020204020204" pitchFamily="34" charset="-122"/>
-                <a:ea typeface="微软雅黑" panose="020B0503020204020204" pitchFamily="34" charset="-122"/>
-              </a:rPr>
-              <a:t>《</a:t>
-            </a:r>
-            <a:r>
-              <a:rPr lang="zh-CN" altLang="en-US" sz="2000" b="1" dirty="0">
-                <a:solidFill>
-                  <a:schemeClr val="tx1">
-                    <a:lumMod val="50000"/>
-                    <a:lumOff val="50000"/>
-                  </a:schemeClr>
-                </a:solidFill>
-                <a:latin typeface="微软雅黑" panose="020B0503020204020204" pitchFamily="34" charset="-122"/>
-                <a:ea typeface="微软雅黑" panose="020B0503020204020204" pitchFamily="34" charset="-122"/>
-              </a:rPr>
-              <a:t>源代码修改记录单</a:t>
-            </a:r>
-            <a:r>
-              <a:rPr lang="en-US" altLang="zh-CN" sz="2000" b="1" dirty="0">
-                <a:solidFill>
-                  <a:schemeClr val="tx1">
-                    <a:lumMod val="50000"/>
-                    <a:lumOff val="50000"/>
-                  </a:schemeClr>
-                </a:solidFill>
-                <a:latin typeface="微软雅黑" panose="020B0503020204020204" pitchFamily="34" charset="-122"/>
-                <a:ea typeface="微软雅黑" panose="020B0503020204020204" pitchFamily="34" charset="-122"/>
-              </a:rPr>
-              <a:t>》</a:t>
-            </a:r>
-            <a:r>
-              <a:rPr lang="zh-CN" altLang="en-US" sz="2000" b="1" dirty="0">
-                <a:solidFill>
-                  <a:schemeClr val="tx1">
-                    <a:lumMod val="50000"/>
-                    <a:lumOff val="50000"/>
-                  </a:schemeClr>
-                </a:solidFill>
-                <a:latin typeface="微软雅黑" panose="020B0503020204020204" pitchFamily="34" charset="-122"/>
-                <a:ea typeface="微软雅黑" panose="020B0503020204020204" pitchFamily="34" charset="-122"/>
-              </a:rPr>
-              <a:t>，并通知配置管理员。</a:t>
-            </a:r>
-            <a:endParaRPr lang="en-US" altLang="zh-CN" sz="2000" b="1" dirty="0">
-              <a:solidFill>
-                <a:schemeClr val="tx1">
-                  <a:lumMod val="50000"/>
-                  <a:lumOff val="50000"/>
-                </a:schemeClr>
-              </a:solidFill>
-              <a:latin typeface="微软雅黑" panose="020B0503020204020204" pitchFamily="34" charset="-122"/>
-              <a:ea typeface="微软雅黑" panose="020B0503020204020204" pitchFamily="34" charset="-122"/>
-            </a:endParaRPr>
-          </a:p>
-          <a:p>
-            <a:endParaRPr lang="zh-CN" altLang="en-US" sz="2000" b="1" dirty="0">
-              <a:solidFill>
-                <a:schemeClr val="tx1">
-                  <a:lumMod val="50000"/>
-                  <a:lumOff val="50000"/>
-                </a:schemeClr>
-              </a:solidFill>
-              <a:latin typeface="微软雅黑" panose="020B0503020204020204" pitchFamily="34" charset="-122"/>
-              <a:ea typeface="微软雅黑" panose="020B0503020204020204" pitchFamily="34" charset="-122"/>
-            </a:endParaRPr>
+              <a:t>首先在服务器上建立一个目录，作为项目配置数据库。在此目录下按照每个项目组建一个分目录，项目组代码及项目组名构成目录名，然后在此项目组目录下按照所属每个项目建一个子目录，同一项目的开发文档存放在一个目录下，项目编号紧跟项目名就是目录名。在一个项目分目录下可按非受控文档与受控文档建立一级次目录，然后在一级次目录下按文档的不同类型建立二级次目录，使得所有开发文档能分门别类的组织存放，便于查询。目录结构可见下图的示例。</a:t>
+            </a:r>
           </a:p>
           <a:p>
             <a:r>
@@ -26057,30 +26434,34 @@
                 <a:latin typeface="微软雅黑" panose="020B0503020204020204" pitchFamily="34" charset="-122"/>
                 <a:ea typeface="微软雅黑" panose="020B0503020204020204" pitchFamily="34" charset="-122"/>
               </a:rPr>
-              <a:t>由配置管理员将需要修改的软件的备份从项目配置数据库中检出，开发人员执行修改。</a:t>
-            </a:r>
-            <a:endParaRPr lang="en-US" altLang="zh-CN" sz="2000" b="1" dirty="0">
-              <a:solidFill>
-                <a:schemeClr val="tx1">
-                  <a:lumMod val="50000"/>
-                  <a:lumOff val="50000"/>
-                </a:schemeClr>
-              </a:solidFill>
-              <a:latin typeface="微软雅黑" panose="020B0503020204020204" pitchFamily="34" charset="-122"/>
-              <a:ea typeface="微软雅黑" panose="020B0503020204020204" pitchFamily="34" charset="-122"/>
-            </a:endParaRPr>
-          </a:p>
-          <a:p>
-            <a:endParaRPr lang="zh-CN" altLang="en-US" sz="2000" b="1" dirty="0">
-              <a:solidFill>
-                <a:schemeClr val="tx1">
-                  <a:lumMod val="50000"/>
-                  <a:lumOff val="50000"/>
-                </a:schemeClr>
-              </a:solidFill>
-              <a:latin typeface="微软雅黑" panose="020B0503020204020204" pitchFamily="34" charset="-122"/>
-              <a:ea typeface="微软雅黑" panose="020B0503020204020204" pitchFamily="34" charset="-122"/>
-            </a:endParaRPr>
+              <a:t>项目子目录的受控文档一般只有项目经理和属于该项目的开发人员和配置管理员能够访问到。配置管理员负责分配访问权限，一般项目经理对该目录具有较大的权限</a:t>
+            </a:r>
+            <a:r>
+              <a:rPr lang="en-US" altLang="zh-CN" sz="2000" b="1" dirty="0">
+                <a:solidFill>
+                  <a:schemeClr val="tx1">
+                    <a:lumMod val="50000"/>
+                    <a:lumOff val="50000"/>
+                  </a:schemeClr>
+                </a:solidFill>
+                <a:latin typeface="微软雅黑" panose="020B0503020204020204" pitchFamily="34" charset="-122"/>
+                <a:ea typeface="微软雅黑" panose="020B0503020204020204" pitchFamily="34" charset="-122"/>
+              </a:rPr>
+              <a:t>——</a:t>
+            </a:r>
+            <a:r>
+              <a:rPr lang="zh-CN" altLang="en-US" sz="2000" b="1" dirty="0">
+                <a:solidFill>
+                  <a:schemeClr val="tx1">
+                    <a:lumMod val="50000"/>
+                    <a:lumOff val="50000"/>
+                  </a:schemeClr>
+                </a:solidFill>
+                <a:latin typeface="微软雅黑" panose="020B0503020204020204" pitchFamily="34" charset="-122"/>
+                <a:ea typeface="微软雅黑" panose="020B0503020204020204" pitchFamily="34" charset="-122"/>
+              </a:rPr>
+              <a:t>读取、添加和更改；一般开发人员只有读取的权限。</a:t>
+            </a:r>
           </a:p>
           <a:p>
             <a:r>
@@ -26107,7 +26488,7 @@
                 <a:latin typeface="微软雅黑" panose="020B0503020204020204" pitchFamily="34" charset="-122"/>
                 <a:ea typeface="微软雅黑" panose="020B0503020204020204" pitchFamily="34" charset="-122"/>
               </a:rPr>
-              <a:t>修改完毕后进行修改测试，编程错误累计到了一定的量或者测试时间已满一个月（从上一次入配置库后算起），凭</a:t>
+              <a:t>在项目开发的某一阶段结束时，通过了该阶段评审的这些开发文档交配置管理员保存到项目数据库，做为正式版本的第一版</a:t>
             </a:r>
             <a:r>
               <a:rPr lang="en-US" altLang="zh-CN" sz="2000" b="1" dirty="0">
@@ -26120,7 +26501,7 @@
                 <a:latin typeface="微软雅黑" panose="020B0503020204020204" pitchFamily="34" charset="-122"/>
                 <a:ea typeface="微软雅黑" panose="020B0503020204020204" pitchFamily="34" charset="-122"/>
               </a:rPr>
-              <a:t>《</a:t>
+              <a:t>——1.0</a:t>
             </a:r>
             <a:r>
               <a:rPr lang="zh-CN" altLang="en-US" sz="2000" b="1" dirty="0">
@@ -26133,160 +26514,8 @@
                 <a:latin typeface="微软雅黑" panose="020B0503020204020204" pitchFamily="34" charset="-122"/>
                 <a:ea typeface="微软雅黑" panose="020B0503020204020204" pitchFamily="34" charset="-122"/>
               </a:rPr>
-              <a:t>源代码修改记录单</a:t>
-            </a:r>
-            <a:r>
-              <a:rPr lang="en-US" altLang="zh-CN" sz="2000" b="1" dirty="0">
-                <a:solidFill>
-                  <a:schemeClr val="tx1">
-                    <a:lumMod val="50000"/>
-                    <a:lumOff val="50000"/>
-                  </a:schemeClr>
-                </a:solidFill>
-                <a:latin typeface="微软雅黑" panose="020B0503020204020204" pitchFamily="34" charset="-122"/>
-                <a:ea typeface="微软雅黑" panose="020B0503020204020204" pitchFamily="34" charset="-122"/>
-              </a:rPr>
-              <a:t>》</a:t>
-            </a:r>
-            <a:r>
-              <a:rPr lang="zh-CN" altLang="en-US" sz="2000" b="1" dirty="0">
-                <a:solidFill>
-                  <a:schemeClr val="tx1">
-                    <a:lumMod val="50000"/>
-                    <a:lumOff val="50000"/>
-                  </a:schemeClr>
-                </a:solidFill>
-                <a:latin typeface="微软雅黑" panose="020B0503020204020204" pitchFamily="34" charset="-122"/>
-                <a:ea typeface="微软雅黑" panose="020B0503020204020204" pitchFamily="34" charset="-122"/>
-              </a:rPr>
-              <a:t>及修改后的源代码，通知配置管理员，配置管理员确定测试报告的完备性，并在核对软件修改内容和修改人员填写的</a:t>
-            </a:r>
-            <a:r>
-              <a:rPr lang="en-US" altLang="zh-CN" sz="2000" b="1" dirty="0">
-                <a:solidFill>
-                  <a:schemeClr val="tx1">
-                    <a:lumMod val="50000"/>
-                    <a:lumOff val="50000"/>
-                  </a:schemeClr>
-                </a:solidFill>
-                <a:latin typeface="微软雅黑" panose="020B0503020204020204" pitchFamily="34" charset="-122"/>
-                <a:ea typeface="微软雅黑" panose="020B0503020204020204" pitchFamily="34" charset="-122"/>
-              </a:rPr>
-              <a:t>《</a:t>
-            </a:r>
-            <a:r>
-              <a:rPr lang="zh-CN" altLang="en-US" sz="2000" b="1" dirty="0">
-                <a:solidFill>
-                  <a:schemeClr val="tx1">
-                    <a:lumMod val="50000"/>
-                    <a:lumOff val="50000"/>
-                  </a:schemeClr>
-                </a:solidFill>
-                <a:latin typeface="微软雅黑" panose="020B0503020204020204" pitchFamily="34" charset="-122"/>
-                <a:ea typeface="微软雅黑" panose="020B0503020204020204" pitchFamily="34" charset="-122"/>
-              </a:rPr>
-              <a:t>软件修改报告单</a:t>
-            </a:r>
-            <a:r>
-              <a:rPr lang="en-US" altLang="zh-CN" sz="2000" b="1" dirty="0">
-                <a:solidFill>
-                  <a:schemeClr val="tx1">
-                    <a:lumMod val="50000"/>
-                    <a:lumOff val="50000"/>
-                  </a:schemeClr>
-                </a:solidFill>
-                <a:latin typeface="微软雅黑" panose="020B0503020204020204" pitchFamily="34" charset="-122"/>
-                <a:ea typeface="微软雅黑" panose="020B0503020204020204" pitchFamily="34" charset="-122"/>
-              </a:rPr>
-              <a:t>》</a:t>
-            </a:r>
-            <a:r>
-              <a:rPr lang="zh-CN" altLang="en-US" sz="2000" b="1" dirty="0">
-                <a:solidFill>
-                  <a:schemeClr val="tx1">
-                    <a:lumMod val="50000"/>
-                    <a:lumOff val="50000"/>
-                  </a:schemeClr>
-                </a:solidFill>
-                <a:latin typeface="微软雅黑" panose="020B0503020204020204" pitchFamily="34" charset="-122"/>
-                <a:ea typeface="微软雅黑" panose="020B0503020204020204" pitchFamily="34" charset="-122"/>
-              </a:rPr>
-              <a:t>或</a:t>
-            </a:r>
-            <a:r>
-              <a:rPr lang="en-US" altLang="zh-CN" sz="2000" b="1" dirty="0">
-                <a:solidFill>
-                  <a:schemeClr val="tx1">
-                    <a:lumMod val="50000"/>
-                    <a:lumOff val="50000"/>
-                  </a:schemeClr>
-                </a:solidFill>
-                <a:latin typeface="微软雅黑" panose="020B0503020204020204" pitchFamily="34" charset="-122"/>
-                <a:ea typeface="微软雅黑" panose="020B0503020204020204" pitchFamily="34" charset="-122"/>
-              </a:rPr>
-              <a:t>《</a:t>
-            </a:r>
-            <a:r>
-              <a:rPr lang="zh-CN" altLang="en-US" sz="2000" b="1" dirty="0">
-                <a:solidFill>
-                  <a:schemeClr val="tx1">
-                    <a:lumMod val="50000"/>
-                    <a:lumOff val="50000"/>
-                  </a:schemeClr>
-                </a:solidFill>
-                <a:latin typeface="微软雅黑" panose="020B0503020204020204" pitchFamily="34" charset="-122"/>
-                <a:ea typeface="微软雅黑" panose="020B0503020204020204" pitchFamily="34" charset="-122"/>
-              </a:rPr>
-              <a:t>源代码修改记录单</a:t>
-            </a:r>
-            <a:r>
-              <a:rPr lang="en-US" altLang="zh-CN" sz="2000" b="1" dirty="0">
-                <a:solidFill>
-                  <a:schemeClr val="tx1">
-                    <a:lumMod val="50000"/>
-                    <a:lumOff val="50000"/>
-                  </a:schemeClr>
-                </a:solidFill>
-                <a:latin typeface="微软雅黑" panose="020B0503020204020204" pitchFamily="34" charset="-122"/>
-                <a:ea typeface="微软雅黑" panose="020B0503020204020204" pitchFamily="34" charset="-122"/>
-              </a:rPr>
-              <a:t>》</a:t>
-            </a:r>
-            <a:r>
-              <a:rPr lang="zh-CN" altLang="en-US" sz="2000" b="1" dirty="0">
-                <a:solidFill>
-                  <a:schemeClr val="tx1">
-                    <a:lumMod val="50000"/>
-                    <a:lumOff val="50000"/>
-                  </a:schemeClr>
-                </a:solidFill>
-                <a:latin typeface="微软雅黑" panose="020B0503020204020204" pitchFamily="34" charset="-122"/>
-                <a:ea typeface="微软雅黑" panose="020B0503020204020204" pitchFamily="34" charset="-122"/>
-              </a:rPr>
-              <a:t>中的修改描述一致后，将文件登入项目配置数据库中，生成新版本。</a:t>
-            </a:r>
-            <a:endParaRPr lang="en-US" altLang="zh-CN" sz="2000" b="1" dirty="0">
-              <a:solidFill>
-                <a:schemeClr val="tx1">
-                  <a:lumMod val="50000"/>
-                  <a:lumOff val="50000"/>
-                </a:schemeClr>
-              </a:solidFill>
-              <a:latin typeface="微软雅黑" panose="020B0503020204020204" pitchFamily="34" charset="-122"/>
-              <a:ea typeface="微软雅黑" panose="020B0503020204020204" pitchFamily="34" charset="-122"/>
-            </a:endParaRPr>
-          </a:p>
-          <a:p>
-            <a:endParaRPr lang="zh-CN" altLang="en-US" sz="2000" b="1" dirty="0">
-              <a:solidFill>
-                <a:schemeClr val="tx1">
-                  <a:lumMod val="50000"/>
-                  <a:lumOff val="50000"/>
-                </a:schemeClr>
-              </a:solidFill>
-              <a:latin typeface="微软雅黑" panose="020B0503020204020204" pitchFamily="34" charset="-122"/>
-              <a:ea typeface="微软雅黑" panose="020B0503020204020204" pitchFamily="34" charset="-122"/>
-            </a:endParaRPr>
+              <a:t>版本。</a:t>
+            </a:r>
           </a:p>
           <a:p>
             <a:r>
@@ -26313,7 +26542,7 @@
                 <a:latin typeface="微软雅黑" panose="020B0503020204020204" pitchFamily="34" charset="-122"/>
                 <a:ea typeface="微软雅黑" panose="020B0503020204020204" pitchFamily="34" charset="-122"/>
               </a:rPr>
-              <a:t>配置管理员修改</a:t>
+              <a:t>在以后的开发中，如果软件需要修改，那修改后的软件可用多级编号来表示新版本</a:t>
             </a:r>
             <a:r>
               <a:rPr lang="en-US" altLang="zh-CN" sz="2000" b="1" dirty="0">
@@ -26326,7 +26555,7 @@
                 <a:latin typeface="微软雅黑" panose="020B0503020204020204" pitchFamily="34" charset="-122"/>
                 <a:ea typeface="微软雅黑" panose="020B0503020204020204" pitchFamily="34" charset="-122"/>
               </a:rPr>
-              <a:t>《</a:t>
+              <a:t>——1.1</a:t>
             </a:r>
             <a:r>
               <a:rPr lang="zh-CN" altLang="en-US" sz="2000" b="1" dirty="0">
@@ -26339,7 +26568,7 @@
                 <a:latin typeface="微软雅黑" panose="020B0503020204020204" pitchFamily="34" charset="-122"/>
                 <a:ea typeface="微软雅黑" panose="020B0503020204020204" pitchFamily="34" charset="-122"/>
               </a:rPr>
-              <a:t>软件配置状态表</a:t>
+              <a:t>、</a:t>
             </a:r>
             <a:r>
               <a:rPr lang="en-US" altLang="zh-CN" sz="2000" b="1" dirty="0">
@@ -26352,7 +26581,7 @@
                 <a:latin typeface="微软雅黑" panose="020B0503020204020204" pitchFamily="34" charset="-122"/>
                 <a:ea typeface="微软雅黑" panose="020B0503020204020204" pitchFamily="34" charset="-122"/>
               </a:rPr>
-              <a:t>》</a:t>
+              <a:t>1.2</a:t>
             </a:r>
             <a:r>
               <a:rPr lang="zh-CN" altLang="en-US" sz="2000" b="1" dirty="0">
@@ -26365,8 +26594,10 @@
                 <a:latin typeface="微软雅黑" panose="020B0503020204020204" pitchFamily="34" charset="-122"/>
                 <a:ea typeface="微软雅黑" panose="020B0503020204020204" pitchFamily="34" charset="-122"/>
               </a:rPr>
-              <a:t>和</a:t>
-            </a:r>
+              <a:t>等加以区别标识。</a:t>
+            </a:r>
+          </a:p>
+          <a:p>
             <a:r>
               <a:rPr lang="en-US" altLang="zh-CN" sz="2000" b="1" dirty="0">
                 <a:solidFill>
@@ -26378,7 +26609,7 @@
                 <a:latin typeface="微软雅黑" panose="020B0503020204020204" pitchFamily="34" charset="-122"/>
                 <a:ea typeface="微软雅黑" panose="020B0503020204020204" pitchFamily="34" charset="-122"/>
               </a:rPr>
-              <a:t>《</a:t>
+              <a:t>5.</a:t>
             </a:r>
             <a:r>
               <a:rPr lang="zh-CN" altLang="en-US" sz="2000" b="1" dirty="0">
@@ -26391,33 +26622,7 @@
                 <a:latin typeface="微软雅黑" panose="020B0503020204020204" pitchFamily="34" charset="-122"/>
                 <a:ea typeface="微软雅黑" panose="020B0503020204020204" pitchFamily="34" charset="-122"/>
               </a:rPr>
-              <a:t>软件变更记录表</a:t>
-            </a:r>
-            <a:r>
-              <a:rPr lang="en-US" altLang="zh-CN" sz="2000" b="1" dirty="0">
-                <a:solidFill>
-                  <a:schemeClr val="tx1">
-                    <a:lumMod val="50000"/>
-                    <a:lumOff val="50000"/>
-                  </a:schemeClr>
-                </a:solidFill>
-                <a:latin typeface="微软雅黑" panose="020B0503020204020204" pitchFamily="34" charset="-122"/>
-                <a:ea typeface="微软雅黑" panose="020B0503020204020204" pitchFamily="34" charset="-122"/>
-              </a:rPr>
-              <a:t>》</a:t>
-            </a:r>
-            <a:r>
-              <a:rPr lang="zh-CN" altLang="en-US" sz="2000" b="1" dirty="0">
-                <a:solidFill>
-                  <a:schemeClr val="tx1">
-                    <a:lumMod val="50000"/>
-                    <a:lumOff val="50000"/>
-                  </a:schemeClr>
-                </a:solidFill>
-                <a:latin typeface="微软雅黑" panose="020B0503020204020204" pitchFamily="34" charset="-122"/>
-                <a:ea typeface="微软雅黑" panose="020B0503020204020204" pitchFamily="34" charset="-122"/>
-              </a:rPr>
-              <a:t>，以使其他相关开发人员及时了解软件变化情况。</a:t>
+              <a:t>在各个评审阶段产生的所有评审报告和修改报告都要进行编号保存，编号与相应文档的编号要对应。</a:t>
             </a:r>
           </a:p>
         </p:txBody>
@@ -26571,6 +26776,636 @@
       </p:grpSpPr>
       <p:sp>
         <p:nvSpPr>
+          <p:cNvPr id="2" name="标题 1"/>
+          <p:cNvSpPr>
+            <a:spLocks noGrp="1"/>
+          </p:cNvSpPr>
+          <p:nvPr>
+            <p:ph type="title"/>
+          </p:nvPr>
+        </p:nvSpPr>
+        <p:spPr>
+          <a:xfrm>
+            <a:off x="646111" y="452718"/>
+            <a:ext cx="9404723" cy="1400530"/>
+          </a:xfrm>
+        </p:spPr>
+        <p:txBody>
+          <a:bodyPr/>
+          <a:lstStyle/>
+          <a:p>
+            <a:r>
+              <a:rPr lang="zh-CN" altLang="en-US" dirty="0"/>
+              <a:t>变更控制</a:t>
+            </a:r>
+            <a:br>
+              <a:rPr lang="en-US" altLang="zh-CN" dirty="0"/>
+            </a:br>
+            <a:r>
+              <a:rPr lang="zh-CN" altLang="zh-CN" sz="2400" dirty="0"/>
+              <a:t>微小改正时的变更控制</a:t>
+            </a:r>
+            <a:endParaRPr lang="zh-CN" altLang="en-US" dirty="0"/>
+          </a:p>
+        </p:txBody>
+      </p:sp>
+      <p:sp>
+        <p:nvSpPr>
+          <p:cNvPr id="3" name="文本框 5"/>
+          <p:cNvSpPr txBox="1"/>
+          <p:nvPr/>
+        </p:nvSpPr>
+        <p:spPr>
+          <a:xfrm>
+            <a:off x="604615" y="1707890"/>
+            <a:ext cx="10877266" cy="3785652"/>
+          </a:xfrm>
+          <a:prstGeom prst="rect">
+            <a:avLst/>
+          </a:prstGeom>
+          <a:noFill/>
+        </p:spPr>
+        <p:txBody>
+          <a:bodyPr wrap="square" rtlCol="0">
+            <a:spAutoFit/>
+          </a:bodyPr>
+          <a:lstStyle/>
+          <a:p>
+            <a:r>
+              <a:rPr lang="en-US" altLang="zh-CN" sz="2000" b="1" dirty="0">
+                <a:solidFill>
+                  <a:schemeClr val="tx1">
+                    <a:lumMod val="50000"/>
+                    <a:lumOff val="50000"/>
+                  </a:schemeClr>
+                </a:solidFill>
+                <a:latin typeface="微软雅黑" panose="020B0503020204020204" pitchFamily="34" charset="-122"/>
+                <a:ea typeface="微软雅黑" panose="020B0503020204020204" pitchFamily="34" charset="-122"/>
+              </a:rPr>
+              <a:t>1.</a:t>
+            </a:r>
+            <a:r>
+              <a:rPr lang="zh-CN" altLang="en-US" sz="2000" b="1" dirty="0">
+                <a:solidFill>
+                  <a:schemeClr val="tx1">
+                    <a:lumMod val="50000"/>
+                    <a:lumOff val="50000"/>
+                  </a:schemeClr>
+                </a:solidFill>
+                <a:latin typeface="微软雅黑" panose="020B0503020204020204" pitchFamily="34" charset="-122"/>
+                <a:ea typeface="微软雅黑" panose="020B0503020204020204" pitchFamily="34" charset="-122"/>
+              </a:rPr>
+              <a:t>在评审或测试后发现的问题由评审组组长或项目经理形成</a:t>
+            </a:r>
+            <a:r>
+              <a:rPr lang="en-US" altLang="zh-CN" sz="2000" b="1" dirty="0">
+                <a:solidFill>
+                  <a:schemeClr val="tx1">
+                    <a:lumMod val="50000"/>
+                    <a:lumOff val="50000"/>
+                  </a:schemeClr>
+                </a:solidFill>
+                <a:latin typeface="微软雅黑" panose="020B0503020204020204" pitchFamily="34" charset="-122"/>
+                <a:ea typeface="微软雅黑" panose="020B0503020204020204" pitchFamily="34" charset="-122"/>
+              </a:rPr>
+              <a:t>《</a:t>
+            </a:r>
+            <a:r>
+              <a:rPr lang="zh-CN" altLang="en-US" sz="2000" b="1" dirty="0">
+                <a:solidFill>
+                  <a:schemeClr val="tx1">
+                    <a:lumMod val="50000"/>
+                    <a:lumOff val="50000"/>
+                  </a:schemeClr>
+                </a:solidFill>
+                <a:latin typeface="微软雅黑" panose="020B0503020204020204" pitchFamily="34" charset="-122"/>
+                <a:ea typeface="微软雅黑" panose="020B0503020204020204" pitchFamily="34" charset="-122"/>
+              </a:rPr>
+              <a:t>软件问题报告单</a:t>
+            </a:r>
+            <a:r>
+              <a:rPr lang="en-US" altLang="zh-CN" sz="2000" b="1" dirty="0">
+                <a:solidFill>
+                  <a:schemeClr val="tx1">
+                    <a:lumMod val="50000"/>
+                    <a:lumOff val="50000"/>
+                  </a:schemeClr>
+                </a:solidFill>
+                <a:latin typeface="微软雅黑" panose="020B0503020204020204" pitchFamily="34" charset="-122"/>
+                <a:ea typeface="微软雅黑" panose="020B0503020204020204" pitchFamily="34" charset="-122"/>
+              </a:rPr>
+              <a:t>》</a:t>
+            </a:r>
+            <a:r>
+              <a:rPr lang="zh-CN" altLang="en-US" sz="2000" b="1" dirty="0">
+                <a:solidFill>
+                  <a:schemeClr val="tx1">
+                    <a:lumMod val="50000"/>
+                    <a:lumOff val="50000"/>
+                  </a:schemeClr>
+                </a:solidFill>
+                <a:latin typeface="微软雅黑" panose="020B0503020204020204" pitchFamily="34" charset="-122"/>
+                <a:ea typeface="微软雅黑" panose="020B0503020204020204" pitchFamily="34" charset="-122"/>
+              </a:rPr>
+              <a:t>或</a:t>
+            </a:r>
+            <a:r>
+              <a:rPr lang="en-US" altLang="zh-CN" sz="2000" b="1" dirty="0">
+                <a:solidFill>
+                  <a:schemeClr val="tx1">
+                    <a:lumMod val="50000"/>
+                    <a:lumOff val="50000"/>
+                  </a:schemeClr>
+                </a:solidFill>
+                <a:latin typeface="微软雅黑" panose="020B0503020204020204" pitchFamily="34" charset="-122"/>
+                <a:ea typeface="微软雅黑" panose="020B0503020204020204" pitchFamily="34" charset="-122"/>
+              </a:rPr>
+              <a:t>《</a:t>
+            </a:r>
+            <a:r>
+              <a:rPr lang="zh-CN" altLang="en-US" sz="2000" b="1" dirty="0">
+                <a:solidFill>
+                  <a:schemeClr val="tx1">
+                    <a:lumMod val="50000"/>
+                    <a:lumOff val="50000"/>
+                  </a:schemeClr>
+                </a:solidFill>
+                <a:latin typeface="微软雅黑" panose="020B0503020204020204" pitchFamily="34" charset="-122"/>
+                <a:ea typeface="微软雅黑" panose="020B0503020204020204" pitchFamily="34" charset="-122"/>
+              </a:rPr>
+              <a:t>源代码修改记录单</a:t>
+            </a:r>
+            <a:r>
+              <a:rPr lang="en-US" altLang="zh-CN" sz="2000" b="1" dirty="0">
+                <a:solidFill>
+                  <a:schemeClr val="tx1">
+                    <a:lumMod val="50000"/>
+                    <a:lumOff val="50000"/>
+                  </a:schemeClr>
+                </a:solidFill>
+                <a:latin typeface="微软雅黑" panose="020B0503020204020204" pitchFamily="34" charset="-122"/>
+                <a:ea typeface="微软雅黑" panose="020B0503020204020204" pitchFamily="34" charset="-122"/>
+              </a:rPr>
+              <a:t>》</a:t>
+            </a:r>
+            <a:r>
+              <a:rPr lang="zh-CN" altLang="en-US" sz="2000" b="1" dirty="0">
+                <a:solidFill>
+                  <a:schemeClr val="tx1">
+                    <a:lumMod val="50000"/>
+                    <a:lumOff val="50000"/>
+                  </a:schemeClr>
+                </a:solidFill>
+                <a:latin typeface="微软雅黑" panose="020B0503020204020204" pitchFamily="34" charset="-122"/>
+                <a:ea typeface="微软雅黑" panose="020B0503020204020204" pitchFamily="34" charset="-122"/>
+              </a:rPr>
+              <a:t>，并通知配置管理员。</a:t>
+            </a:r>
+            <a:endParaRPr lang="en-US" altLang="zh-CN" sz="2000" b="1" dirty="0">
+              <a:solidFill>
+                <a:schemeClr val="tx1">
+                  <a:lumMod val="50000"/>
+                  <a:lumOff val="50000"/>
+                </a:schemeClr>
+              </a:solidFill>
+              <a:latin typeface="微软雅黑" panose="020B0503020204020204" pitchFamily="34" charset="-122"/>
+              <a:ea typeface="微软雅黑" panose="020B0503020204020204" pitchFamily="34" charset="-122"/>
+            </a:endParaRPr>
+          </a:p>
+          <a:p>
+            <a:endParaRPr lang="zh-CN" altLang="en-US" sz="2000" b="1" dirty="0">
+              <a:solidFill>
+                <a:schemeClr val="tx1">
+                  <a:lumMod val="50000"/>
+                  <a:lumOff val="50000"/>
+                </a:schemeClr>
+              </a:solidFill>
+              <a:latin typeface="微软雅黑" panose="020B0503020204020204" pitchFamily="34" charset="-122"/>
+              <a:ea typeface="微软雅黑" panose="020B0503020204020204" pitchFamily="34" charset="-122"/>
+            </a:endParaRPr>
+          </a:p>
+          <a:p>
+            <a:r>
+              <a:rPr lang="en-US" altLang="zh-CN" sz="2000" b="1" dirty="0">
+                <a:solidFill>
+                  <a:schemeClr val="tx1">
+                    <a:lumMod val="50000"/>
+                    <a:lumOff val="50000"/>
+                  </a:schemeClr>
+                </a:solidFill>
+                <a:latin typeface="微软雅黑" panose="020B0503020204020204" pitchFamily="34" charset="-122"/>
+                <a:ea typeface="微软雅黑" panose="020B0503020204020204" pitchFamily="34" charset="-122"/>
+              </a:rPr>
+              <a:t>2.</a:t>
+            </a:r>
+            <a:r>
+              <a:rPr lang="zh-CN" altLang="en-US" sz="2000" b="1" dirty="0">
+                <a:solidFill>
+                  <a:schemeClr val="tx1">
+                    <a:lumMod val="50000"/>
+                    <a:lumOff val="50000"/>
+                  </a:schemeClr>
+                </a:solidFill>
+                <a:latin typeface="微软雅黑" panose="020B0503020204020204" pitchFamily="34" charset="-122"/>
+                <a:ea typeface="微软雅黑" panose="020B0503020204020204" pitchFamily="34" charset="-122"/>
+              </a:rPr>
+              <a:t>由配置管理员将需要修改的软件的备份从项目配置数据库中检出，开发人员执行修改。</a:t>
+            </a:r>
+            <a:endParaRPr lang="en-US" altLang="zh-CN" sz="2000" b="1" dirty="0">
+              <a:solidFill>
+                <a:schemeClr val="tx1">
+                  <a:lumMod val="50000"/>
+                  <a:lumOff val="50000"/>
+                </a:schemeClr>
+              </a:solidFill>
+              <a:latin typeface="微软雅黑" panose="020B0503020204020204" pitchFamily="34" charset="-122"/>
+              <a:ea typeface="微软雅黑" panose="020B0503020204020204" pitchFamily="34" charset="-122"/>
+            </a:endParaRPr>
+          </a:p>
+          <a:p>
+            <a:endParaRPr lang="zh-CN" altLang="en-US" sz="2000" b="1" dirty="0">
+              <a:solidFill>
+                <a:schemeClr val="tx1">
+                  <a:lumMod val="50000"/>
+                  <a:lumOff val="50000"/>
+                </a:schemeClr>
+              </a:solidFill>
+              <a:latin typeface="微软雅黑" panose="020B0503020204020204" pitchFamily="34" charset="-122"/>
+              <a:ea typeface="微软雅黑" panose="020B0503020204020204" pitchFamily="34" charset="-122"/>
+            </a:endParaRPr>
+          </a:p>
+          <a:p>
+            <a:r>
+              <a:rPr lang="en-US" altLang="zh-CN" sz="2000" b="1" dirty="0">
+                <a:solidFill>
+                  <a:schemeClr val="tx1">
+                    <a:lumMod val="50000"/>
+                    <a:lumOff val="50000"/>
+                  </a:schemeClr>
+                </a:solidFill>
+                <a:latin typeface="微软雅黑" panose="020B0503020204020204" pitchFamily="34" charset="-122"/>
+                <a:ea typeface="微软雅黑" panose="020B0503020204020204" pitchFamily="34" charset="-122"/>
+              </a:rPr>
+              <a:t>3.</a:t>
+            </a:r>
+            <a:r>
+              <a:rPr lang="zh-CN" altLang="en-US" sz="2000" b="1" dirty="0">
+                <a:solidFill>
+                  <a:schemeClr val="tx1">
+                    <a:lumMod val="50000"/>
+                    <a:lumOff val="50000"/>
+                  </a:schemeClr>
+                </a:solidFill>
+                <a:latin typeface="微软雅黑" panose="020B0503020204020204" pitchFamily="34" charset="-122"/>
+                <a:ea typeface="微软雅黑" panose="020B0503020204020204" pitchFamily="34" charset="-122"/>
+              </a:rPr>
+              <a:t>修改完毕后进行修改测试，编程错误累计到了一定的量或者测试时间已满一个月（从上一次入配置库后算起），凭</a:t>
+            </a:r>
+            <a:r>
+              <a:rPr lang="en-US" altLang="zh-CN" sz="2000" b="1" dirty="0">
+                <a:solidFill>
+                  <a:schemeClr val="tx1">
+                    <a:lumMod val="50000"/>
+                    <a:lumOff val="50000"/>
+                  </a:schemeClr>
+                </a:solidFill>
+                <a:latin typeface="微软雅黑" panose="020B0503020204020204" pitchFamily="34" charset="-122"/>
+                <a:ea typeface="微软雅黑" panose="020B0503020204020204" pitchFamily="34" charset="-122"/>
+              </a:rPr>
+              <a:t>《</a:t>
+            </a:r>
+            <a:r>
+              <a:rPr lang="zh-CN" altLang="en-US" sz="2000" b="1" dirty="0">
+                <a:solidFill>
+                  <a:schemeClr val="tx1">
+                    <a:lumMod val="50000"/>
+                    <a:lumOff val="50000"/>
+                  </a:schemeClr>
+                </a:solidFill>
+                <a:latin typeface="微软雅黑" panose="020B0503020204020204" pitchFamily="34" charset="-122"/>
+                <a:ea typeface="微软雅黑" panose="020B0503020204020204" pitchFamily="34" charset="-122"/>
+              </a:rPr>
+              <a:t>源代码修改记录单</a:t>
+            </a:r>
+            <a:r>
+              <a:rPr lang="en-US" altLang="zh-CN" sz="2000" b="1" dirty="0">
+                <a:solidFill>
+                  <a:schemeClr val="tx1">
+                    <a:lumMod val="50000"/>
+                    <a:lumOff val="50000"/>
+                  </a:schemeClr>
+                </a:solidFill>
+                <a:latin typeface="微软雅黑" panose="020B0503020204020204" pitchFamily="34" charset="-122"/>
+                <a:ea typeface="微软雅黑" panose="020B0503020204020204" pitchFamily="34" charset="-122"/>
+              </a:rPr>
+              <a:t>》</a:t>
+            </a:r>
+            <a:r>
+              <a:rPr lang="zh-CN" altLang="en-US" sz="2000" b="1" dirty="0">
+                <a:solidFill>
+                  <a:schemeClr val="tx1">
+                    <a:lumMod val="50000"/>
+                    <a:lumOff val="50000"/>
+                  </a:schemeClr>
+                </a:solidFill>
+                <a:latin typeface="微软雅黑" panose="020B0503020204020204" pitchFamily="34" charset="-122"/>
+                <a:ea typeface="微软雅黑" panose="020B0503020204020204" pitchFamily="34" charset="-122"/>
+              </a:rPr>
+              <a:t>及修改后的源代码，通知配置管理员，配置管理员确定测试报告的完备性，并在核对软件修改内容和修改人员填写的</a:t>
+            </a:r>
+            <a:r>
+              <a:rPr lang="en-US" altLang="zh-CN" sz="2000" b="1" dirty="0">
+                <a:solidFill>
+                  <a:schemeClr val="tx1">
+                    <a:lumMod val="50000"/>
+                    <a:lumOff val="50000"/>
+                  </a:schemeClr>
+                </a:solidFill>
+                <a:latin typeface="微软雅黑" panose="020B0503020204020204" pitchFamily="34" charset="-122"/>
+                <a:ea typeface="微软雅黑" panose="020B0503020204020204" pitchFamily="34" charset="-122"/>
+              </a:rPr>
+              <a:t>《</a:t>
+            </a:r>
+            <a:r>
+              <a:rPr lang="zh-CN" altLang="en-US" sz="2000" b="1" dirty="0">
+                <a:solidFill>
+                  <a:schemeClr val="tx1">
+                    <a:lumMod val="50000"/>
+                    <a:lumOff val="50000"/>
+                  </a:schemeClr>
+                </a:solidFill>
+                <a:latin typeface="微软雅黑" panose="020B0503020204020204" pitchFamily="34" charset="-122"/>
+                <a:ea typeface="微软雅黑" panose="020B0503020204020204" pitchFamily="34" charset="-122"/>
+              </a:rPr>
+              <a:t>软件修改报告单</a:t>
+            </a:r>
+            <a:r>
+              <a:rPr lang="en-US" altLang="zh-CN" sz="2000" b="1" dirty="0">
+                <a:solidFill>
+                  <a:schemeClr val="tx1">
+                    <a:lumMod val="50000"/>
+                    <a:lumOff val="50000"/>
+                  </a:schemeClr>
+                </a:solidFill>
+                <a:latin typeface="微软雅黑" panose="020B0503020204020204" pitchFamily="34" charset="-122"/>
+                <a:ea typeface="微软雅黑" panose="020B0503020204020204" pitchFamily="34" charset="-122"/>
+              </a:rPr>
+              <a:t>》</a:t>
+            </a:r>
+            <a:r>
+              <a:rPr lang="zh-CN" altLang="en-US" sz="2000" b="1" dirty="0">
+                <a:solidFill>
+                  <a:schemeClr val="tx1">
+                    <a:lumMod val="50000"/>
+                    <a:lumOff val="50000"/>
+                  </a:schemeClr>
+                </a:solidFill>
+                <a:latin typeface="微软雅黑" panose="020B0503020204020204" pitchFamily="34" charset="-122"/>
+                <a:ea typeface="微软雅黑" panose="020B0503020204020204" pitchFamily="34" charset="-122"/>
+              </a:rPr>
+              <a:t>或</a:t>
+            </a:r>
+            <a:r>
+              <a:rPr lang="en-US" altLang="zh-CN" sz="2000" b="1" dirty="0">
+                <a:solidFill>
+                  <a:schemeClr val="tx1">
+                    <a:lumMod val="50000"/>
+                    <a:lumOff val="50000"/>
+                  </a:schemeClr>
+                </a:solidFill>
+                <a:latin typeface="微软雅黑" panose="020B0503020204020204" pitchFamily="34" charset="-122"/>
+                <a:ea typeface="微软雅黑" panose="020B0503020204020204" pitchFamily="34" charset="-122"/>
+              </a:rPr>
+              <a:t>《</a:t>
+            </a:r>
+            <a:r>
+              <a:rPr lang="zh-CN" altLang="en-US" sz="2000" b="1" dirty="0">
+                <a:solidFill>
+                  <a:schemeClr val="tx1">
+                    <a:lumMod val="50000"/>
+                    <a:lumOff val="50000"/>
+                  </a:schemeClr>
+                </a:solidFill>
+                <a:latin typeface="微软雅黑" panose="020B0503020204020204" pitchFamily="34" charset="-122"/>
+                <a:ea typeface="微软雅黑" panose="020B0503020204020204" pitchFamily="34" charset="-122"/>
+              </a:rPr>
+              <a:t>源代码修改记录单</a:t>
+            </a:r>
+            <a:r>
+              <a:rPr lang="en-US" altLang="zh-CN" sz="2000" b="1" dirty="0">
+                <a:solidFill>
+                  <a:schemeClr val="tx1">
+                    <a:lumMod val="50000"/>
+                    <a:lumOff val="50000"/>
+                  </a:schemeClr>
+                </a:solidFill>
+                <a:latin typeface="微软雅黑" panose="020B0503020204020204" pitchFamily="34" charset="-122"/>
+                <a:ea typeface="微软雅黑" panose="020B0503020204020204" pitchFamily="34" charset="-122"/>
+              </a:rPr>
+              <a:t>》</a:t>
+            </a:r>
+            <a:r>
+              <a:rPr lang="zh-CN" altLang="en-US" sz="2000" b="1" dirty="0">
+                <a:solidFill>
+                  <a:schemeClr val="tx1">
+                    <a:lumMod val="50000"/>
+                    <a:lumOff val="50000"/>
+                  </a:schemeClr>
+                </a:solidFill>
+                <a:latin typeface="微软雅黑" panose="020B0503020204020204" pitchFamily="34" charset="-122"/>
+                <a:ea typeface="微软雅黑" panose="020B0503020204020204" pitchFamily="34" charset="-122"/>
+              </a:rPr>
+              <a:t>中的修改描述一致后，将文件登入项目配置数据库中，生成新版本。</a:t>
+            </a:r>
+            <a:endParaRPr lang="en-US" altLang="zh-CN" sz="2000" b="1" dirty="0">
+              <a:solidFill>
+                <a:schemeClr val="tx1">
+                  <a:lumMod val="50000"/>
+                  <a:lumOff val="50000"/>
+                </a:schemeClr>
+              </a:solidFill>
+              <a:latin typeface="微软雅黑" panose="020B0503020204020204" pitchFamily="34" charset="-122"/>
+              <a:ea typeface="微软雅黑" panose="020B0503020204020204" pitchFamily="34" charset="-122"/>
+            </a:endParaRPr>
+          </a:p>
+          <a:p>
+            <a:endParaRPr lang="zh-CN" altLang="en-US" sz="2000" b="1" dirty="0">
+              <a:solidFill>
+                <a:schemeClr val="tx1">
+                  <a:lumMod val="50000"/>
+                  <a:lumOff val="50000"/>
+                </a:schemeClr>
+              </a:solidFill>
+              <a:latin typeface="微软雅黑" panose="020B0503020204020204" pitchFamily="34" charset="-122"/>
+              <a:ea typeface="微软雅黑" panose="020B0503020204020204" pitchFamily="34" charset="-122"/>
+            </a:endParaRPr>
+          </a:p>
+          <a:p>
+            <a:r>
+              <a:rPr lang="en-US" altLang="zh-CN" sz="2000" b="1" dirty="0">
+                <a:solidFill>
+                  <a:schemeClr val="tx1">
+                    <a:lumMod val="50000"/>
+                    <a:lumOff val="50000"/>
+                  </a:schemeClr>
+                </a:solidFill>
+                <a:latin typeface="微软雅黑" panose="020B0503020204020204" pitchFamily="34" charset="-122"/>
+                <a:ea typeface="微软雅黑" panose="020B0503020204020204" pitchFamily="34" charset="-122"/>
+              </a:rPr>
+              <a:t>4.</a:t>
+            </a:r>
+            <a:r>
+              <a:rPr lang="zh-CN" altLang="en-US" sz="2000" b="1" dirty="0">
+                <a:solidFill>
+                  <a:schemeClr val="tx1">
+                    <a:lumMod val="50000"/>
+                    <a:lumOff val="50000"/>
+                  </a:schemeClr>
+                </a:solidFill>
+                <a:latin typeface="微软雅黑" panose="020B0503020204020204" pitchFamily="34" charset="-122"/>
+                <a:ea typeface="微软雅黑" panose="020B0503020204020204" pitchFamily="34" charset="-122"/>
+              </a:rPr>
+              <a:t>配置管理员修改</a:t>
+            </a:r>
+            <a:r>
+              <a:rPr lang="en-US" altLang="zh-CN" sz="2000" b="1" dirty="0">
+                <a:solidFill>
+                  <a:schemeClr val="tx1">
+                    <a:lumMod val="50000"/>
+                    <a:lumOff val="50000"/>
+                  </a:schemeClr>
+                </a:solidFill>
+                <a:latin typeface="微软雅黑" panose="020B0503020204020204" pitchFamily="34" charset="-122"/>
+                <a:ea typeface="微软雅黑" panose="020B0503020204020204" pitchFamily="34" charset="-122"/>
+              </a:rPr>
+              <a:t>《</a:t>
+            </a:r>
+            <a:r>
+              <a:rPr lang="zh-CN" altLang="en-US" sz="2000" b="1" dirty="0">
+                <a:solidFill>
+                  <a:schemeClr val="tx1">
+                    <a:lumMod val="50000"/>
+                    <a:lumOff val="50000"/>
+                  </a:schemeClr>
+                </a:solidFill>
+                <a:latin typeface="微软雅黑" panose="020B0503020204020204" pitchFamily="34" charset="-122"/>
+                <a:ea typeface="微软雅黑" panose="020B0503020204020204" pitchFamily="34" charset="-122"/>
+              </a:rPr>
+              <a:t>软件配置状态表</a:t>
+            </a:r>
+            <a:r>
+              <a:rPr lang="en-US" altLang="zh-CN" sz="2000" b="1" dirty="0">
+                <a:solidFill>
+                  <a:schemeClr val="tx1">
+                    <a:lumMod val="50000"/>
+                    <a:lumOff val="50000"/>
+                  </a:schemeClr>
+                </a:solidFill>
+                <a:latin typeface="微软雅黑" panose="020B0503020204020204" pitchFamily="34" charset="-122"/>
+                <a:ea typeface="微软雅黑" panose="020B0503020204020204" pitchFamily="34" charset="-122"/>
+              </a:rPr>
+              <a:t>》</a:t>
+            </a:r>
+            <a:r>
+              <a:rPr lang="zh-CN" altLang="en-US" sz="2000" b="1" dirty="0">
+                <a:solidFill>
+                  <a:schemeClr val="tx1">
+                    <a:lumMod val="50000"/>
+                    <a:lumOff val="50000"/>
+                  </a:schemeClr>
+                </a:solidFill>
+                <a:latin typeface="微软雅黑" panose="020B0503020204020204" pitchFamily="34" charset="-122"/>
+                <a:ea typeface="微软雅黑" panose="020B0503020204020204" pitchFamily="34" charset="-122"/>
+              </a:rPr>
+              <a:t>和</a:t>
+            </a:r>
+            <a:r>
+              <a:rPr lang="en-US" altLang="zh-CN" sz="2000" b="1" dirty="0">
+                <a:solidFill>
+                  <a:schemeClr val="tx1">
+                    <a:lumMod val="50000"/>
+                    <a:lumOff val="50000"/>
+                  </a:schemeClr>
+                </a:solidFill>
+                <a:latin typeface="微软雅黑" panose="020B0503020204020204" pitchFamily="34" charset="-122"/>
+                <a:ea typeface="微软雅黑" panose="020B0503020204020204" pitchFamily="34" charset="-122"/>
+              </a:rPr>
+              <a:t>《</a:t>
+            </a:r>
+            <a:r>
+              <a:rPr lang="zh-CN" altLang="en-US" sz="2000" b="1" dirty="0">
+                <a:solidFill>
+                  <a:schemeClr val="tx1">
+                    <a:lumMod val="50000"/>
+                    <a:lumOff val="50000"/>
+                  </a:schemeClr>
+                </a:solidFill>
+                <a:latin typeface="微软雅黑" panose="020B0503020204020204" pitchFamily="34" charset="-122"/>
+                <a:ea typeface="微软雅黑" panose="020B0503020204020204" pitchFamily="34" charset="-122"/>
+              </a:rPr>
+              <a:t>软件变更记录表</a:t>
+            </a:r>
+            <a:r>
+              <a:rPr lang="en-US" altLang="zh-CN" sz="2000" b="1" dirty="0">
+                <a:solidFill>
+                  <a:schemeClr val="tx1">
+                    <a:lumMod val="50000"/>
+                    <a:lumOff val="50000"/>
+                  </a:schemeClr>
+                </a:solidFill>
+                <a:latin typeface="微软雅黑" panose="020B0503020204020204" pitchFamily="34" charset="-122"/>
+                <a:ea typeface="微软雅黑" panose="020B0503020204020204" pitchFamily="34" charset="-122"/>
+              </a:rPr>
+              <a:t>》</a:t>
+            </a:r>
+            <a:r>
+              <a:rPr lang="zh-CN" altLang="en-US" sz="2000" b="1" dirty="0">
+                <a:solidFill>
+                  <a:schemeClr val="tx1">
+                    <a:lumMod val="50000"/>
+                    <a:lumOff val="50000"/>
+                  </a:schemeClr>
+                </a:solidFill>
+                <a:latin typeface="微软雅黑" panose="020B0503020204020204" pitchFamily="34" charset="-122"/>
+                <a:ea typeface="微软雅黑" panose="020B0503020204020204" pitchFamily="34" charset="-122"/>
+              </a:rPr>
+              <a:t>，以使其他相关开发人员及时了解软件变化情况。</a:t>
+            </a:r>
+          </a:p>
+        </p:txBody>
+      </p:sp>
+    </p:spTree>
+    <p:extLst>
+      <p:ext uri="{BB962C8B-B14F-4D97-AF65-F5344CB8AC3E}">
+        <p14:creationId xmlns:p14="http://schemas.microsoft.com/office/powerpoint/2010/main" val="1955698181"/>
+      </p:ext>
+    </p:extLst>
+  </p:cSld>
+  <p:clrMapOvr>
+    <a:masterClrMapping/>
+  </p:clrMapOvr>
+</p:sld>
+</file>
+
+<file path=ppt/slides/slide51.xml><?xml version="1.0" encoding="utf-8"?>
+<p:sld xmlns:a="http://schemas.openxmlformats.org/drawingml/2006/main" xmlns:r="http://schemas.openxmlformats.org/officeDocument/2006/relationships" xmlns:p="http://schemas.openxmlformats.org/presentationml/2006/main">
+  <p:cSld>
+    <p:spTree>
+      <p:nvGrpSpPr>
+        <p:cNvPr id="1" name=""/>
+        <p:cNvGrpSpPr/>
+        <p:nvPr/>
+      </p:nvGrpSpPr>
+      <p:grpSpPr>
+        <a:xfrm>
+          <a:off x="0" y="0"/>
+          <a:ext cx="0" cy="0"/>
+          <a:chOff x="0" y="0"/>
+          <a:chExt cx="0" cy="0"/>
+        </a:xfrm>
+      </p:grpSpPr>
+      <p:sp>
+        <p:nvSpPr>
           <p:cNvPr id="3" name="文本框 5"/>
           <p:cNvSpPr txBox="1"/>
           <p:nvPr/>
@@ -27070,7 +27905,7 @@
 </p:sld>
 </file>
 
-<file path=ppt/slides/slide51.xml><?xml version="1.0" encoding="utf-8"?>
+<file path=ppt/slides/slide52.xml><?xml version="1.0" encoding="utf-8"?>
 <p:sld xmlns:a="http://schemas.openxmlformats.org/drawingml/2006/main" xmlns:r="http://schemas.openxmlformats.org/officeDocument/2006/relationships" xmlns:p="http://schemas.openxmlformats.org/presentationml/2006/main">
   <p:cSld>
     <p:spTree>
@@ -27140,7 +27975,7 @@
         </p:blipFill>
         <p:spPr>
           <a:xfrm>
-            <a:off x="619735" y="1291405"/>
+            <a:off x="1079187" y="1241071"/>
             <a:ext cx="8945271" cy="5180700"/>
           </a:xfrm>
           <a:prstGeom prst="rect">
@@ -27161,7 +27996,7 @@
 </p:sld>
 </file>
 
-<file path=ppt/slides/slide52.xml><?xml version="1.0" encoding="utf-8"?>
+<file path=ppt/slides/slide53.xml><?xml version="1.0" encoding="utf-8"?>
 <p:sld xmlns:a="http://schemas.openxmlformats.org/drawingml/2006/main" xmlns:r="http://schemas.openxmlformats.org/officeDocument/2006/relationships" xmlns:p="http://schemas.openxmlformats.org/presentationml/2006/main">
   <p:cSld>
     <p:spTree>
@@ -27482,7 +28317,7 @@
 </p:sld>
 </file>
 
-<file path=ppt/slides/slide53.xml><?xml version="1.0" encoding="utf-8"?>
+<file path=ppt/slides/slide54.xml><?xml version="1.0" encoding="utf-8"?>
 <p:sld xmlns:a="http://schemas.openxmlformats.org/drawingml/2006/main" xmlns:r="http://schemas.openxmlformats.org/officeDocument/2006/relationships" xmlns:p="http://schemas.openxmlformats.org/presentationml/2006/main">
   <p:cSld>
     <p:spTree>
@@ -27570,7 +28405,7 @@
 </p:sld>
 </file>
 
-<file path=ppt/slides/slide54.xml><?xml version="1.0" encoding="utf-8"?>
+<file path=ppt/slides/slide55.xml><?xml version="1.0" encoding="utf-8"?>
 <p:sld xmlns:a="http://schemas.openxmlformats.org/drawingml/2006/main" xmlns:r="http://schemas.openxmlformats.org/officeDocument/2006/relationships" xmlns:p="http://schemas.openxmlformats.org/presentationml/2006/main">
   <p:cSld>
     <p:spTree>
@@ -31939,7 +32774,7 @@
 </p:sld>
 </file>
 
-<file path=ppt/slides/slide55.xml><?xml version="1.0" encoding="utf-8"?>
+<file path=ppt/slides/slide56.xml><?xml version="1.0" encoding="utf-8"?>
 <p:sld xmlns:a="http://schemas.openxmlformats.org/drawingml/2006/main" xmlns:r="http://schemas.openxmlformats.org/officeDocument/2006/relationships" xmlns:p="http://schemas.openxmlformats.org/presentationml/2006/main">
   <p:cSld>
     <p:spTree>
@@ -31999,7 +32834,7 @@
           <a:graphicData uri="http://schemas.openxmlformats.org/presentationml/2006/ole">
             <mc:AlternateContent xmlns:mc="http://schemas.openxmlformats.org/markup-compatibility/2006">
               <mc:Choice xmlns:v="urn:schemas-microsoft-com:vml" Requires="v">
-                <p:oleObj spid="_x0000_s1072" r:id="rId3" imgW="8211820" imgH="4580890" progId="Visio.Drawing.11">
+                <p:oleObj spid="_x0000_s1077" r:id="rId3" imgW="8211820" imgH="4580890" progId="Visio.Drawing.11">
                   <p:embed/>
                 </p:oleObj>
               </mc:Choice>
@@ -32051,7 +32886,7 @@
 </p:sld>
 </file>
 
-<file path=ppt/slides/slide56.xml><?xml version="1.0" encoding="utf-8"?>
+<file path=ppt/slides/slide57.xml><?xml version="1.0" encoding="utf-8"?>
 <p:sld xmlns:a="http://schemas.openxmlformats.org/drawingml/2006/main" xmlns:r="http://schemas.openxmlformats.org/officeDocument/2006/relationships" xmlns:p="http://schemas.openxmlformats.org/presentationml/2006/main">
   <p:cSld>
     <p:spTree>
@@ -32130,311 +32965,6 @@
     <p:extLst>
       <p:ext uri="{BB962C8B-B14F-4D97-AF65-F5344CB8AC3E}">
         <p14:creationId xmlns:p14="http://schemas.microsoft.com/office/powerpoint/2010/main" val="1063305242"/>
-      </p:ext>
-    </p:extLst>
-  </p:cSld>
-  <p:clrMapOvr>
-    <a:masterClrMapping/>
-  </p:clrMapOvr>
-</p:sld>
-</file>
-
-<file path=ppt/slides/slide57.xml><?xml version="1.0" encoding="utf-8"?>
-<p:sld xmlns:a="http://schemas.openxmlformats.org/drawingml/2006/main" xmlns:r="http://schemas.openxmlformats.org/officeDocument/2006/relationships" xmlns:p="http://schemas.openxmlformats.org/presentationml/2006/main">
-  <p:cSld>
-    <p:spTree>
-      <p:nvGrpSpPr>
-        <p:cNvPr id="1" name=""/>
-        <p:cNvGrpSpPr/>
-        <p:nvPr/>
-      </p:nvGrpSpPr>
-      <p:grpSpPr>
-        <a:xfrm>
-          <a:off x="0" y="0"/>
-          <a:ext cx="0" cy="0"/>
-          <a:chOff x="0" y="0"/>
-          <a:chExt cx="0" cy="0"/>
-        </a:xfrm>
-      </p:grpSpPr>
-      <p:sp>
-        <p:nvSpPr>
-          <p:cNvPr id="2" name="标题 1"/>
-          <p:cNvSpPr>
-            <a:spLocks noGrp="1"/>
-          </p:cNvSpPr>
-          <p:nvPr>
-            <p:ph type="title"/>
-          </p:nvPr>
-        </p:nvSpPr>
-        <p:spPr>
-          <a:xfrm>
-            <a:off x="646111" y="452718"/>
-            <a:ext cx="9404723" cy="1400530"/>
-          </a:xfrm>
-        </p:spPr>
-        <p:txBody>
-          <a:bodyPr/>
-          <a:lstStyle/>
-          <a:p>
-            <a:r>
-              <a:rPr lang="zh-CN" altLang="en-US" dirty="0"/>
-              <a:t>参考资料</a:t>
-            </a:r>
-          </a:p>
-        </p:txBody>
-      </p:sp>
-      <p:sp>
-        <p:nvSpPr>
-          <p:cNvPr id="3" name="文本框 5"/>
-          <p:cNvSpPr txBox="1"/>
-          <p:nvPr/>
-        </p:nvSpPr>
-        <p:spPr>
-          <a:xfrm>
-            <a:off x="604615" y="1505674"/>
-            <a:ext cx="10877266" cy="2246769"/>
-          </a:xfrm>
-          <a:prstGeom prst="rect">
-            <a:avLst/>
-          </a:prstGeom>
-          <a:noFill/>
-        </p:spPr>
-        <p:txBody>
-          <a:bodyPr wrap="square" rtlCol="0">
-            <a:spAutoFit/>
-          </a:bodyPr>
-          <a:lstStyle/>
-          <a:p>
-            <a:r>
-              <a:rPr lang="zh-CN" altLang="en-US" sz="2000" b="1" dirty="0">
-                <a:solidFill>
-                  <a:schemeClr val="tx1">
-                    <a:lumMod val="50000"/>
-                    <a:lumOff val="50000"/>
-                  </a:schemeClr>
-                </a:solidFill>
-                <a:latin typeface="微软雅黑" panose="020B0503020204020204" pitchFamily="34" charset="-122"/>
-                <a:ea typeface="微软雅黑" panose="020B0503020204020204" pitchFamily="34" charset="-122"/>
-              </a:rPr>
-              <a:t>项目章程</a:t>
-            </a:r>
-          </a:p>
-          <a:p>
-            <a:r>
-              <a:rPr lang="zh-CN" altLang="en-US" sz="2000" b="1" dirty="0">
-                <a:solidFill>
-                  <a:schemeClr val="tx1">
-                    <a:lumMod val="50000"/>
-                    <a:lumOff val="50000"/>
-                  </a:schemeClr>
-                </a:solidFill>
-                <a:latin typeface="微软雅黑" panose="020B0503020204020204" pitchFamily="34" charset="-122"/>
-                <a:ea typeface="微软雅黑" panose="020B0503020204020204" pitchFamily="34" charset="-122"/>
-              </a:rPr>
-              <a:t>百度文库</a:t>
-            </a:r>
-            <a:r>
-              <a:rPr lang="en-US" altLang="zh-CN" sz="2000" b="1" dirty="0">
-                <a:solidFill>
-                  <a:schemeClr val="tx1">
-                    <a:lumMod val="50000"/>
-                    <a:lumOff val="50000"/>
-                  </a:schemeClr>
-                </a:solidFill>
-                <a:latin typeface="微软雅黑" panose="020B0503020204020204" pitchFamily="34" charset="-122"/>
-                <a:ea typeface="微软雅黑" panose="020B0503020204020204" pitchFamily="34" charset="-122"/>
-              </a:rPr>
-              <a:t>--</a:t>
-            </a:r>
-            <a:r>
-              <a:rPr lang="zh-CN" altLang="en-US" sz="2000" b="1" dirty="0">
-                <a:solidFill>
-                  <a:schemeClr val="tx1">
-                    <a:lumMod val="50000"/>
-                    <a:lumOff val="50000"/>
-                  </a:schemeClr>
-                </a:solidFill>
-                <a:latin typeface="微软雅黑" panose="020B0503020204020204" pitchFamily="34" charset="-122"/>
-                <a:ea typeface="微软雅黑" panose="020B0503020204020204" pitchFamily="34" charset="-122"/>
-              </a:rPr>
-              <a:t>需求工程计划</a:t>
-            </a:r>
-            <a:r>
-              <a:rPr lang="en-US" altLang="zh-CN" sz="2000" b="1" dirty="0">
-                <a:solidFill>
-                  <a:schemeClr val="tx1">
-                    <a:lumMod val="50000"/>
-                    <a:lumOff val="50000"/>
-                  </a:schemeClr>
-                </a:solidFill>
-                <a:latin typeface="微软雅黑" panose="020B0503020204020204" pitchFamily="34" charset="-122"/>
-                <a:ea typeface="微软雅黑" panose="020B0503020204020204" pitchFamily="34" charset="-122"/>
-              </a:rPr>
-              <a:t>-</a:t>
-            </a:r>
-            <a:r>
-              <a:rPr lang="zh-CN" altLang="en-US" sz="2000" b="1" dirty="0">
-                <a:solidFill>
-                  <a:schemeClr val="tx1">
-                    <a:lumMod val="50000"/>
-                    <a:lumOff val="50000"/>
-                  </a:schemeClr>
-                </a:solidFill>
-                <a:latin typeface="微软雅黑" panose="020B0503020204020204" pitchFamily="34" charset="-122"/>
-                <a:ea typeface="微软雅黑" panose="020B0503020204020204" pitchFamily="34" charset="-122"/>
-              </a:rPr>
-              <a:t>初步模板，</a:t>
-            </a:r>
-          </a:p>
-          <a:p>
-            <a:r>
-              <a:rPr lang="en-US" altLang="zh-CN" sz="2000" b="1" dirty="0">
-                <a:solidFill>
-                  <a:schemeClr val="tx1">
-                    <a:lumMod val="50000"/>
-                    <a:lumOff val="50000"/>
-                  </a:schemeClr>
-                </a:solidFill>
-                <a:latin typeface="微软雅黑" panose="020B0503020204020204" pitchFamily="34" charset="-122"/>
-                <a:ea typeface="微软雅黑" panose="020B0503020204020204" pitchFamily="34" charset="-122"/>
-                <a:hlinkClick r:id="rId2"/>
-              </a:rPr>
-              <a:t>http://wenku.baidu.com/link?url=2vQ4d4SoRVorLmbRLWlgyanScSDFLph_oTwHyUZJQJx_lYmBWJlpidjMQoBUDnEFyY70nIqXFBGoLw77N1IZtTMqHRXNv_Ao82EOBp9lCDi</a:t>
-            </a:r>
-            <a:r>
-              <a:rPr lang="zh-CN" altLang="en-US" sz="2000" b="1" dirty="0">
-                <a:solidFill>
-                  <a:schemeClr val="tx1">
-                    <a:lumMod val="50000"/>
-                    <a:lumOff val="50000"/>
-                  </a:schemeClr>
-                </a:solidFill>
-                <a:latin typeface="微软雅黑" panose="020B0503020204020204" pitchFamily="34" charset="-122"/>
-                <a:ea typeface="微软雅黑" panose="020B0503020204020204" pitchFamily="34" charset="-122"/>
-                <a:hlinkClick r:id="rId2"/>
-              </a:rPr>
-              <a:t>，</a:t>
-            </a:r>
-            <a:r>
-              <a:rPr lang="en-US" altLang="zh-CN" sz="2000" b="1" dirty="0">
-                <a:solidFill>
-                  <a:schemeClr val="tx1">
-                    <a:lumMod val="50000"/>
-                    <a:lumOff val="50000"/>
-                  </a:schemeClr>
-                </a:solidFill>
-                <a:latin typeface="微软雅黑" panose="020B0503020204020204" pitchFamily="34" charset="-122"/>
-                <a:ea typeface="微软雅黑" panose="020B0503020204020204" pitchFamily="34" charset="-122"/>
-                <a:hlinkClick r:id="rId2"/>
-              </a:rPr>
-              <a:t>20150929</a:t>
-            </a:r>
-            <a:endParaRPr lang="en-US" altLang="zh-CN" sz="2000" b="1" dirty="0">
-              <a:solidFill>
-                <a:schemeClr val="tx1">
-                  <a:lumMod val="50000"/>
-                  <a:lumOff val="50000"/>
-                </a:schemeClr>
-              </a:solidFill>
-              <a:latin typeface="微软雅黑" panose="020B0503020204020204" pitchFamily="34" charset="-122"/>
-              <a:ea typeface="微软雅黑" panose="020B0503020204020204" pitchFamily="34" charset="-122"/>
-            </a:endParaRPr>
-          </a:p>
-          <a:p>
-            <a:r>
-              <a:rPr lang="en-US" altLang="zh-CN" sz="2000" b="1" dirty="0">
-                <a:solidFill>
-                  <a:schemeClr val="tx1">
-                    <a:lumMod val="50000"/>
-                    <a:lumOff val="50000"/>
-                  </a:schemeClr>
-                </a:solidFill>
-                <a:latin typeface="微软雅黑" panose="020B0503020204020204" pitchFamily="34" charset="-122"/>
-                <a:ea typeface="微软雅黑" panose="020B0503020204020204" pitchFamily="34" charset="-122"/>
-              </a:rPr>
-              <a:t>《</a:t>
-            </a:r>
-            <a:r>
-              <a:rPr lang="zh-CN" altLang="en-US" sz="2000" b="1" dirty="0">
-                <a:solidFill>
-                  <a:schemeClr val="tx1">
-                    <a:lumMod val="50000"/>
-                    <a:lumOff val="50000"/>
-                  </a:schemeClr>
-                </a:solidFill>
-                <a:latin typeface="微软雅黑" panose="020B0503020204020204" pitchFamily="34" charset="-122"/>
-                <a:ea typeface="微软雅黑" panose="020B0503020204020204" pitchFamily="34" charset="-122"/>
-              </a:rPr>
-              <a:t>软件需求（第三版）</a:t>
-            </a:r>
-            <a:r>
-              <a:rPr lang="en-US" altLang="zh-CN" sz="2000" b="1" dirty="0">
-                <a:solidFill>
-                  <a:schemeClr val="tx1">
-                    <a:lumMod val="50000"/>
-                    <a:lumOff val="50000"/>
-                  </a:schemeClr>
-                </a:solidFill>
-                <a:latin typeface="微软雅黑" panose="020B0503020204020204" pitchFamily="34" charset="-122"/>
-                <a:ea typeface="微软雅黑" panose="020B0503020204020204" pitchFamily="34" charset="-122"/>
-              </a:rPr>
-              <a:t>》 </a:t>
-            </a:r>
-            <a:r>
-              <a:rPr lang="zh-CN" altLang="en-US" sz="2000" b="1" dirty="0">
-                <a:solidFill>
-                  <a:schemeClr val="tx1">
-                    <a:lumMod val="50000"/>
-                    <a:lumOff val="50000"/>
-                  </a:schemeClr>
-                </a:solidFill>
-                <a:latin typeface="微软雅黑" panose="020B0503020204020204" pitchFamily="34" charset="-122"/>
-                <a:ea typeface="微软雅黑" panose="020B0503020204020204" pitchFamily="34" charset="-122"/>
-              </a:rPr>
-              <a:t>清华大学出版社</a:t>
-            </a:r>
-            <a:endParaRPr lang="en-US" altLang="zh-CN" sz="2000" b="1" dirty="0">
-              <a:solidFill>
-                <a:schemeClr val="tx1">
-                  <a:lumMod val="50000"/>
-                  <a:lumOff val="50000"/>
-                </a:schemeClr>
-              </a:solidFill>
-              <a:latin typeface="微软雅黑" panose="020B0503020204020204" pitchFamily="34" charset="-122"/>
-              <a:ea typeface="微软雅黑" panose="020B0503020204020204" pitchFamily="34" charset="-122"/>
-            </a:endParaRPr>
-          </a:p>
-          <a:p>
-            <a:r>
-              <a:rPr lang="zh-CN" altLang="en-US" sz="2000" b="1" dirty="0">
-                <a:solidFill>
-                  <a:schemeClr val="tx1">
-                    <a:lumMod val="50000"/>
-                    <a:lumOff val="50000"/>
-                  </a:schemeClr>
-                </a:solidFill>
-                <a:latin typeface="微软雅黑" panose="020B0503020204020204" pitchFamily="34" charset="-122"/>
-                <a:ea typeface="微软雅黑" panose="020B0503020204020204" pitchFamily="34" charset="-122"/>
-              </a:rPr>
-              <a:t>国标文档</a:t>
-            </a:r>
-            <a:endParaRPr lang="en-US" altLang="zh-CN" sz="2000" b="1" dirty="0">
-              <a:solidFill>
-                <a:schemeClr val="tx1">
-                  <a:lumMod val="50000"/>
-                  <a:lumOff val="50000"/>
-                </a:schemeClr>
-              </a:solidFill>
-              <a:latin typeface="微软雅黑" panose="020B0503020204020204" pitchFamily="34" charset="-122"/>
-              <a:ea typeface="微软雅黑" panose="020B0503020204020204" pitchFamily="34" charset="-122"/>
-            </a:endParaRPr>
-          </a:p>
-        </p:txBody>
-      </p:sp>
-    </p:spTree>
-    <p:extLst>
-      <p:ext uri="{BB962C8B-B14F-4D97-AF65-F5344CB8AC3E}">
-        <p14:creationId xmlns:p14="http://schemas.microsoft.com/office/powerpoint/2010/main" val="2771957639"/>
       </p:ext>
     </p:extLst>
   </p:cSld>
@@ -32473,8 +33003,8 @@
         </p:nvSpPr>
         <p:spPr>
           <a:xfrm>
-            <a:off x="1574801" y="1952341"/>
-            <a:ext cx="7863113" cy="2690416"/>
+            <a:off x="646111" y="452718"/>
+            <a:ext cx="9404723" cy="1400530"/>
           </a:xfrm>
         </p:spPr>
         <p:txBody>
@@ -32482,39 +33012,294 @@
           <a:lstStyle/>
           <a:p>
             <a:r>
-              <a:rPr lang="zh-CN" altLang="en-US" sz="9600" dirty="0">
-                <a:latin typeface="Microsoft YaHei UI" panose="020B0503020204020204" pitchFamily="34" charset="-122"/>
-                <a:ea typeface="Microsoft YaHei UI" panose="020B0503020204020204" pitchFamily="34" charset="-122"/>
+              <a:rPr lang="zh-CN" altLang="en-US" dirty="0"/>
+              <a:t>参考资料</a:t>
+            </a:r>
+          </a:p>
+        </p:txBody>
+      </p:sp>
+      <p:sp>
+        <p:nvSpPr>
+          <p:cNvPr id="3" name="文本框 5"/>
+          <p:cNvSpPr txBox="1"/>
+          <p:nvPr/>
+        </p:nvSpPr>
+        <p:spPr>
+          <a:xfrm>
+            <a:off x="604615" y="1505674"/>
+            <a:ext cx="10877266" cy="2554545"/>
+          </a:xfrm>
+          <a:prstGeom prst="rect">
+            <a:avLst/>
+          </a:prstGeom>
+          <a:noFill/>
+        </p:spPr>
+        <p:txBody>
+          <a:bodyPr wrap="square" rtlCol="0">
+            <a:spAutoFit/>
+          </a:bodyPr>
+          <a:lstStyle/>
+          <a:p>
+            <a:r>
+              <a:rPr lang="zh-CN" altLang="en-US" sz="2000" b="1" dirty="0">
+                <a:solidFill>
+                  <a:schemeClr val="tx1">
+                    <a:lumMod val="50000"/>
+                    <a:lumOff val="50000"/>
+                  </a:schemeClr>
+                </a:solidFill>
+                <a:latin typeface="微软雅黑" panose="020B0503020204020204" pitchFamily="34" charset="-122"/>
+                <a:ea typeface="微软雅黑" panose="020B0503020204020204" pitchFamily="34" charset="-122"/>
               </a:rPr>
-              <a:t>第</a:t>
-            </a:r>
-            <a:r>
-              <a:rPr lang="en-US" altLang="zh-CN" sz="9600" dirty="0">
-                <a:latin typeface="Microsoft YaHei UI" panose="020B0503020204020204" pitchFamily="34" charset="-122"/>
-                <a:ea typeface="Microsoft YaHei UI" panose="020B0503020204020204" pitchFamily="34" charset="-122"/>
+              <a:t>项目章程</a:t>
+            </a:r>
+          </a:p>
+          <a:p>
+            <a:r>
+              <a:rPr lang="zh-CN" altLang="en-US" sz="2000" b="1" dirty="0">
+                <a:solidFill>
+                  <a:schemeClr val="tx1">
+                    <a:lumMod val="50000"/>
+                    <a:lumOff val="50000"/>
+                  </a:schemeClr>
+                </a:solidFill>
+                <a:latin typeface="微软雅黑" panose="020B0503020204020204" pitchFamily="34" charset="-122"/>
+                <a:ea typeface="微软雅黑" panose="020B0503020204020204" pitchFamily="34" charset="-122"/>
               </a:rPr>
-              <a:t>11</a:t>
-            </a:r>
-            <a:r>
-              <a:rPr lang="zh-CN" altLang="en-US" sz="9600" dirty="0">
-                <a:latin typeface="Microsoft YaHei UI" panose="020B0503020204020204" pitchFamily="34" charset="-122"/>
-                <a:ea typeface="Microsoft YaHei UI" panose="020B0503020204020204" pitchFamily="34" charset="-122"/>
+              <a:t>百度文库</a:t>
+            </a:r>
+            <a:r>
+              <a:rPr lang="en-US" altLang="zh-CN" sz="2000" b="1" dirty="0">
+                <a:solidFill>
+                  <a:schemeClr val="tx1">
+                    <a:lumMod val="50000"/>
+                    <a:lumOff val="50000"/>
+                  </a:schemeClr>
+                </a:solidFill>
+                <a:latin typeface="微软雅黑" panose="020B0503020204020204" pitchFamily="34" charset="-122"/>
+                <a:ea typeface="微软雅黑" panose="020B0503020204020204" pitchFamily="34" charset="-122"/>
               </a:rPr>
-              <a:t>章 </a:t>
-            </a:r>
-            <a:br>
-              <a:rPr lang="en-US" altLang="zh-CN" sz="9600" dirty="0"/>
-            </a:br>
-            <a:r>
-              <a:rPr lang="zh-CN" altLang="en-US" sz="9600" dirty="0"/>
-              <a:t>小组分工</a:t>
-            </a:r>
-            <a:br>
-              <a:rPr lang="zh-CN" altLang="en-US" sz="9600" dirty="0"/>
-            </a:br>
-            <a:endParaRPr lang="zh-CN" sz="9600" dirty="0">
-              <a:latin typeface="Microsoft YaHei UI" panose="020B0503020204020204" pitchFamily="34" charset="-122"/>
-              <a:ea typeface="Microsoft YaHei UI" panose="020B0503020204020204" pitchFamily="34" charset="-122"/>
+              <a:t>--</a:t>
+            </a:r>
+            <a:r>
+              <a:rPr lang="zh-CN" altLang="en-US" sz="2000" b="1" dirty="0">
+                <a:solidFill>
+                  <a:schemeClr val="tx1">
+                    <a:lumMod val="50000"/>
+                    <a:lumOff val="50000"/>
+                  </a:schemeClr>
+                </a:solidFill>
+                <a:latin typeface="微软雅黑" panose="020B0503020204020204" pitchFamily="34" charset="-122"/>
+                <a:ea typeface="微软雅黑" panose="020B0503020204020204" pitchFamily="34" charset="-122"/>
+              </a:rPr>
+              <a:t>需求工程计划</a:t>
+            </a:r>
+            <a:r>
+              <a:rPr lang="en-US" altLang="zh-CN" sz="2000" b="1" dirty="0">
+                <a:solidFill>
+                  <a:schemeClr val="tx1">
+                    <a:lumMod val="50000"/>
+                    <a:lumOff val="50000"/>
+                  </a:schemeClr>
+                </a:solidFill>
+                <a:latin typeface="微软雅黑" panose="020B0503020204020204" pitchFamily="34" charset="-122"/>
+                <a:ea typeface="微软雅黑" panose="020B0503020204020204" pitchFamily="34" charset="-122"/>
+              </a:rPr>
+              <a:t>-</a:t>
+            </a:r>
+            <a:r>
+              <a:rPr lang="zh-CN" altLang="en-US" sz="2000" b="1" dirty="0">
+                <a:solidFill>
+                  <a:schemeClr val="tx1">
+                    <a:lumMod val="50000"/>
+                    <a:lumOff val="50000"/>
+                  </a:schemeClr>
+                </a:solidFill>
+                <a:latin typeface="微软雅黑" panose="020B0503020204020204" pitchFamily="34" charset="-122"/>
+                <a:ea typeface="微软雅黑" panose="020B0503020204020204" pitchFamily="34" charset="-122"/>
+              </a:rPr>
+              <a:t>初步模板，</a:t>
+            </a:r>
+          </a:p>
+          <a:p>
+            <a:r>
+              <a:rPr lang="en-US" altLang="zh-CN" sz="2000" b="1" dirty="0">
+                <a:solidFill>
+                  <a:schemeClr val="tx1">
+                    <a:lumMod val="50000"/>
+                    <a:lumOff val="50000"/>
+                  </a:schemeClr>
+                </a:solidFill>
+                <a:latin typeface="微软雅黑" panose="020B0503020204020204" pitchFamily="34" charset="-122"/>
+                <a:ea typeface="微软雅黑" panose="020B0503020204020204" pitchFamily="34" charset="-122"/>
+                <a:hlinkClick r:id="rId2"/>
+              </a:rPr>
+              <a:t>http://wenku.baidu.com/link?url=2vQ4d4SoRVorLmbRLWlgyanScSDFLph_oTwHyUZJQJx_lYmBWJlpidjMQoBUDnEFyY70nIqXFBGoLw77N1IZtTMqHRXNv_Ao82EOBp9lCDi</a:t>
+            </a:r>
+            <a:r>
+              <a:rPr lang="zh-CN" altLang="en-US" sz="2000" b="1" dirty="0">
+                <a:solidFill>
+                  <a:schemeClr val="tx1">
+                    <a:lumMod val="50000"/>
+                    <a:lumOff val="50000"/>
+                  </a:schemeClr>
+                </a:solidFill>
+                <a:latin typeface="微软雅黑" panose="020B0503020204020204" pitchFamily="34" charset="-122"/>
+                <a:ea typeface="微软雅黑" panose="020B0503020204020204" pitchFamily="34" charset="-122"/>
+                <a:hlinkClick r:id="rId2"/>
+              </a:rPr>
+              <a:t>，</a:t>
+            </a:r>
+            <a:r>
+              <a:rPr lang="en-US" altLang="zh-CN" sz="2000" b="1" dirty="0">
+                <a:solidFill>
+                  <a:schemeClr val="tx1">
+                    <a:lumMod val="50000"/>
+                    <a:lumOff val="50000"/>
+                  </a:schemeClr>
+                </a:solidFill>
+                <a:latin typeface="微软雅黑" panose="020B0503020204020204" pitchFamily="34" charset="-122"/>
+                <a:ea typeface="微软雅黑" panose="020B0503020204020204" pitchFamily="34" charset="-122"/>
+                <a:hlinkClick r:id="rId2"/>
+              </a:rPr>
+              <a:t>20150929</a:t>
+            </a:r>
+            <a:endParaRPr lang="en-US" altLang="zh-CN" sz="2000" b="1" dirty="0">
+              <a:solidFill>
+                <a:schemeClr val="tx1">
+                  <a:lumMod val="50000"/>
+                  <a:lumOff val="50000"/>
+                </a:schemeClr>
+              </a:solidFill>
+              <a:latin typeface="微软雅黑" panose="020B0503020204020204" pitchFamily="34" charset="-122"/>
+              <a:ea typeface="微软雅黑" panose="020B0503020204020204" pitchFamily="34" charset="-122"/>
+            </a:endParaRPr>
+          </a:p>
+          <a:p>
+            <a:r>
+              <a:rPr lang="en-US" altLang="zh-CN" sz="2000" b="1" dirty="0">
+                <a:solidFill>
+                  <a:schemeClr val="tx1">
+                    <a:lumMod val="50000"/>
+                    <a:lumOff val="50000"/>
+                  </a:schemeClr>
+                </a:solidFill>
+                <a:latin typeface="微软雅黑" panose="020B0503020204020204" pitchFamily="34" charset="-122"/>
+                <a:ea typeface="微软雅黑" panose="020B0503020204020204" pitchFamily="34" charset="-122"/>
+              </a:rPr>
+              <a:t>《</a:t>
+            </a:r>
+            <a:r>
+              <a:rPr lang="zh-CN" altLang="en-US" sz="2000" b="1" dirty="0">
+                <a:solidFill>
+                  <a:schemeClr val="tx1">
+                    <a:lumMod val="50000"/>
+                    <a:lumOff val="50000"/>
+                  </a:schemeClr>
+                </a:solidFill>
+                <a:latin typeface="微软雅黑" panose="020B0503020204020204" pitchFamily="34" charset="-122"/>
+                <a:ea typeface="微软雅黑" panose="020B0503020204020204" pitchFamily="34" charset="-122"/>
+              </a:rPr>
+              <a:t>软件需求（第三版）</a:t>
+            </a:r>
+            <a:r>
+              <a:rPr lang="en-US" altLang="zh-CN" sz="2000" b="1" dirty="0">
+                <a:solidFill>
+                  <a:schemeClr val="tx1">
+                    <a:lumMod val="50000"/>
+                    <a:lumOff val="50000"/>
+                  </a:schemeClr>
+                </a:solidFill>
+                <a:latin typeface="微软雅黑" panose="020B0503020204020204" pitchFamily="34" charset="-122"/>
+                <a:ea typeface="微软雅黑" panose="020B0503020204020204" pitchFamily="34" charset="-122"/>
+              </a:rPr>
+              <a:t>》 </a:t>
+            </a:r>
+            <a:r>
+              <a:rPr lang="zh-CN" altLang="en-US" sz="2000" b="1" dirty="0">
+                <a:solidFill>
+                  <a:schemeClr val="tx1">
+                    <a:lumMod val="50000"/>
+                    <a:lumOff val="50000"/>
+                  </a:schemeClr>
+                </a:solidFill>
+                <a:latin typeface="微软雅黑" panose="020B0503020204020204" pitchFamily="34" charset="-122"/>
+                <a:ea typeface="微软雅黑" panose="020B0503020204020204" pitchFamily="34" charset="-122"/>
+              </a:rPr>
+              <a:t>清华大学出版社</a:t>
+            </a:r>
+            <a:endParaRPr lang="en-US" altLang="zh-CN" sz="2000" b="1" dirty="0">
+              <a:solidFill>
+                <a:schemeClr val="tx1">
+                  <a:lumMod val="50000"/>
+                  <a:lumOff val="50000"/>
+                </a:schemeClr>
+              </a:solidFill>
+              <a:latin typeface="微软雅黑" panose="020B0503020204020204" pitchFamily="34" charset="-122"/>
+              <a:ea typeface="微软雅黑" panose="020B0503020204020204" pitchFamily="34" charset="-122"/>
+            </a:endParaRPr>
+          </a:p>
+          <a:p>
+            <a:r>
+              <a:rPr lang="zh-CN" altLang="en-US" sz="2000" b="1" dirty="0">
+                <a:solidFill>
+                  <a:schemeClr val="tx1">
+                    <a:lumMod val="50000"/>
+                    <a:lumOff val="50000"/>
+                  </a:schemeClr>
+                </a:solidFill>
+                <a:latin typeface="微软雅黑" panose="020B0503020204020204" pitchFamily="34" charset="-122"/>
+                <a:ea typeface="微软雅黑" panose="020B0503020204020204" pitchFamily="34" charset="-122"/>
+              </a:rPr>
+              <a:t>国标标准文档</a:t>
+            </a:r>
+            <a:endParaRPr lang="en-US" altLang="zh-CN" sz="2000" b="1" dirty="0">
+              <a:solidFill>
+                <a:schemeClr val="tx1">
+                  <a:lumMod val="50000"/>
+                  <a:lumOff val="50000"/>
+                </a:schemeClr>
+              </a:solidFill>
+              <a:latin typeface="微软雅黑" panose="020B0503020204020204" pitchFamily="34" charset="-122"/>
+              <a:ea typeface="微软雅黑" panose="020B0503020204020204" pitchFamily="34" charset="-122"/>
+            </a:endParaRPr>
+          </a:p>
+          <a:p>
+            <a:r>
+              <a:rPr lang="en-US" altLang="zh-CN" sz="2000" b="1" dirty="0">
+                <a:solidFill>
+                  <a:schemeClr val="tx1">
+                    <a:lumMod val="50000"/>
+                    <a:lumOff val="50000"/>
+                  </a:schemeClr>
+                </a:solidFill>
+                <a:latin typeface="微软雅黑" panose="020B0503020204020204" pitchFamily="34" charset="-122"/>
+                <a:ea typeface="微软雅黑" panose="020B0503020204020204" pitchFamily="34" charset="-122"/>
+              </a:rPr>
+              <a:t>ISO</a:t>
+            </a:r>
+            <a:r>
+              <a:rPr lang="zh-CN" altLang="en-US" sz="2000" b="1" dirty="0">
+                <a:solidFill>
+                  <a:schemeClr val="tx1">
+                    <a:lumMod val="50000"/>
+                    <a:lumOff val="50000"/>
+                  </a:schemeClr>
+                </a:solidFill>
+                <a:latin typeface="微软雅黑" panose="020B0503020204020204" pitchFamily="34" charset="-122"/>
+                <a:ea typeface="微软雅黑" panose="020B0503020204020204" pitchFamily="34" charset="-122"/>
+              </a:rPr>
+              <a:t>标准文档</a:t>
+            </a:r>
+            <a:endParaRPr lang="en-US" altLang="zh-CN" sz="2000" b="1" dirty="0">
+              <a:solidFill>
+                <a:schemeClr val="tx1">
+                  <a:lumMod val="50000"/>
+                  <a:lumOff val="50000"/>
+                </a:schemeClr>
+              </a:solidFill>
+              <a:latin typeface="微软雅黑" panose="020B0503020204020204" pitchFamily="34" charset="-122"/>
+              <a:ea typeface="微软雅黑" panose="020B0503020204020204" pitchFamily="34" charset="-122"/>
             </a:endParaRPr>
           </a:p>
         </p:txBody>
@@ -32522,7 +33307,7 @@
     </p:spTree>
     <p:extLst>
       <p:ext uri="{BB962C8B-B14F-4D97-AF65-F5344CB8AC3E}">
-        <p14:creationId xmlns:p14="http://schemas.microsoft.com/office/powerpoint/2010/main" val="2614912902"/>
+        <p14:creationId xmlns:p14="http://schemas.microsoft.com/office/powerpoint/2010/main" val="2771957639"/>
       </p:ext>
     </p:extLst>
   </p:cSld>
@@ -32561,8 +33346,8 @@
         </p:nvSpPr>
         <p:spPr>
           <a:xfrm>
-            <a:off x="646111" y="452718"/>
-            <a:ext cx="9404723" cy="1400530"/>
+            <a:off x="1574801" y="1952341"/>
+            <a:ext cx="7863113" cy="2690416"/>
           </a:xfrm>
         </p:spPr>
         <p:txBody>
@@ -32570,343 +33355,39 @@
           <a:lstStyle/>
           <a:p>
             <a:r>
-              <a:rPr lang="zh-CN" altLang="en-US" dirty="0"/>
-              <a:t>效绩评定</a:t>
-            </a:r>
-          </a:p>
-        </p:txBody>
-      </p:sp>
-      <p:sp>
-        <p:nvSpPr>
-          <p:cNvPr id="4" name="文本框 3">
-            <a:extLst>
-              <a:ext uri="{FF2B5EF4-FFF2-40B4-BE49-F238E27FC236}">
-                <a16:creationId xmlns:a16="http://schemas.microsoft.com/office/drawing/2014/main" id="{00BC4346-2A34-4211-89A7-4BB48D5913EA}"/>
-              </a:ext>
-            </a:extLst>
-          </p:cNvPr>
-          <p:cNvSpPr txBox="1"/>
-          <p:nvPr/>
-        </p:nvSpPr>
-        <p:spPr>
-          <a:xfrm>
-            <a:off x="646111" y="1754878"/>
-            <a:ext cx="8720920" cy="1569660"/>
-          </a:xfrm>
-          <a:prstGeom prst="rect">
-            <a:avLst/>
-          </a:prstGeom>
-          <a:noFill/>
-        </p:spPr>
-        <p:txBody>
-          <a:bodyPr wrap="square" rtlCol="0">
-            <a:spAutoFit/>
-          </a:bodyPr>
-          <a:lstStyle/>
-          <a:p>
-            <a:r>
-              <a:rPr lang="zh-CN" altLang="en-US" sz="1600" b="1" dirty="0">
-                <a:solidFill>
-                  <a:schemeClr val="tx1">
-                    <a:lumMod val="50000"/>
-                    <a:lumOff val="50000"/>
-                  </a:schemeClr>
-                </a:solidFill>
-                <a:latin typeface="微软雅黑" panose="020B0503020204020204" pitchFamily="34" charset="-122"/>
-                <a:ea typeface="微软雅黑" panose="020B0503020204020204" pitchFamily="34" charset="-122"/>
+              <a:rPr lang="zh-CN" altLang="en-US" sz="9600" dirty="0">
+                <a:latin typeface="Microsoft YaHei UI" panose="020B0503020204020204" pitchFamily="34" charset="-122"/>
+                <a:ea typeface="Microsoft YaHei UI" panose="020B0503020204020204" pitchFamily="34" charset="-122"/>
               </a:rPr>
-              <a:t>吴思楠：</a:t>
-            </a:r>
-            <a:r>
-              <a:rPr lang="en-US" altLang="zh-CN" sz="1600" b="1" dirty="0">
-                <a:solidFill>
-                  <a:schemeClr val="tx1">
-                    <a:lumMod val="50000"/>
-                    <a:lumOff val="50000"/>
-                  </a:schemeClr>
-                </a:solidFill>
-                <a:latin typeface="微软雅黑" panose="020B0503020204020204" pitchFamily="34" charset="-122"/>
-                <a:ea typeface="微软雅黑" panose="020B0503020204020204" pitchFamily="34" charset="-122"/>
+              <a:t>第</a:t>
+            </a:r>
+            <a:r>
+              <a:rPr lang="en-US" altLang="zh-CN" sz="9600" dirty="0">
+                <a:latin typeface="Microsoft YaHei UI" panose="020B0503020204020204" pitchFamily="34" charset="-122"/>
+                <a:ea typeface="Microsoft YaHei UI" panose="020B0503020204020204" pitchFamily="34" charset="-122"/>
               </a:rPr>
-              <a:t>20 </a:t>
-            </a:r>
-            <a:r>
-              <a:rPr lang="zh-CN" altLang="en-US" sz="1600" b="1" dirty="0">
-                <a:solidFill>
-                  <a:schemeClr val="tx1">
-                    <a:lumMod val="50000"/>
-                    <a:lumOff val="50000"/>
-                  </a:schemeClr>
-                </a:solidFill>
-                <a:latin typeface="微软雅黑" panose="020B0503020204020204" pitchFamily="34" charset="-122"/>
-                <a:ea typeface="微软雅黑" panose="020B0503020204020204" pitchFamily="34" charset="-122"/>
+              <a:t>11</a:t>
+            </a:r>
+            <a:r>
+              <a:rPr lang="zh-CN" altLang="en-US" sz="9600" dirty="0">
+                <a:latin typeface="Microsoft YaHei UI" panose="020B0503020204020204" pitchFamily="34" charset="-122"/>
+                <a:ea typeface="Microsoft YaHei UI" panose="020B0503020204020204" pitchFamily="34" charset="-122"/>
               </a:rPr>
-              <a:t>所有文档审核，任务分配</a:t>
-            </a:r>
-            <a:endParaRPr lang="en-US" altLang="zh-CN" sz="1600" b="1" dirty="0">
-              <a:solidFill>
-                <a:schemeClr val="tx1">
-                  <a:lumMod val="50000"/>
-                  <a:lumOff val="50000"/>
-                </a:schemeClr>
-              </a:solidFill>
-              <a:latin typeface="微软雅黑" panose="020B0503020204020204" pitchFamily="34" charset="-122"/>
-              <a:ea typeface="微软雅黑" panose="020B0503020204020204" pitchFamily="34" charset="-122"/>
-            </a:endParaRPr>
-          </a:p>
-          <a:p>
-            <a:r>
-              <a:rPr lang="zh-CN" altLang="en-US" sz="1600" b="1" dirty="0">
-                <a:solidFill>
-                  <a:schemeClr val="tx1">
-                    <a:lumMod val="50000"/>
-                    <a:lumOff val="50000"/>
-                  </a:schemeClr>
-                </a:solidFill>
-                <a:latin typeface="微软雅黑" panose="020B0503020204020204" pitchFamily="34" charset="-122"/>
-                <a:ea typeface="微软雅黑" panose="020B0503020204020204" pitchFamily="34" charset="-122"/>
-              </a:rPr>
-              <a:t>姚天恒：</a:t>
-            </a:r>
-            <a:r>
-              <a:rPr lang="en-US" altLang="zh-CN" sz="1600" b="1" dirty="0">
-                <a:solidFill>
-                  <a:schemeClr val="tx1">
-                    <a:lumMod val="50000"/>
-                    <a:lumOff val="50000"/>
-                  </a:schemeClr>
-                </a:solidFill>
-                <a:latin typeface="微软雅黑" panose="020B0503020204020204" pitchFamily="34" charset="-122"/>
-                <a:ea typeface="微软雅黑" panose="020B0503020204020204" pitchFamily="34" charset="-122"/>
-              </a:rPr>
-              <a:t>17 </a:t>
-            </a:r>
-            <a:r>
-              <a:rPr lang="zh-CN" altLang="en-US" sz="1600" b="1" dirty="0">
-                <a:solidFill>
-                  <a:schemeClr val="tx1">
-                    <a:lumMod val="50000"/>
-                    <a:lumOff val="50000"/>
-                  </a:schemeClr>
-                </a:solidFill>
-                <a:latin typeface="微软雅黑" panose="020B0503020204020204" pitchFamily="34" charset="-122"/>
-                <a:ea typeface="微软雅黑" panose="020B0503020204020204" pitchFamily="34" charset="-122"/>
-              </a:rPr>
-              <a:t>甘特图</a:t>
-            </a:r>
-            <a:endParaRPr lang="en-US" altLang="zh-CN" sz="1600" b="1" dirty="0">
-              <a:solidFill>
-                <a:schemeClr val="tx1">
-                  <a:lumMod val="50000"/>
-                  <a:lumOff val="50000"/>
-                </a:schemeClr>
-              </a:solidFill>
-              <a:latin typeface="微软雅黑" panose="020B0503020204020204" pitchFamily="34" charset="-122"/>
-              <a:ea typeface="微软雅黑" panose="020B0503020204020204" pitchFamily="34" charset="-122"/>
-            </a:endParaRPr>
-          </a:p>
-          <a:p>
-            <a:r>
-              <a:rPr lang="zh-CN" altLang="en-US" sz="1600" b="1" dirty="0">
-                <a:solidFill>
-                  <a:schemeClr val="tx1">
-                    <a:lumMod val="50000"/>
-                    <a:lumOff val="50000"/>
-                  </a:schemeClr>
-                </a:solidFill>
-                <a:latin typeface="微软雅黑" panose="020B0503020204020204" pitchFamily="34" charset="-122"/>
-                <a:ea typeface="微软雅黑" panose="020B0503020204020204" pitchFamily="34" charset="-122"/>
-              </a:rPr>
-              <a:t>叶家威：</a:t>
-            </a:r>
-            <a:r>
-              <a:rPr lang="en-US" altLang="zh-CN" sz="1600" b="1" dirty="0">
-                <a:solidFill>
-                  <a:schemeClr val="tx1">
-                    <a:lumMod val="50000"/>
-                    <a:lumOff val="50000"/>
-                  </a:schemeClr>
-                </a:solidFill>
-                <a:latin typeface="微软雅黑" panose="020B0503020204020204" pitchFamily="34" charset="-122"/>
-                <a:ea typeface="微软雅黑" panose="020B0503020204020204" pitchFamily="34" charset="-122"/>
-              </a:rPr>
-              <a:t>15 </a:t>
-            </a:r>
-            <a:r>
-              <a:rPr lang="zh-CN" altLang="en-US" sz="1600" b="1" dirty="0">
-                <a:solidFill>
-                  <a:schemeClr val="tx1">
-                    <a:lumMod val="50000"/>
-                    <a:lumOff val="50000"/>
-                  </a:schemeClr>
-                </a:solidFill>
-                <a:latin typeface="微软雅黑" panose="020B0503020204020204" pitchFamily="34" charset="-122"/>
-                <a:ea typeface="微软雅黑" panose="020B0503020204020204" pitchFamily="34" charset="-122"/>
-              </a:rPr>
-              <a:t>会议记录，预算估计</a:t>
-            </a:r>
-            <a:endParaRPr lang="en-US" altLang="zh-CN" sz="1600" b="1" dirty="0">
-              <a:solidFill>
-                <a:schemeClr val="tx1">
-                  <a:lumMod val="50000"/>
-                  <a:lumOff val="50000"/>
-                </a:schemeClr>
-              </a:solidFill>
-              <a:latin typeface="微软雅黑" panose="020B0503020204020204" pitchFamily="34" charset="-122"/>
-              <a:ea typeface="微软雅黑" panose="020B0503020204020204" pitchFamily="34" charset="-122"/>
-            </a:endParaRPr>
-          </a:p>
-          <a:p>
-            <a:r>
-              <a:rPr lang="zh-CN" altLang="en-US" sz="1600" b="1" dirty="0">
-                <a:solidFill>
-                  <a:schemeClr val="tx1">
-                    <a:lumMod val="50000"/>
-                    <a:lumOff val="50000"/>
-                  </a:schemeClr>
-                </a:solidFill>
-                <a:latin typeface="微软雅黑" panose="020B0503020204020204" pitchFamily="34" charset="-122"/>
-                <a:ea typeface="微软雅黑" panose="020B0503020204020204" pitchFamily="34" charset="-122"/>
-              </a:rPr>
-              <a:t>沈舸帆：</a:t>
-            </a:r>
-            <a:r>
-              <a:rPr lang="en-US" altLang="zh-CN" sz="1600" b="1" dirty="0">
-                <a:solidFill>
-                  <a:schemeClr val="tx1">
-                    <a:lumMod val="50000"/>
-                    <a:lumOff val="50000"/>
-                  </a:schemeClr>
-                </a:solidFill>
-                <a:latin typeface="微软雅黑" panose="020B0503020204020204" pitchFamily="34" charset="-122"/>
-                <a:ea typeface="微软雅黑" panose="020B0503020204020204" pitchFamily="34" charset="-122"/>
-              </a:rPr>
-              <a:t>16 WBS</a:t>
-            </a:r>
-            <a:r>
-              <a:rPr lang="zh-CN" altLang="en-US" sz="1600" b="1" dirty="0">
-                <a:solidFill>
-                  <a:schemeClr val="tx1">
-                    <a:lumMod val="50000"/>
-                    <a:lumOff val="50000"/>
-                  </a:schemeClr>
-                </a:solidFill>
-                <a:latin typeface="微软雅黑" panose="020B0503020204020204" pitchFamily="34" charset="-122"/>
-                <a:ea typeface="微软雅黑" panose="020B0503020204020204" pitchFamily="34" charset="-122"/>
-              </a:rPr>
-              <a:t>表</a:t>
-            </a:r>
-            <a:endParaRPr lang="en-US" altLang="zh-CN" sz="1600" b="1" dirty="0">
-              <a:solidFill>
-                <a:schemeClr val="tx1">
-                  <a:lumMod val="50000"/>
-                  <a:lumOff val="50000"/>
-                </a:schemeClr>
-              </a:solidFill>
-              <a:latin typeface="微软雅黑" panose="020B0503020204020204" pitchFamily="34" charset="-122"/>
-              <a:ea typeface="微软雅黑" panose="020B0503020204020204" pitchFamily="34" charset="-122"/>
-            </a:endParaRPr>
-          </a:p>
-          <a:p>
-            <a:r>
-              <a:rPr lang="zh-CN" altLang="en-US" sz="1600" b="1" dirty="0">
-                <a:solidFill>
-                  <a:schemeClr val="tx1">
-                    <a:lumMod val="50000"/>
-                    <a:lumOff val="50000"/>
-                  </a:schemeClr>
-                </a:solidFill>
-                <a:latin typeface="微软雅黑" panose="020B0503020204020204" pitchFamily="34" charset="-122"/>
-                <a:ea typeface="微软雅黑" panose="020B0503020204020204" pitchFamily="34" charset="-122"/>
-              </a:rPr>
-              <a:t>沈家豪：</a:t>
-            </a:r>
-            <a:r>
-              <a:rPr lang="en-US" altLang="zh-CN" sz="1600" b="1" dirty="0">
-                <a:solidFill>
-                  <a:schemeClr val="tx1">
-                    <a:lumMod val="50000"/>
-                    <a:lumOff val="50000"/>
-                  </a:schemeClr>
-                </a:solidFill>
-                <a:latin typeface="微软雅黑" panose="020B0503020204020204" pitchFamily="34" charset="-122"/>
-                <a:ea typeface="微软雅黑" panose="020B0503020204020204" pitchFamily="34" charset="-122"/>
-              </a:rPr>
-              <a:t>16 </a:t>
-            </a:r>
-            <a:r>
-              <a:rPr lang="zh-CN" altLang="en-US" sz="1600" b="1" dirty="0">
-                <a:solidFill>
-                  <a:schemeClr val="tx1">
-                    <a:lumMod val="50000"/>
-                    <a:lumOff val="50000"/>
-                  </a:schemeClr>
-                </a:solidFill>
-                <a:latin typeface="微软雅黑" panose="020B0503020204020204" pitchFamily="34" charset="-122"/>
-                <a:ea typeface="微软雅黑" panose="020B0503020204020204" pitchFamily="34" charset="-122"/>
-              </a:rPr>
-              <a:t>文档编辑</a:t>
-            </a:r>
-            <a:endParaRPr lang="en-US" altLang="zh-CN" sz="1600" b="1" dirty="0">
-              <a:solidFill>
-                <a:schemeClr val="tx1">
-                  <a:lumMod val="50000"/>
-                  <a:lumOff val="50000"/>
-                </a:schemeClr>
-              </a:solidFill>
-              <a:latin typeface="微软雅黑" panose="020B0503020204020204" pitchFamily="34" charset="-122"/>
-              <a:ea typeface="微软雅黑" panose="020B0503020204020204" pitchFamily="34" charset="-122"/>
-            </a:endParaRPr>
-          </a:p>
-          <a:p>
-            <a:r>
-              <a:rPr lang="zh-CN" altLang="en-US" sz="1600" b="1" dirty="0">
-                <a:solidFill>
-                  <a:schemeClr val="tx1">
-                    <a:lumMod val="50000"/>
-                    <a:lumOff val="50000"/>
-                  </a:schemeClr>
-                </a:solidFill>
-                <a:latin typeface="微软雅黑" panose="020B0503020204020204" pitchFamily="34" charset="-122"/>
-                <a:ea typeface="微软雅黑" panose="020B0503020204020204" pitchFamily="34" charset="-122"/>
-              </a:rPr>
-              <a:t>汤志东：</a:t>
-            </a:r>
-            <a:r>
-              <a:rPr lang="en-US" altLang="zh-CN" sz="1600" b="1" dirty="0">
-                <a:solidFill>
-                  <a:schemeClr val="tx1">
-                    <a:lumMod val="50000"/>
-                    <a:lumOff val="50000"/>
-                  </a:schemeClr>
-                </a:solidFill>
-                <a:latin typeface="微软雅黑" panose="020B0503020204020204" pitchFamily="34" charset="-122"/>
-                <a:ea typeface="微软雅黑" panose="020B0503020204020204" pitchFamily="34" charset="-122"/>
-              </a:rPr>
-              <a:t>16 </a:t>
-            </a:r>
-            <a:r>
-              <a:rPr lang="zh-CN" altLang="en-US" sz="1600" b="1" dirty="0">
-                <a:solidFill>
-                  <a:schemeClr val="tx1">
-                    <a:lumMod val="50000"/>
-                    <a:lumOff val="50000"/>
-                  </a:schemeClr>
-                </a:solidFill>
-                <a:latin typeface="微软雅黑" panose="020B0503020204020204" pitchFamily="34" charset="-122"/>
-                <a:ea typeface="微软雅黑" panose="020B0503020204020204" pitchFamily="34" charset="-122"/>
-              </a:rPr>
-              <a:t>文档编辑</a:t>
-            </a:r>
-            <a:endParaRPr lang="en-US" altLang="zh-CN" sz="1600" b="1" dirty="0">
-              <a:solidFill>
-                <a:schemeClr val="tx1">
-                  <a:lumMod val="50000"/>
-                  <a:lumOff val="50000"/>
-                </a:schemeClr>
-              </a:solidFill>
-              <a:latin typeface="微软雅黑" panose="020B0503020204020204" pitchFamily="34" charset="-122"/>
-              <a:ea typeface="微软雅黑" panose="020B0503020204020204" pitchFamily="34" charset="-122"/>
+              <a:t>章 </a:t>
+            </a:r>
+            <a:br>
+              <a:rPr lang="en-US" altLang="zh-CN" sz="9600" dirty="0"/>
+            </a:br>
+            <a:r>
+              <a:rPr lang="zh-CN" altLang="en-US" sz="9600" dirty="0"/>
+              <a:t>小组分工</a:t>
+            </a:r>
+            <a:br>
+              <a:rPr lang="zh-CN" altLang="en-US" sz="9600" dirty="0"/>
+            </a:br>
+            <a:endParaRPr lang="zh-CN" sz="9600" dirty="0">
+              <a:latin typeface="Microsoft YaHei UI" panose="020B0503020204020204" pitchFamily="34" charset="-122"/>
+              <a:ea typeface="Microsoft YaHei UI" panose="020B0503020204020204" pitchFamily="34" charset="-122"/>
             </a:endParaRPr>
           </a:p>
         </p:txBody>
@@ -32914,7 +33395,7 @@
     </p:spTree>
     <p:extLst>
       <p:ext uri="{BB962C8B-B14F-4D97-AF65-F5344CB8AC3E}">
-        <p14:creationId xmlns:p14="http://schemas.microsoft.com/office/powerpoint/2010/main" val="2991596014"/>
+        <p14:creationId xmlns:p14="http://schemas.microsoft.com/office/powerpoint/2010/main" val="2614912902"/>
       </p:ext>
     </p:extLst>
   </p:cSld>
@@ -33012,6 +33493,398 @@
 </file>
 
 <file path=ppt/slides/slide60.xml><?xml version="1.0" encoding="utf-8"?>
+<p:sld xmlns:a="http://schemas.openxmlformats.org/drawingml/2006/main" xmlns:r="http://schemas.openxmlformats.org/officeDocument/2006/relationships" xmlns:p="http://schemas.openxmlformats.org/presentationml/2006/main">
+  <p:cSld>
+    <p:spTree>
+      <p:nvGrpSpPr>
+        <p:cNvPr id="1" name=""/>
+        <p:cNvGrpSpPr/>
+        <p:nvPr/>
+      </p:nvGrpSpPr>
+      <p:grpSpPr>
+        <a:xfrm>
+          <a:off x="0" y="0"/>
+          <a:ext cx="0" cy="0"/>
+          <a:chOff x="0" y="0"/>
+          <a:chExt cx="0" cy="0"/>
+        </a:xfrm>
+      </p:grpSpPr>
+      <p:sp>
+        <p:nvSpPr>
+          <p:cNvPr id="2" name="标题 1"/>
+          <p:cNvSpPr>
+            <a:spLocks noGrp="1"/>
+          </p:cNvSpPr>
+          <p:nvPr>
+            <p:ph type="title"/>
+          </p:nvPr>
+        </p:nvSpPr>
+        <p:spPr>
+          <a:xfrm>
+            <a:off x="646111" y="452718"/>
+            <a:ext cx="9404723" cy="1400530"/>
+          </a:xfrm>
+        </p:spPr>
+        <p:txBody>
+          <a:bodyPr/>
+          <a:lstStyle/>
+          <a:p>
+            <a:r>
+              <a:rPr lang="zh-CN" altLang="en-US" dirty="0"/>
+              <a:t>效绩评定</a:t>
+            </a:r>
+          </a:p>
+        </p:txBody>
+      </p:sp>
+      <p:sp>
+        <p:nvSpPr>
+          <p:cNvPr id="4" name="文本框 3">
+            <a:extLst>
+              <a:ext uri="{FF2B5EF4-FFF2-40B4-BE49-F238E27FC236}">
+                <a16:creationId xmlns:a16="http://schemas.microsoft.com/office/drawing/2014/main" id="{00BC4346-2A34-4211-89A7-4BB48D5913EA}"/>
+              </a:ext>
+            </a:extLst>
+          </p:cNvPr>
+          <p:cNvSpPr txBox="1"/>
+          <p:nvPr/>
+        </p:nvSpPr>
+        <p:spPr>
+          <a:xfrm>
+            <a:off x="646111" y="1754878"/>
+            <a:ext cx="8720920" cy="1569660"/>
+          </a:xfrm>
+          <a:prstGeom prst="rect">
+            <a:avLst/>
+          </a:prstGeom>
+          <a:noFill/>
+        </p:spPr>
+        <p:txBody>
+          <a:bodyPr wrap="square" rtlCol="0">
+            <a:spAutoFit/>
+          </a:bodyPr>
+          <a:lstStyle/>
+          <a:p>
+            <a:r>
+              <a:rPr lang="zh-CN" altLang="en-US" sz="1600" b="1" dirty="0">
+                <a:solidFill>
+                  <a:schemeClr val="tx1">
+                    <a:lumMod val="50000"/>
+                    <a:lumOff val="50000"/>
+                  </a:schemeClr>
+                </a:solidFill>
+                <a:latin typeface="微软雅黑" panose="020B0503020204020204" pitchFamily="34" charset="-122"/>
+                <a:ea typeface="微软雅黑" panose="020B0503020204020204" pitchFamily="34" charset="-122"/>
+              </a:rPr>
+              <a:t>吴思楠：</a:t>
+            </a:r>
+            <a:r>
+              <a:rPr lang="en-US" altLang="zh-CN" sz="1600" b="1" dirty="0">
+                <a:solidFill>
+                  <a:schemeClr val="tx1">
+                    <a:lumMod val="50000"/>
+                    <a:lumOff val="50000"/>
+                  </a:schemeClr>
+                </a:solidFill>
+                <a:latin typeface="微软雅黑" panose="020B0503020204020204" pitchFamily="34" charset="-122"/>
+                <a:ea typeface="微软雅黑" panose="020B0503020204020204" pitchFamily="34" charset="-122"/>
+              </a:rPr>
+              <a:t>20 </a:t>
+            </a:r>
+            <a:r>
+              <a:rPr lang="zh-CN" altLang="en-US" sz="1600" b="1" dirty="0">
+                <a:solidFill>
+                  <a:schemeClr val="tx1">
+                    <a:lumMod val="50000"/>
+                    <a:lumOff val="50000"/>
+                  </a:schemeClr>
+                </a:solidFill>
+                <a:latin typeface="微软雅黑" panose="020B0503020204020204" pitchFamily="34" charset="-122"/>
+                <a:ea typeface="微软雅黑" panose="020B0503020204020204" pitchFamily="34" charset="-122"/>
+              </a:rPr>
+              <a:t>所有文档审核，任务分配</a:t>
+            </a:r>
+            <a:endParaRPr lang="en-US" altLang="zh-CN" sz="1600" b="1" dirty="0">
+              <a:solidFill>
+                <a:schemeClr val="tx1">
+                  <a:lumMod val="50000"/>
+                  <a:lumOff val="50000"/>
+                </a:schemeClr>
+              </a:solidFill>
+              <a:latin typeface="微软雅黑" panose="020B0503020204020204" pitchFamily="34" charset="-122"/>
+              <a:ea typeface="微软雅黑" panose="020B0503020204020204" pitchFamily="34" charset="-122"/>
+            </a:endParaRPr>
+          </a:p>
+          <a:p>
+            <a:r>
+              <a:rPr lang="zh-CN" altLang="en-US" sz="1600" b="1" dirty="0">
+                <a:solidFill>
+                  <a:schemeClr val="tx1">
+                    <a:lumMod val="50000"/>
+                    <a:lumOff val="50000"/>
+                  </a:schemeClr>
+                </a:solidFill>
+                <a:latin typeface="微软雅黑" panose="020B0503020204020204" pitchFamily="34" charset="-122"/>
+                <a:ea typeface="微软雅黑" panose="020B0503020204020204" pitchFamily="34" charset="-122"/>
+              </a:rPr>
+              <a:t>姚天恒：</a:t>
+            </a:r>
+            <a:r>
+              <a:rPr lang="en-US" altLang="zh-CN" sz="1600" b="1" dirty="0">
+                <a:solidFill>
+                  <a:schemeClr val="tx1">
+                    <a:lumMod val="50000"/>
+                    <a:lumOff val="50000"/>
+                  </a:schemeClr>
+                </a:solidFill>
+                <a:latin typeface="微软雅黑" panose="020B0503020204020204" pitchFamily="34" charset="-122"/>
+                <a:ea typeface="微软雅黑" panose="020B0503020204020204" pitchFamily="34" charset="-122"/>
+              </a:rPr>
+              <a:t>17 </a:t>
+            </a:r>
+            <a:r>
+              <a:rPr lang="zh-CN" altLang="en-US" sz="1600" b="1" dirty="0">
+                <a:solidFill>
+                  <a:schemeClr val="tx1">
+                    <a:lumMod val="50000"/>
+                    <a:lumOff val="50000"/>
+                  </a:schemeClr>
+                </a:solidFill>
+                <a:latin typeface="微软雅黑" panose="020B0503020204020204" pitchFamily="34" charset="-122"/>
+                <a:ea typeface="微软雅黑" panose="020B0503020204020204" pitchFamily="34" charset="-122"/>
+              </a:rPr>
+              <a:t>甘特图</a:t>
+            </a:r>
+            <a:endParaRPr lang="en-US" altLang="zh-CN" sz="1600" b="1" dirty="0">
+              <a:solidFill>
+                <a:schemeClr val="tx1">
+                  <a:lumMod val="50000"/>
+                  <a:lumOff val="50000"/>
+                </a:schemeClr>
+              </a:solidFill>
+              <a:latin typeface="微软雅黑" panose="020B0503020204020204" pitchFamily="34" charset="-122"/>
+              <a:ea typeface="微软雅黑" panose="020B0503020204020204" pitchFamily="34" charset="-122"/>
+            </a:endParaRPr>
+          </a:p>
+          <a:p>
+            <a:r>
+              <a:rPr lang="zh-CN" altLang="en-US" sz="1600" b="1" dirty="0">
+                <a:solidFill>
+                  <a:schemeClr val="tx1">
+                    <a:lumMod val="50000"/>
+                    <a:lumOff val="50000"/>
+                  </a:schemeClr>
+                </a:solidFill>
+                <a:latin typeface="微软雅黑" panose="020B0503020204020204" pitchFamily="34" charset="-122"/>
+                <a:ea typeface="微软雅黑" panose="020B0503020204020204" pitchFamily="34" charset="-122"/>
+              </a:rPr>
+              <a:t>叶家威：</a:t>
+            </a:r>
+            <a:r>
+              <a:rPr lang="en-US" altLang="zh-CN" sz="1600" b="1" dirty="0">
+                <a:solidFill>
+                  <a:schemeClr val="tx1">
+                    <a:lumMod val="50000"/>
+                    <a:lumOff val="50000"/>
+                  </a:schemeClr>
+                </a:solidFill>
+                <a:latin typeface="微软雅黑" panose="020B0503020204020204" pitchFamily="34" charset="-122"/>
+                <a:ea typeface="微软雅黑" panose="020B0503020204020204" pitchFamily="34" charset="-122"/>
+              </a:rPr>
+              <a:t>15 </a:t>
+            </a:r>
+            <a:r>
+              <a:rPr lang="zh-CN" altLang="en-US" sz="1600" b="1" dirty="0">
+                <a:solidFill>
+                  <a:schemeClr val="tx1">
+                    <a:lumMod val="50000"/>
+                    <a:lumOff val="50000"/>
+                  </a:schemeClr>
+                </a:solidFill>
+                <a:latin typeface="微软雅黑" panose="020B0503020204020204" pitchFamily="34" charset="-122"/>
+                <a:ea typeface="微软雅黑" panose="020B0503020204020204" pitchFamily="34" charset="-122"/>
+              </a:rPr>
+              <a:t>会议记录，预算估计</a:t>
+            </a:r>
+            <a:endParaRPr lang="en-US" altLang="zh-CN" sz="1600" b="1" dirty="0">
+              <a:solidFill>
+                <a:schemeClr val="tx1">
+                  <a:lumMod val="50000"/>
+                  <a:lumOff val="50000"/>
+                </a:schemeClr>
+              </a:solidFill>
+              <a:latin typeface="微软雅黑" panose="020B0503020204020204" pitchFamily="34" charset="-122"/>
+              <a:ea typeface="微软雅黑" panose="020B0503020204020204" pitchFamily="34" charset="-122"/>
+            </a:endParaRPr>
+          </a:p>
+          <a:p>
+            <a:r>
+              <a:rPr lang="zh-CN" altLang="en-US" sz="1600" b="1" dirty="0">
+                <a:solidFill>
+                  <a:schemeClr val="tx1">
+                    <a:lumMod val="50000"/>
+                    <a:lumOff val="50000"/>
+                  </a:schemeClr>
+                </a:solidFill>
+                <a:latin typeface="微软雅黑" panose="020B0503020204020204" pitchFamily="34" charset="-122"/>
+                <a:ea typeface="微软雅黑" panose="020B0503020204020204" pitchFamily="34" charset="-122"/>
+              </a:rPr>
+              <a:t>沈舸帆：</a:t>
+            </a:r>
+            <a:r>
+              <a:rPr lang="en-US" altLang="zh-CN" sz="1600" b="1" dirty="0">
+                <a:solidFill>
+                  <a:schemeClr val="tx1">
+                    <a:lumMod val="50000"/>
+                    <a:lumOff val="50000"/>
+                  </a:schemeClr>
+                </a:solidFill>
+                <a:latin typeface="微软雅黑" panose="020B0503020204020204" pitchFamily="34" charset="-122"/>
+                <a:ea typeface="微软雅黑" panose="020B0503020204020204" pitchFamily="34" charset="-122"/>
+              </a:rPr>
+              <a:t>16 WBS</a:t>
+            </a:r>
+            <a:r>
+              <a:rPr lang="zh-CN" altLang="en-US" sz="1600" b="1" dirty="0">
+                <a:solidFill>
+                  <a:schemeClr val="tx1">
+                    <a:lumMod val="50000"/>
+                    <a:lumOff val="50000"/>
+                  </a:schemeClr>
+                </a:solidFill>
+                <a:latin typeface="微软雅黑" panose="020B0503020204020204" pitchFamily="34" charset="-122"/>
+                <a:ea typeface="微软雅黑" panose="020B0503020204020204" pitchFamily="34" charset="-122"/>
+              </a:rPr>
+              <a:t>表</a:t>
+            </a:r>
+            <a:endParaRPr lang="en-US" altLang="zh-CN" sz="1600" b="1" dirty="0">
+              <a:solidFill>
+                <a:schemeClr val="tx1">
+                  <a:lumMod val="50000"/>
+                  <a:lumOff val="50000"/>
+                </a:schemeClr>
+              </a:solidFill>
+              <a:latin typeface="微软雅黑" panose="020B0503020204020204" pitchFamily="34" charset="-122"/>
+              <a:ea typeface="微软雅黑" panose="020B0503020204020204" pitchFamily="34" charset="-122"/>
+            </a:endParaRPr>
+          </a:p>
+          <a:p>
+            <a:r>
+              <a:rPr lang="zh-CN" altLang="en-US" sz="1600" b="1" dirty="0">
+                <a:solidFill>
+                  <a:schemeClr val="tx1">
+                    <a:lumMod val="50000"/>
+                    <a:lumOff val="50000"/>
+                  </a:schemeClr>
+                </a:solidFill>
+                <a:latin typeface="微软雅黑" panose="020B0503020204020204" pitchFamily="34" charset="-122"/>
+                <a:ea typeface="微软雅黑" panose="020B0503020204020204" pitchFamily="34" charset="-122"/>
+              </a:rPr>
+              <a:t>沈家豪：</a:t>
+            </a:r>
+            <a:r>
+              <a:rPr lang="en-US" altLang="zh-CN" sz="1600" b="1" dirty="0">
+                <a:solidFill>
+                  <a:schemeClr val="tx1">
+                    <a:lumMod val="50000"/>
+                    <a:lumOff val="50000"/>
+                  </a:schemeClr>
+                </a:solidFill>
+                <a:latin typeface="微软雅黑" panose="020B0503020204020204" pitchFamily="34" charset="-122"/>
+                <a:ea typeface="微软雅黑" panose="020B0503020204020204" pitchFamily="34" charset="-122"/>
+              </a:rPr>
+              <a:t>16 </a:t>
+            </a:r>
+            <a:r>
+              <a:rPr lang="zh-CN" altLang="en-US" sz="1600" b="1" dirty="0">
+                <a:solidFill>
+                  <a:schemeClr val="tx1">
+                    <a:lumMod val="50000"/>
+                    <a:lumOff val="50000"/>
+                  </a:schemeClr>
+                </a:solidFill>
+                <a:latin typeface="微软雅黑" panose="020B0503020204020204" pitchFamily="34" charset="-122"/>
+                <a:ea typeface="微软雅黑" panose="020B0503020204020204" pitchFamily="34" charset="-122"/>
+              </a:rPr>
+              <a:t>文档编辑</a:t>
+            </a:r>
+            <a:endParaRPr lang="en-US" altLang="zh-CN" sz="1600" b="1" dirty="0">
+              <a:solidFill>
+                <a:schemeClr val="tx1">
+                  <a:lumMod val="50000"/>
+                  <a:lumOff val="50000"/>
+                </a:schemeClr>
+              </a:solidFill>
+              <a:latin typeface="微软雅黑" panose="020B0503020204020204" pitchFamily="34" charset="-122"/>
+              <a:ea typeface="微软雅黑" panose="020B0503020204020204" pitchFamily="34" charset="-122"/>
+            </a:endParaRPr>
+          </a:p>
+          <a:p>
+            <a:r>
+              <a:rPr lang="zh-CN" altLang="en-US" sz="1600" b="1" dirty="0">
+                <a:solidFill>
+                  <a:schemeClr val="tx1">
+                    <a:lumMod val="50000"/>
+                    <a:lumOff val="50000"/>
+                  </a:schemeClr>
+                </a:solidFill>
+                <a:latin typeface="微软雅黑" panose="020B0503020204020204" pitchFamily="34" charset="-122"/>
+                <a:ea typeface="微软雅黑" panose="020B0503020204020204" pitchFamily="34" charset="-122"/>
+              </a:rPr>
+              <a:t>汤志东：</a:t>
+            </a:r>
+            <a:r>
+              <a:rPr lang="en-US" altLang="zh-CN" sz="1600" b="1" dirty="0">
+                <a:solidFill>
+                  <a:schemeClr val="tx1">
+                    <a:lumMod val="50000"/>
+                    <a:lumOff val="50000"/>
+                  </a:schemeClr>
+                </a:solidFill>
+                <a:latin typeface="微软雅黑" panose="020B0503020204020204" pitchFamily="34" charset="-122"/>
+                <a:ea typeface="微软雅黑" panose="020B0503020204020204" pitchFamily="34" charset="-122"/>
+              </a:rPr>
+              <a:t>16 </a:t>
+            </a:r>
+            <a:r>
+              <a:rPr lang="zh-CN" altLang="en-US" sz="1600" b="1" dirty="0">
+                <a:solidFill>
+                  <a:schemeClr val="tx1">
+                    <a:lumMod val="50000"/>
+                    <a:lumOff val="50000"/>
+                  </a:schemeClr>
+                </a:solidFill>
+                <a:latin typeface="微软雅黑" panose="020B0503020204020204" pitchFamily="34" charset="-122"/>
+                <a:ea typeface="微软雅黑" panose="020B0503020204020204" pitchFamily="34" charset="-122"/>
+              </a:rPr>
+              <a:t>文档编辑</a:t>
+            </a:r>
+            <a:endParaRPr lang="en-US" altLang="zh-CN" sz="1600" b="1" dirty="0">
+              <a:solidFill>
+                <a:schemeClr val="tx1">
+                  <a:lumMod val="50000"/>
+                  <a:lumOff val="50000"/>
+                </a:schemeClr>
+              </a:solidFill>
+              <a:latin typeface="微软雅黑" panose="020B0503020204020204" pitchFamily="34" charset="-122"/>
+              <a:ea typeface="微软雅黑" panose="020B0503020204020204" pitchFamily="34" charset="-122"/>
+            </a:endParaRPr>
+          </a:p>
+        </p:txBody>
+      </p:sp>
+    </p:spTree>
+    <p:extLst>
+      <p:ext uri="{BB962C8B-B14F-4D97-AF65-F5344CB8AC3E}">
+        <p14:creationId xmlns:p14="http://schemas.microsoft.com/office/powerpoint/2010/main" val="2991596014"/>
+      </p:ext>
+    </p:extLst>
+  </p:cSld>
+  <p:clrMapOvr>
+    <a:masterClrMapping/>
+  </p:clrMapOvr>
+</p:sld>
+</file>
+
+<file path=ppt/slides/slide61.xml><?xml version="1.0" encoding="utf-8"?>
 <p:sld xmlns:a="http://schemas.openxmlformats.org/drawingml/2006/main" xmlns:r="http://schemas.openxmlformats.org/officeDocument/2006/relationships" xmlns:p="http://schemas.openxmlformats.org/presentationml/2006/main">
   <p:cSld>
     <p:spTree>
@@ -33938,7 +34811,7 @@
 </p:sld>
 </file>
 
-<file path=ppt/slides/slide61.xml><?xml version="1.0" encoding="utf-8"?>
+<file path=ppt/slides/slide62.xml><?xml version="1.0" encoding="utf-8"?>
 <p:sld xmlns:a="http://schemas.openxmlformats.org/drawingml/2006/main" xmlns:r="http://schemas.openxmlformats.org/officeDocument/2006/relationships" xmlns:p="http://schemas.openxmlformats.org/presentationml/2006/main">
   <p:cSld>
     <p:spTree>
@@ -34368,7 +35241,7 @@
 </p:sld>
 </file>
 
-<file path=ppt/slides/slide62.xml><?xml version="1.0" encoding="utf-8"?>
+<file path=ppt/slides/slide63.xml><?xml version="1.0" encoding="utf-8"?>
 <p:sld xmlns:a="http://schemas.openxmlformats.org/drawingml/2006/main" xmlns:r="http://schemas.openxmlformats.org/officeDocument/2006/relationships" xmlns:p="http://schemas.openxmlformats.org/presentationml/2006/main">
   <p:cSld>
     <p:spTree>

--- a/PRD-2017-G25-需求工程计划PPTV0.2.pptx
+++ b/PRD-2017-G25-需求工程计划PPTV0.2.pptx
@@ -5,10 +5,10 @@
     <p:sldMasterId id="2147483648" r:id="rId2"/>
   </p:sldMasterIdLst>
   <p:notesMasterIdLst>
-    <p:notesMasterId r:id="rId66"/>
+    <p:notesMasterId r:id="rId65"/>
   </p:notesMasterIdLst>
   <p:handoutMasterIdLst>
-    <p:handoutMasterId r:id="rId67"/>
+    <p:handoutMasterId r:id="rId66"/>
   </p:handoutMasterIdLst>
   <p:sldIdLst>
     <p:sldId id="257" r:id="rId3"/>
@@ -25,55 +25,54 @@
     <p:sldId id="275" r:id="rId14"/>
     <p:sldId id="276" r:id="rId15"/>
     <p:sldId id="277" r:id="rId16"/>
-    <p:sldId id="278" r:id="rId17"/>
-    <p:sldId id="296" r:id="rId18"/>
-    <p:sldId id="297" r:id="rId19"/>
-    <p:sldId id="298" r:id="rId20"/>
-    <p:sldId id="299" r:id="rId21"/>
-    <p:sldId id="329" r:id="rId22"/>
-    <p:sldId id="332" r:id="rId23"/>
-    <p:sldId id="333" r:id="rId24"/>
-    <p:sldId id="319" r:id="rId25"/>
-    <p:sldId id="330" r:id="rId26"/>
-    <p:sldId id="304" r:id="rId27"/>
-    <p:sldId id="302" r:id="rId28"/>
-    <p:sldId id="303" r:id="rId29"/>
-    <p:sldId id="279" r:id="rId30"/>
-    <p:sldId id="280" r:id="rId31"/>
-    <p:sldId id="281" r:id="rId32"/>
-    <p:sldId id="282" r:id="rId33"/>
-    <p:sldId id="284" r:id="rId34"/>
-    <p:sldId id="285" r:id="rId35"/>
-    <p:sldId id="287" r:id="rId36"/>
-    <p:sldId id="288" r:id="rId37"/>
-    <p:sldId id="289" r:id="rId38"/>
-    <p:sldId id="334" r:id="rId39"/>
-    <p:sldId id="290" r:id="rId40"/>
-    <p:sldId id="291" r:id="rId41"/>
-    <p:sldId id="292" r:id="rId42"/>
-    <p:sldId id="293" r:id="rId43"/>
-    <p:sldId id="305" r:id="rId44"/>
-    <p:sldId id="306" r:id="rId45"/>
-    <p:sldId id="307" r:id="rId46"/>
-    <p:sldId id="294" r:id="rId47"/>
-    <p:sldId id="295" r:id="rId48"/>
-    <p:sldId id="301" r:id="rId49"/>
-    <p:sldId id="321" r:id="rId50"/>
-    <p:sldId id="322" r:id="rId51"/>
-    <p:sldId id="323" r:id="rId52"/>
-    <p:sldId id="324" r:id="rId53"/>
-    <p:sldId id="327" r:id="rId54"/>
-    <p:sldId id="325" r:id="rId55"/>
-    <p:sldId id="308" r:id="rId56"/>
-    <p:sldId id="309" r:id="rId57"/>
-    <p:sldId id="310" r:id="rId58"/>
-    <p:sldId id="314" r:id="rId59"/>
-    <p:sldId id="315" r:id="rId60"/>
-    <p:sldId id="316" r:id="rId61"/>
-    <p:sldId id="331" r:id="rId62"/>
-    <p:sldId id="317" r:id="rId63"/>
-    <p:sldId id="328" r:id="rId64"/>
-    <p:sldId id="318" r:id="rId65"/>
+    <p:sldId id="296" r:id="rId17"/>
+    <p:sldId id="297" r:id="rId18"/>
+    <p:sldId id="298" r:id="rId19"/>
+    <p:sldId id="299" r:id="rId20"/>
+    <p:sldId id="329" r:id="rId21"/>
+    <p:sldId id="332" r:id="rId22"/>
+    <p:sldId id="333" r:id="rId23"/>
+    <p:sldId id="319" r:id="rId24"/>
+    <p:sldId id="330" r:id="rId25"/>
+    <p:sldId id="304" r:id="rId26"/>
+    <p:sldId id="302" r:id="rId27"/>
+    <p:sldId id="303" r:id="rId28"/>
+    <p:sldId id="279" r:id="rId29"/>
+    <p:sldId id="280" r:id="rId30"/>
+    <p:sldId id="281" r:id="rId31"/>
+    <p:sldId id="282" r:id="rId32"/>
+    <p:sldId id="284" r:id="rId33"/>
+    <p:sldId id="285" r:id="rId34"/>
+    <p:sldId id="287" r:id="rId35"/>
+    <p:sldId id="288" r:id="rId36"/>
+    <p:sldId id="289" r:id="rId37"/>
+    <p:sldId id="334" r:id="rId38"/>
+    <p:sldId id="290" r:id="rId39"/>
+    <p:sldId id="291" r:id="rId40"/>
+    <p:sldId id="292" r:id="rId41"/>
+    <p:sldId id="293" r:id="rId42"/>
+    <p:sldId id="305" r:id="rId43"/>
+    <p:sldId id="306" r:id="rId44"/>
+    <p:sldId id="307" r:id="rId45"/>
+    <p:sldId id="294" r:id="rId46"/>
+    <p:sldId id="295" r:id="rId47"/>
+    <p:sldId id="301" r:id="rId48"/>
+    <p:sldId id="321" r:id="rId49"/>
+    <p:sldId id="322" r:id="rId50"/>
+    <p:sldId id="323" r:id="rId51"/>
+    <p:sldId id="324" r:id="rId52"/>
+    <p:sldId id="327" r:id="rId53"/>
+    <p:sldId id="325" r:id="rId54"/>
+    <p:sldId id="308" r:id="rId55"/>
+    <p:sldId id="309" r:id="rId56"/>
+    <p:sldId id="310" r:id="rId57"/>
+    <p:sldId id="314" r:id="rId58"/>
+    <p:sldId id="315" r:id="rId59"/>
+    <p:sldId id="316" r:id="rId60"/>
+    <p:sldId id="331" r:id="rId61"/>
+    <p:sldId id="317" r:id="rId62"/>
+    <p:sldId id="328" r:id="rId63"/>
+    <p:sldId id="318" r:id="rId64"/>
   </p:sldIdLst>
   <p:sldSz cx="12192000" cy="6858000"/>
   <p:notesSz cx="7023100" cy="9309100"/>
@@ -1220,7 +1219,7 @@
             <a:fld id="{5257B995-136A-4A15-87A5-26420C3C1021}" type="slidenum">
               <a:rPr lang="en-US" altLang="zh-CN" smtClean="0"/>
               <a:pPr/>
-              <a:t>15</a:t>
+              <a:t>28</a:t>
             </a:fld>
             <a:endParaRPr lang="zh-CN"/>
           </a:p>
@@ -1229,7 +1228,7 @@
     </p:spTree>
     <p:extLst>
       <p:ext uri="{BB962C8B-B14F-4D97-AF65-F5344CB8AC3E}">
-        <p14:creationId xmlns:p14="http://schemas.microsoft.com/office/powerpoint/2010/main" val="1383021863"/>
+        <p14:creationId xmlns:p14="http://schemas.microsoft.com/office/powerpoint/2010/main" val="468190947"/>
       </p:ext>
     </p:extLst>
   </p:cSld>
@@ -1316,7 +1315,7 @@
     </p:spTree>
     <p:extLst>
       <p:ext uri="{BB962C8B-B14F-4D97-AF65-F5344CB8AC3E}">
-        <p14:creationId xmlns:p14="http://schemas.microsoft.com/office/powerpoint/2010/main" val="468190947"/>
+        <p14:creationId xmlns:p14="http://schemas.microsoft.com/office/powerpoint/2010/main" val="2254653554"/>
       </p:ext>
     </p:extLst>
   </p:cSld>
@@ -1403,7 +1402,7 @@
     </p:spTree>
     <p:extLst>
       <p:ext uri="{BB962C8B-B14F-4D97-AF65-F5344CB8AC3E}">
-        <p14:creationId xmlns:p14="http://schemas.microsoft.com/office/powerpoint/2010/main" val="2254653554"/>
+        <p14:creationId xmlns:p14="http://schemas.microsoft.com/office/powerpoint/2010/main" val="1389314296"/>
       </p:ext>
     </p:extLst>
   </p:cSld>
@@ -1490,7 +1489,7 @@
     </p:spTree>
     <p:extLst>
       <p:ext uri="{BB962C8B-B14F-4D97-AF65-F5344CB8AC3E}">
-        <p14:creationId xmlns:p14="http://schemas.microsoft.com/office/powerpoint/2010/main" val="1389314296"/>
+        <p14:creationId xmlns:p14="http://schemas.microsoft.com/office/powerpoint/2010/main" val="1226821971"/>
       </p:ext>
     </p:extLst>
   </p:cSld>
@@ -1577,7 +1576,7 @@
     </p:spTree>
     <p:extLst>
       <p:ext uri="{BB962C8B-B14F-4D97-AF65-F5344CB8AC3E}">
-        <p14:creationId xmlns:p14="http://schemas.microsoft.com/office/powerpoint/2010/main" val="1226821971"/>
+        <p14:creationId xmlns:p14="http://schemas.microsoft.com/office/powerpoint/2010/main" val="1895722904"/>
       </p:ext>
     </p:extLst>
   </p:cSld>
@@ -1656,93 +1655,6 @@
               <a:rPr lang="en-US" altLang="zh-CN" smtClean="0"/>
               <a:pPr/>
               <a:t>33</a:t>
-            </a:fld>
-            <a:endParaRPr lang="zh-CN"/>
-          </a:p>
-        </p:txBody>
-      </p:sp>
-    </p:spTree>
-    <p:extLst>
-      <p:ext uri="{BB962C8B-B14F-4D97-AF65-F5344CB8AC3E}">
-        <p14:creationId xmlns:p14="http://schemas.microsoft.com/office/powerpoint/2010/main" val="1895722904"/>
-      </p:ext>
-    </p:extLst>
-  </p:cSld>
-  <p:clrMapOvr>
-    <a:masterClrMapping/>
-  </p:clrMapOvr>
-</p:notes>
-</file>
-
-<file path=ppt/notesSlides/notesSlide19.xml><?xml version="1.0" encoding="utf-8"?>
-<p:notes xmlns:a="http://schemas.openxmlformats.org/drawingml/2006/main" xmlns:r="http://schemas.openxmlformats.org/officeDocument/2006/relationships" xmlns:p="http://schemas.openxmlformats.org/presentationml/2006/main">
-  <p:cSld>
-    <p:spTree>
-      <p:nvGrpSpPr>
-        <p:cNvPr id="1" name=""/>
-        <p:cNvGrpSpPr/>
-        <p:nvPr/>
-      </p:nvGrpSpPr>
-      <p:grpSpPr>
-        <a:xfrm>
-          <a:off x="0" y="0"/>
-          <a:ext cx="0" cy="0"/>
-          <a:chOff x="0" y="0"/>
-          <a:chExt cx="0" cy="0"/>
-        </a:xfrm>
-      </p:grpSpPr>
-      <p:sp>
-        <p:nvSpPr>
-          <p:cNvPr id="2" name="幻灯片图像占位符 1"/>
-          <p:cNvSpPr>
-            <a:spLocks noGrp="1" noRot="1" noChangeAspect="1"/>
-          </p:cNvSpPr>
-          <p:nvPr>
-            <p:ph type="sldImg"/>
-          </p:nvPr>
-        </p:nvSpPr>
-        <p:spPr/>
-      </p:sp>
-      <p:sp>
-        <p:nvSpPr>
-          <p:cNvPr id="3" name="备注占位符 2"/>
-          <p:cNvSpPr>
-            <a:spLocks noGrp="1"/>
-          </p:cNvSpPr>
-          <p:nvPr>
-            <p:ph type="body" idx="1"/>
-          </p:nvPr>
-        </p:nvSpPr>
-        <p:spPr/>
-        <p:txBody>
-          <a:bodyPr>
-            <a:normAutofit/>
-          </a:bodyPr>
-          <a:lstStyle/>
-          <a:p>
-            <a:endParaRPr lang="zh-CN"/>
-          </a:p>
-        </p:txBody>
-      </p:sp>
-      <p:sp>
-        <p:nvSpPr>
-          <p:cNvPr id="4" name="幻灯片编号占位符 3"/>
-          <p:cNvSpPr>
-            <a:spLocks noGrp="1"/>
-          </p:cNvSpPr>
-          <p:nvPr>
-            <p:ph type="sldNum" sz="quarter" idx="10"/>
-          </p:nvPr>
-        </p:nvSpPr>
-        <p:spPr/>
-        <p:txBody>
-          <a:bodyPr/>
-          <a:lstStyle/>
-          <a:p>
-            <a:fld id="{5257B995-136A-4A15-87A5-26420C3C1021}" type="slidenum">
-              <a:rPr lang="en-US" altLang="zh-CN" smtClean="0"/>
-              <a:pPr/>
-              <a:t>34</a:t>
             </a:fld>
             <a:endParaRPr lang="zh-CN"/>
           </a:p>
@@ -11286,146 +11198,6 @@
       </p:grpSpPr>
       <p:sp>
         <p:nvSpPr>
-          <p:cNvPr id="2" name="矩形 1"/>
-          <p:cNvSpPr>
-            <a:spLocks noGrp="1"/>
-          </p:cNvSpPr>
-          <p:nvPr>
-            <p:ph type="title"/>
-          </p:nvPr>
-        </p:nvSpPr>
-        <p:spPr/>
-        <p:txBody>
-          <a:bodyPr/>
-          <a:lstStyle/>
-          <a:p>
-            <a:r>
-              <a:rPr lang="en-US" altLang="zh-CN" dirty="0"/>
-              <a:t>2.6 </a:t>
-            </a:r>
-            <a:r>
-              <a:rPr lang="zh-CN" altLang="en-US" dirty="0"/>
-              <a:t>系统运行环境</a:t>
-            </a:r>
-          </a:p>
-        </p:txBody>
-      </p:sp>
-      <p:sp>
-        <p:nvSpPr>
-          <p:cNvPr id="3" name="矩形 2"/>
-          <p:cNvSpPr>
-            <a:spLocks noGrp="1"/>
-          </p:cNvSpPr>
-          <p:nvPr>
-            <p:ph idx="1"/>
-          </p:nvPr>
-        </p:nvSpPr>
-        <p:spPr/>
-        <p:txBody>
-          <a:bodyPr>
-            <a:normAutofit/>
-          </a:bodyPr>
-          <a:lstStyle/>
-          <a:p>
-            <a:r>
-              <a:rPr lang="zh-CN" altLang="en-US" sz="2400" dirty="0"/>
-              <a:t>服务器：应对</a:t>
-            </a:r>
-            <a:r>
-              <a:rPr lang="en-US" altLang="zh-CN" sz="2400" dirty="0"/>
-              <a:t>2000</a:t>
-            </a:r>
-            <a:r>
-              <a:rPr lang="zh-CN" altLang="en-US" sz="2400" dirty="0"/>
-              <a:t>名同学同时访问。支持学生数据存储，保证网络吞吐能力，数据安全。</a:t>
-            </a:r>
-            <a:endParaRPr lang="en-US" altLang="zh-CN" sz="2400" dirty="0"/>
-          </a:p>
-          <a:p>
-            <a:r>
-              <a:rPr lang="en-US" altLang="zh-CN" sz="2400" dirty="0" err="1"/>
-              <a:t>Cpu</a:t>
-            </a:r>
-            <a:r>
-              <a:rPr lang="zh-CN" altLang="en-US" sz="2400" dirty="0"/>
-              <a:t>采用</a:t>
-            </a:r>
-            <a:r>
-              <a:rPr lang="en-US" altLang="zh-CN" sz="2400" dirty="0"/>
-              <a:t>INTEL XEON</a:t>
-            </a:r>
-            <a:r>
-              <a:rPr lang="zh-CN" altLang="en-US" sz="2400" dirty="0"/>
-              <a:t>系列服务器</a:t>
-            </a:r>
-            <a:r>
-              <a:rPr lang="en-US" altLang="zh-CN" sz="2400" dirty="0"/>
-              <a:t>CUP</a:t>
-            </a:r>
-            <a:r>
-              <a:rPr lang="zh-CN" altLang="en-US" sz="2400" dirty="0"/>
-              <a:t>，显卡采用</a:t>
-            </a:r>
-            <a:r>
-              <a:rPr lang="en-US" altLang="zh-CN" sz="2400" dirty="0"/>
-              <a:t>TESLA</a:t>
-            </a:r>
-            <a:r>
-              <a:rPr lang="zh-CN" altLang="en-US" sz="2400" dirty="0"/>
-              <a:t>计算卡，开发平台威</a:t>
-            </a:r>
-            <a:r>
-              <a:rPr lang="en-US" altLang="zh-CN" sz="2400" dirty="0"/>
-              <a:t>IIS</a:t>
-            </a:r>
-            <a:r>
-              <a:rPr lang="zh-CN" altLang="en-US" sz="2400" dirty="0"/>
-              <a:t>，</a:t>
-            </a:r>
-            <a:r>
-              <a:rPr lang="en-US" altLang="zh-CN" sz="2400" dirty="0"/>
-              <a:t>.NET</a:t>
-            </a:r>
-            <a:r>
-              <a:rPr lang="zh-CN" altLang="en-US" sz="2400"/>
-              <a:t>，或者其他的平台。</a:t>
-            </a:r>
-            <a:endParaRPr lang="zh-CN" sz="2400" dirty="0"/>
-          </a:p>
-        </p:txBody>
-      </p:sp>
-    </p:spTree>
-    <p:extLst>
-      <p:ext uri="{BB962C8B-B14F-4D97-AF65-F5344CB8AC3E}">
-        <p14:creationId xmlns:p14="http://schemas.microsoft.com/office/powerpoint/2010/main" val="3465704283"/>
-      </p:ext>
-    </p:extLst>
-  </p:cSld>
-  <p:clrMapOvr>
-    <a:masterClrMapping/>
-  </p:clrMapOvr>
-</p:sld>
-</file>
-
-<file path=ppt/slides/slide16.xml><?xml version="1.0" encoding="utf-8"?>
-<p:sld xmlns:a="http://schemas.openxmlformats.org/drawingml/2006/main" xmlns:r="http://schemas.openxmlformats.org/officeDocument/2006/relationships" xmlns:p="http://schemas.openxmlformats.org/presentationml/2006/main">
-  <p:cSld>
-    <p:spTree>
-      <p:nvGrpSpPr>
-        <p:cNvPr id="1" name=""/>
-        <p:cNvGrpSpPr/>
-        <p:nvPr/>
-      </p:nvGrpSpPr>
-      <p:grpSpPr>
-        <a:xfrm>
-          <a:off x="0" y="0"/>
-          <a:ext cx="0" cy="0"/>
-          <a:chOff x="0" y="0"/>
-          <a:chExt cx="0" cy="0"/>
-        </a:xfrm>
-      </p:grpSpPr>
-      <p:sp>
-        <p:nvSpPr>
           <p:cNvPr id="2" name="标题 1"/>
           <p:cNvSpPr>
             <a:spLocks noGrp="1"/>
@@ -11517,7 +11289,7 @@
 </p:sld>
 </file>
 
-<file path=ppt/slides/slide17.xml><?xml version="1.0" encoding="utf-8"?>
+<file path=ppt/slides/slide16.xml><?xml version="1.0" encoding="utf-8"?>
 <p:sld xmlns:a="http://schemas.openxmlformats.org/drawingml/2006/main" xmlns:r="http://schemas.openxmlformats.org/officeDocument/2006/relationships" xmlns:p="http://schemas.openxmlformats.org/presentationml/2006/main">
   <p:cSld>
     <p:spTree>
@@ -12500,7 +12272,7 @@
 </p:sld>
 </file>
 
-<file path=ppt/slides/slide18.xml><?xml version="1.0" encoding="utf-8"?>
+<file path=ppt/slides/slide17.xml><?xml version="1.0" encoding="utf-8"?>
 <p:sld xmlns:a="http://schemas.openxmlformats.org/drawingml/2006/main" xmlns:r="http://schemas.openxmlformats.org/officeDocument/2006/relationships" xmlns:p="http://schemas.openxmlformats.org/presentationml/2006/main">
   <p:cSld>
     <p:spTree>
@@ -13177,7 +12949,7 @@
 </p:sld>
 </file>
 
-<file path=ppt/slides/slide19.xml><?xml version="1.0" encoding="utf-8"?>
+<file path=ppt/slides/slide18.xml><?xml version="1.0" encoding="utf-8"?>
 <p:sld xmlns:a="http://schemas.openxmlformats.org/drawingml/2006/main" xmlns:r="http://schemas.openxmlformats.org/officeDocument/2006/relationships" xmlns:p="http://schemas.openxmlformats.org/presentationml/2006/main">
   <p:cSld>
     <p:spTree>
@@ -13303,301 +13075,7 @@
 </p:sld>
 </file>
 
-<file path=ppt/slides/slide2.xml><?xml version="1.0" encoding="utf-8"?>
-<p:sld xmlns:a="http://schemas.openxmlformats.org/drawingml/2006/main" xmlns:r="http://schemas.openxmlformats.org/officeDocument/2006/relationships" xmlns:p="http://schemas.openxmlformats.org/presentationml/2006/main">
-  <p:cSld>
-    <p:spTree>
-      <p:nvGrpSpPr>
-        <p:cNvPr id="1" name=""/>
-        <p:cNvGrpSpPr/>
-        <p:nvPr/>
-      </p:nvGrpSpPr>
-      <p:grpSpPr>
-        <a:xfrm>
-          <a:off x="0" y="0"/>
-          <a:ext cx="0" cy="0"/>
-          <a:chOff x="0" y="0"/>
-          <a:chExt cx="0" cy="0"/>
-        </a:xfrm>
-      </p:grpSpPr>
-      <p:sp>
-        <p:nvSpPr>
-          <p:cNvPr id="2" name="矩形 1"/>
-          <p:cNvSpPr>
-            <a:spLocks noGrp="1"/>
-          </p:cNvSpPr>
-          <p:nvPr>
-            <p:ph type="title"/>
-          </p:nvPr>
-        </p:nvSpPr>
-        <p:spPr/>
-        <p:txBody>
-          <a:bodyPr/>
-          <a:lstStyle/>
-          <a:p>
-            <a:r>
-              <a:rPr lang="zh-CN" altLang="en-US" dirty="0"/>
-              <a:t>目录</a:t>
-            </a:r>
-            <a:endParaRPr lang="zh-CN" dirty="0">
-              <a:latin typeface="Microsoft YaHei UI" panose="020B0503020204020204" pitchFamily="34" charset="-122"/>
-              <a:ea typeface="Microsoft YaHei UI" panose="020B0503020204020204" pitchFamily="34" charset="-122"/>
-            </a:endParaRPr>
-          </a:p>
-        </p:txBody>
-      </p:sp>
-      <p:sp>
-        <p:nvSpPr>
-          <p:cNvPr id="3" name="矩形 2"/>
-          <p:cNvSpPr>
-            <a:spLocks noGrp="1"/>
-          </p:cNvSpPr>
-          <p:nvPr>
-            <p:ph idx="1"/>
-          </p:nvPr>
-        </p:nvSpPr>
-        <p:spPr/>
-        <p:txBody>
-          <a:bodyPr>
-            <a:normAutofit fontScale="92500" lnSpcReduction="20000"/>
-          </a:bodyPr>
-          <a:lstStyle/>
-          <a:p>
-            <a:r>
-              <a:rPr lang="zh-CN" altLang="en-US" dirty="0">
-                <a:latin typeface="Microsoft YaHei UI" panose="020B0503020204020204" pitchFamily="34" charset="-122"/>
-                <a:ea typeface="Microsoft YaHei UI" panose="020B0503020204020204" pitchFamily="34" charset="-122"/>
-              </a:rPr>
-              <a:t>第</a:t>
-            </a:r>
-            <a:r>
-              <a:rPr lang="en-US" altLang="zh-CN" dirty="0">
-                <a:latin typeface="Microsoft YaHei UI" panose="020B0503020204020204" pitchFamily="34" charset="-122"/>
-                <a:ea typeface="Microsoft YaHei UI" panose="020B0503020204020204" pitchFamily="34" charset="-122"/>
-              </a:rPr>
-              <a:t>1</a:t>
-            </a:r>
-            <a:r>
-              <a:rPr lang="zh-CN" altLang="en-US" dirty="0">
-                <a:latin typeface="Microsoft YaHei UI" panose="020B0503020204020204" pitchFamily="34" charset="-122"/>
-                <a:ea typeface="Microsoft YaHei UI" panose="020B0503020204020204" pitchFamily="34" charset="-122"/>
-              </a:rPr>
-              <a:t>章 引言</a:t>
-            </a:r>
-            <a:endParaRPr lang="en-US" altLang="zh-CN" dirty="0">
-              <a:latin typeface="Microsoft YaHei UI" panose="020B0503020204020204" pitchFamily="34" charset="-122"/>
-              <a:ea typeface="Microsoft YaHei UI" panose="020B0503020204020204" pitchFamily="34" charset="-122"/>
-            </a:endParaRPr>
-          </a:p>
-          <a:p>
-            <a:r>
-              <a:rPr lang="zh-CN" altLang="en-US" dirty="0"/>
-              <a:t>第</a:t>
-            </a:r>
-            <a:r>
-              <a:rPr lang="en-US" altLang="zh-CN" dirty="0"/>
-              <a:t>2</a:t>
-            </a:r>
-            <a:r>
-              <a:rPr lang="zh-CN" altLang="en-US" dirty="0"/>
-              <a:t>章 项目概述</a:t>
-            </a:r>
-            <a:endParaRPr lang="en-US" altLang="zh-CN" dirty="0"/>
-          </a:p>
-          <a:p>
-            <a:r>
-              <a:rPr lang="zh-CN" altLang="en-US" dirty="0">
-                <a:latin typeface="Microsoft YaHei UI" panose="020B0503020204020204" pitchFamily="34" charset="-122"/>
-                <a:ea typeface="Microsoft YaHei UI" panose="020B0503020204020204" pitchFamily="34" charset="-122"/>
-              </a:rPr>
-              <a:t>第</a:t>
-            </a:r>
-            <a:r>
-              <a:rPr lang="en-US" altLang="zh-CN" dirty="0">
-                <a:latin typeface="Microsoft YaHei UI" panose="020B0503020204020204" pitchFamily="34" charset="-122"/>
-                <a:ea typeface="Microsoft YaHei UI" panose="020B0503020204020204" pitchFamily="34" charset="-122"/>
-              </a:rPr>
-              <a:t>3</a:t>
-            </a:r>
-            <a:r>
-              <a:rPr lang="zh-CN" altLang="en-US" dirty="0">
-                <a:latin typeface="Microsoft YaHei UI" panose="020B0503020204020204" pitchFamily="34" charset="-122"/>
-                <a:ea typeface="Microsoft YaHei UI" panose="020B0503020204020204" pitchFamily="34" charset="-122"/>
-              </a:rPr>
-              <a:t>章 时间管理计划</a:t>
-            </a:r>
-            <a:endParaRPr lang="en-US" altLang="zh-CN" dirty="0">
-              <a:latin typeface="Microsoft YaHei UI" panose="020B0503020204020204" pitchFamily="34" charset="-122"/>
-              <a:ea typeface="Microsoft YaHei UI" panose="020B0503020204020204" pitchFamily="34" charset="-122"/>
-            </a:endParaRPr>
-          </a:p>
-          <a:p>
-            <a:r>
-              <a:rPr lang="zh-CN" altLang="en-US" dirty="0"/>
-              <a:t>第</a:t>
-            </a:r>
-            <a:r>
-              <a:rPr lang="en-US" altLang="zh-CN" dirty="0"/>
-              <a:t>4</a:t>
-            </a:r>
-            <a:r>
-              <a:rPr lang="zh-CN" altLang="en-US" dirty="0"/>
-              <a:t>章 范围管理计划</a:t>
-            </a:r>
-            <a:endParaRPr lang="en-US" altLang="zh-CN" dirty="0"/>
-          </a:p>
-          <a:p>
-            <a:r>
-              <a:rPr lang="zh-CN" altLang="en-US" dirty="0">
-                <a:latin typeface="Microsoft YaHei UI" panose="020B0503020204020204" pitchFamily="34" charset="-122"/>
-                <a:ea typeface="Microsoft YaHei UI" panose="020B0503020204020204" pitchFamily="34" charset="-122"/>
-              </a:rPr>
-              <a:t>第</a:t>
-            </a:r>
-            <a:r>
-              <a:rPr lang="en-US" altLang="zh-CN" dirty="0">
-                <a:latin typeface="Microsoft YaHei UI" panose="020B0503020204020204" pitchFamily="34" charset="-122"/>
-                <a:ea typeface="Microsoft YaHei UI" panose="020B0503020204020204" pitchFamily="34" charset="-122"/>
-              </a:rPr>
-              <a:t>5</a:t>
-            </a:r>
-            <a:r>
-              <a:rPr lang="zh-CN" altLang="en-US" dirty="0">
-                <a:latin typeface="Microsoft YaHei UI" panose="020B0503020204020204" pitchFamily="34" charset="-122"/>
-                <a:ea typeface="Microsoft YaHei UI" panose="020B0503020204020204" pitchFamily="34" charset="-122"/>
-              </a:rPr>
-              <a:t>章 质量管理计划</a:t>
-            </a:r>
-            <a:endParaRPr lang="en-US" altLang="zh-CN" dirty="0">
-              <a:latin typeface="Microsoft YaHei UI" panose="020B0503020204020204" pitchFamily="34" charset="-122"/>
-              <a:ea typeface="Microsoft YaHei UI" panose="020B0503020204020204" pitchFamily="34" charset="-122"/>
-            </a:endParaRPr>
-          </a:p>
-          <a:p>
-            <a:r>
-              <a:rPr lang="zh-CN" altLang="en-US" dirty="0"/>
-              <a:t>第</a:t>
-            </a:r>
-            <a:r>
-              <a:rPr lang="en-US" altLang="zh-CN" dirty="0"/>
-              <a:t>6</a:t>
-            </a:r>
-            <a:r>
-              <a:rPr lang="zh-CN" altLang="en-US" dirty="0"/>
-              <a:t>章 沟通管理计划</a:t>
-            </a:r>
-            <a:endParaRPr lang="en-US" altLang="zh-CN" dirty="0"/>
-          </a:p>
-          <a:p>
-            <a:r>
-              <a:rPr lang="zh-CN" altLang="en-US" dirty="0">
-                <a:latin typeface="Microsoft YaHei UI" panose="020B0503020204020204" pitchFamily="34" charset="-122"/>
-                <a:ea typeface="Microsoft YaHei UI" panose="020B0503020204020204" pitchFamily="34" charset="-122"/>
-              </a:rPr>
-              <a:t>第</a:t>
-            </a:r>
-            <a:r>
-              <a:rPr lang="en-US" altLang="zh-CN" dirty="0">
-                <a:latin typeface="Microsoft YaHei UI" panose="020B0503020204020204" pitchFamily="34" charset="-122"/>
-                <a:ea typeface="Microsoft YaHei UI" panose="020B0503020204020204" pitchFamily="34" charset="-122"/>
-              </a:rPr>
-              <a:t>7</a:t>
-            </a:r>
-            <a:r>
-              <a:rPr lang="zh-CN" altLang="en-US" dirty="0">
-                <a:latin typeface="Microsoft YaHei UI" panose="020B0503020204020204" pitchFamily="34" charset="-122"/>
-                <a:ea typeface="Microsoft YaHei UI" panose="020B0503020204020204" pitchFamily="34" charset="-122"/>
-              </a:rPr>
-              <a:t>章 风险管理计划</a:t>
-            </a:r>
-            <a:endParaRPr lang="en-US" altLang="zh-CN" dirty="0">
-              <a:latin typeface="Microsoft YaHei UI" panose="020B0503020204020204" pitchFamily="34" charset="-122"/>
-              <a:ea typeface="Microsoft YaHei UI" panose="020B0503020204020204" pitchFamily="34" charset="-122"/>
-            </a:endParaRPr>
-          </a:p>
-          <a:p>
-            <a:r>
-              <a:rPr lang="zh-CN" altLang="en-US" dirty="0"/>
-              <a:t>第</a:t>
-            </a:r>
-            <a:r>
-              <a:rPr lang="en-US" altLang="zh-CN" dirty="0"/>
-              <a:t>8</a:t>
-            </a:r>
-            <a:r>
-              <a:rPr lang="zh-CN" altLang="en-US" dirty="0"/>
-              <a:t>章 配置系统管理指南</a:t>
-            </a:r>
-            <a:endParaRPr lang="en-US" altLang="zh-CN" dirty="0"/>
-          </a:p>
-          <a:p>
-            <a:r>
-              <a:rPr lang="zh-CN" altLang="en-US" dirty="0">
-                <a:latin typeface="Microsoft YaHei UI" panose="020B0503020204020204" pitchFamily="34" charset="-122"/>
-                <a:ea typeface="Microsoft YaHei UI" panose="020B0503020204020204" pitchFamily="34" charset="-122"/>
-              </a:rPr>
-              <a:t>第</a:t>
-            </a:r>
-            <a:r>
-              <a:rPr lang="en-US" altLang="zh-CN" dirty="0"/>
-              <a:t>9</a:t>
-            </a:r>
-            <a:r>
-              <a:rPr lang="zh-CN" altLang="en-US" dirty="0"/>
-              <a:t>章 过程文件</a:t>
-            </a:r>
-            <a:endParaRPr lang="en-US" altLang="zh-CN" dirty="0">
-              <a:latin typeface="Microsoft YaHei UI" panose="020B0503020204020204" pitchFamily="34" charset="-122"/>
-              <a:ea typeface="Microsoft YaHei UI" panose="020B0503020204020204" pitchFamily="34" charset="-122"/>
-            </a:endParaRPr>
-          </a:p>
-          <a:p>
-            <a:r>
-              <a:rPr lang="zh-CN" altLang="en-US" dirty="0"/>
-              <a:t>第</a:t>
-            </a:r>
-            <a:r>
-              <a:rPr lang="en-US" altLang="zh-CN" dirty="0"/>
-              <a:t>10</a:t>
-            </a:r>
-            <a:r>
-              <a:rPr lang="zh-CN" altLang="en-US" dirty="0"/>
-              <a:t>章 参考资料</a:t>
-            </a:r>
-            <a:endParaRPr lang="en-US" altLang="zh-CN" dirty="0"/>
-          </a:p>
-          <a:p>
-            <a:r>
-              <a:rPr lang="zh-CN" altLang="en-US" dirty="0">
-                <a:latin typeface="Microsoft YaHei UI" panose="020B0503020204020204" pitchFamily="34" charset="-122"/>
-                <a:ea typeface="Microsoft YaHei UI" panose="020B0503020204020204" pitchFamily="34" charset="-122"/>
-              </a:rPr>
-              <a:t>第</a:t>
-            </a:r>
-            <a:r>
-              <a:rPr lang="en-US" altLang="zh-CN" dirty="0"/>
-              <a:t>11</a:t>
-            </a:r>
-            <a:r>
-              <a:rPr lang="zh-CN" altLang="en-US" dirty="0"/>
-              <a:t>章 小组分工</a:t>
-            </a:r>
-            <a:endParaRPr lang="zh-CN" dirty="0">
-              <a:latin typeface="Microsoft YaHei UI" panose="020B0503020204020204" pitchFamily="34" charset="-122"/>
-              <a:ea typeface="Microsoft YaHei UI" panose="020B0503020204020204" pitchFamily="34" charset="-122"/>
-            </a:endParaRPr>
-          </a:p>
-        </p:txBody>
-      </p:sp>
-    </p:spTree>
-  </p:cSld>
-  <p:clrMapOvr>
-    <a:masterClrMapping/>
-  </p:clrMapOvr>
-</p:sld>
-</file>
-
-<file path=ppt/slides/slide20.xml><?xml version="1.0" encoding="utf-8"?>
+<file path=ppt/slides/slide19.xml><?xml version="1.0" encoding="utf-8"?>
 <p:sld xmlns:a="http://schemas.openxmlformats.org/drawingml/2006/main" xmlns:r="http://schemas.openxmlformats.org/officeDocument/2006/relationships" xmlns:p="http://schemas.openxmlformats.org/presentationml/2006/main">
   <p:cSld>
     <p:spTree>
@@ -13723,7 +13201,301 @@
 </p:sld>
 </file>
 
-<file path=ppt/slides/slide21.xml><?xml version="1.0" encoding="utf-8"?>
+<file path=ppt/slides/slide2.xml><?xml version="1.0" encoding="utf-8"?>
+<p:sld xmlns:a="http://schemas.openxmlformats.org/drawingml/2006/main" xmlns:r="http://schemas.openxmlformats.org/officeDocument/2006/relationships" xmlns:p="http://schemas.openxmlformats.org/presentationml/2006/main">
+  <p:cSld>
+    <p:spTree>
+      <p:nvGrpSpPr>
+        <p:cNvPr id="1" name=""/>
+        <p:cNvGrpSpPr/>
+        <p:nvPr/>
+      </p:nvGrpSpPr>
+      <p:grpSpPr>
+        <a:xfrm>
+          <a:off x="0" y="0"/>
+          <a:ext cx="0" cy="0"/>
+          <a:chOff x="0" y="0"/>
+          <a:chExt cx="0" cy="0"/>
+        </a:xfrm>
+      </p:grpSpPr>
+      <p:sp>
+        <p:nvSpPr>
+          <p:cNvPr id="2" name="矩形 1"/>
+          <p:cNvSpPr>
+            <a:spLocks noGrp="1"/>
+          </p:cNvSpPr>
+          <p:nvPr>
+            <p:ph type="title"/>
+          </p:nvPr>
+        </p:nvSpPr>
+        <p:spPr/>
+        <p:txBody>
+          <a:bodyPr/>
+          <a:lstStyle/>
+          <a:p>
+            <a:r>
+              <a:rPr lang="zh-CN" altLang="en-US" dirty="0"/>
+              <a:t>目录</a:t>
+            </a:r>
+            <a:endParaRPr lang="zh-CN" dirty="0">
+              <a:latin typeface="Microsoft YaHei UI" panose="020B0503020204020204" pitchFamily="34" charset="-122"/>
+              <a:ea typeface="Microsoft YaHei UI" panose="020B0503020204020204" pitchFamily="34" charset="-122"/>
+            </a:endParaRPr>
+          </a:p>
+        </p:txBody>
+      </p:sp>
+      <p:sp>
+        <p:nvSpPr>
+          <p:cNvPr id="3" name="矩形 2"/>
+          <p:cNvSpPr>
+            <a:spLocks noGrp="1"/>
+          </p:cNvSpPr>
+          <p:nvPr>
+            <p:ph idx="1"/>
+          </p:nvPr>
+        </p:nvSpPr>
+        <p:spPr/>
+        <p:txBody>
+          <a:bodyPr>
+            <a:normAutofit fontScale="92500" lnSpcReduction="20000"/>
+          </a:bodyPr>
+          <a:lstStyle/>
+          <a:p>
+            <a:r>
+              <a:rPr lang="zh-CN" altLang="en-US" dirty="0">
+                <a:latin typeface="Microsoft YaHei UI" panose="020B0503020204020204" pitchFamily="34" charset="-122"/>
+                <a:ea typeface="Microsoft YaHei UI" panose="020B0503020204020204" pitchFamily="34" charset="-122"/>
+              </a:rPr>
+              <a:t>第</a:t>
+            </a:r>
+            <a:r>
+              <a:rPr lang="en-US" altLang="zh-CN" dirty="0">
+                <a:latin typeface="Microsoft YaHei UI" panose="020B0503020204020204" pitchFamily="34" charset="-122"/>
+                <a:ea typeface="Microsoft YaHei UI" panose="020B0503020204020204" pitchFamily="34" charset="-122"/>
+              </a:rPr>
+              <a:t>1</a:t>
+            </a:r>
+            <a:r>
+              <a:rPr lang="zh-CN" altLang="en-US" dirty="0">
+                <a:latin typeface="Microsoft YaHei UI" panose="020B0503020204020204" pitchFamily="34" charset="-122"/>
+                <a:ea typeface="Microsoft YaHei UI" panose="020B0503020204020204" pitchFamily="34" charset="-122"/>
+              </a:rPr>
+              <a:t>章 引言</a:t>
+            </a:r>
+            <a:endParaRPr lang="en-US" altLang="zh-CN" dirty="0">
+              <a:latin typeface="Microsoft YaHei UI" panose="020B0503020204020204" pitchFamily="34" charset="-122"/>
+              <a:ea typeface="Microsoft YaHei UI" panose="020B0503020204020204" pitchFamily="34" charset="-122"/>
+            </a:endParaRPr>
+          </a:p>
+          <a:p>
+            <a:r>
+              <a:rPr lang="zh-CN" altLang="en-US" dirty="0"/>
+              <a:t>第</a:t>
+            </a:r>
+            <a:r>
+              <a:rPr lang="en-US" altLang="zh-CN" dirty="0"/>
+              <a:t>2</a:t>
+            </a:r>
+            <a:r>
+              <a:rPr lang="zh-CN" altLang="en-US" dirty="0"/>
+              <a:t>章 项目概述</a:t>
+            </a:r>
+            <a:endParaRPr lang="en-US" altLang="zh-CN" dirty="0"/>
+          </a:p>
+          <a:p>
+            <a:r>
+              <a:rPr lang="zh-CN" altLang="en-US" dirty="0">
+                <a:latin typeface="Microsoft YaHei UI" panose="020B0503020204020204" pitchFamily="34" charset="-122"/>
+                <a:ea typeface="Microsoft YaHei UI" panose="020B0503020204020204" pitchFamily="34" charset="-122"/>
+              </a:rPr>
+              <a:t>第</a:t>
+            </a:r>
+            <a:r>
+              <a:rPr lang="en-US" altLang="zh-CN" dirty="0">
+                <a:latin typeface="Microsoft YaHei UI" panose="020B0503020204020204" pitchFamily="34" charset="-122"/>
+                <a:ea typeface="Microsoft YaHei UI" panose="020B0503020204020204" pitchFamily="34" charset="-122"/>
+              </a:rPr>
+              <a:t>3</a:t>
+            </a:r>
+            <a:r>
+              <a:rPr lang="zh-CN" altLang="en-US" dirty="0">
+                <a:latin typeface="Microsoft YaHei UI" panose="020B0503020204020204" pitchFamily="34" charset="-122"/>
+                <a:ea typeface="Microsoft YaHei UI" panose="020B0503020204020204" pitchFamily="34" charset="-122"/>
+              </a:rPr>
+              <a:t>章 时间管理计划</a:t>
+            </a:r>
+            <a:endParaRPr lang="en-US" altLang="zh-CN" dirty="0">
+              <a:latin typeface="Microsoft YaHei UI" panose="020B0503020204020204" pitchFamily="34" charset="-122"/>
+              <a:ea typeface="Microsoft YaHei UI" panose="020B0503020204020204" pitchFamily="34" charset="-122"/>
+            </a:endParaRPr>
+          </a:p>
+          <a:p>
+            <a:r>
+              <a:rPr lang="zh-CN" altLang="en-US" dirty="0"/>
+              <a:t>第</a:t>
+            </a:r>
+            <a:r>
+              <a:rPr lang="en-US" altLang="zh-CN" dirty="0"/>
+              <a:t>4</a:t>
+            </a:r>
+            <a:r>
+              <a:rPr lang="zh-CN" altLang="en-US" dirty="0"/>
+              <a:t>章 范围管理计划</a:t>
+            </a:r>
+            <a:endParaRPr lang="en-US" altLang="zh-CN" dirty="0"/>
+          </a:p>
+          <a:p>
+            <a:r>
+              <a:rPr lang="zh-CN" altLang="en-US" dirty="0">
+                <a:latin typeface="Microsoft YaHei UI" panose="020B0503020204020204" pitchFamily="34" charset="-122"/>
+                <a:ea typeface="Microsoft YaHei UI" panose="020B0503020204020204" pitchFamily="34" charset="-122"/>
+              </a:rPr>
+              <a:t>第</a:t>
+            </a:r>
+            <a:r>
+              <a:rPr lang="en-US" altLang="zh-CN" dirty="0">
+                <a:latin typeface="Microsoft YaHei UI" panose="020B0503020204020204" pitchFamily="34" charset="-122"/>
+                <a:ea typeface="Microsoft YaHei UI" panose="020B0503020204020204" pitchFamily="34" charset="-122"/>
+              </a:rPr>
+              <a:t>5</a:t>
+            </a:r>
+            <a:r>
+              <a:rPr lang="zh-CN" altLang="en-US" dirty="0">
+                <a:latin typeface="Microsoft YaHei UI" panose="020B0503020204020204" pitchFamily="34" charset="-122"/>
+                <a:ea typeface="Microsoft YaHei UI" panose="020B0503020204020204" pitchFamily="34" charset="-122"/>
+              </a:rPr>
+              <a:t>章 质量管理计划</a:t>
+            </a:r>
+            <a:endParaRPr lang="en-US" altLang="zh-CN" dirty="0">
+              <a:latin typeface="Microsoft YaHei UI" panose="020B0503020204020204" pitchFamily="34" charset="-122"/>
+              <a:ea typeface="Microsoft YaHei UI" panose="020B0503020204020204" pitchFamily="34" charset="-122"/>
+            </a:endParaRPr>
+          </a:p>
+          <a:p>
+            <a:r>
+              <a:rPr lang="zh-CN" altLang="en-US" dirty="0"/>
+              <a:t>第</a:t>
+            </a:r>
+            <a:r>
+              <a:rPr lang="en-US" altLang="zh-CN" dirty="0"/>
+              <a:t>6</a:t>
+            </a:r>
+            <a:r>
+              <a:rPr lang="zh-CN" altLang="en-US" dirty="0"/>
+              <a:t>章 沟通管理计划</a:t>
+            </a:r>
+            <a:endParaRPr lang="en-US" altLang="zh-CN" dirty="0"/>
+          </a:p>
+          <a:p>
+            <a:r>
+              <a:rPr lang="zh-CN" altLang="en-US" dirty="0">
+                <a:latin typeface="Microsoft YaHei UI" panose="020B0503020204020204" pitchFamily="34" charset="-122"/>
+                <a:ea typeface="Microsoft YaHei UI" panose="020B0503020204020204" pitchFamily="34" charset="-122"/>
+              </a:rPr>
+              <a:t>第</a:t>
+            </a:r>
+            <a:r>
+              <a:rPr lang="en-US" altLang="zh-CN" dirty="0">
+                <a:latin typeface="Microsoft YaHei UI" panose="020B0503020204020204" pitchFamily="34" charset="-122"/>
+                <a:ea typeface="Microsoft YaHei UI" panose="020B0503020204020204" pitchFamily="34" charset="-122"/>
+              </a:rPr>
+              <a:t>7</a:t>
+            </a:r>
+            <a:r>
+              <a:rPr lang="zh-CN" altLang="en-US" dirty="0">
+                <a:latin typeface="Microsoft YaHei UI" panose="020B0503020204020204" pitchFamily="34" charset="-122"/>
+                <a:ea typeface="Microsoft YaHei UI" panose="020B0503020204020204" pitchFamily="34" charset="-122"/>
+              </a:rPr>
+              <a:t>章 风险管理计划</a:t>
+            </a:r>
+            <a:endParaRPr lang="en-US" altLang="zh-CN" dirty="0">
+              <a:latin typeface="Microsoft YaHei UI" panose="020B0503020204020204" pitchFamily="34" charset="-122"/>
+              <a:ea typeface="Microsoft YaHei UI" panose="020B0503020204020204" pitchFamily="34" charset="-122"/>
+            </a:endParaRPr>
+          </a:p>
+          <a:p>
+            <a:r>
+              <a:rPr lang="zh-CN" altLang="en-US" dirty="0"/>
+              <a:t>第</a:t>
+            </a:r>
+            <a:r>
+              <a:rPr lang="en-US" altLang="zh-CN" dirty="0"/>
+              <a:t>8</a:t>
+            </a:r>
+            <a:r>
+              <a:rPr lang="zh-CN" altLang="en-US" dirty="0"/>
+              <a:t>章 配置系统管理指南</a:t>
+            </a:r>
+            <a:endParaRPr lang="en-US" altLang="zh-CN" dirty="0"/>
+          </a:p>
+          <a:p>
+            <a:r>
+              <a:rPr lang="zh-CN" altLang="en-US" dirty="0">
+                <a:latin typeface="Microsoft YaHei UI" panose="020B0503020204020204" pitchFamily="34" charset="-122"/>
+                <a:ea typeface="Microsoft YaHei UI" panose="020B0503020204020204" pitchFamily="34" charset="-122"/>
+              </a:rPr>
+              <a:t>第</a:t>
+            </a:r>
+            <a:r>
+              <a:rPr lang="en-US" altLang="zh-CN" dirty="0"/>
+              <a:t>9</a:t>
+            </a:r>
+            <a:r>
+              <a:rPr lang="zh-CN" altLang="en-US" dirty="0"/>
+              <a:t>章 过程文件</a:t>
+            </a:r>
+            <a:endParaRPr lang="en-US" altLang="zh-CN" dirty="0">
+              <a:latin typeface="Microsoft YaHei UI" panose="020B0503020204020204" pitchFamily="34" charset="-122"/>
+              <a:ea typeface="Microsoft YaHei UI" panose="020B0503020204020204" pitchFamily="34" charset="-122"/>
+            </a:endParaRPr>
+          </a:p>
+          <a:p>
+            <a:r>
+              <a:rPr lang="zh-CN" altLang="en-US" dirty="0"/>
+              <a:t>第</a:t>
+            </a:r>
+            <a:r>
+              <a:rPr lang="en-US" altLang="zh-CN" dirty="0"/>
+              <a:t>10</a:t>
+            </a:r>
+            <a:r>
+              <a:rPr lang="zh-CN" altLang="en-US" dirty="0"/>
+              <a:t>章 参考资料</a:t>
+            </a:r>
+            <a:endParaRPr lang="en-US" altLang="zh-CN" dirty="0"/>
+          </a:p>
+          <a:p>
+            <a:r>
+              <a:rPr lang="zh-CN" altLang="en-US" dirty="0">
+                <a:latin typeface="Microsoft YaHei UI" panose="020B0503020204020204" pitchFamily="34" charset="-122"/>
+                <a:ea typeface="Microsoft YaHei UI" panose="020B0503020204020204" pitchFamily="34" charset="-122"/>
+              </a:rPr>
+              <a:t>第</a:t>
+            </a:r>
+            <a:r>
+              <a:rPr lang="en-US" altLang="zh-CN" dirty="0"/>
+              <a:t>11</a:t>
+            </a:r>
+            <a:r>
+              <a:rPr lang="zh-CN" altLang="en-US" dirty="0"/>
+              <a:t>章 小组分工</a:t>
+            </a:r>
+            <a:endParaRPr lang="zh-CN" dirty="0">
+              <a:latin typeface="Microsoft YaHei UI" panose="020B0503020204020204" pitchFamily="34" charset="-122"/>
+              <a:ea typeface="Microsoft YaHei UI" panose="020B0503020204020204" pitchFamily="34" charset="-122"/>
+            </a:endParaRPr>
+          </a:p>
+        </p:txBody>
+      </p:sp>
+    </p:spTree>
+  </p:cSld>
+  <p:clrMapOvr>
+    <a:masterClrMapping/>
+  </p:clrMapOvr>
+</p:sld>
+</file>
+
+<file path=ppt/slides/slide20.xml><?xml version="1.0" encoding="utf-8"?>
 <p:sld xmlns:a="http://schemas.openxmlformats.org/drawingml/2006/main" xmlns:r="http://schemas.openxmlformats.org/officeDocument/2006/relationships" xmlns:p="http://schemas.openxmlformats.org/presentationml/2006/main">
   <p:cSld>
     <p:spTree>
@@ -13850,20 +13622,20 @@
           <p:nvPr>
             <p:extLst>
               <p:ext uri="{D42A27DB-BD31-4B8C-83A1-F6EECF244321}">
-                <p14:modId xmlns:p14="http://schemas.microsoft.com/office/powerpoint/2010/main" val="3629556689"/>
+                <p14:modId xmlns:p14="http://schemas.microsoft.com/office/powerpoint/2010/main" val="979863486"/>
               </p:ext>
             </p:extLst>
           </p:nvPr>
         </p:nvGraphicFramePr>
         <p:xfrm>
-          <a:off x="1229939" y="452717"/>
+          <a:off x="864814" y="546100"/>
           <a:ext cx="10453674" cy="5906137"/>
         </p:xfrm>
         <a:graphic>
           <a:graphicData uri="http://schemas.openxmlformats.org/presentationml/2006/ole">
             <mc:AlternateContent xmlns:mc="http://schemas.openxmlformats.org/markup-compatibility/2006">
               <mc:Choice xmlns:v="urn:schemas-microsoft-com:vml" Requires="v">
-                <p:oleObj spid="_x0000_s2065" name="Visio" r:id="rId3" imgW="30136973" imgH="17059275" progId="Visio.Drawing.15">
+                <p:oleObj spid="_x0000_s2066" name="Visio" r:id="rId3" imgW="30136973" imgH="17059275" progId="Visio.Drawing.15">
                   <p:embed/>
                 </p:oleObj>
               </mc:Choice>
@@ -13893,7 +13665,7 @@
                     </p:blipFill>
                     <p:spPr bwMode="auto">
                       <a:xfrm>
-                        <a:off x="1229939" y="452717"/>
+                        <a:off x="864814" y="546100"/>
                         <a:ext cx="10453674" cy="5906137"/>
                       </a:xfrm>
                       <a:prstGeom prst="rect">
@@ -13921,7 +13693,7 @@
 </p:sld>
 </file>
 
-<file path=ppt/slides/slide22.xml><?xml version="1.0" encoding="utf-8"?>
+<file path=ppt/slides/slide21.xml><?xml version="1.0" encoding="utf-8"?>
 <p:sld xmlns:a="http://schemas.openxmlformats.org/drawingml/2006/main" xmlns:r="http://schemas.openxmlformats.org/officeDocument/2006/relationships" xmlns:p="http://schemas.openxmlformats.org/presentationml/2006/main">
   <p:cSld>
     <p:spTree>
@@ -14007,7 +13779,7 @@
 </p:sld>
 </file>
 
-<file path=ppt/slides/slide23.xml><?xml version="1.0" encoding="utf-8"?>
+<file path=ppt/slides/slide22.xml><?xml version="1.0" encoding="utf-8"?>
 <p:sld xmlns:a="http://schemas.openxmlformats.org/drawingml/2006/main" xmlns:r="http://schemas.openxmlformats.org/officeDocument/2006/relationships" xmlns:p="http://schemas.openxmlformats.org/presentationml/2006/main">
   <p:cSld>
     <p:spTree>
@@ -14097,7 +13869,7 @@
 </p:sld>
 </file>
 
-<file path=ppt/slides/slide24.xml><?xml version="1.0" encoding="utf-8"?>
+<file path=ppt/slides/slide23.xml><?xml version="1.0" encoding="utf-8"?>
 <p:sld xmlns:a="http://schemas.openxmlformats.org/drawingml/2006/main" xmlns:r="http://schemas.openxmlformats.org/officeDocument/2006/relationships" xmlns:p="http://schemas.openxmlformats.org/presentationml/2006/main">
   <p:cSld>
     <p:spTree>
@@ -14607,7 +14379,7 @@
 </p:sld>
 </file>
 
-<file path=ppt/slides/slide25.xml><?xml version="1.0" encoding="utf-8"?>
+<file path=ppt/slides/slide24.xml><?xml version="1.0" encoding="utf-8"?>
 <p:sld xmlns:a="http://schemas.openxmlformats.org/drawingml/2006/main" xmlns:r="http://schemas.openxmlformats.org/officeDocument/2006/relationships" xmlns:p="http://schemas.openxmlformats.org/presentationml/2006/main">
   <p:cSld>
     <p:spTree>
@@ -14721,7 +14493,7 @@
 </p:sld>
 </file>
 
-<file path=ppt/slides/slide26.xml><?xml version="1.0" encoding="utf-8"?>
+<file path=ppt/slides/slide25.xml><?xml version="1.0" encoding="utf-8"?>
 <p:sld xmlns:a="http://schemas.openxmlformats.org/drawingml/2006/main" xmlns:r="http://schemas.openxmlformats.org/officeDocument/2006/relationships" xmlns:p="http://schemas.openxmlformats.org/presentationml/2006/main">
   <p:cSld>
     <p:spTree>
@@ -15094,7 +14866,7 @@
 </p:sld>
 </file>
 
-<file path=ppt/slides/slide27.xml><?xml version="1.0" encoding="utf-8"?>
+<file path=ppt/slides/slide26.xml><?xml version="1.0" encoding="utf-8"?>
 <p:sld xmlns:a="http://schemas.openxmlformats.org/drawingml/2006/main" xmlns:r="http://schemas.openxmlformats.org/officeDocument/2006/relationships" xmlns:p="http://schemas.openxmlformats.org/presentationml/2006/main">
   <p:cSld>
     <p:spTree>
@@ -15574,7 +15346,7 @@
 </p:sld>
 </file>
 
-<file path=ppt/slides/slide28.xml><?xml version="1.0" encoding="utf-8"?>
+<file path=ppt/slides/slide27.xml><?xml version="1.0" encoding="utf-8"?>
 <p:sld xmlns:a="http://schemas.openxmlformats.org/drawingml/2006/main" xmlns:r="http://schemas.openxmlformats.org/officeDocument/2006/relationships" xmlns:p="http://schemas.openxmlformats.org/presentationml/2006/main">
   <p:cSld>
     <p:spTree>
@@ -15675,6 +15447,412 @@
     <p:extLst>
       <p:ext uri="{BB962C8B-B14F-4D97-AF65-F5344CB8AC3E}">
         <p14:creationId xmlns:p14="http://schemas.microsoft.com/office/powerpoint/2010/main" val="279635179"/>
+      </p:ext>
+    </p:extLst>
+  </p:cSld>
+  <p:clrMapOvr>
+    <a:masterClrMapping/>
+  </p:clrMapOvr>
+</p:sld>
+</file>
+
+<file path=ppt/slides/slide28.xml><?xml version="1.0" encoding="utf-8"?>
+<p:sld xmlns:a="http://schemas.openxmlformats.org/drawingml/2006/main" xmlns:r="http://schemas.openxmlformats.org/officeDocument/2006/relationships" xmlns:p="http://schemas.openxmlformats.org/presentationml/2006/main">
+  <p:cSld>
+    <p:spTree>
+      <p:nvGrpSpPr>
+        <p:cNvPr id="1" name=""/>
+        <p:cNvGrpSpPr/>
+        <p:nvPr/>
+      </p:nvGrpSpPr>
+      <p:grpSpPr>
+        <a:xfrm>
+          <a:off x="0" y="0"/>
+          <a:ext cx="0" cy="0"/>
+          <a:chOff x="0" y="0"/>
+          <a:chExt cx="0" cy="0"/>
+        </a:xfrm>
+      </p:grpSpPr>
+      <p:sp>
+        <p:nvSpPr>
+          <p:cNvPr id="2" name="矩形 1"/>
+          <p:cNvSpPr>
+            <a:spLocks noGrp="1"/>
+          </p:cNvSpPr>
+          <p:nvPr>
+            <p:ph type="title"/>
+          </p:nvPr>
+        </p:nvSpPr>
+        <p:spPr/>
+        <p:txBody>
+          <a:bodyPr/>
+          <a:lstStyle/>
+          <a:p>
+            <a:r>
+              <a:rPr lang="en-US" altLang="zh-CN" dirty="0"/>
+              <a:t>5.1 </a:t>
+            </a:r>
+            <a:r>
+              <a:rPr lang="zh-CN" altLang="en-US" dirty="0"/>
+              <a:t>教师</a:t>
+            </a:r>
+            <a:r>
+              <a:rPr lang="en-US" altLang="zh-CN" dirty="0"/>
+              <a:t>(</a:t>
+            </a:r>
+            <a:r>
+              <a:rPr lang="zh-CN" altLang="en-US" dirty="0"/>
+              <a:t>助教</a:t>
+            </a:r>
+            <a:r>
+              <a:rPr lang="en-US" altLang="zh-CN" dirty="0"/>
+              <a:t>)</a:t>
+            </a:r>
+            <a:r>
+              <a:rPr lang="zh-CN" altLang="en-US" dirty="0"/>
+              <a:t>需求</a:t>
+            </a:r>
+          </a:p>
+        </p:txBody>
+      </p:sp>
+      <p:sp>
+        <p:nvSpPr>
+          <p:cNvPr id="3" name="矩形 2"/>
+          <p:cNvSpPr>
+            <a:spLocks noGrp="1"/>
+          </p:cNvSpPr>
+          <p:nvPr>
+            <p:ph idx="1"/>
+          </p:nvPr>
+        </p:nvSpPr>
+        <p:spPr/>
+        <p:txBody>
+          <a:bodyPr>
+            <a:normAutofit fontScale="77500" lnSpcReduction="20000"/>
+          </a:bodyPr>
+          <a:lstStyle/>
+          <a:p>
+            <a:r>
+              <a:rPr lang="en-US" altLang="zh-CN" sz="2400" b="1" dirty="0">
+                <a:solidFill>
+                  <a:schemeClr val="tx1">
+                    <a:lumMod val="50000"/>
+                    <a:lumOff val="50000"/>
+                  </a:schemeClr>
+                </a:solidFill>
+                <a:latin typeface="微软雅黑" panose="020B0503020204020204" pitchFamily="34" charset="-122"/>
+                <a:ea typeface="微软雅黑" panose="020B0503020204020204" pitchFamily="34" charset="-122"/>
+              </a:rPr>
+              <a:t>1</a:t>
+            </a:r>
+            <a:r>
+              <a:rPr lang="zh-CN" altLang="en-US" sz="2400" b="1" dirty="0">
+                <a:solidFill>
+                  <a:schemeClr val="tx1">
+                    <a:lumMod val="50000"/>
+                    <a:lumOff val="50000"/>
+                  </a:schemeClr>
+                </a:solidFill>
+                <a:latin typeface="微软雅黑" panose="020B0503020204020204" pitchFamily="34" charset="-122"/>
+                <a:ea typeface="微软雅黑" panose="020B0503020204020204" pitchFamily="34" charset="-122"/>
+              </a:rPr>
+              <a:t>、网站上要有系统的课程介绍包括项目管理</a:t>
+            </a:r>
+            <a:r>
+              <a:rPr lang="en-US" altLang="zh-CN" sz="2400" b="1" dirty="0">
+                <a:solidFill>
+                  <a:schemeClr val="tx1">
+                    <a:lumMod val="50000"/>
+                    <a:lumOff val="50000"/>
+                  </a:schemeClr>
+                </a:solidFill>
+                <a:latin typeface="微软雅黑" panose="020B0503020204020204" pitchFamily="34" charset="-122"/>
+                <a:ea typeface="微软雅黑" panose="020B0503020204020204" pitchFamily="34" charset="-122"/>
+              </a:rPr>
+              <a:t>,</a:t>
+            </a:r>
+            <a:r>
+              <a:rPr lang="zh-CN" altLang="en-US" sz="2400" b="1" dirty="0">
+                <a:solidFill>
+                  <a:schemeClr val="tx1">
+                    <a:lumMod val="50000"/>
+                    <a:lumOff val="50000"/>
+                  </a:schemeClr>
+                </a:solidFill>
+                <a:latin typeface="微软雅黑" panose="020B0503020204020204" pitchFamily="34" charset="-122"/>
+                <a:ea typeface="微软雅黑" panose="020B0503020204020204" pitchFamily="34" charset="-122"/>
+              </a:rPr>
+              <a:t>需求工程等几门课的课时安排、教学计划、使用教材、国际国内背景、考核方式、和学生选这门课所需要的知识背景，以及大作业的介绍。并可以在以后增加另外课程的时候可以定制</a:t>
+            </a:r>
+            <a:r>
+              <a:rPr lang="en-US" altLang="zh-CN" sz="2400" b="1" dirty="0">
+                <a:solidFill>
+                  <a:schemeClr val="tx1">
+                    <a:lumMod val="50000"/>
+                    <a:lumOff val="50000"/>
+                  </a:schemeClr>
+                </a:solidFill>
+                <a:latin typeface="微软雅黑" panose="020B0503020204020204" pitchFamily="34" charset="-122"/>
+                <a:ea typeface="微软雅黑" panose="020B0503020204020204" pitchFamily="34" charset="-122"/>
+              </a:rPr>
+              <a:t>.</a:t>
+            </a:r>
+          </a:p>
+          <a:p>
+            <a:r>
+              <a:rPr lang="en-US" altLang="zh-CN" sz="2400" b="1" dirty="0">
+                <a:solidFill>
+                  <a:schemeClr val="tx1">
+                    <a:lumMod val="50000"/>
+                    <a:lumOff val="50000"/>
+                  </a:schemeClr>
+                </a:solidFill>
+                <a:latin typeface="微软雅黑" panose="020B0503020204020204" pitchFamily="34" charset="-122"/>
+                <a:ea typeface="微软雅黑" panose="020B0503020204020204" pitchFamily="34" charset="-122"/>
+              </a:rPr>
+              <a:t>	2</a:t>
+            </a:r>
+            <a:r>
+              <a:rPr lang="zh-CN" altLang="en-US" sz="2400" b="1" dirty="0">
+                <a:solidFill>
+                  <a:schemeClr val="tx1">
+                    <a:lumMod val="50000"/>
+                    <a:lumOff val="50000"/>
+                  </a:schemeClr>
+                </a:solidFill>
+                <a:latin typeface="微软雅黑" panose="020B0503020204020204" pitchFamily="34" charset="-122"/>
+                <a:ea typeface="微软雅黑" panose="020B0503020204020204" pitchFamily="34" charset="-122"/>
+              </a:rPr>
+              <a:t>、网站要有教师介绍，对任课老师的以往教学、科研成果，及其教学风格，出版书 籍，所获荣誉的详细介绍课件、模板、参考资料、以往优秀作业、教学视频、音频资料下载，可以及时更新。本班老师同学可以通过账号下载，其他用户可以在线浏览简化版课件。</a:t>
+            </a:r>
+          </a:p>
+          <a:p>
+            <a:r>
+              <a:rPr lang="en-US" altLang="zh-CN" sz="2400" b="1" dirty="0">
+                <a:solidFill>
+                  <a:schemeClr val="tx1">
+                    <a:lumMod val="50000"/>
+                    <a:lumOff val="50000"/>
+                  </a:schemeClr>
+                </a:solidFill>
+                <a:latin typeface="微软雅黑" panose="020B0503020204020204" pitchFamily="34" charset="-122"/>
+                <a:ea typeface="微软雅黑" panose="020B0503020204020204" pitchFamily="34" charset="-122"/>
+              </a:rPr>
+              <a:t>	3</a:t>
+            </a:r>
+            <a:r>
+              <a:rPr lang="zh-CN" altLang="en-US" sz="2400" b="1" dirty="0">
+                <a:solidFill>
+                  <a:schemeClr val="tx1">
+                    <a:lumMod val="50000"/>
+                    <a:lumOff val="50000"/>
+                  </a:schemeClr>
+                </a:solidFill>
+                <a:latin typeface="微软雅黑" panose="020B0503020204020204" pitchFamily="34" charset="-122"/>
+                <a:ea typeface="微软雅黑" panose="020B0503020204020204" pitchFamily="34" charset="-122"/>
+              </a:rPr>
+              <a:t>、教师消息发布栏用于老师发布作业点评、临时课程变更等通知。</a:t>
+            </a:r>
+          </a:p>
+          <a:p>
+            <a:r>
+              <a:rPr lang="en-US" altLang="zh-CN" sz="2400" b="1" dirty="0">
+                <a:solidFill>
+                  <a:schemeClr val="tx1">
+                    <a:lumMod val="50000"/>
+                    <a:lumOff val="50000"/>
+                  </a:schemeClr>
+                </a:solidFill>
+                <a:latin typeface="微软雅黑" panose="020B0503020204020204" pitchFamily="34" charset="-122"/>
+                <a:ea typeface="微软雅黑" panose="020B0503020204020204" pitchFamily="34" charset="-122"/>
+              </a:rPr>
+              <a:t>	4</a:t>
+            </a:r>
+            <a:r>
+              <a:rPr lang="zh-CN" altLang="en-US" sz="2400" b="1" dirty="0">
+                <a:solidFill>
+                  <a:schemeClr val="tx1">
+                    <a:lumMod val="50000"/>
+                    <a:lumOff val="50000"/>
+                  </a:schemeClr>
+                </a:solidFill>
+                <a:latin typeface="微软雅黑" panose="020B0503020204020204" pitchFamily="34" charset="-122"/>
+                <a:ea typeface="微软雅黑" panose="020B0503020204020204" pitchFamily="34" charset="-122"/>
+              </a:rPr>
+              <a:t>、网站上要有网站向导即使用指南。</a:t>
+            </a:r>
+          </a:p>
+          <a:p>
+            <a:r>
+              <a:rPr lang="en-US" altLang="zh-CN" sz="2400" b="1" dirty="0">
+                <a:solidFill>
+                  <a:schemeClr val="tx1">
+                    <a:lumMod val="50000"/>
+                    <a:lumOff val="50000"/>
+                  </a:schemeClr>
+                </a:solidFill>
+                <a:latin typeface="微软雅黑" panose="020B0503020204020204" pitchFamily="34" charset="-122"/>
+                <a:ea typeface="微软雅黑" panose="020B0503020204020204" pitchFamily="34" charset="-122"/>
+              </a:rPr>
+              <a:t>	5</a:t>
+            </a:r>
+            <a:r>
+              <a:rPr lang="zh-CN" altLang="en-US" sz="2400" b="1" dirty="0">
+                <a:solidFill>
+                  <a:schemeClr val="tx1">
+                    <a:lumMod val="50000"/>
+                    <a:lumOff val="50000"/>
+                  </a:schemeClr>
+                </a:solidFill>
+                <a:latin typeface="微软雅黑" panose="020B0503020204020204" pitchFamily="34" charset="-122"/>
+                <a:ea typeface="微软雅黑" panose="020B0503020204020204" pitchFamily="34" charset="-122"/>
+              </a:rPr>
+              <a:t>、最新信息：公布老师最近的一些教学或外出交流的心得，以及网站一些最近更新信息的介绍。</a:t>
+            </a:r>
+          </a:p>
+          <a:p>
+            <a:r>
+              <a:rPr lang="en-US" altLang="zh-CN" sz="2400" b="1" dirty="0">
+                <a:solidFill>
+                  <a:schemeClr val="tx1">
+                    <a:lumMod val="50000"/>
+                    <a:lumOff val="50000"/>
+                  </a:schemeClr>
+                </a:solidFill>
+                <a:latin typeface="微软雅黑" panose="020B0503020204020204" pitchFamily="34" charset="-122"/>
+                <a:ea typeface="微软雅黑" panose="020B0503020204020204" pitchFamily="34" charset="-122"/>
+              </a:rPr>
+              <a:t>	6</a:t>
+            </a:r>
+            <a:r>
+              <a:rPr lang="zh-CN" altLang="en-US" sz="2400" b="1" dirty="0">
+                <a:solidFill>
+                  <a:schemeClr val="tx1">
+                    <a:lumMod val="50000"/>
+                    <a:lumOff val="50000"/>
+                  </a:schemeClr>
+                </a:solidFill>
+                <a:latin typeface="微软雅黑" panose="020B0503020204020204" pitchFamily="34" charset="-122"/>
+                <a:ea typeface="微软雅黑" panose="020B0503020204020204" pitchFamily="34" charset="-122"/>
+              </a:rPr>
+              <a:t>、友情连接（如网上选课主页）有老师要求管理员实时更新。</a:t>
+            </a:r>
+          </a:p>
+          <a:p>
+            <a:r>
+              <a:rPr lang="en-US" altLang="zh-CN" sz="2400" b="1" dirty="0">
+                <a:solidFill>
+                  <a:schemeClr val="tx1">
+                    <a:lumMod val="50000"/>
+                    <a:lumOff val="50000"/>
+                  </a:schemeClr>
+                </a:solidFill>
+                <a:latin typeface="微软雅黑" panose="020B0503020204020204" pitchFamily="34" charset="-122"/>
+                <a:ea typeface="微软雅黑" panose="020B0503020204020204" pitchFamily="34" charset="-122"/>
+              </a:rPr>
+              <a:t>	7</a:t>
+            </a:r>
+            <a:r>
+              <a:rPr lang="zh-CN" altLang="en-US" sz="2400" b="1" dirty="0">
+                <a:solidFill>
+                  <a:schemeClr val="tx1">
+                    <a:lumMod val="50000"/>
+                    <a:lumOff val="50000"/>
+                  </a:schemeClr>
+                </a:solidFill>
+                <a:latin typeface="微软雅黑" panose="020B0503020204020204" pitchFamily="34" charset="-122"/>
+                <a:ea typeface="微软雅黑" panose="020B0503020204020204" pitchFamily="34" charset="-122"/>
+              </a:rPr>
+              <a:t>、提供专门的作业点评</a:t>
+            </a:r>
+            <a:r>
+              <a:rPr lang="en-US" altLang="zh-CN" sz="2400" b="1" dirty="0">
+                <a:solidFill>
+                  <a:schemeClr val="tx1">
+                    <a:lumMod val="50000"/>
+                    <a:lumOff val="50000"/>
+                  </a:schemeClr>
+                </a:solidFill>
+                <a:latin typeface="微软雅黑" panose="020B0503020204020204" pitchFamily="34" charset="-122"/>
+                <a:ea typeface="微软雅黑" panose="020B0503020204020204" pitchFamily="34" charset="-122"/>
+              </a:rPr>
+              <a:t>,</a:t>
+            </a:r>
+            <a:r>
+              <a:rPr lang="zh-CN" altLang="en-US" sz="2400" b="1" dirty="0">
+                <a:solidFill>
+                  <a:schemeClr val="tx1">
+                    <a:lumMod val="50000"/>
+                    <a:lumOff val="50000"/>
+                  </a:schemeClr>
+                </a:solidFill>
+                <a:latin typeface="微软雅黑" panose="020B0503020204020204" pitchFamily="34" charset="-122"/>
+                <a:ea typeface="微软雅黑" panose="020B0503020204020204" pitchFamily="34" charset="-122"/>
+              </a:rPr>
+              <a:t>作业完成情况跟踪的功能</a:t>
+            </a:r>
+            <a:r>
+              <a:rPr lang="en-US" altLang="zh-CN" sz="2400" b="1" dirty="0">
+                <a:solidFill>
+                  <a:schemeClr val="tx1">
+                    <a:lumMod val="50000"/>
+                    <a:lumOff val="50000"/>
+                  </a:schemeClr>
+                </a:solidFill>
+                <a:latin typeface="微软雅黑" panose="020B0503020204020204" pitchFamily="34" charset="-122"/>
+                <a:ea typeface="微软雅黑" panose="020B0503020204020204" pitchFamily="34" charset="-122"/>
+              </a:rPr>
+              <a:t>,</a:t>
+            </a:r>
+            <a:r>
+              <a:rPr lang="zh-CN" altLang="en-US" sz="2400" b="1" dirty="0">
+                <a:solidFill>
+                  <a:schemeClr val="tx1">
+                    <a:lumMod val="50000"/>
+                    <a:lumOff val="50000"/>
+                  </a:schemeClr>
+                </a:solidFill>
+                <a:latin typeface="微软雅黑" panose="020B0503020204020204" pitchFamily="34" charset="-122"/>
+                <a:ea typeface="微软雅黑" panose="020B0503020204020204" pitchFamily="34" charset="-122"/>
+              </a:rPr>
+              <a:t>对学生的作业</a:t>
+            </a:r>
+            <a:r>
+              <a:rPr lang="en-US" altLang="zh-CN" sz="2400" b="1" dirty="0">
+                <a:solidFill>
+                  <a:schemeClr val="tx1">
+                    <a:lumMod val="50000"/>
+                    <a:lumOff val="50000"/>
+                  </a:schemeClr>
+                </a:solidFill>
+                <a:latin typeface="微软雅黑" panose="020B0503020204020204" pitchFamily="34" charset="-122"/>
+                <a:ea typeface="微软雅黑" panose="020B0503020204020204" pitchFamily="34" charset="-122"/>
+              </a:rPr>
+              <a:t>,</a:t>
+            </a:r>
+            <a:r>
+              <a:rPr lang="zh-CN" altLang="en-US" sz="2400" b="1" dirty="0">
+                <a:solidFill>
+                  <a:schemeClr val="tx1">
+                    <a:lumMod val="50000"/>
+                    <a:lumOff val="50000"/>
+                  </a:schemeClr>
+                </a:solidFill>
+                <a:latin typeface="微软雅黑" panose="020B0503020204020204" pitchFamily="34" charset="-122"/>
+                <a:ea typeface="微软雅黑" panose="020B0503020204020204" pitchFamily="34" charset="-122"/>
+              </a:rPr>
+              <a:t>和课后作业讨论进行点评。</a:t>
+            </a:r>
+          </a:p>
+          <a:p>
+            <a:endParaRPr lang="zh-CN" sz="2400" dirty="0"/>
+          </a:p>
+        </p:txBody>
+      </p:sp>
+    </p:spTree>
+    <p:extLst>
+      <p:ext uri="{BB962C8B-B14F-4D97-AF65-F5344CB8AC3E}">
+        <p14:creationId xmlns:p14="http://schemas.microsoft.com/office/powerpoint/2010/main" val="2183160804"/>
       </p:ext>
     </p:extLst>
   </p:cSld>
@@ -15718,27 +15896,11 @@
           <a:p>
             <a:r>
               <a:rPr lang="en-US" altLang="zh-CN" dirty="0"/>
-              <a:t>5.1 </a:t>
+              <a:t>5.2 </a:t>
             </a:r>
             <a:r>
               <a:rPr lang="zh-CN" altLang="en-US" dirty="0"/>
-              <a:t>教师</a:t>
-            </a:r>
-            <a:r>
-              <a:rPr lang="en-US" altLang="zh-CN" dirty="0"/>
-              <a:t>(</a:t>
-            </a:r>
-            <a:r>
-              <a:rPr lang="zh-CN" altLang="en-US" dirty="0"/>
-              <a:t>助教</a:t>
-            </a:r>
-            <a:r>
-              <a:rPr lang="en-US" altLang="zh-CN" dirty="0"/>
-              <a:t>)</a:t>
-            </a:r>
-            <a:r>
-              <a:rPr lang="zh-CN" altLang="en-US" dirty="0"/>
-              <a:t>需求</a:t>
+              <a:t>管理员需求</a:t>
             </a:r>
           </a:p>
         </p:txBody>
@@ -15756,323 +15918,35 @@
         <p:spPr/>
         <p:txBody>
           <a:bodyPr>
-            <a:normAutofit fontScale="77500" lnSpcReduction="20000"/>
+            <a:normAutofit/>
           </a:bodyPr>
           <a:lstStyle/>
           <a:p>
             <a:r>
-              <a:rPr lang="en-US" altLang="zh-CN" sz="2400" b="1" dirty="0">
-                <a:solidFill>
-                  <a:schemeClr val="tx1">
-                    <a:lumMod val="50000"/>
-                    <a:lumOff val="50000"/>
-                  </a:schemeClr>
-                </a:solidFill>
-                <a:latin typeface="微软雅黑" panose="020B0503020204020204" pitchFamily="34" charset="-122"/>
-                <a:ea typeface="微软雅黑" panose="020B0503020204020204" pitchFamily="34" charset="-122"/>
-              </a:rPr>
-              <a:t>1</a:t>
-            </a:r>
-            <a:r>
-              <a:rPr lang="zh-CN" altLang="en-US" sz="2400" b="1" dirty="0">
-                <a:solidFill>
-                  <a:schemeClr val="tx1">
-                    <a:lumMod val="50000"/>
-                    <a:lumOff val="50000"/>
-                  </a:schemeClr>
-                </a:solidFill>
-                <a:latin typeface="微软雅黑" panose="020B0503020204020204" pitchFamily="34" charset="-122"/>
-                <a:ea typeface="微软雅黑" panose="020B0503020204020204" pitchFamily="34" charset="-122"/>
-              </a:rPr>
-              <a:t>、网站上要有系统的课程介绍包括项目管理</a:t>
-            </a:r>
-            <a:r>
-              <a:rPr lang="en-US" altLang="zh-CN" sz="2400" b="1" dirty="0">
-                <a:solidFill>
-                  <a:schemeClr val="tx1">
-                    <a:lumMod val="50000"/>
-                    <a:lumOff val="50000"/>
-                  </a:schemeClr>
-                </a:solidFill>
-                <a:latin typeface="微软雅黑" panose="020B0503020204020204" pitchFamily="34" charset="-122"/>
-                <a:ea typeface="微软雅黑" panose="020B0503020204020204" pitchFamily="34" charset="-122"/>
-              </a:rPr>
-              <a:t>,</a:t>
-            </a:r>
-            <a:r>
-              <a:rPr lang="zh-CN" altLang="en-US" sz="2400" b="1" dirty="0">
-                <a:solidFill>
-                  <a:schemeClr val="tx1">
-                    <a:lumMod val="50000"/>
-                    <a:lumOff val="50000"/>
-                  </a:schemeClr>
-                </a:solidFill>
-                <a:latin typeface="微软雅黑" panose="020B0503020204020204" pitchFamily="34" charset="-122"/>
-                <a:ea typeface="微软雅黑" panose="020B0503020204020204" pitchFamily="34" charset="-122"/>
-              </a:rPr>
-              <a:t>需求工程等几门课的课时安排、教学计划、使用教材、国际国内背景、考核方式、和学生选这门课所需要的知识背景，以及大作业的介绍。并可以在以后增加另外课程的时候可以定制</a:t>
-            </a:r>
-            <a:r>
-              <a:rPr lang="en-US" altLang="zh-CN" sz="2400" b="1" dirty="0">
-                <a:solidFill>
-                  <a:schemeClr val="tx1">
-                    <a:lumMod val="50000"/>
-                    <a:lumOff val="50000"/>
-                  </a:schemeClr>
-                </a:solidFill>
-                <a:latin typeface="微软雅黑" panose="020B0503020204020204" pitchFamily="34" charset="-122"/>
-                <a:ea typeface="微软雅黑" panose="020B0503020204020204" pitchFamily="34" charset="-122"/>
-              </a:rPr>
-              <a:t>.</a:t>
-            </a:r>
-          </a:p>
-          <a:p>
-            <a:r>
-              <a:rPr lang="en-US" altLang="zh-CN" sz="2400" b="1" dirty="0">
-                <a:solidFill>
-                  <a:schemeClr val="tx1">
-                    <a:lumMod val="50000"/>
-                    <a:lumOff val="50000"/>
-                  </a:schemeClr>
-                </a:solidFill>
-                <a:latin typeface="微软雅黑" panose="020B0503020204020204" pitchFamily="34" charset="-122"/>
-                <a:ea typeface="微软雅黑" panose="020B0503020204020204" pitchFamily="34" charset="-122"/>
-              </a:rPr>
-              <a:t>	2</a:t>
-            </a:r>
-            <a:r>
-              <a:rPr lang="zh-CN" altLang="en-US" sz="2400" b="1" dirty="0">
-                <a:solidFill>
-                  <a:schemeClr val="tx1">
-                    <a:lumMod val="50000"/>
-                    <a:lumOff val="50000"/>
-                  </a:schemeClr>
-                </a:solidFill>
-                <a:latin typeface="微软雅黑" panose="020B0503020204020204" pitchFamily="34" charset="-122"/>
-                <a:ea typeface="微软雅黑" panose="020B0503020204020204" pitchFamily="34" charset="-122"/>
-              </a:rPr>
-              <a:t>、网站要有教师介绍，对任课老师的以往教学、科研成果，及其教学风格，出版书 籍，所获荣誉的详细介绍课件、模板、参考资料、以往优秀作业、教学视频、音频资料下载，可以及时更新。本班老师同学可以通过账号下载，其他用户可以在线浏览简化版课件。</a:t>
-            </a:r>
-          </a:p>
-          <a:p>
-            <a:r>
-              <a:rPr lang="en-US" altLang="zh-CN" sz="2400" b="1" dirty="0">
-                <a:solidFill>
-                  <a:schemeClr val="tx1">
-                    <a:lumMod val="50000"/>
-                    <a:lumOff val="50000"/>
-                  </a:schemeClr>
-                </a:solidFill>
-                <a:latin typeface="微软雅黑" panose="020B0503020204020204" pitchFamily="34" charset="-122"/>
-                <a:ea typeface="微软雅黑" panose="020B0503020204020204" pitchFamily="34" charset="-122"/>
-              </a:rPr>
-              <a:t>	3</a:t>
-            </a:r>
-            <a:r>
-              <a:rPr lang="zh-CN" altLang="en-US" sz="2400" b="1" dirty="0">
-                <a:solidFill>
-                  <a:schemeClr val="tx1">
-                    <a:lumMod val="50000"/>
-                    <a:lumOff val="50000"/>
-                  </a:schemeClr>
-                </a:solidFill>
-                <a:latin typeface="微软雅黑" panose="020B0503020204020204" pitchFamily="34" charset="-122"/>
-                <a:ea typeface="微软雅黑" panose="020B0503020204020204" pitchFamily="34" charset="-122"/>
-              </a:rPr>
-              <a:t>、教师消息发布栏用于老师发布作业点评、临时课程变更等通知。</a:t>
-            </a:r>
-          </a:p>
-          <a:p>
-            <a:r>
-              <a:rPr lang="en-US" altLang="zh-CN" sz="2400" b="1" dirty="0">
-                <a:solidFill>
-                  <a:schemeClr val="tx1">
-                    <a:lumMod val="50000"/>
-                    <a:lumOff val="50000"/>
-                  </a:schemeClr>
-                </a:solidFill>
-                <a:latin typeface="微软雅黑" panose="020B0503020204020204" pitchFamily="34" charset="-122"/>
-                <a:ea typeface="微软雅黑" panose="020B0503020204020204" pitchFamily="34" charset="-122"/>
-              </a:rPr>
-              <a:t>	4</a:t>
-            </a:r>
-            <a:r>
-              <a:rPr lang="zh-CN" altLang="en-US" sz="2400" b="1" dirty="0">
-                <a:solidFill>
-                  <a:schemeClr val="tx1">
-                    <a:lumMod val="50000"/>
-                    <a:lumOff val="50000"/>
-                  </a:schemeClr>
-                </a:solidFill>
-                <a:latin typeface="微软雅黑" panose="020B0503020204020204" pitchFamily="34" charset="-122"/>
-                <a:ea typeface="微软雅黑" panose="020B0503020204020204" pitchFamily="34" charset="-122"/>
-              </a:rPr>
-              <a:t>、网站上要有网站向导即使用指南。</a:t>
-            </a:r>
-          </a:p>
-          <a:p>
-            <a:r>
-              <a:rPr lang="en-US" altLang="zh-CN" sz="2400" b="1" dirty="0">
-                <a:solidFill>
-                  <a:schemeClr val="tx1">
-                    <a:lumMod val="50000"/>
-                    <a:lumOff val="50000"/>
-                  </a:schemeClr>
-                </a:solidFill>
-                <a:latin typeface="微软雅黑" panose="020B0503020204020204" pitchFamily="34" charset="-122"/>
-                <a:ea typeface="微软雅黑" panose="020B0503020204020204" pitchFamily="34" charset="-122"/>
-              </a:rPr>
-              <a:t>	5</a:t>
-            </a:r>
-            <a:r>
-              <a:rPr lang="zh-CN" altLang="en-US" sz="2400" b="1" dirty="0">
-                <a:solidFill>
-                  <a:schemeClr val="tx1">
-                    <a:lumMod val="50000"/>
-                    <a:lumOff val="50000"/>
-                  </a:schemeClr>
-                </a:solidFill>
-                <a:latin typeface="微软雅黑" panose="020B0503020204020204" pitchFamily="34" charset="-122"/>
-                <a:ea typeface="微软雅黑" panose="020B0503020204020204" pitchFamily="34" charset="-122"/>
-              </a:rPr>
-              <a:t>、最新信息：公布老师最近的一些教学或外出交流的心得，以及网站一些最近更新信息的介绍。</a:t>
-            </a:r>
-          </a:p>
-          <a:p>
-            <a:r>
-              <a:rPr lang="en-US" altLang="zh-CN" sz="2400" b="1" dirty="0">
-                <a:solidFill>
-                  <a:schemeClr val="tx1">
-                    <a:lumMod val="50000"/>
-                    <a:lumOff val="50000"/>
-                  </a:schemeClr>
-                </a:solidFill>
-                <a:latin typeface="微软雅黑" panose="020B0503020204020204" pitchFamily="34" charset="-122"/>
-                <a:ea typeface="微软雅黑" panose="020B0503020204020204" pitchFamily="34" charset="-122"/>
-              </a:rPr>
-              <a:t>	6</a:t>
-            </a:r>
-            <a:r>
-              <a:rPr lang="zh-CN" altLang="en-US" sz="2400" b="1" dirty="0">
-                <a:solidFill>
-                  <a:schemeClr val="tx1">
-                    <a:lumMod val="50000"/>
-                    <a:lumOff val="50000"/>
-                  </a:schemeClr>
-                </a:solidFill>
-                <a:latin typeface="微软雅黑" panose="020B0503020204020204" pitchFamily="34" charset="-122"/>
-                <a:ea typeface="微软雅黑" panose="020B0503020204020204" pitchFamily="34" charset="-122"/>
-              </a:rPr>
-              <a:t>、友情连接（如网上选课主页）有老师要求管理员实时更新。</a:t>
-            </a:r>
-          </a:p>
-          <a:p>
-            <a:r>
-              <a:rPr lang="en-US" altLang="zh-CN" sz="2400" b="1" dirty="0">
-                <a:solidFill>
-                  <a:schemeClr val="tx1">
-                    <a:lumMod val="50000"/>
-                    <a:lumOff val="50000"/>
-                  </a:schemeClr>
-                </a:solidFill>
-                <a:latin typeface="微软雅黑" panose="020B0503020204020204" pitchFamily="34" charset="-122"/>
-                <a:ea typeface="微软雅黑" panose="020B0503020204020204" pitchFamily="34" charset="-122"/>
-              </a:rPr>
-              <a:t>	7</a:t>
-            </a:r>
-            <a:r>
-              <a:rPr lang="zh-CN" altLang="en-US" sz="2400" b="1" dirty="0">
-                <a:solidFill>
-                  <a:schemeClr val="tx1">
-                    <a:lumMod val="50000"/>
-                    <a:lumOff val="50000"/>
-                  </a:schemeClr>
-                </a:solidFill>
-                <a:latin typeface="微软雅黑" panose="020B0503020204020204" pitchFamily="34" charset="-122"/>
-                <a:ea typeface="微软雅黑" panose="020B0503020204020204" pitchFamily="34" charset="-122"/>
-              </a:rPr>
-              <a:t>、提供专门的作业点评</a:t>
-            </a:r>
-            <a:r>
-              <a:rPr lang="en-US" altLang="zh-CN" sz="2400" b="1" dirty="0">
-                <a:solidFill>
-                  <a:schemeClr val="tx1">
-                    <a:lumMod val="50000"/>
-                    <a:lumOff val="50000"/>
-                  </a:schemeClr>
-                </a:solidFill>
-                <a:latin typeface="微软雅黑" panose="020B0503020204020204" pitchFamily="34" charset="-122"/>
-                <a:ea typeface="微软雅黑" panose="020B0503020204020204" pitchFamily="34" charset="-122"/>
-              </a:rPr>
-              <a:t>,</a:t>
-            </a:r>
-            <a:r>
-              <a:rPr lang="zh-CN" altLang="en-US" sz="2400" b="1" dirty="0">
-                <a:solidFill>
-                  <a:schemeClr val="tx1">
-                    <a:lumMod val="50000"/>
-                    <a:lumOff val="50000"/>
-                  </a:schemeClr>
-                </a:solidFill>
-                <a:latin typeface="微软雅黑" panose="020B0503020204020204" pitchFamily="34" charset="-122"/>
-                <a:ea typeface="微软雅黑" panose="020B0503020204020204" pitchFamily="34" charset="-122"/>
-              </a:rPr>
-              <a:t>作业完成情况跟踪的功能</a:t>
-            </a:r>
-            <a:r>
-              <a:rPr lang="en-US" altLang="zh-CN" sz="2400" b="1" dirty="0">
-                <a:solidFill>
-                  <a:schemeClr val="tx1">
-                    <a:lumMod val="50000"/>
-                    <a:lumOff val="50000"/>
-                  </a:schemeClr>
-                </a:solidFill>
-                <a:latin typeface="微软雅黑" panose="020B0503020204020204" pitchFamily="34" charset="-122"/>
-                <a:ea typeface="微软雅黑" panose="020B0503020204020204" pitchFamily="34" charset="-122"/>
-              </a:rPr>
-              <a:t>,</a:t>
-            </a:r>
-            <a:r>
-              <a:rPr lang="zh-CN" altLang="en-US" sz="2400" b="1" dirty="0">
-                <a:solidFill>
-                  <a:schemeClr val="tx1">
-                    <a:lumMod val="50000"/>
-                    <a:lumOff val="50000"/>
-                  </a:schemeClr>
-                </a:solidFill>
-                <a:latin typeface="微软雅黑" panose="020B0503020204020204" pitchFamily="34" charset="-122"/>
-                <a:ea typeface="微软雅黑" panose="020B0503020204020204" pitchFamily="34" charset="-122"/>
-              </a:rPr>
-              <a:t>对学生的作业</a:t>
-            </a:r>
-            <a:r>
-              <a:rPr lang="en-US" altLang="zh-CN" sz="2400" b="1" dirty="0">
-                <a:solidFill>
-                  <a:schemeClr val="tx1">
-                    <a:lumMod val="50000"/>
-                    <a:lumOff val="50000"/>
-                  </a:schemeClr>
-                </a:solidFill>
-                <a:latin typeface="微软雅黑" panose="020B0503020204020204" pitchFamily="34" charset="-122"/>
-                <a:ea typeface="微软雅黑" panose="020B0503020204020204" pitchFamily="34" charset="-122"/>
-              </a:rPr>
-              <a:t>,</a:t>
-            </a:r>
-            <a:r>
-              <a:rPr lang="zh-CN" altLang="en-US" sz="2400" b="1" dirty="0">
-                <a:solidFill>
-                  <a:schemeClr val="tx1">
-                    <a:lumMod val="50000"/>
-                    <a:lumOff val="50000"/>
-                  </a:schemeClr>
-                </a:solidFill>
-                <a:latin typeface="微软雅黑" panose="020B0503020204020204" pitchFamily="34" charset="-122"/>
-                <a:ea typeface="微软雅黑" panose="020B0503020204020204" pitchFamily="34" charset="-122"/>
-              </a:rPr>
-              <a:t>和课后作业讨论进行点评。</a:t>
-            </a:r>
-          </a:p>
-          <a:p>
+              <a:rPr lang="zh-CN" altLang="en-US" sz="2400" dirty="0"/>
+              <a:t>管理员可以配置学生的相关课程信息，包括任课教师，上课地点时间，以及学生的名单。</a:t>
+            </a:r>
+            <a:endParaRPr lang="en-US" altLang="zh-CN" sz="2400" dirty="0"/>
+          </a:p>
+          <a:p>
+            <a:r>
+              <a:rPr lang="zh-CN" altLang="en-US" sz="2400" dirty="0"/>
+              <a:t>管理课程的所有内容，主要包括教师及课程简介，课程资料，资料支持上传，下载，修改，发布，撤回。</a:t>
+            </a:r>
+            <a:endParaRPr lang="en-US" altLang="zh-CN" sz="2400" dirty="0"/>
+          </a:p>
+          <a:p>
+            <a:r>
+              <a:rPr lang="zh-CN" altLang="en-US" sz="2400" dirty="0"/>
+              <a:t>修改自己的密码，有权限支持用户重置密码，并且将随机密码发到用户的手机。</a:t>
+            </a:r>
+            <a:endParaRPr lang="en-US" altLang="zh-CN" sz="2400" dirty="0"/>
+          </a:p>
+          <a:p>
+            <a:r>
+              <a:rPr lang="zh-CN" altLang="en-US" sz="2400" dirty="0"/>
+              <a:t>管理回收站，可以清空或者</a:t>
+            </a:r>
             <a:endParaRPr lang="zh-CN" sz="2400" dirty="0"/>
           </a:p>
         </p:txBody>
@@ -16080,7 +15954,7 @@
     </p:spTree>
     <p:extLst>
       <p:ext uri="{BB962C8B-B14F-4D97-AF65-F5344CB8AC3E}">
-        <p14:creationId xmlns:p14="http://schemas.microsoft.com/office/powerpoint/2010/main" val="2183160804"/>
+        <p14:creationId xmlns:p14="http://schemas.microsoft.com/office/powerpoint/2010/main" val="7418635"/>
       </p:ext>
     </p:extLst>
   </p:cSld>
@@ -16237,11 +16111,11 @@
           <a:p>
             <a:r>
               <a:rPr lang="en-US" altLang="zh-CN" dirty="0"/>
-              <a:t>5.2 </a:t>
+              <a:t>5.3 </a:t>
             </a:r>
             <a:r>
               <a:rPr lang="zh-CN" altLang="en-US" dirty="0"/>
-              <a:t>管理员需求</a:t>
+              <a:t>学生需求</a:t>
             </a:r>
           </a:p>
         </p:txBody>
@@ -16265,29 +16139,69 @@
           <a:p>
             <a:r>
               <a:rPr lang="zh-CN" altLang="en-US" sz="2400" dirty="0"/>
-              <a:t>管理员可以配置学生的相关课程信息，包括任课教师，上课地点时间，以及学生的名单。</a:t>
+              <a:t>下载最新以及历史的课件资料，最大支持</a:t>
+            </a:r>
+            <a:r>
+              <a:rPr lang="en-US" altLang="zh-CN" sz="2400" dirty="0"/>
+              <a:t>100</a:t>
+            </a:r>
+            <a:r>
+              <a:rPr lang="zh-CN" altLang="en-US" sz="2400" dirty="0"/>
+              <a:t>人并行</a:t>
+            </a:r>
+            <a:r>
+              <a:rPr lang="en-US" altLang="zh-CN" sz="2400" dirty="0"/>
+              <a:t>100KB/s</a:t>
+            </a:r>
+            <a:r>
+              <a:rPr lang="zh-CN" altLang="en-US" sz="2400" dirty="0"/>
+              <a:t>的下载速度</a:t>
             </a:r>
             <a:endParaRPr lang="en-US" altLang="zh-CN" sz="2400" dirty="0"/>
           </a:p>
           <a:p>
             <a:r>
               <a:rPr lang="zh-CN" altLang="en-US" sz="2400" dirty="0"/>
-              <a:t>管理课程的所有内容，主要包括教师及课程简介，课程资料，资料支持上传，下载，修改，发布，撤回。</a:t>
+              <a:t>及时收到老师发布的消息</a:t>
             </a:r>
             <a:endParaRPr lang="en-US" altLang="zh-CN" sz="2400" dirty="0"/>
           </a:p>
           <a:p>
             <a:r>
+              <a:rPr lang="en-US" altLang="zh-CN" sz="2400" dirty="0"/>
+              <a:t>UI</a:t>
+            </a:r>
+            <a:r>
               <a:rPr lang="zh-CN" altLang="en-US" sz="2400" dirty="0"/>
-              <a:t>修改自己的密码，有权限支持用户重置密码，并且将随机密码发到用户的手机。</a:t>
+              <a:t>符合现在软件工程的规范，适应时代审美</a:t>
             </a:r>
             <a:endParaRPr lang="en-US" altLang="zh-CN" sz="2400" dirty="0"/>
           </a:p>
           <a:p>
             <a:r>
               <a:rPr lang="zh-CN" altLang="en-US" sz="2400" dirty="0"/>
-              <a:t>管理回收站，可以清空或者</a:t>
-            </a:r>
+              <a:t>可以通过密保问题或者绑定的号码或邮箱重置密码。上述手段都失效是，通过有效证件，让管理员重置密码。</a:t>
+            </a:r>
+            <a:endParaRPr lang="en-US" altLang="zh-CN" sz="2400" dirty="0"/>
+          </a:p>
+          <a:p>
+            <a:r>
+              <a:rPr lang="zh-CN" altLang="en-US" sz="2400" dirty="0"/>
+              <a:t>支持学生个人网盘，容量不低于</a:t>
+            </a:r>
+            <a:r>
+              <a:rPr lang="en-US" altLang="zh-CN" sz="2400" dirty="0"/>
+              <a:t>500MB</a:t>
+            </a:r>
+          </a:p>
+          <a:p>
+            <a:r>
+              <a:rPr lang="zh-CN" altLang="en-US" sz="2400" dirty="0"/>
+              <a:t>提交作业，并且查看提交作业审批情况</a:t>
+            </a:r>
+            <a:endParaRPr lang="en-US" altLang="zh-CN" sz="2400" dirty="0"/>
+          </a:p>
+          <a:p>
             <a:endParaRPr lang="zh-CN" sz="2400" dirty="0"/>
           </a:p>
         </p:txBody>
@@ -16295,7 +16209,7 @@
     </p:spTree>
     <p:extLst>
       <p:ext uri="{BB962C8B-B14F-4D97-AF65-F5344CB8AC3E}">
-        <p14:creationId xmlns:p14="http://schemas.microsoft.com/office/powerpoint/2010/main" val="7418635"/>
+        <p14:creationId xmlns:p14="http://schemas.microsoft.com/office/powerpoint/2010/main" val="896944419"/>
       </p:ext>
     </p:extLst>
   </p:cSld>
@@ -16339,11 +16253,11 @@
           <a:p>
             <a:r>
               <a:rPr lang="en-US" altLang="zh-CN" dirty="0"/>
-              <a:t>5.3 </a:t>
+              <a:t>5.4 </a:t>
             </a:r>
             <a:r>
               <a:rPr lang="zh-CN" altLang="en-US" dirty="0"/>
-              <a:t>学生需求</a:t>
+              <a:t>系统功能需求</a:t>
             </a:r>
           </a:p>
         </p:txBody>
@@ -16367,65 +16281,30 @@
           <a:p>
             <a:r>
               <a:rPr lang="zh-CN" altLang="en-US" sz="2400" dirty="0"/>
-              <a:t>下载最新以及历史的课件资料，最大支持</a:t>
+              <a:t>具备应对</a:t>
             </a:r>
             <a:r>
               <a:rPr lang="en-US" altLang="zh-CN" sz="2400" dirty="0"/>
-              <a:t>100</a:t>
+              <a:t>2000</a:t>
             </a:r>
             <a:r>
               <a:rPr lang="zh-CN" altLang="en-US" sz="2400" dirty="0"/>
-              <a:t>人并行</a:t>
+              <a:t>人同时访问，提供足够质量的保证</a:t>
+            </a:r>
+            <a:endParaRPr lang="en-US" altLang="zh-CN" sz="2400" dirty="0"/>
+          </a:p>
+          <a:p>
+            <a:r>
+              <a:rPr lang="zh-CN" altLang="en-US" sz="2400" dirty="0"/>
+              <a:t>数据存储能力要足以支撑</a:t>
             </a:r>
             <a:r>
               <a:rPr lang="en-US" altLang="zh-CN" sz="2400" dirty="0"/>
-              <a:t>100KB/s</a:t>
+              <a:t>2000</a:t>
             </a:r>
             <a:r>
               <a:rPr lang="zh-CN" altLang="en-US" sz="2400" dirty="0"/>
-              <a:t>的下载速度</a:t>
-            </a:r>
-            <a:endParaRPr lang="en-US" altLang="zh-CN" sz="2400" dirty="0"/>
-          </a:p>
-          <a:p>
-            <a:r>
-              <a:rPr lang="zh-CN" altLang="en-US" sz="2400" dirty="0"/>
-              <a:t>及时收到老师发布的消息</a:t>
-            </a:r>
-            <a:endParaRPr lang="en-US" altLang="zh-CN" sz="2400" dirty="0"/>
-          </a:p>
-          <a:p>
-            <a:r>
-              <a:rPr lang="en-US" altLang="zh-CN" sz="2400" dirty="0"/>
-              <a:t>UI</a:t>
-            </a:r>
-            <a:r>
-              <a:rPr lang="zh-CN" altLang="en-US" sz="2400" dirty="0"/>
-              <a:t>符合现在软件工程的规范，适应时代审美</a:t>
-            </a:r>
-            <a:endParaRPr lang="en-US" altLang="zh-CN" sz="2400" dirty="0"/>
-          </a:p>
-          <a:p>
-            <a:r>
-              <a:rPr lang="zh-CN" altLang="en-US" sz="2400" dirty="0"/>
-              <a:t>可以通过密保问题或者绑定的号码或邮箱重置密码。上述手段都失效是，通过有效证件，让管理员重置密码。</a:t>
-            </a:r>
-            <a:endParaRPr lang="en-US" altLang="zh-CN" sz="2400" dirty="0"/>
-          </a:p>
-          <a:p>
-            <a:r>
-              <a:rPr lang="zh-CN" altLang="en-US" sz="2400" dirty="0"/>
-              <a:t>支持学生个人网盘，容量不低于</a:t>
-            </a:r>
-            <a:r>
-              <a:rPr lang="en-US" altLang="zh-CN" sz="2400" dirty="0"/>
-              <a:t>500MB</a:t>
-            </a:r>
-          </a:p>
-          <a:p>
-            <a:r>
-              <a:rPr lang="zh-CN" altLang="en-US" sz="2400" dirty="0"/>
-              <a:t>提交作业，并且查看提交作业审批情况</a:t>
+              <a:t>人的数据</a:t>
             </a:r>
             <a:endParaRPr lang="en-US" altLang="zh-CN" sz="2400" dirty="0"/>
           </a:p>
@@ -16437,7 +16316,7 @@
     </p:spTree>
     <p:extLst>
       <p:ext uri="{BB962C8B-B14F-4D97-AF65-F5344CB8AC3E}">
-        <p14:creationId xmlns:p14="http://schemas.microsoft.com/office/powerpoint/2010/main" val="896944419"/>
+        <p14:creationId xmlns:p14="http://schemas.microsoft.com/office/powerpoint/2010/main" val="3859865955"/>
       </p:ext>
     </p:extLst>
   </p:cSld>
@@ -16481,11 +16360,11 @@
           <a:p>
             <a:r>
               <a:rPr lang="en-US" altLang="zh-CN" dirty="0"/>
-              <a:t>5.4 </a:t>
+              <a:t>5.5.1</a:t>
             </a:r>
             <a:r>
               <a:rPr lang="zh-CN" altLang="en-US" dirty="0"/>
-              <a:t>系统功能需求</a:t>
+              <a:t>建立开发项目质量管理责任制</a:t>
             </a:r>
           </a:p>
         </p:txBody>
@@ -16503,40 +16382,21 @@
         <p:spPr/>
         <p:txBody>
           <a:bodyPr>
-            <a:normAutofit/>
+            <a:normAutofit lnSpcReduction="10000"/>
           </a:bodyPr>
           <a:lstStyle/>
           <a:p>
             <a:r>
               <a:rPr lang="zh-CN" altLang="en-US" sz="2400" dirty="0"/>
-              <a:t>具备应对</a:t>
-            </a:r>
-            <a:r>
-              <a:rPr lang="en-US" altLang="zh-CN" sz="2400" dirty="0"/>
-              <a:t>2000</a:t>
-            </a:r>
+              <a:t>项目经理是全权负责人，所有工作的审核，必须经过项目经理确认。</a:t>
+            </a:r>
+            <a:endParaRPr lang="en-US" altLang="zh-CN" sz="2400" dirty="0"/>
+          </a:p>
+          <a:p>
             <a:r>
               <a:rPr lang="zh-CN" altLang="en-US" sz="2400" dirty="0"/>
-              <a:t>人同时访问，提供足够质量的保证</a:t>
-            </a:r>
-            <a:endParaRPr lang="en-US" altLang="zh-CN" sz="2400" dirty="0"/>
-          </a:p>
-          <a:p>
-            <a:r>
-              <a:rPr lang="zh-CN" altLang="en-US" sz="2400" dirty="0"/>
-              <a:t>数据存储能力要足以支撑</a:t>
-            </a:r>
-            <a:r>
-              <a:rPr lang="en-US" altLang="zh-CN" sz="2400" dirty="0"/>
-              <a:t>2000</a:t>
-            </a:r>
-            <a:r>
-              <a:rPr lang="zh-CN" altLang="en-US" sz="2400" dirty="0"/>
-              <a:t>人的数据</a:t>
-            </a:r>
-            <a:endParaRPr lang="en-US" altLang="zh-CN" sz="2400" dirty="0"/>
-          </a:p>
-          <a:p>
+              <a:t>质量经理的职责主要包括了：根据投资人项目开发战略，市场定位目标，负责编制开发项目质量计划，并组织实施；按质量计划规定，跟踪、督促、检查项目质量计划执行情况，特别是主要质量控制点的验证、检查和评审活动；对发现重大的管理方面或技术方面的质量问题，组织研究解决，向项目团队负责人报告；编制项目质量报告，报上级质检部门和项目经理。项目质量经理对质量的监督检查，不能代替项目其它岗位的质量职责，项目各个经理、专业负责人、各部室、各专业人员各自均应完成自己应负的质量责任，项目质量才能有保证。</a:t>
+            </a:r>
             <a:endParaRPr lang="zh-CN" sz="2400" dirty="0"/>
           </a:p>
         </p:txBody>
@@ -16544,7 +16404,7 @@
     </p:spTree>
     <p:extLst>
       <p:ext uri="{BB962C8B-B14F-4D97-AF65-F5344CB8AC3E}">
-        <p14:creationId xmlns:p14="http://schemas.microsoft.com/office/powerpoint/2010/main" val="3859865955"/>
+        <p14:creationId xmlns:p14="http://schemas.microsoft.com/office/powerpoint/2010/main" val="3000847125"/>
       </p:ext>
     </p:extLst>
   </p:cSld>
@@ -16588,94 +16448,6 @@
           <a:p>
             <a:r>
               <a:rPr lang="en-US" altLang="zh-CN" dirty="0"/>
-              <a:t>5.5.1</a:t>
-            </a:r>
-            <a:r>
-              <a:rPr lang="zh-CN" altLang="en-US" dirty="0"/>
-              <a:t>建立开发项目质量管理责任制</a:t>
-            </a:r>
-          </a:p>
-        </p:txBody>
-      </p:sp>
-      <p:sp>
-        <p:nvSpPr>
-          <p:cNvPr id="3" name="矩形 2"/>
-          <p:cNvSpPr>
-            <a:spLocks noGrp="1"/>
-          </p:cNvSpPr>
-          <p:nvPr>
-            <p:ph idx="1"/>
-          </p:nvPr>
-        </p:nvSpPr>
-        <p:spPr/>
-        <p:txBody>
-          <a:bodyPr>
-            <a:normAutofit lnSpcReduction="10000"/>
-          </a:bodyPr>
-          <a:lstStyle/>
-          <a:p>
-            <a:r>
-              <a:rPr lang="zh-CN" altLang="en-US" sz="2400" dirty="0"/>
-              <a:t>项目经理是全权负责人，所有工作的审核，必须经过项目经理确认。</a:t>
-            </a:r>
-            <a:endParaRPr lang="en-US" altLang="zh-CN" sz="2400" dirty="0"/>
-          </a:p>
-          <a:p>
-            <a:r>
-              <a:rPr lang="zh-CN" altLang="en-US" sz="2400" dirty="0"/>
-              <a:t>质量经理的职责主要包括了：根据投资人项目开发战略，市场定位目标，负责编制开发项目质量计划，并组织实施；按质量计划规定，跟踪、督促、检查项目质量计划执行情况，特别是主要质量控制点的验证、检查和评审活动；对发现重大的管理方面或技术方面的质量问题，组织研究解决，向项目团队负责人报告；编制项目质量报告，报上级质检部门和项目经理。项目质量经理对质量的监督检查，不能代替项目其它岗位的质量职责，项目各个经理、专业负责人、各部室、各专业人员各自均应完成自己应负的质量责任，项目质量才能有保证。</a:t>
-            </a:r>
-            <a:endParaRPr lang="zh-CN" sz="2400" dirty="0"/>
-          </a:p>
-        </p:txBody>
-      </p:sp>
-    </p:spTree>
-    <p:extLst>
-      <p:ext uri="{BB962C8B-B14F-4D97-AF65-F5344CB8AC3E}">
-        <p14:creationId xmlns:p14="http://schemas.microsoft.com/office/powerpoint/2010/main" val="3000847125"/>
-      </p:ext>
-    </p:extLst>
-  </p:cSld>
-  <p:clrMapOvr>
-    <a:masterClrMapping/>
-  </p:clrMapOvr>
-</p:sld>
-</file>
-
-<file path=ppt/slides/slide34.xml><?xml version="1.0" encoding="utf-8"?>
-<p:sld xmlns:a="http://schemas.openxmlformats.org/drawingml/2006/main" xmlns:r="http://schemas.openxmlformats.org/officeDocument/2006/relationships" xmlns:p="http://schemas.openxmlformats.org/presentationml/2006/main">
-  <p:cSld>
-    <p:spTree>
-      <p:nvGrpSpPr>
-        <p:cNvPr id="1" name=""/>
-        <p:cNvGrpSpPr/>
-        <p:nvPr/>
-      </p:nvGrpSpPr>
-      <p:grpSpPr>
-        <a:xfrm>
-          <a:off x="0" y="0"/>
-          <a:ext cx="0" cy="0"/>
-          <a:chOff x="0" y="0"/>
-          <a:chExt cx="0" cy="0"/>
-        </a:xfrm>
-      </p:grpSpPr>
-      <p:sp>
-        <p:nvSpPr>
-          <p:cNvPr id="2" name="矩形 1"/>
-          <p:cNvSpPr>
-            <a:spLocks noGrp="1"/>
-          </p:cNvSpPr>
-          <p:nvPr>
-            <p:ph type="title"/>
-          </p:nvPr>
-        </p:nvSpPr>
-        <p:spPr/>
-        <p:txBody>
-          <a:bodyPr/>
-          <a:lstStyle/>
-          <a:p>
-            <a:r>
-              <a:rPr lang="en-US" altLang="zh-CN" dirty="0"/>
               <a:t>5.6.1</a:t>
             </a:r>
             <a:r>
@@ -16728,7 +16500,7 @@
 </p:sld>
 </file>
 
-<file path=ppt/slides/slide35.xml><?xml version="1.0" encoding="utf-8"?>
+<file path=ppt/slides/slide34.xml><?xml version="1.0" encoding="utf-8"?>
 <p:sld xmlns:a="http://schemas.openxmlformats.org/drawingml/2006/main" xmlns:r="http://schemas.openxmlformats.org/officeDocument/2006/relationships" xmlns:p="http://schemas.openxmlformats.org/presentationml/2006/main">
   <p:cSld>
     <p:spTree>
@@ -16813,7 +16585,7 @@
 </p:sld>
 </file>
 
-<file path=ppt/slides/slide36.xml><?xml version="1.0" encoding="utf-8"?>
+<file path=ppt/slides/slide35.xml><?xml version="1.0" encoding="utf-8"?>
 <p:sld xmlns:a="http://schemas.openxmlformats.org/drawingml/2006/main" xmlns:r="http://schemas.openxmlformats.org/officeDocument/2006/relationships" xmlns:p="http://schemas.openxmlformats.org/presentationml/2006/main">
   <p:cSld>
     <p:spTree>
@@ -20013,7 +19785,7 @@
 </p:sld>
 </file>
 
-<file path=ppt/slides/slide37.xml><?xml version="1.0" encoding="utf-8"?>
+<file path=ppt/slides/slide36.xml><?xml version="1.0" encoding="utf-8"?>
 <p:sld xmlns:a="http://schemas.openxmlformats.org/drawingml/2006/main" xmlns:r="http://schemas.openxmlformats.org/officeDocument/2006/relationships" xmlns:p="http://schemas.openxmlformats.org/presentationml/2006/main">
   <p:cSld>
     <p:spTree>
@@ -20821,7 +20593,7 @@
 </p:sld>
 </file>
 
-<file path=ppt/slides/slide38.xml><?xml version="1.0" encoding="utf-8"?>
+<file path=ppt/slides/slide37.xml><?xml version="1.0" encoding="utf-8"?>
 <p:sld xmlns:a="http://schemas.openxmlformats.org/drawingml/2006/main" xmlns:r="http://schemas.openxmlformats.org/officeDocument/2006/relationships" xmlns:p="http://schemas.openxmlformats.org/presentationml/2006/main">
   <p:cSld>
     <p:spTree>
@@ -21019,7 +20791,7 @@
 </p:sld>
 </file>
 
-<file path=ppt/slides/slide39.xml><?xml version="1.0" encoding="utf-8"?>
+<file path=ppt/slides/slide38.xml><?xml version="1.0" encoding="utf-8"?>
 <p:sld xmlns:a="http://schemas.openxmlformats.org/drawingml/2006/main" xmlns:r="http://schemas.openxmlformats.org/officeDocument/2006/relationships" xmlns:p="http://schemas.openxmlformats.org/presentationml/2006/main">
   <p:cSld>
     <p:spTree>
@@ -21944,97 +21716,7 @@
 </p:sld>
 </file>
 
-<file path=ppt/slides/slide4.xml><?xml version="1.0" encoding="utf-8"?>
-<p:sld xmlns:a="http://schemas.openxmlformats.org/drawingml/2006/main" xmlns:r="http://schemas.openxmlformats.org/officeDocument/2006/relationships" xmlns:p="http://schemas.openxmlformats.org/presentationml/2006/main">
-  <p:cSld>
-    <p:spTree>
-      <p:nvGrpSpPr>
-        <p:cNvPr id="1" name=""/>
-        <p:cNvGrpSpPr/>
-        <p:nvPr/>
-      </p:nvGrpSpPr>
-      <p:grpSpPr>
-        <a:xfrm>
-          <a:off x="0" y="0"/>
-          <a:ext cx="0" cy="0"/>
-          <a:chOff x="0" y="0"/>
-          <a:chExt cx="0" cy="0"/>
-        </a:xfrm>
-      </p:grpSpPr>
-      <p:sp>
-        <p:nvSpPr>
-          <p:cNvPr id="2" name="矩形 1"/>
-          <p:cNvSpPr>
-            <a:spLocks noGrp="1"/>
-          </p:cNvSpPr>
-          <p:nvPr>
-            <p:ph type="title"/>
-          </p:nvPr>
-        </p:nvSpPr>
-        <p:spPr/>
-        <p:txBody>
-          <a:bodyPr/>
-          <a:lstStyle/>
-          <a:p>
-            <a:r>
-              <a:rPr lang="en-US" altLang="zh-CN" dirty="0">
-                <a:latin typeface="Microsoft YaHei UI" panose="020B0503020204020204" pitchFamily="34" charset="-122"/>
-                <a:ea typeface="Microsoft YaHei UI" panose="020B0503020204020204" pitchFamily="34" charset="-122"/>
-              </a:rPr>
-              <a:t>1</a:t>
-            </a:r>
-            <a:r>
-              <a:rPr lang="en-US" altLang="zh-CN" dirty="0"/>
-              <a:t>.1</a:t>
-            </a:r>
-            <a:r>
-              <a:rPr lang="zh-CN" altLang="en-US" dirty="0"/>
-              <a:t>编写目的</a:t>
-            </a:r>
-            <a:endParaRPr lang="zh-CN" dirty="0">
-              <a:latin typeface="Microsoft YaHei UI" panose="020B0503020204020204" pitchFamily="34" charset="-122"/>
-              <a:ea typeface="Microsoft YaHei UI" panose="020B0503020204020204" pitchFamily="34" charset="-122"/>
-            </a:endParaRPr>
-          </a:p>
-        </p:txBody>
-      </p:sp>
-      <p:sp>
-        <p:nvSpPr>
-          <p:cNvPr id="3" name="矩形 2"/>
-          <p:cNvSpPr>
-            <a:spLocks noGrp="1"/>
-          </p:cNvSpPr>
-          <p:nvPr>
-            <p:ph idx="1"/>
-          </p:nvPr>
-        </p:nvSpPr>
-        <p:spPr/>
-        <p:txBody>
-          <a:bodyPr>
-            <a:normAutofit/>
-          </a:bodyPr>
-          <a:lstStyle/>
-          <a:p>
-            <a:r>
-              <a:rPr lang="zh-CN" altLang="en-US" sz="2400" dirty="0"/>
-              <a:t>项目管理与软件需求，作为软件工程当中最为重要的组成几个部分，已经引起了业内人士的高度重视。项目管理和需求工程概念的提出，就是为了把软件工程化，以更有效地开发需求，开发软件并实现有效的管理。为了让教师能把最新、最前沿的关于项目管理和需求工程的信息传播给学生，为了让学生能够利用网络得到老师帮助，为了师生之间、同学之间能够充分交流，沟通心得，这个软件工程课程网站系统将提供这样一个教学、学习、交流的平台，为教师和同学服务，也为项目管理、需求工程、统一建模等软件工程化课程的教学方法提供试验基地。</a:t>
-            </a:r>
-            <a:endParaRPr lang="zh-CN" sz="2400" dirty="0">
-              <a:latin typeface="Microsoft YaHei UI" panose="020B0503020204020204" pitchFamily="34" charset="-122"/>
-              <a:ea typeface="Microsoft YaHei UI" panose="020B0503020204020204" pitchFamily="34" charset="-122"/>
-            </a:endParaRPr>
-          </a:p>
-        </p:txBody>
-      </p:sp>
-    </p:spTree>
-  </p:cSld>
-  <p:clrMapOvr>
-    <a:masterClrMapping/>
-  </p:clrMapOvr>
-</p:sld>
-</file>
-
-<file path=ppt/slides/slide40.xml><?xml version="1.0" encoding="utf-8"?>
+<file path=ppt/slides/slide39.xml><?xml version="1.0" encoding="utf-8"?>
 <p:sld xmlns:a="http://schemas.openxmlformats.org/drawingml/2006/main" xmlns:r="http://schemas.openxmlformats.org/officeDocument/2006/relationships" xmlns:p="http://schemas.openxmlformats.org/presentationml/2006/main">
   <p:cSld>
     <p:spTree>
@@ -22122,7 +21804,97 @@
 </p:sld>
 </file>
 
-<file path=ppt/slides/slide41.xml><?xml version="1.0" encoding="utf-8"?>
+<file path=ppt/slides/slide4.xml><?xml version="1.0" encoding="utf-8"?>
+<p:sld xmlns:a="http://schemas.openxmlformats.org/drawingml/2006/main" xmlns:r="http://schemas.openxmlformats.org/officeDocument/2006/relationships" xmlns:p="http://schemas.openxmlformats.org/presentationml/2006/main">
+  <p:cSld>
+    <p:spTree>
+      <p:nvGrpSpPr>
+        <p:cNvPr id="1" name=""/>
+        <p:cNvGrpSpPr/>
+        <p:nvPr/>
+      </p:nvGrpSpPr>
+      <p:grpSpPr>
+        <a:xfrm>
+          <a:off x="0" y="0"/>
+          <a:ext cx="0" cy="0"/>
+          <a:chOff x="0" y="0"/>
+          <a:chExt cx="0" cy="0"/>
+        </a:xfrm>
+      </p:grpSpPr>
+      <p:sp>
+        <p:nvSpPr>
+          <p:cNvPr id="2" name="矩形 1"/>
+          <p:cNvSpPr>
+            <a:spLocks noGrp="1"/>
+          </p:cNvSpPr>
+          <p:nvPr>
+            <p:ph type="title"/>
+          </p:nvPr>
+        </p:nvSpPr>
+        <p:spPr/>
+        <p:txBody>
+          <a:bodyPr/>
+          <a:lstStyle/>
+          <a:p>
+            <a:r>
+              <a:rPr lang="en-US" altLang="zh-CN" dirty="0">
+                <a:latin typeface="Microsoft YaHei UI" panose="020B0503020204020204" pitchFamily="34" charset="-122"/>
+                <a:ea typeface="Microsoft YaHei UI" panose="020B0503020204020204" pitchFamily="34" charset="-122"/>
+              </a:rPr>
+              <a:t>1</a:t>
+            </a:r>
+            <a:r>
+              <a:rPr lang="en-US" altLang="zh-CN" dirty="0"/>
+              <a:t>.1</a:t>
+            </a:r>
+            <a:r>
+              <a:rPr lang="zh-CN" altLang="en-US" dirty="0"/>
+              <a:t>编写目的</a:t>
+            </a:r>
+            <a:endParaRPr lang="zh-CN" dirty="0">
+              <a:latin typeface="Microsoft YaHei UI" panose="020B0503020204020204" pitchFamily="34" charset="-122"/>
+              <a:ea typeface="Microsoft YaHei UI" panose="020B0503020204020204" pitchFamily="34" charset="-122"/>
+            </a:endParaRPr>
+          </a:p>
+        </p:txBody>
+      </p:sp>
+      <p:sp>
+        <p:nvSpPr>
+          <p:cNvPr id="3" name="矩形 2"/>
+          <p:cNvSpPr>
+            <a:spLocks noGrp="1"/>
+          </p:cNvSpPr>
+          <p:nvPr>
+            <p:ph idx="1"/>
+          </p:nvPr>
+        </p:nvSpPr>
+        <p:spPr/>
+        <p:txBody>
+          <a:bodyPr>
+            <a:normAutofit/>
+          </a:bodyPr>
+          <a:lstStyle/>
+          <a:p>
+            <a:r>
+              <a:rPr lang="zh-CN" altLang="en-US" sz="2400" dirty="0"/>
+              <a:t>项目管理与软件需求，作为软件工程当中最为重要的组成几个部分，已经引起了业内人士的高度重视。项目管理和需求工程概念的提出，就是为了把软件工程化，以更有效地开发需求，开发软件并实现有效的管理。为了让教师能把最新、最前沿的关于项目管理和需求工程的信息传播给学生，为了让学生能够利用网络得到老师帮助，为了师生之间、同学之间能够充分交流，沟通心得，这个软件工程课程网站系统将提供这样一个教学、学习、交流的平台，为教师和同学服务，也为项目管理、需求工程、统一建模等软件工程化课程的教学方法提供试验基地。</a:t>
+            </a:r>
+            <a:endParaRPr lang="zh-CN" sz="2400" dirty="0">
+              <a:latin typeface="Microsoft YaHei UI" panose="020B0503020204020204" pitchFamily="34" charset="-122"/>
+              <a:ea typeface="Microsoft YaHei UI" panose="020B0503020204020204" pitchFamily="34" charset="-122"/>
+            </a:endParaRPr>
+          </a:p>
+        </p:txBody>
+      </p:sp>
+    </p:spTree>
+  </p:cSld>
+  <p:clrMapOvr>
+    <a:masterClrMapping/>
+  </p:clrMapOvr>
+</p:sld>
+</file>
+
+<file path=ppt/slides/slide40.xml><?xml version="1.0" encoding="utf-8"?>
 <p:sld xmlns:a="http://schemas.openxmlformats.org/drawingml/2006/main" xmlns:r="http://schemas.openxmlformats.org/officeDocument/2006/relationships" xmlns:p="http://schemas.openxmlformats.org/presentationml/2006/main">
   <p:cSld>
     <p:spTree>
@@ -22688,7 +22460,7 @@
 </p:sld>
 </file>
 
-<file path=ppt/slides/slide42.xml><?xml version="1.0" encoding="utf-8"?>
+<file path=ppt/slides/slide41.xml><?xml version="1.0" encoding="utf-8"?>
 <p:sld xmlns:a="http://schemas.openxmlformats.org/drawingml/2006/main" xmlns:r="http://schemas.openxmlformats.org/officeDocument/2006/relationships" xmlns:p="http://schemas.openxmlformats.org/presentationml/2006/main">
   <p:cSld>
     <p:spTree>
@@ -23293,7 +23065,7 @@
 </p:sld>
 </file>
 
-<file path=ppt/slides/slide43.xml><?xml version="1.0" encoding="utf-8"?>
+<file path=ppt/slides/slide42.xml><?xml version="1.0" encoding="utf-8"?>
 <p:sld xmlns:a="http://schemas.openxmlformats.org/drawingml/2006/main" xmlns:r="http://schemas.openxmlformats.org/officeDocument/2006/relationships" xmlns:p="http://schemas.openxmlformats.org/presentationml/2006/main">
   <p:cSld>
     <p:spTree>
@@ -25110,7 +24882,7 @@
 </p:sld>
 </file>
 
-<file path=ppt/slides/slide44.xml><?xml version="1.0" encoding="utf-8"?>
+<file path=ppt/slides/slide43.xml><?xml version="1.0" encoding="utf-8"?>
 <p:sld xmlns:a="http://schemas.openxmlformats.org/drawingml/2006/main" xmlns:r="http://schemas.openxmlformats.org/officeDocument/2006/relationships" xmlns:p="http://schemas.openxmlformats.org/presentationml/2006/main">
   <p:cSld>
     <p:spTree>
@@ -25549,6 +25321,314 @@
 </p:sld>
 </file>
 
+<file path=ppt/slides/slide44.xml><?xml version="1.0" encoding="utf-8"?>
+<p:sld xmlns:a="http://schemas.openxmlformats.org/drawingml/2006/main" xmlns:r="http://schemas.openxmlformats.org/officeDocument/2006/relationships" xmlns:p="http://schemas.openxmlformats.org/presentationml/2006/main">
+  <p:cSld>
+    <p:spTree>
+      <p:nvGrpSpPr>
+        <p:cNvPr id="1" name=""/>
+        <p:cNvGrpSpPr/>
+        <p:nvPr/>
+      </p:nvGrpSpPr>
+      <p:grpSpPr>
+        <a:xfrm>
+          <a:off x="0" y="0"/>
+          <a:ext cx="0" cy="0"/>
+          <a:chOff x="0" y="0"/>
+          <a:chExt cx="0" cy="0"/>
+        </a:xfrm>
+      </p:grpSpPr>
+      <p:sp>
+        <p:nvSpPr>
+          <p:cNvPr id="2" name="标题 1"/>
+          <p:cNvSpPr>
+            <a:spLocks noGrp="1"/>
+          </p:cNvSpPr>
+          <p:nvPr>
+            <p:ph type="title"/>
+          </p:nvPr>
+        </p:nvSpPr>
+        <p:spPr>
+          <a:xfrm>
+            <a:off x="646111" y="452718"/>
+            <a:ext cx="9404723" cy="1400530"/>
+          </a:xfrm>
+        </p:spPr>
+        <p:txBody>
+          <a:bodyPr/>
+          <a:lstStyle/>
+          <a:p>
+            <a:r>
+              <a:rPr lang="zh-CN" altLang="en-US" dirty="0"/>
+              <a:t>需求风险管理计划</a:t>
+            </a:r>
+          </a:p>
+        </p:txBody>
+      </p:sp>
+      <p:sp>
+        <p:nvSpPr>
+          <p:cNvPr id="3" name="文本框 5"/>
+          <p:cNvSpPr txBox="1"/>
+          <p:nvPr/>
+        </p:nvSpPr>
+        <p:spPr>
+          <a:xfrm>
+            <a:off x="657367" y="1830978"/>
+            <a:ext cx="10877266" cy="3785652"/>
+          </a:xfrm>
+          <a:prstGeom prst="rect">
+            <a:avLst/>
+          </a:prstGeom>
+          <a:noFill/>
+        </p:spPr>
+        <p:txBody>
+          <a:bodyPr wrap="square" rtlCol="0">
+            <a:spAutoFit/>
+          </a:bodyPr>
+          <a:lstStyle/>
+          <a:p>
+            <a:r>
+              <a:rPr lang="en-US" altLang="zh-CN" sz="2000" b="1" dirty="0">
+                <a:solidFill>
+                  <a:schemeClr val="tx1">
+                    <a:lumMod val="50000"/>
+                    <a:lumOff val="50000"/>
+                  </a:schemeClr>
+                </a:solidFill>
+                <a:latin typeface="微软雅黑" panose="020B0503020204020204" pitchFamily="34" charset="-122"/>
+                <a:ea typeface="微软雅黑" panose="020B0503020204020204" pitchFamily="34" charset="-122"/>
+              </a:rPr>
+              <a:t>1</a:t>
+            </a:r>
+            <a:r>
+              <a:rPr lang="zh-CN" altLang="en-US" sz="2000" b="1" dirty="0">
+                <a:solidFill>
+                  <a:schemeClr val="tx1">
+                    <a:lumMod val="50000"/>
+                    <a:lumOff val="50000"/>
+                  </a:schemeClr>
+                </a:solidFill>
+                <a:latin typeface="微软雅黑" panose="020B0503020204020204" pitchFamily="34" charset="-122"/>
+                <a:ea typeface="微软雅黑" panose="020B0503020204020204" pitchFamily="34" charset="-122"/>
+              </a:rPr>
+              <a:t>、在项目早期编写一份包括业务需求在内的前景和范围文档，并将它作为添加新需求和修改现有需求的指导</a:t>
+            </a:r>
+            <a:endParaRPr lang="en-US" altLang="zh-CN" sz="2000" b="1" dirty="0">
+              <a:solidFill>
+                <a:schemeClr val="tx1">
+                  <a:lumMod val="50000"/>
+                  <a:lumOff val="50000"/>
+                </a:schemeClr>
+              </a:solidFill>
+              <a:latin typeface="微软雅黑" panose="020B0503020204020204" pitchFamily="34" charset="-122"/>
+              <a:ea typeface="微软雅黑" panose="020B0503020204020204" pitchFamily="34" charset="-122"/>
+            </a:endParaRPr>
+          </a:p>
+          <a:p>
+            <a:endParaRPr lang="en-US" altLang="zh-CN" sz="2000" b="1" dirty="0">
+              <a:solidFill>
+                <a:schemeClr val="tx1">
+                  <a:lumMod val="50000"/>
+                  <a:lumOff val="50000"/>
+                </a:schemeClr>
+              </a:solidFill>
+              <a:latin typeface="微软雅黑" panose="020B0503020204020204" pitchFamily="34" charset="-122"/>
+              <a:ea typeface="微软雅黑" panose="020B0503020204020204" pitchFamily="34" charset="-122"/>
+            </a:endParaRPr>
+          </a:p>
+          <a:p>
+            <a:r>
+              <a:rPr lang="en-US" altLang="zh-CN" sz="2000" b="1" dirty="0">
+                <a:solidFill>
+                  <a:schemeClr val="tx1">
+                    <a:lumMod val="50000"/>
+                    <a:lumOff val="50000"/>
+                  </a:schemeClr>
+                </a:solidFill>
+                <a:latin typeface="微软雅黑" panose="020B0503020204020204" pitchFamily="34" charset="-122"/>
+                <a:ea typeface="微软雅黑" panose="020B0503020204020204" pitchFamily="34" charset="-122"/>
+              </a:rPr>
+              <a:t>2</a:t>
+            </a:r>
+            <a:r>
+              <a:rPr lang="zh-CN" altLang="en-US" sz="2000" b="1" dirty="0">
+                <a:solidFill>
+                  <a:schemeClr val="tx1">
+                    <a:lumMod val="50000"/>
+                    <a:lumOff val="50000"/>
+                  </a:schemeClr>
+                </a:solidFill>
+                <a:latin typeface="微软雅黑" panose="020B0503020204020204" pitchFamily="34" charset="-122"/>
+                <a:ea typeface="微软雅黑" panose="020B0503020204020204" pitchFamily="34" charset="-122"/>
+              </a:rPr>
+              <a:t>、确定主要客户，并采用产品代言人的方法，保证有足够的客户代表的积极参与，确保由合适的人对需求做出权威性的决策。</a:t>
+            </a:r>
+            <a:endParaRPr lang="en-US" altLang="zh-CN" sz="2000" b="1" dirty="0">
+              <a:solidFill>
+                <a:schemeClr val="tx1">
+                  <a:lumMod val="50000"/>
+                  <a:lumOff val="50000"/>
+                </a:schemeClr>
+              </a:solidFill>
+              <a:latin typeface="微软雅黑" panose="020B0503020204020204" pitchFamily="34" charset="-122"/>
+              <a:ea typeface="微软雅黑" panose="020B0503020204020204" pitchFamily="34" charset="-122"/>
+            </a:endParaRPr>
+          </a:p>
+          <a:p>
+            <a:endParaRPr lang="zh-CN" altLang="en-US" sz="2000" b="1" dirty="0">
+              <a:solidFill>
+                <a:schemeClr val="tx1">
+                  <a:lumMod val="50000"/>
+                  <a:lumOff val="50000"/>
+                </a:schemeClr>
+              </a:solidFill>
+              <a:latin typeface="微软雅黑" panose="020B0503020204020204" pitchFamily="34" charset="-122"/>
+              <a:ea typeface="微软雅黑" panose="020B0503020204020204" pitchFamily="34" charset="-122"/>
+            </a:endParaRPr>
+          </a:p>
+          <a:p>
+            <a:r>
+              <a:rPr lang="en-US" altLang="zh-CN" sz="2000" b="1" dirty="0">
+                <a:solidFill>
+                  <a:schemeClr val="tx1">
+                    <a:lumMod val="50000"/>
+                    <a:lumOff val="50000"/>
+                  </a:schemeClr>
+                </a:solidFill>
+                <a:latin typeface="微软雅黑" panose="020B0503020204020204" pitchFamily="34" charset="-122"/>
+                <a:ea typeface="微软雅黑" panose="020B0503020204020204" pitchFamily="34" charset="-122"/>
+              </a:rPr>
+              <a:t>3</a:t>
+            </a:r>
+            <a:r>
+              <a:rPr lang="zh-CN" altLang="en-US" sz="2000" b="1" dirty="0">
+                <a:solidFill>
+                  <a:schemeClr val="tx1">
+                    <a:lumMod val="50000"/>
+                    <a:lumOff val="50000"/>
+                  </a:schemeClr>
+                </a:solidFill>
+                <a:latin typeface="微软雅黑" panose="020B0503020204020204" pitchFamily="34" charset="-122"/>
+                <a:ea typeface="微软雅黑" panose="020B0503020204020204" pitchFamily="34" charset="-122"/>
+              </a:rPr>
+              <a:t>、尽量识别客户可能做出的任何假设。提出自由回答的问题来鼓励客户分享更多的想法、期望、主意、信息和关注点，而不是我们以其他方式所听到的。</a:t>
+            </a:r>
+            <a:endParaRPr lang="en-US" altLang="zh-CN" sz="2000" b="1" dirty="0">
+              <a:solidFill>
+                <a:schemeClr val="tx1">
+                  <a:lumMod val="50000"/>
+                  <a:lumOff val="50000"/>
+                </a:schemeClr>
+              </a:solidFill>
+              <a:latin typeface="微软雅黑" panose="020B0503020204020204" pitchFamily="34" charset="-122"/>
+              <a:ea typeface="微软雅黑" panose="020B0503020204020204" pitchFamily="34" charset="-122"/>
+            </a:endParaRPr>
+          </a:p>
+          <a:p>
+            <a:endParaRPr lang="zh-CN" altLang="en-US" sz="2000" b="1" dirty="0">
+              <a:solidFill>
+                <a:schemeClr val="tx1">
+                  <a:lumMod val="50000"/>
+                  <a:lumOff val="50000"/>
+                </a:schemeClr>
+              </a:solidFill>
+              <a:latin typeface="微软雅黑" panose="020B0503020204020204" pitchFamily="34" charset="-122"/>
+              <a:ea typeface="微软雅黑" panose="020B0503020204020204" pitchFamily="34" charset="-122"/>
+            </a:endParaRPr>
+          </a:p>
+          <a:p>
+            <a:r>
+              <a:rPr lang="en-US" altLang="zh-CN" sz="2000" b="1" dirty="0">
+                <a:solidFill>
+                  <a:schemeClr val="tx1">
+                    <a:lumMod val="50000"/>
+                    <a:lumOff val="50000"/>
+                  </a:schemeClr>
+                </a:solidFill>
+                <a:latin typeface="微软雅黑" panose="020B0503020204020204" pitchFamily="34" charset="-122"/>
+                <a:ea typeface="微软雅黑" panose="020B0503020204020204" pitchFamily="34" charset="-122"/>
+              </a:rPr>
+              <a:t>5</a:t>
+            </a:r>
+            <a:r>
+              <a:rPr lang="zh-CN" altLang="en-US" sz="2000" b="1" dirty="0">
+                <a:solidFill>
+                  <a:schemeClr val="tx1">
+                    <a:lumMod val="50000"/>
+                    <a:lumOff val="50000"/>
+                  </a:schemeClr>
+                </a:solidFill>
+                <a:latin typeface="微软雅黑" panose="020B0503020204020204" pitchFamily="34" charset="-122"/>
+                <a:ea typeface="微软雅黑" panose="020B0503020204020204" pitchFamily="34" charset="-122"/>
+              </a:rPr>
+              <a:t>、通过逆向工程发现的需求编写成文档，让客户评审这些需求，以确保其正确定和相关性。</a:t>
+            </a:r>
+            <a:endParaRPr lang="en-US" altLang="zh-CN" sz="2000" b="1" dirty="0">
+              <a:solidFill>
+                <a:schemeClr val="tx1">
+                  <a:lumMod val="50000"/>
+                  <a:lumOff val="50000"/>
+                </a:schemeClr>
+              </a:solidFill>
+              <a:latin typeface="微软雅黑" panose="020B0503020204020204" pitchFamily="34" charset="-122"/>
+              <a:ea typeface="微软雅黑" panose="020B0503020204020204" pitchFamily="34" charset="-122"/>
+            </a:endParaRPr>
+          </a:p>
+          <a:p>
+            <a:endParaRPr lang="zh-CN" altLang="en-US" sz="2000" b="1" dirty="0">
+              <a:solidFill>
+                <a:schemeClr val="tx1">
+                  <a:lumMod val="50000"/>
+                  <a:lumOff val="50000"/>
+                </a:schemeClr>
+              </a:solidFill>
+              <a:latin typeface="微软雅黑" panose="020B0503020204020204" pitchFamily="34" charset="-122"/>
+              <a:ea typeface="微软雅黑" panose="020B0503020204020204" pitchFamily="34" charset="-122"/>
+            </a:endParaRPr>
+          </a:p>
+          <a:p>
+            <a:r>
+              <a:rPr lang="en-US" altLang="zh-CN" sz="2000" b="1" dirty="0">
+                <a:solidFill>
+                  <a:schemeClr val="tx1">
+                    <a:lumMod val="50000"/>
+                    <a:lumOff val="50000"/>
+                  </a:schemeClr>
+                </a:solidFill>
+                <a:latin typeface="微软雅黑" panose="020B0503020204020204" pitchFamily="34" charset="-122"/>
+                <a:ea typeface="微软雅黑" panose="020B0503020204020204" pitchFamily="34" charset="-122"/>
+              </a:rPr>
+              <a:t>6</a:t>
+            </a:r>
+            <a:r>
+              <a:rPr lang="zh-CN" altLang="en-US" sz="2000" b="1" dirty="0">
+                <a:solidFill>
+                  <a:schemeClr val="tx1">
+                    <a:lumMod val="50000"/>
+                    <a:lumOff val="50000"/>
+                  </a:schemeClr>
+                </a:solidFill>
+                <a:latin typeface="微软雅黑" panose="020B0503020204020204" pitchFamily="34" charset="-122"/>
+                <a:ea typeface="微软雅黑" panose="020B0503020204020204" pitchFamily="34" charset="-122"/>
+              </a:rPr>
+              <a:t>、分析人员必须提炼出隐藏在客户提出的解决方案背后的真正意图。</a:t>
+            </a:r>
+          </a:p>
+        </p:txBody>
+      </p:sp>
+    </p:spTree>
+    <p:extLst>
+      <p:ext uri="{BB962C8B-B14F-4D97-AF65-F5344CB8AC3E}">
+        <p14:creationId xmlns:p14="http://schemas.microsoft.com/office/powerpoint/2010/main" val="4232247474"/>
+      </p:ext>
+    </p:extLst>
+  </p:cSld>
+  <p:clrMapOvr>
+    <a:masterClrMapping/>
+  </p:clrMapOvr>
+</p:sld>
+</file>
+
 <file path=ppt/slides/slide45.xml><?xml version="1.0" encoding="utf-8"?>
 <p:sld xmlns:a="http://schemas.openxmlformats.org/drawingml/2006/main" xmlns:r="http://schemas.openxmlformats.org/officeDocument/2006/relationships" xmlns:p="http://schemas.openxmlformats.org/presentationml/2006/main">
   <p:cSld>
@@ -25601,8 +25681,8 @@
         </p:nvSpPr>
         <p:spPr>
           <a:xfrm>
-            <a:off x="657367" y="1830978"/>
-            <a:ext cx="10877266" cy="3785652"/>
+            <a:off x="604615" y="1505674"/>
+            <a:ext cx="10877266" cy="3170099"/>
           </a:xfrm>
           <a:prstGeom prst="rect">
             <a:avLst/>
@@ -25639,7 +25719,7 @@
                 <a:latin typeface="微软雅黑" panose="020B0503020204020204" pitchFamily="34" charset="-122"/>
                 <a:ea typeface="微软雅黑" panose="020B0503020204020204" pitchFamily="34" charset="-122"/>
               </a:rPr>
-              <a:t>、在项目早期编写一份包括业务需求在内的前景和范围文档，并将它作为添加新需求和修改现有需求的指导</a:t>
+              <a:t>、要明确你当前软件开发项目面临的一些与需求有关的风险，不要把当前的问题当作风险，一定要是那些还未发生的事情。将风险的因素编写成文档，为每项需求风险推荐至少一种可能的降低风险的方法。</a:t>
             </a:r>
             <a:endParaRPr lang="en-US" altLang="zh-CN" sz="2000" b="1" dirty="0">
               <a:solidFill>
@@ -25689,21 +25769,11 @@
                 <a:latin typeface="微软雅黑" panose="020B0503020204020204" pitchFamily="34" charset="-122"/>
                 <a:ea typeface="微软雅黑" panose="020B0503020204020204" pitchFamily="34" charset="-122"/>
               </a:rPr>
-              <a:t>、确定主要客户，并采用产品代言人的方法，保证有足够的客户代表的积极参与，确保由合适的人对需求做出权威性的决策。</a:t>
-            </a:r>
+              <a:t>、强调市场调研、构建原型并成立客户小组，小组负责今早并经常获取对新产品前景的反馈信息</a:t>
+            </a:r>
+          </a:p>
+          <a:p>
             <a:endParaRPr lang="en-US" altLang="zh-CN" sz="2000" b="1" dirty="0">
-              <a:solidFill>
-                <a:schemeClr val="tx1">
-                  <a:lumMod val="50000"/>
-                  <a:lumOff val="50000"/>
-                </a:schemeClr>
-              </a:solidFill>
-              <a:latin typeface="微软雅黑" panose="020B0503020204020204" pitchFamily="34" charset="-122"/>
-              <a:ea typeface="微软雅黑" panose="020B0503020204020204" pitchFamily="34" charset="-122"/>
-            </a:endParaRPr>
-          </a:p>
-          <a:p>
-            <a:endParaRPr lang="zh-CN" altLang="en-US" sz="2000" b="1" dirty="0">
               <a:solidFill>
                 <a:schemeClr val="tx1">
                   <a:lumMod val="50000"/>
@@ -25739,7 +25809,7 @@
                 <a:latin typeface="微软雅黑" panose="020B0503020204020204" pitchFamily="34" charset="-122"/>
                 <a:ea typeface="微软雅黑" panose="020B0503020204020204" pitchFamily="34" charset="-122"/>
               </a:rPr>
-              <a:t>、尽量识别客户可能做出的任何假设。提出自由回答的问题来鼓励客户分享更多的想法、期望、主意、信息和关注点，而不是我们以其他方式所听到的。</a:t>
+              <a:t>、召集代表开发、市场、客户和管理各方面的涉众召开风险“集体研讨”会议。尽力找出更多与需求有关的风险因素。估计每项风险发生的可能性及其影响。为每项风险安排一个负责人负责实施降低风险的活动。</a:t>
             </a:r>
             <a:endParaRPr lang="en-US" altLang="zh-CN" sz="2000" b="1" dirty="0">
               <a:solidFill>
@@ -25752,102 +25822,12 @@
               <a:ea typeface="微软雅黑" panose="020B0503020204020204" pitchFamily="34" charset="-122"/>
             </a:endParaRPr>
           </a:p>
-          <a:p>
-            <a:endParaRPr lang="zh-CN" altLang="en-US" sz="2000" b="1" dirty="0">
-              <a:solidFill>
-                <a:schemeClr val="tx1">
-                  <a:lumMod val="50000"/>
-                  <a:lumOff val="50000"/>
-                </a:schemeClr>
-              </a:solidFill>
-              <a:latin typeface="微软雅黑" panose="020B0503020204020204" pitchFamily="34" charset="-122"/>
-              <a:ea typeface="微软雅黑" panose="020B0503020204020204" pitchFamily="34" charset="-122"/>
-            </a:endParaRPr>
-          </a:p>
-          <a:p>
-            <a:r>
-              <a:rPr lang="en-US" altLang="zh-CN" sz="2000" b="1" dirty="0">
-                <a:solidFill>
-                  <a:schemeClr val="tx1">
-                    <a:lumMod val="50000"/>
-                    <a:lumOff val="50000"/>
-                  </a:schemeClr>
-                </a:solidFill>
-                <a:latin typeface="微软雅黑" panose="020B0503020204020204" pitchFamily="34" charset="-122"/>
-                <a:ea typeface="微软雅黑" panose="020B0503020204020204" pitchFamily="34" charset="-122"/>
-              </a:rPr>
-              <a:t>5</a:t>
-            </a:r>
-            <a:r>
-              <a:rPr lang="zh-CN" altLang="en-US" sz="2000" b="1" dirty="0">
-                <a:solidFill>
-                  <a:schemeClr val="tx1">
-                    <a:lumMod val="50000"/>
-                    <a:lumOff val="50000"/>
-                  </a:schemeClr>
-                </a:solidFill>
-                <a:latin typeface="微软雅黑" panose="020B0503020204020204" pitchFamily="34" charset="-122"/>
-                <a:ea typeface="微软雅黑" panose="020B0503020204020204" pitchFamily="34" charset="-122"/>
-              </a:rPr>
-              <a:t>、通过逆向工程发现的需求编写成文档，让客户评审这些需求，以确保其正确定和相关性。</a:t>
-            </a:r>
-            <a:endParaRPr lang="en-US" altLang="zh-CN" sz="2000" b="1" dirty="0">
-              <a:solidFill>
-                <a:schemeClr val="tx1">
-                  <a:lumMod val="50000"/>
-                  <a:lumOff val="50000"/>
-                </a:schemeClr>
-              </a:solidFill>
-              <a:latin typeface="微软雅黑" panose="020B0503020204020204" pitchFamily="34" charset="-122"/>
-              <a:ea typeface="微软雅黑" panose="020B0503020204020204" pitchFamily="34" charset="-122"/>
-            </a:endParaRPr>
-          </a:p>
-          <a:p>
-            <a:endParaRPr lang="zh-CN" altLang="en-US" sz="2000" b="1" dirty="0">
-              <a:solidFill>
-                <a:schemeClr val="tx1">
-                  <a:lumMod val="50000"/>
-                  <a:lumOff val="50000"/>
-                </a:schemeClr>
-              </a:solidFill>
-              <a:latin typeface="微软雅黑" panose="020B0503020204020204" pitchFamily="34" charset="-122"/>
-              <a:ea typeface="微软雅黑" panose="020B0503020204020204" pitchFamily="34" charset="-122"/>
-            </a:endParaRPr>
-          </a:p>
-          <a:p>
-            <a:r>
-              <a:rPr lang="en-US" altLang="zh-CN" sz="2000" b="1" dirty="0">
-                <a:solidFill>
-                  <a:schemeClr val="tx1">
-                    <a:lumMod val="50000"/>
-                    <a:lumOff val="50000"/>
-                  </a:schemeClr>
-                </a:solidFill>
-                <a:latin typeface="微软雅黑" panose="020B0503020204020204" pitchFamily="34" charset="-122"/>
-                <a:ea typeface="微软雅黑" panose="020B0503020204020204" pitchFamily="34" charset="-122"/>
-              </a:rPr>
-              <a:t>6</a:t>
-            </a:r>
-            <a:r>
-              <a:rPr lang="zh-CN" altLang="en-US" sz="2000" b="1" dirty="0">
-                <a:solidFill>
-                  <a:schemeClr val="tx1">
-                    <a:lumMod val="50000"/>
-                    <a:lumOff val="50000"/>
-                  </a:schemeClr>
-                </a:solidFill>
-                <a:latin typeface="微软雅黑" panose="020B0503020204020204" pitchFamily="34" charset="-122"/>
-                <a:ea typeface="微软雅黑" panose="020B0503020204020204" pitchFamily="34" charset="-122"/>
-              </a:rPr>
-              <a:t>、分析人员必须提炼出隐藏在客户提出的解决方案背后的真正意图。</a:t>
-            </a:r>
-          </a:p>
         </p:txBody>
       </p:sp>
     </p:spTree>
     <p:extLst>
       <p:ext uri="{BB962C8B-B14F-4D97-AF65-F5344CB8AC3E}">
-        <p14:creationId xmlns:p14="http://schemas.microsoft.com/office/powerpoint/2010/main" val="4232247474"/>
+        <p14:creationId xmlns:p14="http://schemas.microsoft.com/office/powerpoint/2010/main" val="769223940"/>
       </p:ext>
     </p:extLst>
   </p:cSld>
@@ -25886,8 +25866,8 @@
         </p:nvSpPr>
         <p:spPr>
           <a:xfrm>
-            <a:off x="646111" y="452718"/>
-            <a:ext cx="9404723" cy="1400530"/>
+            <a:off x="1574801" y="2033984"/>
+            <a:ext cx="7863113" cy="2690416"/>
           </a:xfrm>
         </p:spPr>
         <p:txBody>
@@ -25895,159 +25875,45 @@
           <a:lstStyle/>
           <a:p>
             <a:r>
-              <a:rPr lang="zh-CN" altLang="en-US" dirty="0"/>
-              <a:t>需求风险管理计划</a:t>
-            </a:r>
-          </a:p>
-        </p:txBody>
-      </p:sp>
-      <p:sp>
-        <p:nvSpPr>
-          <p:cNvPr id="3" name="文本框 5"/>
-          <p:cNvSpPr txBox="1"/>
-          <p:nvPr/>
-        </p:nvSpPr>
-        <p:spPr>
-          <a:xfrm>
-            <a:off x="604615" y="1505674"/>
-            <a:ext cx="10877266" cy="3170099"/>
-          </a:xfrm>
-          <a:prstGeom prst="rect">
-            <a:avLst/>
-          </a:prstGeom>
-          <a:noFill/>
-        </p:spPr>
-        <p:txBody>
-          <a:bodyPr wrap="square" rtlCol="0">
-            <a:spAutoFit/>
-          </a:bodyPr>
-          <a:lstStyle/>
-          <a:p>
-            <a:r>
-              <a:rPr lang="en-US" altLang="zh-CN" sz="2000" b="1" dirty="0">
-                <a:solidFill>
-                  <a:schemeClr val="tx1">
-                    <a:lumMod val="50000"/>
-                    <a:lumOff val="50000"/>
-                  </a:schemeClr>
-                </a:solidFill>
-                <a:latin typeface="微软雅黑" panose="020B0503020204020204" pitchFamily="34" charset="-122"/>
-                <a:ea typeface="微软雅黑" panose="020B0503020204020204" pitchFamily="34" charset="-122"/>
+              <a:rPr lang="zh-CN" altLang="en-US" sz="9600" dirty="0">
+                <a:latin typeface="Microsoft YaHei UI" panose="020B0503020204020204" pitchFamily="34" charset="-122"/>
+                <a:ea typeface="Microsoft YaHei UI" panose="020B0503020204020204" pitchFamily="34" charset="-122"/>
               </a:rPr>
-              <a:t>1</a:t>
-            </a:r>
-            <a:r>
-              <a:rPr lang="zh-CN" altLang="en-US" sz="2000" b="1" dirty="0">
-                <a:solidFill>
-                  <a:schemeClr val="tx1">
-                    <a:lumMod val="50000"/>
-                    <a:lumOff val="50000"/>
-                  </a:schemeClr>
-                </a:solidFill>
-                <a:latin typeface="微软雅黑" panose="020B0503020204020204" pitchFamily="34" charset="-122"/>
-                <a:ea typeface="微软雅黑" panose="020B0503020204020204" pitchFamily="34" charset="-122"/>
+              <a:t>第</a:t>
+            </a:r>
+            <a:r>
+              <a:rPr lang="en-US" altLang="zh-CN" sz="9600" dirty="0">
+                <a:latin typeface="Microsoft YaHei UI" panose="020B0503020204020204" pitchFamily="34" charset="-122"/>
+                <a:ea typeface="Microsoft YaHei UI" panose="020B0503020204020204" pitchFamily="34" charset="-122"/>
               </a:rPr>
-              <a:t>、要明确你当前软件开发项目面临的一些与需求有关的风险，不要把当前的问题当作风险，一定要是那些还未发生的事情。将风险的因素编写成文档，为每项需求风险推荐至少一种可能的降低风险的方法。</a:t>
-            </a:r>
-            <a:endParaRPr lang="en-US" altLang="zh-CN" sz="2000" b="1" dirty="0">
-              <a:solidFill>
-                <a:schemeClr val="tx1">
-                  <a:lumMod val="50000"/>
-                  <a:lumOff val="50000"/>
-                </a:schemeClr>
-              </a:solidFill>
-              <a:latin typeface="微软雅黑" panose="020B0503020204020204" pitchFamily="34" charset="-122"/>
-              <a:ea typeface="微软雅黑" panose="020B0503020204020204" pitchFamily="34" charset="-122"/>
-            </a:endParaRPr>
-          </a:p>
-          <a:p>
-            <a:endParaRPr lang="en-US" altLang="zh-CN" sz="2000" b="1" dirty="0">
-              <a:solidFill>
-                <a:schemeClr val="tx1">
-                  <a:lumMod val="50000"/>
-                  <a:lumOff val="50000"/>
-                </a:schemeClr>
-              </a:solidFill>
-              <a:latin typeface="微软雅黑" panose="020B0503020204020204" pitchFamily="34" charset="-122"/>
-              <a:ea typeface="微软雅黑" panose="020B0503020204020204" pitchFamily="34" charset="-122"/>
-            </a:endParaRPr>
-          </a:p>
-          <a:p>
-            <a:r>
-              <a:rPr lang="en-US" altLang="zh-CN" sz="2000" b="1" dirty="0">
-                <a:solidFill>
-                  <a:schemeClr val="tx1">
-                    <a:lumMod val="50000"/>
-                    <a:lumOff val="50000"/>
-                  </a:schemeClr>
-                </a:solidFill>
-                <a:latin typeface="微软雅黑" panose="020B0503020204020204" pitchFamily="34" charset="-122"/>
-                <a:ea typeface="微软雅黑" panose="020B0503020204020204" pitchFamily="34" charset="-122"/>
+              <a:t>8</a:t>
+            </a:r>
+            <a:r>
+              <a:rPr lang="zh-CN" altLang="en-US" sz="9600" dirty="0">
+                <a:latin typeface="Microsoft YaHei UI" panose="020B0503020204020204" pitchFamily="34" charset="-122"/>
+                <a:ea typeface="Microsoft YaHei UI" panose="020B0503020204020204" pitchFamily="34" charset="-122"/>
               </a:rPr>
-              <a:t>2</a:t>
-            </a:r>
-            <a:r>
-              <a:rPr lang="zh-CN" altLang="en-US" sz="2000" b="1" dirty="0">
-                <a:solidFill>
-                  <a:schemeClr val="tx1">
-                    <a:lumMod val="50000"/>
-                    <a:lumOff val="50000"/>
-                  </a:schemeClr>
-                </a:solidFill>
-                <a:latin typeface="微软雅黑" panose="020B0503020204020204" pitchFamily="34" charset="-122"/>
-                <a:ea typeface="微软雅黑" panose="020B0503020204020204" pitchFamily="34" charset="-122"/>
+              <a:t>章 </a:t>
+            </a:r>
+            <a:br>
+              <a:rPr lang="en-US" altLang="zh-CN" sz="9600" dirty="0">
+                <a:latin typeface="Microsoft YaHei UI" panose="020B0503020204020204" pitchFamily="34" charset="-122"/>
+                <a:ea typeface="Microsoft YaHei UI" panose="020B0503020204020204" pitchFamily="34" charset="-122"/>
               </a:rPr>
-              <a:t>、强调市场调研、构建原型并成立客户小组，小组负责今早并经常获取对新产品前景的反馈信息</a:t>
-            </a:r>
-          </a:p>
-          <a:p>
-            <a:endParaRPr lang="en-US" altLang="zh-CN" sz="2000" b="1" dirty="0">
-              <a:solidFill>
-                <a:schemeClr val="tx1">
-                  <a:lumMod val="50000"/>
-                  <a:lumOff val="50000"/>
-                </a:schemeClr>
-              </a:solidFill>
-              <a:latin typeface="微软雅黑" panose="020B0503020204020204" pitchFamily="34" charset="-122"/>
-              <a:ea typeface="微软雅黑" panose="020B0503020204020204" pitchFamily="34" charset="-122"/>
-            </a:endParaRPr>
-          </a:p>
-          <a:p>
-            <a:r>
-              <a:rPr lang="en-US" altLang="zh-CN" sz="2000" b="1" dirty="0">
-                <a:solidFill>
-                  <a:schemeClr val="tx1">
-                    <a:lumMod val="50000"/>
-                    <a:lumOff val="50000"/>
-                  </a:schemeClr>
-                </a:solidFill>
-                <a:latin typeface="微软雅黑" panose="020B0503020204020204" pitchFamily="34" charset="-122"/>
-                <a:ea typeface="微软雅黑" panose="020B0503020204020204" pitchFamily="34" charset="-122"/>
+            </a:br>
+            <a:r>
+              <a:rPr lang="zh-CN" altLang="en-US" sz="9600" dirty="0">
+                <a:latin typeface="Microsoft YaHei UI" panose="020B0503020204020204" pitchFamily="34" charset="-122"/>
+                <a:ea typeface="Microsoft YaHei UI" panose="020B0503020204020204" pitchFamily="34" charset="-122"/>
               </a:rPr>
-              <a:t>3</a:t>
-            </a:r>
-            <a:r>
-              <a:rPr lang="zh-CN" altLang="en-US" sz="2000" b="1" dirty="0">
-                <a:solidFill>
-                  <a:schemeClr val="tx1">
-                    <a:lumMod val="50000"/>
-                    <a:lumOff val="50000"/>
-                  </a:schemeClr>
-                </a:solidFill>
-                <a:latin typeface="微软雅黑" panose="020B0503020204020204" pitchFamily="34" charset="-122"/>
-                <a:ea typeface="微软雅黑" panose="020B0503020204020204" pitchFamily="34" charset="-122"/>
-              </a:rPr>
-              <a:t>、召集代表开发、市场、客户和管理各方面的涉众召开风险“集体研讨”会议。尽力找出更多与需求有关的风险因素。估计每项风险发生的可能性及其影响。为每项风险安排一个负责人负责实施降低风险的活动。</a:t>
-            </a:r>
-            <a:endParaRPr lang="en-US" altLang="zh-CN" sz="2000" b="1" dirty="0">
-              <a:solidFill>
-                <a:schemeClr val="tx1">
-                  <a:lumMod val="50000"/>
-                  <a:lumOff val="50000"/>
-                </a:schemeClr>
-              </a:solidFill>
-              <a:latin typeface="微软雅黑" panose="020B0503020204020204" pitchFamily="34" charset="-122"/>
-              <a:ea typeface="微软雅黑" panose="020B0503020204020204" pitchFamily="34" charset="-122"/>
+              <a:t>配置系统管理指南</a:t>
+            </a:r>
+            <a:br>
+              <a:rPr lang="zh-CN" altLang="en-US" sz="9600" dirty="0"/>
+            </a:br>
+            <a:endParaRPr lang="zh-CN" sz="9600" dirty="0">
+              <a:latin typeface="Microsoft YaHei UI" panose="020B0503020204020204" pitchFamily="34" charset="-122"/>
+              <a:ea typeface="Microsoft YaHei UI" panose="020B0503020204020204" pitchFamily="34" charset="-122"/>
             </a:endParaRPr>
           </a:p>
         </p:txBody>
@@ -26055,7 +25921,7 @@
     </p:spTree>
     <p:extLst>
       <p:ext uri="{BB962C8B-B14F-4D97-AF65-F5344CB8AC3E}">
-        <p14:creationId xmlns:p14="http://schemas.microsoft.com/office/powerpoint/2010/main" val="769223940"/>
+        <p14:creationId xmlns:p14="http://schemas.microsoft.com/office/powerpoint/2010/main" val="2699523067"/>
       </p:ext>
     </p:extLst>
   </p:cSld>
@@ -26094,8 +25960,8 @@
         </p:nvSpPr>
         <p:spPr>
           <a:xfrm>
-            <a:off x="1574801" y="2033984"/>
-            <a:ext cx="7863113" cy="2690416"/>
+            <a:off x="646111" y="452718"/>
+            <a:ext cx="9404723" cy="1400530"/>
           </a:xfrm>
         </p:spPr>
         <p:txBody>
@@ -26103,45 +25969,108 @@
           <a:lstStyle/>
           <a:p>
             <a:r>
-              <a:rPr lang="zh-CN" altLang="en-US" sz="9600" dirty="0">
-                <a:latin typeface="Microsoft YaHei UI" panose="020B0503020204020204" pitchFamily="34" charset="-122"/>
-                <a:ea typeface="Microsoft YaHei UI" panose="020B0503020204020204" pitchFamily="34" charset="-122"/>
+              <a:rPr lang="zh-CN" altLang="en-US" dirty="0"/>
+              <a:t>配置标志</a:t>
+            </a:r>
+          </a:p>
+        </p:txBody>
+      </p:sp>
+      <p:sp>
+        <p:nvSpPr>
+          <p:cNvPr id="3" name="文本框 5"/>
+          <p:cNvSpPr txBox="1"/>
+          <p:nvPr/>
+        </p:nvSpPr>
+        <p:spPr>
+          <a:xfrm>
+            <a:off x="604615" y="2296962"/>
+            <a:ext cx="10877266" cy="707886"/>
+          </a:xfrm>
+          <a:prstGeom prst="rect">
+            <a:avLst/>
+          </a:prstGeom>
+          <a:noFill/>
+        </p:spPr>
+        <p:txBody>
+          <a:bodyPr wrap="square" rtlCol="0">
+            <a:spAutoFit/>
+          </a:bodyPr>
+          <a:lstStyle/>
+          <a:p>
+            <a:r>
+              <a:rPr lang="zh-CN" altLang="en-US" sz="2000" b="1" dirty="0">
+                <a:solidFill>
+                  <a:schemeClr val="tx1">
+                    <a:lumMod val="50000"/>
+                    <a:lumOff val="50000"/>
+                  </a:schemeClr>
+                </a:solidFill>
+                <a:latin typeface="微软雅黑" panose="020B0503020204020204" pitchFamily="34" charset="-122"/>
+                <a:ea typeface="微软雅黑" panose="020B0503020204020204" pitchFamily="34" charset="-122"/>
               </a:rPr>
-              <a:t>第</a:t>
-            </a:r>
-            <a:r>
-              <a:rPr lang="en-US" altLang="zh-CN" sz="9600" dirty="0">
-                <a:latin typeface="Microsoft YaHei UI" panose="020B0503020204020204" pitchFamily="34" charset="-122"/>
-                <a:ea typeface="Microsoft YaHei UI" panose="020B0503020204020204" pitchFamily="34" charset="-122"/>
+              <a:t>软件项的标识基本按照</a:t>
+            </a:r>
+            <a:r>
+              <a:rPr lang="en-US" altLang="zh-CN" sz="2000" b="1" dirty="0">
+                <a:solidFill>
+                  <a:schemeClr val="tx1">
+                    <a:lumMod val="50000"/>
+                    <a:lumOff val="50000"/>
+                  </a:schemeClr>
+                </a:solidFill>
+                <a:latin typeface="微软雅黑" panose="020B0503020204020204" pitchFamily="34" charset="-122"/>
+                <a:ea typeface="微软雅黑" panose="020B0503020204020204" pitchFamily="34" charset="-122"/>
               </a:rPr>
-              <a:t>8</a:t>
-            </a:r>
-            <a:r>
-              <a:rPr lang="zh-CN" altLang="en-US" sz="9600" dirty="0">
-                <a:latin typeface="Microsoft YaHei UI" panose="020B0503020204020204" pitchFamily="34" charset="-122"/>
-                <a:ea typeface="Microsoft YaHei UI" panose="020B0503020204020204" pitchFamily="34" charset="-122"/>
+              <a:t>《</a:t>
+            </a:r>
+            <a:r>
+              <a:rPr lang="zh-CN" altLang="en-US" sz="2000" b="1" dirty="0">
+                <a:solidFill>
+                  <a:schemeClr val="tx1">
+                    <a:lumMod val="50000"/>
+                    <a:lumOff val="50000"/>
+                  </a:schemeClr>
+                </a:solidFill>
+                <a:latin typeface="微软雅黑" panose="020B0503020204020204" pitchFamily="34" charset="-122"/>
+                <a:ea typeface="微软雅黑" panose="020B0503020204020204" pitchFamily="34" charset="-122"/>
               </a:rPr>
-              <a:t>章 </a:t>
-            </a:r>
-            <a:br>
-              <a:rPr lang="en-US" altLang="zh-CN" sz="9600" dirty="0">
-                <a:latin typeface="Microsoft YaHei UI" panose="020B0503020204020204" pitchFamily="34" charset="-122"/>
-                <a:ea typeface="Microsoft YaHei UI" panose="020B0503020204020204" pitchFamily="34" charset="-122"/>
+              <a:t>软件配置标识命名规则</a:t>
+            </a:r>
+            <a:r>
+              <a:rPr lang="en-US" altLang="zh-CN" sz="2000" b="1" dirty="0">
+                <a:solidFill>
+                  <a:schemeClr val="tx1">
+                    <a:lumMod val="50000"/>
+                    <a:lumOff val="50000"/>
+                  </a:schemeClr>
+                </a:solidFill>
+                <a:latin typeface="微软雅黑" panose="020B0503020204020204" pitchFamily="34" charset="-122"/>
+                <a:ea typeface="微软雅黑" panose="020B0503020204020204" pitchFamily="34" charset="-122"/>
               </a:rPr>
-            </a:br>
-            <a:r>
-              <a:rPr lang="zh-CN" altLang="en-US" sz="9600" dirty="0">
-                <a:latin typeface="Microsoft YaHei UI" panose="020B0503020204020204" pitchFamily="34" charset="-122"/>
-                <a:ea typeface="Microsoft YaHei UI" panose="020B0503020204020204" pitchFamily="34" charset="-122"/>
+              <a:t>》</a:t>
+            </a:r>
+            <a:r>
+              <a:rPr lang="zh-CN" altLang="en-US" sz="2000" b="1" dirty="0">
+                <a:solidFill>
+                  <a:schemeClr val="tx1">
+                    <a:lumMod val="50000"/>
+                    <a:lumOff val="50000"/>
+                  </a:schemeClr>
+                </a:solidFill>
+                <a:latin typeface="微软雅黑" panose="020B0503020204020204" pitchFamily="34" charset="-122"/>
+                <a:ea typeface="微软雅黑" panose="020B0503020204020204" pitchFamily="34" charset="-122"/>
               </a:rPr>
-              <a:t>配置系统管理指南</a:t>
-            </a:r>
-            <a:br>
-              <a:rPr lang="zh-CN" altLang="en-US" sz="9600" dirty="0"/>
-            </a:br>
-            <a:endParaRPr lang="zh-CN" sz="9600" dirty="0">
-              <a:latin typeface="Microsoft YaHei UI" panose="020B0503020204020204" pitchFamily="34" charset="-122"/>
-              <a:ea typeface="Microsoft YaHei UI" panose="020B0503020204020204" pitchFamily="34" charset="-122"/>
+              <a:t>进行。要通过标识能够确定软件项之间的相互联系。</a:t>
+            </a:r>
+            <a:endParaRPr lang="en-US" altLang="zh-CN" sz="2000" b="1" dirty="0">
+              <a:solidFill>
+                <a:schemeClr val="tx1">
+                  <a:lumMod val="50000"/>
+                  <a:lumOff val="50000"/>
+                </a:schemeClr>
+              </a:solidFill>
+              <a:latin typeface="微软雅黑" panose="020B0503020204020204" pitchFamily="34" charset="-122"/>
+              <a:ea typeface="微软雅黑" panose="020B0503020204020204" pitchFamily="34" charset="-122"/>
             </a:endParaRPr>
           </a:p>
         </p:txBody>
@@ -26149,7 +26078,7 @@
     </p:spTree>
     <p:extLst>
       <p:ext uri="{BB962C8B-B14F-4D97-AF65-F5344CB8AC3E}">
-        <p14:creationId xmlns:p14="http://schemas.microsoft.com/office/powerpoint/2010/main" val="2699523067"/>
+        <p14:creationId xmlns:p14="http://schemas.microsoft.com/office/powerpoint/2010/main" val="404462160"/>
       </p:ext>
     </p:extLst>
   </p:cSld>
@@ -26198,7 +26127,7 @@
           <a:p>
             <a:r>
               <a:rPr lang="zh-CN" altLang="en-US" dirty="0"/>
-              <a:t>配置标志</a:t>
+              <a:t>版本管理</a:t>
             </a:r>
           </a:p>
         </p:txBody>
@@ -26211,8 +26140,8 @@
         </p:nvSpPr>
         <p:spPr>
           <a:xfrm>
-            <a:off x="604615" y="2296962"/>
-            <a:ext cx="10877266" cy="707886"/>
+            <a:off x="604615" y="1505674"/>
+            <a:ext cx="10877266" cy="4401205"/>
           </a:xfrm>
           <a:prstGeom prst="rect">
             <a:avLst/>
@@ -26226,6 +26155,19 @@
           <a:lstStyle/>
           <a:p>
             <a:r>
+              <a:rPr lang="en-US" altLang="zh-CN" sz="2000" b="1" dirty="0">
+                <a:solidFill>
+                  <a:schemeClr val="tx1">
+                    <a:lumMod val="50000"/>
+                    <a:lumOff val="50000"/>
+                  </a:schemeClr>
+                </a:solidFill>
+                <a:latin typeface="微软雅黑" panose="020B0503020204020204" pitchFamily="34" charset="-122"/>
+                <a:ea typeface="微软雅黑" panose="020B0503020204020204" pitchFamily="34" charset="-122"/>
+              </a:rPr>
+              <a:t>1.</a:t>
+            </a:r>
+            <a:r>
               <a:rPr lang="zh-CN" altLang="en-US" sz="2000" b="1" dirty="0">
                 <a:solidFill>
                   <a:schemeClr val="tx1">
@@ -26236,8 +26178,10 @@
                 <a:latin typeface="微软雅黑" panose="020B0503020204020204" pitchFamily="34" charset="-122"/>
                 <a:ea typeface="微软雅黑" panose="020B0503020204020204" pitchFamily="34" charset="-122"/>
               </a:rPr>
-              <a:t>软件项的标识基本按照</a:t>
-            </a:r>
+              <a:t>首先在服务器上建立一个目录，作为项目配置数据库。在此目录下按照每个项目组建一个分目录，项目组代码及项目组名构成目录名，然后在此项目组目录下按照所属每个项目建一个子目录，同一项目的开发文档存放在一个目录下，项目编号紧跟项目名就是目录名。在一个项目分目录下可按非受控文档与受控文档建立一级次目录，然后在一级次目录下按文档的不同类型建立二级次目录，使得所有开发文档能分门别类的组织存放，便于查询。目录结构可见下图的示例。</a:t>
+            </a:r>
+          </a:p>
+          <a:p>
             <a:r>
               <a:rPr lang="en-US" altLang="zh-CN" sz="2000" b="1" dirty="0">
                 <a:solidFill>
@@ -26249,7 +26193,7 @@
                 <a:latin typeface="微软雅黑" panose="020B0503020204020204" pitchFamily="34" charset="-122"/>
                 <a:ea typeface="微软雅黑" panose="020B0503020204020204" pitchFamily="34" charset="-122"/>
               </a:rPr>
-              <a:t>《</a:t>
+              <a:t>2.</a:t>
             </a:r>
             <a:r>
               <a:rPr lang="zh-CN" altLang="en-US" sz="2000" b="1" dirty="0">
@@ -26262,7 +26206,7 @@
                 <a:latin typeface="微软雅黑" panose="020B0503020204020204" pitchFamily="34" charset="-122"/>
                 <a:ea typeface="微软雅黑" panose="020B0503020204020204" pitchFamily="34" charset="-122"/>
               </a:rPr>
-              <a:t>软件配置标识命名规则</a:t>
+              <a:t>项目子目录的受控文档一般只有项目经理和属于该项目的开发人员和配置管理员能够访问到。配置管理员负责分配访问权限，一般项目经理对该目录具有较大的权限</a:t>
             </a:r>
             <a:r>
               <a:rPr lang="en-US" altLang="zh-CN" sz="2000" b="1" dirty="0">
@@ -26275,7 +26219,7 @@
                 <a:latin typeface="微软雅黑" panose="020B0503020204020204" pitchFamily="34" charset="-122"/>
                 <a:ea typeface="微软雅黑" panose="020B0503020204020204" pitchFamily="34" charset="-122"/>
               </a:rPr>
-              <a:t>》</a:t>
+              <a:t>——</a:t>
             </a:r>
             <a:r>
               <a:rPr lang="zh-CN" altLang="en-US" sz="2000" b="1" dirty="0">
@@ -26288,25 +26232,177 @@
                 <a:latin typeface="微软雅黑" panose="020B0503020204020204" pitchFamily="34" charset="-122"/>
                 <a:ea typeface="微软雅黑" panose="020B0503020204020204" pitchFamily="34" charset="-122"/>
               </a:rPr>
-              <a:t>进行。要通过标识能够确定软件项之间的相互联系。</a:t>
-            </a:r>
-            <a:endParaRPr lang="en-US" altLang="zh-CN" sz="2000" b="1" dirty="0">
-              <a:solidFill>
-                <a:schemeClr val="tx1">
-                  <a:lumMod val="50000"/>
-                  <a:lumOff val="50000"/>
-                </a:schemeClr>
-              </a:solidFill>
-              <a:latin typeface="微软雅黑" panose="020B0503020204020204" pitchFamily="34" charset="-122"/>
-              <a:ea typeface="微软雅黑" panose="020B0503020204020204" pitchFamily="34" charset="-122"/>
-            </a:endParaRPr>
+              <a:t>读取、添加和更改；一般开发人员只有读取的权限。</a:t>
+            </a:r>
+          </a:p>
+          <a:p>
+            <a:r>
+              <a:rPr lang="en-US" altLang="zh-CN" sz="2000" b="1" dirty="0">
+                <a:solidFill>
+                  <a:schemeClr val="tx1">
+                    <a:lumMod val="50000"/>
+                    <a:lumOff val="50000"/>
+                  </a:schemeClr>
+                </a:solidFill>
+                <a:latin typeface="微软雅黑" panose="020B0503020204020204" pitchFamily="34" charset="-122"/>
+                <a:ea typeface="微软雅黑" panose="020B0503020204020204" pitchFamily="34" charset="-122"/>
+              </a:rPr>
+              <a:t>3.</a:t>
+            </a:r>
+            <a:r>
+              <a:rPr lang="zh-CN" altLang="en-US" sz="2000" b="1" dirty="0">
+                <a:solidFill>
+                  <a:schemeClr val="tx1">
+                    <a:lumMod val="50000"/>
+                    <a:lumOff val="50000"/>
+                  </a:schemeClr>
+                </a:solidFill>
+                <a:latin typeface="微软雅黑" panose="020B0503020204020204" pitchFamily="34" charset="-122"/>
+                <a:ea typeface="微软雅黑" panose="020B0503020204020204" pitchFamily="34" charset="-122"/>
+              </a:rPr>
+              <a:t>在项目开发的某一阶段结束时，通过了该阶段评审的这些开发文档交配置管理员保存到项目数据库，做为正式版本的第一版</a:t>
+            </a:r>
+            <a:r>
+              <a:rPr lang="en-US" altLang="zh-CN" sz="2000" b="1" dirty="0">
+                <a:solidFill>
+                  <a:schemeClr val="tx1">
+                    <a:lumMod val="50000"/>
+                    <a:lumOff val="50000"/>
+                  </a:schemeClr>
+                </a:solidFill>
+                <a:latin typeface="微软雅黑" panose="020B0503020204020204" pitchFamily="34" charset="-122"/>
+                <a:ea typeface="微软雅黑" panose="020B0503020204020204" pitchFamily="34" charset="-122"/>
+              </a:rPr>
+              <a:t>——1.0</a:t>
+            </a:r>
+            <a:r>
+              <a:rPr lang="zh-CN" altLang="en-US" sz="2000" b="1" dirty="0">
+                <a:solidFill>
+                  <a:schemeClr val="tx1">
+                    <a:lumMod val="50000"/>
+                    <a:lumOff val="50000"/>
+                  </a:schemeClr>
+                </a:solidFill>
+                <a:latin typeface="微软雅黑" panose="020B0503020204020204" pitchFamily="34" charset="-122"/>
+                <a:ea typeface="微软雅黑" panose="020B0503020204020204" pitchFamily="34" charset="-122"/>
+              </a:rPr>
+              <a:t>版本。</a:t>
+            </a:r>
+          </a:p>
+          <a:p>
+            <a:r>
+              <a:rPr lang="en-US" altLang="zh-CN" sz="2000" b="1" dirty="0">
+                <a:solidFill>
+                  <a:schemeClr val="tx1">
+                    <a:lumMod val="50000"/>
+                    <a:lumOff val="50000"/>
+                  </a:schemeClr>
+                </a:solidFill>
+                <a:latin typeface="微软雅黑" panose="020B0503020204020204" pitchFamily="34" charset="-122"/>
+                <a:ea typeface="微软雅黑" panose="020B0503020204020204" pitchFamily="34" charset="-122"/>
+              </a:rPr>
+              <a:t>4.</a:t>
+            </a:r>
+            <a:r>
+              <a:rPr lang="zh-CN" altLang="en-US" sz="2000" b="1" dirty="0">
+                <a:solidFill>
+                  <a:schemeClr val="tx1">
+                    <a:lumMod val="50000"/>
+                    <a:lumOff val="50000"/>
+                  </a:schemeClr>
+                </a:solidFill>
+                <a:latin typeface="微软雅黑" panose="020B0503020204020204" pitchFamily="34" charset="-122"/>
+                <a:ea typeface="微软雅黑" panose="020B0503020204020204" pitchFamily="34" charset="-122"/>
+              </a:rPr>
+              <a:t>在以后的开发中，如果软件需要修改，那修改后的软件可用多级编号来表示新版本</a:t>
+            </a:r>
+            <a:r>
+              <a:rPr lang="en-US" altLang="zh-CN" sz="2000" b="1" dirty="0">
+                <a:solidFill>
+                  <a:schemeClr val="tx1">
+                    <a:lumMod val="50000"/>
+                    <a:lumOff val="50000"/>
+                  </a:schemeClr>
+                </a:solidFill>
+                <a:latin typeface="微软雅黑" panose="020B0503020204020204" pitchFamily="34" charset="-122"/>
+                <a:ea typeface="微软雅黑" panose="020B0503020204020204" pitchFamily="34" charset="-122"/>
+              </a:rPr>
+              <a:t>——1.1</a:t>
+            </a:r>
+            <a:r>
+              <a:rPr lang="zh-CN" altLang="en-US" sz="2000" b="1" dirty="0">
+                <a:solidFill>
+                  <a:schemeClr val="tx1">
+                    <a:lumMod val="50000"/>
+                    <a:lumOff val="50000"/>
+                  </a:schemeClr>
+                </a:solidFill>
+                <a:latin typeface="微软雅黑" panose="020B0503020204020204" pitchFamily="34" charset="-122"/>
+                <a:ea typeface="微软雅黑" panose="020B0503020204020204" pitchFamily="34" charset="-122"/>
+              </a:rPr>
+              <a:t>、</a:t>
+            </a:r>
+            <a:r>
+              <a:rPr lang="en-US" altLang="zh-CN" sz="2000" b="1" dirty="0">
+                <a:solidFill>
+                  <a:schemeClr val="tx1">
+                    <a:lumMod val="50000"/>
+                    <a:lumOff val="50000"/>
+                  </a:schemeClr>
+                </a:solidFill>
+                <a:latin typeface="微软雅黑" panose="020B0503020204020204" pitchFamily="34" charset="-122"/>
+                <a:ea typeface="微软雅黑" panose="020B0503020204020204" pitchFamily="34" charset="-122"/>
+              </a:rPr>
+              <a:t>1.2</a:t>
+            </a:r>
+            <a:r>
+              <a:rPr lang="zh-CN" altLang="en-US" sz="2000" b="1" dirty="0">
+                <a:solidFill>
+                  <a:schemeClr val="tx1">
+                    <a:lumMod val="50000"/>
+                    <a:lumOff val="50000"/>
+                  </a:schemeClr>
+                </a:solidFill>
+                <a:latin typeface="微软雅黑" panose="020B0503020204020204" pitchFamily="34" charset="-122"/>
+                <a:ea typeface="微软雅黑" panose="020B0503020204020204" pitchFamily="34" charset="-122"/>
+              </a:rPr>
+              <a:t>等加以区别标识。</a:t>
+            </a:r>
+          </a:p>
+          <a:p>
+            <a:r>
+              <a:rPr lang="en-US" altLang="zh-CN" sz="2000" b="1" dirty="0">
+                <a:solidFill>
+                  <a:schemeClr val="tx1">
+                    <a:lumMod val="50000"/>
+                    <a:lumOff val="50000"/>
+                  </a:schemeClr>
+                </a:solidFill>
+                <a:latin typeface="微软雅黑" panose="020B0503020204020204" pitchFamily="34" charset="-122"/>
+                <a:ea typeface="微软雅黑" panose="020B0503020204020204" pitchFamily="34" charset="-122"/>
+              </a:rPr>
+              <a:t>5.</a:t>
+            </a:r>
+            <a:r>
+              <a:rPr lang="zh-CN" altLang="en-US" sz="2000" b="1" dirty="0">
+                <a:solidFill>
+                  <a:schemeClr val="tx1">
+                    <a:lumMod val="50000"/>
+                    <a:lumOff val="50000"/>
+                  </a:schemeClr>
+                </a:solidFill>
+                <a:latin typeface="微软雅黑" panose="020B0503020204020204" pitchFamily="34" charset="-122"/>
+                <a:ea typeface="微软雅黑" panose="020B0503020204020204" pitchFamily="34" charset="-122"/>
+              </a:rPr>
+              <a:t>在各个评审阶段产生的所有评审报告和修改报告都要进行编号保存，编号与相应文档的编号要对应。</a:t>
+            </a:r>
           </a:p>
         </p:txBody>
       </p:sp>
     </p:spTree>
     <p:extLst>
       <p:ext uri="{BB962C8B-B14F-4D97-AF65-F5344CB8AC3E}">
-        <p14:creationId xmlns:p14="http://schemas.microsoft.com/office/powerpoint/2010/main" val="404462160"/>
+        <p14:creationId xmlns:p14="http://schemas.microsoft.com/office/powerpoint/2010/main" val="1955698181"/>
       </p:ext>
     </p:extLst>
   </p:cSld>
@@ -26355,8 +26451,16 @@
           <a:p>
             <a:r>
               <a:rPr lang="zh-CN" altLang="en-US" dirty="0"/>
-              <a:t>版本管理</a:t>
-            </a:r>
+              <a:t>变更控制</a:t>
+            </a:r>
+            <a:br>
+              <a:rPr lang="en-US" altLang="zh-CN" dirty="0"/>
+            </a:br>
+            <a:r>
+              <a:rPr lang="zh-CN" altLang="zh-CN" sz="2400" dirty="0"/>
+              <a:t>微小改正时的变更控制</a:t>
+            </a:r>
+            <a:endParaRPr lang="zh-CN" altLang="en-US" dirty="0"/>
           </a:p>
         </p:txBody>
       </p:sp>
@@ -26368,8 +26472,8 @@
         </p:nvSpPr>
         <p:spPr>
           <a:xfrm>
-            <a:off x="604615" y="1505674"/>
-            <a:ext cx="10877266" cy="4401205"/>
+            <a:off x="604615" y="1707890"/>
+            <a:ext cx="10877266" cy="3785652"/>
           </a:xfrm>
           <a:prstGeom prst="rect">
             <a:avLst/>
@@ -26406,8 +26510,134 @@
                 <a:latin typeface="微软雅黑" panose="020B0503020204020204" pitchFamily="34" charset="-122"/>
                 <a:ea typeface="微软雅黑" panose="020B0503020204020204" pitchFamily="34" charset="-122"/>
               </a:rPr>
-              <a:t>首先在服务器上建立一个目录，作为项目配置数据库。在此目录下按照每个项目组建一个分目录，项目组代码及项目组名构成目录名，然后在此项目组目录下按照所属每个项目建一个子目录，同一项目的开发文档存放在一个目录下，项目编号紧跟项目名就是目录名。在一个项目分目录下可按非受控文档与受控文档建立一级次目录，然后在一级次目录下按文档的不同类型建立二级次目录，使得所有开发文档能分门别类的组织存放，便于查询。目录结构可见下图的示例。</a:t>
-            </a:r>
+              <a:t>在评审或测试后发现的问题由评审组组长或项目经理形成</a:t>
+            </a:r>
+            <a:r>
+              <a:rPr lang="en-US" altLang="zh-CN" sz="2000" b="1" dirty="0">
+                <a:solidFill>
+                  <a:schemeClr val="tx1">
+                    <a:lumMod val="50000"/>
+                    <a:lumOff val="50000"/>
+                  </a:schemeClr>
+                </a:solidFill>
+                <a:latin typeface="微软雅黑" panose="020B0503020204020204" pitchFamily="34" charset="-122"/>
+                <a:ea typeface="微软雅黑" panose="020B0503020204020204" pitchFamily="34" charset="-122"/>
+              </a:rPr>
+              <a:t>《</a:t>
+            </a:r>
+            <a:r>
+              <a:rPr lang="zh-CN" altLang="en-US" sz="2000" b="1" dirty="0">
+                <a:solidFill>
+                  <a:schemeClr val="tx1">
+                    <a:lumMod val="50000"/>
+                    <a:lumOff val="50000"/>
+                  </a:schemeClr>
+                </a:solidFill>
+                <a:latin typeface="微软雅黑" panose="020B0503020204020204" pitchFamily="34" charset="-122"/>
+                <a:ea typeface="微软雅黑" panose="020B0503020204020204" pitchFamily="34" charset="-122"/>
+              </a:rPr>
+              <a:t>软件问题报告单</a:t>
+            </a:r>
+            <a:r>
+              <a:rPr lang="en-US" altLang="zh-CN" sz="2000" b="1" dirty="0">
+                <a:solidFill>
+                  <a:schemeClr val="tx1">
+                    <a:lumMod val="50000"/>
+                    <a:lumOff val="50000"/>
+                  </a:schemeClr>
+                </a:solidFill>
+                <a:latin typeface="微软雅黑" panose="020B0503020204020204" pitchFamily="34" charset="-122"/>
+                <a:ea typeface="微软雅黑" panose="020B0503020204020204" pitchFamily="34" charset="-122"/>
+              </a:rPr>
+              <a:t>》</a:t>
+            </a:r>
+            <a:r>
+              <a:rPr lang="zh-CN" altLang="en-US" sz="2000" b="1" dirty="0">
+                <a:solidFill>
+                  <a:schemeClr val="tx1">
+                    <a:lumMod val="50000"/>
+                    <a:lumOff val="50000"/>
+                  </a:schemeClr>
+                </a:solidFill>
+                <a:latin typeface="微软雅黑" panose="020B0503020204020204" pitchFamily="34" charset="-122"/>
+                <a:ea typeface="微软雅黑" panose="020B0503020204020204" pitchFamily="34" charset="-122"/>
+              </a:rPr>
+              <a:t>或</a:t>
+            </a:r>
+            <a:r>
+              <a:rPr lang="en-US" altLang="zh-CN" sz="2000" b="1" dirty="0">
+                <a:solidFill>
+                  <a:schemeClr val="tx1">
+                    <a:lumMod val="50000"/>
+                    <a:lumOff val="50000"/>
+                  </a:schemeClr>
+                </a:solidFill>
+                <a:latin typeface="微软雅黑" panose="020B0503020204020204" pitchFamily="34" charset="-122"/>
+                <a:ea typeface="微软雅黑" panose="020B0503020204020204" pitchFamily="34" charset="-122"/>
+              </a:rPr>
+              <a:t>《</a:t>
+            </a:r>
+            <a:r>
+              <a:rPr lang="zh-CN" altLang="en-US" sz="2000" b="1" dirty="0">
+                <a:solidFill>
+                  <a:schemeClr val="tx1">
+                    <a:lumMod val="50000"/>
+                    <a:lumOff val="50000"/>
+                  </a:schemeClr>
+                </a:solidFill>
+                <a:latin typeface="微软雅黑" panose="020B0503020204020204" pitchFamily="34" charset="-122"/>
+                <a:ea typeface="微软雅黑" panose="020B0503020204020204" pitchFamily="34" charset="-122"/>
+              </a:rPr>
+              <a:t>源代码修改记录单</a:t>
+            </a:r>
+            <a:r>
+              <a:rPr lang="en-US" altLang="zh-CN" sz="2000" b="1" dirty="0">
+                <a:solidFill>
+                  <a:schemeClr val="tx1">
+                    <a:lumMod val="50000"/>
+                    <a:lumOff val="50000"/>
+                  </a:schemeClr>
+                </a:solidFill>
+                <a:latin typeface="微软雅黑" panose="020B0503020204020204" pitchFamily="34" charset="-122"/>
+                <a:ea typeface="微软雅黑" panose="020B0503020204020204" pitchFamily="34" charset="-122"/>
+              </a:rPr>
+              <a:t>》</a:t>
+            </a:r>
+            <a:r>
+              <a:rPr lang="zh-CN" altLang="en-US" sz="2000" b="1" dirty="0">
+                <a:solidFill>
+                  <a:schemeClr val="tx1">
+                    <a:lumMod val="50000"/>
+                    <a:lumOff val="50000"/>
+                  </a:schemeClr>
+                </a:solidFill>
+                <a:latin typeface="微软雅黑" panose="020B0503020204020204" pitchFamily="34" charset="-122"/>
+                <a:ea typeface="微软雅黑" panose="020B0503020204020204" pitchFamily="34" charset="-122"/>
+              </a:rPr>
+              <a:t>，并通知配置管理员。</a:t>
+            </a:r>
+            <a:endParaRPr lang="en-US" altLang="zh-CN" sz="2000" b="1" dirty="0">
+              <a:solidFill>
+                <a:schemeClr val="tx1">
+                  <a:lumMod val="50000"/>
+                  <a:lumOff val="50000"/>
+                </a:schemeClr>
+              </a:solidFill>
+              <a:latin typeface="微软雅黑" panose="020B0503020204020204" pitchFamily="34" charset="-122"/>
+              <a:ea typeface="微软雅黑" panose="020B0503020204020204" pitchFamily="34" charset="-122"/>
+            </a:endParaRPr>
+          </a:p>
+          <a:p>
+            <a:endParaRPr lang="zh-CN" altLang="en-US" sz="2000" b="1" dirty="0">
+              <a:solidFill>
+                <a:schemeClr val="tx1">
+                  <a:lumMod val="50000"/>
+                  <a:lumOff val="50000"/>
+                </a:schemeClr>
+              </a:solidFill>
+              <a:latin typeface="微软雅黑" panose="020B0503020204020204" pitchFamily="34" charset="-122"/>
+              <a:ea typeface="微软雅黑" panose="020B0503020204020204" pitchFamily="34" charset="-122"/>
+            </a:endParaRPr>
           </a:p>
           <a:p>
             <a:r>
@@ -26434,34 +26664,30 @@
                 <a:latin typeface="微软雅黑" panose="020B0503020204020204" pitchFamily="34" charset="-122"/>
                 <a:ea typeface="微软雅黑" panose="020B0503020204020204" pitchFamily="34" charset="-122"/>
               </a:rPr>
-              <a:t>项目子目录的受控文档一般只有项目经理和属于该项目的开发人员和配置管理员能够访问到。配置管理员负责分配访问权限，一般项目经理对该目录具有较大的权限</a:t>
-            </a:r>
-            <a:r>
-              <a:rPr lang="en-US" altLang="zh-CN" sz="2000" b="1" dirty="0">
-                <a:solidFill>
-                  <a:schemeClr val="tx1">
-                    <a:lumMod val="50000"/>
-                    <a:lumOff val="50000"/>
-                  </a:schemeClr>
-                </a:solidFill>
-                <a:latin typeface="微软雅黑" panose="020B0503020204020204" pitchFamily="34" charset="-122"/>
-                <a:ea typeface="微软雅黑" panose="020B0503020204020204" pitchFamily="34" charset="-122"/>
-              </a:rPr>
-              <a:t>——</a:t>
-            </a:r>
-            <a:r>
-              <a:rPr lang="zh-CN" altLang="en-US" sz="2000" b="1" dirty="0">
-                <a:solidFill>
-                  <a:schemeClr val="tx1">
-                    <a:lumMod val="50000"/>
-                    <a:lumOff val="50000"/>
-                  </a:schemeClr>
-                </a:solidFill>
-                <a:latin typeface="微软雅黑" panose="020B0503020204020204" pitchFamily="34" charset="-122"/>
-                <a:ea typeface="微软雅黑" panose="020B0503020204020204" pitchFamily="34" charset="-122"/>
-              </a:rPr>
-              <a:t>读取、添加和更改；一般开发人员只有读取的权限。</a:t>
-            </a:r>
+              <a:t>由配置管理员将需要修改的软件的备份从项目配置数据库中检出，开发人员执行修改。</a:t>
+            </a:r>
+            <a:endParaRPr lang="en-US" altLang="zh-CN" sz="2000" b="1" dirty="0">
+              <a:solidFill>
+                <a:schemeClr val="tx1">
+                  <a:lumMod val="50000"/>
+                  <a:lumOff val="50000"/>
+                </a:schemeClr>
+              </a:solidFill>
+              <a:latin typeface="微软雅黑" panose="020B0503020204020204" pitchFamily="34" charset="-122"/>
+              <a:ea typeface="微软雅黑" panose="020B0503020204020204" pitchFamily="34" charset="-122"/>
+            </a:endParaRPr>
+          </a:p>
+          <a:p>
+            <a:endParaRPr lang="zh-CN" altLang="en-US" sz="2000" b="1" dirty="0">
+              <a:solidFill>
+                <a:schemeClr val="tx1">
+                  <a:lumMod val="50000"/>
+                  <a:lumOff val="50000"/>
+                </a:schemeClr>
+              </a:solidFill>
+              <a:latin typeface="微软雅黑" panose="020B0503020204020204" pitchFamily="34" charset="-122"/>
+              <a:ea typeface="微软雅黑" panose="020B0503020204020204" pitchFamily="34" charset="-122"/>
+            </a:endParaRPr>
           </a:p>
           <a:p>
             <a:r>
@@ -26488,7 +26714,7 @@
                 <a:latin typeface="微软雅黑" panose="020B0503020204020204" pitchFamily="34" charset="-122"/>
                 <a:ea typeface="微软雅黑" panose="020B0503020204020204" pitchFamily="34" charset="-122"/>
               </a:rPr>
-              <a:t>在项目开发的某一阶段结束时，通过了该阶段评审的这些开发文档交配置管理员保存到项目数据库，做为正式版本的第一版</a:t>
+              <a:t>修改完毕后进行修改测试，编程错误累计到了一定的量或者测试时间已满一个月（从上一次入配置库后算起），凭</a:t>
             </a:r>
             <a:r>
               <a:rPr lang="en-US" altLang="zh-CN" sz="2000" b="1" dirty="0">
@@ -26501,7 +26727,7 @@
                 <a:latin typeface="微软雅黑" panose="020B0503020204020204" pitchFamily="34" charset="-122"/>
                 <a:ea typeface="微软雅黑" panose="020B0503020204020204" pitchFamily="34" charset="-122"/>
               </a:rPr>
-              <a:t>——1.0</a:t>
+              <a:t>《</a:t>
             </a:r>
             <a:r>
               <a:rPr lang="zh-CN" altLang="en-US" sz="2000" b="1" dirty="0">
@@ -26514,8 +26740,160 @@
                 <a:latin typeface="微软雅黑" panose="020B0503020204020204" pitchFamily="34" charset="-122"/>
                 <a:ea typeface="微软雅黑" panose="020B0503020204020204" pitchFamily="34" charset="-122"/>
               </a:rPr>
-              <a:t>版本。</a:t>
-            </a:r>
+              <a:t>源代码修改记录单</a:t>
+            </a:r>
+            <a:r>
+              <a:rPr lang="en-US" altLang="zh-CN" sz="2000" b="1" dirty="0">
+                <a:solidFill>
+                  <a:schemeClr val="tx1">
+                    <a:lumMod val="50000"/>
+                    <a:lumOff val="50000"/>
+                  </a:schemeClr>
+                </a:solidFill>
+                <a:latin typeface="微软雅黑" panose="020B0503020204020204" pitchFamily="34" charset="-122"/>
+                <a:ea typeface="微软雅黑" panose="020B0503020204020204" pitchFamily="34" charset="-122"/>
+              </a:rPr>
+              <a:t>》</a:t>
+            </a:r>
+            <a:r>
+              <a:rPr lang="zh-CN" altLang="en-US" sz="2000" b="1" dirty="0">
+                <a:solidFill>
+                  <a:schemeClr val="tx1">
+                    <a:lumMod val="50000"/>
+                    <a:lumOff val="50000"/>
+                  </a:schemeClr>
+                </a:solidFill>
+                <a:latin typeface="微软雅黑" panose="020B0503020204020204" pitchFamily="34" charset="-122"/>
+                <a:ea typeface="微软雅黑" panose="020B0503020204020204" pitchFamily="34" charset="-122"/>
+              </a:rPr>
+              <a:t>及修改后的源代码，通知配置管理员，配置管理员确定测试报告的完备性，并在核对软件修改内容和修改人员填写的</a:t>
+            </a:r>
+            <a:r>
+              <a:rPr lang="en-US" altLang="zh-CN" sz="2000" b="1" dirty="0">
+                <a:solidFill>
+                  <a:schemeClr val="tx1">
+                    <a:lumMod val="50000"/>
+                    <a:lumOff val="50000"/>
+                  </a:schemeClr>
+                </a:solidFill>
+                <a:latin typeface="微软雅黑" panose="020B0503020204020204" pitchFamily="34" charset="-122"/>
+                <a:ea typeface="微软雅黑" panose="020B0503020204020204" pitchFamily="34" charset="-122"/>
+              </a:rPr>
+              <a:t>《</a:t>
+            </a:r>
+            <a:r>
+              <a:rPr lang="zh-CN" altLang="en-US" sz="2000" b="1" dirty="0">
+                <a:solidFill>
+                  <a:schemeClr val="tx1">
+                    <a:lumMod val="50000"/>
+                    <a:lumOff val="50000"/>
+                  </a:schemeClr>
+                </a:solidFill>
+                <a:latin typeface="微软雅黑" panose="020B0503020204020204" pitchFamily="34" charset="-122"/>
+                <a:ea typeface="微软雅黑" panose="020B0503020204020204" pitchFamily="34" charset="-122"/>
+              </a:rPr>
+              <a:t>软件修改报告单</a:t>
+            </a:r>
+            <a:r>
+              <a:rPr lang="en-US" altLang="zh-CN" sz="2000" b="1" dirty="0">
+                <a:solidFill>
+                  <a:schemeClr val="tx1">
+                    <a:lumMod val="50000"/>
+                    <a:lumOff val="50000"/>
+                  </a:schemeClr>
+                </a:solidFill>
+                <a:latin typeface="微软雅黑" panose="020B0503020204020204" pitchFamily="34" charset="-122"/>
+                <a:ea typeface="微软雅黑" panose="020B0503020204020204" pitchFamily="34" charset="-122"/>
+              </a:rPr>
+              <a:t>》</a:t>
+            </a:r>
+            <a:r>
+              <a:rPr lang="zh-CN" altLang="en-US" sz="2000" b="1" dirty="0">
+                <a:solidFill>
+                  <a:schemeClr val="tx1">
+                    <a:lumMod val="50000"/>
+                    <a:lumOff val="50000"/>
+                  </a:schemeClr>
+                </a:solidFill>
+                <a:latin typeface="微软雅黑" panose="020B0503020204020204" pitchFamily="34" charset="-122"/>
+                <a:ea typeface="微软雅黑" panose="020B0503020204020204" pitchFamily="34" charset="-122"/>
+              </a:rPr>
+              <a:t>或</a:t>
+            </a:r>
+            <a:r>
+              <a:rPr lang="en-US" altLang="zh-CN" sz="2000" b="1" dirty="0">
+                <a:solidFill>
+                  <a:schemeClr val="tx1">
+                    <a:lumMod val="50000"/>
+                    <a:lumOff val="50000"/>
+                  </a:schemeClr>
+                </a:solidFill>
+                <a:latin typeface="微软雅黑" panose="020B0503020204020204" pitchFamily="34" charset="-122"/>
+                <a:ea typeface="微软雅黑" panose="020B0503020204020204" pitchFamily="34" charset="-122"/>
+              </a:rPr>
+              <a:t>《</a:t>
+            </a:r>
+            <a:r>
+              <a:rPr lang="zh-CN" altLang="en-US" sz="2000" b="1" dirty="0">
+                <a:solidFill>
+                  <a:schemeClr val="tx1">
+                    <a:lumMod val="50000"/>
+                    <a:lumOff val="50000"/>
+                  </a:schemeClr>
+                </a:solidFill>
+                <a:latin typeface="微软雅黑" panose="020B0503020204020204" pitchFamily="34" charset="-122"/>
+                <a:ea typeface="微软雅黑" panose="020B0503020204020204" pitchFamily="34" charset="-122"/>
+              </a:rPr>
+              <a:t>源代码修改记录单</a:t>
+            </a:r>
+            <a:r>
+              <a:rPr lang="en-US" altLang="zh-CN" sz="2000" b="1" dirty="0">
+                <a:solidFill>
+                  <a:schemeClr val="tx1">
+                    <a:lumMod val="50000"/>
+                    <a:lumOff val="50000"/>
+                  </a:schemeClr>
+                </a:solidFill>
+                <a:latin typeface="微软雅黑" panose="020B0503020204020204" pitchFamily="34" charset="-122"/>
+                <a:ea typeface="微软雅黑" panose="020B0503020204020204" pitchFamily="34" charset="-122"/>
+              </a:rPr>
+              <a:t>》</a:t>
+            </a:r>
+            <a:r>
+              <a:rPr lang="zh-CN" altLang="en-US" sz="2000" b="1" dirty="0">
+                <a:solidFill>
+                  <a:schemeClr val="tx1">
+                    <a:lumMod val="50000"/>
+                    <a:lumOff val="50000"/>
+                  </a:schemeClr>
+                </a:solidFill>
+                <a:latin typeface="微软雅黑" panose="020B0503020204020204" pitchFamily="34" charset="-122"/>
+                <a:ea typeface="微软雅黑" panose="020B0503020204020204" pitchFamily="34" charset="-122"/>
+              </a:rPr>
+              <a:t>中的修改描述一致后，将文件登入项目配置数据库中，生成新版本。</a:t>
+            </a:r>
+            <a:endParaRPr lang="en-US" altLang="zh-CN" sz="2000" b="1" dirty="0">
+              <a:solidFill>
+                <a:schemeClr val="tx1">
+                  <a:lumMod val="50000"/>
+                  <a:lumOff val="50000"/>
+                </a:schemeClr>
+              </a:solidFill>
+              <a:latin typeface="微软雅黑" panose="020B0503020204020204" pitchFamily="34" charset="-122"/>
+              <a:ea typeface="微软雅黑" panose="020B0503020204020204" pitchFamily="34" charset="-122"/>
+            </a:endParaRPr>
+          </a:p>
+          <a:p>
+            <a:endParaRPr lang="zh-CN" altLang="en-US" sz="2000" b="1" dirty="0">
+              <a:solidFill>
+                <a:schemeClr val="tx1">
+                  <a:lumMod val="50000"/>
+                  <a:lumOff val="50000"/>
+                </a:schemeClr>
+              </a:solidFill>
+              <a:latin typeface="微软雅黑" panose="020B0503020204020204" pitchFamily="34" charset="-122"/>
+              <a:ea typeface="微软雅黑" panose="020B0503020204020204" pitchFamily="34" charset="-122"/>
+            </a:endParaRPr>
           </a:p>
           <a:p>
             <a:r>
@@ -26542,7 +26920,7 @@
                 <a:latin typeface="微软雅黑" panose="020B0503020204020204" pitchFamily="34" charset="-122"/>
                 <a:ea typeface="微软雅黑" panose="020B0503020204020204" pitchFamily="34" charset="-122"/>
               </a:rPr>
-              <a:t>在以后的开发中，如果软件需要修改，那修改后的软件可用多级编号来表示新版本</a:t>
+              <a:t>配置管理员修改</a:t>
             </a:r>
             <a:r>
               <a:rPr lang="en-US" altLang="zh-CN" sz="2000" b="1" dirty="0">
@@ -26555,7 +26933,7 @@
                 <a:latin typeface="微软雅黑" panose="020B0503020204020204" pitchFamily="34" charset="-122"/>
                 <a:ea typeface="微软雅黑" panose="020B0503020204020204" pitchFamily="34" charset="-122"/>
               </a:rPr>
-              <a:t>——1.1</a:t>
+              <a:t>《</a:t>
             </a:r>
             <a:r>
               <a:rPr lang="zh-CN" altLang="en-US" sz="2000" b="1" dirty="0">
@@ -26568,7 +26946,7 @@
                 <a:latin typeface="微软雅黑" panose="020B0503020204020204" pitchFamily="34" charset="-122"/>
                 <a:ea typeface="微软雅黑" panose="020B0503020204020204" pitchFamily="34" charset="-122"/>
               </a:rPr>
-              <a:t>、</a:t>
+              <a:t>软件配置状态表</a:t>
             </a:r>
             <a:r>
               <a:rPr lang="en-US" altLang="zh-CN" sz="2000" b="1" dirty="0">
@@ -26581,7 +26959,7 @@
                 <a:latin typeface="微软雅黑" panose="020B0503020204020204" pitchFamily="34" charset="-122"/>
                 <a:ea typeface="微软雅黑" panose="020B0503020204020204" pitchFamily="34" charset="-122"/>
               </a:rPr>
-              <a:t>1.2</a:t>
+              <a:t>》</a:t>
             </a:r>
             <a:r>
               <a:rPr lang="zh-CN" altLang="en-US" sz="2000" b="1" dirty="0">
@@ -26594,10 +26972,8 @@
                 <a:latin typeface="微软雅黑" panose="020B0503020204020204" pitchFamily="34" charset="-122"/>
                 <a:ea typeface="微软雅黑" panose="020B0503020204020204" pitchFamily="34" charset="-122"/>
               </a:rPr>
-              <a:t>等加以区别标识。</a:t>
-            </a:r>
-          </a:p>
-          <a:p>
+              <a:t>和</a:t>
+            </a:r>
             <a:r>
               <a:rPr lang="en-US" altLang="zh-CN" sz="2000" b="1" dirty="0">
                 <a:solidFill>
@@ -26609,7 +26985,7 @@
                 <a:latin typeface="微软雅黑" panose="020B0503020204020204" pitchFamily="34" charset="-122"/>
                 <a:ea typeface="微软雅黑" panose="020B0503020204020204" pitchFamily="34" charset="-122"/>
               </a:rPr>
-              <a:t>5.</a:t>
+              <a:t>《</a:t>
             </a:r>
             <a:r>
               <a:rPr lang="zh-CN" altLang="en-US" sz="2000" b="1" dirty="0">
@@ -26622,7 +26998,33 @@
                 <a:latin typeface="微软雅黑" panose="020B0503020204020204" pitchFamily="34" charset="-122"/>
                 <a:ea typeface="微软雅黑" panose="020B0503020204020204" pitchFamily="34" charset="-122"/>
               </a:rPr>
-              <a:t>在各个评审阶段产生的所有评审报告和修改报告都要进行编号保存，编号与相应文档的编号要对应。</a:t>
+              <a:t>软件变更记录表</a:t>
+            </a:r>
+            <a:r>
+              <a:rPr lang="en-US" altLang="zh-CN" sz="2000" b="1" dirty="0">
+                <a:solidFill>
+                  <a:schemeClr val="tx1">
+                    <a:lumMod val="50000"/>
+                    <a:lumOff val="50000"/>
+                  </a:schemeClr>
+                </a:solidFill>
+                <a:latin typeface="微软雅黑" panose="020B0503020204020204" pitchFamily="34" charset="-122"/>
+                <a:ea typeface="微软雅黑" panose="020B0503020204020204" pitchFamily="34" charset="-122"/>
+              </a:rPr>
+              <a:t>》</a:t>
+            </a:r>
+            <a:r>
+              <a:rPr lang="zh-CN" altLang="en-US" sz="2000" b="1" dirty="0">
+                <a:solidFill>
+                  <a:schemeClr val="tx1">
+                    <a:lumMod val="50000"/>
+                    <a:lumOff val="50000"/>
+                  </a:schemeClr>
+                </a:solidFill>
+                <a:latin typeface="微软雅黑" panose="020B0503020204020204" pitchFamily="34" charset="-122"/>
+                <a:ea typeface="微软雅黑" panose="020B0503020204020204" pitchFamily="34" charset="-122"/>
+              </a:rPr>
+              <a:t>，以使其他相关开发人员及时了解软件变化情况。</a:t>
             </a:r>
           </a:p>
         </p:txBody>
@@ -26776,636 +27178,6 @@
       </p:grpSpPr>
       <p:sp>
         <p:nvSpPr>
-          <p:cNvPr id="2" name="标题 1"/>
-          <p:cNvSpPr>
-            <a:spLocks noGrp="1"/>
-          </p:cNvSpPr>
-          <p:nvPr>
-            <p:ph type="title"/>
-          </p:nvPr>
-        </p:nvSpPr>
-        <p:spPr>
-          <a:xfrm>
-            <a:off x="646111" y="452718"/>
-            <a:ext cx="9404723" cy="1400530"/>
-          </a:xfrm>
-        </p:spPr>
-        <p:txBody>
-          <a:bodyPr/>
-          <a:lstStyle/>
-          <a:p>
-            <a:r>
-              <a:rPr lang="zh-CN" altLang="en-US" dirty="0"/>
-              <a:t>变更控制</a:t>
-            </a:r>
-            <a:br>
-              <a:rPr lang="en-US" altLang="zh-CN" dirty="0"/>
-            </a:br>
-            <a:r>
-              <a:rPr lang="zh-CN" altLang="zh-CN" sz="2400" dirty="0"/>
-              <a:t>微小改正时的变更控制</a:t>
-            </a:r>
-            <a:endParaRPr lang="zh-CN" altLang="en-US" dirty="0"/>
-          </a:p>
-        </p:txBody>
-      </p:sp>
-      <p:sp>
-        <p:nvSpPr>
-          <p:cNvPr id="3" name="文本框 5"/>
-          <p:cNvSpPr txBox="1"/>
-          <p:nvPr/>
-        </p:nvSpPr>
-        <p:spPr>
-          <a:xfrm>
-            <a:off x="604615" y="1707890"/>
-            <a:ext cx="10877266" cy="3785652"/>
-          </a:xfrm>
-          <a:prstGeom prst="rect">
-            <a:avLst/>
-          </a:prstGeom>
-          <a:noFill/>
-        </p:spPr>
-        <p:txBody>
-          <a:bodyPr wrap="square" rtlCol="0">
-            <a:spAutoFit/>
-          </a:bodyPr>
-          <a:lstStyle/>
-          <a:p>
-            <a:r>
-              <a:rPr lang="en-US" altLang="zh-CN" sz="2000" b="1" dirty="0">
-                <a:solidFill>
-                  <a:schemeClr val="tx1">
-                    <a:lumMod val="50000"/>
-                    <a:lumOff val="50000"/>
-                  </a:schemeClr>
-                </a:solidFill>
-                <a:latin typeface="微软雅黑" panose="020B0503020204020204" pitchFamily="34" charset="-122"/>
-                <a:ea typeface="微软雅黑" panose="020B0503020204020204" pitchFamily="34" charset="-122"/>
-              </a:rPr>
-              <a:t>1.</a:t>
-            </a:r>
-            <a:r>
-              <a:rPr lang="zh-CN" altLang="en-US" sz="2000" b="1" dirty="0">
-                <a:solidFill>
-                  <a:schemeClr val="tx1">
-                    <a:lumMod val="50000"/>
-                    <a:lumOff val="50000"/>
-                  </a:schemeClr>
-                </a:solidFill>
-                <a:latin typeface="微软雅黑" panose="020B0503020204020204" pitchFamily="34" charset="-122"/>
-                <a:ea typeface="微软雅黑" panose="020B0503020204020204" pitchFamily="34" charset="-122"/>
-              </a:rPr>
-              <a:t>在评审或测试后发现的问题由评审组组长或项目经理形成</a:t>
-            </a:r>
-            <a:r>
-              <a:rPr lang="en-US" altLang="zh-CN" sz="2000" b="1" dirty="0">
-                <a:solidFill>
-                  <a:schemeClr val="tx1">
-                    <a:lumMod val="50000"/>
-                    <a:lumOff val="50000"/>
-                  </a:schemeClr>
-                </a:solidFill>
-                <a:latin typeface="微软雅黑" panose="020B0503020204020204" pitchFamily="34" charset="-122"/>
-                <a:ea typeface="微软雅黑" panose="020B0503020204020204" pitchFamily="34" charset="-122"/>
-              </a:rPr>
-              <a:t>《</a:t>
-            </a:r>
-            <a:r>
-              <a:rPr lang="zh-CN" altLang="en-US" sz="2000" b="1" dirty="0">
-                <a:solidFill>
-                  <a:schemeClr val="tx1">
-                    <a:lumMod val="50000"/>
-                    <a:lumOff val="50000"/>
-                  </a:schemeClr>
-                </a:solidFill>
-                <a:latin typeface="微软雅黑" panose="020B0503020204020204" pitchFamily="34" charset="-122"/>
-                <a:ea typeface="微软雅黑" panose="020B0503020204020204" pitchFamily="34" charset="-122"/>
-              </a:rPr>
-              <a:t>软件问题报告单</a:t>
-            </a:r>
-            <a:r>
-              <a:rPr lang="en-US" altLang="zh-CN" sz="2000" b="1" dirty="0">
-                <a:solidFill>
-                  <a:schemeClr val="tx1">
-                    <a:lumMod val="50000"/>
-                    <a:lumOff val="50000"/>
-                  </a:schemeClr>
-                </a:solidFill>
-                <a:latin typeface="微软雅黑" panose="020B0503020204020204" pitchFamily="34" charset="-122"/>
-                <a:ea typeface="微软雅黑" panose="020B0503020204020204" pitchFamily="34" charset="-122"/>
-              </a:rPr>
-              <a:t>》</a:t>
-            </a:r>
-            <a:r>
-              <a:rPr lang="zh-CN" altLang="en-US" sz="2000" b="1" dirty="0">
-                <a:solidFill>
-                  <a:schemeClr val="tx1">
-                    <a:lumMod val="50000"/>
-                    <a:lumOff val="50000"/>
-                  </a:schemeClr>
-                </a:solidFill>
-                <a:latin typeface="微软雅黑" panose="020B0503020204020204" pitchFamily="34" charset="-122"/>
-                <a:ea typeface="微软雅黑" panose="020B0503020204020204" pitchFamily="34" charset="-122"/>
-              </a:rPr>
-              <a:t>或</a:t>
-            </a:r>
-            <a:r>
-              <a:rPr lang="en-US" altLang="zh-CN" sz="2000" b="1" dirty="0">
-                <a:solidFill>
-                  <a:schemeClr val="tx1">
-                    <a:lumMod val="50000"/>
-                    <a:lumOff val="50000"/>
-                  </a:schemeClr>
-                </a:solidFill>
-                <a:latin typeface="微软雅黑" panose="020B0503020204020204" pitchFamily="34" charset="-122"/>
-                <a:ea typeface="微软雅黑" panose="020B0503020204020204" pitchFamily="34" charset="-122"/>
-              </a:rPr>
-              <a:t>《</a:t>
-            </a:r>
-            <a:r>
-              <a:rPr lang="zh-CN" altLang="en-US" sz="2000" b="1" dirty="0">
-                <a:solidFill>
-                  <a:schemeClr val="tx1">
-                    <a:lumMod val="50000"/>
-                    <a:lumOff val="50000"/>
-                  </a:schemeClr>
-                </a:solidFill>
-                <a:latin typeface="微软雅黑" panose="020B0503020204020204" pitchFamily="34" charset="-122"/>
-                <a:ea typeface="微软雅黑" panose="020B0503020204020204" pitchFamily="34" charset="-122"/>
-              </a:rPr>
-              <a:t>源代码修改记录单</a:t>
-            </a:r>
-            <a:r>
-              <a:rPr lang="en-US" altLang="zh-CN" sz="2000" b="1" dirty="0">
-                <a:solidFill>
-                  <a:schemeClr val="tx1">
-                    <a:lumMod val="50000"/>
-                    <a:lumOff val="50000"/>
-                  </a:schemeClr>
-                </a:solidFill>
-                <a:latin typeface="微软雅黑" panose="020B0503020204020204" pitchFamily="34" charset="-122"/>
-                <a:ea typeface="微软雅黑" panose="020B0503020204020204" pitchFamily="34" charset="-122"/>
-              </a:rPr>
-              <a:t>》</a:t>
-            </a:r>
-            <a:r>
-              <a:rPr lang="zh-CN" altLang="en-US" sz="2000" b="1" dirty="0">
-                <a:solidFill>
-                  <a:schemeClr val="tx1">
-                    <a:lumMod val="50000"/>
-                    <a:lumOff val="50000"/>
-                  </a:schemeClr>
-                </a:solidFill>
-                <a:latin typeface="微软雅黑" panose="020B0503020204020204" pitchFamily="34" charset="-122"/>
-                <a:ea typeface="微软雅黑" panose="020B0503020204020204" pitchFamily="34" charset="-122"/>
-              </a:rPr>
-              <a:t>，并通知配置管理员。</a:t>
-            </a:r>
-            <a:endParaRPr lang="en-US" altLang="zh-CN" sz="2000" b="1" dirty="0">
-              <a:solidFill>
-                <a:schemeClr val="tx1">
-                  <a:lumMod val="50000"/>
-                  <a:lumOff val="50000"/>
-                </a:schemeClr>
-              </a:solidFill>
-              <a:latin typeface="微软雅黑" panose="020B0503020204020204" pitchFamily="34" charset="-122"/>
-              <a:ea typeface="微软雅黑" panose="020B0503020204020204" pitchFamily="34" charset="-122"/>
-            </a:endParaRPr>
-          </a:p>
-          <a:p>
-            <a:endParaRPr lang="zh-CN" altLang="en-US" sz="2000" b="1" dirty="0">
-              <a:solidFill>
-                <a:schemeClr val="tx1">
-                  <a:lumMod val="50000"/>
-                  <a:lumOff val="50000"/>
-                </a:schemeClr>
-              </a:solidFill>
-              <a:latin typeface="微软雅黑" panose="020B0503020204020204" pitchFamily="34" charset="-122"/>
-              <a:ea typeface="微软雅黑" panose="020B0503020204020204" pitchFamily="34" charset="-122"/>
-            </a:endParaRPr>
-          </a:p>
-          <a:p>
-            <a:r>
-              <a:rPr lang="en-US" altLang="zh-CN" sz="2000" b="1" dirty="0">
-                <a:solidFill>
-                  <a:schemeClr val="tx1">
-                    <a:lumMod val="50000"/>
-                    <a:lumOff val="50000"/>
-                  </a:schemeClr>
-                </a:solidFill>
-                <a:latin typeface="微软雅黑" panose="020B0503020204020204" pitchFamily="34" charset="-122"/>
-                <a:ea typeface="微软雅黑" panose="020B0503020204020204" pitchFamily="34" charset="-122"/>
-              </a:rPr>
-              <a:t>2.</a:t>
-            </a:r>
-            <a:r>
-              <a:rPr lang="zh-CN" altLang="en-US" sz="2000" b="1" dirty="0">
-                <a:solidFill>
-                  <a:schemeClr val="tx1">
-                    <a:lumMod val="50000"/>
-                    <a:lumOff val="50000"/>
-                  </a:schemeClr>
-                </a:solidFill>
-                <a:latin typeface="微软雅黑" panose="020B0503020204020204" pitchFamily="34" charset="-122"/>
-                <a:ea typeface="微软雅黑" panose="020B0503020204020204" pitchFamily="34" charset="-122"/>
-              </a:rPr>
-              <a:t>由配置管理员将需要修改的软件的备份从项目配置数据库中检出，开发人员执行修改。</a:t>
-            </a:r>
-            <a:endParaRPr lang="en-US" altLang="zh-CN" sz="2000" b="1" dirty="0">
-              <a:solidFill>
-                <a:schemeClr val="tx1">
-                  <a:lumMod val="50000"/>
-                  <a:lumOff val="50000"/>
-                </a:schemeClr>
-              </a:solidFill>
-              <a:latin typeface="微软雅黑" panose="020B0503020204020204" pitchFamily="34" charset="-122"/>
-              <a:ea typeface="微软雅黑" panose="020B0503020204020204" pitchFamily="34" charset="-122"/>
-            </a:endParaRPr>
-          </a:p>
-          <a:p>
-            <a:endParaRPr lang="zh-CN" altLang="en-US" sz="2000" b="1" dirty="0">
-              <a:solidFill>
-                <a:schemeClr val="tx1">
-                  <a:lumMod val="50000"/>
-                  <a:lumOff val="50000"/>
-                </a:schemeClr>
-              </a:solidFill>
-              <a:latin typeface="微软雅黑" panose="020B0503020204020204" pitchFamily="34" charset="-122"/>
-              <a:ea typeface="微软雅黑" panose="020B0503020204020204" pitchFamily="34" charset="-122"/>
-            </a:endParaRPr>
-          </a:p>
-          <a:p>
-            <a:r>
-              <a:rPr lang="en-US" altLang="zh-CN" sz="2000" b="1" dirty="0">
-                <a:solidFill>
-                  <a:schemeClr val="tx1">
-                    <a:lumMod val="50000"/>
-                    <a:lumOff val="50000"/>
-                  </a:schemeClr>
-                </a:solidFill>
-                <a:latin typeface="微软雅黑" panose="020B0503020204020204" pitchFamily="34" charset="-122"/>
-                <a:ea typeface="微软雅黑" panose="020B0503020204020204" pitchFamily="34" charset="-122"/>
-              </a:rPr>
-              <a:t>3.</a:t>
-            </a:r>
-            <a:r>
-              <a:rPr lang="zh-CN" altLang="en-US" sz="2000" b="1" dirty="0">
-                <a:solidFill>
-                  <a:schemeClr val="tx1">
-                    <a:lumMod val="50000"/>
-                    <a:lumOff val="50000"/>
-                  </a:schemeClr>
-                </a:solidFill>
-                <a:latin typeface="微软雅黑" panose="020B0503020204020204" pitchFamily="34" charset="-122"/>
-                <a:ea typeface="微软雅黑" panose="020B0503020204020204" pitchFamily="34" charset="-122"/>
-              </a:rPr>
-              <a:t>修改完毕后进行修改测试，编程错误累计到了一定的量或者测试时间已满一个月（从上一次入配置库后算起），凭</a:t>
-            </a:r>
-            <a:r>
-              <a:rPr lang="en-US" altLang="zh-CN" sz="2000" b="1" dirty="0">
-                <a:solidFill>
-                  <a:schemeClr val="tx1">
-                    <a:lumMod val="50000"/>
-                    <a:lumOff val="50000"/>
-                  </a:schemeClr>
-                </a:solidFill>
-                <a:latin typeface="微软雅黑" panose="020B0503020204020204" pitchFamily="34" charset="-122"/>
-                <a:ea typeface="微软雅黑" panose="020B0503020204020204" pitchFamily="34" charset="-122"/>
-              </a:rPr>
-              <a:t>《</a:t>
-            </a:r>
-            <a:r>
-              <a:rPr lang="zh-CN" altLang="en-US" sz="2000" b="1" dirty="0">
-                <a:solidFill>
-                  <a:schemeClr val="tx1">
-                    <a:lumMod val="50000"/>
-                    <a:lumOff val="50000"/>
-                  </a:schemeClr>
-                </a:solidFill>
-                <a:latin typeface="微软雅黑" panose="020B0503020204020204" pitchFamily="34" charset="-122"/>
-                <a:ea typeface="微软雅黑" panose="020B0503020204020204" pitchFamily="34" charset="-122"/>
-              </a:rPr>
-              <a:t>源代码修改记录单</a:t>
-            </a:r>
-            <a:r>
-              <a:rPr lang="en-US" altLang="zh-CN" sz="2000" b="1" dirty="0">
-                <a:solidFill>
-                  <a:schemeClr val="tx1">
-                    <a:lumMod val="50000"/>
-                    <a:lumOff val="50000"/>
-                  </a:schemeClr>
-                </a:solidFill>
-                <a:latin typeface="微软雅黑" panose="020B0503020204020204" pitchFamily="34" charset="-122"/>
-                <a:ea typeface="微软雅黑" panose="020B0503020204020204" pitchFamily="34" charset="-122"/>
-              </a:rPr>
-              <a:t>》</a:t>
-            </a:r>
-            <a:r>
-              <a:rPr lang="zh-CN" altLang="en-US" sz="2000" b="1" dirty="0">
-                <a:solidFill>
-                  <a:schemeClr val="tx1">
-                    <a:lumMod val="50000"/>
-                    <a:lumOff val="50000"/>
-                  </a:schemeClr>
-                </a:solidFill>
-                <a:latin typeface="微软雅黑" panose="020B0503020204020204" pitchFamily="34" charset="-122"/>
-                <a:ea typeface="微软雅黑" panose="020B0503020204020204" pitchFamily="34" charset="-122"/>
-              </a:rPr>
-              <a:t>及修改后的源代码，通知配置管理员，配置管理员确定测试报告的完备性，并在核对软件修改内容和修改人员填写的</a:t>
-            </a:r>
-            <a:r>
-              <a:rPr lang="en-US" altLang="zh-CN" sz="2000" b="1" dirty="0">
-                <a:solidFill>
-                  <a:schemeClr val="tx1">
-                    <a:lumMod val="50000"/>
-                    <a:lumOff val="50000"/>
-                  </a:schemeClr>
-                </a:solidFill>
-                <a:latin typeface="微软雅黑" panose="020B0503020204020204" pitchFamily="34" charset="-122"/>
-                <a:ea typeface="微软雅黑" panose="020B0503020204020204" pitchFamily="34" charset="-122"/>
-              </a:rPr>
-              <a:t>《</a:t>
-            </a:r>
-            <a:r>
-              <a:rPr lang="zh-CN" altLang="en-US" sz="2000" b="1" dirty="0">
-                <a:solidFill>
-                  <a:schemeClr val="tx1">
-                    <a:lumMod val="50000"/>
-                    <a:lumOff val="50000"/>
-                  </a:schemeClr>
-                </a:solidFill>
-                <a:latin typeface="微软雅黑" panose="020B0503020204020204" pitchFamily="34" charset="-122"/>
-                <a:ea typeface="微软雅黑" panose="020B0503020204020204" pitchFamily="34" charset="-122"/>
-              </a:rPr>
-              <a:t>软件修改报告单</a:t>
-            </a:r>
-            <a:r>
-              <a:rPr lang="en-US" altLang="zh-CN" sz="2000" b="1" dirty="0">
-                <a:solidFill>
-                  <a:schemeClr val="tx1">
-                    <a:lumMod val="50000"/>
-                    <a:lumOff val="50000"/>
-                  </a:schemeClr>
-                </a:solidFill>
-                <a:latin typeface="微软雅黑" panose="020B0503020204020204" pitchFamily="34" charset="-122"/>
-                <a:ea typeface="微软雅黑" panose="020B0503020204020204" pitchFamily="34" charset="-122"/>
-              </a:rPr>
-              <a:t>》</a:t>
-            </a:r>
-            <a:r>
-              <a:rPr lang="zh-CN" altLang="en-US" sz="2000" b="1" dirty="0">
-                <a:solidFill>
-                  <a:schemeClr val="tx1">
-                    <a:lumMod val="50000"/>
-                    <a:lumOff val="50000"/>
-                  </a:schemeClr>
-                </a:solidFill>
-                <a:latin typeface="微软雅黑" panose="020B0503020204020204" pitchFamily="34" charset="-122"/>
-                <a:ea typeface="微软雅黑" panose="020B0503020204020204" pitchFamily="34" charset="-122"/>
-              </a:rPr>
-              <a:t>或</a:t>
-            </a:r>
-            <a:r>
-              <a:rPr lang="en-US" altLang="zh-CN" sz="2000" b="1" dirty="0">
-                <a:solidFill>
-                  <a:schemeClr val="tx1">
-                    <a:lumMod val="50000"/>
-                    <a:lumOff val="50000"/>
-                  </a:schemeClr>
-                </a:solidFill>
-                <a:latin typeface="微软雅黑" panose="020B0503020204020204" pitchFamily="34" charset="-122"/>
-                <a:ea typeface="微软雅黑" panose="020B0503020204020204" pitchFamily="34" charset="-122"/>
-              </a:rPr>
-              <a:t>《</a:t>
-            </a:r>
-            <a:r>
-              <a:rPr lang="zh-CN" altLang="en-US" sz="2000" b="1" dirty="0">
-                <a:solidFill>
-                  <a:schemeClr val="tx1">
-                    <a:lumMod val="50000"/>
-                    <a:lumOff val="50000"/>
-                  </a:schemeClr>
-                </a:solidFill>
-                <a:latin typeface="微软雅黑" panose="020B0503020204020204" pitchFamily="34" charset="-122"/>
-                <a:ea typeface="微软雅黑" panose="020B0503020204020204" pitchFamily="34" charset="-122"/>
-              </a:rPr>
-              <a:t>源代码修改记录单</a:t>
-            </a:r>
-            <a:r>
-              <a:rPr lang="en-US" altLang="zh-CN" sz="2000" b="1" dirty="0">
-                <a:solidFill>
-                  <a:schemeClr val="tx1">
-                    <a:lumMod val="50000"/>
-                    <a:lumOff val="50000"/>
-                  </a:schemeClr>
-                </a:solidFill>
-                <a:latin typeface="微软雅黑" panose="020B0503020204020204" pitchFamily="34" charset="-122"/>
-                <a:ea typeface="微软雅黑" panose="020B0503020204020204" pitchFamily="34" charset="-122"/>
-              </a:rPr>
-              <a:t>》</a:t>
-            </a:r>
-            <a:r>
-              <a:rPr lang="zh-CN" altLang="en-US" sz="2000" b="1" dirty="0">
-                <a:solidFill>
-                  <a:schemeClr val="tx1">
-                    <a:lumMod val="50000"/>
-                    <a:lumOff val="50000"/>
-                  </a:schemeClr>
-                </a:solidFill>
-                <a:latin typeface="微软雅黑" panose="020B0503020204020204" pitchFamily="34" charset="-122"/>
-                <a:ea typeface="微软雅黑" panose="020B0503020204020204" pitchFamily="34" charset="-122"/>
-              </a:rPr>
-              <a:t>中的修改描述一致后，将文件登入项目配置数据库中，生成新版本。</a:t>
-            </a:r>
-            <a:endParaRPr lang="en-US" altLang="zh-CN" sz="2000" b="1" dirty="0">
-              <a:solidFill>
-                <a:schemeClr val="tx1">
-                  <a:lumMod val="50000"/>
-                  <a:lumOff val="50000"/>
-                </a:schemeClr>
-              </a:solidFill>
-              <a:latin typeface="微软雅黑" panose="020B0503020204020204" pitchFamily="34" charset="-122"/>
-              <a:ea typeface="微软雅黑" panose="020B0503020204020204" pitchFamily="34" charset="-122"/>
-            </a:endParaRPr>
-          </a:p>
-          <a:p>
-            <a:endParaRPr lang="zh-CN" altLang="en-US" sz="2000" b="1" dirty="0">
-              <a:solidFill>
-                <a:schemeClr val="tx1">
-                  <a:lumMod val="50000"/>
-                  <a:lumOff val="50000"/>
-                </a:schemeClr>
-              </a:solidFill>
-              <a:latin typeface="微软雅黑" panose="020B0503020204020204" pitchFamily="34" charset="-122"/>
-              <a:ea typeface="微软雅黑" panose="020B0503020204020204" pitchFamily="34" charset="-122"/>
-            </a:endParaRPr>
-          </a:p>
-          <a:p>
-            <a:r>
-              <a:rPr lang="en-US" altLang="zh-CN" sz="2000" b="1" dirty="0">
-                <a:solidFill>
-                  <a:schemeClr val="tx1">
-                    <a:lumMod val="50000"/>
-                    <a:lumOff val="50000"/>
-                  </a:schemeClr>
-                </a:solidFill>
-                <a:latin typeface="微软雅黑" panose="020B0503020204020204" pitchFamily="34" charset="-122"/>
-                <a:ea typeface="微软雅黑" panose="020B0503020204020204" pitchFamily="34" charset="-122"/>
-              </a:rPr>
-              <a:t>4.</a:t>
-            </a:r>
-            <a:r>
-              <a:rPr lang="zh-CN" altLang="en-US" sz="2000" b="1" dirty="0">
-                <a:solidFill>
-                  <a:schemeClr val="tx1">
-                    <a:lumMod val="50000"/>
-                    <a:lumOff val="50000"/>
-                  </a:schemeClr>
-                </a:solidFill>
-                <a:latin typeface="微软雅黑" panose="020B0503020204020204" pitchFamily="34" charset="-122"/>
-                <a:ea typeface="微软雅黑" panose="020B0503020204020204" pitchFamily="34" charset="-122"/>
-              </a:rPr>
-              <a:t>配置管理员修改</a:t>
-            </a:r>
-            <a:r>
-              <a:rPr lang="en-US" altLang="zh-CN" sz="2000" b="1" dirty="0">
-                <a:solidFill>
-                  <a:schemeClr val="tx1">
-                    <a:lumMod val="50000"/>
-                    <a:lumOff val="50000"/>
-                  </a:schemeClr>
-                </a:solidFill>
-                <a:latin typeface="微软雅黑" panose="020B0503020204020204" pitchFamily="34" charset="-122"/>
-                <a:ea typeface="微软雅黑" panose="020B0503020204020204" pitchFamily="34" charset="-122"/>
-              </a:rPr>
-              <a:t>《</a:t>
-            </a:r>
-            <a:r>
-              <a:rPr lang="zh-CN" altLang="en-US" sz="2000" b="1" dirty="0">
-                <a:solidFill>
-                  <a:schemeClr val="tx1">
-                    <a:lumMod val="50000"/>
-                    <a:lumOff val="50000"/>
-                  </a:schemeClr>
-                </a:solidFill>
-                <a:latin typeface="微软雅黑" panose="020B0503020204020204" pitchFamily="34" charset="-122"/>
-                <a:ea typeface="微软雅黑" panose="020B0503020204020204" pitchFamily="34" charset="-122"/>
-              </a:rPr>
-              <a:t>软件配置状态表</a:t>
-            </a:r>
-            <a:r>
-              <a:rPr lang="en-US" altLang="zh-CN" sz="2000" b="1" dirty="0">
-                <a:solidFill>
-                  <a:schemeClr val="tx1">
-                    <a:lumMod val="50000"/>
-                    <a:lumOff val="50000"/>
-                  </a:schemeClr>
-                </a:solidFill>
-                <a:latin typeface="微软雅黑" panose="020B0503020204020204" pitchFamily="34" charset="-122"/>
-                <a:ea typeface="微软雅黑" panose="020B0503020204020204" pitchFamily="34" charset="-122"/>
-              </a:rPr>
-              <a:t>》</a:t>
-            </a:r>
-            <a:r>
-              <a:rPr lang="zh-CN" altLang="en-US" sz="2000" b="1" dirty="0">
-                <a:solidFill>
-                  <a:schemeClr val="tx1">
-                    <a:lumMod val="50000"/>
-                    <a:lumOff val="50000"/>
-                  </a:schemeClr>
-                </a:solidFill>
-                <a:latin typeface="微软雅黑" panose="020B0503020204020204" pitchFamily="34" charset="-122"/>
-                <a:ea typeface="微软雅黑" panose="020B0503020204020204" pitchFamily="34" charset="-122"/>
-              </a:rPr>
-              <a:t>和</a:t>
-            </a:r>
-            <a:r>
-              <a:rPr lang="en-US" altLang="zh-CN" sz="2000" b="1" dirty="0">
-                <a:solidFill>
-                  <a:schemeClr val="tx1">
-                    <a:lumMod val="50000"/>
-                    <a:lumOff val="50000"/>
-                  </a:schemeClr>
-                </a:solidFill>
-                <a:latin typeface="微软雅黑" panose="020B0503020204020204" pitchFamily="34" charset="-122"/>
-                <a:ea typeface="微软雅黑" panose="020B0503020204020204" pitchFamily="34" charset="-122"/>
-              </a:rPr>
-              <a:t>《</a:t>
-            </a:r>
-            <a:r>
-              <a:rPr lang="zh-CN" altLang="en-US" sz="2000" b="1" dirty="0">
-                <a:solidFill>
-                  <a:schemeClr val="tx1">
-                    <a:lumMod val="50000"/>
-                    <a:lumOff val="50000"/>
-                  </a:schemeClr>
-                </a:solidFill>
-                <a:latin typeface="微软雅黑" panose="020B0503020204020204" pitchFamily="34" charset="-122"/>
-                <a:ea typeface="微软雅黑" panose="020B0503020204020204" pitchFamily="34" charset="-122"/>
-              </a:rPr>
-              <a:t>软件变更记录表</a:t>
-            </a:r>
-            <a:r>
-              <a:rPr lang="en-US" altLang="zh-CN" sz="2000" b="1" dirty="0">
-                <a:solidFill>
-                  <a:schemeClr val="tx1">
-                    <a:lumMod val="50000"/>
-                    <a:lumOff val="50000"/>
-                  </a:schemeClr>
-                </a:solidFill>
-                <a:latin typeface="微软雅黑" panose="020B0503020204020204" pitchFamily="34" charset="-122"/>
-                <a:ea typeface="微软雅黑" panose="020B0503020204020204" pitchFamily="34" charset="-122"/>
-              </a:rPr>
-              <a:t>》</a:t>
-            </a:r>
-            <a:r>
-              <a:rPr lang="zh-CN" altLang="en-US" sz="2000" b="1" dirty="0">
-                <a:solidFill>
-                  <a:schemeClr val="tx1">
-                    <a:lumMod val="50000"/>
-                    <a:lumOff val="50000"/>
-                  </a:schemeClr>
-                </a:solidFill>
-                <a:latin typeface="微软雅黑" panose="020B0503020204020204" pitchFamily="34" charset="-122"/>
-                <a:ea typeface="微软雅黑" panose="020B0503020204020204" pitchFamily="34" charset="-122"/>
-              </a:rPr>
-              <a:t>，以使其他相关开发人员及时了解软件变化情况。</a:t>
-            </a:r>
-          </a:p>
-        </p:txBody>
-      </p:sp>
-    </p:spTree>
-    <p:extLst>
-      <p:ext uri="{BB962C8B-B14F-4D97-AF65-F5344CB8AC3E}">
-        <p14:creationId xmlns:p14="http://schemas.microsoft.com/office/powerpoint/2010/main" val="1955698181"/>
-      </p:ext>
-    </p:extLst>
-  </p:cSld>
-  <p:clrMapOvr>
-    <a:masterClrMapping/>
-  </p:clrMapOvr>
-</p:sld>
-</file>
-
-<file path=ppt/slides/slide51.xml><?xml version="1.0" encoding="utf-8"?>
-<p:sld xmlns:a="http://schemas.openxmlformats.org/drawingml/2006/main" xmlns:r="http://schemas.openxmlformats.org/officeDocument/2006/relationships" xmlns:p="http://schemas.openxmlformats.org/presentationml/2006/main">
-  <p:cSld>
-    <p:spTree>
-      <p:nvGrpSpPr>
-        <p:cNvPr id="1" name=""/>
-        <p:cNvGrpSpPr/>
-        <p:nvPr/>
-      </p:nvGrpSpPr>
-      <p:grpSpPr>
-        <a:xfrm>
-          <a:off x="0" y="0"/>
-          <a:ext cx="0" cy="0"/>
-          <a:chOff x="0" y="0"/>
-          <a:chExt cx="0" cy="0"/>
-        </a:xfrm>
-      </p:grpSpPr>
-      <p:sp>
-        <p:nvSpPr>
           <p:cNvPr id="3" name="文本框 5"/>
           <p:cNvSpPr txBox="1"/>
           <p:nvPr/>
@@ -27905,7 +27677,7 @@
 </p:sld>
 </file>
 
-<file path=ppt/slides/slide52.xml><?xml version="1.0" encoding="utf-8"?>
+<file path=ppt/slides/slide51.xml><?xml version="1.0" encoding="utf-8"?>
 <p:sld xmlns:a="http://schemas.openxmlformats.org/drawingml/2006/main" xmlns:r="http://schemas.openxmlformats.org/officeDocument/2006/relationships" xmlns:p="http://schemas.openxmlformats.org/presentationml/2006/main">
   <p:cSld>
     <p:spTree>
@@ -27996,7 +27768,7 @@
 </p:sld>
 </file>
 
-<file path=ppt/slides/slide53.xml><?xml version="1.0" encoding="utf-8"?>
+<file path=ppt/slides/slide52.xml><?xml version="1.0" encoding="utf-8"?>
 <p:sld xmlns:a="http://schemas.openxmlformats.org/drawingml/2006/main" xmlns:r="http://schemas.openxmlformats.org/officeDocument/2006/relationships" xmlns:p="http://schemas.openxmlformats.org/presentationml/2006/main">
   <p:cSld>
     <p:spTree>
@@ -28317,7 +28089,7 @@
 </p:sld>
 </file>
 
-<file path=ppt/slides/slide54.xml><?xml version="1.0" encoding="utf-8"?>
+<file path=ppt/slides/slide53.xml><?xml version="1.0" encoding="utf-8"?>
 <p:sld xmlns:a="http://schemas.openxmlformats.org/drawingml/2006/main" xmlns:r="http://schemas.openxmlformats.org/officeDocument/2006/relationships" xmlns:p="http://schemas.openxmlformats.org/presentationml/2006/main">
   <p:cSld>
     <p:spTree>
@@ -28405,7 +28177,7 @@
 </p:sld>
 </file>
 
-<file path=ppt/slides/slide55.xml><?xml version="1.0" encoding="utf-8"?>
+<file path=ppt/slides/slide54.xml><?xml version="1.0" encoding="utf-8"?>
 <p:sld xmlns:a="http://schemas.openxmlformats.org/drawingml/2006/main" xmlns:r="http://schemas.openxmlformats.org/officeDocument/2006/relationships" xmlns:p="http://schemas.openxmlformats.org/presentationml/2006/main">
   <p:cSld>
     <p:spTree>
@@ -32774,7 +32546,7 @@
 </p:sld>
 </file>
 
-<file path=ppt/slides/slide56.xml><?xml version="1.0" encoding="utf-8"?>
+<file path=ppt/slides/slide55.xml><?xml version="1.0" encoding="utf-8"?>
 <p:sld xmlns:a="http://schemas.openxmlformats.org/drawingml/2006/main" xmlns:r="http://schemas.openxmlformats.org/officeDocument/2006/relationships" xmlns:p="http://schemas.openxmlformats.org/presentationml/2006/main">
   <p:cSld>
     <p:spTree>
@@ -32834,7 +32606,7 @@
           <a:graphicData uri="http://schemas.openxmlformats.org/presentationml/2006/ole">
             <mc:AlternateContent xmlns:mc="http://schemas.openxmlformats.org/markup-compatibility/2006">
               <mc:Choice xmlns:v="urn:schemas-microsoft-com:vml" Requires="v">
-                <p:oleObj spid="_x0000_s1077" r:id="rId3" imgW="8211820" imgH="4580890" progId="Visio.Drawing.11">
+                <p:oleObj spid="_x0000_s1078" r:id="rId3" imgW="8211820" imgH="4580890" progId="Visio.Drawing.11">
                   <p:embed/>
                 </p:oleObj>
               </mc:Choice>
@@ -32886,7 +32658,7 @@
 </p:sld>
 </file>
 
-<file path=ppt/slides/slide57.xml><?xml version="1.0" encoding="utf-8"?>
+<file path=ppt/slides/slide56.xml><?xml version="1.0" encoding="utf-8"?>
 <p:sld xmlns:a="http://schemas.openxmlformats.org/drawingml/2006/main" xmlns:r="http://schemas.openxmlformats.org/officeDocument/2006/relationships" xmlns:p="http://schemas.openxmlformats.org/presentationml/2006/main">
   <p:cSld>
     <p:spTree>
@@ -32965,6 +32737,349 @@
     <p:extLst>
       <p:ext uri="{BB962C8B-B14F-4D97-AF65-F5344CB8AC3E}">
         <p14:creationId xmlns:p14="http://schemas.microsoft.com/office/powerpoint/2010/main" val="1063305242"/>
+      </p:ext>
+    </p:extLst>
+  </p:cSld>
+  <p:clrMapOvr>
+    <a:masterClrMapping/>
+  </p:clrMapOvr>
+</p:sld>
+</file>
+
+<file path=ppt/slides/slide57.xml><?xml version="1.0" encoding="utf-8"?>
+<p:sld xmlns:a="http://schemas.openxmlformats.org/drawingml/2006/main" xmlns:r="http://schemas.openxmlformats.org/officeDocument/2006/relationships" xmlns:p="http://schemas.openxmlformats.org/presentationml/2006/main">
+  <p:cSld>
+    <p:spTree>
+      <p:nvGrpSpPr>
+        <p:cNvPr id="1" name=""/>
+        <p:cNvGrpSpPr/>
+        <p:nvPr/>
+      </p:nvGrpSpPr>
+      <p:grpSpPr>
+        <a:xfrm>
+          <a:off x="0" y="0"/>
+          <a:ext cx="0" cy="0"/>
+          <a:chOff x="0" y="0"/>
+          <a:chExt cx="0" cy="0"/>
+        </a:xfrm>
+      </p:grpSpPr>
+      <p:sp>
+        <p:nvSpPr>
+          <p:cNvPr id="2" name="标题 1"/>
+          <p:cNvSpPr>
+            <a:spLocks noGrp="1"/>
+          </p:cNvSpPr>
+          <p:nvPr>
+            <p:ph type="title"/>
+          </p:nvPr>
+        </p:nvSpPr>
+        <p:spPr>
+          <a:xfrm>
+            <a:off x="646111" y="452718"/>
+            <a:ext cx="9404723" cy="1400530"/>
+          </a:xfrm>
+        </p:spPr>
+        <p:txBody>
+          <a:bodyPr/>
+          <a:lstStyle/>
+          <a:p>
+            <a:r>
+              <a:rPr lang="zh-CN" altLang="en-US" dirty="0"/>
+              <a:t>参考资料</a:t>
+            </a:r>
+          </a:p>
+        </p:txBody>
+      </p:sp>
+      <p:sp>
+        <p:nvSpPr>
+          <p:cNvPr id="3" name="文本框 5"/>
+          <p:cNvSpPr txBox="1"/>
+          <p:nvPr/>
+        </p:nvSpPr>
+        <p:spPr>
+          <a:xfrm>
+            <a:off x="604615" y="1505674"/>
+            <a:ext cx="10877266" cy="2554545"/>
+          </a:xfrm>
+          <a:prstGeom prst="rect">
+            <a:avLst/>
+          </a:prstGeom>
+          <a:noFill/>
+        </p:spPr>
+        <p:txBody>
+          <a:bodyPr wrap="square" rtlCol="0">
+            <a:spAutoFit/>
+          </a:bodyPr>
+          <a:lstStyle/>
+          <a:p>
+            <a:r>
+              <a:rPr lang="zh-CN" altLang="en-US" sz="2000" b="1" dirty="0">
+                <a:solidFill>
+                  <a:schemeClr val="tx1">
+                    <a:lumMod val="50000"/>
+                    <a:lumOff val="50000"/>
+                  </a:schemeClr>
+                </a:solidFill>
+                <a:latin typeface="微软雅黑" panose="020B0503020204020204" pitchFamily="34" charset="-122"/>
+                <a:ea typeface="微软雅黑" panose="020B0503020204020204" pitchFamily="34" charset="-122"/>
+              </a:rPr>
+              <a:t>项目章程</a:t>
+            </a:r>
+          </a:p>
+          <a:p>
+            <a:r>
+              <a:rPr lang="zh-CN" altLang="en-US" sz="2000" b="1" dirty="0">
+                <a:solidFill>
+                  <a:schemeClr val="tx1">
+                    <a:lumMod val="50000"/>
+                    <a:lumOff val="50000"/>
+                  </a:schemeClr>
+                </a:solidFill>
+                <a:latin typeface="微软雅黑" panose="020B0503020204020204" pitchFamily="34" charset="-122"/>
+                <a:ea typeface="微软雅黑" panose="020B0503020204020204" pitchFamily="34" charset="-122"/>
+              </a:rPr>
+              <a:t>百度文库</a:t>
+            </a:r>
+            <a:r>
+              <a:rPr lang="en-US" altLang="zh-CN" sz="2000" b="1" dirty="0">
+                <a:solidFill>
+                  <a:schemeClr val="tx1">
+                    <a:lumMod val="50000"/>
+                    <a:lumOff val="50000"/>
+                  </a:schemeClr>
+                </a:solidFill>
+                <a:latin typeface="微软雅黑" panose="020B0503020204020204" pitchFamily="34" charset="-122"/>
+                <a:ea typeface="微软雅黑" panose="020B0503020204020204" pitchFamily="34" charset="-122"/>
+              </a:rPr>
+              <a:t>--</a:t>
+            </a:r>
+            <a:r>
+              <a:rPr lang="zh-CN" altLang="en-US" sz="2000" b="1" dirty="0">
+                <a:solidFill>
+                  <a:schemeClr val="tx1">
+                    <a:lumMod val="50000"/>
+                    <a:lumOff val="50000"/>
+                  </a:schemeClr>
+                </a:solidFill>
+                <a:latin typeface="微软雅黑" panose="020B0503020204020204" pitchFamily="34" charset="-122"/>
+                <a:ea typeface="微软雅黑" panose="020B0503020204020204" pitchFamily="34" charset="-122"/>
+              </a:rPr>
+              <a:t>需求工程计划</a:t>
+            </a:r>
+            <a:r>
+              <a:rPr lang="en-US" altLang="zh-CN" sz="2000" b="1" dirty="0">
+                <a:solidFill>
+                  <a:schemeClr val="tx1">
+                    <a:lumMod val="50000"/>
+                    <a:lumOff val="50000"/>
+                  </a:schemeClr>
+                </a:solidFill>
+                <a:latin typeface="微软雅黑" panose="020B0503020204020204" pitchFamily="34" charset="-122"/>
+                <a:ea typeface="微软雅黑" panose="020B0503020204020204" pitchFamily="34" charset="-122"/>
+              </a:rPr>
+              <a:t>-</a:t>
+            </a:r>
+            <a:r>
+              <a:rPr lang="zh-CN" altLang="en-US" sz="2000" b="1" dirty="0">
+                <a:solidFill>
+                  <a:schemeClr val="tx1">
+                    <a:lumMod val="50000"/>
+                    <a:lumOff val="50000"/>
+                  </a:schemeClr>
+                </a:solidFill>
+                <a:latin typeface="微软雅黑" panose="020B0503020204020204" pitchFamily="34" charset="-122"/>
+                <a:ea typeface="微软雅黑" panose="020B0503020204020204" pitchFamily="34" charset="-122"/>
+              </a:rPr>
+              <a:t>初步模板，</a:t>
+            </a:r>
+          </a:p>
+          <a:p>
+            <a:r>
+              <a:rPr lang="en-US" altLang="zh-CN" sz="2000" b="1" dirty="0">
+                <a:solidFill>
+                  <a:schemeClr val="tx1">
+                    <a:lumMod val="50000"/>
+                    <a:lumOff val="50000"/>
+                  </a:schemeClr>
+                </a:solidFill>
+                <a:latin typeface="微软雅黑" panose="020B0503020204020204" pitchFamily="34" charset="-122"/>
+                <a:ea typeface="微软雅黑" panose="020B0503020204020204" pitchFamily="34" charset="-122"/>
+                <a:hlinkClick r:id="rId2"/>
+              </a:rPr>
+              <a:t>http://wenku.baidu.com/link?url=2vQ4d4SoRVorLmbRLWlgyanScSDFLph_oTwHyUZJQJx_lYmBWJlpidjMQoBUDnEFyY70nIqXFBGoLw77N1IZtTMqHRXNv_Ao82EOBp9lCDi</a:t>
+            </a:r>
+            <a:r>
+              <a:rPr lang="zh-CN" altLang="en-US" sz="2000" b="1" dirty="0">
+                <a:solidFill>
+                  <a:schemeClr val="tx1">
+                    <a:lumMod val="50000"/>
+                    <a:lumOff val="50000"/>
+                  </a:schemeClr>
+                </a:solidFill>
+                <a:latin typeface="微软雅黑" panose="020B0503020204020204" pitchFamily="34" charset="-122"/>
+                <a:ea typeface="微软雅黑" panose="020B0503020204020204" pitchFamily="34" charset="-122"/>
+                <a:hlinkClick r:id="rId2"/>
+              </a:rPr>
+              <a:t>，</a:t>
+            </a:r>
+            <a:r>
+              <a:rPr lang="en-US" altLang="zh-CN" sz="2000" b="1" dirty="0">
+                <a:solidFill>
+                  <a:schemeClr val="tx1">
+                    <a:lumMod val="50000"/>
+                    <a:lumOff val="50000"/>
+                  </a:schemeClr>
+                </a:solidFill>
+                <a:latin typeface="微软雅黑" panose="020B0503020204020204" pitchFamily="34" charset="-122"/>
+                <a:ea typeface="微软雅黑" panose="020B0503020204020204" pitchFamily="34" charset="-122"/>
+                <a:hlinkClick r:id="rId2"/>
+              </a:rPr>
+              <a:t>20150929</a:t>
+            </a:r>
+            <a:endParaRPr lang="en-US" altLang="zh-CN" sz="2000" b="1" dirty="0">
+              <a:solidFill>
+                <a:schemeClr val="tx1">
+                  <a:lumMod val="50000"/>
+                  <a:lumOff val="50000"/>
+                </a:schemeClr>
+              </a:solidFill>
+              <a:latin typeface="微软雅黑" panose="020B0503020204020204" pitchFamily="34" charset="-122"/>
+              <a:ea typeface="微软雅黑" panose="020B0503020204020204" pitchFamily="34" charset="-122"/>
+            </a:endParaRPr>
+          </a:p>
+          <a:p>
+            <a:r>
+              <a:rPr lang="en-US" altLang="zh-CN" sz="2000" b="1" dirty="0">
+                <a:solidFill>
+                  <a:schemeClr val="tx1">
+                    <a:lumMod val="50000"/>
+                    <a:lumOff val="50000"/>
+                  </a:schemeClr>
+                </a:solidFill>
+                <a:latin typeface="微软雅黑" panose="020B0503020204020204" pitchFamily="34" charset="-122"/>
+                <a:ea typeface="微软雅黑" panose="020B0503020204020204" pitchFamily="34" charset="-122"/>
+              </a:rPr>
+              <a:t>《</a:t>
+            </a:r>
+            <a:r>
+              <a:rPr lang="zh-CN" altLang="en-US" sz="2000" b="1" dirty="0">
+                <a:solidFill>
+                  <a:schemeClr val="tx1">
+                    <a:lumMod val="50000"/>
+                    <a:lumOff val="50000"/>
+                  </a:schemeClr>
+                </a:solidFill>
+                <a:latin typeface="微软雅黑" panose="020B0503020204020204" pitchFamily="34" charset="-122"/>
+                <a:ea typeface="微软雅黑" panose="020B0503020204020204" pitchFamily="34" charset="-122"/>
+              </a:rPr>
+              <a:t>软件需求（第三版）</a:t>
+            </a:r>
+            <a:r>
+              <a:rPr lang="en-US" altLang="zh-CN" sz="2000" b="1" dirty="0">
+                <a:solidFill>
+                  <a:schemeClr val="tx1">
+                    <a:lumMod val="50000"/>
+                    <a:lumOff val="50000"/>
+                  </a:schemeClr>
+                </a:solidFill>
+                <a:latin typeface="微软雅黑" panose="020B0503020204020204" pitchFamily="34" charset="-122"/>
+                <a:ea typeface="微软雅黑" panose="020B0503020204020204" pitchFamily="34" charset="-122"/>
+              </a:rPr>
+              <a:t>》 </a:t>
+            </a:r>
+            <a:r>
+              <a:rPr lang="zh-CN" altLang="en-US" sz="2000" b="1" dirty="0">
+                <a:solidFill>
+                  <a:schemeClr val="tx1">
+                    <a:lumMod val="50000"/>
+                    <a:lumOff val="50000"/>
+                  </a:schemeClr>
+                </a:solidFill>
+                <a:latin typeface="微软雅黑" panose="020B0503020204020204" pitchFamily="34" charset="-122"/>
+                <a:ea typeface="微软雅黑" panose="020B0503020204020204" pitchFamily="34" charset="-122"/>
+              </a:rPr>
+              <a:t>清华大学出版社</a:t>
+            </a:r>
+            <a:endParaRPr lang="en-US" altLang="zh-CN" sz="2000" b="1" dirty="0">
+              <a:solidFill>
+                <a:schemeClr val="tx1">
+                  <a:lumMod val="50000"/>
+                  <a:lumOff val="50000"/>
+                </a:schemeClr>
+              </a:solidFill>
+              <a:latin typeface="微软雅黑" panose="020B0503020204020204" pitchFamily="34" charset="-122"/>
+              <a:ea typeface="微软雅黑" panose="020B0503020204020204" pitchFamily="34" charset="-122"/>
+            </a:endParaRPr>
+          </a:p>
+          <a:p>
+            <a:r>
+              <a:rPr lang="zh-CN" altLang="en-US" sz="2000" b="1" dirty="0">
+                <a:solidFill>
+                  <a:schemeClr val="tx1">
+                    <a:lumMod val="50000"/>
+                    <a:lumOff val="50000"/>
+                  </a:schemeClr>
+                </a:solidFill>
+                <a:latin typeface="微软雅黑" panose="020B0503020204020204" pitchFamily="34" charset="-122"/>
+                <a:ea typeface="微软雅黑" panose="020B0503020204020204" pitchFamily="34" charset="-122"/>
+              </a:rPr>
+              <a:t>国标标准文档</a:t>
+            </a:r>
+            <a:endParaRPr lang="en-US" altLang="zh-CN" sz="2000" b="1" dirty="0">
+              <a:solidFill>
+                <a:schemeClr val="tx1">
+                  <a:lumMod val="50000"/>
+                  <a:lumOff val="50000"/>
+                </a:schemeClr>
+              </a:solidFill>
+              <a:latin typeface="微软雅黑" panose="020B0503020204020204" pitchFamily="34" charset="-122"/>
+              <a:ea typeface="微软雅黑" panose="020B0503020204020204" pitchFamily="34" charset="-122"/>
+            </a:endParaRPr>
+          </a:p>
+          <a:p>
+            <a:r>
+              <a:rPr lang="en-US" altLang="zh-CN" sz="2000" b="1" dirty="0">
+                <a:solidFill>
+                  <a:schemeClr val="tx1">
+                    <a:lumMod val="50000"/>
+                    <a:lumOff val="50000"/>
+                  </a:schemeClr>
+                </a:solidFill>
+                <a:latin typeface="微软雅黑" panose="020B0503020204020204" pitchFamily="34" charset="-122"/>
+                <a:ea typeface="微软雅黑" panose="020B0503020204020204" pitchFamily="34" charset="-122"/>
+              </a:rPr>
+              <a:t>ISO</a:t>
+            </a:r>
+            <a:r>
+              <a:rPr lang="zh-CN" altLang="en-US" sz="2000" b="1" dirty="0">
+                <a:solidFill>
+                  <a:schemeClr val="tx1">
+                    <a:lumMod val="50000"/>
+                    <a:lumOff val="50000"/>
+                  </a:schemeClr>
+                </a:solidFill>
+                <a:latin typeface="微软雅黑" panose="020B0503020204020204" pitchFamily="34" charset="-122"/>
+                <a:ea typeface="微软雅黑" panose="020B0503020204020204" pitchFamily="34" charset="-122"/>
+              </a:rPr>
+              <a:t>标准文档</a:t>
+            </a:r>
+            <a:endParaRPr lang="en-US" altLang="zh-CN" sz="2000" b="1" dirty="0">
+              <a:solidFill>
+                <a:schemeClr val="tx1">
+                  <a:lumMod val="50000"/>
+                  <a:lumOff val="50000"/>
+                </a:schemeClr>
+              </a:solidFill>
+              <a:latin typeface="微软雅黑" panose="020B0503020204020204" pitchFamily="34" charset="-122"/>
+              <a:ea typeface="微软雅黑" panose="020B0503020204020204" pitchFamily="34" charset="-122"/>
+            </a:endParaRPr>
+          </a:p>
+        </p:txBody>
+      </p:sp>
+    </p:spTree>
+    <p:extLst>
+      <p:ext uri="{BB962C8B-B14F-4D97-AF65-F5344CB8AC3E}">
+        <p14:creationId xmlns:p14="http://schemas.microsoft.com/office/powerpoint/2010/main" val="2771957639"/>
       </p:ext>
     </p:extLst>
   </p:cSld>
@@ -33003,8 +33118,8 @@
         </p:nvSpPr>
         <p:spPr>
           <a:xfrm>
-            <a:off x="646111" y="452718"/>
-            <a:ext cx="9404723" cy="1400530"/>
+            <a:off x="1574801" y="1952341"/>
+            <a:ext cx="7863113" cy="2690416"/>
           </a:xfrm>
         </p:spPr>
         <p:txBody>
@@ -33012,294 +33127,39 @@
           <a:lstStyle/>
           <a:p>
             <a:r>
-              <a:rPr lang="zh-CN" altLang="en-US" dirty="0"/>
-              <a:t>参考资料</a:t>
-            </a:r>
-          </a:p>
-        </p:txBody>
-      </p:sp>
-      <p:sp>
-        <p:nvSpPr>
-          <p:cNvPr id="3" name="文本框 5"/>
-          <p:cNvSpPr txBox="1"/>
-          <p:nvPr/>
-        </p:nvSpPr>
-        <p:spPr>
-          <a:xfrm>
-            <a:off x="604615" y="1505674"/>
-            <a:ext cx="10877266" cy="2554545"/>
-          </a:xfrm>
-          <a:prstGeom prst="rect">
-            <a:avLst/>
-          </a:prstGeom>
-          <a:noFill/>
-        </p:spPr>
-        <p:txBody>
-          <a:bodyPr wrap="square" rtlCol="0">
-            <a:spAutoFit/>
-          </a:bodyPr>
-          <a:lstStyle/>
-          <a:p>
-            <a:r>
-              <a:rPr lang="zh-CN" altLang="en-US" sz="2000" b="1" dirty="0">
-                <a:solidFill>
-                  <a:schemeClr val="tx1">
-                    <a:lumMod val="50000"/>
-                    <a:lumOff val="50000"/>
-                  </a:schemeClr>
-                </a:solidFill>
-                <a:latin typeface="微软雅黑" panose="020B0503020204020204" pitchFamily="34" charset="-122"/>
-                <a:ea typeface="微软雅黑" panose="020B0503020204020204" pitchFamily="34" charset="-122"/>
+              <a:rPr lang="zh-CN" altLang="en-US" sz="9600" dirty="0">
+                <a:latin typeface="Microsoft YaHei UI" panose="020B0503020204020204" pitchFamily="34" charset="-122"/>
+                <a:ea typeface="Microsoft YaHei UI" panose="020B0503020204020204" pitchFamily="34" charset="-122"/>
               </a:rPr>
-              <a:t>项目章程</a:t>
-            </a:r>
-          </a:p>
-          <a:p>
-            <a:r>
-              <a:rPr lang="zh-CN" altLang="en-US" sz="2000" b="1" dirty="0">
-                <a:solidFill>
-                  <a:schemeClr val="tx1">
-                    <a:lumMod val="50000"/>
-                    <a:lumOff val="50000"/>
-                  </a:schemeClr>
-                </a:solidFill>
-                <a:latin typeface="微软雅黑" panose="020B0503020204020204" pitchFamily="34" charset="-122"/>
-                <a:ea typeface="微软雅黑" panose="020B0503020204020204" pitchFamily="34" charset="-122"/>
+              <a:t>第</a:t>
+            </a:r>
+            <a:r>
+              <a:rPr lang="en-US" altLang="zh-CN" sz="9600" dirty="0">
+                <a:latin typeface="Microsoft YaHei UI" panose="020B0503020204020204" pitchFamily="34" charset="-122"/>
+                <a:ea typeface="Microsoft YaHei UI" panose="020B0503020204020204" pitchFamily="34" charset="-122"/>
               </a:rPr>
-              <a:t>百度文库</a:t>
-            </a:r>
-            <a:r>
-              <a:rPr lang="en-US" altLang="zh-CN" sz="2000" b="1" dirty="0">
-                <a:solidFill>
-                  <a:schemeClr val="tx1">
-                    <a:lumMod val="50000"/>
-                    <a:lumOff val="50000"/>
-                  </a:schemeClr>
-                </a:solidFill>
-                <a:latin typeface="微软雅黑" panose="020B0503020204020204" pitchFamily="34" charset="-122"/>
-                <a:ea typeface="微软雅黑" panose="020B0503020204020204" pitchFamily="34" charset="-122"/>
+              <a:t>11</a:t>
+            </a:r>
+            <a:r>
+              <a:rPr lang="zh-CN" altLang="en-US" sz="9600" dirty="0">
+                <a:latin typeface="Microsoft YaHei UI" panose="020B0503020204020204" pitchFamily="34" charset="-122"/>
+                <a:ea typeface="Microsoft YaHei UI" panose="020B0503020204020204" pitchFamily="34" charset="-122"/>
               </a:rPr>
-              <a:t>--</a:t>
-            </a:r>
-            <a:r>
-              <a:rPr lang="zh-CN" altLang="en-US" sz="2000" b="1" dirty="0">
-                <a:solidFill>
-                  <a:schemeClr val="tx1">
-                    <a:lumMod val="50000"/>
-                    <a:lumOff val="50000"/>
-                  </a:schemeClr>
-                </a:solidFill>
-                <a:latin typeface="微软雅黑" panose="020B0503020204020204" pitchFamily="34" charset="-122"/>
-                <a:ea typeface="微软雅黑" panose="020B0503020204020204" pitchFamily="34" charset="-122"/>
-              </a:rPr>
-              <a:t>需求工程计划</a:t>
-            </a:r>
-            <a:r>
-              <a:rPr lang="en-US" altLang="zh-CN" sz="2000" b="1" dirty="0">
-                <a:solidFill>
-                  <a:schemeClr val="tx1">
-                    <a:lumMod val="50000"/>
-                    <a:lumOff val="50000"/>
-                  </a:schemeClr>
-                </a:solidFill>
-                <a:latin typeface="微软雅黑" panose="020B0503020204020204" pitchFamily="34" charset="-122"/>
-                <a:ea typeface="微软雅黑" panose="020B0503020204020204" pitchFamily="34" charset="-122"/>
-              </a:rPr>
-              <a:t>-</a:t>
-            </a:r>
-            <a:r>
-              <a:rPr lang="zh-CN" altLang="en-US" sz="2000" b="1" dirty="0">
-                <a:solidFill>
-                  <a:schemeClr val="tx1">
-                    <a:lumMod val="50000"/>
-                    <a:lumOff val="50000"/>
-                  </a:schemeClr>
-                </a:solidFill>
-                <a:latin typeface="微软雅黑" panose="020B0503020204020204" pitchFamily="34" charset="-122"/>
-                <a:ea typeface="微软雅黑" panose="020B0503020204020204" pitchFamily="34" charset="-122"/>
-              </a:rPr>
-              <a:t>初步模板，</a:t>
-            </a:r>
-          </a:p>
-          <a:p>
-            <a:r>
-              <a:rPr lang="en-US" altLang="zh-CN" sz="2000" b="1" dirty="0">
-                <a:solidFill>
-                  <a:schemeClr val="tx1">
-                    <a:lumMod val="50000"/>
-                    <a:lumOff val="50000"/>
-                  </a:schemeClr>
-                </a:solidFill>
-                <a:latin typeface="微软雅黑" panose="020B0503020204020204" pitchFamily="34" charset="-122"/>
-                <a:ea typeface="微软雅黑" panose="020B0503020204020204" pitchFamily="34" charset="-122"/>
-                <a:hlinkClick r:id="rId2"/>
-              </a:rPr>
-              <a:t>http://wenku.baidu.com/link?url=2vQ4d4SoRVorLmbRLWlgyanScSDFLph_oTwHyUZJQJx_lYmBWJlpidjMQoBUDnEFyY70nIqXFBGoLw77N1IZtTMqHRXNv_Ao82EOBp9lCDi</a:t>
-            </a:r>
-            <a:r>
-              <a:rPr lang="zh-CN" altLang="en-US" sz="2000" b="1" dirty="0">
-                <a:solidFill>
-                  <a:schemeClr val="tx1">
-                    <a:lumMod val="50000"/>
-                    <a:lumOff val="50000"/>
-                  </a:schemeClr>
-                </a:solidFill>
-                <a:latin typeface="微软雅黑" panose="020B0503020204020204" pitchFamily="34" charset="-122"/>
-                <a:ea typeface="微软雅黑" panose="020B0503020204020204" pitchFamily="34" charset="-122"/>
-                <a:hlinkClick r:id="rId2"/>
-              </a:rPr>
-              <a:t>，</a:t>
-            </a:r>
-            <a:r>
-              <a:rPr lang="en-US" altLang="zh-CN" sz="2000" b="1" dirty="0">
-                <a:solidFill>
-                  <a:schemeClr val="tx1">
-                    <a:lumMod val="50000"/>
-                    <a:lumOff val="50000"/>
-                  </a:schemeClr>
-                </a:solidFill>
-                <a:latin typeface="微软雅黑" panose="020B0503020204020204" pitchFamily="34" charset="-122"/>
-                <a:ea typeface="微软雅黑" panose="020B0503020204020204" pitchFamily="34" charset="-122"/>
-                <a:hlinkClick r:id="rId2"/>
-              </a:rPr>
-              <a:t>20150929</a:t>
-            </a:r>
-            <a:endParaRPr lang="en-US" altLang="zh-CN" sz="2000" b="1" dirty="0">
-              <a:solidFill>
-                <a:schemeClr val="tx1">
-                  <a:lumMod val="50000"/>
-                  <a:lumOff val="50000"/>
-                </a:schemeClr>
-              </a:solidFill>
-              <a:latin typeface="微软雅黑" panose="020B0503020204020204" pitchFamily="34" charset="-122"/>
-              <a:ea typeface="微软雅黑" panose="020B0503020204020204" pitchFamily="34" charset="-122"/>
-            </a:endParaRPr>
-          </a:p>
-          <a:p>
-            <a:r>
-              <a:rPr lang="en-US" altLang="zh-CN" sz="2000" b="1" dirty="0">
-                <a:solidFill>
-                  <a:schemeClr val="tx1">
-                    <a:lumMod val="50000"/>
-                    <a:lumOff val="50000"/>
-                  </a:schemeClr>
-                </a:solidFill>
-                <a:latin typeface="微软雅黑" panose="020B0503020204020204" pitchFamily="34" charset="-122"/>
-                <a:ea typeface="微软雅黑" panose="020B0503020204020204" pitchFamily="34" charset="-122"/>
-              </a:rPr>
-              <a:t>《</a:t>
-            </a:r>
-            <a:r>
-              <a:rPr lang="zh-CN" altLang="en-US" sz="2000" b="1" dirty="0">
-                <a:solidFill>
-                  <a:schemeClr val="tx1">
-                    <a:lumMod val="50000"/>
-                    <a:lumOff val="50000"/>
-                  </a:schemeClr>
-                </a:solidFill>
-                <a:latin typeface="微软雅黑" panose="020B0503020204020204" pitchFamily="34" charset="-122"/>
-                <a:ea typeface="微软雅黑" panose="020B0503020204020204" pitchFamily="34" charset="-122"/>
-              </a:rPr>
-              <a:t>软件需求（第三版）</a:t>
-            </a:r>
-            <a:r>
-              <a:rPr lang="en-US" altLang="zh-CN" sz="2000" b="1" dirty="0">
-                <a:solidFill>
-                  <a:schemeClr val="tx1">
-                    <a:lumMod val="50000"/>
-                    <a:lumOff val="50000"/>
-                  </a:schemeClr>
-                </a:solidFill>
-                <a:latin typeface="微软雅黑" panose="020B0503020204020204" pitchFamily="34" charset="-122"/>
-                <a:ea typeface="微软雅黑" panose="020B0503020204020204" pitchFamily="34" charset="-122"/>
-              </a:rPr>
-              <a:t>》 </a:t>
-            </a:r>
-            <a:r>
-              <a:rPr lang="zh-CN" altLang="en-US" sz="2000" b="1" dirty="0">
-                <a:solidFill>
-                  <a:schemeClr val="tx1">
-                    <a:lumMod val="50000"/>
-                    <a:lumOff val="50000"/>
-                  </a:schemeClr>
-                </a:solidFill>
-                <a:latin typeface="微软雅黑" panose="020B0503020204020204" pitchFamily="34" charset="-122"/>
-                <a:ea typeface="微软雅黑" panose="020B0503020204020204" pitchFamily="34" charset="-122"/>
-              </a:rPr>
-              <a:t>清华大学出版社</a:t>
-            </a:r>
-            <a:endParaRPr lang="en-US" altLang="zh-CN" sz="2000" b="1" dirty="0">
-              <a:solidFill>
-                <a:schemeClr val="tx1">
-                  <a:lumMod val="50000"/>
-                  <a:lumOff val="50000"/>
-                </a:schemeClr>
-              </a:solidFill>
-              <a:latin typeface="微软雅黑" panose="020B0503020204020204" pitchFamily="34" charset="-122"/>
-              <a:ea typeface="微软雅黑" panose="020B0503020204020204" pitchFamily="34" charset="-122"/>
-            </a:endParaRPr>
-          </a:p>
-          <a:p>
-            <a:r>
-              <a:rPr lang="zh-CN" altLang="en-US" sz="2000" b="1" dirty="0">
-                <a:solidFill>
-                  <a:schemeClr val="tx1">
-                    <a:lumMod val="50000"/>
-                    <a:lumOff val="50000"/>
-                  </a:schemeClr>
-                </a:solidFill>
-                <a:latin typeface="微软雅黑" panose="020B0503020204020204" pitchFamily="34" charset="-122"/>
-                <a:ea typeface="微软雅黑" panose="020B0503020204020204" pitchFamily="34" charset="-122"/>
-              </a:rPr>
-              <a:t>国标标准文档</a:t>
-            </a:r>
-            <a:endParaRPr lang="en-US" altLang="zh-CN" sz="2000" b="1" dirty="0">
-              <a:solidFill>
-                <a:schemeClr val="tx1">
-                  <a:lumMod val="50000"/>
-                  <a:lumOff val="50000"/>
-                </a:schemeClr>
-              </a:solidFill>
-              <a:latin typeface="微软雅黑" panose="020B0503020204020204" pitchFamily="34" charset="-122"/>
-              <a:ea typeface="微软雅黑" panose="020B0503020204020204" pitchFamily="34" charset="-122"/>
-            </a:endParaRPr>
-          </a:p>
-          <a:p>
-            <a:r>
-              <a:rPr lang="en-US" altLang="zh-CN" sz="2000" b="1" dirty="0">
-                <a:solidFill>
-                  <a:schemeClr val="tx1">
-                    <a:lumMod val="50000"/>
-                    <a:lumOff val="50000"/>
-                  </a:schemeClr>
-                </a:solidFill>
-                <a:latin typeface="微软雅黑" panose="020B0503020204020204" pitchFamily="34" charset="-122"/>
-                <a:ea typeface="微软雅黑" panose="020B0503020204020204" pitchFamily="34" charset="-122"/>
-              </a:rPr>
-              <a:t>ISO</a:t>
-            </a:r>
-            <a:r>
-              <a:rPr lang="zh-CN" altLang="en-US" sz="2000" b="1" dirty="0">
-                <a:solidFill>
-                  <a:schemeClr val="tx1">
-                    <a:lumMod val="50000"/>
-                    <a:lumOff val="50000"/>
-                  </a:schemeClr>
-                </a:solidFill>
-                <a:latin typeface="微软雅黑" panose="020B0503020204020204" pitchFamily="34" charset="-122"/>
-                <a:ea typeface="微软雅黑" panose="020B0503020204020204" pitchFamily="34" charset="-122"/>
-              </a:rPr>
-              <a:t>标准文档</a:t>
-            </a:r>
-            <a:endParaRPr lang="en-US" altLang="zh-CN" sz="2000" b="1" dirty="0">
-              <a:solidFill>
-                <a:schemeClr val="tx1">
-                  <a:lumMod val="50000"/>
-                  <a:lumOff val="50000"/>
-                </a:schemeClr>
-              </a:solidFill>
-              <a:latin typeface="微软雅黑" panose="020B0503020204020204" pitchFamily="34" charset="-122"/>
-              <a:ea typeface="微软雅黑" panose="020B0503020204020204" pitchFamily="34" charset="-122"/>
+              <a:t>章 </a:t>
+            </a:r>
+            <a:br>
+              <a:rPr lang="en-US" altLang="zh-CN" sz="9600" dirty="0"/>
+            </a:br>
+            <a:r>
+              <a:rPr lang="zh-CN" altLang="en-US" sz="9600" dirty="0"/>
+              <a:t>小组分工</a:t>
+            </a:r>
+            <a:br>
+              <a:rPr lang="zh-CN" altLang="en-US" sz="9600" dirty="0"/>
+            </a:br>
+            <a:endParaRPr lang="zh-CN" sz="9600" dirty="0">
+              <a:latin typeface="Microsoft YaHei UI" panose="020B0503020204020204" pitchFamily="34" charset="-122"/>
+              <a:ea typeface="Microsoft YaHei UI" panose="020B0503020204020204" pitchFamily="34" charset="-122"/>
             </a:endParaRPr>
           </a:p>
         </p:txBody>
@@ -33307,7 +33167,7 @@
     </p:spTree>
     <p:extLst>
       <p:ext uri="{BB962C8B-B14F-4D97-AF65-F5344CB8AC3E}">
-        <p14:creationId xmlns:p14="http://schemas.microsoft.com/office/powerpoint/2010/main" val="2771957639"/>
+        <p14:creationId xmlns:p14="http://schemas.microsoft.com/office/powerpoint/2010/main" val="2614912902"/>
       </p:ext>
     </p:extLst>
   </p:cSld>
@@ -33346,8 +33206,8 @@
         </p:nvSpPr>
         <p:spPr>
           <a:xfrm>
-            <a:off x="1574801" y="1952341"/>
-            <a:ext cx="7863113" cy="2690416"/>
+            <a:off x="646111" y="452718"/>
+            <a:ext cx="9404723" cy="1400530"/>
           </a:xfrm>
         </p:spPr>
         <p:txBody>
@@ -33355,39 +33215,343 @@
           <a:lstStyle/>
           <a:p>
             <a:r>
-              <a:rPr lang="zh-CN" altLang="en-US" sz="9600" dirty="0">
-                <a:latin typeface="Microsoft YaHei UI" panose="020B0503020204020204" pitchFamily="34" charset="-122"/>
-                <a:ea typeface="Microsoft YaHei UI" panose="020B0503020204020204" pitchFamily="34" charset="-122"/>
+              <a:rPr lang="zh-CN" altLang="en-US" dirty="0"/>
+              <a:t>效绩评定</a:t>
+            </a:r>
+          </a:p>
+        </p:txBody>
+      </p:sp>
+      <p:sp>
+        <p:nvSpPr>
+          <p:cNvPr id="4" name="文本框 3">
+            <a:extLst>
+              <a:ext uri="{FF2B5EF4-FFF2-40B4-BE49-F238E27FC236}">
+                <a16:creationId xmlns:a16="http://schemas.microsoft.com/office/drawing/2014/main" id="{00BC4346-2A34-4211-89A7-4BB48D5913EA}"/>
+              </a:ext>
+            </a:extLst>
+          </p:cNvPr>
+          <p:cNvSpPr txBox="1"/>
+          <p:nvPr/>
+        </p:nvSpPr>
+        <p:spPr>
+          <a:xfrm>
+            <a:off x="646111" y="1754878"/>
+            <a:ext cx="8720920" cy="1569660"/>
+          </a:xfrm>
+          <a:prstGeom prst="rect">
+            <a:avLst/>
+          </a:prstGeom>
+          <a:noFill/>
+        </p:spPr>
+        <p:txBody>
+          <a:bodyPr wrap="square" rtlCol="0">
+            <a:spAutoFit/>
+          </a:bodyPr>
+          <a:lstStyle/>
+          <a:p>
+            <a:r>
+              <a:rPr lang="zh-CN" altLang="en-US" sz="1600" b="1" dirty="0">
+                <a:solidFill>
+                  <a:schemeClr val="tx1">
+                    <a:lumMod val="50000"/>
+                    <a:lumOff val="50000"/>
+                  </a:schemeClr>
+                </a:solidFill>
+                <a:latin typeface="微软雅黑" panose="020B0503020204020204" pitchFamily="34" charset="-122"/>
+                <a:ea typeface="微软雅黑" panose="020B0503020204020204" pitchFamily="34" charset="-122"/>
               </a:rPr>
-              <a:t>第</a:t>
-            </a:r>
-            <a:r>
-              <a:rPr lang="en-US" altLang="zh-CN" sz="9600" dirty="0">
-                <a:latin typeface="Microsoft YaHei UI" panose="020B0503020204020204" pitchFamily="34" charset="-122"/>
-                <a:ea typeface="Microsoft YaHei UI" panose="020B0503020204020204" pitchFamily="34" charset="-122"/>
+              <a:t>吴思楠：</a:t>
+            </a:r>
+            <a:r>
+              <a:rPr lang="en-US" altLang="zh-CN" sz="1600" b="1" dirty="0">
+                <a:solidFill>
+                  <a:schemeClr val="tx1">
+                    <a:lumMod val="50000"/>
+                    <a:lumOff val="50000"/>
+                  </a:schemeClr>
+                </a:solidFill>
+                <a:latin typeface="微软雅黑" panose="020B0503020204020204" pitchFamily="34" charset="-122"/>
+                <a:ea typeface="微软雅黑" panose="020B0503020204020204" pitchFamily="34" charset="-122"/>
               </a:rPr>
-              <a:t>11</a:t>
-            </a:r>
-            <a:r>
-              <a:rPr lang="zh-CN" altLang="en-US" sz="9600" dirty="0">
-                <a:latin typeface="Microsoft YaHei UI" panose="020B0503020204020204" pitchFamily="34" charset="-122"/>
-                <a:ea typeface="Microsoft YaHei UI" panose="020B0503020204020204" pitchFamily="34" charset="-122"/>
+              <a:t>20 </a:t>
+            </a:r>
+            <a:r>
+              <a:rPr lang="zh-CN" altLang="en-US" sz="1600" b="1" dirty="0">
+                <a:solidFill>
+                  <a:schemeClr val="tx1">
+                    <a:lumMod val="50000"/>
+                    <a:lumOff val="50000"/>
+                  </a:schemeClr>
+                </a:solidFill>
+                <a:latin typeface="微软雅黑" panose="020B0503020204020204" pitchFamily="34" charset="-122"/>
+                <a:ea typeface="微软雅黑" panose="020B0503020204020204" pitchFamily="34" charset="-122"/>
               </a:rPr>
-              <a:t>章 </a:t>
-            </a:r>
-            <a:br>
-              <a:rPr lang="en-US" altLang="zh-CN" sz="9600" dirty="0"/>
-            </a:br>
-            <a:r>
-              <a:rPr lang="zh-CN" altLang="en-US" sz="9600" dirty="0"/>
-              <a:t>小组分工</a:t>
-            </a:r>
-            <a:br>
-              <a:rPr lang="zh-CN" altLang="en-US" sz="9600" dirty="0"/>
-            </a:br>
-            <a:endParaRPr lang="zh-CN" sz="9600" dirty="0">
-              <a:latin typeface="Microsoft YaHei UI" panose="020B0503020204020204" pitchFamily="34" charset="-122"/>
-              <a:ea typeface="Microsoft YaHei UI" panose="020B0503020204020204" pitchFamily="34" charset="-122"/>
+              <a:t>所有文档审核，任务分配</a:t>
+            </a:r>
+            <a:endParaRPr lang="en-US" altLang="zh-CN" sz="1600" b="1" dirty="0">
+              <a:solidFill>
+                <a:schemeClr val="tx1">
+                  <a:lumMod val="50000"/>
+                  <a:lumOff val="50000"/>
+                </a:schemeClr>
+              </a:solidFill>
+              <a:latin typeface="微软雅黑" panose="020B0503020204020204" pitchFamily="34" charset="-122"/>
+              <a:ea typeface="微软雅黑" panose="020B0503020204020204" pitchFamily="34" charset="-122"/>
+            </a:endParaRPr>
+          </a:p>
+          <a:p>
+            <a:r>
+              <a:rPr lang="zh-CN" altLang="en-US" sz="1600" b="1" dirty="0">
+                <a:solidFill>
+                  <a:schemeClr val="tx1">
+                    <a:lumMod val="50000"/>
+                    <a:lumOff val="50000"/>
+                  </a:schemeClr>
+                </a:solidFill>
+                <a:latin typeface="微软雅黑" panose="020B0503020204020204" pitchFamily="34" charset="-122"/>
+                <a:ea typeface="微软雅黑" panose="020B0503020204020204" pitchFamily="34" charset="-122"/>
+              </a:rPr>
+              <a:t>姚天恒：</a:t>
+            </a:r>
+            <a:r>
+              <a:rPr lang="en-US" altLang="zh-CN" sz="1600" b="1" dirty="0">
+                <a:solidFill>
+                  <a:schemeClr val="tx1">
+                    <a:lumMod val="50000"/>
+                    <a:lumOff val="50000"/>
+                  </a:schemeClr>
+                </a:solidFill>
+                <a:latin typeface="微软雅黑" panose="020B0503020204020204" pitchFamily="34" charset="-122"/>
+                <a:ea typeface="微软雅黑" panose="020B0503020204020204" pitchFamily="34" charset="-122"/>
+              </a:rPr>
+              <a:t>17 </a:t>
+            </a:r>
+            <a:r>
+              <a:rPr lang="zh-CN" altLang="en-US" sz="1600" b="1" dirty="0">
+                <a:solidFill>
+                  <a:schemeClr val="tx1">
+                    <a:lumMod val="50000"/>
+                    <a:lumOff val="50000"/>
+                  </a:schemeClr>
+                </a:solidFill>
+                <a:latin typeface="微软雅黑" panose="020B0503020204020204" pitchFamily="34" charset="-122"/>
+                <a:ea typeface="微软雅黑" panose="020B0503020204020204" pitchFamily="34" charset="-122"/>
+              </a:rPr>
+              <a:t>甘特图</a:t>
+            </a:r>
+            <a:endParaRPr lang="en-US" altLang="zh-CN" sz="1600" b="1" dirty="0">
+              <a:solidFill>
+                <a:schemeClr val="tx1">
+                  <a:lumMod val="50000"/>
+                  <a:lumOff val="50000"/>
+                </a:schemeClr>
+              </a:solidFill>
+              <a:latin typeface="微软雅黑" panose="020B0503020204020204" pitchFamily="34" charset="-122"/>
+              <a:ea typeface="微软雅黑" panose="020B0503020204020204" pitchFamily="34" charset="-122"/>
+            </a:endParaRPr>
+          </a:p>
+          <a:p>
+            <a:r>
+              <a:rPr lang="zh-CN" altLang="en-US" sz="1600" b="1" dirty="0">
+                <a:solidFill>
+                  <a:schemeClr val="tx1">
+                    <a:lumMod val="50000"/>
+                    <a:lumOff val="50000"/>
+                  </a:schemeClr>
+                </a:solidFill>
+                <a:latin typeface="微软雅黑" panose="020B0503020204020204" pitchFamily="34" charset="-122"/>
+                <a:ea typeface="微软雅黑" panose="020B0503020204020204" pitchFamily="34" charset="-122"/>
+              </a:rPr>
+              <a:t>叶家威：</a:t>
+            </a:r>
+            <a:r>
+              <a:rPr lang="en-US" altLang="zh-CN" sz="1600" b="1" dirty="0">
+                <a:solidFill>
+                  <a:schemeClr val="tx1">
+                    <a:lumMod val="50000"/>
+                    <a:lumOff val="50000"/>
+                  </a:schemeClr>
+                </a:solidFill>
+                <a:latin typeface="微软雅黑" panose="020B0503020204020204" pitchFamily="34" charset="-122"/>
+                <a:ea typeface="微软雅黑" panose="020B0503020204020204" pitchFamily="34" charset="-122"/>
+              </a:rPr>
+              <a:t>15 </a:t>
+            </a:r>
+            <a:r>
+              <a:rPr lang="zh-CN" altLang="en-US" sz="1600" b="1" dirty="0">
+                <a:solidFill>
+                  <a:schemeClr val="tx1">
+                    <a:lumMod val="50000"/>
+                    <a:lumOff val="50000"/>
+                  </a:schemeClr>
+                </a:solidFill>
+                <a:latin typeface="微软雅黑" panose="020B0503020204020204" pitchFamily="34" charset="-122"/>
+                <a:ea typeface="微软雅黑" panose="020B0503020204020204" pitchFamily="34" charset="-122"/>
+              </a:rPr>
+              <a:t>会议记录，预算估计</a:t>
+            </a:r>
+            <a:endParaRPr lang="en-US" altLang="zh-CN" sz="1600" b="1" dirty="0">
+              <a:solidFill>
+                <a:schemeClr val="tx1">
+                  <a:lumMod val="50000"/>
+                  <a:lumOff val="50000"/>
+                </a:schemeClr>
+              </a:solidFill>
+              <a:latin typeface="微软雅黑" panose="020B0503020204020204" pitchFamily="34" charset="-122"/>
+              <a:ea typeface="微软雅黑" panose="020B0503020204020204" pitchFamily="34" charset="-122"/>
+            </a:endParaRPr>
+          </a:p>
+          <a:p>
+            <a:r>
+              <a:rPr lang="zh-CN" altLang="en-US" sz="1600" b="1" dirty="0">
+                <a:solidFill>
+                  <a:schemeClr val="tx1">
+                    <a:lumMod val="50000"/>
+                    <a:lumOff val="50000"/>
+                  </a:schemeClr>
+                </a:solidFill>
+                <a:latin typeface="微软雅黑" panose="020B0503020204020204" pitchFamily="34" charset="-122"/>
+                <a:ea typeface="微软雅黑" panose="020B0503020204020204" pitchFamily="34" charset="-122"/>
+              </a:rPr>
+              <a:t>沈舸帆：</a:t>
+            </a:r>
+            <a:r>
+              <a:rPr lang="en-US" altLang="zh-CN" sz="1600" b="1" dirty="0">
+                <a:solidFill>
+                  <a:schemeClr val="tx1">
+                    <a:lumMod val="50000"/>
+                    <a:lumOff val="50000"/>
+                  </a:schemeClr>
+                </a:solidFill>
+                <a:latin typeface="微软雅黑" panose="020B0503020204020204" pitchFamily="34" charset="-122"/>
+                <a:ea typeface="微软雅黑" panose="020B0503020204020204" pitchFamily="34" charset="-122"/>
+              </a:rPr>
+              <a:t>16 WBS</a:t>
+            </a:r>
+            <a:r>
+              <a:rPr lang="zh-CN" altLang="en-US" sz="1600" b="1" dirty="0">
+                <a:solidFill>
+                  <a:schemeClr val="tx1">
+                    <a:lumMod val="50000"/>
+                    <a:lumOff val="50000"/>
+                  </a:schemeClr>
+                </a:solidFill>
+                <a:latin typeface="微软雅黑" panose="020B0503020204020204" pitchFamily="34" charset="-122"/>
+                <a:ea typeface="微软雅黑" panose="020B0503020204020204" pitchFamily="34" charset="-122"/>
+              </a:rPr>
+              <a:t>表</a:t>
+            </a:r>
+            <a:endParaRPr lang="en-US" altLang="zh-CN" sz="1600" b="1" dirty="0">
+              <a:solidFill>
+                <a:schemeClr val="tx1">
+                  <a:lumMod val="50000"/>
+                  <a:lumOff val="50000"/>
+                </a:schemeClr>
+              </a:solidFill>
+              <a:latin typeface="微软雅黑" panose="020B0503020204020204" pitchFamily="34" charset="-122"/>
+              <a:ea typeface="微软雅黑" panose="020B0503020204020204" pitchFamily="34" charset="-122"/>
+            </a:endParaRPr>
+          </a:p>
+          <a:p>
+            <a:r>
+              <a:rPr lang="zh-CN" altLang="en-US" sz="1600" b="1" dirty="0">
+                <a:solidFill>
+                  <a:schemeClr val="tx1">
+                    <a:lumMod val="50000"/>
+                    <a:lumOff val="50000"/>
+                  </a:schemeClr>
+                </a:solidFill>
+                <a:latin typeface="微软雅黑" panose="020B0503020204020204" pitchFamily="34" charset="-122"/>
+                <a:ea typeface="微软雅黑" panose="020B0503020204020204" pitchFamily="34" charset="-122"/>
+              </a:rPr>
+              <a:t>沈家豪：</a:t>
+            </a:r>
+            <a:r>
+              <a:rPr lang="en-US" altLang="zh-CN" sz="1600" b="1" dirty="0">
+                <a:solidFill>
+                  <a:schemeClr val="tx1">
+                    <a:lumMod val="50000"/>
+                    <a:lumOff val="50000"/>
+                  </a:schemeClr>
+                </a:solidFill>
+                <a:latin typeface="微软雅黑" panose="020B0503020204020204" pitchFamily="34" charset="-122"/>
+                <a:ea typeface="微软雅黑" panose="020B0503020204020204" pitchFamily="34" charset="-122"/>
+              </a:rPr>
+              <a:t>16 </a:t>
+            </a:r>
+            <a:r>
+              <a:rPr lang="zh-CN" altLang="en-US" sz="1600" b="1" dirty="0">
+                <a:solidFill>
+                  <a:schemeClr val="tx1">
+                    <a:lumMod val="50000"/>
+                    <a:lumOff val="50000"/>
+                  </a:schemeClr>
+                </a:solidFill>
+                <a:latin typeface="微软雅黑" panose="020B0503020204020204" pitchFamily="34" charset="-122"/>
+                <a:ea typeface="微软雅黑" panose="020B0503020204020204" pitchFamily="34" charset="-122"/>
+              </a:rPr>
+              <a:t>文档编辑</a:t>
+            </a:r>
+            <a:endParaRPr lang="en-US" altLang="zh-CN" sz="1600" b="1" dirty="0">
+              <a:solidFill>
+                <a:schemeClr val="tx1">
+                  <a:lumMod val="50000"/>
+                  <a:lumOff val="50000"/>
+                </a:schemeClr>
+              </a:solidFill>
+              <a:latin typeface="微软雅黑" panose="020B0503020204020204" pitchFamily="34" charset="-122"/>
+              <a:ea typeface="微软雅黑" panose="020B0503020204020204" pitchFamily="34" charset="-122"/>
+            </a:endParaRPr>
+          </a:p>
+          <a:p>
+            <a:r>
+              <a:rPr lang="zh-CN" altLang="en-US" sz="1600" b="1" dirty="0">
+                <a:solidFill>
+                  <a:schemeClr val="tx1">
+                    <a:lumMod val="50000"/>
+                    <a:lumOff val="50000"/>
+                  </a:schemeClr>
+                </a:solidFill>
+                <a:latin typeface="微软雅黑" panose="020B0503020204020204" pitchFamily="34" charset="-122"/>
+                <a:ea typeface="微软雅黑" panose="020B0503020204020204" pitchFamily="34" charset="-122"/>
+              </a:rPr>
+              <a:t>汤志东：</a:t>
+            </a:r>
+            <a:r>
+              <a:rPr lang="en-US" altLang="zh-CN" sz="1600" b="1" dirty="0">
+                <a:solidFill>
+                  <a:schemeClr val="tx1">
+                    <a:lumMod val="50000"/>
+                    <a:lumOff val="50000"/>
+                  </a:schemeClr>
+                </a:solidFill>
+                <a:latin typeface="微软雅黑" panose="020B0503020204020204" pitchFamily="34" charset="-122"/>
+                <a:ea typeface="微软雅黑" panose="020B0503020204020204" pitchFamily="34" charset="-122"/>
+              </a:rPr>
+              <a:t>16 </a:t>
+            </a:r>
+            <a:r>
+              <a:rPr lang="zh-CN" altLang="en-US" sz="1600" b="1" dirty="0">
+                <a:solidFill>
+                  <a:schemeClr val="tx1">
+                    <a:lumMod val="50000"/>
+                    <a:lumOff val="50000"/>
+                  </a:schemeClr>
+                </a:solidFill>
+                <a:latin typeface="微软雅黑" panose="020B0503020204020204" pitchFamily="34" charset="-122"/>
+                <a:ea typeface="微软雅黑" panose="020B0503020204020204" pitchFamily="34" charset="-122"/>
+              </a:rPr>
+              <a:t>文档编辑</a:t>
+            </a:r>
+            <a:endParaRPr lang="en-US" altLang="zh-CN" sz="1600" b="1" dirty="0">
+              <a:solidFill>
+                <a:schemeClr val="tx1">
+                  <a:lumMod val="50000"/>
+                  <a:lumOff val="50000"/>
+                </a:schemeClr>
+              </a:solidFill>
+              <a:latin typeface="微软雅黑" panose="020B0503020204020204" pitchFamily="34" charset="-122"/>
+              <a:ea typeface="微软雅黑" panose="020B0503020204020204" pitchFamily="34" charset="-122"/>
             </a:endParaRPr>
           </a:p>
         </p:txBody>
@@ -33395,7 +33559,7 @@
     </p:spTree>
     <p:extLst>
       <p:ext uri="{BB962C8B-B14F-4D97-AF65-F5344CB8AC3E}">
-        <p14:creationId xmlns:p14="http://schemas.microsoft.com/office/powerpoint/2010/main" val="2614912902"/>
+        <p14:creationId xmlns:p14="http://schemas.microsoft.com/office/powerpoint/2010/main" val="2991596014"/>
       </p:ext>
     </p:extLst>
   </p:cSld>
@@ -33493,398 +33657,6 @@
 </file>
 
 <file path=ppt/slides/slide60.xml><?xml version="1.0" encoding="utf-8"?>
-<p:sld xmlns:a="http://schemas.openxmlformats.org/drawingml/2006/main" xmlns:r="http://schemas.openxmlformats.org/officeDocument/2006/relationships" xmlns:p="http://schemas.openxmlformats.org/presentationml/2006/main">
-  <p:cSld>
-    <p:spTree>
-      <p:nvGrpSpPr>
-        <p:cNvPr id="1" name=""/>
-        <p:cNvGrpSpPr/>
-        <p:nvPr/>
-      </p:nvGrpSpPr>
-      <p:grpSpPr>
-        <a:xfrm>
-          <a:off x="0" y="0"/>
-          <a:ext cx="0" cy="0"/>
-          <a:chOff x="0" y="0"/>
-          <a:chExt cx="0" cy="0"/>
-        </a:xfrm>
-      </p:grpSpPr>
-      <p:sp>
-        <p:nvSpPr>
-          <p:cNvPr id="2" name="标题 1"/>
-          <p:cNvSpPr>
-            <a:spLocks noGrp="1"/>
-          </p:cNvSpPr>
-          <p:nvPr>
-            <p:ph type="title"/>
-          </p:nvPr>
-        </p:nvSpPr>
-        <p:spPr>
-          <a:xfrm>
-            <a:off x="646111" y="452718"/>
-            <a:ext cx="9404723" cy="1400530"/>
-          </a:xfrm>
-        </p:spPr>
-        <p:txBody>
-          <a:bodyPr/>
-          <a:lstStyle/>
-          <a:p>
-            <a:r>
-              <a:rPr lang="zh-CN" altLang="en-US" dirty="0"/>
-              <a:t>效绩评定</a:t>
-            </a:r>
-          </a:p>
-        </p:txBody>
-      </p:sp>
-      <p:sp>
-        <p:nvSpPr>
-          <p:cNvPr id="4" name="文本框 3">
-            <a:extLst>
-              <a:ext uri="{FF2B5EF4-FFF2-40B4-BE49-F238E27FC236}">
-                <a16:creationId xmlns:a16="http://schemas.microsoft.com/office/drawing/2014/main" id="{00BC4346-2A34-4211-89A7-4BB48D5913EA}"/>
-              </a:ext>
-            </a:extLst>
-          </p:cNvPr>
-          <p:cNvSpPr txBox="1"/>
-          <p:nvPr/>
-        </p:nvSpPr>
-        <p:spPr>
-          <a:xfrm>
-            <a:off x="646111" y="1754878"/>
-            <a:ext cx="8720920" cy="1569660"/>
-          </a:xfrm>
-          <a:prstGeom prst="rect">
-            <a:avLst/>
-          </a:prstGeom>
-          <a:noFill/>
-        </p:spPr>
-        <p:txBody>
-          <a:bodyPr wrap="square" rtlCol="0">
-            <a:spAutoFit/>
-          </a:bodyPr>
-          <a:lstStyle/>
-          <a:p>
-            <a:r>
-              <a:rPr lang="zh-CN" altLang="en-US" sz="1600" b="1" dirty="0">
-                <a:solidFill>
-                  <a:schemeClr val="tx1">
-                    <a:lumMod val="50000"/>
-                    <a:lumOff val="50000"/>
-                  </a:schemeClr>
-                </a:solidFill>
-                <a:latin typeface="微软雅黑" panose="020B0503020204020204" pitchFamily="34" charset="-122"/>
-                <a:ea typeface="微软雅黑" panose="020B0503020204020204" pitchFamily="34" charset="-122"/>
-              </a:rPr>
-              <a:t>吴思楠：</a:t>
-            </a:r>
-            <a:r>
-              <a:rPr lang="en-US" altLang="zh-CN" sz="1600" b="1" dirty="0">
-                <a:solidFill>
-                  <a:schemeClr val="tx1">
-                    <a:lumMod val="50000"/>
-                    <a:lumOff val="50000"/>
-                  </a:schemeClr>
-                </a:solidFill>
-                <a:latin typeface="微软雅黑" panose="020B0503020204020204" pitchFamily="34" charset="-122"/>
-                <a:ea typeface="微软雅黑" panose="020B0503020204020204" pitchFamily="34" charset="-122"/>
-              </a:rPr>
-              <a:t>20 </a:t>
-            </a:r>
-            <a:r>
-              <a:rPr lang="zh-CN" altLang="en-US" sz="1600" b="1" dirty="0">
-                <a:solidFill>
-                  <a:schemeClr val="tx1">
-                    <a:lumMod val="50000"/>
-                    <a:lumOff val="50000"/>
-                  </a:schemeClr>
-                </a:solidFill>
-                <a:latin typeface="微软雅黑" panose="020B0503020204020204" pitchFamily="34" charset="-122"/>
-                <a:ea typeface="微软雅黑" panose="020B0503020204020204" pitchFamily="34" charset="-122"/>
-              </a:rPr>
-              <a:t>所有文档审核，任务分配</a:t>
-            </a:r>
-            <a:endParaRPr lang="en-US" altLang="zh-CN" sz="1600" b="1" dirty="0">
-              <a:solidFill>
-                <a:schemeClr val="tx1">
-                  <a:lumMod val="50000"/>
-                  <a:lumOff val="50000"/>
-                </a:schemeClr>
-              </a:solidFill>
-              <a:latin typeface="微软雅黑" panose="020B0503020204020204" pitchFamily="34" charset="-122"/>
-              <a:ea typeface="微软雅黑" panose="020B0503020204020204" pitchFamily="34" charset="-122"/>
-            </a:endParaRPr>
-          </a:p>
-          <a:p>
-            <a:r>
-              <a:rPr lang="zh-CN" altLang="en-US" sz="1600" b="1" dirty="0">
-                <a:solidFill>
-                  <a:schemeClr val="tx1">
-                    <a:lumMod val="50000"/>
-                    <a:lumOff val="50000"/>
-                  </a:schemeClr>
-                </a:solidFill>
-                <a:latin typeface="微软雅黑" panose="020B0503020204020204" pitchFamily="34" charset="-122"/>
-                <a:ea typeface="微软雅黑" panose="020B0503020204020204" pitchFamily="34" charset="-122"/>
-              </a:rPr>
-              <a:t>姚天恒：</a:t>
-            </a:r>
-            <a:r>
-              <a:rPr lang="en-US" altLang="zh-CN" sz="1600" b="1" dirty="0">
-                <a:solidFill>
-                  <a:schemeClr val="tx1">
-                    <a:lumMod val="50000"/>
-                    <a:lumOff val="50000"/>
-                  </a:schemeClr>
-                </a:solidFill>
-                <a:latin typeface="微软雅黑" panose="020B0503020204020204" pitchFamily="34" charset="-122"/>
-                <a:ea typeface="微软雅黑" panose="020B0503020204020204" pitchFamily="34" charset="-122"/>
-              </a:rPr>
-              <a:t>17 </a:t>
-            </a:r>
-            <a:r>
-              <a:rPr lang="zh-CN" altLang="en-US" sz="1600" b="1" dirty="0">
-                <a:solidFill>
-                  <a:schemeClr val="tx1">
-                    <a:lumMod val="50000"/>
-                    <a:lumOff val="50000"/>
-                  </a:schemeClr>
-                </a:solidFill>
-                <a:latin typeface="微软雅黑" panose="020B0503020204020204" pitchFamily="34" charset="-122"/>
-                <a:ea typeface="微软雅黑" panose="020B0503020204020204" pitchFamily="34" charset="-122"/>
-              </a:rPr>
-              <a:t>甘特图</a:t>
-            </a:r>
-            <a:endParaRPr lang="en-US" altLang="zh-CN" sz="1600" b="1" dirty="0">
-              <a:solidFill>
-                <a:schemeClr val="tx1">
-                  <a:lumMod val="50000"/>
-                  <a:lumOff val="50000"/>
-                </a:schemeClr>
-              </a:solidFill>
-              <a:latin typeface="微软雅黑" panose="020B0503020204020204" pitchFamily="34" charset="-122"/>
-              <a:ea typeface="微软雅黑" panose="020B0503020204020204" pitchFamily="34" charset="-122"/>
-            </a:endParaRPr>
-          </a:p>
-          <a:p>
-            <a:r>
-              <a:rPr lang="zh-CN" altLang="en-US" sz="1600" b="1" dirty="0">
-                <a:solidFill>
-                  <a:schemeClr val="tx1">
-                    <a:lumMod val="50000"/>
-                    <a:lumOff val="50000"/>
-                  </a:schemeClr>
-                </a:solidFill>
-                <a:latin typeface="微软雅黑" panose="020B0503020204020204" pitchFamily="34" charset="-122"/>
-                <a:ea typeface="微软雅黑" panose="020B0503020204020204" pitchFamily="34" charset="-122"/>
-              </a:rPr>
-              <a:t>叶家威：</a:t>
-            </a:r>
-            <a:r>
-              <a:rPr lang="en-US" altLang="zh-CN" sz="1600" b="1" dirty="0">
-                <a:solidFill>
-                  <a:schemeClr val="tx1">
-                    <a:lumMod val="50000"/>
-                    <a:lumOff val="50000"/>
-                  </a:schemeClr>
-                </a:solidFill>
-                <a:latin typeface="微软雅黑" panose="020B0503020204020204" pitchFamily="34" charset="-122"/>
-                <a:ea typeface="微软雅黑" panose="020B0503020204020204" pitchFamily="34" charset="-122"/>
-              </a:rPr>
-              <a:t>15 </a:t>
-            </a:r>
-            <a:r>
-              <a:rPr lang="zh-CN" altLang="en-US" sz="1600" b="1" dirty="0">
-                <a:solidFill>
-                  <a:schemeClr val="tx1">
-                    <a:lumMod val="50000"/>
-                    <a:lumOff val="50000"/>
-                  </a:schemeClr>
-                </a:solidFill>
-                <a:latin typeface="微软雅黑" panose="020B0503020204020204" pitchFamily="34" charset="-122"/>
-                <a:ea typeface="微软雅黑" panose="020B0503020204020204" pitchFamily="34" charset="-122"/>
-              </a:rPr>
-              <a:t>会议记录，预算估计</a:t>
-            </a:r>
-            <a:endParaRPr lang="en-US" altLang="zh-CN" sz="1600" b="1" dirty="0">
-              <a:solidFill>
-                <a:schemeClr val="tx1">
-                  <a:lumMod val="50000"/>
-                  <a:lumOff val="50000"/>
-                </a:schemeClr>
-              </a:solidFill>
-              <a:latin typeface="微软雅黑" panose="020B0503020204020204" pitchFamily="34" charset="-122"/>
-              <a:ea typeface="微软雅黑" panose="020B0503020204020204" pitchFamily="34" charset="-122"/>
-            </a:endParaRPr>
-          </a:p>
-          <a:p>
-            <a:r>
-              <a:rPr lang="zh-CN" altLang="en-US" sz="1600" b="1" dirty="0">
-                <a:solidFill>
-                  <a:schemeClr val="tx1">
-                    <a:lumMod val="50000"/>
-                    <a:lumOff val="50000"/>
-                  </a:schemeClr>
-                </a:solidFill>
-                <a:latin typeface="微软雅黑" panose="020B0503020204020204" pitchFamily="34" charset="-122"/>
-                <a:ea typeface="微软雅黑" panose="020B0503020204020204" pitchFamily="34" charset="-122"/>
-              </a:rPr>
-              <a:t>沈舸帆：</a:t>
-            </a:r>
-            <a:r>
-              <a:rPr lang="en-US" altLang="zh-CN" sz="1600" b="1" dirty="0">
-                <a:solidFill>
-                  <a:schemeClr val="tx1">
-                    <a:lumMod val="50000"/>
-                    <a:lumOff val="50000"/>
-                  </a:schemeClr>
-                </a:solidFill>
-                <a:latin typeface="微软雅黑" panose="020B0503020204020204" pitchFamily="34" charset="-122"/>
-                <a:ea typeface="微软雅黑" panose="020B0503020204020204" pitchFamily="34" charset="-122"/>
-              </a:rPr>
-              <a:t>16 WBS</a:t>
-            </a:r>
-            <a:r>
-              <a:rPr lang="zh-CN" altLang="en-US" sz="1600" b="1" dirty="0">
-                <a:solidFill>
-                  <a:schemeClr val="tx1">
-                    <a:lumMod val="50000"/>
-                    <a:lumOff val="50000"/>
-                  </a:schemeClr>
-                </a:solidFill>
-                <a:latin typeface="微软雅黑" panose="020B0503020204020204" pitchFamily="34" charset="-122"/>
-                <a:ea typeface="微软雅黑" panose="020B0503020204020204" pitchFamily="34" charset="-122"/>
-              </a:rPr>
-              <a:t>表</a:t>
-            </a:r>
-            <a:endParaRPr lang="en-US" altLang="zh-CN" sz="1600" b="1" dirty="0">
-              <a:solidFill>
-                <a:schemeClr val="tx1">
-                  <a:lumMod val="50000"/>
-                  <a:lumOff val="50000"/>
-                </a:schemeClr>
-              </a:solidFill>
-              <a:latin typeface="微软雅黑" panose="020B0503020204020204" pitchFamily="34" charset="-122"/>
-              <a:ea typeface="微软雅黑" panose="020B0503020204020204" pitchFamily="34" charset="-122"/>
-            </a:endParaRPr>
-          </a:p>
-          <a:p>
-            <a:r>
-              <a:rPr lang="zh-CN" altLang="en-US" sz="1600" b="1" dirty="0">
-                <a:solidFill>
-                  <a:schemeClr val="tx1">
-                    <a:lumMod val="50000"/>
-                    <a:lumOff val="50000"/>
-                  </a:schemeClr>
-                </a:solidFill>
-                <a:latin typeface="微软雅黑" panose="020B0503020204020204" pitchFamily="34" charset="-122"/>
-                <a:ea typeface="微软雅黑" panose="020B0503020204020204" pitchFamily="34" charset="-122"/>
-              </a:rPr>
-              <a:t>沈家豪：</a:t>
-            </a:r>
-            <a:r>
-              <a:rPr lang="en-US" altLang="zh-CN" sz="1600" b="1" dirty="0">
-                <a:solidFill>
-                  <a:schemeClr val="tx1">
-                    <a:lumMod val="50000"/>
-                    <a:lumOff val="50000"/>
-                  </a:schemeClr>
-                </a:solidFill>
-                <a:latin typeface="微软雅黑" panose="020B0503020204020204" pitchFamily="34" charset="-122"/>
-                <a:ea typeface="微软雅黑" panose="020B0503020204020204" pitchFamily="34" charset="-122"/>
-              </a:rPr>
-              <a:t>16 </a:t>
-            </a:r>
-            <a:r>
-              <a:rPr lang="zh-CN" altLang="en-US" sz="1600" b="1" dirty="0">
-                <a:solidFill>
-                  <a:schemeClr val="tx1">
-                    <a:lumMod val="50000"/>
-                    <a:lumOff val="50000"/>
-                  </a:schemeClr>
-                </a:solidFill>
-                <a:latin typeface="微软雅黑" panose="020B0503020204020204" pitchFamily="34" charset="-122"/>
-                <a:ea typeface="微软雅黑" panose="020B0503020204020204" pitchFamily="34" charset="-122"/>
-              </a:rPr>
-              <a:t>文档编辑</a:t>
-            </a:r>
-            <a:endParaRPr lang="en-US" altLang="zh-CN" sz="1600" b="1" dirty="0">
-              <a:solidFill>
-                <a:schemeClr val="tx1">
-                  <a:lumMod val="50000"/>
-                  <a:lumOff val="50000"/>
-                </a:schemeClr>
-              </a:solidFill>
-              <a:latin typeface="微软雅黑" panose="020B0503020204020204" pitchFamily="34" charset="-122"/>
-              <a:ea typeface="微软雅黑" panose="020B0503020204020204" pitchFamily="34" charset="-122"/>
-            </a:endParaRPr>
-          </a:p>
-          <a:p>
-            <a:r>
-              <a:rPr lang="zh-CN" altLang="en-US" sz="1600" b="1" dirty="0">
-                <a:solidFill>
-                  <a:schemeClr val="tx1">
-                    <a:lumMod val="50000"/>
-                    <a:lumOff val="50000"/>
-                  </a:schemeClr>
-                </a:solidFill>
-                <a:latin typeface="微软雅黑" panose="020B0503020204020204" pitchFamily="34" charset="-122"/>
-                <a:ea typeface="微软雅黑" panose="020B0503020204020204" pitchFamily="34" charset="-122"/>
-              </a:rPr>
-              <a:t>汤志东：</a:t>
-            </a:r>
-            <a:r>
-              <a:rPr lang="en-US" altLang="zh-CN" sz="1600" b="1" dirty="0">
-                <a:solidFill>
-                  <a:schemeClr val="tx1">
-                    <a:lumMod val="50000"/>
-                    <a:lumOff val="50000"/>
-                  </a:schemeClr>
-                </a:solidFill>
-                <a:latin typeface="微软雅黑" panose="020B0503020204020204" pitchFamily="34" charset="-122"/>
-                <a:ea typeface="微软雅黑" panose="020B0503020204020204" pitchFamily="34" charset="-122"/>
-              </a:rPr>
-              <a:t>16 </a:t>
-            </a:r>
-            <a:r>
-              <a:rPr lang="zh-CN" altLang="en-US" sz="1600" b="1" dirty="0">
-                <a:solidFill>
-                  <a:schemeClr val="tx1">
-                    <a:lumMod val="50000"/>
-                    <a:lumOff val="50000"/>
-                  </a:schemeClr>
-                </a:solidFill>
-                <a:latin typeface="微软雅黑" panose="020B0503020204020204" pitchFamily="34" charset="-122"/>
-                <a:ea typeface="微软雅黑" panose="020B0503020204020204" pitchFamily="34" charset="-122"/>
-              </a:rPr>
-              <a:t>文档编辑</a:t>
-            </a:r>
-            <a:endParaRPr lang="en-US" altLang="zh-CN" sz="1600" b="1" dirty="0">
-              <a:solidFill>
-                <a:schemeClr val="tx1">
-                  <a:lumMod val="50000"/>
-                  <a:lumOff val="50000"/>
-                </a:schemeClr>
-              </a:solidFill>
-              <a:latin typeface="微软雅黑" panose="020B0503020204020204" pitchFamily="34" charset="-122"/>
-              <a:ea typeface="微软雅黑" panose="020B0503020204020204" pitchFamily="34" charset="-122"/>
-            </a:endParaRPr>
-          </a:p>
-        </p:txBody>
-      </p:sp>
-    </p:spTree>
-    <p:extLst>
-      <p:ext uri="{BB962C8B-B14F-4D97-AF65-F5344CB8AC3E}">
-        <p14:creationId xmlns:p14="http://schemas.microsoft.com/office/powerpoint/2010/main" val="2991596014"/>
-      </p:ext>
-    </p:extLst>
-  </p:cSld>
-  <p:clrMapOvr>
-    <a:masterClrMapping/>
-  </p:clrMapOvr>
-</p:sld>
-</file>
-
-<file path=ppt/slides/slide61.xml><?xml version="1.0" encoding="utf-8"?>
 <p:sld xmlns:a="http://schemas.openxmlformats.org/drawingml/2006/main" xmlns:r="http://schemas.openxmlformats.org/officeDocument/2006/relationships" xmlns:p="http://schemas.openxmlformats.org/presentationml/2006/main">
   <p:cSld>
     <p:spTree>
@@ -34811,7 +34583,7 @@
 </p:sld>
 </file>
 
-<file path=ppt/slides/slide62.xml><?xml version="1.0" encoding="utf-8"?>
+<file path=ppt/slides/slide61.xml><?xml version="1.0" encoding="utf-8"?>
 <p:sld xmlns:a="http://schemas.openxmlformats.org/drawingml/2006/main" xmlns:r="http://schemas.openxmlformats.org/officeDocument/2006/relationships" xmlns:p="http://schemas.openxmlformats.org/presentationml/2006/main">
   <p:cSld>
     <p:spTree>
@@ -35241,7 +35013,7 @@
 </p:sld>
 </file>
 
-<file path=ppt/slides/slide63.xml><?xml version="1.0" encoding="utf-8"?>
+<file path=ppt/slides/slide62.xml><?xml version="1.0" encoding="utf-8"?>
 <p:sld xmlns:a="http://schemas.openxmlformats.org/drawingml/2006/main" xmlns:r="http://schemas.openxmlformats.org/officeDocument/2006/relationships" xmlns:p="http://schemas.openxmlformats.org/presentationml/2006/main">
   <p:cSld>
     <p:spTree>
